--- a/docs/IaC_Devopedia_Sep_2022.pptx
+++ b/docs/IaC_Devopedia_Sep_2022.pptx
@@ -139,6 +139,2690 @@
     </p:ext>
   </p:extLst>
 </p:presentation>
+</file>
+
+<file path=ppt/diagrams/colors1.xml><?xml version="1.0" encoding="utf-8"?>
+<dgm:colorsDef xmlns:dgm="http://schemas.openxmlformats.org/drawingml/2006/diagram" xmlns:a="http://schemas.openxmlformats.org/drawingml/2006/main" uniqueId="urn:microsoft.com/office/officeart/2005/8/colors/accent1_2">
+  <dgm:title val=""/>
+  <dgm:desc val=""/>
+  <dgm:catLst>
+    <dgm:cat type="accent1" pri="11200"/>
+  </dgm:catLst>
+  <dgm:styleLbl name="node0">
+    <dgm:fillClrLst meth="repeat">
+      <a:schemeClr val="accent1"/>
+    </dgm:fillClrLst>
+    <dgm:linClrLst meth="repeat">
+      <a:schemeClr val="lt1"/>
+    </dgm:linClrLst>
+    <dgm:effectClrLst/>
+    <dgm:txLinClrLst/>
+    <dgm:txFillClrLst/>
+    <dgm:txEffectClrLst/>
+  </dgm:styleLbl>
+  <dgm:styleLbl name="alignNode1">
+    <dgm:fillClrLst meth="repeat">
+      <a:schemeClr val="accent1"/>
+    </dgm:fillClrLst>
+    <dgm:linClrLst meth="repeat">
+      <a:schemeClr val="accent1"/>
+    </dgm:linClrLst>
+    <dgm:effectClrLst/>
+    <dgm:txLinClrLst/>
+    <dgm:txFillClrLst/>
+    <dgm:txEffectClrLst/>
+  </dgm:styleLbl>
+  <dgm:styleLbl name="node1">
+    <dgm:fillClrLst meth="repeat">
+      <a:schemeClr val="accent1"/>
+    </dgm:fillClrLst>
+    <dgm:linClrLst meth="repeat">
+      <a:schemeClr val="lt1"/>
+    </dgm:linClrLst>
+    <dgm:effectClrLst/>
+    <dgm:txLinClrLst/>
+    <dgm:txFillClrLst/>
+    <dgm:txEffectClrLst/>
+  </dgm:styleLbl>
+  <dgm:styleLbl name="lnNode1">
+    <dgm:fillClrLst meth="repeat">
+      <a:schemeClr val="accent1"/>
+    </dgm:fillClrLst>
+    <dgm:linClrLst meth="repeat">
+      <a:schemeClr val="lt1"/>
+    </dgm:linClrLst>
+    <dgm:effectClrLst/>
+    <dgm:txLinClrLst/>
+    <dgm:txFillClrLst/>
+    <dgm:txEffectClrLst/>
+  </dgm:styleLbl>
+  <dgm:styleLbl name="vennNode1">
+    <dgm:fillClrLst meth="repeat">
+      <a:schemeClr val="accent1">
+        <a:alpha val="50000"/>
+      </a:schemeClr>
+    </dgm:fillClrLst>
+    <dgm:linClrLst meth="repeat">
+      <a:schemeClr val="lt1"/>
+    </dgm:linClrLst>
+    <dgm:effectClrLst/>
+    <dgm:txLinClrLst/>
+    <dgm:txFillClrLst/>
+    <dgm:txEffectClrLst/>
+  </dgm:styleLbl>
+  <dgm:styleLbl name="node2">
+    <dgm:fillClrLst meth="repeat">
+      <a:schemeClr val="accent1"/>
+    </dgm:fillClrLst>
+    <dgm:linClrLst meth="repeat">
+      <a:schemeClr val="lt1"/>
+    </dgm:linClrLst>
+    <dgm:effectClrLst/>
+    <dgm:txLinClrLst/>
+    <dgm:txFillClrLst/>
+    <dgm:txEffectClrLst/>
+  </dgm:styleLbl>
+  <dgm:styleLbl name="node3">
+    <dgm:fillClrLst meth="repeat">
+      <a:schemeClr val="accent1"/>
+    </dgm:fillClrLst>
+    <dgm:linClrLst meth="repeat">
+      <a:schemeClr val="lt1"/>
+    </dgm:linClrLst>
+    <dgm:effectClrLst/>
+    <dgm:txLinClrLst/>
+    <dgm:txFillClrLst/>
+    <dgm:txEffectClrLst/>
+  </dgm:styleLbl>
+  <dgm:styleLbl name="node4">
+    <dgm:fillClrLst meth="repeat">
+      <a:schemeClr val="accent1"/>
+    </dgm:fillClrLst>
+    <dgm:linClrLst meth="repeat">
+      <a:schemeClr val="lt1"/>
+    </dgm:linClrLst>
+    <dgm:effectClrLst/>
+    <dgm:txLinClrLst/>
+    <dgm:txFillClrLst/>
+    <dgm:txEffectClrLst/>
+  </dgm:styleLbl>
+  <dgm:styleLbl name="fgImgPlace1">
+    <dgm:fillClrLst meth="repeat">
+      <a:schemeClr val="accent1">
+        <a:tint val="50000"/>
+      </a:schemeClr>
+    </dgm:fillClrLst>
+    <dgm:linClrLst meth="repeat">
+      <a:schemeClr val="lt1"/>
+    </dgm:linClrLst>
+    <dgm:effectClrLst/>
+    <dgm:txLinClrLst/>
+    <dgm:txFillClrLst meth="repeat">
+      <a:schemeClr val="lt1"/>
+    </dgm:txFillClrLst>
+    <dgm:txEffectClrLst/>
+  </dgm:styleLbl>
+  <dgm:styleLbl name="alignImgPlace1">
+    <dgm:fillClrLst meth="repeat">
+      <a:schemeClr val="accent1">
+        <a:tint val="50000"/>
+      </a:schemeClr>
+    </dgm:fillClrLst>
+    <dgm:linClrLst meth="repeat">
+      <a:schemeClr val="lt1"/>
+    </dgm:linClrLst>
+    <dgm:effectClrLst/>
+    <dgm:txLinClrLst/>
+    <dgm:txFillClrLst meth="repeat">
+      <a:schemeClr val="lt1"/>
+    </dgm:txFillClrLst>
+    <dgm:txEffectClrLst/>
+  </dgm:styleLbl>
+  <dgm:styleLbl name="bgImgPlace1">
+    <dgm:fillClrLst meth="repeat">
+      <a:schemeClr val="accent1">
+        <a:tint val="50000"/>
+      </a:schemeClr>
+    </dgm:fillClrLst>
+    <dgm:linClrLst meth="repeat">
+      <a:schemeClr val="lt1"/>
+    </dgm:linClrLst>
+    <dgm:effectClrLst/>
+    <dgm:txLinClrLst/>
+    <dgm:txFillClrLst meth="repeat">
+      <a:schemeClr val="lt1"/>
+    </dgm:txFillClrLst>
+    <dgm:txEffectClrLst/>
+  </dgm:styleLbl>
+  <dgm:styleLbl name="sibTrans2D1">
+    <dgm:fillClrLst meth="repeat">
+      <a:schemeClr val="accent1">
+        <a:tint val="60000"/>
+      </a:schemeClr>
+    </dgm:fillClrLst>
+    <dgm:linClrLst meth="repeat">
+      <a:schemeClr val="accent1">
+        <a:tint val="60000"/>
+      </a:schemeClr>
+    </dgm:linClrLst>
+    <dgm:effectClrLst/>
+    <dgm:txLinClrLst/>
+    <dgm:txFillClrLst/>
+    <dgm:txEffectClrLst/>
+  </dgm:styleLbl>
+  <dgm:styleLbl name="fgSibTrans2D1">
+    <dgm:fillClrLst meth="repeat">
+      <a:schemeClr val="accent1">
+        <a:tint val="60000"/>
+      </a:schemeClr>
+    </dgm:fillClrLst>
+    <dgm:linClrLst meth="repeat">
+      <a:schemeClr val="accent1">
+        <a:tint val="60000"/>
+      </a:schemeClr>
+    </dgm:linClrLst>
+    <dgm:effectClrLst/>
+    <dgm:txLinClrLst/>
+    <dgm:txFillClrLst/>
+    <dgm:txEffectClrLst/>
+  </dgm:styleLbl>
+  <dgm:styleLbl name="bgSibTrans2D1">
+    <dgm:fillClrLst meth="repeat">
+      <a:schemeClr val="accent1">
+        <a:tint val="60000"/>
+      </a:schemeClr>
+    </dgm:fillClrLst>
+    <dgm:linClrLst meth="repeat">
+      <a:schemeClr val="accent1">
+        <a:tint val="60000"/>
+      </a:schemeClr>
+    </dgm:linClrLst>
+    <dgm:effectClrLst/>
+    <dgm:txLinClrLst/>
+    <dgm:txFillClrLst/>
+    <dgm:txEffectClrLst/>
+  </dgm:styleLbl>
+  <dgm:styleLbl name="sibTrans1D1">
+    <dgm:fillClrLst meth="repeat">
+      <a:schemeClr val="accent1"/>
+    </dgm:fillClrLst>
+    <dgm:linClrLst meth="repeat">
+      <a:schemeClr val="accent1"/>
+    </dgm:linClrLst>
+    <dgm:effectClrLst/>
+    <dgm:txLinClrLst/>
+    <dgm:txFillClrLst meth="repeat">
+      <a:schemeClr val="tx1"/>
+    </dgm:txFillClrLst>
+    <dgm:txEffectClrLst/>
+  </dgm:styleLbl>
+  <dgm:styleLbl name="callout">
+    <dgm:fillClrLst meth="repeat">
+      <a:schemeClr val="accent1"/>
+    </dgm:fillClrLst>
+    <dgm:linClrLst meth="repeat">
+      <a:schemeClr val="accent1">
+        <a:tint val="50000"/>
+      </a:schemeClr>
+    </dgm:linClrLst>
+    <dgm:effectClrLst/>
+    <dgm:txLinClrLst/>
+    <dgm:txFillClrLst meth="repeat">
+      <a:schemeClr val="tx1"/>
+    </dgm:txFillClrLst>
+    <dgm:txEffectClrLst/>
+  </dgm:styleLbl>
+  <dgm:styleLbl name="asst0">
+    <dgm:fillClrLst meth="repeat">
+      <a:schemeClr val="accent1"/>
+    </dgm:fillClrLst>
+    <dgm:linClrLst meth="repeat">
+      <a:schemeClr val="lt1"/>
+    </dgm:linClrLst>
+    <dgm:effectClrLst/>
+    <dgm:txLinClrLst/>
+    <dgm:txFillClrLst/>
+    <dgm:txEffectClrLst/>
+  </dgm:styleLbl>
+  <dgm:styleLbl name="asst1">
+    <dgm:fillClrLst meth="repeat">
+      <a:schemeClr val="accent1"/>
+    </dgm:fillClrLst>
+    <dgm:linClrLst meth="repeat">
+      <a:schemeClr val="lt1"/>
+    </dgm:linClrLst>
+    <dgm:effectClrLst/>
+    <dgm:txLinClrLst/>
+    <dgm:txFillClrLst/>
+    <dgm:txEffectClrLst/>
+  </dgm:styleLbl>
+  <dgm:styleLbl name="asst2">
+    <dgm:fillClrLst meth="repeat">
+      <a:schemeClr val="accent1"/>
+    </dgm:fillClrLst>
+    <dgm:linClrLst meth="repeat">
+      <a:schemeClr val="lt1"/>
+    </dgm:linClrLst>
+    <dgm:effectClrLst/>
+    <dgm:txLinClrLst/>
+    <dgm:txFillClrLst/>
+    <dgm:txEffectClrLst/>
+  </dgm:styleLbl>
+  <dgm:styleLbl name="asst3">
+    <dgm:fillClrLst meth="repeat">
+      <a:schemeClr val="accent1"/>
+    </dgm:fillClrLst>
+    <dgm:linClrLst meth="repeat">
+      <a:schemeClr val="lt1"/>
+    </dgm:linClrLst>
+    <dgm:effectClrLst/>
+    <dgm:txLinClrLst/>
+    <dgm:txFillClrLst/>
+    <dgm:txEffectClrLst/>
+  </dgm:styleLbl>
+  <dgm:styleLbl name="asst4">
+    <dgm:fillClrLst meth="repeat">
+      <a:schemeClr val="accent1"/>
+    </dgm:fillClrLst>
+    <dgm:linClrLst meth="repeat">
+      <a:schemeClr val="lt1"/>
+    </dgm:linClrLst>
+    <dgm:effectClrLst/>
+    <dgm:txLinClrLst/>
+    <dgm:txFillClrLst/>
+    <dgm:txEffectClrLst/>
+  </dgm:styleLbl>
+  <dgm:styleLbl name="parChTrans2D1">
+    <dgm:fillClrLst meth="repeat">
+      <a:schemeClr val="accent1">
+        <a:tint val="60000"/>
+      </a:schemeClr>
+    </dgm:fillClrLst>
+    <dgm:linClrLst meth="repeat">
+      <a:schemeClr val="accent1">
+        <a:tint val="60000"/>
+      </a:schemeClr>
+    </dgm:linClrLst>
+    <dgm:effectClrLst/>
+    <dgm:txLinClrLst/>
+    <dgm:txFillClrLst meth="repeat">
+      <a:schemeClr val="lt1"/>
+    </dgm:txFillClrLst>
+    <dgm:txEffectClrLst/>
+  </dgm:styleLbl>
+  <dgm:styleLbl name="parChTrans2D2">
+    <dgm:fillClrLst meth="repeat">
+      <a:schemeClr val="accent1"/>
+    </dgm:fillClrLst>
+    <dgm:linClrLst meth="repeat">
+      <a:schemeClr val="accent1"/>
+    </dgm:linClrLst>
+    <dgm:effectClrLst/>
+    <dgm:txLinClrLst/>
+    <dgm:txFillClrLst meth="repeat">
+      <a:schemeClr val="lt1"/>
+    </dgm:txFillClrLst>
+    <dgm:txEffectClrLst/>
+  </dgm:styleLbl>
+  <dgm:styleLbl name="parChTrans2D3">
+    <dgm:fillClrLst meth="repeat">
+      <a:schemeClr val="accent1"/>
+    </dgm:fillClrLst>
+    <dgm:linClrLst meth="repeat">
+      <a:schemeClr val="accent1"/>
+    </dgm:linClrLst>
+    <dgm:effectClrLst/>
+    <dgm:txLinClrLst/>
+    <dgm:txFillClrLst meth="repeat">
+      <a:schemeClr val="lt1"/>
+    </dgm:txFillClrLst>
+    <dgm:txEffectClrLst/>
+  </dgm:styleLbl>
+  <dgm:styleLbl name="parChTrans2D4">
+    <dgm:fillClrLst meth="repeat">
+      <a:schemeClr val="accent1"/>
+    </dgm:fillClrLst>
+    <dgm:linClrLst meth="repeat">
+      <a:schemeClr val="accent1"/>
+    </dgm:linClrLst>
+    <dgm:effectClrLst/>
+    <dgm:txLinClrLst/>
+    <dgm:txFillClrLst meth="repeat">
+      <a:schemeClr val="lt1"/>
+    </dgm:txFillClrLst>
+    <dgm:txEffectClrLst/>
+  </dgm:styleLbl>
+  <dgm:styleLbl name="parChTrans1D1">
+    <dgm:fillClrLst meth="repeat">
+      <a:schemeClr val="accent1"/>
+    </dgm:fillClrLst>
+    <dgm:linClrLst meth="repeat">
+      <a:schemeClr val="accent1">
+        <a:shade val="60000"/>
+      </a:schemeClr>
+    </dgm:linClrLst>
+    <dgm:effectClrLst/>
+    <dgm:txLinClrLst/>
+    <dgm:txFillClrLst meth="repeat">
+      <a:schemeClr val="tx1"/>
+    </dgm:txFillClrLst>
+    <dgm:txEffectClrLst/>
+  </dgm:styleLbl>
+  <dgm:styleLbl name="parChTrans1D2">
+    <dgm:fillClrLst meth="repeat">
+      <a:schemeClr val="accent1"/>
+    </dgm:fillClrLst>
+    <dgm:linClrLst meth="repeat">
+      <a:schemeClr val="accent1">
+        <a:shade val="60000"/>
+      </a:schemeClr>
+    </dgm:linClrLst>
+    <dgm:effectClrLst/>
+    <dgm:txLinClrLst/>
+    <dgm:txFillClrLst meth="repeat">
+      <a:schemeClr val="tx1"/>
+    </dgm:txFillClrLst>
+    <dgm:txEffectClrLst/>
+  </dgm:styleLbl>
+  <dgm:styleLbl name="parChTrans1D3">
+    <dgm:fillClrLst meth="repeat">
+      <a:schemeClr val="accent1"/>
+    </dgm:fillClrLst>
+    <dgm:linClrLst meth="repeat">
+      <a:schemeClr val="accent1">
+        <a:shade val="80000"/>
+      </a:schemeClr>
+    </dgm:linClrLst>
+    <dgm:effectClrLst/>
+    <dgm:txLinClrLst/>
+    <dgm:txFillClrLst meth="repeat">
+      <a:schemeClr val="tx1"/>
+    </dgm:txFillClrLst>
+    <dgm:txEffectClrLst/>
+  </dgm:styleLbl>
+  <dgm:styleLbl name="parChTrans1D4">
+    <dgm:fillClrLst meth="repeat">
+      <a:schemeClr val="accent1"/>
+    </dgm:fillClrLst>
+    <dgm:linClrLst meth="repeat">
+      <a:schemeClr val="accent1">
+        <a:shade val="80000"/>
+      </a:schemeClr>
+    </dgm:linClrLst>
+    <dgm:effectClrLst/>
+    <dgm:txLinClrLst/>
+    <dgm:txFillClrLst meth="repeat">
+      <a:schemeClr val="tx1"/>
+    </dgm:txFillClrLst>
+    <dgm:txEffectClrLst/>
+  </dgm:styleLbl>
+  <dgm:styleLbl name="fgAcc1">
+    <dgm:fillClrLst meth="repeat">
+      <a:schemeClr val="lt1">
+        <a:alpha val="90000"/>
+      </a:schemeClr>
+    </dgm:fillClrLst>
+    <dgm:linClrLst meth="repeat">
+      <a:schemeClr val="accent1"/>
+    </dgm:linClrLst>
+    <dgm:effectClrLst/>
+    <dgm:txLinClrLst/>
+    <dgm:txFillClrLst meth="repeat">
+      <a:schemeClr val="dk1"/>
+    </dgm:txFillClrLst>
+    <dgm:txEffectClrLst/>
+  </dgm:styleLbl>
+  <dgm:styleLbl name="conFgAcc1">
+    <dgm:fillClrLst meth="repeat">
+      <a:schemeClr val="lt1">
+        <a:alpha val="90000"/>
+      </a:schemeClr>
+    </dgm:fillClrLst>
+    <dgm:linClrLst meth="repeat">
+      <a:schemeClr val="accent1"/>
+    </dgm:linClrLst>
+    <dgm:effectClrLst/>
+    <dgm:txLinClrLst/>
+    <dgm:txFillClrLst meth="repeat">
+      <a:schemeClr val="dk1"/>
+    </dgm:txFillClrLst>
+    <dgm:txEffectClrLst/>
+  </dgm:styleLbl>
+  <dgm:styleLbl name="alignAcc1">
+    <dgm:fillClrLst meth="repeat">
+      <a:schemeClr val="lt1">
+        <a:alpha val="90000"/>
+      </a:schemeClr>
+    </dgm:fillClrLst>
+    <dgm:linClrLst meth="repeat">
+      <a:schemeClr val="accent1"/>
+    </dgm:linClrLst>
+    <dgm:effectClrLst/>
+    <dgm:txLinClrLst/>
+    <dgm:txFillClrLst meth="repeat">
+      <a:schemeClr val="dk1"/>
+    </dgm:txFillClrLst>
+    <dgm:txEffectClrLst/>
+  </dgm:styleLbl>
+  <dgm:styleLbl name="trAlignAcc1">
+    <dgm:fillClrLst meth="repeat">
+      <a:schemeClr val="lt1">
+        <a:alpha val="40000"/>
+      </a:schemeClr>
+    </dgm:fillClrLst>
+    <dgm:linClrLst meth="repeat">
+      <a:schemeClr val="accent1"/>
+    </dgm:linClrLst>
+    <dgm:effectClrLst/>
+    <dgm:txLinClrLst/>
+    <dgm:txFillClrLst meth="repeat">
+      <a:schemeClr val="dk1"/>
+    </dgm:txFillClrLst>
+    <dgm:txEffectClrLst/>
+  </dgm:styleLbl>
+  <dgm:styleLbl name="bgAcc1">
+    <dgm:fillClrLst meth="repeat">
+      <a:schemeClr val="lt1">
+        <a:alpha val="90000"/>
+      </a:schemeClr>
+    </dgm:fillClrLst>
+    <dgm:linClrLst meth="repeat">
+      <a:schemeClr val="accent1"/>
+    </dgm:linClrLst>
+    <dgm:effectClrLst/>
+    <dgm:txLinClrLst/>
+    <dgm:txFillClrLst meth="repeat">
+      <a:schemeClr val="dk1"/>
+    </dgm:txFillClrLst>
+    <dgm:txEffectClrLst/>
+  </dgm:styleLbl>
+  <dgm:styleLbl name="solidFgAcc1">
+    <dgm:fillClrLst meth="repeat">
+      <a:schemeClr val="lt1"/>
+    </dgm:fillClrLst>
+    <dgm:linClrLst meth="repeat">
+      <a:schemeClr val="accent1"/>
+    </dgm:linClrLst>
+    <dgm:effectClrLst/>
+    <dgm:txLinClrLst/>
+    <dgm:txFillClrLst meth="repeat">
+      <a:schemeClr val="dk1"/>
+    </dgm:txFillClrLst>
+    <dgm:txEffectClrLst/>
+  </dgm:styleLbl>
+  <dgm:styleLbl name="solidAlignAcc1">
+    <dgm:fillClrLst meth="repeat">
+      <a:schemeClr val="lt1"/>
+    </dgm:fillClrLst>
+    <dgm:linClrLst meth="repeat">
+      <a:schemeClr val="accent1"/>
+    </dgm:linClrLst>
+    <dgm:effectClrLst/>
+    <dgm:txLinClrLst/>
+    <dgm:txFillClrLst meth="repeat">
+      <a:schemeClr val="dk1"/>
+    </dgm:txFillClrLst>
+    <dgm:txEffectClrLst/>
+  </dgm:styleLbl>
+  <dgm:styleLbl name="solidBgAcc1">
+    <dgm:fillClrLst meth="repeat">
+      <a:schemeClr val="lt1"/>
+    </dgm:fillClrLst>
+    <dgm:linClrLst meth="repeat">
+      <a:schemeClr val="accent1"/>
+    </dgm:linClrLst>
+    <dgm:effectClrLst/>
+    <dgm:txLinClrLst/>
+    <dgm:txFillClrLst meth="repeat">
+      <a:schemeClr val="dk1"/>
+    </dgm:txFillClrLst>
+    <dgm:txEffectClrLst/>
+  </dgm:styleLbl>
+  <dgm:styleLbl name="fgAccFollowNode1">
+    <dgm:fillClrLst meth="repeat">
+      <a:schemeClr val="accent1">
+        <a:alpha val="90000"/>
+        <a:tint val="40000"/>
+      </a:schemeClr>
+    </dgm:fillClrLst>
+    <dgm:linClrLst meth="repeat">
+      <a:schemeClr val="accent1">
+        <a:alpha val="90000"/>
+        <a:tint val="40000"/>
+      </a:schemeClr>
+    </dgm:linClrLst>
+    <dgm:effectClrLst/>
+    <dgm:txLinClrLst/>
+    <dgm:txFillClrLst meth="repeat">
+      <a:schemeClr val="dk1"/>
+    </dgm:txFillClrLst>
+    <dgm:txEffectClrLst/>
+  </dgm:styleLbl>
+  <dgm:styleLbl name="alignAccFollowNode1">
+    <dgm:fillClrLst meth="repeat">
+      <a:schemeClr val="accent1">
+        <a:alpha val="90000"/>
+        <a:tint val="40000"/>
+      </a:schemeClr>
+    </dgm:fillClrLst>
+    <dgm:linClrLst meth="repeat">
+      <a:schemeClr val="accent1">
+        <a:alpha val="90000"/>
+        <a:tint val="40000"/>
+      </a:schemeClr>
+    </dgm:linClrLst>
+    <dgm:effectClrLst/>
+    <dgm:txLinClrLst/>
+    <dgm:txFillClrLst meth="repeat">
+      <a:schemeClr val="dk1"/>
+    </dgm:txFillClrLst>
+    <dgm:txEffectClrLst/>
+  </dgm:styleLbl>
+  <dgm:styleLbl name="bgAccFollowNode1">
+    <dgm:fillClrLst meth="repeat">
+      <a:schemeClr val="accent1">
+        <a:alpha val="90000"/>
+        <a:tint val="40000"/>
+      </a:schemeClr>
+    </dgm:fillClrLst>
+    <dgm:linClrLst meth="repeat">
+      <a:schemeClr val="accent1">
+        <a:alpha val="90000"/>
+        <a:tint val="40000"/>
+      </a:schemeClr>
+    </dgm:linClrLst>
+    <dgm:effectClrLst/>
+    <dgm:txLinClrLst/>
+    <dgm:txFillClrLst meth="repeat">
+      <a:schemeClr val="dk1"/>
+    </dgm:txFillClrLst>
+    <dgm:txEffectClrLst/>
+  </dgm:styleLbl>
+  <dgm:styleLbl name="fgAcc0">
+    <dgm:fillClrLst meth="repeat">
+      <a:schemeClr val="lt1">
+        <a:alpha val="90000"/>
+      </a:schemeClr>
+    </dgm:fillClrLst>
+    <dgm:linClrLst meth="repeat">
+      <a:schemeClr val="accent1"/>
+    </dgm:linClrLst>
+    <dgm:effectClrLst/>
+    <dgm:txLinClrLst/>
+    <dgm:txFillClrLst meth="repeat">
+      <a:schemeClr val="dk1"/>
+    </dgm:txFillClrLst>
+    <dgm:txEffectClrLst/>
+  </dgm:styleLbl>
+  <dgm:styleLbl name="fgAcc2">
+    <dgm:fillClrLst meth="repeat">
+      <a:schemeClr val="lt1">
+        <a:alpha val="90000"/>
+      </a:schemeClr>
+    </dgm:fillClrLst>
+    <dgm:linClrLst meth="repeat">
+      <a:schemeClr val="accent1"/>
+    </dgm:linClrLst>
+    <dgm:effectClrLst/>
+    <dgm:txLinClrLst/>
+    <dgm:txFillClrLst meth="repeat">
+      <a:schemeClr val="dk1"/>
+    </dgm:txFillClrLst>
+    <dgm:txEffectClrLst/>
+  </dgm:styleLbl>
+  <dgm:styleLbl name="fgAcc3">
+    <dgm:fillClrLst meth="repeat">
+      <a:schemeClr val="lt1">
+        <a:alpha val="90000"/>
+      </a:schemeClr>
+    </dgm:fillClrLst>
+    <dgm:linClrLst meth="repeat">
+      <a:schemeClr val="accent1"/>
+    </dgm:linClrLst>
+    <dgm:effectClrLst/>
+    <dgm:txLinClrLst/>
+    <dgm:txFillClrLst meth="repeat">
+      <a:schemeClr val="dk1"/>
+    </dgm:txFillClrLst>
+    <dgm:txEffectClrLst/>
+  </dgm:styleLbl>
+  <dgm:styleLbl name="fgAcc4">
+    <dgm:fillClrLst meth="repeat">
+      <a:schemeClr val="lt1">
+        <a:alpha val="90000"/>
+      </a:schemeClr>
+    </dgm:fillClrLst>
+    <dgm:linClrLst meth="repeat">
+      <a:schemeClr val="accent1"/>
+    </dgm:linClrLst>
+    <dgm:effectClrLst/>
+    <dgm:txLinClrLst/>
+    <dgm:txFillClrLst meth="repeat">
+      <a:schemeClr val="dk1"/>
+    </dgm:txFillClrLst>
+    <dgm:txEffectClrLst/>
+  </dgm:styleLbl>
+  <dgm:styleLbl name="bgShp">
+    <dgm:fillClrLst meth="repeat">
+      <a:schemeClr val="accent1">
+        <a:tint val="40000"/>
+      </a:schemeClr>
+    </dgm:fillClrLst>
+    <dgm:linClrLst meth="repeat">
+      <a:schemeClr val="accent1"/>
+    </dgm:linClrLst>
+    <dgm:effectClrLst/>
+    <dgm:txLinClrLst/>
+    <dgm:txFillClrLst meth="repeat">
+      <a:schemeClr val="dk1"/>
+    </dgm:txFillClrLst>
+    <dgm:txEffectClrLst/>
+  </dgm:styleLbl>
+  <dgm:styleLbl name="dkBgShp">
+    <dgm:fillClrLst meth="repeat">
+      <a:schemeClr val="accent1">
+        <a:shade val="80000"/>
+      </a:schemeClr>
+    </dgm:fillClrLst>
+    <dgm:linClrLst meth="repeat">
+      <a:schemeClr val="accent1"/>
+    </dgm:linClrLst>
+    <dgm:effectClrLst/>
+    <dgm:txLinClrLst/>
+    <dgm:txFillClrLst meth="repeat">
+      <a:schemeClr val="lt1"/>
+    </dgm:txFillClrLst>
+    <dgm:txEffectClrLst/>
+  </dgm:styleLbl>
+  <dgm:styleLbl name="trBgShp">
+    <dgm:fillClrLst meth="repeat">
+      <a:schemeClr val="accent1">
+        <a:tint val="50000"/>
+        <a:alpha val="40000"/>
+      </a:schemeClr>
+    </dgm:fillClrLst>
+    <dgm:linClrLst meth="repeat">
+      <a:schemeClr val="accent1"/>
+    </dgm:linClrLst>
+    <dgm:effectClrLst/>
+    <dgm:txLinClrLst/>
+    <dgm:txFillClrLst meth="repeat">
+      <a:schemeClr val="lt1"/>
+    </dgm:txFillClrLst>
+    <dgm:txEffectClrLst/>
+  </dgm:styleLbl>
+  <dgm:styleLbl name="fgShp">
+    <dgm:fillClrLst meth="repeat">
+      <a:schemeClr val="accent1">
+        <a:tint val="60000"/>
+      </a:schemeClr>
+    </dgm:fillClrLst>
+    <dgm:linClrLst meth="repeat">
+      <a:schemeClr val="lt1"/>
+    </dgm:linClrLst>
+    <dgm:effectClrLst/>
+    <dgm:txLinClrLst/>
+    <dgm:txFillClrLst meth="repeat">
+      <a:schemeClr val="dk1"/>
+    </dgm:txFillClrLst>
+    <dgm:txEffectClrLst/>
+  </dgm:styleLbl>
+  <dgm:styleLbl name="revTx">
+    <dgm:fillClrLst meth="repeat">
+      <a:schemeClr val="lt1">
+        <a:alpha val="0"/>
+      </a:schemeClr>
+    </dgm:fillClrLst>
+    <dgm:linClrLst meth="repeat">
+      <a:schemeClr val="dk1">
+        <a:alpha val="0"/>
+      </a:schemeClr>
+    </dgm:linClrLst>
+    <dgm:effectClrLst/>
+    <dgm:txLinClrLst/>
+    <dgm:txFillClrLst meth="repeat">
+      <a:schemeClr val="tx1"/>
+    </dgm:txFillClrLst>
+    <dgm:txEffectClrLst/>
+  </dgm:styleLbl>
+</dgm:colorsDef>
+</file>
+
+<file path=ppt/diagrams/data1.xml><?xml version="1.0" encoding="utf-8"?>
+<dgm:dataModel xmlns:dgm="http://schemas.openxmlformats.org/drawingml/2006/diagram" xmlns:a="http://schemas.openxmlformats.org/drawingml/2006/main">
+  <dgm:ptLst>
+    <dgm:pt modelId="{9FAF0448-C2B0-45C3-8735-53A01A46355B}" type="doc">
+      <dgm:prSet loTypeId="urn:microsoft.com/office/officeart/2005/8/layout/hProcess9" loCatId="process" qsTypeId="urn:microsoft.com/office/officeart/2005/8/quickstyle/simple1" qsCatId="simple" csTypeId="urn:microsoft.com/office/officeart/2005/8/colors/accent1_2" csCatId="accent1"/>
+      <dgm:spPr/>
+      <dgm:t>
+        <a:bodyPr/>
+        <a:lstStyle/>
+        <a:p>
+          <a:endParaRPr lang="en-IN"/>
+        </a:p>
+      </dgm:t>
+    </dgm:pt>
+    <dgm:pt modelId="{051F2519-AF08-4704-80A3-47F67472AC3F}">
+      <dgm:prSet/>
+      <dgm:spPr/>
+      <dgm:t>
+        <a:bodyPr/>
+        <a:lstStyle/>
+        <a:p>
+          <a:r>
+            <a:rPr lang="en-IN"/>
+            <a:t>NO ADMINS</a:t>
+          </a:r>
+        </a:p>
+      </dgm:t>
+    </dgm:pt>
+    <dgm:pt modelId="{0DE6A24C-4501-406F-AEBA-825BE9A800AE}" type="parTrans" cxnId="{90190C54-F5DA-40E6-8F22-4103E399C926}">
+      <dgm:prSet/>
+      <dgm:spPr/>
+      <dgm:t>
+        <a:bodyPr/>
+        <a:lstStyle/>
+        <a:p>
+          <a:endParaRPr lang="en-IN"/>
+        </a:p>
+      </dgm:t>
+    </dgm:pt>
+    <dgm:pt modelId="{3DEFA695-7276-4AF3-AB7E-1981B98D382A}" type="sibTrans" cxnId="{90190C54-F5DA-40E6-8F22-4103E399C926}">
+      <dgm:prSet/>
+      <dgm:spPr/>
+      <dgm:t>
+        <a:bodyPr/>
+        <a:lstStyle/>
+        <a:p>
+          <a:endParaRPr lang="en-IN"/>
+        </a:p>
+      </dgm:t>
+    </dgm:pt>
+    <dgm:pt modelId="{73F5887C-30BF-4E02-BE6F-BFC7FB111CBF}">
+      <dgm:prSet/>
+      <dgm:spPr/>
+      <dgm:t>
+        <a:bodyPr/>
+        <a:lstStyle/>
+        <a:p>
+          <a:r>
+            <a:rPr lang="en-IN"/>
+            <a:t>DevOps</a:t>
+          </a:r>
+        </a:p>
+      </dgm:t>
+    </dgm:pt>
+    <dgm:pt modelId="{4D0FC45C-B03B-46DA-8586-470B7380C889}" type="parTrans" cxnId="{9A262493-C47D-4EDC-AF13-630B1F824DC2}">
+      <dgm:prSet/>
+      <dgm:spPr/>
+      <dgm:t>
+        <a:bodyPr/>
+        <a:lstStyle/>
+        <a:p>
+          <a:endParaRPr lang="en-IN"/>
+        </a:p>
+      </dgm:t>
+    </dgm:pt>
+    <dgm:pt modelId="{84A638FA-D753-483F-9B03-3E3DEBE43EAC}" type="sibTrans" cxnId="{9A262493-C47D-4EDC-AF13-630B1F824DC2}">
+      <dgm:prSet/>
+      <dgm:spPr/>
+      <dgm:t>
+        <a:bodyPr/>
+        <a:lstStyle/>
+        <a:p>
+          <a:endParaRPr lang="en-IN"/>
+        </a:p>
+      </dgm:t>
+    </dgm:pt>
+    <dgm:pt modelId="{E27A8FC7-4682-4FB0-8527-A9C9A05AC0EA}">
+      <dgm:prSet/>
+      <dgm:spPr/>
+      <dgm:t>
+        <a:bodyPr/>
+        <a:lstStyle/>
+        <a:p>
+          <a:r>
+            <a:rPr lang="en-IN"/>
+            <a:t>YAML - s</a:t>
+          </a:r>
+          <a:r>
+            <a:rPr lang="en-US" b="0" i="0"/>
+            <a:t>ick of "programming" in yaml</a:t>
+          </a:r>
+          <a:endParaRPr lang="en-IN"/>
+        </a:p>
+      </dgm:t>
+    </dgm:pt>
+    <dgm:pt modelId="{120AA4DD-2EE2-4299-887B-6D9B02F88D6C}" type="parTrans" cxnId="{2B84CC8A-1789-45ED-8FD3-E15F7BD6B7EA}">
+      <dgm:prSet/>
+      <dgm:spPr/>
+      <dgm:t>
+        <a:bodyPr/>
+        <a:lstStyle/>
+        <a:p>
+          <a:endParaRPr lang="en-IN"/>
+        </a:p>
+      </dgm:t>
+    </dgm:pt>
+    <dgm:pt modelId="{65379DC6-B16F-4831-B1B8-ECCC936CBC3C}" type="sibTrans" cxnId="{2B84CC8A-1789-45ED-8FD3-E15F7BD6B7EA}">
+      <dgm:prSet/>
+      <dgm:spPr/>
+      <dgm:t>
+        <a:bodyPr/>
+        <a:lstStyle/>
+        <a:p>
+          <a:endParaRPr lang="en-IN"/>
+        </a:p>
+      </dgm:t>
+    </dgm:pt>
+    <dgm:pt modelId="{1644E784-E9B8-419C-A29E-7AFB5F1A8A5E}">
+      <dgm:prSet/>
+      <dgm:spPr/>
+      <dgm:t>
+        <a:bodyPr/>
+        <a:lstStyle/>
+        <a:p>
+          <a:r>
+            <a:rPr lang="en-IN"/>
+            <a:t>DOCKER</a:t>
+          </a:r>
+        </a:p>
+      </dgm:t>
+    </dgm:pt>
+    <dgm:pt modelId="{FC30D50D-5748-4B7B-98C8-4A8016733AE1}" type="parTrans" cxnId="{F9B649B6-B24C-4488-AB77-04DC5F933305}">
+      <dgm:prSet/>
+      <dgm:spPr/>
+      <dgm:t>
+        <a:bodyPr/>
+        <a:lstStyle/>
+        <a:p>
+          <a:endParaRPr lang="en-IN"/>
+        </a:p>
+      </dgm:t>
+    </dgm:pt>
+    <dgm:pt modelId="{7421F75C-1993-4997-903F-8FE1FAD4C48B}" type="sibTrans" cxnId="{F9B649B6-B24C-4488-AB77-04DC5F933305}">
+      <dgm:prSet/>
+      <dgm:spPr/>
+      <dgm:t>
+        <a:bodyPr/>
+        <a:lstStyle/>
+        <a:p>
+          <a:endParaRPr lang="en-IN"/>
+        </a:p>
+      </dgm:t>
+    </dgm:pt>
+    <dgm:pt modelId="{6B25DDDE-2AE8-4B96-B8E4-A78EE38C9CBF}">
+      <dgm:prSet/>
+      <dgm:spPr/>
+      <dgm:t>
+        <a:bodyPr/>
+        <a:lstStyle/>
+        <a:p>
+          <a:r>
+            <a:rPr lang="en-IN"/>
+            <a:t>IaC</a:t>
+          </a:r>
+        </a:p>
+      </dgm:t>
+    </dgm:pt>
+    <dgm:pt modelId="{D9A8B91F-4758-4A24-AAC1-E900FD9E8BFC}" type="parTrans" cxnId="{E9FDC66B-68B8-43AC-8AC3-BA3B808591D0}">
+      <dgm:prSet/>
+      <dgm:spPr/>
+      <dgm:t>
+        <a:bodyPr/>
+        <a:lstStyle/>
+        <a:p>
+          <a:endParaRPr lang="en-IN"/>
+        </a:p>
+      </dgm:t>
+    </dgm:pt>
+    <dgm:pt modelId="{43A1EEAE-9EA6-4A71-8C0C-F669210DBCF2}" type="sibTrans" cxnId="{E9FDC66B-68B8-43AC-8AC3-BA3B808591D0}">
+      <dgm:prSet/>
+      <dgm:spPr/>
+      <dgm:t>
+        <a:bodyPr/>
+        <a:lstStyle/>
+        <a:p>
+          <a:endParaRPr lang="en-IN"/>
+        </a:p>
+      </dgm:t>
+    </dgm:pt>
+    <dgm:pt modelId="{B9C69DB1-E738-4576-A252-60C4A4CB4230}" type="pres">
+      <dgm:prSet presAssocID="{9FAF0448-C2B0-45C3-8735-53A01A46355B}" presName="CompostProcess" presStyleCnt="0">
+        <dgm:presLayoutVars>
+          <dgm:dir/>
+          <dgm:resizeHandles val="exact"/>
+        </dgm:presLayoutVars>
+      </dgm:prSet>
+      <dgm:spPr/>
+    </dgm:pt>
+    <dgm:pt modelId="{535F55D5-B534-49B5-92CC-2DFA225154EF}" type="pres">
+      <dgm:prSet presAssocID="{9FAF0448-C2B0-45C3-8735-53A01A46355B}" presName="arrow" presStyleLbl="bgShp" presStyleIdx="0" presStyleCnt="1"/>
+      <dgm:spPr/>
+    </dgm:pt>
+    <dgm:pt modelId="{6A97162E-1B5F-41A7-9F02-65A1C6E4FBEC}" type="pres">
+      <dgm:prSet presAssocID="{9FAF0448-C2B0-45C3-8735-53A01A46355B}" presName="linearProcess" presStyleCnt="0"/>
+      <dgm:spPr/>
+    </dgm:pt>
+    <dgm:pt modelId="{F75C9AD1-43FB-41BA-BC67-4623F6641194}" type="pres">
+      <dgm:prSet presAssocID="{051F2519-AF08-4704-80A3-47F67472AC3F}" presName="textNode" presStyleLbl="node1" presStyleIdx="0" presStyleCnt="5">
+        <dgm:presLayoutVars>
+          <dgm:bulletEnabled val="1"/>
+        </dgm:presLayoutVars>
+      </dgm:prSet>
+      <dgm:spPr/>
+    </dgm:pt>
+    <dgm:pt modelId="{1BF7036E-570A-4912-BD14-111C069D4DF0}" type="pres">
+      <dgm:prSet presAssocID="{3DEFA695-7276-4AF3-AB7E-1981B98D382A}" presName="sibTrans" presStyleCnt="0"/>
+      <dgm:spPr/>
+    </dgm:pt>
+    <dgm:pt modelId="{EC1DE826-D6A8-43D4-99C4-7539D9F14308}" type="pres">
+      <dgm:prSet presAssocID="{73F5887C-30BF-4E02-BE6F-BFC7FB111CBF}" presName="textNode" presStyleLbl="node1" presStyleIdx="1" presStyleCnt="5">
+        <dgm:presLayoutVars>
+          <dgm:bulletEnabled val="1"/>
+        </dgm:presLayoutVars>
+      </dgm:prSet>
+      <dgm:spPr/>
+    </dgm:pt>
+    <dgm:pt modelId="{84F24A92-8FA4-404E-8703-2C116878AA6F}" type="pres">
+      <dgm:prSet presAssocID="{84A638FA-D753-483F-9B03-3E3DEBE43EAC}" presName="sibTrans" presStyleCnt="0"/>
+      <dgm:spPr/>
+    </dgm:pt>
+    <dgm:pt modelId="{0645A6B5-B131-4B0D-A0BC-571B4F9FDF47}" type="pres">
+      <dgm:prSet presAssocID="{E27A8FC7-4682-4FB0-8527-A9C9A05AC0EA}" presName="textNode" presStyleLbl="node1" presStyleIdx="2" presStyleCnt="5">
+        <dgm:presLayoutVars>
+          <dgm:bulletEnabled val="1"/>
+        </dgm:presLayoutVars>
+      </dgm:prSet>
+      <dgm:spPr/>
+    </dgm:pt>
+    <dgm:pt modelId="{3322D246-A85B-4E90-BD3D-6ACCA9026D11}" type="pres">
+      <dgm:prSet presAssocID="{65379DC6-B16F-4831-B1B8-ECCC936CBC3C}" presName="sibTrans" presStyleCnt="0"/>
+      <dgm:spPr/>
+    </dgm:pt>
+    <dgm:pt modelId="{CC444F62-B500-40F4-AF59-9CBF4DC27BFB}" type="pres">
+      <dgm:prSet presAssocID="{1644E784-E9B8-419C-A29E-7AFB5F1A8A5E}" presName="textNode" presStyleLbl="node1" presStyleIdx="3" presStyleCnt="5">
+        <dgm:presLayoutVars>
+          <dgm:bulletEnabled val="1"/>
+        </dgm:presLayoutVars>
+      </dgm:prSet>
+      <dgm:spPr/>
+    </dgm:pt>
+    <dgm:pt modelId="{AD7145DC-84ED-409E-B96F-8E4BC1E3E777}" type="pres">
+      <dgm:prSet presAssocID="{7421F75C-1993-4997-903F-8FE1FAD4C48B}" presName="sibTrans" presStyleCnt="0"/>
+      <dgm:spPr/>
+    </dgm:pt>
+    <dgm:pt modelId="{F69D45CC-4CCF-47CB-8F9A-3EDC722BFBC7}" type="pres">
+      <dgm:prSet presAssocID="{6B25DDDE-2AE8-4B96-B8E4-A78EE38C9CBF}" presName="textNode" presStyleLbl="node1" presStyleIdx="4" presStyleCnt="5">
+        <dgm:presLayoutVars>
+          <dgm:bulletEnabled val="1"/>
+        </dgm:presLayoutVars>
+      </dgm:prSet>
+      <dgm:spPr/>
+    </dgm:pt>
+  </dgm:ptLst>
+  <dgm:cxnLst>
+    <dgm:cxn modelId="{6691A911-5EC4-45B5-872D-8358BEF9C782}" type="presOf" srcId="{051F2519-AF08-4704-80A3-47F67472AC3F}" destId="{F75C9AD1-43FB-41BA-BC67-4623F6641194}" srcOrd="0" destOrd="0" presId="urn:microsoft.com/office/officeart/2005/8/layout/hProcess9"/>
+    <dgm:cxn modelId="{AF5D8231-7A6F-436A-BC80-81C5F5B90BC9}" type="presOf" srcId="{6B25DDDE-2AE8-4B96-B8E4-A78EE38C9CBF}" destId="{F69D45CC-4CCF-47CB-8F9A-3EDC722BFBC7}" srcOrd="0" destOrd="0" presId="urn:microsoft.com/office/officeart/2005/8/layout/hProcess9"/>
+    <dgm:cxn modelId="{752B4260-2292-4843-A261-8159CE4CF64F}" type="presOf" srcId="{73F5887C-30BF-4E02-BE6F-BFC7FB111CBF}" destId="{EC1DE826-D6A8-43D4-99C4-7539D9F14308}" srcOrd="0" destOrd="0" presId="urn:microsoft.com/office/officeart/2005/8/layout/hProcess9"/>
+    <dgm:cxn modelId="{E9FDC66B-68B8-43AC-8AC3-BA3B808591D0}" srcId="{9FAF0448-C2B0-45C3-8735-53A01A46355B}" destId="{6B25DDDE-2AE8-4B96-B8E4-A78EE38C9CBF}" srcOrd="4" destOrd="0" parTransId="{D9A8B91F-4758-4A24-AAC1-E900FD9E8BFC}" sibTransId="{43A1EEAE-9EA6-4A71-8C0C-F669210DBCF2}"/>
+    <dgm:cxn modelId="{E3994550-504C-40BC-8717-BE03EEA1D690}" type="presOf" srcId="{9FAF0448-C2B0-45C3-8735-53A01A46355B}" destId="{B9C69DB1-E738-4576-A252-60C4A4CB4230}" srcOrd="0" destOrd="0" presId="urn:microsoft.com/office/officeart/2005/8/layout/hProcess9"/>
+    <dgm:cxn modelId="{90190C54-F5DA-40E6-8F22-4103E399C926}" srcId="{9FAF0448-C2B0-45C3-8735-53A01A46355B}" destId="{051F2519-AF08-4704-80A3-47F67472AC3F}" srcOrd="0" destOrd="0" parTransId="{0DE6A24C-4501-406F-AEBA-825BE9A800AE}" sibTransId="{3DEFA695-7276-4AF3-AB7E-1981B98D382A}"/>
+    <dgm:cxn modelId="{2B84CC8A-1789-45ED-8FD3-E15F7BD6B7EA}" srcId="{9FAF0448-C2B0-45C3-8735-53A01A46355B}" destId="{E27A8FC7-4682-4FB0-8527-A9C9A05AC0EA}" srcOrd="2" destOrd="0" parTransId="{120AA4DD-2EE2-4299-887B-6D9B02F88D6C}" sibTransId="{65379DC6-B16F-4831-B1B8-ECCC936CBC3C}"/>
+    <dgm:cxn modelId="{46694F8E-7467-4AF2-8D21-29A3C547DBA1}" type="presOf" srcId="{E27A8FC7-4682-4FB0-8527-A9C9A05AC0EA}" destId="{0645A6B5-B131-4B0D-A0BC-571B4F9FDF47}" srcOrd="0" destOrd="0" presId="urn:microsoft.com/office/officeart/2005/8/layout/hProcess9"/>
+    <dgm:cxn modelId="{9A262493-C47D-4EDC-AF13-630B1F824DC2}" srcId="{9FAF0448-C2B0-45C3-8735-53A01A46355B}" destId="{73F5887C-30BF-4E02-BE6F-BFC7FB111CBF}" srcOrd="1" destOrd="0" parTransId="{4D0FC45C-B03B-46DA-8586-470B7380C889}" sibTransId="{84A638FA-D753-483F-9B03-3E3DEBE43EAC}"/>
+    <dgm:cxn modelId="{8A99EBAA-1407-40E3-9DA7-14564F8FCFD6}" type="presOf" srcId="{1644E784-E9B8-419C-A29E-7AFB5F1A8A5E}" destId="{CC444F62-B500-40F4-AF59-9CBF4DC27BFB}" srcOrd="0" destOrd="0" presId="urn:microsoft.com/office/officeart/2005/8/layout/hProcess9"/>
+    <dgm:cxn modelId="{F9B649B6-B24C-4488-AB77-04DC5F933305}" srcId="{9FAF0448-C2B0-45C3-8735-53A01A46355B}" destId="{1644E784-E9B8-419C-A29E-7AFB5F1A8A5E}" srcOrd="3" destOrd="0" parTransId="{FC30D50D-5748-4B7B-98C8-4A8016733AE1}" sibTransId="{7421F75C-1993-4997-903F-8FE1FAD4C48B}"/>
+    <dgm:cxn modelId="{EB3105D8-CCBF-45E8-A398-61FE33A43212}" type="presParOf" srcId="{B9C69DB1-E738-4576-A252-60C4A4CB4230}" destId="{535F55D5-B534-49B5-92CC-2DFA225154EF}" srcOrd="0" destOrd="0" presId="urn:microsoft.com/office/officeart/2005/8/layout/hProcess9"/>
+    <dgm:cxn modelId="{E96F8D9E-D38B-4036-A2AF-2D2D5D76757C}" type="presParOf" srcId="{B9C69DB1-E738-4576-A252-60C4A4CB4230}" destId="{6A97162E-1B5F-41A7-9F02-65A1C6E4FBEC}" srcOrd="1" destOrd="0" presId="urn:microsoft.com/office/officeart/2005/8/layout/hProcess9"/>
+    <dgm:cxn modelId="{3713AF44-71B7-45D8-A61D-F793336705DF}" type="presParOf" srcId="{6A97162E-1B5F-41A7-9F02-65A1C6E4FBEC}" destId="{F75C9AD1-43FB-41BA-BC67-4623F6641194}" srcOrd="0" destOrd="0" presId="urn:microsoft.com/office/officeart/2005/8/layout/hProcess9"/>
+    <dgm:cxn modelId="{EBA2466E-01D3-4DDF-AF3A-3CE2A2D7ECE8}" type="presParOf" srcId="{6A97162E-1B5F-41A7-9F02-65A1C6E4FBEC}" destId="{1BF7036E-570A-4912-BD14-111C069D4DF0}" srcOrd="1" destOrd="0" presId="urn:microsoft.com/office/officeart/2005/8/layout/hProcess9"/>
+    <dgm:cxn modelId="{5799F9C4-DF07-44EA-BCD5-E3B3ED0C744E}" type="presParOf" srcId="{6A97162E-1B5F-41A7-9F02-65A1C6E4FBEC}" destId="{EC1DE826-D6A8-43D4-99C4-7539D9F14308}" srcOrd="2" destOrd="0" presId="urn:microsoft.com/office/officeart/2005/8/layout/hProcess9"/>
+    <dgm:cxn modelId="{C6E61B77-FA07-4C96-81D6-630E9A435C84}" type="presParOf" srcId="{6A97162E-1B5F-41A7-9F02-65A1C6E4FBEC}" destId="{84F24A92-8FA4-404E-8703-2C116878AA6F}" srcOrd="3" destOrd="0" presId="urn:microsoft.com/office/officeart/2005/8/layout/hProcess9"/>
+    <dgm:cxn modelId="{0B489A45-554E-4947-A4A0-4963829941EA}" type="presParOf" srcId="{6A97162E-1B5F-41A7-9F02-65A1C6E4FBEC}" destId="{0645A6B5-B131-4B0D-A0BC-571B4F9FDF47}" srcOrd="4" destOrd="0" presId="urn:microsoft.com/office/officeart/2005/8/layout/hProcess9"/>
+    <dgm:cxn modelId="{9A565242-95D4-4EF6-BFB0-18DABD391756}" type="presParOf" srcId="{6A97162E-1B5F-41A7-9F02-65A1C6E4FBEC}" destId="{3322D246-A85B-4E90-BD3D-6ACCA9026D11}" srcOrd="5" destOrd="0" presId="urn:microsoft.com/office/officeart/2005/8/layout/hProcess9"/>
+    <dgm:cxn modelId="{3B96656B-2B3E-439F-BC72-FF7A4EDF4904}" type="presParOf" srcId="{6A97162E-1B5F-41A7-9F02-65A1C6E4FBEC}" destId="{CC444F62-B500-40F4-AF59-9CBF4DC27BFB}" srcOrd="6" destOrd="0" presId="urn:microsoft.com/office/officeart/2005/8/layout/hProcess9"/>
+    <dgm:cxn modelId="{78FA2E5B-5C7F-4EF3-8ECF-9031D3D5F87E}" type="presParOf" srcId="{6A97162E-1B5F-41A7-9F02-65A1C6E4FBEC}" destId="{AD7145DC-84ED-409E-B96F-8E4BC1E3E777}" srcOrd="7" destOrd="0" presId="urn:microsoft.com/office/officeart/2005/8/layout/hProcess9"/>
+    <dgm:cxn modelId="{161A72F1-FBF4-4848-BED5-F25A653FD50A}" type="presParOf" srcId="{6A97162E-1B5F-41A7-9F02-65A1C6E4FBEC}" destId="{F69D45CC-4CCF-47CB-8F9A-3EDC722BFBC7}" srcOrd="8" destOrd="0" presId="urn:microsoft.com/office/officeart/2005/8/layout/hProcess9"/>
+  </dgm:cxnLst>
+  <dgm:bg/>
+  <dgm:whole/>
+  <dgm:extLst>
+    <a:ext uri="http://schemas.microsoft.com/office/drawing/2008/diagram">
+      <dsp:dataModelExt xmlns:dsp="http://schemas.microsoft.com/office/drawing/2008/diagram" relId="rId6" minVer="http://schemas.openxmlformats.org/drawingml/2006/diagram"/>
+    </a:ext>
+  </dgm:extLst>
+</dgm:dataModel>
+</file>
+
+<file path=ppt/diagrams/drawing1.xml><?xml version="1.0" encoding="utf-8"?>
+<dsp:drawing xmlns:dgm="http://schemas.openxmlformats.org/drawingml/2006/diagram" xmlns:dsp="http://schemas.microsoft.com/office/drawing/2008/diagram" xmlns:a="http://schemas.openxmlformats.org/drawingml/2006/main">
+  <dsp:spTree>
+    <dsp:nvGrpSpPr>
+      <dsp:cNvPr id="0" name=""/>
+      <dsp:cNvGrpSpPr/>
+    </dsp:nvGrpSpPr>
+    <dsp:grpSpPr/>
+    <dsp:sp modelId="{535F55D5-B534-49B5-92CC-2DFA225154EF}">
+      <dsp:nvSpPr>
+        <dsp:cNvPr id="0" name=""/>
+        <dsp:cNvSpPr/>
+      </dsp:nvSpPr>
+      <dsp:spPr>
+        <a:xfrm>
+          <a:off x="754379" y="0"/>
+          <a:ext cx="8549640" cy="4050792"/>
+        </a:xfrm>
+        <a:prstGeom prst="rightArrow">
+          <a:avLst/>
+        </a:prstGeom>
+        <a:solidFill>
+          <a:schemeClr val="accent1">
+            <a:tint val="40000"/>
+            <a:hueOff val="0"/>
+            <a:satOff val="0"/>
+            <a:lumOff val="0"/>
+            <a:alphaOff val="0"/>
+          </a:schemeClr>
+        </a:solidFill>
+        <a:ln>
+          <a:noFill/>
+        </a:ln>
+        <a:effectLst/>
+      </dsp:spPr>
+      <dsp:style>
+        <a:lnRef idx="0">
+          <a:scrgbClr r="0" g="0" b="0"/>
+        </a:lnRef>
+        <a:fillRef idx="1">
+          <a:scrgbClr r="0" g="0" b="0"/>
+        </a:fillRef>
+        <a:effectRef idx="0">
+          <a:scrgbClr r="0" g="0" b="0"/>
+        </a:effectRef>
+        <a:fontRef idx="minor"/>
+      </dsp:style>
+    </dsp:sp>
+    <dsp:sp modelId="{F75C9AD1-43FB-41BA-BC67-4623F6641194}">
+      <dsp:nvSpPr>
+        <dsp:cNvPr id="0" name=""/>
+        <dsp:cNvSpPr/>
+      </dsp:nvSpPr>
+      <dsp:spPr>
+        <a:xfrm>
+          <a:off x="4420" y="1215237"/>
+          <a:ext cx="1932607" cy="1620316"/>
+        </a:xfrm>
+        <a:prstGeom prst="roundRect">
+          <a:avLst/>
+        </a:prstGeom>
+        <a:solidFill>
+          <a:schemeClr val="accent1">
+            <a:hueOff val="0"/>
+            <a:satOff val="0"/>
+            <a:lumOff val="0"/>
+            <a:alphaOff val="0"/>
+          </a:schemeClr>
+        </a:solidFill>
+        <a:ln w="12700" cap="flat" cmpd="sng" algn="ctr">
+          <a:solidFill>
+            <a:schemeClr val="lt1">
+              <a:hueOff val="0"/>
+              <a:satOff val="0"/>
+              <a:lumOff val="0"/>
+              <a:alphaOff val="0"/>
+            </a:schemeClr>
+          </a:solidFill>
+          <a:prstDash val="solid"/>
+        </a:ln>
+        <a:effectLst/>
+      </dsp:spPr>
+      <dsp:style>
+        <a:lnRef idx="2">
+          <a:scrgbClr r="0" g="0" b="0"/>
+        </a:lnRef>
+        <a:fillRef idx="1">
+          <a:scrgbClr r="0" g="0" b="0"/>
+        </a:fillRef>
+        <a:effectRef idx="0">
+          <a:scrgbClr r="0" g="0" b="0"/>
+        </a:effectRef>
+        <a:fontRef idx="minor">
+          <a:schemeClr val="lt1"/>
+        </a:fontRef>
+      </dsp:style>
+      <dsp:txBody>
+        <a:bodyPr spcFirstLastPara="0" vert="horz" wrap="square" lIns="68580" tIns="68580" rIns="68580" bIns="68580" numCol="1" spcCol="1270" anchor="ctr" anchorCtr="0">
+          <a:noAutofit/>
+        </a:bodyPr>
+        <a:lstStyle/>
+        <a:p>
+          <a:pPr marL="0" lvl="0" indent="0" algn="ctr" defTabSz="800100">
+            <a:lnSpc>
+              <a:spcPct val="90000"/>
+            </a:lnSpc>
+            <a:spcBef>
+              <a:spcPct val="0"/>
+            </a:spcBef>
+            <a:spcAft>
+              <a:spcPct val="35000"/>
+            </a:spcAft>
+            <a:buNone/>
+          </a:pPr>
+          <a:r>
+            <a:rPr lang="en-IN" sz="1800" kern="1200"/>
+            <a:t>NO ADMINS</a:t>
+          </a:r>
+        </a:p>
+      </dsp:txBody>
+      <dsp:txXfrm>
+        <a:off x="83517" y="1294334"/>
+        <a:ext cx="1774413" cy="1462122"/>
+      </dsp:txXfrm>
+    </dsp:sp>
+    <dsp:sp modelId="{EC1DE826-D6A8-43D4-99C4-7539D9F14308}">
+      <dsp:nvSpPr>
+        <dsp:cNvPr id="0" name=""/>
+        <dsp:cNvSpPr/>
+      </dsp:nvSpPr>
+      <dsp:spPr>
+        <a:xfrm>
+          <a:off x="2033658" y="1215237"/>
+          <a:ext cx="1932607" cy="1620316"/>
+        </a:xfrm>
+        <a:prstGeom prst="roundRect">
+          <a:avLst/>
+        </a:prstGeom>
+        <a:solidFill>
+          <a:schemeClr val="accent1">
+            <a:hueOff val="0"/>
+            <a:satOff val="0"/>
+            <a:lumOff val="0"/>
+            <a:alphaOff val="0"/>
+          </a:schemeClr>
+        </a:solidFill>
+        <a:ln w="12700" cap="flat" cmpd="sng" algn="ctr">
+          <a:solidFill>
+            <a:schemeClr val="lt1">
+              <a:hueOff val="0"/>
+              <a:satOff val="0"/>
+              <a:lumOff val="0"/>
+              <a:alphaOff val="0"/>
+            </a:schemeClr>
+          </a:solidFill>
+          <a:prstDash val="solid"/>
+        </a:ln>
+        <a:effectLst/>
+      </dsp:spPr>
+      <dsp:style>
+        <a:lnRef idx="2">
+          <a:scrgbClr r="0" g="0" b="0"/>
+        </a:lnRef>
+        <a:fillRef idx="1">
+          <a:scrgbClr r="0" g="0" b="0"/>
+        </a:fillRef>
+        <a:effectRef idx="0">
+          <a:scrgbClr r="0" g="0" b="0"/>
+        </a:effectRef>
+        <a:fontRef idx="minor">
+          <a:schemeClr val="lt1"/>
+        </a:fontRef>
+      </dsp:style>
+      <dsp:txBody>
+        <a:bodyPr spcFirstLastPara="0" vert="horz" wrap="square" lIns="68580" tIns="68580" rIns="68580" bIns="68580" numCol="1" spcCol="1270" anchor="ctr" anchorCtr="0">
+          <a:noAutofit/>
+        </a:bodyPr>
+        <a:lstStyle/>
+        <a:p>
+          <a:pPr marL="0" lvl="0" indent="0" algn="ctr" defTabSz="800100">
+            <a:lnSpc>
+              <a:spcPct val="90000"/>
+            </a:lnSpc>
+            <a:spcBef>
+              <a:spcPct val="0"/>
+            </a:spcBef>
+            <a:spcAft>
+              <a:spcPct val="35000"/>
+            </a:spcAft>
+            <a:buNone/>
+          </a:pPr>
+          <a:r>
+            <a:rPr lang="en-IN" sz="1800" kern="1200"/>
+            <a:t>DevOps</a:t>
+          </a:r>
+        </a:p>
+      </dsp:txBody>
+      <dsp:txXfrm>
+        <a:off x="2112755" y="1294334"/>
+        <a:ext cx="1774413" cy="1462122"/>
+      </dsp:txXfrm>
+    </dsp:sp>
+    <dsp:sp modelId="{0645A6B5-B131-4B0D-A0BC-571B4F9FDF47}">
+      <dsp:nvSpPr>
+        <dsp:cNvPr id="0" name=""/>
+        <dsp:cNvSpPr/>
+      </dsp:nvSpPr>
+      <dsp:spPr>
+        <a:xfrm>
+          <a:off x="4062896" y="1215237"/>
+          <a:ext cx="1932607" cy="1620316"/>
+        </a:xfrm>
+        <a:prstGeom prst="roundRect">
+          <a:avLst/>
+        </a:prstGeom>
+        <a:solidFill>
+          <a:schemeClr val="accent1">
+            <a:hueOff val="0"/>
+            <a:satOff val="0"/>
+            <a:lumOff val="0"/>
+            <a:alphaOff val="0"/>
+          </a:schemeClr>
+        </a:solidFill>
+        <a:ln w="12700" cap="flat" cmpd="sng" algn="ctr">
+          <a:solidFill>
+            <a:schemeClr val="lt1">
+              <a:hueOff val="0"/>
+              <a:satOff val="0"/>
+              <a:lumOff val="0"/>
+              <a:alphaOff val="0"/>
+            </a:schemeClr>
+          </a:solidFill>
+          <a:prstDash val="solid"/>
+        </a:ln>
+        <a:effectLst/>
+      </dsp:spPr>
+      <dsp:style>
+        <a:lnRef idx="2">
+          <a:scrgbClr r="0" g="0" b="0"/>
+        </a:lnRef>
+        <a:fillRef idx="1">
+          <a:scrgbClr r="0" g="0" b="0"/>
+        </a:fillRef>
+        <a:effectRef idx="0">
+          <a:scrgbClr r="0" g="0" b="0"/>
+        </a:effectRef>
+        <a:fontRef idx="minor">
+          <a:schemeClr val="lt1"/>
+        </a:fontRef>
+      </dsp:style>
+      <dsp:txBody>
+        <a:bodyPr spcFirstLastPara="0" vert="horz" wrap="square" lIns="68580" tIns="68580" rIns="68580" bIns="68580" numCol="1" spcCol="1270" anchor="ctr" anchorCtr="0">
+          <a:noAutofit/>
+        </a:bodyPr>
+        <a:lstStyle/>
+        <a:p>
+          <a:pPr marL="0" lvl="0" indent="0" algn="ctr" defTabSz="800100">
+            <a:lnSpc>
+              <a:spcPct val="90000"/>
+            </a:lnSpc>
+            <a:spcBef>
+              <a:spcPct val="0"/>
+            </a:spcBef>
+            <a:spcAft>
+              <a:spcPct val="35000"/>
+            </a:spcAft>
+            <a:buNone/>
+          </a:pPr>
+          <a:r>
+            <a:rPr lang="en-IN" sz="1800" kern="1200"/>
+            <a:t>YAML - s</a:t>
+          </a:r>
+          <a:r>
+            <a:rPr lang="en-US" sz="1800" b="0" i="0" kern="1200"/>
+            <a:t>ick of "programming" in yaml</a:t>
+          </a:r>
+          <a:endParaRPr lang="en-IN" sz="1800" kern="1200"/>
+        </a:p>
+      </dsp:txBody>
+      <dsp:txXfrm>
+        <a:off x="4141993" y="1294334"/>
+        <a:ext cx="1774413" cy="1462122"/>
+      </dsp:txXfrm>
+    </dsp:sp>
+    <dsp:sp modelId="{CC444F62-B500-40F4-AF59-9CBF4DC27BFB}">
+      <dsp:nvSpPr>
+        <dsp:cNvPr id="0" name=""/>
+        <dsp:cNvSpPr/>
+      </dsp:nvSpPr>
+      <dsp:spPr>
+        <a:xfrm>
+          <a:off x="6092134" y="1215237"/>
+          <a:ext cx="1932607" cy="1620316"/>
+        </a:xfrm>
+        <a:prstGeom prst="roundRect">
+          <a:avLst/>
+        </a:prstGeom>
+        <a:solidFill>
+          <a:schemeClr val="accent1">
+            <a:hueOff val="0"/>
+            <a:satOff val="0"/>
+            <a:lumOff val="0"/>
+            <a:alphaOff val="0"/>
+          </a:schemeClr>
+        </a:solidFill>
+        <a:ln w="12700" cap="flat" cmpd="sng" algn="ctr">
+          <a:solidFill>
+            <a:schemeClr val="lt1">
+              <a:hueOff val="0"/>
+              <a:satOff val="0"/>
+              <a:lumOff val="0"/>
+              <a:alphaOff val="0"/>
+            </a:schemeClr>
+          </a:solidFill>
+          <a:prstDash val="solid"/>
+        </a:ln>
+        <a:effectLst/>
+      </dsp:spPr>
+      <dsp:style>
+        <a:lnRef idx="2">
+          <a:scrgbClr r="0" g="0" b="0"/>
+        </a:lnRef>
+        <a:fillRef idx="1">
+          <a:scrgbClr r="0" g="0" b="0"/>
+        </a:fillRef>
+        <a:effectRef idx="0">
+          <a:scrgbClr r="0" g="0" b="0"/>
+        </a:effectRef>
+        <a:fontRef idx="minor">
+          <a:schemeClr val="lt1"/>
+        </a:fontRef>
+      </dsp:style>
+      <dsp:txBody>
+        <a:bodyPr spcFirstLastPara="0" vert="horz" wrap="square" lIns="68580" tIns="68580" rIns="68580" bIns="68580" numCol="1" spcCol="1270" anchor="ctr" anchorCtr="0">
+          <a:noAutofit/>
+        </a:bodyPr>
+        <a:lstStyle/>
+        <a:p>
+          <a:pPr marL="0" lvl="0" indent="0" algn="ctr" defTabSz="800100">
+            <a:lnSpc>
+              <a:spcPct val="90000"/>
+            </a:lnSpc>
+            <a:spcBef>
+              <a:spcPct val="0"/>
+            </a:spcBef>
+            <a:spcAft>
+              <a:spcPct val="35000"/>
+            </a:spcAft>
+            <a:buNone/>
+          </a:pPr>
+          <a:r>
+            <a:rPr lang="en-IN" sz="1800" kern="1200"/>
+            <a:t>DOCKER</a:t>
+          </a:r>
+        </a:p>
+      </dsp:txBody>
+      <dsp:txXfrm>
+        <a:off x="6171231" y="1294334"/>
+        <a:ext cx="1774413" cy="1462122"/>
+      </dsp:txXfrm>
+    </dsp:sp>
+    <dsp:sp modelId="{F69D45CC-4CCF-47CB-8F9A-3EDC722BFBC7}">
+      <dsp:nvSpPr>
+        <dsp:cNvPr id="0" name=""/>
+        <dsp:cNvSpPr/>
+      </dsp:nvSpPr>
+      <dsp:spPr>
+        <a:xfrm>
+          <a:off x="8121372" y="1215237"/>
+          <a:ext cx="1932607" cy="1620316"/>
+        </a:xfrm>
+        <a:prstGeom prst="roundRect">
+          <a:avLst/>
+        </a:prstGeom>
+        <a:solidFill>
+          <a:schemeClr val="accent1">
+            <a:hueOff val="0"/>
+            <a:satOff val="0"/>
+            <a:lumOff val="0"/>
+            <a:alphaOff val="0"/>
+          </a:schemeClr>
+        </a:solidFill>
+        <a:ln w="12700" cap="flat" cmpd="sng" algn="ctr">
+          <a:solidFill>
+            <a:schemeClr val="lt1">
+              <a:hueOff val="0"/>
+              <a:satOff val="0"/>
+              <a:lumOff val="0"/>
+              <a:alphaOff val="0"/>
+            </a:schemeClr>
+          </a:solidFill>
+          <a:prstDash val="solid"/>
+        </a:ln>
+        <a:effectLst/>
+      </dsp:spPr>
+      <dsp:style>
+        <a:lnRef idx="2">
+          <a:scrgbClr r="0" g="0" b="0"/>
+        </a:lnRef>
+        <a:fillRef idx="1">
+          <a:scrgbClr r="0" g="0" b="0"/>
+        </a:fillRef>
+        <a:effectRef idx="0">
+          <a:scrgbClr r="0" g="0" b="0"/>
+        </a:effectRef>
+        <a:fontRef idx="minor">
+          <a:schemeClr val="lt1"/>
+        </a:fontRef>
+      </dsp:style>
+      <dsp:txBody>
+        <a:bodyPr spcFirstLastPara="0" vert="horz" wrap="square" lIns="68580" tIns="68580" rIns="68580" bIns="68580" numCol="1" spcCol="1270" anchor="ctr" anchorCtr="0">
+          <a:noAutofit/>
+        </a:bodyPr>
+        <a:lstStyle/>
+        <a:p>
+          <a:pPr marL="0" lvl="0" indent="0" algn="ctr" defTabSz="800100">
+            <a:lnSpc>
+              <a:spcPct val="90000"/>
+            </a:lnSpc>
+            <a:spcBef>
+              <a:spcPct val="0"/>
+            </a:spcBef>
+            <a:spcAft>
+              <a:spcPct val="35000"/>
+            </a:spcAft>
+            <a:buNone/>
+          </a:pPr>
+          <a:r>
+            <a:rPr lang="en-IN" sz="1800" kern="1200"/>
+            <a:t>IaC</a:t>
+          </a:r>
+        </a:p>
+      </dsp:txBody>
+      <dsp:txXfrm>
+        <a:off x="8200469" y="1294334"/>
+        <a:ext cx="1774413" cy="1462122"/>
+      </dsp:txXfrm>
+    </dsp:sp>
+  </dsp:spTree>
+</dsp:drawing>
+</file>
+
+<file path=ppt/diagrams/layout1.xml><?xml version="1.0" encoding="utf-8"?>
+<dgm:layoutDef xmlns:dgm="http://schemas.openxmlformats.org/drawingml/2006/diagram" xmlns:a="http://schemas.openxmlformats.org/drawingml/2006/main" uniqueId="urn:microsoft.com/office/officeart/2005/8/layout/hProcess9">
+  <dgm:title val=""/>
+  <dgm:desc val=""/>
+  <dgm:catLst>
+    <dgm:cat type="process" pri="5000"/>
+    <dgm:cat type="convert" pri="13000"/>
+  </dgm:catLst>
+  <dgm:sampData useDef="1">
+    <dgm:dataModel>
+      <dgm:ptLst/>
+      <dgm:bg/>
+      <dgm:whole/>
+    </dgm:dataModel>
+  </dgm:sampData>
+  <dgm:styleData>
+    <dgm:dataModel>
+      <dgm:ptLst>
+        <dgm:pt modelId="0" type="doc"/>
+        <dgm:pt modelId="1"/>
+        <dgm:pt modelId="2"/>
+      </dgm:ptLst>
+      <dgm:cxnLst>
+        <dgm:cxn modelId="3" srcId="0" destId="1" srcOrd="0" destOrd="0"/>
+        <dgm:cxn modelId="4" srcId="0" destId="2" srcOrd="1" destOrd="0"/>
+      </dgm:cxnLst>
+      <dgm:bg/>
+      <dgm:whole/>
+    </dgm:dataModel>
+  </dgm:styleData>
+  <dgm:clrData>
+    <dgm:dataModel>
+      <dgm:ptLst>
+        <dgm:pt modelId="0" type="doc"/>
+        <dgm:pt modelId="1"/>
+        <dgm:pt modelId="2"/>
+        <dgm:pt modelId="3"/>
+        <dgm:pt modelId="4"/>
+      </dgm:ptLst>
+      <dgm:cxnLst>
+        <dgm:cxn modelId="5" srcId="0" destId="1" srcOrd="0" destOrd="0"/>
+        <dgm:cxn modelId="6" srcId="0" destId="2" srcOrd="1" destOrd="0"/>
+        <dgm:cxn modelId="7" srcId="0" destId="3" srcOrd="2" destOrd="0"/>
+        <dgm:cxn modelId="8" srcId="0" destId="4" srcOrd="3" destOrd="0"/>
+      </dgm:cxnLst>
+      <dgm:bg/>
+      <dgm:whole/>
+    </dgm:dataModel>
+  </dgm:clrData>
+  <dgm:layoutNode name="CompostProcess">
+    <dgm:varLst>
+      <dgm:dir/>
+      <dgm:resizeHandles val="exact"/>
+    </dgm:varLst>
+    <dgm:alg type="composite">
+      <dgm:param type="horzAlign" val="ctr"/>
+      <dgm:param type="vertAlign" val="mid"/>
+    </dgm:alg>
+    <dgm:shape xmlns:r="http://schemas.openxmlformats.org/officeDocument/2006/relationships" r:blip="">
+      <dgm:adjLst/>
+    </dgm:shape>
+    <dgm:presOf/>
+    <dgm:constrLst>
+      <dgm:constr type="w" for="ch" forName="arrow" refType="w" fact="0.85"/>
+      <dgm:constr type="h" for="ch" forName="arrow" refType="h"/>
+      <dgm:constr type="ctrX" for="ch" forName="arrow" refType="w" fact="0.5"/>
+      <dgm:constr type="ctrY" for="ch" forName="arrow" refType="h" fact="0.5"/>
+      <dgm:constr type="w" for="ch" forName="linearProcess" refType="w"/>
+      <dgm:constr type="h" for="ch" forName="linearProcess" refType="h" fact="0.4"/>
+      <dgm:constr type="ctrX" for="ch" forName="linearProcess" refType="w" fact="0.5"/>
+      <dgm:constr type="ctrY" for="ch" forName="linearProcess" refType="h" fact="0.5"/>
+    </dgm:constrLst>
+    <dgm:ruleLst/>
+    <dgm:layoutNode name="arrow" styleLbl="bgShp">
+      <dgm:alg type="sp"/>
+      <dgm:choose name="Name0">
+        <dgm:if name="Name1" func="var" arg="dir" op="equ" val="norm">
+          <dgm:shape xmlns:r="http://schemas.openxmlformats.org/officeDocument/2006/relationships" type="rightArrow" r:blip="">
+            <dgm:adjLst/>
+          </dgm:shape>
+        </dgm:if>
+        <dgm:else name="Name2">
+          <dgm:shape xmlns:r="http://schemas.openxmlformats.org/officeDocument/2006/relationships" type="leftArrow" r:blip="">
+            <dgm:adjLst/>
+          </dgm:shape>
+        </dgm:else>
+      </dgm:choose>
+      <dgm:presOf/>
+      <dgm:constrLst/>
+      <dgm:ruleLst/>
+    </dgm:layoutNode>
+    <dgm:layoutNode name="linearProcess">
+      <dgm:choose name="Name3">
+        <dgm:if name="Name4" func="var" arg="dir" op="equ" val="norm">
+          <dgm:alg type="lin"/>
+        </dgm:if>
+        <dgm:else name="Name5">
+          <dgm:alg type="lin">
+            <dgm:param type="linDir" val="fromR"/>
+          </dgm:alg>
+        </dgm:else>
+      </dgm:choose>
+      <dgm:shape xmlns:r="http://schemas.openxmlformats.org/officeDocument/2006/relationships" r:blip="">
+        <dgm:adjLst/>
+      </dgm:shape>
+      <dgm:presOf/>
+      <dgm:constrLst>
+        <dgm:constr type="userA" for="ch" ptType="node" refType="w"/>
+        <dgm:constr type="h" for="ch" ptType="node" refType="h"/>
+        <dgm:constr type="w" for="ch" ptType="node" op="equ"/>
+        <dgm:constr type="w" for="ch" forName="sibTrans" refType="w" fact="0.05"/>
+        <dgm:constr type="primFontSz" for="ch" ptType="node" op="equ" val="65"/>
+      </dgm:constrLst>
+      <dgm:ruleLst/>
+      <dgm:forEach name="Name6" axis="ch" ptType="node">
+        <dgm:layoutNode name="textNode" styleLbl="node1">
+          <dgm:varLst>
+            <dgm:bulletEnabled val="1"/>
+          </dgm:varLst>
+          <dgm:alg type="tx"/>
+          <dgm:shape xmlns:r="http://schemas.openxmlformats.org/officeDocument/2006/relationships" type="roundRect" r:blip="">
+            <dgm:adjLst/>
+          </dgm:shape>
+          <dgm:presOf axis="desOrSelf" ptType="node"/>
+          <dgm:constrLst>
+            <dgm:constr type="userA"/>
+            <dgm:constr type="w" refType="userA" fact="0.3"/>
+            <dgm:constr type="tMarg" refType="primFontSz" fact="0.3"/>
+            <dgm:constr type="bMarg" refType="primFontSz" fact="0.3"/>
+            <dgm:constr type="lMarg" refType="primFontSz" fact="0.3"/>
+            <dgm:constr type="rMarg" refType="primFontSz" fact="0.3"/>
+          </dgm:constrLst>
+          <dgm:ruleLst>
+            <dgm:rule type="w" val="NaN" fact="1" max="NaN"/>
+            <dgm:rule type="primFontSz" val="5" fact="NaN" max="NaN"/>
+          </dgm:ruleLst>
+        </dgm:layoutNode>
+        <dgm:forEach name="Name7" axis="followSib" ptType="sibTrans" cnt="1">
+          <dgm:layoutNode name="sibTrans">
+            <dgm:alg type="sp"/>
+            <dgm:shape xmlns:r="http://schemas.openxmlformats.org/officeDocument/2006/relationships" r:blip="">
+              <dgm:adjLst/>
+            </dgm:shape>
+            <dgm:presOf/>
+            <dgm:constrLst/>
+            <dgm:ruleLst/>
+          </dgm:layoutNode>
+        </dgm:forEach>
+      </dgm:forEach>
+    </dgm:layoutNode>
+  </dgm:layoutNode>
+</dgm:layoutDef>
+</file>
+
+<file path=ppt/diagrams/quickStyle1.xml><?xml version="1.0" encoding="utf-8"?>
+<dgm:styleDef xmlns:dgm="http://schemas.openxmlformats.org/drawingml/2006/diagram" xmlns:a="http://schemas.openxmlformats.org/drawingml/2006/main" uniqueId="urn:microsoft.com/office/officeart/2005/8/quickstyle/simple1">
+  <dgm:title val=""/>
+  <dgm:desc val=""/>
+  <dgm:catLst>
+    <dgm:cat type="simple" pri="10100"/>
+  </dgm:catLst>
+  <dgm:scene3d>
+    <a:camera prst="orthographicFront"/>
+    <a:lightRig rig="threePt" dir="t"/>
+  </dgm:scene3d>
+  <dgm:styleLbl name="node0">
+    <dgm:scene3d>
+      <a:camera prst="orthographicFront"/>
+      <a:lightRig rig="threePt" dir="t"/>
+    </dgm:scene3d>
+    <dgm:sp3d/>
+    <dgm:txPr/>
+    <dgm:style>
+      <a:lnRef idx="2">
+        <a:scrgbClr r="0" g="0" b="0"/>
+      </a:lnRef>
+      <a:fillRef idx="1">
+        <a:scrgbClr r="0" g="0" b="0"/>
+      </a:fillRef>
+      <a:effectRef idx="0">
+        <a:scrgbClr r="0" g="0" b="0"/>
+      </a:effectRef>
+      <a:fontRef idx="minor">
+        <a:schemeClr val="lt1"/>
+      </a:fontRef>
+    </dgm:style>
+  </dgm:styleLbl>
+  <dgm:styleLbl name="lnNode1">
+    <dgm:scene3d>
+      <a:camera prst="orthographicFront"/>
+      <a:lightRig rig="threePt" dir="t"/>
+    </dgm:scene3d>
+    <dgm:sp3d/>
+    <dgm:txPr/>
+    <dgm:style>
+      <a:lnRef idx="2">
+        <a:scrgbClr r="0" g="0" b="0"/>
+      </a:lnRef>
+      <a:fillRef idx="1">
+        <a:scrgbClr r="0" g="0" b="0"/>
+      </a:fillRef>
+      <a:effectRef idx="0">
+        <a:scrgbClr r="0" g="0" b="0"/>
+      </a:effectRef>
+      <a:fontRef idx="minor">
+        <a:schemeClr val="lt1"/>
+      </a:fontRef>
+    </dgm:style>
+  </dgm:styleLbl>
+  <dgm:styleLbl name="vennNode1">
+    <dgm:scene3d>
+      <a:camera prst="orthographicFront"/>
+      <a:lightRig rig="threePt" dir="t"/>
+    </dgm:scene3d>
+    <dgm:sp3d/>
+    <dgm:txPr/>
+    <dgm:style>
+      <a:lnRef idx="2">
+        <a:scrgbClr r="0" g="0" b="0"/>
+      </a:lnRef>
+      <a:fillRef idx="1">
+        <a:scrgbClr r="0" g="0" b="0"/>
+      </a:fillRef>
+      <a:effectRef idx="0">
+        <a:scrgbClr r="0" g="0" b="0"/>
+      </a:effectRef>
+      <a:fontRef idx="minor">
+        <a:schemeClr val="tx1"/>
+      </a:fontRef>
+    </dgm:style>
+  </dgm:styleLbl>
+  <dgm:styleLbl name="alignNode1">
+    <dgm:scene3d>
+      <a:camera prst="orthographicFront"/>
+      <a:lightRig rig="threePt" dir="t"/>
+    </dgm:scene3d>
+    <dgm:sp3d/>
+    <dgm:txPr/>
+    <dgm:style>
+      <a:lnRef idx="2">
+        <a:scrgbClr r="0" g="0" b="0"/>
+      </a:lnRef>
+      <a:fillRef idx="1">
+        <a:scrgbClr r="0" g="0" b="0"/>
+      </a:fillRef>
+      <a:effectRef idx="0">
+        <a:scrgbClr r="0" g="0" b="0"/>
+      </a:effectRef>
+      <a:fontRef idx="minor">
+        <a:schemeClr val="lt1"/>
+      </a:fontRef>
+    </dgm:style>
+  </dgm:styleLbl>
+  <dgm:styleLbl name="node1">
+    <dgm:scene3d>
+      <a:camera prst="orthographicFront"/>
+      <a:lightRig rig="threePt" dir="t"/>
+    </dgm:scene3d>
+    <dgm:sp3d/>
+    <dgm:txPr/>
+    <dgm:style>
+      <a:lnRef idx="2">
+        <a:scrgbClr r="0" g="0" b="0"/>
+      </a:lnRef>
+      <a:fillRef idx="1">
+        <a:scrgbClr r="0" g="0" b="0"/>
+      </a:fillRef>
+      <a:effectRef idx="0">
+        <a:scrgbClr r="0" g="0" b="0"/>
+      </a:effectRef>
+      <a:fontRef idx="minor">
+        <a:schemeClr val="lt1"/>
+      </a:fontRef>
+    </dgm:style>
+  </dgm:styleLbl>
+  <dgm:styleLbl name="node2">
+    <dgm:scene3d>
+      <a:camera prst="orthographicFront"/>
+      <a:lightRig rig="threePt" dir="t"/>
+    </dgm:scene3d>
+    <dgm:sp3d/>
+    <dgm:txPr/>
+    <dgm:style>
+      <a:lnRef idx="2">
+        <a:scrgbClr r="0" g="0" b="0"/>
+      </a:lnRef>
+      <a:fillRef idx="1">
+        <a:scrgbClr r="0" g="0" b="0"/>
+      </a:fillRef>
+      <a:effectRef idx="0">
+        <a:scrgbClr r="0" g="0" b="0"/>
+      </a:effectRef>
+      <a:fontRef idx="minor">
+        <a:schemeClr val="lt1"/>
+      </a:fontRef>
+    </dgm:style>
+  </dgm:styleLbl>
+  <dgm:styleLbl name="node3">
+    <dgm:scene3d>
+      <a:camera prst="orthographicFront"/>
+      <a:lightRig rig="threePt" dir="t"/>
+    </dgm:scene3d>
+    <dgm:sp3d/>
+    <dgm:txPr/>
+    <dgm:style>
+      <a:lnRef idx="2">
+        <a:scrgbClr r="0" g="0" b="0"/>
+      </a:lnRef>
+      <a:fillRef idx="1">
+        <a:scrgbClr r="0" g="0" b="0"/>
+      </a:fillRef>
+      <a:effectRef idx="0">
+        <a:scrgbClr r="0" g="0" b="0"/>
+      </a:effectRef>
+      <a:fontRef idx="minor">
+        <a:schemeClr val="lt1"/>
+      </a:fontRef>
+    </dgm:style>
+  </dgm:styleLbl>
+  <dgm:styleLbl name="node4">
+    <dgm:scene3d>
+      <a:camera prst="orthographicFront"/>
+      <a:lightRig rig="threePt" dir="t"/>
+    </dgm:scene3d>
+    <dgm:sp3d/>
+    <dgm:txPr/>
+    <dgm:style>
+      <a:lnRef idx="2">
+        <a:scrgbClr r="0" g="0" b="0"/>
+      </a:lnRef>
+      <a:fillRef idx="1">
+        <a:scrgbClr r="0" g="0" b="0"/>
+      </a:fillRef>
+      <a:effectRef idx="0">
+        <a:scrgbClr r="0" g="0" b="0"/>
+      </a:effectRef>
+      <a:fontRef idx="minor">
+        <a:schemeClr val="lt1"/>
+      </a:fontRef>
+    </dgm:style>
+  </dgm:styleLbl>
+  <dgm:styleLbl name="fgImgPlace1">
+    <dgm:scene3d>
+      <a:camera prst="orthographicFront"/>
+      <a:lightRig rig="threePt" dir="t"/>
+    </dgm:scene3d>
+    <dgm:sp3d/>
+    <dgm:txPr/>
+    <dgm:style>
+      <a:lnRef idx="2">
+        <a:scrgbClr r="0" g="0" b="0"/>
+      </a:lnRef>
+      <a:fillRef idx="1">
+        <a:scrgbClr r="0" g="0" b="0"/>
+      </a:fillRef>
+      <a:effectRef idx="0">
+        <a:scrgbClr r="0" g="0" b="0"/>
+      </a:effectRef>
+      <a:fontRef idx="minor"/>
+    </dgm:style>
+  </dgm:styleLbl>
+  <dgm:styleLbl name="alignImgPlace1">
+    <dgm:scene3d>
+      <a:camera prst="orthographicFront"/>
+      <a:lightRig rig="threePt" dir="t"/>
+    </dgm:scene3d>
+    <dgm:sp3d/>
+    <dgm:txPr/>
+    <dgm:style>
+      <a:lnRef idx="2">
+        <a:scrgbClr r="0" g="0" b="0"/>
+      </a:lnRef>
+      <a:fillRef idx="1">
+        <a:scrgbClr r="0" g="0" b="0"/>
+      </a:fillRef>
+      <a:effectRef idx="0">
+        <a:scrgbClr r="0" g="0" b="0"/>
+      </a:effectRef>
+      <a:fontRef idx="minor"/>
+    </dgm:style>
+  </dgm:styleLbl>
+  <dgm:styleLbl name="bgImgPlace1">
+    <dgm:scene3d>
+      <a:camera prst="orthographicFront"/>
+      <a:lightRig rig="threePt" dir="t"/>
+    </dgm:scene3d>
+    <dgm:sp3d/>
+    <dgm:txPr/>
+    <dgm:style>
+      <a:lnRef idx="2">
+        <a:scrgbClr r="0" g="0" b="0"/>
+      </a:lnRef>
+      <a:fillRef idx="1">
+        <a:scrgbClr r="0" g="0" b="0"/>
+      </a:fillRef>
+      <a:effectRef idx="0">
+        <a:scrgbClr r="0" g="0" b="0"/>
+      </a:effectRef>
+      <a:fontRef idx="minor"/>
+    </dgm:style>
+  </dgm:styleLbl>
+  <dgm:styleLbl name="sibTrans2D1">
+    <dgm:scene3d>
+      <a:camera prst="orthographicFront"/>
+      <a:lightRig rig="threePt" dir="t"/>
+    </dgm:scene3d>
+    <dgm:sp3d/>
+    <dgm:txPr/>
+    <dgm:style>
+      <a:lnRef idx="0">
+        <a:scrgbClr r="0" g="0" b="0"/>
+      </a:lnRef>
+      <a:fillRef idx="1">
+        <a:scrgbClr r="0" g="0" b="0"/>
+      </a:fillRef>
+      <a:effectRef idx="0">
+        <a:scrgbClr r="0" g="0" b="0"/>
+      </a:effectRef>
+      <a:fontRef idx="minor">
+        <a:schemeClr val="lt1"/>
+      </a:fontRef>
+    </dgm:style>
+  </dgm:styleLbl>
+  <dgm:styleLbl name="fgSibTrans2D1">
+    <dgm:scene3d>
+      <a:camera prst="orthographicFront"/>
+      <a:lightRig rig="threePt" dir="t"/>
+    </dgm:scene3d>
+    <dgm:sp3d/>
+    <dgm:txPr/>
+    <dgm:style>
+      <a:lnRef idx="0">
+        <a:scrgbClr r="0" g="0" b="0"/>
+      </a:lnRef>
+      <a:fillRef idx="1">
+        <a:scrgbClr r="0" g="0" b="0"/>
+      </a:fillRef>
+      <a:effectRef idx="0">
+        <a:scrgbClr r="0" g="0" b="0"/>
+      </a:effectRef>
+      <a:fontRef idx="minor">
+        <a:schemeClr val="lt1"/>
+      </a:fontRef>
+    </dgm:style>
+  </dgm:styleLbl>
+  <dgm:styleLbl name="bgSibTrans2D1">
+    <dgm:scene3d>
+      <a:camera prst="orthographicFront"/>
+      <a:lightRig rig="threePt" dir="t"/>
+    </dgm:scene3d>
+    <dgm:sp3d/>
+    <dgm:txPr/>
+    <dgm:style>
+      <a:lnRef idx="0">
+        <a:scrgbClr r="0" g="0" b="0"/>
+      </a:lnRef>
+      <a:fillRef idx="1">
+        <a:scrgbClr r="0" g="0" b="0"/>
+      </a:fillRef>
+      <a:effectRef idx="0">
+        <a:scrgbClr r="0" g="0" b="0"/>
+      </a:effectRef>
+      <a:fontRef idx="minor">
+        <a:schemeClr val="lt1"/>
+      </a:fontRef>
+    </dgm:style>
+  </dgm:styleLbl>
+  <dgm:styleLbl name="sibTrans1D1">
+    <dgm:scene3d>
+      <a:camera prst="orthographicFront"/>
+      <a:lightRig rig="threePt" dir="t"/>
+    </dgm:scene3d>
+    <dgm:sp3d/>
+    <dgm:txPr/>
+    <dgm:style>
+      <a:lnRef idx="1">
+        <a:scrgbClr r="0" g="0" b="0"/>
+      </a:lnRef>
+      <a:fillRef idx="0">
+        <a:scrgbClr r="0" g="0" b="0"/>
+      </a:fillRef>
+      <a:effectRef idx="0">
+        <a:scrgbClr r="0" g="0" b="0"/>
+      </a:effectRef>
+      <a:fontRef idx="minor"/>
+    </dgm:style>
+  </dgm:styleLbl>
+  <dgm:styleLbl name="callout">
+    <dgm:scene3d>
+      <a:camera prst="orthographicFront"/>
+      <a:lightRig rig="threePt" dir="t"/>
+    </dgm:scene3d>
+    <dgm:sp3d/>
+    <dgm:txPr/>
+    <dgm:style>
+      <a:lnRef idx="2">
+        <a:scrgbClr r="0" g="0" b="0"/>
+      </a:lnRef>
+      <a:fillRef idx="1">
+        <a:scrgbClr r="0" g="0" b="0"/>
+      </a:fillRef>
+      <a:effectRef idx="0">
+        <a:scrgbClr r="0" g="0" b="0"/>
+      </a:effectRef>
+      <a:fontRef idx="minor"/>
+    </dgm:style>
+  </dgm:styleLbl>
+  <dgm:styleLbl name="asst0">
+    <dgm:scene3d>
+      <a:camera prst="orthographicFront"/>
+      <a:lightRig rig="threePt" dir="t"/>
+    </dgm:scene3d>
+    <dgm:sp3d/>
+    <dgm:txPr/>
+    <dgm:style>
+      <a:lnRef idx="2">
+        <a:scrgbClr r="0" g="0" b="0"/>
+      </a:lnRef>
+      <a:fillRef idx="1">
+        <a:scrgbClr r="0" g="0" b="0"/>
+      </a:fillRef>
+      <a:effectRef idx="0">
+        <a:scrgbClr r="0" g="0" b="0"/>
+      </a:effectRef>
+      <a:fontRef idx="minor">
+        <a:schemeClr val="lt1"/>
+      </a:fontRef>
+    </dgm:style>
+  </dgm:styleLbl>
+  <dgm:styleLbl name="asst1">
+    <dgm:scene3d>
+      <a:camera prst="orthographicFront"/>
+      <a:lightRig rig="threePt" dir="t"/>
+    </dgm:scene3d>
+    <dgm:sp3d/>
+    <dgm:txPr/>
+    <dgm:style>
+      <a:lnRef idx="2">
+        <a:scrgbClr r="0" g="0" b="0"/>
+      </a:lnRef>
+      <a:fillRef idx="1">
+        <a:scrgbClr r="0" g="0" b="0"/>
+      </a:fillRef>
+      <a:effectRef idx="0">
+        <a:scrgbClr r="0" g="0" b="0"/>
+      </a:effectRef>
+      <a:fontRef idx="minor">
+        <a:schemeClr val="lt1"/>
+      </a:fontRef>
+    </dgm:style>
+  </dgm:styleLbl>
+  <dgm:styleLbl name="asst2">
+    <dgm:scene3d>
+      <a:camera prst="orthographicFront"/>
+      <a:lightRig rig="threePt" dir="t"/>
+    </dgm:scene3d>
+    <dgm:sp3d/>
+    <dgm:txPr/>
+    <dgm:style>
+      <a:lnRef idx="2">
+        <a:scrgbClr r="0" g="0" b="0"/>
+      </a:lnRef>
+      <a:fillRef idx="1">
+        <a:scrgbClr r="0" g="0" b="0"/>
+      </a:fillRef>
+      <a:effectRef idx="0">
+        <a:scrgbClr r="0" g="0" b="0"/>
+      </a:effectRef>
+      <a:fontRef idx="minor">
+        <a:schemeClr val="lt1"/>
+      </a:fontRef>
+    </dgm:style>
+  </dgm:styleLbl>
+  <dgm:styleLbl name="asst3">
+    <dgm:scene3d>
+      <a:camera prst="orthographicFront"/>
+      <a:lightRig rig="threePt" dir="t"/>
+    </dgm:scene3d>
+    <dgm:sp3d/>
+    <dgm:txPr/>
+    <dgm:style>
+      <a:lnRef idx="2">
+        <a:scrgbClr r="0" g="0" b="0"/>
+      </a:lnRef>
+      <a:fillRef idx="1">
+        <a:scrgbClr r="0" g="0" b="0"/>
+      </a:fillRef>
+      <a:effectRef idx="0">
+        <a:scrgbClr r="0" g="0" b="0"/>
+      </a:effectRef>
+      <a:fontRef idx="minor">
+        <a:schemeClr val="lt1"/>
+      </a:fontRef>
+    </dgm:style>
+  </dgm:styleLbl>
+  <dgm:styleLbl name="asst4">
+    <dgm:scene3d>
+      <a:camera prst="orthographicFront"/>
+      <a:lightRig rig="threePt" dir="t"/>
+    </dgm:scene3d>
+    <dgm:sp3d/>
+    <dgm:txPr/>
+    <dgm:style>
+      <a:lnRef idx="2">
+        <a:scrgbClr r="0" g="0" b="0"/>
+      </a:lnRef>
+      <a:fillRef idx="1">
+        <a:scrgbClr r="0" g="0" b="0"/>
+      </a:fillRef>
+      <a:effectRef idx="0">
+        <a:scrgbClr r="0" g="0" b="0"/>
+      </a:effectRef>
+      <a:fontRef idx="minor">
+        <a:schemeClr val="lt1"/>
+      </a:fontRef>
+    </dgm:style>
+  </dgm:styleLbl>
+  <dgm:styleLbl name="parChTrans2D1">
+    <dgm:scene3d>
+      <a:camera prst="orthographicFront"/>
+      <a:lightRig rig="threePt" dir="t"/>
+    </dgm:scene3d>
+    <dgm:sp3d/>
+    <dgm:txPr/>
+    <dgm:style>
+      <a:lnRef idx="2">
+        <a:scrgbClr r="0" g="0" b="0"/>
+      </a:lnRef>
+      <a:fillRef idx="1">
+        <a:scrgbClr r="0" g="0" b="0"/>
+      </a:fillRef>
+      <a:effectRef idx="0">
+        <a:scrgbClr r="0" g="0" b="0"/>
+      </a:effectRef>
+      <a:fontRef idx="minor">
+        <a:schemeClr val="lt1"/>
+      </a:fontRef>
+    </dgm:style>
+  </dgm:styleLbl>
+  <dgm:styleLbl name="parChTrans2D2">
+    <dgm:scene3d>
+      <a:camera prst="orthographicFront"/>
+      <a:lightRig rig="threePt" dir="t"/>
+    </dgm:scene3d>
+    <dgm:sp3d/>
+    <dgm:txPr/>
+    <dgm:style>
+      <a:lnRef idx="2">
+        <a:scrgbClr r="0" g="0" b="0"/>
+      </a:lnRef>
+      <a:fillRef idx="1">
+        <a:scrgbClr r="0" g="0" b="0"/>
+      </a:fillRef>
+      <a:effectRef idx="0">
+        <a:scrgbClr r="0" g="0" b="0"/>
+      </a:effectRef>
+      <a:fontRef idx="minor">
+        <a:schemeClr val="lt1"/>
+      </a:fontRef>
+    </dgm:style>
+  </dgm:styleLbl>
+  <dgm:styleLbl name="parChTrans2D3">
+    <dgm:scene3d>
+      <a:camera prst="orthographicFront"/>
+      <a:lightRig rig="threePt" dir="t"/>
+    </dgm:scene3d>
+    <dgm:sp3d/>
+    <dgm:txPr/>
+    <dgm:style>
+      <a:lnRef idx="2">
+        <a:scrgbClr r="0" g="0" b="0"/>
+      </a:lnRef>
+      <a:fillRef idx="1">
+        <a:scrgbClr r="0" g="0" b="0"/>
+      </a:fillRef>
+      <a:effectRef idx="0">
+        <a:scrgbClr r="0" g="0" b="0"/>
+      </a:effectRef>
+      <a:fontRef idx="minor">
+        <a:schemeClr val="lt1"/>
+      </a:fontRef>
+    </dgm:style>
+  </dgm:styleLbl>
+  <dgm:styleLbl name="parChTrans2D4">
+    <dgm:scene3d>
+      <a:camera prst="orthographicFront"/>
+      <a:lightRig rig="threePt" dir="t"/>
+    </dgm:scene3d>
+    <dgm:sp3d/>
+    <dgm:txPr/>
+    <dgm:style>
+      <a:lnRef idx="2">
+        <a:scrgbClr r="0" g="0" b="0"/>
+      </a:lnRef>
+      <a:fillRef idx="1">
+        <a:scrgbClr r="0" g="0" b="0"/>
+      </a:fillRef>
+      <a:effectRef idx="0">
+        <a:scrgbClr r="0" g="0" b="0"/>
+      </a:effectRef>
+      <a:fontRef idx="minor">
+        <a:schemeClr val="lt1"/>
+      </a:fontRef>
+    </dgm:style>
+  </dgm:styleLbl>
+  <dgm:styleLbl name="parChTrans1D1">
+    <dgm:scene3d>
+      <a:camera prst="orthographicFront"/>
+      <a:lightRig rig="threePt" dir="t"/>
+    </dgm:scene3d>
+    <dgm:sp3d/>
+    <dgm:txPr/>
+    <dgm:style>
+      <a:lnRef idx="2">
+        <a:scrgbClr r="0" g="0" b="0"/>
+      </a:lnRef>
+      <a:fillRef idx="0">
+        <a:scrgbClr r="0" g="0" b="0"/>
+      </a:fillRef>
+      <a:effectRef idx="0">
+        <a:scrgbClr r="0" g="0" b="0"/>
+      </a:effectRef>
+      <a:fontRef idx="minor"/>
+    </dgm:style>
+  </dgm:styleLbl>
+  <dgm:styleLbl name="parChTrans1D2">
+    <dgm:scene3d>
+      <a:camera prst="orthographicFront"/>
+      <a:lightRig rig="threePt" dir="t"/>
+    </dgm:scene3d>
+    <dgm:sp3d/>
+    <dgm:txPr/>
+    <dgm:style>
+      <a:lnRef idx="2">
+        <a:scrgbClr r="0" g="0" b="0"/>
+      </a:lnRef>
+      <a:fillRef idx="0">
+        <a:scrgbClr r="0" g="0" b="0"/>
+      </a:fillRef>
+      <a:effectRef idx="0">
+        <a:scrgbClr r="0" g="0" b="0"/>
+      </a:effectRef>
+      <a:fontRef idx="minor"/>
+    </dgm:style>
+  </dgm:styleLbl>
+  <dgm:styleLbl name="parChTrans1D3">
+    <dgm:scene3d>
+      <a:camera prst="orthographicFront"/>
+      <a:lightRig rig="threePt" dir="t"/>
+    </dgm:scene3d>
+    <dgm:sp3d/>
+    <dgm:txPr/>
+    <dgm:style>
+      <a:lnRef idx="2">
+        <a:scrgbClr r="0" g="0" b="0"/>
+      </a:lnRef>
+      <a:fillRef idx="0">
+        <a:scrgbClr r="0" g="0" b="0"/>
+      </a:fillRef>
+      <a:effectRef idx="0">
+        <a:scrgbClr r="0" g="0" b="0"/>
+      </a:effectRef>
+      <a:fontRef idx="minor"/>
+    </dgm:style>
+  </dgm:styleLbl>
+  <dgm:styleLbl name="parChTrans1D4">
+    <dgm:scene3d>
+      <a:camera prst="orthographicFront"/>
+      <a:lightRig rig="threePt" dir="t"/>
+    </dgm:scene3d>
+    <dgm:sp3d/>
+    <dgm:txPr/>
+    <dgm:style>
+      <a:lnRef idx="2">
+        <a:scrgbClr r="0" g="0" b="0"/>
+      </a:lnRef>
+      <a:fillRef idx="0">
+        <a:scrgbClr r="0" g="0" b="0"/>
+      </a:fillRef>
+      <a:effectRef idx="0">
+        <a:scrgbClr r="0" g="0" b="0"/>
+      </a:effectRef>
+      <a:fontRef idx="minor"/>
+    </dgm:style>
+  </dgm:styleLbl>
+  <dgm:styleLbl name="fgAcc1">
+    <dgm:scene3d>
+      <a:camera prst="orthographicFront"/>
+      <a:lightRig rig="threePt" dir="t"/>
+    </dgm:scene3d>
+    <dgm:sp3d/>
+    <dgm:txPr/>
+    <dgm:style>
+      <a:lnRef idx="2">
+        <a:scrgbClr r="0" g="0" b="0"/>
+      </a:lnRef>
+      <a:fillRef idx="1">
+        <a:scrgbClr r="0" g="0" b="0"/>
+      </a:fillRef>
+      <a:effectRef idx="0">
+        <a:scrgbClr r="0" g="0" b="0"/>
+      </a:effectRef>
+      <a:fontRef idx="minor"/>
+    </dgm:style>
+  </dgm:styleLbl>
+  <dgm:styleLbl name="conFgAcc1">
+    <dgm:scene3d>
+      <a:camera prst="orthographicFront"/>
+      <a:lightRig rig="threePt" dir="t"/>
+    </dgm:scene3d>
+    <dgm:sp3d/>
+    <dgm:txPr/>
+    <dgm:style>
+      <a:lnRef idx="2">
+        <a:scrgbClr r="0" g="0" b="0"/>
+      </a:lnRef>
+      <a:fillRef idx="1">
+        <a:scrgbClr r="0" g="0" b="0"/>
+      </a:fillRef>
+      <a:effectRef idx="0">
+        <a:scrgbClr r="0" g="0" b="0"/>
+      </a:effectRef>
+      <a:fontRef idx="minor"/>
+    </dgm:style>
+  </dgm:styleLbl>
+  <dgm:styleLbl name="alignAcc1">
+    <dgm:scene3d>
+      <a:camera prst="orthographicFront"/>
+      <a:lightRig rig="threePt" dir="t"/>
+    </dgm:scene3d>
+    <dgm:sp3d/>
+    <dgm:txPr/>
+    <dgm:style>
+      <a:lnRef idx="2">
+        <a:scrgbClr r="0" g="0" b="0"/>
+      </a:lnRef>
+      <a:fillRef idx="1">
+        <a:scrgbClr r="0" g="0" b="0"/>
+      </a:fillRef>
+      <a:effectRef idx="0">
+        <a:scrgbClr r="0" g="0" b="0"/>
+      </a:effectRef>
+      <a:fontRef idx="minor"/>
+    </dgm:style>
+  </dgm:styleLbl>
+  <dgm:styleLbl name="trAlignAcc1">
+    <dgm:scene3d>
+      <a:camera prst="orthographicFront"/>
+      <a:lightRig rig="threePt" dir="t"/>
+    </dgm:scene3d>
+    <dgm:sp3d/>
+    <dgm:txPr/>
+    <dgm:style>
+      <a:lnRef idx="1">
+        <a:scrgbClr r="0" g="0" b="0"/>
+      </a:lnRef>
+      <a:fillRef idx="1">
+        <a:scrgbClr r="0" g="0" b="0"/>
+      </a:fillRef>
+      <a:effectRef idx="0">
+        <a:scrgbClr r="0" g="0" b="0"/>
+      </a:effectRef>
+      <a:fontRef idx="minor"/>
+    </dgm:style>
+  </dgm:styleLbl>
+  <dgm:styleLbl name="bgAcc1">
+    <dgm:scene3d>
+      <a:camera prst="orthographicFront"/>
+      <a:lightRig rig="threePt" dir="t"/>
+    </dgm:scene3d>
+    <dgm:sp3d/>
+    <dgm:txPr/>
+    <dgm:style>
+      <a:lnRef idx="2">
+        <a:scrgbClr r="0" g="0" b="0"/>
+      </a:lnRef>
+      <a:fillRef idx="1">
+        <a:scrgbClr r="0" g="0" b="0"/>
+      </a:fillRef>
+      <a:effectRef idx="0">
+        <a:scrgbClr r="0" g="0" b="0"/>
+      </a:effectRef>
+      <a:fontRef idx="minor"/>
+    </dgm:style>
+  </dgm:styleLbl>
+  <dgm:styleLbl name="solidFgAcc1">
+    <dgm:scene3d>
+      <a:camera prst="orthographicFront"/>
+      <a:lightRig rig="threePt" dir="t"/>
+    </dgm:scene3d>
+    <dgm:sp3d/>
+    <dgm:txPr/>
+    <dgm:style>
+      <a:lnRef idx="2">
+        <a:scrgbClr r="0" g="0" b="0"/>
+      </a:lnRef>
+      <a:fillRef idx="1">
+        <a:scrgbClr r="0" g="0" b="0"/>
+      </a:fillRef>
+      <a:effectRef idx="0">
+        <a:scrgbClr r="0" g="0" b="0"/>
+      </a:effectRef>
+      <a:fontRef idx="minor"/>
+    </dgm:style>
+  </dgm:styleLbl>
+  <dgm:styleLbl name="solidAlignAcc1">
+    <dgm:scene3d>
+      <a:camera prst="orthographicFront"/>
+      <a:lightRig rig="threePt" dir="t"/>
+    </dgm:scene3d>
+    <dgm:sp3d/>
+    <dgm:txPr/>
+    <dgm:style>
+      <a:lnRef idx="2">
+        <a:scrgbClr r="0" g="0" b="0"/>
+      </a:lnRef>
+      <a:fillRef idx="1">
+        <a:scrgbClr r="0" g="0" b="0"/>
+      </a:fillRef>
+      <a:effectRef idx="0">
+        <a:scrgbClr r="0" g="0" b="0"/>
+      </a:effectRef>
+      <a:fontRef idx="minor"/>
+    </dgm:style>
+  </dgm:styleLbl>
+  <dgm:styleLbl name="solidBgAcc1">
+    <dgm:scene3d>
+      <a:camera prst="orthographicFront"/>
+      <a:lightRig rig="threePt" dir="t"/>
+    </dgm:scene3d>
+    <dgm:sp3d/>
+    <dgm:txPr/>
+    <dgm:style>
+      <a:lnRef idx="2">
+        <a:scrgbClr r="0" g="0" b="0"/>
+      </a:lnRef>
+      <a:fillRef idx="1">
+        <a:scrgbClr r="0" g="0" b="0"/>
+      </a:fillRef>
+      <a:effectRef idx="0">
+        <a:scrgbClr r="0" g="0" b="0"/>
+      </a:effectRef>
+      <a:fontRef idx="minor"/>
+    </dgm:style>
+  </dgm:styleLbl>
+  <dgm:styleLbl name="fgAccFollowNode1">
+    <dgm:scene3d>
+      <a:camera prst="orthographicFront"/>
+      <a:lightRig rig="threePt" dir="t"/>
+    </dgm:scene3d>
+    <dgm:sp3d/>
+    <dgm:txPr/>
+    <dgm:style>
+      <a:lnRef idx="2">
+        <a:scrgbClr r="0" g="0" b="0"/>
+      </a:lnRef>
+      <a:fillRef idx="1">
+        <a:scrgbClr r="0" g="0" b="0"/>
+      </a:fillRef>
+      <a:effectRef idx="0">
+        <a:scrgbClr r="0" g="0" b="0"/>
+      </a:effectRef>
+      <a:fontRef idx="minor"/>
+    </dgm:style>
+  </dgm:styleLbl>
+  <dgm:styleLbl name="alignAccFollowNode1">
+    <dgm:scene3d>
+      <a:camera prst="orthographicFront"/>
+      <a:lightRig rig="threePt" dir="t"/>
+    </dgm:scene3d>
+    <dgm:sp3d/>
+    <dgm:txPr/>
+    <dgm:style>
+      <a:lnRef idx="2">
+        <a:scrgbClr r="0" g="0" b="0"/>
+      </a:lnRef>
+      <a:fillRef idx="1">
+        <a:scrgbClr r="0" g="0" b="0"/>
+      </a:fillRef>
+      <a:effectRef idx="0">
+        <a:scrgbClr r="0" g="0" b="0"/>
+      </a:effectRef>
+      <a:fontRef idx="minor"/>
+    </dgm:style>
+  </dgm:styleLbl>
+  <dgm:styleLbl name="bgAccFollowNode1">
+    <dgm:scene3d>
+      <a:camera prst="orthographicFront"/>
+      <a:lightRig rig="threePt" dir="t"/>
+    </dgm:scene3d>
+    <dgm:sp3d/>
+    <dgm:txPr/>
+    <dgm:style>
+      <a:lnRef idx="2">
+        <a:scrgbClr r="0" g="0" b="0"/>
+      </a:lnRef>
+      <a:fillRef idx="1">
+        <a:scrgbClr r="0" g="0" b="0"/>
+      </a:fillRef>
+      <a:effectRef idx="0">
+        <a:scrgbClr r="0" g="0" b="0"/>
+      </a:effectRef>
+      <a:fontRef idx="minor"/>
+    </dgm:style>
+  </dgm:styleLbl>
+  <dgm:styleLbl name="fgAcc0">
+    <dgm:scene3d>
+      <a:camera prst="orthographicFront"/>
+      <a:lightRig rig="threePt" dir="t"/>
+    </dgm:scene3d>
+    <dgm:sp3d/>
+    <dgm:txPr/>
+    <dgm:style>
+      <a:lnRef idx="2">
+        <a:scrgbClr r="0" g="0" b="0"/>
+      </a:lnRef>
+      <a:fillRef idx="1">
+        <a:scrgbClr r="0" g="0" b="0"/>
+      </a:fillRef>
+      <a:effectRef idx="0">
+        <a:scrgbClr r="0" g="0" b="0"/>
+      </a:effectRef>
+      <a:fontRef idx="minor"/>
+    </dgm:style>
+  </dgm:styleLbl>
+  <dgm:styleLbl name="fgAcc2">
+    <dgm:scene3d>
+      <a:camera prst="orthographicFront"/>
+      <a:lightRig rig="threePt" dir="t"/>
+    </dgm:scene3d>
+    <dgm:sp3d/>
+    <dgm:txPr/>
+    <dgm:style>
+      <a:lnRef idx="2">
+        <a:scrgbClr r="0" g="0" b="0"/>
+      </a:lnRef>
+      <a:fillRef idx="1">
+        <a:scrgbClr r="0" g="0" b="0"/>
+      </a:fillRef>
+      <a:effectRef idx="0">
+        <a:scrgbClr r="0" g="0" b="0"/>
+      </a:effectRef>
+      <a:fontRef idx="minor"/>
+    </dgm:style>
+  </dgm:styleLbl>
+  <dgm:styleLbl name="fgAcc3">
+    <dgm:scene3d>
+      <a:camera prst="orthographicFront"/>
+      <a:lightRig rig="threePt" dir="t"/>
+    </dgm:scene3d>
+    <dgm:sp3d/>
+    <dgm:txPr/>
+    <dgm:style>
+      <a:lnRef idx="2">
+        <a:scrgbClr r="0" g="0" b="0"/>
+      </a:lnRef>
+      <a:fillRef idx="1">
+        <a:scrgbClr r="0" g="0" b="0"/>
+      </a:fillRef>
+      <a:effectRef idx="0">
+        <a:scrgbClr r="0" g="0" b="0"/>
+      </a:effectRef>
+      <a:fontRef idx="minor"/>
+    </dgm:style>
+  </dgm:styleLbl>
+  <dgm:styleLbl name="fgAcc4">
+    <dgm:scene3d>
+      <a:camera prst="orthographicFront"/>
+      <a:lightRig rig="threePt" dir="t"/>
+    </dgm:scene3d>
+    <dgm:sp3d/>
+    <dgm:txPr/>
+    <dgm:style>
+      <a:lnRef idx="2">
+        <a:scrgbClr r="0" g="0" b="0"/>
+      </a:lnRef>
+      <a:fillRef idx="1">
+        <a:scrgbClr r="0" g="0" b="0"/>
+      </a:fillRef>
+      <a:effectRef idx="0">
+        <a:scrgbClr r="0" g="0" b="0"/>
+      </a:effectRef>
+      <a:fontRef idx="minor"/>
+    </dgm:style>
+  </dgm:styleLbl>
+  <dgm:styleLbl name="bgShp">
+    <dgm:scene3d>
+      <a:camera prst="orthographicFront"/>
+      <a:lightRig rig="threePt" dir="t"/>
+    </dgm:scene3d>
+    <dgm:sp3d/>
+    <dgm:txPr/>
+    <dgm:style>
+      <a:lnRef idx="0">
+        <a:scrgbClr r="0" g="0" b="0"/>
+      </a:lnRef>
+      <a:fillRef idx="1">
+        <a:scrgbClr r="0" g="0" b="0"/>
+      </a:fillRef>
+      <a:effectRef idx="0">
+        <a:scrgbClr r="0" g="0" b="0"/>
+      </a:effectRef>
+      <a:fontRef idx="minor"/>
+    </dgm:style>
+  </dgm:styleLbl>
+  <dgm:styleLbl name="dkBgShp">
+    <dgm:scene3d>
+      <a:camera prst="orthographicFront"/>
+      <a:lightRig rig="threePt" dir="t"/>
+    </dgm:scene3d>
+    <dgm:sp3d/>
+    <dgm:txPr/>
+    <dgm:style>
+      <a:lnRef idx="0">
+        <a:scrgbClr r="0" g="0" b="0"/>
+      </a:lnRef>
+      <a:fillRef idx="1">
+        <a:scrgbClr r="0" g="0" b="0"/>
+      </a:fillRef>
+      <a:effectRef idx="0">
+        <a:scrgbClr r="0" g="0" b="0"/>
+      </a:effectRef>
+      <a:fontRef idx="minor"/>
+    </dgm:style>
+  </dgm:styleLbl>
+  <dgm:styleLbl name="trBgShp">
+    <dgm:scene3d>
+      <a:camera prst="orthographicFront"/>
+      <a:lightRig rig="threePt" dir="t"/>
+    </dgm:scene3d>
+    <dgm:sp3d/>
+    <dgm:txPr/>
+    <dgm:style>
+      <a:lnRef idx="0">
+        <a:scrgbClr r="0" g="0" b="0"/>
+      </a:lnRef>
+      <a:fillRef idx="1">
+        <a:scrgbClr r="0" g="0" b="0"/>
+      </a:fillRef>
+      <a:effectRef idx="0">
+        <a:scrgbClr r="0" g="0" b="0"/>
+      </a:effectRef>
+      <a:fontRef idx="minor"/>
+    </dgm:style>
+  </dgm:styleLbl>
+  <dgm:styleLbl name="fgShp">
+    <dgm:scene3d>
+      <a:camera prst="orthographicFront"/>
+      <a:lightRig rig="threePt" dir="t"/>
+    </dgm:scene3d>
+    <dgm:sp3d/>
+    <dgm:txPr/>
+    <dgm:style>
+      <a:lnRef idx="2">
+        <a:scrgbClr r="0" g="0" b="0"/>
+      </a:lnRef>
+      <a:fillRef idx="1">
+        <a:scrgbClr r="0" g="0" b="0"/>
+      </a:fillRef>
+      <a:effectRef idx="0">
+        <a:scrgbClr r="0" g="0" b="0"/>
+      </a:effectRef>
+      <a:fontRef idx="minor"/>
+    </dgm:style>
+  </dgm:styleLbl>
+  <dgm:styleLbl name="revTx">
+    <dgm:scene3d>
+      <a:camera prst="orthographicFront"/>
+      <a:lightRig rig="threePt" dir="t"/>
+    </dgm:scene3d>
+    <dgm:sp3d/>
+    <dgm:txPr/>
+    <dgm:style>
+      <a:lnRef idx="0">
+        <a:scrgbClr r="0" g="0" b="0"/>
+      </a:lnRef>
+      <a:fillRef idx="0">
+        <a:scrgbClr r="0" g="0" b="0"/>
+      </a:fillRef>
+      <a:effectRef idx="0">
+        <a:scrgbClr r="0" g="0" b="0"/>
+      </a:effectRef>
+      <a:fontRef idx="minor"/>
+    </dgm:style>
+  </dgm:styleLbl>
+</dgm:styleDef>
 </file>
 
 <file path=ppt/slideLayouts/slideLayout1.xml><?xml version="1.0" encoding="utf-8"?>
@@ -7152,7 +9836,7 @@
             </a:r>
             <a:r>
               <a:rPr lang="en-IN" dirty="0"/>
-              <a:t>&gt; - LOW CODE NO CODE </a:t>
+              <a:t>&gt; - LOW CODE/NO CODE </a:t>
             </a:r>
             <a:br>
               <a:rPr lang="en-IN" dirty="0"/>
@@ -7165,80 +9849,37 @@
           </a:p>
         </p:txBody>
       </p:sp>
-      <p:sp>
-        <p:nvSpPr>
-          <p:cNvPr id="3" name="Content Placeholder 2">
+      <p:graphicFrame>
+        <p:nvGraphicFramePr>
+          <p:cNvPr id="4" name="Content Placeholder 3">
             <a:extLst>
               <a:ext uri="{FF2B5EF4-FFF2-40B4-BE49-F238E27FC236}">
-                <a16:creationId xmlns:a16="http://schemas.microsoft.com/office/drawing/2014/main" id="{52F09F8E-17E1-C052-4935-D2E064B1BA32}"/>
+                <a16:creationId xmlns:a16="http://schemas.microsoft.com/office/drawing/2014/main" id="{A5618265-EB56-DCB9-04E7-2B2A5A566A22}"/>
               </a:ext>
             </a:extLst>
           </p:cNvPr>
-          <p:cNvSpPr>
-            <a:spLocks noGrp="1"/>
-          </p:cNvSpPr>
+          <p:cNvGraphicFramePr>
+            <a:graphicFrameLocks noGrp="1"/>
+          </p:cNvGraphicFramePr>
           <p:nvPr>
             <p:ph idx="1"/>
-          </p:nvPr>
-        </p:nvSpPr>
-        <p:spPr/>
-        <p:txBody>
-          <a:bodyPr numCol="2"/>
-          <a:lstStyle/>
-          <a:p>
-            <a:r>
-              <a:rPr lang="en-IN" dirty="0"/>
-              <a:t>NO ADMINS</a:t>
-            </a:r>
-          </a:p>
-          <a:p>
-            <a:r>
-              <a:rPr lang="en-IN" dirty="0"/>
-              <a:t>DevOps</a:t>
-            </a:r>
-          </a:p>
-          <a:p>
-            <a:r>
-              <a:rPr lang="en-IN" dirty="0"/>
-              <a:t>YAML - s</a:t>
-            </a:r>
-            <a:r>
-              <a:rPr lang="en-US" b="0" i="0" dirty="0">
-                <a:solidFill>
-                  <a:srgbClr val="1C1C1C"/>
-                </a:solidFill>
-                <a:effectLst/>
-                <a:latin typeface="Noto Sans" panose="020B0502040504020204" pitchFamily="34" charset="0"/>
-              </a:rPr>
-              <a:t>ick of "programming" in </a:t>
-            </a:r>
-            <a:r>
-              <a:rPr lang="en-US" b="0" i="0" dirty="0" err="1">
-                <a:solidFill>
-                  <a:srgbClr val="1C1C1C"/>
-                </a:solidFill>
-                <a:effectLst/>
-                <a:latin typeface="Noto Sans" panose="020B0502040504020204" pitchFamily="34" charset="0"/>
-              </a:rPr>
-              <a:t>yaml</a:t>
-            </a:r>
-            <a:endParaRPr lang="en-IN" dirty="0"/>
-          </a:p>
-          <a:p>
-            <a:r>
-              <a:rPr lang="en-IN" dirty="0"/>
-              <a:t>DOCKER</a:t>
-            </a:r>
-          </a:p>
-          <a:p>
-            <a:r>
-              <a:rPr lang="en-IN" dirty="0" err="1"/>
-              <a:t>IaC</a:t>
-            </a:r>
-            <a:endParaRPr lang="en-IN" dirty="0"/>
-          </a:p>
-        </p:txBody>
-      </p:sp>
+            <p:extLst>
+              <p:ext uri="{D42A27DB-BD31-4B8C-83A1-F6EECF244321}">
+                <p14:modId xmlns:p14="http://schemas.microsoft.com/office/powerpoint/2010/main" val="1205882447"/>
+              </p:ext>
+            </p:extLst>
+          </p:nvPr>
+        </p:nvGraphicFramePr>
+        <p:xfrm>
+          <a:off x="1069848" y="2121408"/>
+          <a:ext cx="10058400" cy="4050792"/>
+        </p:xfrm>
+        <a:graphic>
+          <a:graphicData uri="http://schemas.openxmlformats.org/drawingml/2006/diagram">
+            <dgm:relIds xmlns:dgm="http://schemas.openxmlformats.org/drawingml/2006/diagram" xmlns:r="http://schemas.openxmlformats.org/officeDocument/2006/relationships" r:dm="rId2" r:lo="rId3" r:qs="rId4" r:cs="rId5"/>
+          </a:graphicData>
+        </a:graphic>
+      </p:graphicFrame>
     </p:spTree>
     <p:extLst>
       <p:ext uri="{BB962C8B-B14F-4D97-AF65-F5344CB8AC3E}">

--- a/docs/IaC_Devopedia_Sep_2022.pptx
+++ b/docs/IaC_Devopedia_Sep_2022.pptx
@@ -35,6 +35,8 @@
     <p:sldId id="265" r:id="rId29"/>
     <p:sldId id="273" r:id="rId30"/>
     <p:sldId id="276" r:id="rId31"/>
+    <p:sldId id="287" r:id="rId32"/>
+    <p:sldId id="288" r:id="rId33"/>
   </p:sldIdLst>
   <p:sldSz cx="12192000" cy="6858000"/>
   <p:notesSz cx="6858000" cy="9144000"/>
@@ -892,7 +894,7 @@
 <dgm:dataModel xmlns:dgm="http://schemas.openxmlformats.org/drawingml/2006/diagram" xmlns:a="http://schemas.openxmlformats.org/drawingml/2006/main">
   <dgm:ptLst>
     <dgm:pt modelId="{9FAF0448-C2B0-45C3-8735-53A01A46355B}" type="doc">
-      <dgm:prSet loTypeId="urn:microsoft.com/office/officeart/2005/8/layout/hProcess9" loCatId="process" qsTypeId="urn:microsoft.com/office/officeart/2005/8/quickstyle/simple1" qsCatId="simple" csTypeId="urn:microsoft.com/office/officeart/2005/8/colors/accent1_2" csCatId="accent1"/>
+      <dgm:prSet loTypeId="urn:microsoft.com/office/officeart/2005/8/layout/hProcess9" loCatId="process" qsTypeId="urn:microsoft.com/office/officeart/2005/8/quickstyle/simple1" qsCatId="simple" csTypeId="urn:microsoft.com/office/officeart/2005/8/colors/accent1_2" csCatId="accent1" phldr="1"/>
       <dgm:spPr/>
       <dgm:t>
         <a:bodyPr/>
@@ -910,8 +912,8 @@
         <a:lstStyle/>
         <a:p>
           <a:r>
-            <a:rPr lang="en-IN"/>
-            <a:t>NO ADMINS</a:t>
+            <a:rPr lang="en-IN" dirty="0"/>
+            <a:t>NO Admins/IT</a:t>
           </a:r>
         </a:p>
       </dgm:t>
@@ -946,7 +948,7 @@
         <a:lstStyle/>
         <a:p>
           <a:r>
-            <a:rPr lang="en-IN"/>
+            <a:rPr lang="en-IN" dirty="0"/>
             <a:t>DevOps</a:t>
           </a:r>
         </a:p>
@@ -982,14 +984,18 @@
         <a:lstStyle/>
         <a:p>
           <a:r>
-            <a:rPr lang="en-IN"/>
+            <a:rPr lang="en-IN" dirty="0"/>
             <a:t>YAML - s</a:t>
           </a:r>
           <a:r>
-            <a:rPr lang="en-US" b="0" i="0"/>
-            <a:t>ick of "programming" in yaml</a:t>
+            <a:rPr lang="en-US" b="0" i="0" dirty="0"/>
+            <a:t>ick of "programming" in </a:t>
           </a:r>
-          <a:endParaRPr lang="en-IN"/>
+          <a:r>
+            <a:rPr lang="en-US" b="0" i="0" dirty="0" err="1"/>
+            <a:t>yaml</a:t>
+          </a:r>
+          <a:endParaRPr lang="en-IN" dirty="0"/>
         </a:p>
       </dgm:t>
     </dgm:pt>
@@ -1023,8 +1029,8 @@
         <a:lstStyle/>
         <a:p>
           <a:r>
-            <a:rPr lang="en-IN"/>
-            <a:t>DOCKER</a:t>
+            <a:rPr lang="en-IN" dirty="0"/>
+            <a:t>Docker</a:t>
           </a:r>
         </a:p>
       </dgm:t>
@@ -1059,9 +1065,10 @@
         <a:lstStyle/>
         <a:p>
           <a:r>
-            <a:rPr lang="en-IN"/>
+            <a:rPr lang="en-IN" dirty="0" err="1"/>
             <a:t>IaC</a:t>
           </a:r>
+          <a:endParaRPr lang="en-IN" dirty="0"/>
         </a:p>
       </dgm:t>
     </dgm:pt>
@@ -1077,6 +1084,79 @@
       </dgm:t>
     </dgm:pt>
     <dgm:pt modelId="{43A1EEAE-9EA6-4A71-8C0C-F669210DBCF2}" type="sibTrans" cxnId="{E9FDC66B-68B8-43AC-8AC3-BA3B808591D0}">
+      <dgm:prSet/>
+      <dgm:spPr/>
+      <dgm:t>
+        <a:bodyPr/>
+        <a:lstStyle/>
+        <a:p>
+          <a:endParaRPr lang="en-IN"/>
+        </a:p>
+      </dgm:t>
+    </dgm:pt>
+    <dgm:pt modelId="{3E4A815B-4E86-4FB7-8264-342D203371EA}">
+      <dgm:prSet/>
+      <dgm:spPr/>
+      <dgm:t>
+        <a:bodyPr/>
+        <a:lstStyle/>
+        <a:p>
+          <a:r>
+            <a:rPr lang="en-IN" dirty="0" err="1"/>
+            <a:t>VMs</a:t>
+          </a:r>
+          <a:endParaRPr lang="en-IN" dirty="0"/>
+        </a:p>
+      </dgm:t>
+    </dgm:pt>
+    <dgm:pt modelId="{2A3FA2BB-57BA-42C2-ACB6-6F84C3D517A5}" type="parTrans" cxnId="{D3617DE4-AFD0-47F9-98A0-CC5DD3F2D20F}">
+      <dgm:prSet/>
+      <dgm:spPr/>
+      <dgm:t>
+        <a:bodyPr/>
+        <a:lstStyle/>
+        <a:p>
+          <a:endParaRPr lang="en-IN"/>
+        </a:p>
+      </dgm:t>
+    </dgm:pt>
+    <dgm:pt modelId="{D356585B-CBD1-4BBE-934C-77C416A9F52B}" type="sibTrans" cxnId="{D3617DE4-AFD0-47F9-98A0-CC5DD3F2D20F}">
+      <dgm:prSet/>
+      <dgm:spPr/>
+      <dgm:t>
+        <a:bodyPr/>
+        <a:lstStyle/>
+        <a:p>
+          <a:endParaRPr lang="en-IN"/>
+        </a:p>
+      </dgm:t>
+    </dgm:pt>
+    <dgm:pt modelId="{FED18496-EABA-4D85-A7D5-AE40342842B9}">
+      <dgm:prSet/>
+      <dgm:spPr/>
+      <dgm:t>
+        <a:bodyPr/>
+        <a:lstStyle/>
+        <a:p>
+          <a:r>
+            <a:rPr lang="en-IN" dirty="0"/>
+            <a:t>Serverless</a:t>
+          </a:r>
+        </a:p>
+      </dgm:t>
+    </dgm:pt>
+    <dgm:pt modelId="{1CDFFB77-BCE5-48A2-88A0-D7BA1E1B6DAC}" type="parTrans" cxnId="{B090D4DD-D81A-447E-981E-967C042BA51A}">
+      <dgm:prSet/>
+      <dgm:spPr/>
+      <dgm:t>
+        <a:bodyPr/>
+        <a:lstStyle/>
+        <a:p>
+          <a:endParaRPr lang="en-IN"/>
+        </a:p>
+      </dgm:t>
+    </dgm:pt>
+    <dgm:pt modelId="{832BC34E-4CC0-4289-AE2C-C8DF604B07A8}" type="sibTrans" cxnId="{B090D4DD-D81A-447E-981E-967C042BA51A}">
       <dgm:prSet/>
       <dgm:spPr/>
       <dgm:t>
@@ -1105,7 +1185,7 @@
       <dgm:spPr/>
     </dgm:pt>
     <dgm:pt modelId="{F75C9AD1-43FB-41BA-BC67-4623F6641194}" type="pres">
-      <dgm:prSet presAssocID="{051F2519-AF08-4704-80A3-47F67472AC3F}" presName="textNode" presStyleLbl="node1" presStyleIdx="0" presStyleCnt="5">
+      <dgm:prSet presAssocID="{051F2519-AF08-4704-80A3-47F67472AC3F}" presName="textNode" presStyleLbl="node1" presStyleIdx="0" presStyleCnt="7">
         <dgm:presLayoutVars>
           <dgm:bulletEnabled val="1"/>
         </dgm:presLayoutVars>
@@ -1117,7 +1197,7 @@
       <dgm:spPr/>
     </dgm:pt>
     <dgm:pt modelId="{EC1DE826-D6A8-43D4-99C4-7539D9F14308}" type="pres">
-      <dgm:prSet presAssocID="{73F5887C-30BF-4E02-BE6F-BFC7FB111CBF}" presName="textNode" presStyleLbl="node1" presStyleIdx="1" presStyleCnt="5">
+      <dgm:prSet presAssocID="{73F5887C-30BF-4E02-BE6F-BFC7FB111CBF}" presName="textNode" presStyleLbl="node1" presStyleIdx="1" presStyleCnt="7">
         <dgm:presLayoutVars>
           <dgm:bulletEnabled val="1"/>
         </dgm:presLayoutVars>
@@ -1128,8 +1208,20 @@
       <dgm:prSet presAssocID="{84A638FA-D753-483F-9B03-3E3DEBE43EAC}" presName="sibTrans" presStyleCnt="0"/>
       <dgm:spPr/>
     </dgm:pt>
+    <dgm:pt modelId="{4509744A-AE67-46D3-8BA2-34FA70D8C8EB}" type="pres">
+      <dgm:prSet presAssocID="{3E4A815B-4E86-4FB7-8264-342D203371EA}" presName="textNode" presStyleLbl="node1" presStyleIdx="2" presStyleCnt="7">
+        <dgm:presLayoutVars>
+          <dgm:bulletEnabled val="1"/>
+        </dgm:presLayoutVars>
+      </dgm:prSet>
+      <dgm:spPr/>
+    </dgm:pt>
+    <dgm:pt modelId="{8C4604C9-9CFD-4A5E-816C-140F97BA7BDA}" type="pres">
+      <dgm:prSet presAssocID="{D356585B-CBD1-4BBE-934C-77C416A9F52B}" presName="sibTrans" presStyleCnt="0"/>
+      <dgm:spPr/>
+    </dgm:pt>
     <dgm:pt modelId="{0645A6B5-B131-4B0D-A0BC-571B4F9FDF47}" type="pres">
-      <dgm:prSet presAssocID="{E27A8FC7-4682-4FB0-8527-A9C9A05AC0EA}" presName="textNode" presStyleLbl="node1" presStyleIdx="2" presStyleCnt="5">
+      <dgm:prSet presAssocID="{E27A8FC7-4682-4FB0-8527-A9C9A05AC0EA}" presName="textNode" presStyleLbl="node1" presStyleIdx="3" presStyleCnt="7">
         <dgm:presLayoutVars>
           <dgm:bulletEnabled val="1"/>
         </dgm:presLayoutVars>
@@ -1141,7 +1233,7 @@
       <dgm:spPr/>
     </dgm:pt>
     <dgm:pt modelId="{CC444F62-B500-40F4-AF59-9CBF4DC27BFB}" type="pres">
-      <dgm:prSet presAssocID="{1644E784-E9B8-419C-A29E-7AFB5F1A8A5E}" presName="textNode" presStyleLbl="node1" presStyleIdx="3" presStyleCnt="5">
+      <dgm:prSet presAssocID="{1644E784-E9B8-419C-A29E-7AFB5F1A8A5E}" presName="textNode" presStyleLbl="node1" presStyleIdx="4" presStyleCnt="7">
         <dgm:presLayoutVars>
           <dgm:bulletEnabled val="1"/>
         </dgm:presLayoutVars>
@@ -1152,8 +1244,20 @@
       <dgm:prSet presAssocID="{7421F75C-1993-4997-903F-8FE1FAD4C48B}" presName="sibTrans" presStyleCnt="0"/>
       <dgm:spPr/>
     </dgm:pt>
+    <dgm:pt modelId="{CCBF07A2-7EC1-4F6E-BF08-5C4C80025196}" type="pres">
+      <dgm:prSet presAssocID="{FED18496-EABA-4D85-A7D5-AE40342842B9}" presName="textNode" presStyleLbl="node1" presStyleIdx="5" presStyleCnt="7">
+        <dgm:presLayoutVars>
+          <dgm:bulletEnabled val="1"/>
+        </dgm:presLayoutVars>
+      </dgm:prSet>
+      <dgm:spPr/>
+    </dgm:pt>
+    <dgm:pt modelId="{94F32A5E-A579-44A0-AB4A-956D9CA1419F}" type="pres">
+      <dgm:prSet presAssocID="{832BC34E-4CC0-4289-AE2C-C8DF604B07A8}" presName="sibTrans" presStyleCnt="0"/>
+      <dgm:spPr/>
+    </dgm:pt>
     <dgm:pt modelId="{F69D45CC-4CCF-47CB-8F9A-3EDC722BFBC7}" type="pres">
-      <dgm:prSet presAssocID="{6B25DDDE-2AE8-4B96-B8E4-A78EE38C9CBF}" presName="textNode" presStyleLbl="node1" presStyleIdx="4" presStyleCnt="5">
+      <dgm:prSet presAssocID="{6B25DDDE-2AE8-4B96-B8E4-A78EE38C9CBF}" presName="textNode" presStyleLbl="node1" presStyleIdx="6" presStyleCnt="7">
         <dgm:presLayoutVars>
           <dgm:bulletEnabled val="1"/>
         </dgm:presLayoutVars>
@@ -1163,27 +1267,35 @@
   </dgm:ptLst>
   <dgm:cxnLst>
     <dgm:cxn modelId="{6691A911-5EC4-45B5-872D-8358BEF9C782}" type="presOf" srcId="{051F2519-AF08-4704-80A3-47F67472AC3F}" destId="{F75C9AD1-43FB-41BA-BC67-4623F6641194}" srcOrd="0" destOrd="0" presId="urn:microsoft.com/office/officeart/2005/8/layout/hProcess9"/>
+    <dgm:cxn modelId="{1BF9F519-E442-4334-AA72-3D6E1BA242D7}" type="presOf" srcId="{3E4A815B-4E86-4FB7-8264-342D203371EA}" destId="{4509744A-AE67-46D3-8BA2-34FA70D8C8EB}" srcOrd="0" destOrd="0" presId="urn:microsoft.com/office/officeart/2005/8/layout/hProcess9"/>
     <dgm:cxn modelId="{AF5D8231-7A6F-436A-BC80-81C5F5B90BC9}" type="presOf" srcId="{6B25DDDE-2AE8-4B96-B8E4-A78EE38C9CBF}" destId="{F69D45CC-4CCF-47CB-8F9A-3EDC722BFBC7}" srcOrd="0" destOrd="0" presId="urn:microsoft.com/office/officeart/2005/8/layout/hProcess9"/>
     <dgm:cxn modelId="{752B4260-2292-4843-A261-8159CE4CF64F}" type="presOf" srcId="{73F5887C-30BF-4E02-BE6F-BFC7FB111CBF}" destId="{EC1DE826-D6A8-43D4-99C4-7539D9F14308}" srcOrd="0" destOrd="0" presId="urn:microsoft.com/office/officeart/2005/8/layout/hProcess9"/>
-    <dgm:cxn modelId="{E9FDC66B-68B8-43AC-8AC3-BA3B808591D0}" srcId="{9FAF0448-C2B0-45C3-8735-53A01A46355B}" destId="{6B25DDDE-2AE8-4B96-B8E4-A78EE38C9CBF}" srcOrd="4" destOrd="0" parTransId="{D9A8B91F-4758-4A24-AAC1-E900FD9E8BFC}" sibTransId="{43A1EEAE-9EA6-4A71-8C0C-F669210DBCF2}"/>
+    <dgm:cxn modelId="{E9FDC66B-68B8-43AC-8AC3-BA3B808591D0}" srcId="{9FAF0448-C2B0-45C3-8735-53A01A46355B}" destId="{6B25DDDE-2AE8-4B96-B8E4-A78EE38C9CBF}" srcOrd="6" destOrd="0" parTransId="{D9A8B91F-4758-4A24-AAC1-E900FD9E8BFC}" sibTransId="{43A1EEAE-9EA6-4A71-8C0C-F669210DBCF2}"/>
     <dgm:cxn modelId="{E3994550-504C-40BC-8717-BE03EEA1D690}" type="presOf" srcId="{9FAF0448-C2B0-45C3-8735-53A01A46355B}" destId="{B9C69DB1-E738-4576-A252-60C4A4CB4230}" srcOrd="0" destOrd="0" presId="urn:microsoft.com/office/officeart/2005/8/layout/hProcess9"/>
     <dgm:cxn modelId="{90190C54-F5DA-40E6-8F22-4103E399C926}" srcId="{9FAF0448-C2B0-45C3-8735-53A01A46355B}" destId="{051F2519-AF08-4704-80A3-47F67472AC3F}" srcOrd="0" destOrd="0" parTransId="{0DE6A24C-4501-406F-AEBA-825BE9A800AE}" sibTransId="{3DEFA695-7276-4AF3-AB7E-1981B98D382A}"/>
-    <dgm:cxn modelId="{2B84CC8A-1789-45ED-8FD3-E15F7BD6B7EA}" srcId="{9FAF0448-C2B0-45C3-8735-53A01A46355B}" destId="{E27A8FC7-4682-4FB0-8527-A9C9A05AC0EA}" srcOrd="2" destOrd="0" parTransId="{120AA4DD-2EE2-4299-887B-6D9B02F88D6C}" sibTransId="{65379DC6-B16F-4831-B1B8-ECCC936CBC3C}"/>
+    <dgm:cxn modelId="{2B84CC8A-1789-45ED-8FD3-E15F7BD6B7EA}" srcId="{9FAF0448-C2B0-45C3-8735-53A01A46355B}" destId="{E27A8FC7-4682-4FB0-8527-A9C9A05AC0EA}" srcOrd="3" destOrd="0" parTransId="{120AA4DD-2EE2-4299-887B-6D9B02F88D6C}" sibTransId="{65379DC6-B16F-4831-B1B8-ECCC936CBC3C}"/>
     <dgm:cxn modelId="{46694F8E-7467-4AF2-8D21-29A3C547DBA1}" type="presOf" srcId="{E27A8FC7-4682-4FB0-8527-A9C9A05AC0EA}" destId="{0645A6B5-B131-4B0D-A0BC-571B4F9FDF47}" srcOrd="0" destOrd="0" presId="urn:microsoft.com/office/officeart/2005/8/layout/hProcess9"/>
     <dgm:cxn modelId="{9A262493-C47D-4EDC-AF13-630B1F824DC2}" srcId="{9FAF0448-C2B0-45C3-8735-53A01A46355B}" destId="{73F5887C-30BF-4E02-BE6F-BFC7FB111CBF}" srcOrd="1" destOrd="0" parTransId="{4D0FC45C-B03B-46DA-8586-470B7380C889}" sibTransId="{84A638FA-D753-483F-9B03-3E3DEBE43EAC}"/>
     <dgm:cxn modelId="{8A99EBAA-1407-40E3-9DA7-14564F8FCFD6}" type="presOf" srcId="{1644E784-E9B8-419C-A29E-7AFB5F1A8A5E}" destId="{CC444F62-B500-40F4-AF59-9CBF4DC27BFB}" srcOrd="0" destOrd="0" presId="urn:microsoft.com/office/officeart/2005/8/layout/hProcess9"/>
-    <dgm:cxn modelId="{F9B649B6-B24C-4488-AB77-04DC5F933305}" srcId="{9FAF0448-C2B0-45C3-8735-53A01A46355B}" destId="{1644E784-E9B8-419C-A29E-7AFB5F1A8A5E}" srcOrd="3" destOrd="0" parTransId="{FC30D50D-5748-4B7B-98C8-4A8016733AE1}" sibTransId="{7421F75C-1993-4997-903F-8FE1FAD4C48B}"/>
+    <dgm:cxn modelId="{F9B649B6-B24C-4488-AB77-04DC5F933305}" srcId="{9FAF0448-C2B0-45C3-8735-53A01A46355B}" destId="{1644E784-E9B8-419C-A29E-7AFB5F1A8A5E}" srcOrd="4" destOrd="0" parTransId="{FC30D50D-5748-4B7B-98C8-4A8016733AE1}" sibTransId="{7421F75C-1993-4997-903F-8FE1FAD4C48B}"/>
+    <dgm:cxn modelId="{B090D4DD-D81A-447E-981E-967C042BA51A}" srcId="{9FAF0448-C2B0-45C3-8735-53A01A46355B}" destId="{FED18496-EABA-4D85-A7D5-AE40342842B9}" srcOrd="5" destOrd="0" parTransId="{1CDFFB77-BCE5-48A2-88A0-D7BA1E1B6DAC}" sibTransId="{832BC34E-4CC0-4289-AE2C-C8DF604B07A8}"/>
+    <dgm:cxn modelId="{D3617DE4-AFD0-47F9-98A0-CC5DD3F2D20F}" srcId="{9FAF0448-C2B0-45C3-8735-53A01A46355B}" destId="{3E4A815B-4E86-4FB7-8264-342D203371EA}" srcOrd="2" destOrd="0" parTransId="{2A3FA2BB-57BA-42C2-ACB6-6F84C3D517A5}" sibTransId="{D356585B-CBD1-4BBE-934C-77C416A9F52B}"/>
+    <dgm:cxn modelId="{5694EFF3-031F-4EC3-9B38-BF06DFED9055}" type="presOf" srcId="{FED18496-EABA-4D85-A7D5-AE40342842B9}" destId="{CCBF07A2-7EC1-4F6E-BF08-5C4C80025196}" srcOrd="0" destOrd="0" presId="urn:microsoft.com/office/officeart/2005/8/layout/hProcess9"/>
     <dgm:cxn modelId="{EB3105D8-CCBF-45E8-A398-61FE33A43212}" type="presParOf" srcId="{B9C69DB1-E738-4576-A252-60C4A4CB4230}" destId="{535F55D5-B534-49B5-92CC-2DFA225154EF}" srcOrd="0" destOrd="0" presId="urn:microsoft.com/office/officeart/2005/8/layout/hProcess9"/>
     <dgm:cxn modelId="{E96F8D9E-D38B-4036-A2AF-2D2D5D76757C}" type="presParOf" srcId="{B9C69DB1-E738-4576-A252-60C4A4CB4230}" destId="{6A97162E-1B5F-41A7-9F02-65A1C6E4FBEC}" srcOrd="1" destOrd="0" presId="urn:microsoft.com/office/officeart/2005/8/layout/hProcess9"/>
     <dgm:cxn modelId="{3713AF44-71B7-45D8-A61D-F793336705DF}" type="presParOf" srcId="{6A97162E-1B5F-41A7-9F02-65A1C6E4FBEC}" destId="{F75C9AD1-43FB-41BA-BC67-4623F6641194}" srcOrd="0" destOrd="0" presId="urn:microsoft.com/office/officeart/2005/8/layout/hProcess9"/>
     <dgm:cxn modelId="{EBA2466E-01D3-4DDF-AF3A-3CE2A2D7ECE8}" type="presParOf" srcId="{6A97162E-1B5F-41A7-9F02-65A1C6E4FBEC}" destId="{1BF7036E-570A-4912-BD14-111C069D4DF0}" srcOrd="1" destOrd="0" presId="urn:microsoft.com/office/officeart/2005/8/layout/hProcess9"/>
     <dgm:cxn modelId="{5799F9C4-DF07-44EA-BCD5-E3B3ED0C744E}" type="presParOf" srcId="{6A97162E-1B5F-41A7-9F02-65A1C6E4FBEC}" destId="{EC1DE826-D6A8-43D4-99C4-7539D9F14308}" srcOrd="2" destOrd="0" presId="urn:microsoft.com/office/officeart/2005/8/layout/hProcess9"/>
     <dgm:cxn modelId="{C6E61B77-FA07-4C96-81D6-630E9A435C84}" type="presParOf" srcId="{6A97162E-1B5F-41A7-9F02-65A1C6E4FBEC}" destId="{84F24A92-8FA4-404E-8703-2C116878AA6F}" srcOrd="3" destOrd="0" presId="urn:microsoft.com/office/officeart/2005/8/layout/hProcess9"/>
-    <dgm:cxn modelId="{0B489A45-554E-4947-A4A0-4963829941EA}" type="presParOf" srcId="{6A97162E-1B5F-41A7-9F02-65A1C6E4FBEC}" destId="{0645A6B5-B131-4B0D-A0BC-571B4F9FDF47}" srcOrd="4" destOrd="0" presId="urn:microsoft.com/office/officeart/2005/8/layout/hProcess9"/>
-    <dgm:cxn modelId="{9A565242-95D4-4EF6-BFB0-18DABD391756}" type="presParOf" srcId="{6A97162E-1B5F-41A7-9F02-65A1C6E4FBEC}" destId="{3322D246-A85B-4E90-BD3D-6ACCA9026D11}" srcOrd="5" destOrd="0" presId="urn:microsoft.com/office/officeart/2005/8/layout/hProcess9"/>
-    <dgm:cxn modelId="{3B96656B-2B3E-439F-BC72-FF7A4EDF4904}" type="presParOf" srcId="{6A97162E-1B5F-41A7-9F02-65A1C6E4FBEC}" destId="{CC444F62-B500-40F4-AF59-9CBF4DC27BFB}" srcOrd="6" destOrd="0" presId="urn:microsoft.com/office/officeart/2005/8/layout/hProcess9"/>
-    <dgm:cxn modelId="{78FA2E5B-5C7F-4EF3-8ECF-9031D3D5F87E}" type="presParOf" srcId="{6A97162E-1B5F-41A7-9F02-65A1C6E4FBEC}" destId="{AD7145DC-84ED-409E-B96F-8E4BC1E3E777}" srcOrd="7" destOrd="0" presId="urn:microsoft.com/office/officeart/2005/8/layout/hProcess9"/>
-    <dgm:cxn modelId="{161A72F1-FBF4-4848-BED5-F25A653FD50A}" type="presParOf" srcId="{6A97162E-1B5F-41A7-9F02-65A1C6E4FBEC}" destId="{F69D45CC-4CCF-47CB-8F9A-3EDC722BFBC7}" srcOrd="8" destOrd="0" presId="urn:microsoft.com/office/officeart/2005/8/layout/hProcess9"/>
+    <dgm:cxn modelId="{44E620DB-8A92-4A2B-91DD-281214E24FB7}" type="presParOf" srcId="{6A97162E-1B5F-41A7-9F02-65A1C6E4FBEC}" destId="{4509744A-AE67-46D3-8BA2-34FA70D8C8EB}" srcOrd="4" destOrd="0" presId="urn:microsoft.com/office/officeart/2005/8/layout/hProcess9"/>
+    <dgm:cxn modelId="{BB5FDCE7-E59D-4C83-B1F8-7CA6371C1F44}" type="presParOf" srcId="{6A97162E-1B5F-41A7-9F02-65A1C6E4FBEC}" destId="{8C4604C9-9CFD-4A5E-816C-140F97BA7BDA}" srcOrd="5" destOrd="0" presId="urn:microsoft.com/office/officeart/2005/8/layout/hProcess9"/>
+    <dgm:cxn modelId="{0B489A45-554E-4947-A4A0-4963829941EA}" type="presParOf" srcId="{6A97162E-1B5F-41A7-9F02-65A1C6E4FBEC}" destId="{0645A6B5-B131-4B0D-A0BC-571B4F9FDF47}" srcOrd="6" destOrd="0" presId="urn:microsoft.com/office/officeart/2005/8/layout/hProcess9"/>
+    <dgm:cxn modelId="{9A565242-95D4-4EF6-BFB0-18DABD391756}" type="presParOf" srcId="{6A97162E-1B5F-41A7-9F02-65A1C6E4FBEC}" destId="{3322D246-A85B-4E90-BD3D-6ACCA9026D11}" srcOrd="7" destOrd="0" presId="urn:microsoft.com/office/officeart/2005/8/layout/hProcess9"/>
+    <dgm:cxn modelId="{3B96656B-2B3E-439F-BC72-FF7A4EDF4904}" type="presParOf" srcId="{6A97162E-1B5F-41A7-9F02-65A1C6E4FBEC}" destId="{CC444F62-B500-40F4-AF59-9CBF4DC27BFB}" srcOrd="8" destOrd="0" presId="urn:microsoft.com/office/officeart/2005/8/layout/hProcess9"/>
+    <dgm:cxn modelId="{78FA2E5B-5C7F-4EF3-8ECF-9031D3D5F87E}" type="presParOf" srcId="{6A97162E-1B5F-41A7-9F02-65A1C6E4FBEC}" destId="{AD7145DC-84ED-409E-B96F-8E4BC1E3E777}" srcOrd="9" destOrd="0" presId="urn:microsoft.com/office/officeart/2005/8/layout/hProcess9"/>
+    <dgm:cxn modelId="{77BB5FCE-6D14-4F62-AB39-DC72F08CE99A}" type="presParOf" srcId="{6A97162E-1B5F-41A7-9F02-65A1C6E4FBEC}" destId="{CCBF07A2-7EC1-4F6E-BF08-5C4C80025196}" srcOrd="10" destOrd="0" presId="urn:microsoft.com/office/officeart/2005/8/layout/hProcess9"/>
+    <dgm:cxn modelId="{22096B55-6DF4-4F81-A1CD-159B8813BFAA}" type="presParOf" srcId="{6A97162E-1B5F-41A7-9F02-65A1C6E4FBEC}" destId="{94F32A5E-A579-44A0-AB4A-956D9CA1419F}" srcOrd="11" destOrd="0" presId="urn:microsoft.com/office/officeart/2005/8/layout/hProcess9"/>
+    <dgm:cxn modelId="{161A72F1-FBF4-4848-BED5-F25A653FD50A}" type="presParOf" srcId="{6A97162E-1B5F-41A7-9F02-65A1C6E4FBEC}" destId="{F69D45CC-4CCF-47CB-8F9A-3EDC722BFBC7}" srcOrd="12" destOrd="0" presId="urn:microsoft.com/office/officeart/2005/8/layout/hProcess9"/>
   </dgm:cxnLst>
   <dgm:bg/>
   <dgm:whole/>
@@ -1250,8 +1362,8 @@
       </dsp:nvSpPr>
       <dsp:spPr>
         <a:xfrm>
-          <a:off x="4420" y="1215237"/>
-          <a:ext cx="1932607" cy="1620316"/>
+          <a:off x="859" y="1215237"/>
+          <a:ext cx="1377627" cy="1620316"/>
         </a:xfrm>
         <a:prstGeom prst="roundRect">
           <a:avLst/>
@@ -1292,12 +1404,12 @@
         </a:fontRef>
       </dsp:style>
       <dsp:txBody>
-        <a:bodyPr spcFirstLastPara="0" vert="horz" wrap="square" lIns="68580" tIns="68580" rIns="68580" bIns="68580" numCol="1" spcCol="1270" anchor="ctr" anchorCtr="0">
+        <a:bodyPr spcFirstLastPara="0" vert="horz" wrap="square" lIns="45720" tIns="45720" rIns="45720" bIns="45720" numCol="1" spcCol="1270" anchor="ctr" anchorCtr="0">
           <a:noAutofit/>
         </a:bodyPr>
         <a:lstStyle/>
         <a:p>
-          <a:pPr marL="0" lvl="0" indent="0" algn="ctr" defTabSz="800100">
+          <a:pPr marL="0" lvl="0" indent="0" algn="ctr" defTabSz="533400">
             <a:lnSpc>
               <a:spcPct val="90000"/>
             </a:lnSpc>
@@ -1310,14 +1422,14 @@
             <a:buNone/>
           </a:pPr>
           <a:r>
-            <a:rPr lang="en-IN" sz="1800" kern="1200"/>
-            <a:t>NO ADMINS</a:t>
+            <a:rPr lang="en-IN" sz="1200" kern="1200" dirty="0"/>
+            <a:t>NO Admins/IT</a:t>
           </a:r>
         </a:p>
       </dsp:txBody>
       <dsp:txXfrm>
-        <a:off x="83517" y="1294334"/>
-        <a:ext cx="1774413" cy="1462122"/>
+        <a:off x="68109" y="1282487"/>
+        <a:ext cx="1243127" cy="1485816"/>
       </dsp:txXfrm>
     </dsp:sp>
     <dsp:sp modelId="{EC1DE826-D6A8-43D4-99C4-7539D9F14308}">
@@ -1327,8 +1439,8 @@
       </dsp:nvSpPr>
       <dsp:spPr>
         <a:xfrm>
-          <a:off x="2033658" y="1215237"/>
-          <a:ext cx="1932607" cy="1620316"/>
+          <a:off x="1447368" y="1215237"/>
+          <a:ext cx="1377627" cy="1620316"/>
         </a:xfrm>
         <a:prstGeom prst="roundRect">
           <a:avLst/>
@@ -1369,12 +1481,12 @@
         </a:fontRef>
       </dsp:style>
       <dsp:txBody>
-        <a:bodyPr spcFirstLastPara="0" vert="horz" wrap="square" lIns="68580" tIns="68580" rIns="68580" bIns="68580" numCol="1" spcCol="1270" anchor="ctr" anchorCtr="0">
+        <a:bodyPr spcFirstLastPara="0" vert="horz" wrap="square" lIns="45720" tIns="45720" rIns="45720" bIns="45720" numCol="1" spcCol="1270" anchor="ctr" anchorCtr="0">
           <a:noAutofit/>
         </a:bodyPr>
         <a:lstStyle/>
         <a:p>
-          <a:pPr marL="0" lvl="0" indent="0" algn="ctr" defTabSz="800100">
+          <a:pPr marL="0" lvl="0" indent="0" algn="ctr" defTabSz="533400">
             <a:lnSpc>
               <a:spcPct val="90000"/>
             </a:lnSpc>
@@ -1387,25 +1499,25 @@
             <a:buNone/>
           </a:pPr>
           <a:r>
-            <a:rPr lang="en-IN" sz="1800" kern="1200"/>
+            <a:rPr lang="en-IN" sz="1200" kern="1200" dirty="0"/>
             <a:t>DevOps</a:t>
           </a:r>
         </a:p>
       </dsp:txBody>
       <dsp:txXfrm>
-        <a:off x="2112755" y="1294334"/>
-        <a:ext cx="1774413" cy="1462122"/>
+        <a:off x="1514618" y="1282487"/>
+        <a:ext cx="1243127" cy="1485816"/>
       </dsp:txXfrm>
     </dsp:sp>
-    <dsp:sp modelId="{0645A6B5-B131-4B0D-A0BC-571B4F9FDF47}">
+    <dsp:sp modelId="{4509744A-AE67-46D3-8BA2-34FA70D8C8EB}">
       <dsp:nvSpPr>
         <dsp:cNvPr id="0" name=""/>
         <dsp:cNvSpPr/>
       </dsp:nvSpPr>
       <dsp:spPr>
         <a:xfrm>
-          <a:off x="4062896" y="1215237"/>
-          <a:ext cx="1932607" cy="1620316"/>
+          <a:off x="2893877" y="1215237"/>
+          <a:ext cx="1377627" cy="1620316"/>
         </a:xfrm>
         <a:prstGeom prst="roundRect">
           <a:avLst/>
@@ -1446,12 +1558,12 @@
         </a:fontRef>
       </dsp:style>
       <dsp:txBody>
-        <a:bodyPr spcFirstLastPara="0" vert="horz" wrap="square" lIns="68580" tIns="68580" rIns="68580" bIns="68580" numCol="1" spcCol="1270" anchor="ctr" anchorCtr="0">
+        <a:bodyPr spcFirstLastPara="0" vert="horz" wrap="square" lIns="45720" tIns="45720" rIns="45720" bIns="45720" numCol="1" spcCol="1270" anchor="ctr" anchorCtr="0">
           <a:noAutofit/>
         </a:bodyPr>
         <a:lstStyle/>
         <a:p>
-          <a:pPr marL="0" lvl="0" indent="0" algn="ctr" defTabSz="800100">
+          <a:pPr marL="0" lvl="0" indent="0" algn="ctr" defTabSz="533400">
             <a:lnSpc>
               <a:spcPct val="90000"/>
             </a:lnSpc>
@@ -1464,30 +1576,26 @@
             <a:buNone/>
           </a:pPr>
           <a:r>
-            <a:rPr lang="en-IN" sz="1800" kern="1200"/>
-            <a:t>YAML - s</a:t>
+            <a:rPr lang="en-IN" sz="1200" kern="1200" dirty="0" err="1"/>
+            <a:t>VMs</a:t>
           </a:r>
-          <a:r>
-            <a:rPr lang="en-US" sz="1800" b="0" i="0" kern="1200"/>
-            <a:t>ick of "programming" in yaml</a:t>
-          </a:r>
-          <a:endParaRPr lang="en-IN" sz="1800" kern="1200"/>
+          <a:endParaRPr lang="en-IN" sz="1200" kern="1200" dirty="0"/>
         </a:p>
       </dsp:txBody>
       <dsp:txXfrm>
-        <a:off x="4141993" y="1294334"/>
-        <a:ext cx="1774413" cy="1462122"/>
+        <a:off x="2961127" y="1282487"/>
+        <a:ext cx="1243127" cy="1485816"/>
       </dsp:txXfrm>
     </dsp:sp>
-    <dsp:sp modelId="{CC444F62-B500-40F4-AF59-9CBF4DC27BFB}">
+    <dsp:sp modelId="{0645A6B5-B131-4B0D-A0BC-571B4F9FDF47}">
       <dsp:nvSpPr>
         <dsp:cNvPr id="0" name=""/>
         <dsp:cNvSpPr/>
       </dsp:nvSpPr>
       <dsp:spPr>
         <a:xfrm>
-          <a:off x="6092134" y="1215237"/>
-          <a:ext cx="1932607" cy="1620316"/>
+          <a:off x="4340386" y="1215237"/>
+          <a:ext cx="1377627" cy="1620316"/>
         </a:xfrm>
         <a:prstGeom prst="roundRect">
           <a:avLst/>
@@ -1528,12 +1636,12 @@
         </a:fontRef>
       </dsp:style>
       <dsp:txBody>
-        <a:bodyPr spcFirstLastPara="0" vert="horz" wrap="square" lIns="68580" tIns="68580" rIns="68580" bIns="68580" numCol="1" spcCol="1270" anchor="ctr" anchorCtr="0">
+        <a:bodyPr spcFirstLastPara="0" vert="horz" wrap="square" lIns="45720" tIns="45720" rIns="45720" bIns="45720" numCol="1" spcCol="1270" anchor="ctr" anchorCtr="0">
           <a:noAutofit/>
         </a:bodyPr>
         <a:lstStyle/>
         <a:p>
-          <a:pPr marL="0" lvl="0" indent="0" algn="ctr" defTabSz="800100">
+          <a:pPr marL="0" lvl="0" indent="0" algn="ctr" defTabSz="533400">
             <a:lnSpc>
               <a:spcPct val="90000"/>
             </a:lnSpc>
@@ -1546,25 +1654,34 @@
             <a:buNone/>
           </a:pPr>
           <a:r>
-            <a:rPr lang="en-IN" sz="1800" kern="1200"/>
-            <a:t>DOCKER</a:t>
+            <a:rPr lang="en-IN" sz="1200" kern="1200" dirty="0"/>
+            <a:t>YAML - s</a:t>
           </a:r>
+          <a:r>
+            <a:rPr lang="en-US" sz="1200" b="0" i="0" kern="1200" dirty="0"/>
+            <a:t>ick of "programming" in </a:t>
+          </a:r>
+          <a:r>
+            <a:rPr lang="en-US" sz="1200" b="0" i="0" kern="1200" dirty="0" err="1"/>
+            <a:t>yaml</a:t>
+          </a:r>
+          <a:endParaRPr lang="en-IN" sz="1200" kern="1200" dirty="0"/>
         </a:p>
       </dsp:txBody>
       <dsp:txXfrm>
-        <a:off x="6171231" y="1294334"/>
-        <a:ext cx="1774413" cy="1462122"/>
+        <a:off x="4407636" y="1282487"/>
+        <a:ext cx="1243127" cy="1485816"/>
       </dsp:txXfrm>
     </dsp:sp>
-    <dsp:sp modelId="{F69D45CC-4CCF-47CB-8F9A-3EDC722BFBC7}">
+    <dsp:sp modelId="{CC444F62-B500-40F4-AF59-9CBF4DC27BFB}">
       <dsp:nvSpPr>
         <dsp:cNvPr id="0" name=""/>
         <dsp:cNvSpPr/>
       </dsp:nvSpPr>
       <dsp:spPr>
         <a:xfrm>
-          <a:off x="8121372" y="1215237"/>
-          <a:ext cx="1932607" cy="1620316"/>
+          <a:off x="5786895" y="1215237"/>
+          <a:ext cx="1377627" cy="1620316"/>
         </a:xfrm>
         <a:prstGeom prst="roundRect">
           <a:avLst/>
@@ -1605,12 +1722,12 @@
         </a:fontRef>
       </dsp:style>
       <dsp:txBody>
-        <a:bodyPr spcFirstLastPara="0" vert="horz" wrap="square" lIns="68580" tIns="68580" rIns="68580" bIns="68580" numCol="1" spcCol="1270" anchor="ctr" anchorCtr="0">
+        <a:bodyPr spcFirstLastPara="0" vert="horz" wrap="square" lIns="45720" tIns="45720" rIns="45720" bIns="45720" numCol="1" spcCol="1270" anchor="ctr" anchorCtr="0">
           <a:noAutofit/>
         </a:bodyPr>
         <a:lstStyle/>
         <a:p>
-          <a:pPr marL="0" lvl="0" indent="0" algn="ctr" defTabSz="800100">
+          <a:pPr marL="0" lvl="0" indent="0" algn="ctr" defTabSz="533400">
             <a:lnSpc>
               <a:spcPct val="90000"/>
             </a:lnSpc>
@@ -1623,14 +1740,169 @@
             <a:buNone/>
           </a:pPr>
           <a:r>
-            <a:rPr lang="en-IN" sz="1800" kern="1200"/>
-            <a:t>IaC</a:t>
+            <a:rPr lang="en-IN" sz="1200" kern="1200" dirty="0"/>
+            <a:t>Docker</a:t>
           </a:r>
         </a:p>
       </dsp:txBody>
       <dsp:txXfrm>
-        <a:off x="8200469" y="1294334"/>
-        <a:ext cx="1774413" cy="1462122"/>
+        <a:off x="5854145" y="1282487"/>
+        <a:ext cx="1243127" cy="1485816"/>
+      </dsp:txXfrm>
+    </dsp:sp>
+    <dsp:sp modelId="{CCBF07A2-7EC1-4F6E-BF08-5C4C80025196}">
+      <dsp:nvSpPr>
+        <dsp:cNvPr id="0" name=""/>
+        <dsp:cNvSpPr/>
+      </dsp:nvSpPr>
+      <dsp:spPr>
+        <a:xfrm>
+          <a:off x="7233404" y="1215237"/>
+          <a:ext cx="1377627" cy="1620316"/>
+        </a:xfrm>
+        <a:prstGeom prst="roundRect">
+          <a:avLst/>
+        </a:prstGeom>
+        <a:solidFill>
+          <a:schemeClr val="accent1">
+            <a:hueOff val="0"/>
+            <a:satOff val="0"/>
+            <a:lumOff val="0"/>
+            <a:alphaOff val="0"/>
+          </a:schemeClr>
+        </a:solidFill>
+        <a:ln w="12700" cap="flat" cmpd="sng" algn="ctr">
+          <a:solidFill>
+            <a:schemeClr val="lt1">
+              <a:hueOff val="0"/>
+              <a:satOff val="0"/>
+              <a:lumOff val="0"/>
+              <a:alphaOff val="0"/>
+            </a:schemeClr>
+          </a:solidFill>
+          <a:prstDash val="solid"/>
+        </a:ln>
+        <a:effectLst/>
+      </dsp:spPr>
+      <dsp:style>
+        <a:lnRef idx="2">
+          <a:scrgbClr r="0" g="0" b="0"/>
+        </a:lnRef>
+        <a:fillRef idx="1">
+          <a:scrgbClr r="0" g="0" b="0"/>
+        </a:fillRef>
+        <a:effectRef idx="0">
+          <a:scrgbClr r="0" g="0" b="0"/>
+        </a:effectRef>
+        <a:fontRef idx="minor">
+          <a:schemeClr val="lt1"/>
+        </a:fontRef>
+      </dsp:style>
+      <dsp:txBody>
+        <a:bodyPr spcFirstLastPara="0" vert="horz" wrap="square" lIns="45720" tIns="45720" rIns="45720" bIns="45720" numCol="1" spcCol="1270" anchor="ctr" anchorCtr="0">
+          <a:noAutofit/>
+        </a:bodyPr>
+        <a:lstStyle/>
+        <a:p>
+          <a:pPr marL="0" lvl="0" indent="0" algn="ctr" defTabSz="533400">
+            <a:lnSpc>
+              <a:spcPct val="90000"/>
+            </a:lnSpc>
+            <a:spcBef>
+              <a:spcPct val="0"/>
+            </a:spcBef>
+            <a:spcAft>
+              <a:spcPct val="35000"/>
+            </a:spcAft>
+            <a:buNone/>
+          </a:pPr>
+          <a:r>
+            <a:rPr lang="en-IN" sz="1200" kern="1200" dirty="0"/>
+            <a:t>Serverless</a:t>
+          </a:r>
+        </a:p>
+      </dsp:txBody>
+      <dsp:txXfrm>
+        <a:off x="7300654" y="1282487"/>
+        <a:ext cx="1243127" cy="1485816"/>
+      </dsp:txXfrm>
+    </dsp:sp>
+    <dsp:sp modelId="{F69D45CC-4CCF-47CB-8F9A-3EDC722BFBC7}">
+      <dsp:nvSpPr>
+        <dsp:cNvPr id="0" name=""/>
+        <dsp:cNvSpPr/>
+      </dsp:nvSpPr>
+      <dsp:spPr>
+        <a:xfrm>
+          <a:off x="8679912" y="1215237"/>
+          <a:ext cx="1377627" cy="1620316"/>
+        </a:xfrm>
+        <a:prstGeom prst="roundRect">
+          <a:avLst/>
+        </a:prstGeom>
+        <a:solidFill>
+          <a:schemeClr val="accent1">
+            <a:hueOff val="0"/>
+            <a:satOff val="0"/>
+            <a:lumOff val="0"/>
+            <a:alphaOff val="0"/>
+          </a:schemeClr>
+        </a:solidFill>
+        <a:ln w="12700" cap="flat" cmpd="sng" algn="ctr">
+          <a:solidFill>
+            <a:schemeClr val="lt1">
+              <a:hueOff val="0"/>
+              <a:satOff val="0"/>
+              <a:lumOff val="0"/>
+              <a:alphaOff val="0"/>
+            </a:schemeClr>
+          </a:solidFill>
+          <a:prstDash val="solid"/>
+        </a:ln>
+        <a:effectLst/>
+      </dsp:spPr>
+      <dsp:style>
+        <a:lnRef idx="2">
+          <a:scrgbClr r="0" g="0" b="0"/>
+        </a:lnRef>
+        <a:fillRef idx="1">
+          <a:scrgbClr r="0" g="0" b="0"/>
+        </a:fillRef>
+        <a:effectRef idx="0">
+          <a:scrgbClr r="0" g="0" b="0"/>
+        </a:effectRef>
+        <a:fontRef idx="minor">
+          <a:schemeClr val="lt1"/>
+        </a:fontRef>
+      </dsp:style>
+      <dsp:txBody>
+        <a:bodyPr spcFirstLastPara="0" vert="horz" wrap="square" lIns="45720" tIns="45720" rIns="45720" bIns="45720" numCol="1" spcCol="1270" anchor="ctr" anchorCtr="0">
+          <a:noAutofit/>
+        </a:bodyPr>
+        <a:lstStyle/>
+        <a:p>
+          <a:pPr marL="0" lvl="0" indent="0" algn="ctr" defTabSz="533400">
+            <a:lnSpc>
+              <a:spcPct val="90000"/>
+            </a:lnSpc>
+            <a:spcBef>
+              <a:spcPct val="0"/>
+            </a:spcBef>
+            <a:spcAft>
+              <a:spcPct val="35000"/>
+            </a:spcAft>
+            <a:buNone/>
+          </a:pPr>
+          <a:r>
+            <a:rPr lang="en-IN" sz="1200" kern="1200" dirty="0" err="1"/>
+            <a:t>IaC</a:t>
+          </a:r>
+          <a:endParaRPr lang="en-IN" sz="1200" kern="1200" dirty="0"/>
+        </a:p>
+      </dsp:txBody>
+      <dsp:txXfrm>
+        <a:off x="8747162" y="1282487"/>
+        <a:ext cx="1243127" cy="1485816"/>
       </dsp:txXfrm>
     </dsp:sp>
   </dsp:spTree>
@@ -3228,7 +3500,7 @@
           <a:p>
             <a:fld id="{4567C160-2C30-4694-9FA0-F603C7AEC858}" type="datetimeFigureOut">
               <a:rPr lang="en-IN" smtClean="0"/>
-              <a:t>19-08-2022</a:t>
+              <a:t>21-08-2022</a:t>
             </a:fld>
             <a:endParaRPr lang="en-IN"/>
           </a:p>
@@ -3407,7 +3679,7 @@
           <a:p>
             <a:fld id="{4567C160-2C30-4694-9FA0-F603C7AEC858}" type="datetimeFigureOut">
               <a:rPr lang="en-IN" smtClean="0"/>
-              <a:t>19-08-2022</a:t>
+              <a:t>21-08-2022</a:t>
             </a:fld>
             <a:endParaRPr lang="en-IN"/>
           </a:p>
@@ -3587,7 +3859,7 @@
           <a:p>
             <a:fld id="{4567C160-2C30-4694-9FA0-F603C7AEC858}" type="datetimeFigureOut">
               <a:rPr lang="en-IN" smtClean="0"/>
-              <a:t>19-08-2022</a:t>
+              <a:t>21-08-2022</a:t>
             </a:fld>
             <a:endParaRPr lang="en-IN"/>
           </a:p>
@@ -3757,7 +4029,7 @@
           <a:p>
             <a:fld id="{4567C160-2C30-4694-9FA0-F603C7AEC858}" type="datetimeFigureOut">
               <a:rPr lang="en-IN" smtClean="0"/>
-              <a:t>19-08-2022</a:t>
+              <a:t>21-08-2022</a:t>
             </a:fld>
             <a:endParaRPr lang="en-IN"/>
           </a:p>
@@ -4070,7 +4342,7 @@
           <a:p>
             <a:fld id="{4567C160-2C30-4694-9FA0-F603C7AEC858}" type="datetimeFigureOut">
               <a:rPr lang="en-IN" smtClean="0"/>
-              <a:t>19-08-2022</a:t>
+              <a:t>21-08-2022</a:t>
             </a:fld>
             <a:endParaRPr lang="en-IN"/>
           </a:p>
@@ -4456,7 +4728,7 @@
           <a:p>
             <a:fld id="{4567C160-2C30-4694-9FA0-F603C7AEC858}" type="datetimeFigureOut">
               <a:rPr lang="en-IN" smtClean="0"/>
-              <a:t>19-08-2022</a:t>
+              <a:t>21-08-2022</a:t>
             </a:fld>
             <a:endParaRPr lang="en-IN"/>
           </a:p>
@@ -4890,7 +5162,7 @@
           <a:p>
             <a:fld id="{4567C160-2C30-4694-9FA0-F603C7AEC858}" type="datetimeFigureOut">
               <a:rPr lang="en-IN" smtClean="0"/>
-              <a:t>19-08-2022</a:t>
+              <a:t>21-08-2022</a:t>
             </a:fld>
             <a:endParaRPr lang="en-IN"/>
           </a:p>
@@ -5008,7 +5280,7 @@
           <a:p>
             <a:fld id="{4567C160-2C30-4694-9FA0-F603C7AEC858}" type="datetimeFigureOut">
               <a:rPr lang="en-IN" smtClean="0"/>
-              <a:t>19-08-2022</a:t>
+              <a:t>21-08-2022</a:t>
             </a:fld>
             <a:endParaRPr lang="en-IN"/>
           </a:p>
@@ -5103,7 +5375,7 @@
           <a:p>
             <a:fld id="{4567C160-2C30-4694-9FA0-F603C7AEC858}" type="datetimeFigureOut">
               <a:rPr lang="en-IN" smtClean="0"/>
-              <a:t>19-08-2022</a:t>
+              <a:t>21-08-2022</a:t>
             </a:fld>
             <a:endParaRPr lang="en-IN"/>
           </a:p>
@@ -5453,7 +5725,7 @@
           <a:p>
             <a:fld id="{4567C160-2C30-4694-9FA0-F603C7AEC858}" type="datetimeFigureOut">
               <a:rPr lang="en-IN" smtClean="0"/>
-              <a:t>19-08-2022</a:t>
+              <a:t>21-08-2022</a:t>
             </a:fld>
             <a:endParaRPr lang="en-IN"/>
           </a:p>
@@ -5878,7 +6150,7 @@
           <a:p>
             <a:fld id="{4567C160-2C30-4694-9FA0-F603C7AEC858}" type="datetimeFigureOut">
               <a:rPr lang="en-IN" smtClean="0"/>
-              <a:t>19-08-2022</a:t>
+              <a:t>21-08-2022</a:t>
             </a:fld>
             <a:endParaRPr lang="en-IN"/>
           </a:p>
@@ -6159,7 +6431,7 @@
           <a:p>
             <a:fld id="{4567C160-2C30-4694-9FA0-F603C7AEC858}" type="datetimeFigureOut">
               <a:rPr lang="en-IN" smtClean="0"/>
-              <a:t>19-08-2022</a:t>
+              <a:t>21-08-2022</a:t>
             </a:fld>
             <a:endParaRPr lang="en-IN"/>
           </a:p>
@@ -6778,6 +7050,17 @@
               <a:rPr lang="en-IN" sz="8000" dirty="0"/>
               <a:t>Infrastructure as CODE</a:t>
             </a:r>
+            <a:br>
+              <a:rPr lang="en-IN" sz="8000" dirty="0"/>
+            </a:br>
+            <a:r>
+              <a:rPr lang="en-IN" sz="1400" b="1" dirty="0">
+                <a:effectLst/>
+                <a:latin typeface="Gilroy"/>
+              </a:rPr>
+              <a:t>Cloud Engineering </a:t>
+            </a:r>
+            <a:endParaRPr lang="en-IN" sz="8000" dirty="0"/>
           </a:p>
         </p:txBody>
       </p:sp>
@@ -9546,7 +9829,10 @@
           <a:bodyPr/>
           <a:lstStyle/>
           <a:p>
-            <a:endParaRPr lang="en-IN"/>
+            <a:r>
+              <a:rPr lang="en-IN" dirty="0"/>
+              <a:t>Creating Docker images</a:t>
+            </a:r>
           </a:p>
         </p:txBody>
       </p:sp>
@@ -9823,7 +10109,9 @@
         </p:nvSpPr>
         <p:spPr/>
         <p:txBody>
-          <a:bodyPr/>
+          <a:bodyPr>
+            <a:normAutofit/>
+          </a:bodyPr>
           <a:lstStyle/>
           <a:p>
             <a:r>
@@ -9837,6 +10125,10 @@
             <a:r>
               <a:rPr lang="en-IN" dirty="0"/>
               <a:t>&gt; - LOW CODE/NO CODE </a:t>
+            </a:r>
+            <a:r>
+              <a:rPr lang="en-IN" dirty="0" err="1"/>
+              <a:t>Devops</a:t>
             </a:r>
             <a:br>
               <a:rPr lang="en-IN" dirty="0"/>
@@ -9865,7 +10157,7 @@
             <p:ph idx="1"/>
             <p:extLst>
               <p:ext uri="{D42A27DB-BD31-4B8C-83A1-F6EECF244321}">
-                <p14:modId xmlns:p14="http://schemas.microsoft.com/office/powerpoint/2010/main" val="1205882447"/>
+                <p14:modId xmlns:p14="http://schemas.microsoft.com/office/powerpoint/2010/main" val="241221072"/>
               </p:ext>
             </p:extLst>
           </p:nvPr>
@@ -9956,7 +10248,9 @@
         </p:nvSpPr>
         <p:spPr/>
         <p:txBody>
-          <a:bodyPr/>
+          <a:bodyPr>
+            <a:normAutofit fontScale="77500" lnSpcReduction="20000"/>
+          </a:bodyPr>
           <a:lstStyle/>
           <a:p>
             <a:r>
@@ -9965,6 +10259,472 @@
             </a:r>
           </a:p>
           <a:p>
+            <a:pPr marL="0" marR="0" lvl="0" indent="0" algn="l" defTabSz="914400" rtl="0" eaLnBrk="0" fontAlgn="base" latinLnBrk="0" hangingPunct="0">
+              <a:lnSpc>
+                <a:spcPct val="100000"/>
+              </a:lnSpc>
+              <a:spcBef>
+                <a:spcPct val="0"/>
+              </a:spcBef>
+              <a:spcAft>
+                <a:spcPct val="0"/>
+              </a:spcAft>
+              <a:buClrTx/>
+              <a:buSzTx/>
+              <a:buFontTx/>
+              <a:buNone/>
+              <a:tabLst/>
+            </a:pPr>
+            <a:endParaRPr kumimoji="0" lang="en-US" altLang="en-US" sz="2000" b="0" i="0" u="none" strike="noStrike" cap="none" normalizeH="0" baseline="0" dirty="0">
+              <a:ln>
+                <a:noFill/>
+              </a:ln>
+              <a:solidFill>
+                <a:schemeClr val="tx1"/>
+              </a:solidFill>
+              <a:effectLst/>
+              <a:latin typeface="Arial" panose="020B0604020202020204" pitchFamily="34" charset="0"/>
+            </a:endParaRPr>
+          </a:p>
+          <a:p>
+            <a:pPr marL="0" marR="0" lvl="0" indent="0" algn="l" defTabSz="914400" rtl="0" eaLnBrk="0" fontAlgn="base" latinLnBrk="0" hangingPunct="0">
+              <a:lnSpc>
+                <a:spcPct val="100000"/>
+              </a:lnSpc>
+              <a:spcBef>
+                <a:spcPct val="0"/>
+              </a:spcBef>
+              <a:spcAft>
+                <a:spcPct val="0"/>
+              </a:spcAft>
+              <a:buClrTx/>
+              <a:buSzTx/>
+              <a:buFontTx/>
+              <a:buNone/>
+              <a:tabLst/>
+            </a:pPr>
+            <a:r>
+              <a:rPr kumimoji="0" lang="en-US" altLang="en-US" sz="2000" b="0" i="0" u="none" strike="noStrike" cap="none" normalizeH="0" baseline="0" dirty="0">
+                <a:ln>
+                  <a:noFill/>
+                </a:ln>
+                <a:solidFill>
+                  <a:schemeClr val="tx1"/>
+                </a:solidFill>
+                <a:effectLst/>
+                <a:latin typeface="Arial" panose="020B0604020202020204" pitchFamily="34" charset="0"/>
+              </a:rPr>
+              <a:t>There are currently 3 different types of </a:t>
+            </a:r>
+            <a:r>
+              <a:rPr kumimoji="0" lang="en-US" altLang="en-US" sz="2000" b="0" i="0" u="none" strike="noStrike" cap="none" normalizeH="0" baseline="0" dirty="0" err="1">
+                <a:ln>
+                  <a:noFill/>
+                </a:ln>
+                <a:solidFill>
+                  <a:schemeClr val="tx1"/>
+                </a:solidFill>
+                <a:effectLst/>
+                <a:latin typeface="Arial" panose="020B0604020202020204" pitchFamily="34" charset="0"/>
+              </a:rPr>
+              <a:t>Pulumi</a:t>
+            </a:r>
+            <a:r>
+              <a:rPr kumimoji="0" lang="en-US" altLang="en-US" sz="2000" b="0" i="0" u="none" strike="noStrike" cap="none" normalizeH="0" baseline="0" dirty="0">
+                <a:ln>
+                  <a:noFill/>
+                </a:ln>
+                <a:solidFill>
+                  <a:schemeClr val="tx1"/>
+                </a:solidFill>
+                <a:effectLst/>
+                <a:latin typeface="Arial" panose="020B0604020202020204" pitchFamily="34" charset="0"/>
+              </a:rPr>
+              <a:t> Packages:</a:t>
+            </a:r>
+          </a:p>
+          <a:p>
+            <a:pPr marL="0" marR="0" lvl="0" indent="0" algn="l" defTabSz="914400" rtl="0" eaLnBrk="0" fontAlgn="base" latinLnBrk="0" hangingPunct="0">
+              <a:lnSpc>
+                <a:spcPct val="100000"/>
+              </a:lnSpc>
+              <a:spcBef>
+                <a:spcPct val="0"/>
+              </a:spcBef>
+              <a:spcAft>
+                <a:spcPct val="0"/>
+              </a:spcAft>
+              <a:buClrTx/>
+              <a:buSzTx/>
+              <a:buFontTx/>
+              <a:buNone/>
+              <a:tabLst/>
+            </a:pPr>
+            <a:endParaRPr kumimoji="0" lang="en-US" altLang="en-US" sz="2000" b="0" i="0" u="none" strike="noStrike" cap="none" normalizeH="0" baseline="0" dirty="0">
+              <a:ln>
+                <a:noFill/>
+              </a:ln>
+              <a:solidFill>
+                <a:schemeClr val="tx1"/>
+              </a:solidFill>
+              <a:effectLst/>
+              <a:latin typeface="Arial" panose="020B0604020202020204" pitchFamily="34" charset="0"/>
+            </a:endParaRPr>
+          </a:p>
+          <a:p>
+            <a:pPr marL="457200" marR="0" lvl="0" indent="-457200" algn="l" defTabSz="914400" rtl="0" eaLnBrk="0" fontAlgn="base" latinLnBrk="0" hangingPunct="0">
+              <a:lnSpc>
+                <a:spcPct val="100000"/>
+              </a:lnSpc>
+              <a:spcBef>
+                <a:spcPct val="0"/>
+              </a:spcBef>
+              <a:spcAft>
+                <a:spcPct val="0"/>
+              </a:spcAft>
+              <a:buClrTx/>
+              <a:buSzTx/>
+              <a:buFont typeface="+mj-lt"/>
+              <a:buAutoNum type="arabicPeriod"/>
+              <a:tabLst/>
+            </a:pPr>
+            <a:r>
+              <a:rPr kumimoji="0" lang="en-US" altLang="en-US" sz="2000" b="0" i="0" u="none" strike="noStrike" cap="none" normalizeH="0" baseline="0" dirty="0">
+                <a:ln>
+                  <a:noFill/>
+                </a:ln>
+                <a:solidFill>
+                  <a:schemeClr val="tx1"/>
+                </a:solidFill>
+                <a:effectLst/>
+                <a:latin typeface="Arial" panose="020B0604020202020204" pitchFamily="34" charset="0"/>
+              </a:rPr>
+              <a:t>Native </a:t>
+            </a:r>
+            <a:r>
+              <a:rPr kumimoji="0" lang="en-US" altLang="en-US" sz="2000" b="0" i="0" u="none" strike="noStrike" cap="none" normalizeH="0" baseline="0" dirty="0" err="1">
+                <a:ln>
+                  <a:noFill/>
+                </a:ln>
+                <a:solidFill>
+                  <a:schemeClr val="tx1"/>
+                </a:solidFill>
+                <a:effectLst/>
+                <a:latin typeface="Arial" panose="020B0604020202020204" pitchFamily="34" charset="0"/>
+              </a:rPr>
+              <a:t>Pulumi</a:t>
+            </a:r>
+            <a:r>
+              <a:rPr kumimoji="0" lang="en-US" altLang="en-US" sz="2000" b="0" i="0" u="none" strike="noStrike" cap="none" normalizeH="0" baseline="0" dirty="0">
+                <a:ln>
+                  <a:noFill/>
+                </a:ln>
+                <a:solidFill>
+                  <a:schemeClr val="tx1"/>
+                </a:solidFill>
+                <a:effectLst/>
+                <a:latin typeface="Arial" panose="020B0604020202020204" pitchFamily="34" charset="0"/>
+              </a:rPr>
+              <a:t> Provider Package: Use the full features of the </a:t>
+            </a:r>
+            <a:r>
+              <a:rPr kumimoji="0" lang="en-US" altLang="en-US" sz="2000" b="0" i="0" u="none" strike="noStrike" cap="none" normalizeH="0" baseline="0" dirty="0" err="1">
+                <a:ln>
+                  <a:noFill/>
+                </a:ln>
+                <a:solidFill>
+                  <a:schemeClr val="tx1"/>
+                </a:solidFill>
+                <a:effectLst/>
+                <a:latin typeface="Arial" panose="020B0604020202020204" pitchFamily="34" charset="0"/>
+              </a:rPr>
+              <a:t>Pulumi</a:t>
+            </a:r>
+            <a:r>
+              <a:rPr kumimoji="0" lang="en-US" altLang="en-US" sz="2000" b="0" i="0" u="none" strike="noStrike" cap="none" normalizeH="0" baseline="0" dirty="0">
+                <a:ln>
+                  <a:noFill/>
+                </a:ln>
+                <a:solidFill>
+                  <a:schemeClr val="tx1"/>
+                </a:solidFill>
+                <a:effectLst/>
+                <a:latin typeface="Arial" panose="020B0604020202020204" pitchFamily="34" charset="0"/>
+              </a:rPr>
+              <a:t> resource model to create a provider for a new cloud platform. Examples: the </a:t>
+            </a:r>
+            <a:r>
+              <a:rPr kumimoji="0" lang="en-US" altLang="en-US" sz="2000" b="0" i="0" u="none" strike="noStrike" cap="none" normalizeH="0" baseline="0" dirty="0" err="1">
+                <a:ln>
+                  <a:noFill/>
+                </a:ln>
+                <a:solidFill>
+                  <a:schemeClr val="tx1"/>
+                </a:solidFill>
+                <a:effectLst/>
+                <a:latin typeface="Arial" panose="020B0604020202020204" pitchFamily="34" charset="0"/>
+              </a:rPr>
+              <a:t>kubernetes</a:t>
+            </a:r>
+            <a:r>
+              <a:rPr kumimoji="0" lang="en-US" altLang="en-US" sz="2000" b="0" i="0" u="none" strike="noStrike" cap="none" normalizeH="0" baseline="0" dirty="0">
+                <a:ln>
+                  <a:noFill/>
+                </a:ln>
+                <a:solidFill>
+                  <a:schemeClr val="tx1"/>
+                </a:solidFill>
+                <a:effectLst/>
+                <a:latin typeface="Arial" panose="020B0604020202020204" pitchFamily="34" charset="0"/>
+              </a:rPr>
+              <a:t>, azure-native, and google-native packages.</a:t>
+            </a:r>
+          </a:p>
+          <a:p>
+            <a:pPr marL="457200" marR="0" lvl="0" indent="-457200" algn="l" defTabSz="914400" rtl="0" eaLnBrk="0" fontAlgn="base" latinLnBrk="0" hangingPunct="0">
+              <a:lnSpc>
+                <a:spcPct val="100000"/>
+              </a:lnSpc>
+              <a:spcBef>
+                <a:spcPct val="0"/>
+              </a:spcBef>
+              <a:spcAft>
+                <a:spcPct val="0"/>
+              </a:spcAft>
+              <a:buClrTx/>
+              <a:buSzTx/>
+              <a:buFont typeface="+mj-lt"/>
+              <a:buAutoNum type="arabicPeriod"/>
+              <a:tabLst/>
+            </a:pPr>
+            <a:r>
+              <a:rPr kumimoji="0" lang="en-US" altLang="en-US" sz="2000" b="0" i="0" u="none" strike="noStrike" cap="none" normalizeH="0" baseline="0" dirty="0">
+                <a:ln>
+                  <a:noFill/>
+                </a:ln>
+                <a:solidFill>
+                  <a:schemeClr val="tx1"/>
+                </a:solidFill>
+                <a:effectLst/>
+                <a:latin typeface="Arial" panose="020B0604020202020204" pitchFamily="34" charset="0"/>
+              </a:rPr>
+              <a:t>Bridged Provider Package: Take an existing resource provider from another supported ecosystem (like a Terraform provider), and bridge it to be exposed as a </a:t>
+            </a:r>
+            <a:r>
+              <a:rPr kumimoji="0" lang="en-US" altLang="en-US" sz="2000" b="0" i="0" u="none" strike="noStrike" cap="none" normalizeH="0" baseline="0" dirty="0" err="1">
+                <a:ln>
+                  <a:noFill/>
+                </a:ln>
+                <a:solidFill>
+                  <a:schemeClr val="tx1"/>
+                </a:solidFill>
+                <a:effectLst/>
+                <a:latin typeface="Arial" panose="020B0604020202020204" pitchFamily="34" charset="0"/>
+              </a:rPr>
+              <a:t>Pulumi</a:t>
+            </a:r>
+            <a:r>
+              <a:rPr kumimoji="0" lang="en-US" altLang="en-US" sz="2000" b="0" i="0" u="none" strike="noStrike" cap="none" normalizeH="0" baseline="0" dirty="0">
+                <a:ln>
+                  <a:noFill/>
+                </a:ln>
+                <a:solidFill>
+                  <a:schemeClr val="tx1"/>
+                </a:solidFill>
+                <a:effectLst/>
+                <a:latin typeface="Arial" panose="020B0604020202020204" pitchFamily="34" charset="0"/>
+              </a:rPr>
+              <a:t> Package. Examples: the </a:t>
+            </a:r>
+            <a:r>
+              <a:rPr kumimoji="0" lang="en-US" altLang="en-US" sz="2000" b="0" i="0" u="none" strike="noStrike" cap="none" normalizeH="0" baseline="0" dirty="0" err="1">
+                <a:ln>
+                  <a:noFill/>
+                </a:ln>
+                <a:solidFill>
+                  <a:schemeClr val="tx1"/>
+                </a:solidFill>
+                <a:effectLst/>
+                <a:latin typeface="Arial" panose="020B0604020202020204" pitchFamily="34" charset="0"/>
+              </a:rPr>
+              <a:t>aws</a:t>
+            </a:r>
+            <a:r>
+              <a:rPr kumimoji="0" lang="en-US" altLang="en-US" sz="2000" b="0" i="0" u="none" strike="noStrike" cap="none" normalizeH="0" baseline="0" dirty="0">
+                <a:ln>
+                  <a:noFill/>
+                </a:ln>
+                <a:solidFill>
+                  <a:schemeClr val="tx1"/>
+                </a:solidFill>
+                <a:effectLst/>
+                <a:latin typeface="Arial" panose="020B0604020202020204" pitchFamily="34" charset="0"/>
+              </a:rPr>
+              <a:t>, </a:t>
+            </a:r>
+            <a:r>
+              <a:rPr kumimoji="0" lang="en-US" altLang="en-US" sz="2000" b="0" i="0" u="none" strike="noStrike" cap="none" normalizeH="0" baseline="0" dirty="0" err="1">
+                <a:ln>
+                  <a:noFill/>
+                </a:ln>
+                <a:solidFill>
+                  <a:schemeClr val="tx1"/>
+                </a:solidFill>
+                <a:effectLst/>
+                <a:latin typeface="Arial" panose="020B0604020202020204" pitchFamily="34" charset="0"/>
+              </a:rPr>
+              <a:t>tls</a:t>
+            </a:r>
+            <a:r>
+              <a:rPr kumimoji="0" lang="en-US" altLang="en-US" sz="2000" b="0" i="0" u="none" strike="noStrike" cap="none" normalizeH="0" baseline="0" dirty="0">
+                <a:ln>
+                  <a:noFill/>
+                </a:ln>
+                <a:solidFill>
+                  <a:schemeClr val="tx1"/>
+                </a:solidFill>
+                <a:effectLst/>
+                <a:latin typeface="Arial" panose="020B0604020202020204" pitchFamily="34" charset="0"/>
+              </a:rPr>
+              <a:t>, and </a:t>
+            </a:r>
+            <a:r>
+              <a:rPr kumimoji="0" lang="en-US" altLang="en-US" sz="2000" b="0" i="0" u="none" strike="noStrike" cap="none" normalizeH="0" baseline="0" dirty="0" err="1">
+                <a:ln>
+                  <a:noFill/>
+                </a:ln>
+                <a:solidFill>
+                  <a:schemeClr val="tx1"/>
+                </a:solidFill>
+                <a:effectLst/>
+                <a:latin typeface="Arial" panose="020B0604020202020204" pitchFamily="34" charset="0"/>
+              </a:rPr>
+              <a:t>cloudflare</a:t>
+            </a:r>
+            <a:r>
+              <a:rPr kumimoji="0" lang="en-US" altLang="en-US" sz="2000" b="0" i="0" u="none" strike="noStrike" cap="none" normalizeH="0" baseline="0" dirty="0">
+                <a:ln>
+                  <a:noFill/>
+                </a:ln>
+                <a:solidFill>
+                  <a:schemeClr val="tx1"/>
+                </a:solidFill>
+                <a:effectLst/>
+                <a:latin typeface="Arial" panose="020B0604020202020204" pitchFamily="34" charset="0"/>
+              </a:rPr>
+              <a:t> packages.</a:t>
+            </a:r>
+          </a:p>
+          <a:p>
+            <a:pPr marL="457200" marR="0" lvl="0" indent="-457200" algn="l" defTabSz="914400" rtl="0" eaLnBrk="0" fontAlgn="base" latinLnBrk="0" hangingPunct="0">
+              <a:lnSpc>
+                <a:spcPct val="100000"/>
+              </a:lnSpc>
+              <a:spcBef>
+                <a:spcPct val="0"/>
+              </a:spcBef>
+              <a:spcAft>
+                <a:spcPct val="0"/>
+              </a:spcAft>
+              <a:buClrTx/>
+              <a:buSzTx/>
+              <a:buFont typeface="+mj-lt"/>
+              <a:buAutoNum type="arabicPeriod"/>
+              <a:tabLst/>
+            </a:pPr>
+            <a:r>
+              <a:rPr kumimoji="0" lang="en-US" altLang="en-US" sz="2000" b="0" i="0" u="none" strike="noStrike" cap="none" normalizeH="0" baseline="0" dirty="0">
+                <a:ln>
+                  <a:noFill/>
+                </a:ln>
+                <a:solidFill>
+                  <a:schemeClr val="tx1"/>
+                </a:solidFill>
+                <a:effectLst/>
+                <a:latin typeface="Arial" panose="020B0604020202020204" pitchFamily="34" charset="0"/>
+              </a:rPr>
+              <a:t>Component Package: Write a </a:t>
+            </a:r>
+            <a:r>
+              <a:rPr kumimoji="0" lang="en-US" altLang="en-US" sz="2000" b="0" i="0" u="none" strike="noStrike" cap="none" normalizeH="0" baseline="0" dirty="0" err="1">
+                <a:ln>
+                  <a:noFill/>
+                </a:ln>
+                <a:solidFill>
+                  <a:schemeClr val="tx1"/>
+                </a:solidFill>
+                <a:effectLst/>
+                <a:latin typeface="Arial" panose="020B0604020202020204" pitchFamily="34" charset="0"/>
+              </a:rPr>
+              <a:t>Pulumi</a:t>
+            </a:r>
+            <a:r>
+              <a:rPr kumimoji="0" lang="en-US" altLang="en-US" sz="2000" b="0" i="0" u="none" strike="noStrike" cap="none" normalizeH="0" baseline="0" dirty="0">
+                <a:ln>
+                  <a:noFill/>
+                </a:ln>
+                <a:solidFill>
+                  <a:schemeClr val="tx1"/>
+                </a:solidFill>
+                <a:effectLst/>
+                <a:latin typeface="Arial" panose="020B0604020202020204" pitchFamily="34" charset="0"/>
+              </a:rPr>
+              <a:t> Component in your language of choice and expose it to users in all </a:t>
+            </a:r>
+            <a:r>
+              <a:rPr kumimoji="0" lang="en-US" altLang="en-US" sz="2000" b="0" i="0" u="none" strike="noStrike" cap="none" normalizeH="0" baseline="0" dirty="0" err="1">
+                <a:ln>
+                  <a:noFill/>
+                </a:ln>
+                <a:solidFill>
+                  <a:schemeClr val="tx1"/>
+                </a:solidFill>
+                <a:effectLst/>
+                <a:latin typeface="Arial" panose="020B0604020202020204" pitchFamily="34" charset="0"/>
+              </a:rPr>
+              <a:t>Pulumi</a:t>
+            </a:r>
+            <a:r>
+              <a:rPr kumimoji="0" lang="en-US" altLang="en-US" sz="2000" b="0" i="0" u="none" strike="noStrike" cap="none" normalizeH="0" baseline="0" dirty="0">
+                <a:ln>
+                  <a:noFill/>
+                </a:ln>
+                <a:solidFill>
+                  <a:schemeClr val="tx1"/>
+                </a:solidFill>
+                <a:effectLst/>
+                <a:latin typeface="Arial" panose="020B0604020202020204" pitchFamily="34" charset="0"/>
+              </a:rPr>
+              <a:t> languages. Example: the </a:t>
+            </a:r>
+            <a:r>
+              <a:rPr kumimoji="0" lang="en-US" altLang="en-US" sz="2000" b="0" i="0" u="none" strike="noStrike" cap="none" normalizeH="0" baseline="0" dirty="0" err="1">
+                <a:ln>
+                  <a:noFill/>
+                </a:ln>
+                <a:solidFill>
+                  <a:schemeClr val="tx1"/>
+                </a:solidFill>
+                <a:effectLst/>
+                <a:latin typeface="Arial" panose="020B0604020202020204" pitchFamily="34" charset="0"/>
+              </a:rPr>
+              <a:t>eks</a:t>
+            </a:r>
+            <a:r>
+              <a:rPr kumimoji="0" lang="en-US" altLang="en-US" sz="2000" b="0" i="0" u="none" strike="noStrike" cap="none" normalizeH="0" baseline="0" dirty="0">
+                <a:ln>
+                  <a:noFill/>
+                </a:ln>
+                <a:solidFill>
+                  <a:schemeClr val="tx1"/>
+                </a:solidFill>
+                <a:effectLst/>
+                <a:latin typeface="Arial" panose="020B0604020202020204" pitchFamily="34" charset="0"/>
+              </a:rPr>
+              <a:t> package.</a:t>
+            </a:r>
+          </a:p>
+          <a:p>
             <a:r>
               <a:rPr lang="en-IN" dirty="0"/>
               <a:t>Providers</a:t>
@@ -9987,6 +10747,30 @@
               <a:rPr lang="en-IN" dirty="0"/>
               <a:t>Component</a:t>
             </a:r>
+          </a:p>
+          <a:p>
+            <a:r>
+              <a:rPr lang="en-IN" dirty="0">
+                <a:hlinkClick r:id="rId2"/>
+              </a:rPr>
+              <a:t>https://</a:t>
+            </a:r>
+            <a:r>
+              <a:rPr lang="en-IN" dirty="0" err="1">
+                <a:hlinkClick r:id="rId2"/>
+              </a:rPr>
+              <a:t>www.pulumi.com</a:t>
+            </a:r>
+            <a:r>
+              <a:rPr lang="en-IN" dirty="0">
+                <a:hlinkClick r:id="rId2"/>
+              </a:rPr>
+              <a:t>/docs/guides/pulumi-packages/how-to-author/</a:t>
+            </a:r>
+            <a:endParaRPr lang="en-IN" dirty="0"/>
+          </a:p>
+          <a:p>
+            <a:endParaRPr lang="en-IN" dirty="0"/>
           </a:p>
           <a:p>
             <a:endParaRPr lang="en-IN" dirty="0"/>
@@ -9997,6 +10781,147 @@
     <p:extLst>
       <p:ext uri="{BB962C8B-B14F-4D97-AF65-F5344CB8AC3E}">
         <p14:creationId xmlns:p14="http://schemas.microsoft.com/office/powerpoint/2010/main" val="994949540"/>
+      </p:ext>
+    </p:extLst>
+  </p:cSld>
+  <p:clrMapOvr>
+    <a:masterClrMapping/>
+  </p:clrMapOvr>
+</p:sld>
+</file>
+
+<file path=ppt/slides/slide31.xml><?xml version="1.0" encoding="utf-8"?>
+<p:sld xmlns:a="http://schemas.openxmlformats.org/drawingml/2006/main" xmlns:r="http://schemas.openxmlformats.org/officeDocument/2006/relationships" xmlns:p="http://schemas.openxmlformats.org/presentationml/2006/main">
+  <p:cSld>
+    <p:spTree>
+      <p:nvGrpSpPr>
+        <p:cNvPr id="1" name=""/>
+        <p:cNvGrpSpPr/>
+        <p:nvPr/>
+      </p:nvGrpSpPr>
+      <p:grpSpPr>
+        <a:xfrm>
+          <a:off x="0" y="0"/>
+          <a:ext cx="0" cy="0"/>
+          <a:chOff x="0" y="0"/>
+          <a:chExt cx="0" cy="0"/>
+        </a:xfrm>
+      </p:grpSpPr>
+      <p:pic>
+        <p:nvPicPr>
+          <p:cNvPr id="1026" name="Picture 2" descr="A graphic representation of the steps listed above">
+            <a:extLst>
+              <a:ext uri="{FF2B5EF4-FFF2-40B4-BE49-F238E27FC236}">
+                <a16:creationId xmlns:a16="http://schemas.microsoft.com/office/drawing/2014/main" id="{8D1B242D-D93B-1397-8D74-8CCE154C3914}"/>
+              </a:ext>
+            </a:extLst>
+          </p:cNvPr>
+          <p:cNvPicPr>
+            <a:picLocks noChangeAspect="1" noChangeArrowheads="1"/>
+          </p:cNvPicPr>
+          <p:nvPr/>
+        </p:nvPicPr>
+        <p:blipFill>
+          <a:blip r:embed="rId2">
+            <a:extLst>
+              <a:ext uri="{28A0092B-C50C-407E-A947-70E740481C1C}">
+                <a14:useLocalDpi xmlns:a14="http://schemas.microsoft.com/office/drawing/2010/main" val="0"/>
+              </a:ext>
+            </a:extLst>
+          </a:blip>
+          <a:srcRect/>
+          <a:stretch>
+            <a:fillRect/>
+          </a:stretch>
+        </p:blipFill>
+        <p:spPr bwMode="auto">
+          <a:xfrm>
+            <a:off x="727303" y="514078"/>
+            <a:ext cx="9953625" cy="6038850"/>
+          </a:xfrm>
+          <a:prstGeom prst="rect">
+            <a:avLst/>
+          </a:prstGeom>
+          <a:noFill/>
+          <a:extLst>
+            <a:ext uri="{909E8E84-426E-40DD-AFC4-6F175D3DCCD1}">
+              <a14:hiddenFill xmlns:a14="http://schemas.microsoft.com/office/drawing/2010/main">
+                <a:solidFill>
+                  <a:srgbClr val="FFFFFF"/>
+                </a:solidFill>
+              </a14:hiddenFill>
+            </a:ext>
+          </a:extLst>
+        </p:spPr>
+      </p:pic>
+    </p:spTree>
+    <p:extLst>
+      <p:ext uri="{BB962C8B-B14F-4D97-AF65-F5344CB8AC3E}">
+        <p14:creationId xmlns:p14="http://schemas.microsoft.com/office/powerpoint/2010/main" val="1712576349"/>
+      </p:ext>
+    </p:extLst>
+  </p:cSld>
+  <p:clrMapOvr>
+    <a:masterClrMapping/>
+  </p:clrMapOvr>
+</p:sld>
+</file>
+
+<file path=ppt/slides/slide32.xml><?xml version="1.0" encoding="utf-8"?>
+<p:sld xmlns:a="http://schemas.openxmlformats.org/drawingml/2006/main" xmlns:r="http://schemas.openxmlformats.org/officeDocument/2006/relationships" xmlns:p="http://schemas.openxmlformats.org/presentationml/2006/main">
+  <p:cSld>
+    <p:spTree>
+      <p:nvGrpSpPr>
+        <p:cNvPr id="1" name=""/>
+        <p:cNvGrpSpPr/>
+        <p:nvPr/>
+      </p:nvGrpSpPr>
+      <p:grpSpPr>
+        <a:xfrm>
+          <a:off x="0" y="0"/>
+          <a:ext cx="0" cy="0"/>
+          <a:chOff x="0" y="0"/>
+          <a:chExt cx="0" cy="0"/>
+        </a:xfrm>
+      </p:grpSpPr>
+      <p:sp>
+        <p:nvSpPr>
+          <p:cNvPr id="2" name="Title 1">
+            <a:extLst>
+              <a:ext uri="{FF2B5EF4-FFF2-40B4-BE49-F238E27FC236}">
+                <a16:creationId xmlns:a16="http://schemas.microsoft.com/office/drawing/2014/main" id="{52C7052D-0D2B-A363-FB2E-EFFC0E03C2A4}"/>
+              </a:ext>
+            </a:extLst>
+          </p:cNvPr>
+          <p:cNvSpPr>
+            <a:spLocks noGrp="1"/>
+          </p:cNvSpPr>
+          <p:nvPr>
+            <p:ph type="title"/>
+          </p:nvPr>
+        </p:nvSpPr>
+        <p:spPr>
+          <a:xfrm>
+            <a:off x="904385" y="2278597"/>
+            <a:ext cx="10058400" cy="1609344"/>
+          </a:xfrm>
+        </p:spPr>
+        <p:txBody>
+          <a:bodyPr/>
+          <a:lstStyle/>
+          <a:p>
+            <a:pPr algn="ctr"/>
+            <a:r>
+              <a:rPr lang="en-IN" dirty="0"/>
+              <a:t>Cloud skills are code skills</a:t>
+            </a:r>
+          </a:p>
+        </p:txBody>
+      </p:sp>
+    </p:spTree>
+    <p:extLst>
+      <p:ext uri="{BB962C8B-B14F-4D97-AF65-F5344CB8AC3E}">
+        <p14:creationId xmlns:p14="http://schemas.microsoft.com/office/powerpoint/2010/main" val="3604972052"/>
       </p:ext>
     </p:extLst>
   </p:cSld>
@@ -10091,6 +11016,27 @@
         <p:txBody>
           <a:bodyPr/>
           <a:lstStyle/>
+          <a:p>
+            <a:r>
+              <a:rPr lang="en-US" b="1" i="0" dirty="0">
+                <a:solidFill>
+                  <a:srgbClr val="2F3032"/>
+                </a:solidFill>
+                <a:effectLst/>
+                <a:latin typeface="Gilroy"/>
+              </a:rPr>
+              <a:t>Software engineering practices made for the cloud</a:t>
+            </a:r>
+          </a:p>
+          <a:p>
+            <a:r>
+              <a:rPr lang="en-US" b="0" i="0" dirty="0">
+                <a:effectLst/>
+                <a:latin typeface="Inter"/>
+              </a:rPr>
+              <a:t>Apply standard software engineering practices and tools uniformly across infrastructure, development, and compliance teams to tame the complexity of delivering and managing modern cloud applications.</a:t>
+            </a:r>
+          </a:p>
           <a:p>
             <a:endParaRPr lang="en-IN" dirty="0"/>
           </a:p>

--- a/docs/IaC_Devopedia_Sep_2022.pptx
+++ b/docs/IaC_Devopedia_Sep_2022.pptx
@@ -37,6 +37,7 @@
     <p:sldId id="276" r:id="rId31"/>
     <p:sldId id="287" r:id="rId32"/>
     <p:sldId id="288" r:id="rId33"/>
+    <p:sldId id="289" r:id="rId34"/>
   </p:sldIdLst>
   <p:sldSz cx="12192000" cy="6858000"/>
   <p:notesSz cx="6858000" cy="9144000"/>
@@ -3500,7 +3501,7 @@
           <a:p>
             <a:fld id="{4567C160-2C30-4694-9FA0-F603C7AEC858}" type="datetimeFigureOut">
               <a:rPr lang="en-IN" smtClean="0"/>
-              <a:t>21-08-2022</a:t>
+              <a:t>22-08-2022</a:t>
             </a:fld>
             <a:endParaRPr lang="en-IN"/>
           </a:p>
@@ -3679,7 +3680,7 @@
           <a:p>
             <a:fld id="{4567C160-2C30-4694-9FA0-F603C7AEC858}" type="datetimeFigureOut">
               <a:rPr lang="en-IN" smtClean="0"/>
-              <a:t>21-08-2022</a:t>
+              <a:t>22-08-2022</a:t>
             </a:fld>
             <a:endParaRPr lang="en-IN"/>
           </a:p>
@@ -3859,7 +3860,7 @@
           <a:p>
             <a:fld id="{4567C160-2C30-4694-9FA0-F603C7AEC858}" type="datetimeFigureOut">
               <a:rPr lang="en-IN" smtClean="0"/>
-              <a:t>21-08-2022</a:t>
+              <a:t>22-08-2022</a:t>
             </a:fld>
             <a:endParaRPr lang="en-IN"/>
           </a:p>
@@ -4029,7 +4030,7 @@
           <a:p>
             <a:fld id="{4567C160-2C30-4694-9FA0-F603C7AEC858}" type="datetimeFigureOut">
               <a:rPr lang="en-IN" smtClean="0"/>
-              <a:t>21-08-2022</a:t>
+              <a:t>22-08-2022</a:t>
             </a:fld>
             <a:endParaRPr lang="en-IN"/>
           </a:p>
@@ -4342,7 +4343,7 @@
           <a:p>
             <a:fld id="{4567C160-2C30-4694-9FA0-F603C7AEC858}" type="datetimeFigureOut">
               <a:rPr lang="en-IN" smtClean="0"/>
-              <a:t>21-08-2022</a:t>
+              <a:t>22-08-2022</a:t>
             </a:fld>
             <a:endParaRPr lang="en-IN"/>
           </a:p>
@@ -4728,7 +4729,7 @@
           <a:p>
             <a:fld id="{4567C160-2C30-4694-9FA0-F603C7AEC858}" type="datetimeFigureOut">
               <a:rPr lang="en-IN" smtClean="0"/>
-              <a:t>21-08-2022</a:t>
+              <a:t>22-08-2022</a:t>
             </a:fld>
             <a:endParaRPr lang="en-IN"/>
           </a:p>
@@ -5162,7 +5163,7 @@
           <a:p>
             <a:fld id="{4567C160-2C30-4694-9FA0-F603C7AEC858}" type="datetimeFigureOut">
               <a:rPr lang="en-IN" smtClean="0"/>
-              <a:t>21-08-2022</a:t>
+              <a:t>22-08-2022</a:t>
             </a:fld>
             <a:endParaRPr lang="en-IN"/>
           </a:p>
@@ -5280,7 +5281,7 @@
           <a:p>
             <a:fld id="{4567C160-2C30-4694-9FA0-F603C7AEC858}" type="datetimeFigureOut">
               <a:rPr lang="en-IN" smtClean="0"/>
-              <a:t>21-08-2022</a:t>
+              <a:t>22-08-2022</a:t>
             </a:fld>
             <a:endParaRPr lang="en-IN"/>
           </a:p>
@@ -5375,7 +5376,7 @@
           <a:p>
             <a:fld id="{4567C160-2C30-4694-9FA0-F603C7AEC858}" type="datetimeFigureOut">
               <a:rPr lang="en-IN" smtClean="0"/>
-              <a:t>21-08-2022</a:t>
+              <a:t>22-08-2022</a:t>
             </a:fld>
             <a:endParaRPr lang="en-IN"/>
           </a:p>
@@ -5725,7 +5726,7 @@
           <a:p>
             <a:fld id="{4567C160-2C30-4694-9FA0-F603C7AEC858}" type="datetimeFigureOut">
               <a:rPr lang="en-IN" smtClean="0"/>
-              <a:t>21-08-2022</a:t>
+              <a:t>22-08-2022</a:t>
             </a:fld>
             <a:endParaRPr lang="en-IN"/>
           </a:p>
@@ -6150,7 +6151,7 @@
           <a:p>
             <a:fld id="{4567C160-2C30-4694-9FA0-F603C7AEC858}" type="datetimeFigureOut">
               <a:rPr lang="en-IN" smtClean="0"/>
-              <a:t>21-08-2022</a:t>
+              <a:t>22-08-2022</a:t>
             </a:fld>
             <a:endParaRPr lang="en-IN"/>
           </a:p>
@@ -6431,7 +6432,7 @@
           <a:p>
             <a:fld id="{4567C160-2C30-4694-9FA0-F603C7AEC858}" type="datetimeFigureOut">
               <a:rPr lang="en-IN" smtClean="0"/>
-              <a:t>21-08-2022</a:t>
+              <a:t>22-08-2022</a:t>
             </a:fld>
             <a:endParaRPr lang="en-IN"/>
           </a:p>
@@ -10021,42 +10022,1526 @@
           </a:p>
         </p:txBody>
       </p:sp>
-      <p:sp>
-        <p:nvSpPr>
-          <p:cNvPr id="3" name="Content Placeholder 2">
+      <p:graphicFrame>
+        <p:nvGraphicFramePr>
+          <p:cNvPr id="4" name="Table 3">
             <a:extLst>
               <a:ext uri="{FF2B5EF4-FFF2-40B4-BE49-F238E27FC236}">
-                <a16:creationId xmlns:a16="http://schemas.microsoft.com/office/drawing/2014/main" id="{3BD40128-92F4-353D-EF08-1839BE8CB85C}"/>
+                <a16:creationId xmlns:a16="http://schemas.microsoft.com/office/drawing/2014/main" id="{C94A042C-D780-05B1-02D0-0EF6D1E32163}"/>
               </a:ext>
             </a:extLst>
           </p:cNvPr>
-          <p:cNvSpPr>
-            <a:spLocks noGrp="1"/>
-          </p:cNvSpPr>
+          <p:cNvGraphicFramePr>
+            <a:graphicFrameLocks noGrp="1"/>
+          </p:cNvGraphicFramePr>
           <p:nvPr>
-            <p:ph idx="1"/>
+            <p:extLst>
+              <p:ext uri="{D42A27DB-BD31-4B8C-83A1-F6EECF244321}">
+                <p14:modId xmlns:p14="http://schemas.microsoft.com/office/powerpoint/2010/main" val="1543109962"/>
+              </p:ext>
+            </p:extLst>
           </p:nvPr>
+        </p:nvGraphicFramePr>
+        <p:xfrm>
+          <a:off x="532647" y="3562447"/>
+          <a:ext cx="10058400" cy="3291840"/>
+        </p:xfrm>
+        <a:graphic>
+          <a:graphicData uri="http://schemas.openxmlformats.org/drawingml/2006/table">
+            <a:tbl>
+              <a:tblPr/>
+              <a:tblGrid>
+                <a:gridCol w="2514600">
+                  <a:extLst>
+                    <a:ext uri="{9D8B030D-6E8A-4147-A177-3AD203B41FA5}">
+                      <a16:colId xmlns:a16="http://schemas.microsoft.com/office/drawing/2014/main" val="352084460"/>
+                    </a:ext>
+                  </a:extLst>
+                </a:gridCol>
+                <a:gridCol w="2514600">
+                  <a:extLst>
+                    <a:ext uri="{9D8B030D-6E8A-4147-A177-3AD203B41FA5}">
+                      <a16:colId xmlns:a16="http://schemas.microsoft.com/office/drawing/2014/main" val="4163147410"/>
+                    </a:ext>
+                  </a:extLst>
+                </a:gridCol>
+                <a:gridCol w="2514600">
+                  <a:extLst>
+                    <a:ext uri="{9D8B030D-6E8A-4147-A177-3AD203B41FA5}">
+                      <a16:colId xmlns:a16="http://schemas.microsoft.com/office/drawing/2014/main" val="944226593"/>
+                    </a:ext>
+                  </a:extLst>
+                </a:gridCol>
+                <a:gridCol w="2514600">
+                  <a:extLst>
+                    <a:ext uri="{9D8B030D-6E8A-4147-A177-3AD203B41FA5}">
+                      <a16:colId xmlns:a16="http://schemas.microsoft.com/office/drawing/2014/main" val="3515353871"/>
+                    </a:ext>
+                  </a:extLst>
+                </a:gridCol>
+              </a:tblGrid>
+              <a:tr h="0">
+                <a:tc>
+                  <a:txBody>
+                    <a:bodyPr/>
+                    <a:lstStyle/>
+                    <a:p>
+                      <a:pPr algn="l"/>
+                      <a:endParaRPr lang="en-IN" b="0">
+                        <a:effectLst/>
+                      </a:endParaRPr>
+                    </a:p>
+                  </a:txBody>
+                  <a:tcPr anchor="ctr">
+                    <a:lnL w="12700" cap="flat" cmpd="sng" algn="ctr">
+                      <a:solidFill>
+                        <a:srgbClr val="00CC2D"/>
+                      </a:solidFill>
+                      <a:prstDash val="solid"/>
+                      <a:round/>
+                      <a:headEnd type="none" w="med" len="med"/>
+                      <a:tailEnd type="none" w="med" len="med"/>
+                    </a:lnL>
+                    <a:lnR w="12700" cap="flat" cmpd="sng" algn="ctr">
+                      <a:solidFill>
+                        <a:srgbClr val="40CE2D"/>
+                      </a:solidFill>
+                      <a:prstDash val="solid"/>
+                      <a:round/>
+                      <a:headEnd type="none" w="med" len="med"/>
+                      <a:tailEnd type="none" w="med" len="med"/>
+                    </a:lnR>
+                    <a:lnT w="12700" cap="flat" cmpd="sng" algn="ctr">
+                      <a:solidFill>
+                        <a:srgbClr val="00CC2D"/>
+                      </a:solidFill>
+                      <a:prstDash val="solid"/>
+                      <a:round/>
+                      <a:headEnd type="none" w="med" len="med"/>
+                      <a:tailEnd type="none" w="med" len="med"/>
+                    </a:lnT>
+                    <a:lnB w="12700" cap="flat" cmpd="sng" algn="ctr">
+                      <a:solidFill>
+                        <a:srgbClr val="60CC2D"/>
+                      </a:solidFill>
+                      <a:prstDash val="solid"/>
+                      <a:round/>
+                      <a:headEnd type="none" w="med" len="med"/>
+                      <a:tailEnd type="none" w="med" len="med"/>
+                    </a:lnB>
+                  </a:tcPr>
+                </a:tc>
+                <a:tc>
+                  <a:txBody>
+                    <a:bodyPr/>
+                    <a:lstStyle/>
+                    <a:p>
+                      <a:pPr algn="l"/>
+                      <a:r>
+                        <a:rPr lang="en-IN" b="1" dirty="0">
+                          <a:effectLst/>
+                          <a:hlinkClick r:id="rId2"/>
+                        </a:rPr>
+                        <a:t>Unit Tests</a:t>
+                      </a:r>
+                      <a:endParaRPr lang="en-IN" b="0" dirty="0">
+                        <a:effectLst/>
+                      </a:endParaRPr>
+                    </a:p>
+                  </a:txBody>
+                  <a:tcPr anchor="ctr">
+                    <a:lnL w="12700" cap="flat" cmpd="sng" algn="ctr">
+                      <a:solidFill>
+                        <a:srgbClr val="40CE2D"/>
+                      </a:solidFill>
+                      <a:prstDash val="solid"/>
+                      <a:round/>
+                      <a:headEnd type="none" w="med" len="med"/>
+                      <a:tailEnd type="none" w="med" len="med"/>
+                    </a:lnL>
+                    <a:lnR w="12700" cap="flat" cmpd="sng" algn="ctr">
+                      <a:solidFill>
+                        <a:srgbClr val="C0CC2D"/>
+                      </a:solidFill>
+                      <a:prstDash val="solid"/>
+                      <a:round/>
+                      <a:headEnd type="none" w="med" len="med"/>
+                      <a:tailEnd type="none" w="med" len="med"/>
+                    </a:lnR>
+                    <a:lnT w="12700" cap="flat" cmpd="sng" algn="ctr">
+                      <a:solidFill>
+                        <a:srgbClr val="40CE2D"/>
+                      </a:solidFill>
+                      <a:prstDash val="solid"/>
+                      <a:round/>
+                      <a:headEnd type="none" w="med" len="med"/>
+                      <a:tailEnd type="none" w="med" len="med"/>
+                    </a:lnT>
+                    <a:lnB w="12700" cap="flat" cmpd="sng" algn="ctr">
+                      <a:solidFill>
+                        <a:srgbClr val="80CD2D"/>
+                      </a:solidFill>
+                      <a:prstDash val="solid"/>
+                      <a:round/>
+                      <a:headEnd type="none" w="med" len="med"/>
+                      <a:tailEnd type="none" w="med" len="med"/>
+                    </a:lnB>
+                  </a:tcPr>
+                </a:tc>
+                <a:tc>
+                  <a:txBody>
+                    <a:bodyPr/>
+                    <a:lstStyle/>
+                    <a:p>
+                      <a:pPr algn="l"/>
+                      <a:r>
+                        <a:rPr lang="en-IN" b="1">
+                          <a:effectLst/>
+                          <a:hlinkClick r:id="rId3"/>
+                        </a:rPr>
+                        <a:t>Property Tests</a:t>
+                      </a:r>
+                      <a:endParaRPr lang="en-IN" b="0">
+                        <a:effectLst/>
+                      </a:endParaRPr>
+                    </a:p>
+                  </a:txBody>
+                  <a:tcPr anchor="ctr">
+                    <a:lnL w="12700" cap="flat" cmpd="sng" algn="ctr">
+                      <a:solidFill>
+                        <a:srgbClr val="C0CC2D"/>
+                      </a:solidFill>
+                      <a:prstDash val="solid"/>
+                      <a:round/>
+                      <a:headEnd type="none" w="med" len="med"/>
+                      <a:tailEnd type="none" w="med" len="med"/>
+                    </a:lnL>
+                    <a:lnR w="12700" cap="flat" cmpd="sng" algn="ctr">
+                      <a:solidFill>
+                        <a:srgbClr val="00CC2D"/>
+                      </a:solidFill>
+                      <a:prstDash val="solid"/>
+                      <a:round/>
+                      <a:headEnd type="none" w="med" len="med"/>
+                      <a:tailEnd type="none" w="med" len="med"/>
+                    </a:lnR>
+                    <a:lnT w="12700" cap="flat" cmpd="sng" algn="ctr">
+                      <a:solidFill>
+                        <a:srgbClr val="C0CC2D"/>
+                      </a:solidFill>
+                      <a:prstDash val="solid"/>
+                      <a:round/>
+                      <a:headEnd type="none" w="med" len="med"/>
+                      <a:tailEnd type="none" w="med" len="med"/>
+                    </a:lnT>
+                    <a:lnB w="12700" cap="flat" cmpd="sng" algn="ctr">
+                      <a:solidFill>
+                        <a:srgbClr val="00CC2D"/>
+                      </a:solidFill>
+                      <a:prstDash val="solid"/>
+                      <a:round/>
+                      <a:headEnd type="none" w="med" len="med"/>
+                      <a:tailEnd type="none" w="med" len="med"/>
+                    </a:lnB>
+                  </a:tcPr>
+                </a:tc>
+                <a:tc>
+                  <a:txBody>
+                    <a:bodyPr/>
+                    <a:lstStyle/>
+                    <a:p>
+                      <a:pPr algn="l"/>
+                      <a:r>
+                        <a:rPr lang="en-IN" b="1">
+                          <a:effectLst/>
+                          <a:hlinkClick r:id="rId4"/>
+                        </a:rPr>
+                        <a:t>Integration Tests</a:t>
+                      </a:r>
+                      <a:endParaRPr lang="en-IN" b="0">
+                        <a:effectLst/>
+                      </a:endParaRPr>
+                    </a:p>
+                  </a:txBody>
+                  <a:tcPr anchor="ctr">
+                    <a:lnL w="12700" cap="flat" cmpd="sng" algn="ctr">
+                      <a:solidFill>
+                        <a:srgbClr val="00CC2D"/>
+                      </a:solidFill>
+                      <a:prstDash val="solid"/>
+                      <a:round/>
+                      <a:headEnd type="none" w="med" len="med"/>
+                      <a:tailEnd type="none" w="med" len="med"/>
+                    </a:lnL>
+                    <a:lnR w="12700" cap="flat" cmpd="sng" algn="ctr">
+                      <a:solidFill>
+                        <a:srgbClr val="00CC2D"/>
+                      </a:solidFill>
+                      <a:prstDash val="solid"/>
+                      <a:round/>
+                      <a:headEnd type="none" w="med" len="med"/>
+                      <a:tailEnd type="none" w="med" len="med"/>
+                    </a:lnR>
+                    <a:lnT w="12700" cap="flat" cmpd="sng" algn="ctr">
+                      <a:solidFill>
+                        <a:srgbClr val="00CC2D"/>
+                      </a:solidFill>
+                      <a:prstDash val="solid"/>
+                      <a:round/>
+                      <a:headEnd type="none" w="med" len="med"/>
+                      <a:tailEnd type="none" w="med" len="med"/>
+                    </a:lnT>
+                    <a:lnB w="12700" cap="flat" cmpd="sng" algn="ctr">
+                      <a:solidFill>
+                        <a:srgbClr val="20CD2D"/>
+                      </a:solidFill>
+                      <a:prstDash val="solid"/>
+                      <a:round/>
+                      <a:headEnd type="none" w="med" len="med"/>
+                      <a:tailEnd type="none" w="med" len="med"/>
+                    </a:lnB>
+                  </a:tcPr>
+                </a:tc>
+                <a:extLst>
+                  <a:ext uri="{0D108BD9-81ED-4DB2-BD59-A6C34878D82A}">
+                    <a16:rowId xmlns:a16="http://schemas.microsoft.com/office/drawing/2014/main" val="683029484"/>
+                  </a:ext>
+                </a:extLst>
+              </a:tr>
+              <a:tr h="0">
+                <a:tc>
+                  <a:txBody>
+                    <a:bodyPr/>
+                    <a:lstStyle/>
+                    <a:p>
+                      <a:r>
+                        <a:rPr lang="en-IN" dirty="0">
+                          <a:effectLst/>
+                        </a:rPr>
+                        <a:t>Provision real infrastructure</a:t>
+                      </a:r>
+                    </a:p>
+                  </a:txBody>
+                  <a:tcPr anchor="ctr">
+                    <a:lnL w="12700" cap="flat" cmpd="sng" algn="ctr">
+                      <a:solidFill>
+                        <a:srgbClr val="60CC2D"/>
+                      </a:solidFill>
+                      <a:prstDash val="solid"/>
+                      <a:round/>
+                      <a:headEnd type="none" w="med" len="med"/>
+                      <a:tailEnd type="none" w="med" len="med"/>
+                    </a:lnL>
+                    <a:lnR w="12700" cap="flat" cmpd="sng" algn="ctr">
+                      <a:solidFill>
+                        <a:srgbClr val="80CD2D"/>
+                      </a:solidFill>
+                      <a:prstDash val="solid"/>
+                      <a:round/>
+                      <a:headEnd type="none" w="med" len="med"/>
+                      <a:tailEnd type="none" w="med" len="med"/>
+                    </a:lnR>
+                    <a:lnT w="12700" cap="flat" cmpd="sng" algn="ctr">
+                      <a:solidFill>
+                        <a:srgbClr val="60CC2D"/>
+                      </a:solidFill>
+                      <a:prstDash val="solid"/>
+                      <a:round/>
+                      <a:headEnd type="none" w="med" len="med"/>
+                      <a:tailEnd type="none" w="med" len="med"/>
+                    </a:lnT>
+                    <a:lnB w="12700" cap="flat" cmpd="sng" algn="ctr">
+                      <a:solidFill>
+                        <a:srgbClr val="C0CC2D"/>
+                      </a:solidFill>
+                      <a:prstDash val="solid"/>
+                      <a:round/>
+                      <a:headEnd type="none" w="med" len="med"/>
+                      <a:tailEnd type="none" w="med" len="med"/>
+                    </a:lnB>
+                  </a:tcPr>
+                </a:tc>
+                <a:tc>
+                  <a:txBody>
+                    <a:bodyPr/>
+                    <a:lstStyle/>
+                    <a:p>
+                      <a:r>
+                        <a:rPr lang="en-IN">
+                          <a:effectLst/>
+                        </a:rPr>
+                        <a:t>No</a:t>
+                      </a:r>
+                    </a:p>
+                  </a:txBody>
+                  <a:tcPr anchor="ctr">
+                    <a:lnL w="12700" cap="flat" cmpd="sng" algn="ctr">
+                      <a:solidFill>
+                        <a:srgbClr val="80CD2D"/>
+                      </a:solidFill>
+                      <a:prstDash val="solid"/>
+                      <a:round/>
+                      <a:headEnd type="none" w="med" len="med"/>
+                      <a:tailEnd type="none" w="med" len="med"/>
+                    </a:lnL>
+                    <a:lnR w="12700" cap="flat" cmpd="sng" algn="ctr">
+                      <a:solidFill>
+                        <a:srgbClr val="00CC2D"/>
+                      </a:solidFill>
+                      <a:prstDash val="solid"/>
+                      <a:round/>
+                      <a:headEnd type="none" w="med" len="med"/>
+                      <a:tailEnd type="none" w="med" len="med"/>
+                    </a:lnR>
+                    <a:lnT w="12700" cap="flat" cmpd="sng" algn="ctr">
+                      <a:solidFill>
+                        <a:srgbClr val="80CD2D"/>
+                      </a:solidFill>
+                      <a:prstDash val="solid"/>
+                      <a:round/>
+                      <a:headEnd type="none" w="med" len="med"/>
+                      <a:tailEnd type="none" w="med" len="med"/>
+                    </a:lnT>
+                    <a:lnB w="12700" cap="flat" cmpd="sng" algn="ctr">
+                      <a:solidFill>
+                        <a:srgbClr val="A0CB2D"/>
+                      </a:solidFill>
+                      <a:prstDash val="solid"/>
+                      <a:round/>
+                      <a:headEnd type="none" w="med" len="med"/>
+                      <a:tailEnd type="none" w="med" len="med"/>
+                    </a:lnB>
+                  </a:tcPr>
+                </a:tc>
+                <a:tc>
+                  <a:txBody>
+                    <a:bodyPr/>
+                    <a:lstStyle/>
+                    <a:p>
+                      <a:r>
+                        <a:rPr lang="en-IN">
+                          <a:effectLst/>
+                        </a:rPr>
+                        <a:t>Yes</a:t>
+                      </a:r>
+                    </a:p>
+                  </a:txBody>
+                  <a:tcPr anchor="ctr">
+                    <a:lnL w="12700" cap="flat" cmpd="sng" algn="ctr">
+                      <a:solidFill>
+                        <a:srgbClr val="00CC2D"/>
+                      </a:solidFill>
+                      <a:prstDash val="solid"/>
+                      <a:round/>
+                      <a:headEnd type="none" w="med" len="med"/>
+                      <a:tailEnd type="none" w="med" len="med"/>
+                    </a:lnL>
+                    <a:lnR w="12700" cap="flat" cmpd="sng" algn="ctr">
+                      <a:solidFill>
+                        <a:srgbClr val="20CD2D"/>
+                      </a:solidFill>
+                      <a:prstDash val="solid"/>
+                      <a:round/>
+                      <a:headEnd type="none" w="med" len="med"/>
+                      <a:tailEnd type="none" w="med" len="med"/>
+                    </a:lnR>
+                    <a:lnT w="12700" cap="flat" cmpd="sng" algn="ctr">
+                      <a:solidFill>
+                        <a:srgbClr val="00CC2D"/>
+                      </a:solidFill>
+                      <a:prstDash val="solid"/>
+                      <a:round/>
+                      <a:headEnd type="none" w="med" len="med"/>
+                      <a:tailEnd type="none" w="med" len="med"/>
+                    </a:lnT>
+                    <a:lnB w="12700" cap="flat" cmpd="sng" algn="ctr">
+                      <a:solidFill>
+                        <a:srgbClr val="C0CC2D"/>
+                      </a:solidFill>
+                      <a:prstDash val="solid"/>
+                      <a:round/>
+                      <a:headEnd type="none" w="med" len="med"/>
+                      <a:tailEnd type="none" w="med" len="med"/>
+                    </a:lnB>
+                  </a:tcPr>
+                </a:tc>
+                <a:tc>
+                  <a:txBody>
+                    <a:bodyPr/>
+                    <a:lstStyle/>
+                    <a:p>
+                      <a:r>
+                        <a:rPr lang="en-IN">
+                          <a:effectLst/>
+                        </a:rPr>
+                        <a:t>Yes</a:t>
+                      </a:r>
+                    </a:p>
+                  </a:txBody>
+                  <a:tcPr anchor="ctr">
+                    <a:lnL w="12700" cap="flat" cmpd="sng" algn="ctr">
+                      <a:solidFill>
+                        <a:srgbClr val="20CD2D"/>
+                      </a:solidFill>
+                      <a:prstDash val="solid"/>
+                      <a:round/>
+                      <a:headEnd type="none" w="med" len="med"/>
+                      <a:tailEnd type="none" w="med" len="med"/>
+                    </a:lnL>
+                    <a:lnR w="12700" cap="flat" cmpd="sng" algn="ctr">
+                      <a:solidFill>
+                        <a:srgbClr val="20CD2D"/>
+                      </a:solidFill>
+                      <a:prstDash val="solid"/>
+                      <a:round/>
+                      <a:headEnd type="none" w="med" len="med"/>
+                      <a:tailEnd type="none" w="med" len="med"/>
+                    </a:lnR>
+                    <a:lnT w="12700" cap="flat" cmpd="sng" algn="ctr">
+                      <a:solidFill>
+                        <a:srgbClr val="20CD2D"/>
+                      </a:solidFill>
+                      <a:prstDash val="solid"/>
+                      <a:round/>
+                      <a:headEnd type="none" w="med" len="med"/>
+                      <a:tailEnd type="none" w="med" len="med"/>
+                    </a:lnT>
+                    <a:lnB w="12700" cap="flat" cmpd="sng" algn="ctr">
+                      <a:solidFill>
+                        <a:srgbClr val="E0CD2D"/>
+                      </a:solidFill>
+                      <a:prstDash val="solid"/>
+                      <a:round/>
+                      <a:headEnd type="none" w="med" len="med"/>
+                      <a:tailEnd type="none" w="med" len="med"/>
+                    </a:lnB>
+                  </a:tcPr>
+                </a:tc>
+                <a:extLst>
+                  <a:ext uri="{0D108BD9-81ED-4DB2-BD59-A6C34878D82A}">
+                    <a16:rowId xmlns:a16="http://schemas.microsoft.com/office/drawing/2014/main" val="893346128"/>
+                  </a:ext>
+                </a:extLst>
+              </a:tr>
+              <a:tr h="0">
+                <a:tc>
+                  <a:txBody>
+                    <a:bodyPr/>
+                    <a:lstStyle/>
+                    <a:p>
+                      <a:r>
+                        <a:rPr lang="en-IN" dirty="0">
+                          <a:effectLst/>
+                        </a:rPr>
+                        <a:t>Require the Pulumi CLI</a:t>
+                      </a:r>
+                    </a:p>
+                  </a:txBody>
+                  <a:tcPr anchor="ctr">
+                    <a:lnL w="12700" cap="flat" cmpd="sng" algn="ctr">
+                      <a:solidFill>
+                        <a:srgbClr val="C0CC2D"/>
+                      </a:solidFill>
+                      <a:prstDash val="solid"/>
+                      <a:round/>
+                      <a:headEnd type="none" w="med" len="med"/>
+                      <a:tailEnd type="none" w="med" len="med"/>
+                    </a:lnL>
+                    <a:lnR w="12700" cap="flat" cmpd="sng" algn="ctr">
+                      <a:solidFill>
+                        <a:srgbClr val="A0CB2D"/>
+                      </a:solidFill>
+                      <a:prstDash val="solid"/>
+                      <a:round/>
+                      <a:headEnd type="none" w="med" len="med"/>
+                      <a:tailEnd type="none" w="med" len="med"/>
+                    </a:lnR>
+                    <a:lnT w="12700" cap="flat" cmpd="sng" algn="ctr">
+                      <a:solidFill>
+                        <a:srgbClr val="C0CC2D"/>
+                      </a:solidFill>
+                      <a:prstDash val="solid"/>
+                      <a:round/>
+                      <a:headEnd type="none" w="med" len="med"/>
+                      <a:tailEnd type="none" w="med" len="med"/>
+                    </a:lnT>
+                    <a:lnB w="12700" cap="flat" cmpd="sng" algn="ctr">
+                      <a:solidFill>
+                        <a:srgbClr val="80CD2D"/>
+                      </a:solidFill>
+                      <a:prstDash val="solid"/>
+                      <a:round/>
+                      <a:headEnd type="none" w="med" len="med"/>
+                      <a:tailEnd type="none" w="med" len="med"/>
+                    </a:lnB>
+                  </a:tcPr>
+                </a:tc>
+                <a:tc>
+                  <a:txBody>
+                    <a:bodyPr/>
+                    <a:lstStyle/>
+                    <a:p>
+                      <a:r>
+                        <a:rPr lang="en-IN" dirty="0">
+                          <a:effectLst/>
+                        </a:rPr>
+                        <a:t>No</a:t>
+                      </a:r>
+                    </a:p>
+                  </a:txBody>
+                  <a:tcPr anchor="ctr">
+                    <a:lnL w="12700" cap="flat" cmpd="sng" algn="ctr">
+                      <a:solidFill>
+                        <a:srgbClr val="A0CB2D"/>
+                      </a:solidFill>
+                      <a:prstDash val="solid"/>
+                      <a:round/>
+                      <a:headEnd type="none" w="med" len="med"/>
+                      <a:tailEnd type="none" w="med" len="med"/>
+                    </a:lnL>
+                    <a:lnR w="12700" cap="flat" cmpd="sng" algn="ctr">
+                      <a:solidFill>
+                        <a:srgbClr val="C0CC2D"/>
+                      </a:solidFill>
+                      <a:prstDash val="solid"/>
+                      <a:round/>
+                      <a:headEnd type="none" w="med" len="med"/>
+                      <a:tailEnd type="none" w="med" len="med"/>
+                    </a:lnR>
+                    <a:lnT w="12700" cap="flat" cmpd="sng" algn="ctr">
+                      <a:solidFill>
+                        <a:srgbClr val="A0CB2D"/>
+                      </a:solidFill>
+                      <a:prstDash val="solid"/>
+                      <a:round/>
+                      <a:headEnd type="none" w="med" len="med"/>
+                      <a:tailEnd type="none" w="med" len="med"/>
+                    </a:lnT>
+                    <a:lnB w="12700" cap="flat" cmpd="sng" algn="ctr">
+                      <a:solidFill>
+                        <a:srgbClr val="C0CC2D"/>
+                      </a:solidFill>
+                      <a:prstDash val="solid"/>
+                      <a:round/>
+                      <a:headEnd type="none" w="med" len="med"/>
+                      <a:tailEnd type="none" w="med" len="med"/>
+                    </a:lnB>
+                  </a:tcPr>
+                </a:tc>
+                <a:tc>
+                  <a:txBody>
+                    <a:bodyPr/>
+                    <a:lstStyle/>
+                    <a:p>
+                      <a:r>
+                        <a:rPr lang="en-IN">
+                          <a:effectLst/>
+                        </a:rPr>
+                        <a:t>Yes</a:t>
+                      </a:r>
+                    </a:p>
+                  </a:txBody>
+                  <a:tcPr anchor="ctr">
+                    <a:lnL w="12700" cap="flat" cmpd="sng" algn="ctr">
+                      <a:solidFill>
+                        <a:srgbClr val="C0CC2D"/>
+                      </a:solidFill>
+                      <a:prstDash val="solid"/>
+                      <a:round/>
+                      <a:headEnd type="none" w="med" len="med"/>
+                      <a:tailEnd type="none" w="med" len="med"/>
+                    </a:lnL>
+                    <a:lnR w="12700" cap="flat" cmpd="sng" algn="ctr">
+                      <a:solidFill>
+                        <a:srgbClr val="E0CD2D"/>
+                      </a:solidFill>
+                      <a:prstDash val="solid"/>
+                      <a:round/>
+                      <a:headEnd type="none" w="med" len="med"/>
+                      <a:tailEnd type="none" w="med" len="med"/>
+                    </a:lnR>
+                    <a:lnT w="12700" cap="flat" cmpd="sng" algn="ctr">
+                      <a:solidFill>
+                        <a:srgbClr val="C0CC2D"/>
+                      </a:solidFill>
+                      <a:prstDash val="solid"/>
+                      <a:round/>
+                      <a:headEnd type="none" w="med" len="med"/>
+                      <a:tailEnd type="none" w="med" len="med"/>
+                    </a:lnT>
+                    <a:lnB w="12700" cap="flat" cmpd="sng" algn="ctr">
+                      <a:solidFill>
+                        <a:srgbClr val="40CE2D"/>
+                      </a:solidFill>
+                      <a:prstDash val="solid"/>
+                      <a:round/>
+                      <a:headEnd type="none" w="med" len="med"/>
+                      <a:tailEnd type="none" w="med" len="med"/>
+                    </a:lnB>
+                  </a:tcPr>
+                </a:tc>
+                <a:tc>
+                  <a:txBody>
+                    <a:bodyPr/>
+                    <a:lstStyle/>
+                    <a:p>
+                      <a:r>
+                        <a:rPr lang="en-IN">
+                          <a:effectLst/>
+                        </a:rPr>
+                        <a:t>Yes</a:t>
+                      </a:r>
+                    </a:p>
+                  </a:txBody>
+                  <a:tcPr anchor="ctr">
+                    <a:lnL w="12700" cap="flat" cmpd="sng" algn="ctr">
+                      <a:solidFill>
+                        <a:srgbClr val="E0CD2D"/>
+                      </a:solidFill>
+                      <a:prstDash val="solid"/>
+                      <a:round/>
+                      <a:headEnd type="none" w="med" len="med"/>
+                      <a:tailEnd type="none" w="med" len="med"/>
+                    </a:lnL>
+                    <a:lnR w="12700" cap="flat" cmpd="sng" algn="ctr">
+                      <a:solidFill>
+                        <a:srgbClr val="E0CD2D"/>
+                      </a:solidFill>
+                      <a:prstDash val="solid"/>
+                      <a:round/>
+                      <a:headEnd type="none" w="med" len="med"/>
+                      <a:tailEnd type="none" w="med" len="med"/>
+                    </a:lnR>
+                    <a:lnT w="12700" cap="flat" cmpd="sng" algn="ctr">
+                      <a:solidFill>
+                        <a:srgbClr val="E0CD2D"/>
+                      </a:solidFill>
+                      <a:prstDash val="solid"/>
+                      <a:round/>
+                      <a:headEnd type="none" w="med" len="med"/>
+                      <a:tailEnd type="none" w="med" len="med"/>
+                    </a:lnT>
+                    <a:lnB w="12700" cap="flat" cmpd="sng" algn="ctr">
+                      <a:solidFill>
+                        <a:srgbClr val="A0CB2D"/>
+                      </a:solidFill>
+                      <a:prstDash val="solid"/>
+                      <a:round/>
+                      <a:headEnd type="none" w="med" len="med"/>
+                      <a:tailEnd type="none" w="med" len="med"/>
+                    </a:lnB>
+                  </a:tcPr>
+                </a:tc>
+                <a:extLst>
+                  <a:ext uri="{0D108BD9-81ED-4DB2-BD59-A6C34878D82A}">
+                    <a16:rowId xmlns:a16="http://schemas.microsoft.com/office/drawing/2014/main" val="2867973287"/>
+                  </a:ext>
+                </a:extLst>
+              </a:tr>
+              <a:tr h="0">
+                <a:tc>
+                  <a:txBody>
+                    <a:bodyPr/>
+                    <a:lstStyle/>
+                    <a:p>
+                      <a:r>
+                        <a:rPr lang="en-IN" dirty="0">
+                          <a:effectLst/>
+                        </a:rPr>
+                        <a:t>Time to execute</a:t>
+                      </a:r>
+                    </a:p>
+                  </a:txBody>
+                  <a:tcPr anchor="ctr">
+                    <a:lnL w="12700" cap="flat" cmpd="sng" algn="ctr">
+                      <a:solidFill>
+                        <a:srgbClr val="80CD2D"/>
+                      </a:solidFill>
+                      <a:prstDash val="solid"/>
+                      <a:round/>
+                      <a:headEnd type="none" w="med" len="med"/>
+                      <a:tailEnd type="none" w="med" len="med"/>
+                    </a:lnL>
+                    <a:lnR w="12700" cap="flat" cmpd="sng" algn="ctr">
+                      <a:solidFill>
+                        <a:srgbClr val="C0CC2D"/>
+                      </a:solidFill>
+                      <a:prstDash val="solid"/>
+                      <a:round/>
+                      <a:headEnd type="none" w="med" len="med"/>
+                      <a:tailEnd type="none" w="med" len="med"/>
+                    </a:lnR>
+                    <a:lnT w="12700" cap="flat" cmpd="sng" algn="ctr">
+                      <a:solidFill>
+                        <a:srgbClr val="80CD2D"/>
+                      </a:solidFill>
+                      <a:prstDash val="solid"/>
+                      <a:round/>
+                      <a:headEnd type="none" w="med" len="med"/>
+                      <a:tailEnd type="none" w="med" len="med"/>
+                    </a:lnT>
+                    <a:lnB w="12700" cap="flat" cmpd="sng" algn="ctr">
+                      <a:solidFill>
+                        <a:srgbClr val="00CC2D"/>
+                      </a:solidFill>
+                      <a:prstDash val="solid"/>
+                      <a:round/>
+                      <a:headEnd type="none" w="med" len="med"/>
+                      <a:tailEnd type="none" w="med" len="med"/>
+                    </a:lnB>
+                  </a:tcPr>
+                </a:tc>
+                <a:tc>
+                  <a:txBody>
+                    <a:bodyPr/>
+                    <a:lstStyle/>
+                    <a:p>
+                      <a:r>
+                        <a:rPr lang="en-IN" dirty="0">
+                          <a:effectLst/>
+                        </a:rPr>
+                        <a:t>Milliseconds</a:t>
+                      </a:r>
+                    </a:p>
+                  </a:txBody>
+                  <a:tcPr anchor="ctr">
+                    <a:lnL w="12700" cap="flat" cmpd="sng" algn="ctr">
+                      <a:solidFill>
+                        <a:srgbClr val="C0CC2D"/>
+                      </a:solidFill>
+                      <a:prstDash val="solid"/>
+                      <a:round/>
+                      <a:headEnd type="none" w="med" len="med"/>
+                      <a:tailEnd type="none" w="med" len="med"/>
+                    </a:lnL>
+                    <a:lnR w="12700" cap="flat" cmpd="sng" algn="ctr">
+                      <a:solidFill>
+                        <a:srgbClr val="40CE2D"/>
+                      </a:solidFill>
+                      <a:prstDash val="solid"/>
+                      <a:round/>
+                      <a:headEnd type="none" w="med" len="med"/>
+                      <a:tailEnd type="none" w="med" len="med"/>
+                    </a:lnR>
+                    <a:lnT w="12700" cap="flat" cmpd="sng" algn="ctr">
+                      <a:solidFill>
+                        <a:srgbClr val="C0CC2D"/>
+                      </a:solidFill>
+                      <a:prstDash val="solid"/>
+                      <a:round/>
+                      <a:headEnd type="none" w="med" len="med"/>
+                      <a:tailEnd type="none" w="med" len="med"/>
+                    </a:lnT>
+                    <a:lnB w="12700" cap="flat" cmpd="sng" algn="ctr">
+                      <a:solidFill>
+                        <a:srgbClr val="C0CC2D"/>
+                      </a:solidFill>
+                      <a:prstDash val="solid"/>
+                      <a:round/>
+                      <a:headEnd type="none" w="med" len="med"/>
+                      <a:tailEnd type="none" w="med" len="med"/>
+                    </a:lnB>
+                  </a:tcPr>
+                </a:tc>
+                <a:tc>
+                  <a:txBody>
+                    <a:bodyPr/>
+                    <a:lstStyle/>
+                    <a:p>
+                      <a:r>
+                        <a:rPr lang="en-IN" dirty="0">
+                          <a:effectLst/>
+                        </a:rPr>
+                        <a:t>Seconds</a:t>
+                      </a:r>
+                    </a:p>
+                  </a:txBody>
+                  <a:tcPr anchor="ctr">
+                    <a:lnL w="12700" cap="flat" cmpd="sng" algn="ctr">
+                      <a:solidFill>
+                        <a:srgbClr val="40CE2D"/>
+                      </a:solidFill>
+                      <a:prstDash val="solid"/>
+                      <a:round/>
+                      <a:headEnd type="none" w="med" len="med"/>
+                      <a:tailEnd type="none" w="med" len="med"/>
+                    </a:lnL>
+                    <a:lnR w="12700" cap="flat" cmpd="sng" algn="ctr">
+                      <a:solidFill>
+                        <a:srgbClr val="A0CB2D"/>
+                      </a:solidFill>
+                      <a:prstDash val="solid"/>
+                      <a:round/>
+                      <a:headEnd type="none" w="med" len="med"/>
+                      <a:tailEnd type="none" w="med" len="med"/>
+                    </a:lnR>
+                    <a:lnT w="12700" cap="flat" cmpd="sng" algn="ctr">
+                      <a:solidFill>
+                        <a:srgbClr val="40CE2D"/>
+                      </a:solidFill>
+                      <a:prstDash val="solid"/>
+                      <a:round/>
+                      <a:headEnd type="none" w="med" len="med"/>
+                      <a:tailEnd type="none" w="med" len="med"/>
+                    </a:lnT>
+                    <a:lnB w="12700" cap="flat" cmpd="sng" algn="ctr">
+                      <a:solidFill>
+                        <a:srgbClr val="E0CD2D"/>
+                      </a:solidFill>
+                      <a:prstDash val="solid"/>
+                      <a:round/>
+                      <a:headEnd type="none" w="med" len="med"/>
+                      <a:tailEnd type="none" w="med" len="med"/>
+                    </a:lnB>
+                  </a:tcPr>
+                </a:tc>
+                <a:tc>
+                  <a:txBody>
+                    <a:bodyPr/>
+                    <a:lstStyle/>
+                    <a:p>
+                      <a:r>
+                        <a:rPr lang="en-IN">
+                          <a:effectLst/>
+                        </a:rPr>
+                        <a:t>Minutes</a:t>
+                      </a:r>
+                    </a:p>
+                  </a:txBody>
+                  <a:tcPr anchor="ctr">
+                    <a:lnL w="12700" cap="flat" cmpd="sng" algn="ctr">
+                      <a:solidFill>
+                        <a:srgbClr val="A0CB2D"/>
+                      </a:solidFill>
+                      <a:prstDash val="solid"/>
+                      <a:round/>
+                      <a:headEnd type="none" w="med" len="med"/>
+                      <a:tailEnd type="none" w="med" len="med"/>
+                    </a:lnL>
+                    <a:lnR w="12700" cap="flat" cmpd="sng" algn="ctr">
+                      <a:solidFill>
+                        <a:srgbClr val="A0CB2D"/>
+                      </a:solidFill>
+                      <a:prstDash val="solid"/>
+                      <a:round/>
+                      <a:headEnd type="none" w="med" len="med"/>
+                      <a:tailEnd type="none" w="med" len="med"/>
+                    </a:lnR>
+                    <a:lnT w="12700" cap="flat" cmpd="sng" algn="ctr">
+                      <a:solidFill>
+                        <a:srgbClr val="A0CB2D"/>
+                      </a:solidFill>
+                      <a:prstDash val="solid"/>
+                      <a:round/>
+                      <a:headEnd type="none" w="med" len="med"/>
+                      <a:tailEnd type="none" w="med" len="med"/>
+                    </a:lnT>
+                    <a:lnB w="12700" cap="flat" cmpd="sng" algn="ctr">
+                      <a:solidFill>
+                        <a:srgbClr val="A0CE2D"/>
+                      </a:solidFill>
+                      <a:prstDash val="solid"/>
+                      <a:round/>
+                      <a:headEnd type="none" w="med" len="med"/>
+                      <a:tailEnd type="none" w="med" len="med"/>
+                    </a:lnB>
+                  </a:tcPr>
+                </a:tc>
+                <a:extLst>
+                  <a:ext uri="{0D108BD9-81ED-4DB2-BD59-A6C34878D82A}">
+                    <a16:rowId xmlns:a16="http://schemas.microsoft.com/office/drawing/2014/main" val="3533137983"/>
+                  </a:ext>
+                </a:extLst>
+              </a:tr>
+              <a:tr h="0">
+                <a:tc>
+                  <a:txBody>
+                    <a:bodyPr/>
+                    <a:lstStyle/>
+                    <a:p>
+                      <a:r>
+                        <a:rPr lang="en-IN">
+                          <a:effectLst/>
+                        </a:rPr>
+                        <a:t>Language</a:t>
+                      </a:r>
+                    </a:p>
+                  </a:txBody>
+                  <a:tcPr anchor="ctr">
+                    <a:lnL w="12700" cap="flat" cmpd="sng" algn="ctr">
+                      <a:solidFill>
+                        <a:srgbClr val="00CC2D"/>
+                      </a:solidFill>
+                      <a:prstDash val="solid"/>
+                      <a:round/>
+                      <a:headEnd type="none" w="med" len="med"/>
+                      <a:tailEnd type="none" w="med" len="med"/>
+                    </a:lnL>
+                    <a:lnR w="12700" cap="flat" cmpd="sng" algn="ctr">
+                      <a:solidFill>
+                        <a:srgbClr val="C0CC2D"/>
+                      </a:solidFill>
+                      <a:prstDash val="solid"/>
+                      <a:round/>
+                      <a:headEnd type="none" w="med" len="med"/>
+                      <a:tailEnd type="none" w="med" len="med"/>
+                    </a:lnR>
+                    <a:lnT w="12700" cap="flat" cmpd="sng" algn="ctr">
+                      <a:solidFill>
+                        <a:srgbClr val="00CC2D"/>
+                      </a:solidFill>
+                      <a:prstDash val="solid"/>
+                      <a:round/>
+                      <a:headEnd type="none" w="med" len="med"/>
+                      <a:tailEnd type="none" w="med" len="med"/>
+                    </a:lnT>
+                    <a:lnB w="12700" cap="flat" cmpd="sng" algn="ctr">
+                      <a:solidFill>
+                        <a:srgbClr val="20CD2D"/>
+                      </a:solidFill>
+                      <a:prstDash val="solid"/>
+                      <a:round/>
+                      <a:headEnd type="none" w="med" len="med"/>
+                      <a:tailEnd type="none" w="med" len="med"/>
+                    </a:lnB>
+                  </a:tcPr>
+                </a:tc>
+                <a:tc>
+                  <a:txBody>
+                    <a:bodyPr/>
+                    <a:lstStyle/>
+                    <a:p>
+                      <a:r>
+                        <a:rPr lang="en-IN">
+                          <a:effectLst/>
+                        </a:rPr>
+                        <a:t>Same as Pulumi program</a:t>
+                      </a:r>
+                    </a:p>
+                  </a:txBody>
+                  <a:tcPr anchor="ctr">
+                    <a:lnL w="12700" cap="flat" cmpd="sng" algn="ctr">
+                      <a:solidFill>
+                        <a:srgbClr val="C0CC2D"/>
+                      </a:solidFill>
+                      <a:prstDash val="solid"/>
+                      <a:round/>
+                      <a:headEnd type="none" w="med" len="med"/>
+                      <a:tailEnd type="none" w="med" len="med"/>
+                    </a:lnL>
+                    <a:lnR w="12700" cap="flat" cmpd="sng" algn="ctr">
+                      <a:solidFill>
+                        <a:srgbClr val="E0CD2D"/>
+                      </a:solidFill>
+                      <a:prstDash val="solid"/>
+                      <a:round/>
+                      <a:headEnd type="none" w="med" len="med"/>
+                      <a:tailEnd type="none" w="med" len="med"/>
+                    </a:lnR>
+                    <a:lnT w="12700" cap="flat" cmpd="sng" algn="ctr">
+                      <a:solidFill>
+                        <a:srgbClr val="C0CC2D"/>
+                      </a:solidFill>
+                      <a:prstDash val="solid"/>
+                      <a:round/>
+                      <a:headEnd type="none" w="med" len="med"/>
+                      <a:tailEnd type="none" w="med" len="med"/>
+                    </a:lnT>
+                    <a:lnB w="12700" cap="flat" cmpd="sng" algn="ctr">
+                      <a:solidFill>
+                        <a:srgbClr val="20CD2D"/>
+                      </a:solidFill>
+                      <a:prstDash val="solid"/>
+                      <a:round/>
+                      <a:headEnd type="none" w="med" len="med"/>
+                      <a:tailEnd type="none" w="med" len="med"/>
+                    </a:lnB>
+                  </a:tcPr>
+                </a:tc>
+                <a:tc>
+                  <a:txBody>
+                    <a:bodyPr/>
+                    <a:lstStyle/>
+                    <a:p>
+                      <a:r>
+                        <a:rPr lang="en-IN">
+                          <a:effectLst/>
+                        </a:rPr>
+                        <a:t>Node.js or Python</a:t>
+                      </a:r>
+                    </a:p>
+                  </a:txBody>
+                  <a:tcPr anchor="ctr">
+                    <a:lnL w="12700" cap="flat" cmpd="sng" algn="ctr">
+                      <a:solidFill>
+                        <a:srgbClr val="E0CD2D"/>
+                      </a:solidFill>
+                      <a:prstDash val="solid"/>
+                      <a:round/>
+                      <a:headEnd type="none" w="med" len="med"/>
+                      <a:tailEnd type="none" w="med" len="med"/>
+                    </a:lnL>
+                    <a:lnR w="12700" cap="flat" cmpd="sng" algn="ctr">
+                      <a:solidFill>
+                        <a:srgbClr val="A0CE2D"/>
+                      </a:solidFill>
+                      <a:prstDash val="solid"/>
+                      <a:round/>
+                      <a:headEnd type="none" w="med" len="med"/>
+                      <a:tailEnd type="none" w="med" len="med"/>
+                    </a:lnR>
+                    <a:lnT w="12700" cap="flat" cmpd="sng" algn="ctr">
+                      <a:solidFill>
+                        <a:srgbClr val="E0CD2D"/>
+                      </a:solidFill>
+                      <a:prstDash val="solid"/>
+                      <a:round/>
+                      <a:headEnd type="none" w="med" len="med"/>
+                      <a:tailEnd type="none" w="med" len="med"/>
+                    </a:lnT>
+                    <a:lnB w="12700" cap="flat" cmpd="sng" algn="ctr">
+                      <a:solidFill>
+                        <a:srgbClr val="C0CC2D"/>
+                      </a:solidFill>
+                      <a:prstDash val="solid"/>
+                      <a:round/>
+                      <a:headEnd type="none" w="med" len="med"/>
+                      <a:tailEnd type="none" w="med" len="med"/>
+                    </a:lnB>
+                  </a:tcPr>
+                </a:tc>
+                <a:tc>
+                  <a:txBody>
+                    <a:bodyPr/>
+                    <a:lstStyle/>
+                    <a:p>
+                      <a:r>
+                        <a:rPr lang="en-IN">
+                          <a:effectLst/>
+                        </a:rPr>
+                        <a:t>Any language</a:t>
+                      </a:r>
+                    </a:p>
+                  </a:txBody>
+                  <a:tcPr anchor="ctr">
+                    <a:lnL w="12700" cap="flat" cmpd="sng" algn="ctr">
+                      <a:solidFill>
+                        <a:srgbClr val="A0CE2D"/>
+                      </a:solidFill>
+                      <a:prstDash val="solid"/>
+                      <a:round/>
+                      <a:headEnd type="none" w="med" len="med"/>
+                      <a:tailEnd type="none" w="med" len="med"/>
+                    </a:lnL>
+                    <a:lnR w="12700" cap="flat" cmpd="sng" algn="ctr">
+                      <a:solidFill>
+                        <a:srgbClr val="A0CE2D"/>
+                      </a:solidFill>
+                      <a:prstDash val="solid"/>
+                      <a:round/>
+                      <a:headEnd type="none" w="med" len="med"/>
+                      <a:tailEnd type="none" w="med" len="med"/>
+                    </a:lnR>
+                    <a:lnT w="12700" cap="flat" cmpd="sng" algn="ctr">
+                      <a:solidFill>
+                        <a:srgbClr val="A0CE2D"/>
+                      </a:solidFill>
+                      <a:prstDash val="solid"/>
+                      <a:round/>
+                      <a:headEnd type="none" w="med" len="med"/>
+                      <a:tailEnd type="none" w="med" len="med"/>
+                    </a:lnT>
+                    <a:lnB w="12700" cap="flat" cmpd="sng" algn="ctr">
+                      <a:solidFill>
+                        <a:srgbClr val="60CC2D"/>
+                      </a:solidFill>
+                      <a:prstDash val="solid"/>
+                      <a:round/>
+                      <a:headEnd type="none" w="med" len="med"/>
+                      <a:tailEnd type="none" w="med" len="med"/>
+                    </a:lnB>
+                  </a:tcPr>
+                </a:tc>
+                <a:extLst>
+                  <a:ext uri="{0D108BD9-81ED-4DB2-BD59-A6C34878D82A}">
+                    <a16:rowId xmlns:a16="http://schemas.microsoft.com/office/drawing/2014/main" val="1193574223"/>
+                  </a:ext>
+                </a:extLst>
+              </a:tr>
+              <a:tr h="0">
+                <a:tc>
+                  <a:txBody>
+                    <a:bodyPr/>
+                    <a:lstStyle/>
+                    <a:p>
+                      <a:r>
+                        <a:rPr lang="en-IN">
+                          <a:effectLst/>
+                        </a:rPr>
+                        <a:t>Validation target</a:t>
+                      </a:r>
+                    </a:p>
+                  </a:txBody>
+                  <a:tcPr anchor="ctr">
+                    <a:lnL w="12700" cap="flat" cmpd="sng" algn="ctr">
+                      <a:solidFill>
+                        <a:srgbClr val="20CD2D"/>
+                      </a:solidFill>
+                      <a:prstDash val="solid"/>
+                      <a:round/>
+                      <a:headEnd type="none" w="med" len="med"/>
+                      <a:tailEnd type="none" w="med" len="med"/>
+                    </a:lnL>
+                    <a:lnR w="12700" cap="flat" cmpd="sng" algn="ctr">
+                      <a:solidFill>
+                        <a:srgbClr val="20CD2D"/>
+                      </a:solidFill>
+                      <a:prstDash val="solid"/>
+                      <a:round/>
+                      <a:headEnd type="none" w="med" len="med"/>
+                      <a:tailEnd type="none" w="med" len="med"/>
+                    </a:lnR>
+                    <a:lnT w="12700" cap="flat" cmpd="sng" algn="ctr">
+                      <a:solidFill>
+                        <a:srgbClr val="20CD2D"/>
+                      </a:solidFill>
+                      <a:prstDash val="solid"/>
+                      <a:round/>
+                      <a:headEnd type="none" w="med" len="med"/>
+                      <a:tailEnd type="none" w="med" len="med"/>
+                    </a:lnT>
+                    <a:lnB w="12700" cap="flat" cmpd="sng" algn="ctr">
+                      <a:solidFill>
+                        <a:srgbClr val="20CD2D"/>
+                      </a:solidFill>
+                      <a:prstDash val="solid"/>
+                      <a:round/>
+                      <a:headEnd type="none" w="med" len="med"/>
+                      <a:tailEnd type="none" w="med" len="med"/>
+                    </a:lnB>
+                  </a:tcPr>
+                </a:tc>
+                <a:tc>
+                  <a:txBody>
+                    <a:bodyPr/>
+                    <a:lstStyle/>
+                    <a:p>
+                      <a:r>
+                        <a:rPr lang="en-IN">
+                          <a:effectLst/>
+                        </a:rPr>
+                        <a:t>Resource inputs</a:t>
+                      </a:r>
+                    </a:p>
+                  </a:txBody>
+                  <a:tcPr anchor="ctr">
+                    <a:lnL w="12700" cap="flat" cmpd="sng" algn="ctr">
+                      <a:solidFill>
+                        <a:srgbClr val="20CD2D"/>
+                      </a:solidFill>
+                      <a:prstDash val="solid"/>
+                      <a:round/>
+                      <a:headEnd type="none" w="med" len="med"/>
+                      <a:tailEnd type="none" w="med" len="med"/>
+                    </a:lnL>
+                    <a:lnR w="12700" cap="flat" cmpd="sng" algn="ctr">
+                      <a:solidFill>
+                        <a:srgbClr val="C0CC2D"/>
+                      </a:solidFill>
+                      <a:prstDash val="solid"/>
+                      <a:round/>
+                      <a:headEnd type="none" w="med" len="med"/>
+                      <a:tailEnd type="none" w="med" len="med"/>
+                    </a:lnR>
+                    <a:lnT w="12700" cap="flat" cmpd="sng" algn="ctr">
+                      <a:solidFill>
+                        <a:srgbClr val="20CD2D"/>
+                      </a:solidFill>
+                      <a:prstDash val="solid"/>
+                      <a:round/>
+                      <a:headEnd type="none" w="med" len="med"/>
+                      <a:tailEnd type="none" w="med" len="med"/>
+                    </a:lnT>
+                    <a:lnB w="12700" cap="flat" cmpd="sng" algn="ctr">
+                      <a:solidFill>
+                        <a:srgbClr val="20CD2D"/>
+                      </a:solidFill>
+                      <a:prstDash val="solid"/>
+                      <a:round/>
+                      <a:headEnd type="none" w="med" len="med"/>
+                      <a:tailEnd type="none" w="med" len="med"/>
+                    </a:lnB>
+                  </a:tcPr>
+                </a:tc>
+                <a:tc>
+                  <a:txBody>
+                    <a:bodyPr/>
+                    <a:lstStyle/>
+                    <a:p>
+                      <a:r>
+                        <a:rPr lang="en-IN">
+                          <a:effectLst/>
+                        </a:rPr>
+                        <a:t>Resource inputs and outputs</a:t>
+                      </a:r>
+                    </a:p>
+                  </a:txBody>
+                  <a:tcPr anchor="ctr">
+                    <a:lnL w="12700" cap="flat" cmpd="sng" algn="ctr">
+                      <a:solidFill>
+                        <a:srgbClr val="C0CC2D"/>
+                      </a:solidFill>
+                      <a:prstDash val="solid"/>
+                      <a:round/>
+                      <a:headEnd type="none" w="med" len="med"/>
+                      <a:tailEnd type="none" w="med" len="med"/>
+                    </a:lnL>
+                    <a:lnR w="12700" cap="flat" cmpd="sng" algn="ctr">
+                      <a:solidFill>
+                        <a:srgbClr val="60CC2D"/>
+                      </a:solidFill>
+                      <a:prstDash val="solid"/>
+                      <a:round/>
+                      <a:headEnd type="none" w="med" len="med"/>
+                      <a:tailEnd type="none" w="med" len="med"/>
+                    </a:lnR>
+                    <a:lnT w="12700" cap="flat" cmpd="sng" algn="ctr">
+                      <a:solidFill>
+                        <a:srgbClr val="C0CC2D"/>
+                      </a:solidFill>
+                      <a:prstDash val="solid"/>
+                      <a:round/>
+                      <a:headEnd type="none" w="med" len="med"/>
+                      <a:tailEnd type="none" w="med" len="med"/>
+                    </a:lnT>
+                    <a:lnB w="12700" cap="flat" cmpd="sng" algn="ctr">
+                      <a:solidFill>
+                        <a:srgbClr val="C0CC2D"/>
+                      </a:solidFill>
+                      <a:prstDash val="solid"/>
+                      <a:round/>
+                      <a:headEnd type="none" w="med" len="med"/>
+                      <a:tailEnd type="none" w="med" len="med"/>
+                    </a:lnB>
+                  </a:tcPr>
+                </a:tc>
+                <a:tc>
+                  <a:txBody>
+                    <a:bodyPr/>
+                    <a:lstStyle/>
+                    <a:p>
+                      <a:r>
+                        <a:rPr lang="en-IN" dirty="0">
+                          <a:effectLst/>
+                        </a:rPr>
+                        <a:t>External endpoints</a:t>
+                      </a:r>
+                    </a:p>
+                  </a:txBody>
+                  <a:tcPr anchor="ctr">
+                    <a:lnL w="12700" cap="flat" cmpd="sng" algn="ctr">
+                      <a:solidFill>
+                        <a:srgbClr val="60CC2D"/>
+                      </a:solidFill>
+                      <a:prstDash val="solid"/>
+                      <a:round/>
+                      <a:headEnd type="none" w="med" len="med"/>
+                      <a:tailEnd type="none" w="med" len="med"/>
+                    </a:lnL>
+                    <a:lnR w="12700" cap="flat" cmpd="sng" algn="ctr">
+                      <a:solidFill>
+                        <a:srgbClr val="60CC2D"/>
+                      </a:solidFill>
+                      <a:prstDash val="solid"/>
+                      <a:round/>
+                      <a:headEnd type="none" w="med" len="med"/>
+                      <a:tailEnd type="none" w="med" len="med"/>
+                    </a:lnR>
+                    <a:lnT w="12700" cap="flat" cmpd="sng" algn="ctr">
+                      <a:solidFill>
+                        <a:srgbClr val="60CC2D"/>
+                      </a:solidFill>
+                      <a:prstDash val="solid"/>
+                      <a:round/>
+                      <a:headEnd type="none" w="med" len="med"/>
+                      <a:tailEnd type="none" w="med" len="med"/>
+                    </a:lnT>
+                    <a:lnB w="12700" cap="flat" cmpd="sng" algn="ctr">
+                      <a:solidFill>
+                        <a:srgbClr val="60CC2D"/>
+                      </a:solidFill>
+                      <a:prstDash val="solid"/>
+                      <a:round/>
+                      <a:headEnd type="none" w="med" len="med"/>
+                      <a:tailEnd type="none" w="med" len="med"/>
+                    </a:lnB>
+                  </a:tcPr>
+                </a:tc>
+                <a:extLst>
+                  <a:ext uri="{0D108BD9-81ED-4DB2-BD59-A6C34878D82A}">
+                    <a16:rowId xmlns:a16="http://schemas.microsoft.com/office/drawing/2014/main" val="2595290197"/>
+                  </a:ext>
+                </a:extLst>
+              </a:tr>
+            </a:tbl>
+          </a:graphicData>
+        </a:graphic>
+      </p:graphicFrame>
+      <p:sp>
+        <p:nvSpPr>
+          <p:cNvPr id="7" name="TextBox 6">
+            <a:extLst>
+              <a:ext uri="{FF2B5EF4-FFF2-40B4-BE49-F238E27FC236}">
+                <a16:creationId xmlns:a16="http://schemas.microsoft.com/office/drawing/2014/main" id="{C2735102-CD0C-CFDB-269C-2AB57214F78B}"/>
+              </a:ext>
+            </a:extLst>
+          </p:cNvPr>
+          <p:cNvSpPr txBox="1"/>
+          <p:nvPr/>
         </p:nvSpPr>
-        <p:spPr/>
+        <p:spPr>
+          <a:xfrm>
+            <a:off x="532647" y="1730440"/>
+            <a:ext cx="11297991" cy="1631216"/>
+          </a:xfrm>
+          <a:prstGeom prst="rect">
+            <a:avLst/>
+          </a:prstGeom>
+          <a:noFill/>
+        </p:spPr>
         <p:txBody>
-          <a:bodyPr/>
+          <a:bodyPr wrap="square">
+            <a:spAutoFit/>
+          </a:bodyPr>
           <a:lstStyle/>
           <a:p>
-            <a:r>
-              <a:rPr lang="en-IN" dirty="0"/>
-              <a:t>Unit Testing</a:t>
-            </a:r>
-          </a:p>
-          <a:p>
-            <a:r>
-              <a:rPr lang="en-IN" dirty="0"/>
-              <a:t>Property Testing</a:t>
-            </a:r>
-          </a:p>
-          <a:p>
-            <a:r>
-              <a:rPr lang="en-IN" dirty="0"/>
-              <a:t>Integration Testing</a:t>
+            <a:pPr marL="0" marR="0" lvl="0" indent="0" algn="l" defTabSz="914400" rtl="0" eaLnBrk="0" fontAlgn="base" latinLnBrk="0" hangingPunct="0">
+              <a:lnSpc>
+                <a:spcPct val="100000"/>
+              </a:lnSpc>
+              <a:spcBef>
+                <a:spcPct val="0"/>
+              </a:spcBef>
+              <a:spcAft>
+                <a:spcPct val="0"/>
+              </a:spcAft>
+              <a:buClrTx/>
+              <a:buSzTx/>
+              <a:buFontTx/>
+              <a:buNone/>
+              <a:tabLst/>
+            </a:pPr>
+            <a:r>
+              <a:rPr lang="en-US" altLang="en-US" sz="2000" dirty="0"/>
+              <a:t>Similarly, </a:t>
+            </a:r>
+            <a:r>
+              <a:rPr lang="en-US" altLang="en-US" sz="2000" dirty="0" err="1"/>
+              <a:t>Pulumi</a:t>
+            </a:r>
+            <a:r>
+              <a:rPr lang="en-US" altLang="en-US" sz="2000" dirty="0"/>
+              <a:t> provides multiple testing styles for cloud programs:</a:t>
+            </a:r>
+          </a:p>
+          <a:p>
+            <a:pPr marL="0" marR="0" lvl="0" indent="0" algn="l" defTabSz="914400" rtl="0" eaLnBrk="0" fontAlgn="base" latinLnBrk="0" hangingPunct="0">
+              <a:lnSpc>
+                <a:spcPct val="100000"/>
+              </a:lnSpc>
+              <a:spcBef>
+                <a:spcPct val="0"/>
+              </a:spcBef>
+              <a:spcAft>
+                <a:spcPct val="0"/>
+              </a:spcAft>
+              <a:buClrTx/>
+              <a:buSzTx/>
+              <a:buFontTx/>
+              <a:buChar char="•"/>
+              <a:tabLst/>
+            </a:pPr>
+            <a:r>
+              <a:rPr lang="en-US" altLang="en-US" sz="2000" b="1" dirty="0"/>
+              <a:t>Unit Tests </a:t>
+            </a:r>
+            <a:r>
+              <a:rPr lang="en-US" altLang="en-US" sz="2000" dirty="0"/>
+              <a:t>are fast in-memory tests that mock all external calls.</a:t>
+            </a:r>
+          </a:p>
+          <a:p>
+            <a:pPr marL="0" marR="0" lvl="0" indent="0" algn="l" defTabSz="914400" rtl="0" eaLnBrk="0" fontAlgn="base" latinLnBrk="0" hangingPunct="0">
+              <a:lnSpc>
+                <a:spcPct val="100000"/>
+              </a:lnSpc>
+              <a:spcBef>
+                <a:spcPct val="0"/>
+              </a:spcBef>
+              <a:spcAft>
+                <a:spcPct val="0"/>
+              </a:spcAft>
+              <a:buClrTx/>
+              <a:buSzTx/>
+              <a:buFontTx/>
+              <a:buChar char="•"/>
+              <a:tabLst/>
+            </a:pPr>
+            <a:r>
+              <a:rPr lang="en-US" altLang="en-US" sz="2000" b="1" dirty="0"/>
+              <a:t>Property Tests </a:t>
+            </a:r>
+            <a:r>
+              <a:rPr lang="en-US" altLang="en-US" sz="2000" dirty="0"/>
+              <a:t>run resource-level assertions while infrastructure is being deployed.</a:t>
+            </a:r>
+          </a:p>
+          <a:p>
+            <a:pPr marL="0" marR="0" lvl="0" indent="0" algn="l" defTabSz="914400" rtl="0" eaLnBrk="0" fontAlgn="base" latinLnBrk="0" hangingPunct="0">
+              <a:lnSpc>
+                <a:spcPct val="100000"/>
+              </a:lnSpc>
+              <a:spcBef>
+                <a:spcPct val="0"/>
+              </a:spcBef>
+              <a:spcAft>
+                <a:spcPct val="0"/>
+              </a:spcAft>
+              <a:buClrTx/>
+              <a:buSzTx/>
+              <a:buFontTx/>
+              <a:buChar char="•"/>
+              <a:tabLst/>
+            </a:pPr>
+            <a:r>
+              <a:rPr lang="en-US" altLang="en-US" sz="2000" b="1" dirty="0"/>
+              <a:t>Integration Tests </a:t>
+            </a:r>
+            <a:r>
+              <a:rPr lang="en-US" altLang="en-US" sz="2000" dirty="0"/>
+              <a:t>deploy ephemeral infrastructure and run external tests against it.</a:t>
+            </a:r>
+          </a:p>
+          <a:p>
+            <a:pPr marL="0" marR="0" lvl="0" indent="0" algn="l" defTabSz="914400" rtl="0" eaLnBrk="0" fontAlgn="base" latinLnBrk="0" hangingPunct="0">
+              <a:lnSpc>
+                <a:spcPct val="100000"/>
+              </a:lnSpc>
+              <a:spcBef>
+                <a:spcPct val="0"/>
+              </a:spcBef>
+              <a:spcAft>
+                <a:spcPct val="0"/>
+              </a:spcAft>
+              <a:buClrTx/>
+              <a:buSzTx/>
+              <a:buFontTx/>
+              <a:buNone/>
+              <a:tabLst/>
+            </a:pPr>
+            <a:r>
+              <a:rPr lang="en-US" altLang="en-US" sz="2000" dirty="0"/>
+              <a:t>The following table summarizes the differences between the three approaches:</a:t>
             </a:r>
           </a:p>
         </p:txBody>
@@ -10922,6 +12407,116 @@
     <p:extLst>
       <p:ext uri="{BB962C8B-B14F-4D97-AF65-F5344CB8AC3E}">
         <p14:creationId xmlns:p14="http://schemas.microsoft.com/office/powerpoint/2010/main" val="3604972052"/>
+      </p:ext>
+    </p:extLst>
+  </p:cSld>
+  <p:clrMapOvr>
+    <a:masterClrMapping/>
+  </p:clrMapOvr>
+</p:sld>
+</file>
+
+<file path=ppt/slides/slide33.xml><?xml version="1.0" encoding="utf-8"?>
+<p:sld xmlns:a="http://schemas.openxmlformats.org/drawingml/2006/main" xmlns:r="http://schemas.openxmlformats.org/officeDocument/2006/relationships" xmlns:p="http://schemas.openxmlformats.org/presentationml/2006/main">
+  <p:cSld>
+    <p:spTree>
+      <p:nvGrpSpPr>
+        <p:cNvPr id="1" name=""/>
+        <p:cNvGrpSpPr/>
+        <p:nvPr/>
+      </p:nvGrpSpPr>
+      <p:grpSpPr>
+        <a:xfrm>
+          <a:off x="0" y="0"/>
+          <a:ext cx="0" cy="0"/>
+          <a:chOff x="0" y="0"/>
+          <a:chExt cx="0" cy="0"/>
+        </a:xfrm>
+      </p:grpSpPr>
+      <p:sp>
+        <p:nvSpPr>
+          <p:cNvPr id="2" name="Title 1">
+            <a:extLst>
+              <a:ext uri="{FF2B5EF4-FFF2-40B4-BE49-F238E27FC236}">
+                <a16:creationId xmlns:a16="http://schemas.microsoft.com/office/drawing/2014/main" id="{58FD577B-FA4B-5D90-73F1-710E398A0964}"/>
+              </a:ext>
+            </a:extLst>
+          </p:cNvPr>
+          <p:cNvSpPr>
+            <a:spLocks noGrp="1"/>
+          </p:cNvSpPr>
+          <p:nvPr>
+            <p:ph type="title"/>
+          </p:nvPr>
+        </p:nvSpPr>
+        <p:spPr/>
+        <p:txBody>
+          <a:bodyPr/>
+          <a:lstStyle/>
+          <a:p>
+            <a:endParaRPr lang="en-IN"/>
+          </a:p>
+        </p:txBody>
+      </p:sp>
+      <p:sp>
+        <p:nvSpPr>
+          <p:cNvPr id="3" name="Content Placeholder 2">
+            <a:extLst>
+              <a:ext uri="{FF2B5EF4-FFF2-40B4-BE49-F238E27FC236}">
+                <a16:creationId xmlns:a16="http://schemas.microsoft.com/office/drawing/2014/main" id="{A7DE54ED-2400-C20E-A9DA-B3134A0D6D94}"/>
+              </a:ext>
+            </a:extLst>
+          </p:cNvPr>
+          <p:cNvSpPr>
+            <a:spLocks noGrp="1"/>
+          </p:cNvSpPr>
+          <p:nvPr>
+            <p:ph idx="1"/>
+          </p:nvPr>
+        </p:nvSpPr>
+        <p:spPr/>
+        <p:txBody>
+          <a:bodyPr/>
+          <a:lstStyle/>
+          <a:p>
+            <a:endParaRPr lang="en-IN"/>
+          </a:p>
+        </p:txBody>
+      </p:sp>
+      <p:pic>
+        <p:nvPicPr>
+          <p:cNvPr id="5" name="Picture 4">
+            <a:extLst>
+              <a:ext uri="{FF2B5EF4-FFF2-40B4-BE49-F238E27FC236}">
+                <a16:creationId xmlns:a16="http://schemas.microsoft.com/office/drawing/2014/main" id="{DF84D67D-EA76-88FF-858D-7CD0A18516D4}"/>
+              </a:ext>
+            </a:extLst>
+          </p:cNvPr>
+          <p:cNvPicPr>
+            <a:picLocks noChangeAspect="1"/>
+          </p:cNvPicPr>
+          <p:nvPr/>
+        </p:nvPicPr>
+        <p:blipFill>
+          <a:blip r:embed="rId2"/>
+          <a:stretch>
+            <a:fillRect/>
+          </a:stretch>
+        </p:blipFill>
+        <p:spPr>
+          <a:xfrm>
+            <a:off x="3018995" y="1218891"/>
+            <a:ext cx="6154009" cy="4420217"/>
+          </a:xfrm>
+          <a:prstGeom prst="rect">
+            <a:avLst/>
+          </a:prstGeom>
+        </p:spPr>
+      </p:pic>
+    </p:spTree>
+    <p:extLst>
+      <p:ext uri="{BB962C8B-B14F-4D97-AF65-F5344CB8AC3E}">
+        <p14:creationId xmlns:p14="http://schemas.microsoft.com/office/powerpoint/2010/main" val="791296467"/>
       </p:ext>
     </p:extLst>
   </p:cSld>

--- a/docs/IaC_Devopedia_Sep_2022.pptx
+++ b/docs/IaC_Devopedia_Sep_2022.pptx
@@ -21,23 +21,24 @@
     <p:sldId id="258" r:id="rId15"/>
     <p:sldId id="277" r:id="rId16"/>
     <p:sldId id="259" r:id="rId17"/>
-    <p:sldId id="278" r:id="rId18"/>
-    <p:sldId id="279" r:id="rId19"/>
-    <p:sldId id="264" r:id="rId20"/>
-    <p:sldId id="280" r:id="rId21"/>
-    <p:sldId id="281" r:id="rId22"/>
-    <p:sldId id="282" r:id="rId23"/>
-    <p:sldId id="283" r:id="rId24"/>
-    <p:sldId id="284" r:id="rId25"/>
-    <p:sldId id="285" r:id="rId26"/>
-    <p:sldId id="286" r:id="rId27"/>
-    <p:sldId id="274" r:id="rId28"/>
-    <p:sldId id="265" r:id="rId29"/>
-    <p:sldId id="273" r:id="rId30"/>
-    <p:sldId id="276" r:id="rId31"/>
-    <p:sldId id="287" r:id="rId32"/>
-    <p:sldId id="288" r:id="rId33"/>
-    <p:sldId id="289" r:id="rId34"/>
+    <p:sldId id="290" r:id="rId18"/>
+    <p:sldId id="278" r:id="rId19"/>
+    <p:sldId id="279" r:id="rId20"/>
+    <p:sldId id="264" r:id="rId21"/>
+    <p:sldId id="280" r:id="rId22"/>
+    <p:sldId id="281" r:id="rId23"/>
+    <p:sldId id="282" r:id="rId24"/>
+    <p:sldId id="283" r:id="rId25"/>
+    <p:sldId id="284" r:id="rId26"/>
+    <p:sldId id="285" r:id="rId27"/>
+    <p:sldId id="286" r:id="rId28"/>
+    <p:sldId id="274" r:id="rId29"/>
+    <p:sldId id="265" r:id="rId30"/>
+    <p:sldId id="273" r:id="rId31"/>
+    <p:sldId id="276" r:id="rId32"/>
+    <p:sldId id="287" r:id="rId33"/>
+    <p:sldId id="288" r:id="rId34"/>
+    <p:sldId id="289" r:id="rId35"/>
   </p:sldIdLst>
   <p:sldSz cx="12192000" cy="6858000"/>
   <p:notesSz cx="6858000" cy="9144000"/>
@@ -3501,7 +3502,7 @@
           <a:p>
             <a:fld id="{4567C160-2C30-4694-9FA0-F603C7AEC858}" type="datetimeFigureOut">
               <a:rPr lang="en-IN" smtClean="0"/>
-              <a:t>22-08-2022</a:t>
+              <a:t>23-08-2022</a:t>
             </a:fld>
             <a:endParaRPr lang="en-IN"/>
           </a:p>
@@ -3680,7 +3681,7 @@
           <a:p>
             <a:fld id="{4567C160-2C30-4694-9FA0-F603C7AEC858}" type="datetimeFigureOut">
               <a:rPr lang="en-IN" smtClean="0"/>
-              <a:t>22-08-2022</a:t>
+              <a:t>23-08-2022</a:t>
             </a:fld>
             <a:endParaRPr lang="en-IN"/>
           </a:p>
@@ -3860,7 +3861,7 @@
           <a:p>
             <a:fld id="{4567C160-2C30-4694-9FA0-F603C7AEC858}" type="datetimeFigureOut">
               <a:rPr lang="en-IN" smtClean="0"/>
-              <a:t>22-08-2022</a:t>
+              <a:t>23-08-2022</a:t>
             </a:fld>
             <a:endParaRPr lang="en-IN"/>
           </a:p>
@@ -4030,7 +4031,7 @@
           <a:p>
             <a:fld id="{4567C160-2C30-4694-9FA0-F603C7AEC858}" type="datetimeFigureOut">
               <a:rPr lang="en-IN" smtClean="0"/>
-              <a:t>22-08-2022</a:t>
+              <a:t>23-08-2022</a:t>
             </a:fld>
             <a:endParaRPr lang="en-IN"/>
           </a:p>
@@ -4343,7 +4344,7 @@
           <a:p>
             <a:fld id="{4567C160-2C30-4694-9FA0-F603C7AEC858}" type="datetimeFigureOut">
               <a:rPr lang="en-IN" smtClean="0"/>
-              <a:t>22-08-2022</a:t>
+              <a:t>23-08-2022</a:t>
             </a:fld>
             <a:endParaRPr lang="en-IN"/>
           </a:p>
@@ -4729,7 +4730,7 @@
           <a:p>
             <a:fld id="{4567C160-2C30-4694-9FA0-F603C7AEC858}" type="datetimeFigureOut">
               <a:rPr lang="en-IN" smtClean="0"/>
-              <a:t>22-08-2022</a:t>
+              <a:t>23-08-2022</a:t>
             </a:fld>
             <a:endParaRPr lang="en-IN"/>
           </a:p>
@@ -5163,7 +5164,7 @@
           <a:p>
             <a:fld id="{4567C160-2C30-4694-9FA0-F603C7AEC858}" type="datetimeFigureOut">
               <a:rPr lang="en-IN" smtClean="0"/>
-              <a:t>22-08-2022</a:t>
+              <a:t>23-08-2022</a:t>
             </a:fld>
             <a:endParaRPr lang="en-IN"/>
           </a:p>
@@ -5281,7 +5282,7 @@
           <a:p>
             <a:fld id="{4567C160-2C30-4694-9FA0-F603C7AEC858}" type="datetimeFigureOut">
               <a:rPr lang="en-IN" smtClean="0"/>
-              <a:t>22-08-2022</a:t>
+              <a:t>23-08-2022</a:t>
             </a:fld>
             <a:endParaRPr lang="en-IN"/>
           </a:p>
@@ -5376,7 +5377,7 @@
           <a:p>
             <a:fld id="{4567C160-2C30-4694-9FA0-F603C7AEC858}" type="datetimeFigureOut">
               <a:rPr lang="en-IN" smtClean="0"/>
-              <a:t>22-08-2022</a:t>
+              <a:t>23-08-2022</a:t>
             </a:fld>
             <a:endParaRPr lang="en-IN"/>
           </a:p>
@@ -5726,7 +5727,7 @@
           <a:p>
             <a:fld id="{4567C160-2C30-4694-9FA0-F603C7AEC858}" type="datetimeFigureOut">
               <a:rPr lang="en-IN" smtClean="0"/>
-              <a:t>22-08-2022</a:t>
+              <a:t>23-08-2022</a:t>
             </a:fld>
             <a:endParaRPr lang="en-IN"/>
           </a:p>
@@ -6151,7 +6152,7 @@
           <a:p>
             <a:fld id="{4567C160-2C30-4694-9FA0-F603C7AEC858}" type="datetimeFigureOut">
               <a:rPr lang="en-IN" smtClean="0"/>
-              <a:t>22-08-2022</a:t>
+              <a:t>23-08-2022</a:t>
             </a:fld>
             <a:endParaRPr lang="en-IN"/>
           </a:p>
@@ -6432,7 +6433,7 @@
           <a:p>
             <a:fld id="{4567C160-2C30-4694-9FA0-F603C7AEC858}" type="datetimeFigureOut">
               <a:rPr lang="en-IN" smtClean="0"/>
-              <a:t>22-08-2022</a:t>
+              <a:t>23-08-2022</a:t>
             </a:fld>
             <a:endParaRPr lang="en-IN"/>
           </a:p>
@@ -8027,6 +8028,89 @@
           <p:cNvPr id="2" name="Title 1">
             <a:extLst>
               <a:ext uri="{FF2B5EF4-FFF2-40B4-BE49-F238E27FC236}">
+                <a16:creationId xmlns:a16="http://schemas.microsoft.com/office/drawing/2014/main" id="{3C15F48A-3FC3-DB44-4132-CB814AA9E715}"/>
+              </a:ext>
+            </a:extLst>
+          </p:cNvPr>
+          <p:cNvSpPr>
+            <a:spLocks noGrp="1"/>
+          </p:cNvSpPr>
+          <p:nvPr>
+            <p:ph type="title"/>
+          </p:nvPr>
+        </p:nvSpPr>
+        <p:spPr/>
+        <p:txBody>
+          <a:bodyPr/>
+          <a:lstStyle/>
+          <a:p>
+            <a:r>
+              <a:rPr lang="en-IN"/>
+              <a:t>PULUMI Service</a:t>
+            </a:r>
+          </a:p>
+        </p:txBody>
+      </p:sp>
+      <p:sp>
+        <p:nvSpPr>
+          <p:cNvPr id="3" name="Content Placeholder 2">
+            <a:extLst>
+              <a:ext uri="{FF2B5EF4-FFF2-40B4-BE49-F238E27FC236}">
+                <a16:creationId xmlns:a16="http://schemas.microsoft.com/office/drawing/2014/main" id="{1B644C8D-F207-DAEC-8627-31A4BAE46EDB}"/>
+              </a:ext>
+            </a:extLst>
+          </p:cNvPr>
+          <p:cNvSpPr>
+            <a:spLocks noGrp="1"/>
+          </p:cNvSpPr>
+          <p:nvPr>
+            <p:ph idx="1"/>
+          </p:nvPr>
+        </p:nvSpPr>
+        <p:spPr/>
+        <p:txBody>
+          <a:bodyPr/>
+          <a:lstStyle/>
+          <a:p>
+            <a:endParaRPr lang="en-IN"/>
+          </a:p>
+        </p:txBody>
+      </p:sp>
+    </p:spTree>
+    <p:extLst>
+      <p:ext uri="{BB962C8B-B14F-4D97-AF65-F5344CB8AC3E}">
+        <p14:creationId xmlns:p14="http://schemas.microsoft.com/office/powerpoint/2010/main" val="3274906734"/>
+      </p:ext>
+    </p:extLst>
+  </p:cSld>
+  <p:clrMapOvr>
+    <a:masterClrMapping/>
+  </p:clrMapOvr>
+</p:sld>
+</file>
+
+<file path=ppt/slides/slide18.xml><?xml version="1.0" encoding="utf-8"?>
+<p:sld xmlns:a="http://schemas.openxmlformats.org/drawingml/2006/main" xmlns:r="http://schemas.openxmlformats.org/officeDocument/2006/relationships" xmlns:p="http://schemas.openxmlformats.org/presentationml/2006/main">
+  <p:cSld>
+    <p:spTree>
+      <p:nvGrpSpPr>
+        <p:cNvPr id="1" name=""/>
+        <p:cNvGrpSpPr/>
+        <p:nvPr/>
+      </p:nvGrpSpPr>
+      <p:grpSpPr>
+        <a:xfrm>
+          <a:off x="0" y="0"/>
+          <a:ext cx="0" cy="0"/>
+          <a:chOff x="0" y="0"/>
+          <a:chExt cx="0" cy="0"/>
+        </a:xfrm>
+      </p:grpSpPr>
+      <p:sp>
+        <p:nvSpPr>
+          <p:cNvPr id="2" name="Title 1">
+            <a:extLst>
+              <a:ext uri="{FF2B5EF4-FFF2-40B4-BE49-F238E27FC236}">
                 <a16:creationId xmlns:a16="http://schemas.microsoft.com/office/drawing/2014/main" id="{02038554-5EAA-3386-E183-0C532D406A0D}"/>
               </a:ext>
             </a:extLst>
@@ -8132,7 +8216,7 @@
 </p:sld>
 </file>
 
-<file path=ppt/slides/slide18.xml><?xml version="1.0" encoding="utf-8"?>
+<file path=ppt/slides/slide19.xml><?xml version="1.0" encoding="utf-8"?>
 <p:sld xmlns:a="http://schemas.openxmlformats.org/drawingml/2006/main" xmlns:r="http://schemas.openxmlformats.org/officeDocument/2006/relationships" xmlns:p="http://schemas.openxmlformats.org/presentationml/2006/main">
   <p:cSld>
     <p:spTree>
@@ -8605,308 +8689,6 @@
 </p:sld>
 </file>
 
-<file path=ppt/slides/slide19.xml><?xml version="1.0" encoding="utf-8"?>
-<p:sld xmlns:a="http://schemas.openxmlformats.org/drawingml/2006/main" xmlns:r="http://schemas.openxmlformats.org/officeDocument/2006/relationships" xmlns:p="http://schemas.openxmlformats.org/presentationml/2006/main">
-  <p:cSld>
-    <p:spTree>
-      <p:nvGrpSpPr>
-        <p:cNvPr id="1" name=""/>
-        <p:cNvGrpSpPr/>
-        <p:nvPr/>
-      </p:nvGrpSpPr>
-      <p:grpSpPr>
-        <a:xfrm>
-          <a:off x="0" y="0"/>
-          <a:ext cx="0" cy="0"/>
-          <a:chOff x="0" y="0"/>
-          <a:chExt cx="0" cy="0"/>
-        </a:xfrm>
-      </p:grpSpPr>
-      <p:sp>
-        <p:nvSpPr>
-          <p:cNvPr id="2" name="Title 1">
-            <a:extLst>
-              <a:ext uri="{FF2B5EF4-FFF2-40B4-BE49-F238E27FC236}">
-                <a16:creationId xmlns:a16="http://schemas.microsoft.com/office/drawing/2014/main" id="{56019E09-BC41-ADDC-4276-954085E88F1F}"/>
-              </a:ext>
-            </a:extLst>
-          </p:cNvPr>
-          <p:cNvSpPr>
-            <a:spLocks noGrp="1"/>
-          </p:cNvSpPr>
-          <p:nvPr>
-            <p:ph type="title"/>
-          </p:nvPr>
-        </p:nvSpPr>
-        <p:spPr/>
-        <p:txBody>
-          <a:bodyPr>
-            <a:normAutofit/>
-          </a:bodyPr>
-          <a:lstStyle/>
-          <a:p>
-            <a:r>
-              <a:rPr lang="en-IN" dirty="0"/>
-              <a:t>State and Backends</a:t>
-            </a:r>
-          </a:p>
-        </p:txBody>
-      </p:sp>
-      <p:sp>
-        <p:nvSpPr>
-          <p:cNvPr id="3" name="Content Placeholder 2">
-            <a:extLst>
-              <a:ext uri="{FF2B5EF4-FFF2-40B4-BE49-F238E27FC236}">
-                <a16:creationId xmlns:a16="http://schemas.microsoft.com/office/drawing/2014/main" id="{BC154606-A147-E571-92FD-395ED9BD77F2}"/>
-              </a:ext>
-            </a:extLst>
-          </p:cNvPr>
-          <p:cNvSpPr>
-            <a:spLocks noGrp="1"/>
-          </p:cNvSpPr>
-          <p:nvPr>
-            <p:ph idx="1"/>
-          </p:nvPr>
-        </p:nvSpPr>
-        <p:spPr/>
-        <p:txBody>
-          <a:bodyPr/>
-          <a:lstStyle/>
-          <a:p>
-            <a:endParaRPr lang="en-IN" dirty="0"/>
-          </a:p>
-        </p:txBody>
-      </p:sp>
-      <p:pic>
-        <p:nvPicPr>
-          <p:cNvPr id="5" name="Picture 4">
-            <a:extLst>
-              <a:ext uri="{FF2B5EF4-FFF2-40B4-BE49-F238E27FC236}">
-                <a16:creationId xmlns:a16="http://schemas.microsoft.com/office/drawing/2014/main" id="{19B9DBA6-E10B-0DCB-0F18-AB1A820194B7}"/>
-              </a:ext>
-            </a:extLst>
-          </p:cNvPr>
-          <p:cNvPicPr>
-            <a:picLocks noChangeAspect="1"/>
-          </p:cNvPicPr>
-          <p:nvPr/>
-        </p:nvPicPr>
-        <p:blipFill>
-          <a:blip r:embed="rId2"/>
-          <a:stretch>
-            <a:fillRect/>
-          </a:stretch>
-        </p:blipFill>
-        <p:spPr>
-          <a:xfrm>
-            <a:off x="1088349" y="2121408"/>
-            <a:ext cx="6917236" cy="4736592"/>
-          </a:xfrm>
-          <a:prstGeom prst="rect">
-            <a:avLst/>
-          </a:prstGeom>
-        </p:spPr>
-      </p:pic>
-      <p:sp>
-        <p:nvSpPr>
-          <p:cNvPr id="7" name="TextBox 6">
-            <a:extLst>
-              <a:ext uri="{FF2B5EF4-FFF2-40B4-BE49-F238E27FC236}">
-                <a16:creationId xmlns:a16="http://schemas.microsoft.com/office/drawing/2014/main" id="{ACAB4833-0CA3-9FBC-0227-88D3266AB838}"/>
-              </a:ext>
-            </a:extLst>
-          </p:cNvPr>
-          <p:cNvSpPr txBox="1"/>
-          <p:nvPr/>
-        </p:nvSpPr>
-        <p:spPr>
-          <a:xfrm>
-            <a:off x="4957585" y="2864244"/>
-            <a:ext cx="6096000" cy="923330"/>
-          </a:xfrm>
-          <a:prstGeom prst="rect">
-            <a:avLst/>
-          </a:prstGeom>
-          <a:noFill/>
-        </p:spPr>
-        <p:txBody>
-          <a:bodyPr wrap="square">
-            <a:spAutoFit/>
-          </a:bodyPr>
-          <a:lstStyle/>
-          <a:p>
-            <a:pPr marL="342900" indent="-342900" algn="l">
-              <a:buFont typeface="+mj-lt"/>
-              <a:buAutoNum type="arabicPeriod"/>
-            </a:pPr>
-            <a:r>
-              <a:rPr lang="en-IN" sz="1800" b="0" i="0" u="none" strike="noStrike" baseline="0" dirty="0" err="1">
-                <a:latin typeface="Helvetica" panose="020B0604020202020204" pitchFamily="34" charset="0"/>
-              </a:rPr>
-              <a:t>app.pulumi.com</a:t>
-            </a:r>
-            <a:endParaRPr lang="en-IN" sz="1800" b="0" i="0" u="none" strike="noStrike" baseline="0" dirty="0">
-              <a:latin typeface="Helvetica" panose="020B0604020202020204" pitchFamily="34" charset="0"/>
-            </a:endParaRPr>
-          </a:p>
-          <a:p>
-            <a:pPr marL="342900" indent="-342900" algn="l">
-              <a:buFont typeface="+mj-lt"/>
-              <a:buAutoNum type="arabicPeriod"/>
-            </a:pPr>
-            <a:r>
-              <a:rPr lang="en-IN" sz="1800" b="0" i="0" u="none" strike="noStrike" baseline="0" dirty="0">
-                <a:latin typeface="Helvetica" panose="020B0604020202020204" pitchFamily="34" charset="0"/>
-              </a:rPr>
-              <a:t>Self-managed backend</a:t>
-            </a:r>
-          </a:p>
-          <a:p>
-            <a:pPr marL="342900" indent="-342900" algn="l">
-              <a:buFont typeface="+mj-lt"/>
-              <a:buAutoNum type="arabicPeriod"/>
-            </a:pPr>
-            <a:r>
-              <a:rPr lang="en-IN" sz="1800" b="0" i="0" u="none" strike="noStrike" baseline="0" dirty="0">
-                <a:latin typeface="Helvetica" panose="020B0604020202020204" pitchFamily="34" charset="0"/>
-              </a:rPr>
-              <a:t>on-premise </a:t>
-            </a:r>
-            <a:r>
-              <a:rPr lang="en-IN" sz="1800" b="0" i="0" u="none" strike="noStrike" baseline="0" dirty="0" err="1">
-                <a:latin typeface="Helvetica" panose="020B0604020202020204" pitchFamily="34" charset="0"/>
-              </a:rPr>
-              <a:t>app.pulumi.com</a:t>
-            </a:r>
-            <a:r>
-              <a:rPr lang="en-IN" sz="1800" b="0" i="0" u="none" strike="noStrike" baseline="0" dirty="0">
-                <a:latin typeface="Helvetica" panose="020B0604020202020204" pitchFamily="34" charset="0"/>
-              </a:rPr>
-              <a:t> (Enterprise version only)</a:t>
-            </a:r>
-            <a:endParaRPr lang="en-IN" dirty="0"/>
-          </a:p>
-        </p:txBody>
-      </p:sp>
-      <p:sp>
-        <p:nvSpPr>
-          <p:cNvPr id="9" name="TextBox 8">
-            <a:extLst>
-              <a:ext uri="{FF2B5EF4-FFF2-40B4-BE49-F238E27FC236}">
-                <a16:creationId xmlns:a16="http://schemas.microsoft.com/office/drawing/2014/main" id="{E0DD04E3-9BDB-3D4F-A615-B5F9BDDC4454}"/>
-              </a:ext>
-            </a:extLst>
-          </p:cNvPr>
-          <p:cNvSpPr txBox="1"/>
-          <p:nvPr/>
-        </p:nvSpPr>
-        <p:spPr>
-          <a:xfrm>
-            <a:off x="8277225" y="5635109"/>
-            <a:ext cx="2447925" cy="369332"/>
-          </a:xfrm>
-          <a:prstGeom prst="rect">
-            <a:avLst/>
-          </a:prstGeom>
-          <a:noFill/>
-        </p:spPr>
-        <p:txBody>
-          <a:bodyPr wrap="square">
-            <a:spAutoFit/>
-          </a:bodyPr>
-          <a:lstStyle/>
-          <a:p>
-            <a:r>
-              <a:rPr lang="en-IN" sz="1800" b="0" i="0" u="none" strike="noStrike" baseline="0" dirty="0">
-                <a:solidFill>
-                  <a:srgbClr val="A30028"/>
-                </a:solidFill>
-                <a:latin typeface="Panton-Regular"/>
-              </a:rPr>
-              <a:t>Resource Providers</a:t>
-            </a:r>
-            <a:endParaRPr lang="en-IN" dirty="0"/>
-          </a:p>
-        </p:txBody>
-      </p:sp>
-      <p:sp>
-        <p:nvSpPr>
-          <p:cNvPr id="6" name="TextBox 5">
-            <a:extLst>
-              <a:ext uri="{FF2B5EF4-FFF2-40B4-BE49-F238E27FC236}">
-                <a16:creationId xmlns:a16="http://schemas.microsoft.com/office/drawing/2014/main" id="{DFE5CEB8-E2BD-2E7B-7630-551EF0E6186F}"/>
-              </a:ext>
-            </a:extLst>
-          </p:cNvPr>
-          <p:cNvSpPr txBox="1"/>
-          <p:nvPr/>
-        </p:nvSpPr>
-        <p:spPr>
-          <a:xfrm>
-            <a:off x="3901440" y="6330434"/>
-            <a:ext cx="6096000" cy="369332"/>
-          </a:xfrm>
-          <a:prstGeom prst="rect">
-            <a:avLst/>
-          </a:prstGeom>
-          <a:noFill/>
-        </p:spPr>
-        <p:txBody>
-          <a:bodyPr wrap="square">
-            <a:spAutoFit/>
-          </a:bodyPr>
-          <a:lstStyle/>
-          <a:p>
-            <a:r>
-              <a:rPr lang="en-IN" dirty="0">
-                <a:hlinkClick r:id="rId3"/>
-              </a:rPr>
-              <a:t>https://</a:t>
-            </a:r>
-            <a:r>
-              <a:rPr lang="en-IN" dirty="0" err="1">
-                <a:hlinkClick r:id="rId3"/>
-              </a:rPr>
-              <a:t>app.pulumi.com</a:t>
-            </a:r>
-            <a:r>
-              <a:rPr lang="en-IN" dirty="0">
-                <a:hlinkClick r:id="rId3"/>
-              </a:rPr>
-              <a:t>/nagkumar/</a:t>
-            </a:r>
-            <a:r>
-              <a:rPr lang="en-IN" dirty="0" err="1">
-                <a:hlinkClick r:id="rId3"/>
-              </a:rPr>
-              <a:t>hw</a:t>
-            </a:r>
-            <a:r>
-              <a:rPr lang="en-IN" dirty="0">
-                <a:hlinkClick r:id="rId3"/>
-              </a:rPr>
-              <a:t>/dev/updates/11</a:t>
-            </a:r>
-            <a:r>
-              <a:rPr lang="en-IN" dirty="0"/>
-              <a:t> </a:t>
-            </a:r>
-          </a:p>
-        </p:txBody>
-      </p:sp>
-    </p:spTree>
-    <p:extLst>
-      <p:ext uri="{BB962C8B-B14F-4D97-AF65-F5344CB8AC3E}">
-        <p14:creationId xmlns:p14="http://schemas.microsoft.com/office/powerpoint/2010/main" val="968428378"/>
-      </p:ext>
-    </p:extLst>
-  </p:cSld>
-  <p:clrMapOvr>
-    <a:masterClrMapping/>
-  </p:clrMapOvr>
-</p:sld>
-</file>
-
 <file path=ppt/slides/slide2.xml><?xml version="1.0" encoding="utf-8"?>
 <p:sld xmlns:a="http://schemas.openxmlformats.org/drawingml/2006/main" xmlns:r="http://schemas.openxmlformats.org/officeDocument/2006/relationships" xmlns:p="http://schemas.openxmlformats.org/presentationml/2006/main">
   <p:cSld>
@@ -9017,6 +8799,308 @@
           <p:cNvPr id="2" name="Title 1">
             <a:extLst>
               <a:ext uri="{FF2B5EF4-FFF2-40B4-BE49-F238E27FC236}">
+                <a16:creationId xmlns:a16="http://schemas.microsoft.com/office/drawing/2014/main" id="{56019E09-BC41-ADDC-4276-954085E88F1F}"/>
+              </a:ext>
+            </a:extLst>
+          </p:cNvPr>
+          <p:cNvSpPr>
+            <a:spLocks noGrp="1"/>
+          </p:cNvSpPr>
+          <p:nvPr>
+            <p:ph type="title"/>
+          </p:nvPr>
+        </p:nvSpPr>
+        <p:spPr/>
+        <p:txBody>
+          <a:bodyPr>
+            <a:normAutofit/>
+          </a:bodyPr>
+          <a:lstStyle/>
+          <a:p>
+            <a:r>
+              <a:rPr lang="en-IN" dirty="0"/>
+              <a:t>State and Backends</a:t>
+            </a:r>
+          </a:p>
+        </p:txBody>
+      </p:sp>
+      <p:sp>
+        <p:nvSpPr>
+          <p:cNvPr id="3" name="Content Placeholder 2">
+            <a:extLst>
+              <a:ext uri="{FF2B5EF4-FFF2-40B4-BE49-F238E27FC236}">
+                <a16:creationId xmlns:a16="http://schemas.microsoft.com/office/drawing/2014/main" id="{BC154606-A147-E571-92FD-395ED9BD77F2}"/>
+              </a:ext>
+            </a:extLst>
+          </p:cNvPr>
+          <p:cNvSpPr>
+            <a:spLocks noGrp="1"/>
+          </p:cNvSpPr>
+          <p:nvPr>
+            <p:ph idx="1"/>
+          </p:nvPr>
+        </p:nvSpPr>
+        <p:spPr/>
+        <p:txBody>
+          <a:bodyPr/>
+          <a:lstStyle/>
+          <a:p>
+            <a:endParaRPr lang="en-IN" dirty="0"/>
+          </a:p>
+        </p:txBody>
+      </p:sp>
+      <p:pic>
+        <p:nvPicPr>
+          <p:cNvPr id="5" name="Picture 4">
+            <a:extLst>
+              <a:ext uri="{FF2B5EF4-FFF2-40B4-BE49-F238E27FC236}">
+                <a16:creationId xmlns:a16="http://schemas.microsoft.com/office/drawing/2014/main" id="{19B9DBA6-E10B-0DCB-0F18-AB1A820194B7}"/>
+              </a:ext>
+            </a:extLst>
+          </p:cNvPr>
+          <p:cNvPicPr>
+            <a:picLocks noChangeAspect="1"/>
+          </p:cNvPicPr>
+          <p:nvPr/>
+        </p:nvPicPr>
+        <p:blipFill>
+          <a:blip r:embed="rId2"/>
+          <a:stretch>
+            <a:fillRect/>
+          </a:stretch>
+        </p:blipFill>
+        <p:spPr>
+          <a:xfrm>
+            <a:off x="1088349" y="2121408"/>
+            <a:ext cx="6917236" cy="4736592"/>
+          </a:xfrm>
+          <a:prstGeom prst="rect">
+            <a:avLst/>
+          </a:prstGeom>
+        </p:spPr>
+      </p:pic>
+      <p:sp>
+        <p:nvSpPr>
+          <p:cNvPr id="7" name="TextBox 6">
+            <a:extLst>
+              <a:ext uri="{FF2B5EF4-FFF2-40B4-BE49-F238E27FC236}">
+                <a16:creationId xmlns:a16="http://schemas.microsoft.com/office/drawing/2014/main" id="{ACAB4833-0CA3-9FBC-0227-88D3266AB838}"/>
+              </a:ext>
+            </a:extLst>
+          </p:cNvPr>
+          <p:cNvSpPr txBox="1"/>
+          <p:nvPr/>
+        </p:nvSpPr>
+        <p:spPr>
+          <a:xfrm>
+            <a:off x="4957585" y="2864244"/>
+            <a:ext cx="6096000" cy="923330"/>
+          </a:xfrm>
+          <a:prstGeom prst="rect">
+            <a:avLst/>
+          </a:prstGeom>
+          <a:noFill/>
+        </p:spPr>
+        <p:txBody>
+          <a:bodyPr wrap="square">
+            <a:spAutoFit/>
+          </a:bodyPr>
+          <a:lstStyle/>
+          <a:p>
+            <a:pPr marL="342900" indent="-342900" algn="l">
+              <a:buFont typeface="+mj-lt"/>
+              <a:buAutoNum type="arabicPeriod"/>
+            </a:pPr>
+            <a:r>
+              <a:rPr lang="en-IN" sz="1800" b="0" i="0" u="none" strike="noStrike" baseline="0" dirty="0" err="1">
+                <a:latin typeface="Helvetica" panose="020B0604020202020204" pitchFamily="34" charset="0"/>
+              </a:rPr>
+              <a:t>app.pulumi.com</a:t>
+            </a:r>
+            <a:endParaRPr lang="en-IN" sz="1800" b="0" i="0" u="none" strike="noStrike" baseline="0" dirty="0">
+              <a:latin typeface="Helvetica" panose="020B0604020202020204" pitchFamily="34" charset="0"/>
+            </a:endParaRPr>
+          </a:p>
+          <a:p>
+            <a:pPr marL="342900" indent="-342900" algn="l">
+              <a:buFont typeface="+mj-lt"/>
+              <a:buAutoNum type="arabicPeriod"/>
+            </a:pPr>
+            <a:r>
+              <a:rPr lang="en-IN" sz="1800" b="0" i="0" u="none" strike="noStrike" baseline="0" dirty="0">
+                <a:latin typeface="Helvetica" panose="020B0604020202020204" pitchFamily="34" charset="0"/>
+              </a:rPr>
+              <a:t>Self-managed backend</a:t>
+            </a:r>
+          </a:p>
+          <a:p>
+            <a:pPr marL="342900" indent="-342900" algn="l">
+              <a:buFont typeface="+mj-lt"/>
+              <a:buAutoNum type="arabicPeriod"/>
+            </a:pPr>
+            <a:r>
+              <a:rPr lang="en-IN" sz="1800" b="0" i="0" u="none" strike="noStrike" baseline="0" dirty="0">
+                <a:latin typeface="Helvetica" panose="020B0604020202020204" pitchFamily="34" charset="0"/>
+              </a:rPr>
+              <a:t>on-premise </a:t>
+            </a:r>
+            <a:r>
+              <a:rPr lang="en-IN" sz="1800" b="0" i="0" u="none" strike="noStrike" baseline="0" dirty="0" err="1">
+                <a:latin typeface="Helvetica" panose="020B0604020202020204" pitchFamily="34" charset="0"/>
+              </a:rPr>
+              <a:t>app.pulumi.com</a:t>
+            </a:r>
+            <a:r>
+              <a:rPr lang="en-IN" sz="1800" b="0" i="0" u="none" strike="noStrike" baseline="0" dirty="0">
+                <a:latin typeface="Helvetica" panose="020B0604020202020204" pitchFamily="34" charset="0"/>
+              </a:rPr>
+              <a:t> (Enterprise version only)</a:t>
+            </a:r>
+            <a:endParaRPr lang="en-IN" dirty="0"/>
+          </a:p>
+        </p:txBody>
+      </p:sp>
+      <p:sp>
+        <p:nvSpPr>
+          <p:cNvPr id="9" name="TextBox 8">
+            <a:extLst>
+              <a:ext uri="{FF2B5EF4-FFF2-40B4-BE49-F238E27FC236}">
+                <a16:creationId xmlns:a16="http://schemas.microsoft.com/office/drawing/2014/main" id="{E0DD04E3-9BDB-3D4F-A615-B5F9BDDC4454}"/>
+              </a:ext>
+            </a:extLst>
+          </p:cNvPr>
+          <p:cNvSpPr txBox="1"/>
+          <p:nvPr/>
+        </p:nvSpPr>
+        <p:spPr>
+          <a:xfrm>
+            <a:off x="8277225" y="5635109"/>
+            <a:ext cx="2447925" cy="369332"/>
+          </a:xfrm>
+          <a:prstGeom prst="rect">
+            <a:avLst/>
+          </a:prstGeom>
+          <a:noFill/>
+        </p:spPr>
+        <p:txBody>
+          <a:bodyPr wrap="square">
+            <a:spAutoFit/>
+          </a:bodyPr>
+          <a:lstStyle/>
+          <a:p>
+            <a:r>
+              <a:rPr lang="en-IN" sz="1800" b="0" i="0" u="none" strike="noStrike" baseline="0" dirty="0">
+                <a:solidFill>
+                  <a:srgbClr val="A30028"/>
+                </a:solidFill>
+                <a:latin typeface="Panton-Regular"/>
+              </a:rPr>
+              <a:t>Resource Providers</a:t>
+            </a:r>
+            <a:endParaRPr lang="en-IN" dirty="0"/>
+          </a:p>
+        </p:txBody>
+      </p:sp>
+      <p:sp>
+        <p:nvSpPr>
+          <p:cNvPr id="6" name="TextBox 5">
+            <a:extLst>
+              <a:ext uri="{FF2B5EF4-FFF2-40B4-BE49-F238E27FC236}">
+                <a16:creationId xmlns:a16="http://schemas.microsoft.com/office/drawing/2014/main" id="{DFE5CEB8-E2BD-2E7B-7630-551EF0E6186F}"/>
+              </a:ext>
+            </a:extLst>
+          </p:cNvPr>
+          <p:cNvSpPr txBox="1"/>
+          <p:nvPr/>
+        </p:nvSpPr>
+        <p:spPr>
+          <a:xfrm>
+            <a:off x="3901440" y="6330434"/>
+            <a:ext cx="6096000" cy="369332"/>
+          </a:xfrm>
+          <a:prstGeom prst="rect">
+            <a:avLst/>
+          </a:prstGeom>
+          <a:noFill/>
+        </p:spPr>
+        <p:txBody>
+          <a:bodyPr wrap="square">
+            <a:spAutoFit/>
+          </a:bodyPr>
+          <a:lstStyle/>
+          <a:p>
+            <a:r>
+              <a:rPr lang="en-IN" dirty="0">
+                <a:hlinkClick r:id="rId3"/>
+              </a:rPr>
+              <a:t>https://</a:t>
+            </a:r>
+            <a:r>
+              <a:rPr lang="en-IN" dirty="0" err="1">
+                <a:hlinkClick r:id="rId3"/>
+              </a:rPr>
+              <a:t>app.pulumi.com</a:t>
+            </a:r>
+            <a:r>
+              <a:rPr lang="en-IN" dirty="0">
+                <a:hlinkClick r:id="rId3"/>
+              </a:rPr>
+              <a:t>/nagkumar/</a:t>
+            </a:r>
+            <a:r>
+              <a:rPr lang="en-IN" dirty="0" err="1">
+                <a:hlinkClick r:id="rId3"/>
+              </a:rPr>
+              <a:t>hw</a:t>
+            </a:r>
+            <a:r>
+              <a:rPr lang="en-IN" dirty="0">
+                <a:hlinkClick r:id="rId3"/>
+              </a:rPr>
+              <a:t>/dev/updates/11</a:t>
+            </a:r>
+            <a:r>
+              <a:rPr lang="en-IN" dirty="0"/>
+              <a:t> </a:t>
+            </a:r>
+          </a:p>
+        </p:txBody>
+      </p:sp>
+    </p:spTree>
+    <p:extLst>
+      <p:ext uri="{BB962C8B-B14F-4D97-AF65-F5344CB8AC3E}">
+        <p14:creationId xmlns:p14="http://schemas.microsoft.com/office/powerpoint/2010/main" val="968428378"/>
+      </p:ext>
+    </p:extLst>
+  </p:cSld>
+  <p:clrMapOvr>
+    <a:masterClrMapping/>
+  </p:clrMapOvr>
+</p:sld>
+</file>
+
+<file path=ppt/slides/slide21.xml><?xml version="1.0" encoding="utf-8"?>
+<p:sld xmlns:a="http://schemas.openxmlformats.org/drawingml/2006/main" xmlns:r="http://schemas.openxmlformats.org/officeDocument/2006/relationships" xmlns:p="http://schemas.openxmlformats.org/presentationml/2006/main">
+  <p:cSld>
+    <p:spTree>
+      <p:nvGrpSpPr>
+        <p:cNvPr id="1" name=""/>
+        <p:cNvGrpSpPr/>
+        <p:nvPr/>
+      </p:nvGrpSpPr>
+      <p:grpSpPr>
+        <a:xfrm>
+          <a:off x="0" y="0"/>
+          <a:ext cx="0" cy="0"/>
+          <a:chOff x="0" y="0"/>
+          <a:chExt cx="0" cy="0"/>
+        </a:xfrm>
+      </p:grpSpPr>
+      <p:sp>
+        <p:nvSpPr>
+          <p:cNvPr id="2" name="Title 1">
+            <a:extLst>
+              <a:ext uri="{FF2B5EF4-FFF2-40B4-BE49-F238E27FC236}">
                 <a16:creationId xmlns:a16="http://schemas.microsoft.com/office/drawing/2014/main" id="{1C72D64C-10BE-A1BC-C390-1D06C12AF2D2}"/>
               </a:ext>
             </a:extLst>
@@ -9085,7 +9169,7 @@
 </p:sld>
 </file>
 
-<file path=ppt/slides/slide21.xml><?xml version="1.0" encoding="utf-8"?>
+<file path=ppt/slides/slide22.xml><?xml version="1.0" encoding="utf-8"?>
 <p:sld xmlns:a="http://schemas.openxmlformats.org/drawingml/2006/main" xmlns:r="http://schemas.openxmlformats.org/officeDocument/2006/relationships" xmlns:p="http://schemas.openxmlformats.org/presentationml/2006/main">
   <p:cSld>
     <p:spTree>
@@ -9177,7 +9261,7 @@
 </p:sld>
 </file>
 
-<file path=ppt/slides/slide22.xml><?xml version="1.0" encoding="utf-8"?>
+<file path=ppt/slides/slide23.xml><?xml version="1.0" encoding="utf-8"?>
 <p:sld xmlns:a="http://schemas.openxmlformats.org/drawingml/2006/main" xmlns:r="http://schemas.openxmlformats.org/officeDocument/2006/relationships" xmlns:p="http://schemas.openxmlformats.org/presentationml/2006/main">
   <p:cSld>
     <p:spTree>
@@ -9297,7 +9381,7 @@
 </p:sld>
 </file>
 
-<file path=ppt/slides/slide23.xml><?xml version="1.0" encoding="utf-8"?>
+<file path=ppt/slides/slide24.xml><?xml version="1.0" encoding="utf-8"?>
 <p:sld xmlns:a="http://schemas.openxmlformats.org/drawingml/2006/main" xmlns:r="http://schemas.openxmlformats.org/officeDocument/2006/relationships" xmlns:p="http://schemas.openxmlformats.org/presentationml/2006/main">
   <p:cSld>
     <p:spTree>
@@ -9421,7 +9505,7 @@
 </p:sld>
 </file>
 
-<file path=ppt/slides/slide24.xml><?xml version="1.0" encoding="utf-8"?>
+<file path=ppt/slides/slide25.xml><?xml version="1.0" encoding="utf-8"?>
 <p:sld xmlns:a="http://schemas.openxmlformats.org/drawingml/2006/main" xmlns:r="http://schemas.openxmlformats.org/officeDocument/2006/relationships" xmlns:p="http://schemas.openxmlformats.org/presentationml/2006/main">
   <p:cSld>
     <p:spTree>
@@ -9577,7 +9661,7 @@
 </p:sld>
 </file>
 
-<file path=ppt/slides/slide25.xml><?xml version="1.0" encoding="utf-8"?>
+<file path=ppt/slides/slide26.xml><?xml version="1.0" encoding="utf-8"?>
 <p:sld xmlns:a="http://schemas.openxmlformats.org/drawingml/2006/main" xmlns:r="http://schemas.openxmlformats.org/officeDocument/2006/relationships" xmlns:p="http://schemas.openxmlformats.org/presentationml/2006/main">
   <p:cSld>
     <p:spTree>
@@ -9704,7 +9788,7 @@
 </p:sld>
 </file>
 
-<file path=ppt/slides/slide26.xml><?xml version="1.0" encoding="utf-8"?>
+<file path=ppt/slides/slide27.xml><?xml version="1.0" encoding="utf-8"?>
 <p:sld xmlns:a="http://schemas.openxmlformats.org/drawingml/2006/main" xmlns:r="http://schemas.openxmlformats.org/officeDocument/2006/relationships" xmlns:p="http://schemas.openxmlformats.org/presentationml/2006/main">
   <p:cSld>
     <p:spTree>
@@ -9792,7 +9876,7 @@
 </p:sld>
 </file>
 
-<file path=ppt/slides/slide27.xml><?xml version="1.0" encoding="utf-8"?>
+<file path=ppt/slides/slide28.xml><?xml version="1.0" encoding="utf-8"?>
 <p:sld xmlns:a="http://schemas.openxmlformats.org/drawingml/2006/main" xmlns:r="http://schemas.openxmlformats.org/officeDocument/2006/relationships" xmlns:p="http://schemas.openxmlformats.org/presentationml/2006/main">
   <p:cSld>
     <p:spTree>
@@ -9875,7 +9959,7 @@
 </p:sld>
 </file>
 
-<file path=ppt/slides/slide28.xml><?xml version="1.0" encoding="utf-8"?>
+<file path=ppt/slides/slide29.xml><?xml version="1.0" encoding="utf-8"?>
 <p:sld xmlns:a="http://schemas.openxmlformats.org/drawingml/2006/main" xmlns:r="http://schemas.openxmlformats.org/officeDocument/2006/relationships" xmlns:p="http://schemas.openxmlformats.org/presentationml/2006/main">
   <p:cSld>
     <p:spTree>
@@ -9973,7 +10057,118 @@
 </p:sld>
 </file>
 
-<file path=ppt/slides/slide29.xml><?xml version="1.0" encoding="utf-8"?>
+<file path=ppt/slides/slide3.xml><?xml version="1.0" encoding="utf-8"?>
+<p:sld xmlns:a="http://schemas.openxmlformats.org/drawingml/2006/main" xmlns:r="http://schemas.openxmlformats.org/officeDocument/2006/relationships" xmlns:p="http://schemas.openxmlformats.org/presentationml/2006/main">
+  <p:cSld>
+    <p:spTree>
+      <p:nvGrpSpPr>
+        <p:cNvPr id="1" name=""/>
+        <p:cNvGrpSpPr/>
+        <p:nvPr/>
+      </p:nvGrpSpPr>
+      <p:grpSpPr>
+        <a:xfrm>
+          <a:off x="0" y="0"/>
+          <a:ext cx="0" cy="0"/>
+          <a:chOff x="0" y="0"/>
+          <a:chExt cx="0" cy="0"/>
+        </a:xfrm>
+      </p:grpSpPr>
+      <p:sp>
+        <p:nvSpPr>
+          <p:cNvPr id="2" name="Title 1">
+            <a:extLst>
+              <a:ext uri="{FF2B5EF4-FFF2-40B4-BE49-F238E27FC236}">
+                <a16:creationId xmlns:a16="http://schemas.microsoft.com/office/drawing/2014/main" id="{CDDBD12E-6F6E-1FA0-4C05-06CDA68193E6}"/>
+              </a:ext>
+            </a:extLst>
+          </p:cNvPr>
+          <p:cNvSpPr>
+            <a:spLocks noGrp="1"/>
+          </p:cNvSpPr>
+          <p:nvPr>
+            <p:ph type="title"/>
+          </p:nvPr>
+        </p:nvSpPr>
+        <p:spPr/>
+        <p:txBody>
+          <a:bodyPr>
+            <a:normAutofit/>
+          </a:bodyPr>
+          <a:lstStyle/>
+          <a:p>
+            <a:r>
+              <a:rPr lang="en-IN" dirty="0"/>
+              <a:t>&lt;Lc/</a:t>
+            </a:r>
+            <a:r>
+              <a:rPr lang="en-IN" dirty="0" err="1"/>
+              <a:t>nc</a:t>
+            </a:r>
+            <a:r>
+              <a:rPr lang="en-IN" dirty="0"/>
+              <a:t>&gt; - LOW CODE/NO CODE </a:t>
+            </a:r>
+            <a:r>
+              <a:rPr lang="en-IN" dirty="0" err="1"/>
+              <a:t>Devops</a:t>
+            </a:r>
+            <a:br>
+              <a:rPr lang="en-IN" dirty="0"/>
+            </a:br>
+            <a:r>
+              <a:rPr lang="en-IN" sz="2400" dirty="0"/>
+              <a:t>to Everything as CODE</a:t>
+            </a:r>
+            <a:endParaRPr lang="en-IN" dirty="0"/>
+          </a:p>
+        </p:txBody>
+      </p:sp>
+      <p:graphicFrame>
+        <p:nvGraphicFramePr>
+          <p:cNvPr id="4" name="Content Placeholder 3">
+            <a:extLst>
+              <a:ext uri="{FF2B5EF4-FFF2-40B4-BE49-F238E27FC236}">
+                <a16:creationId xmlns:a16="http://schemas.microsoft.com/office/drawing/2014/main" id="{A5618265-EB56-DCB9-04E7-2B2A5A566A22}"/>
+              </a:ext>
+            </a:extLst>
+          </p:cNvPr>
+          <p:cNvGraphicFramePr>
+            <a:graphicFrameLocks noGrp="1"/>
+          </p:cNvGraphicFramePr>
+          <p:nvPr>
+            <p:ph idx="1"/>
+            <p:extLst>
+              <p:ext uri="{D42A27DB-BD31-4B8C-83A1-F6EECF244321}">
+                <p14:modId xmlns:p14="http://schemas.microsoft.com/office/powerpoint/2010/main" val="241221072"/>
+              </p:ext>
+            </p:extLst>
+          </p:nvPr>
+        </p:nvGraphicFramePr>
+        <p:xfrm>
+          <a:off x="1069848" y="2121408"/>
+          <a:ext cx="10058400" cy="4050792"/>
+        </p:xfrm>
+        <a:graphic>
+          <a:graphicData uri="http://schemas.openxmlformats.org/drawingml/2006/diagram">
+            <dgm:relIds xmlns:dgm="http://schemas.openxmlformats.org/drawingml/2006/diagram" xmlns:r="http://schemas.openxmlformats.org/officeDocument/2006/relationships" r:dm="rId2" r:lo="rId3" r:qs="rId4" r:cs="rId5"/>
+          </a:graphicData>
+        </a:graphic>
+      </p:graphicFrame>
+    </p:spTree>
+    <p:extLst>
+      <p:ext uri="{BB962C8B-B14F-4D97-AF65-F5344CB8AC3E}">
+        <p14:creationId xmlns:p14="http://schemas.microsoft.com/office/powerpoint/2010/main" val="3591333091"/>
+      </p:ext>
+    </p:extLst>
+  </p:cSld>
+  <p:clrMapOvr>
+    <a:masterClrMapping/>
+  </p:clrMapOvr>
+</p:sld>
+</file>
+
+<file path=ppt/slides/slide30.xml><?xml version="1.0" encoding="utf-8"?>
 <p:sld xmlns:a="http://schemas.openxmlformats.org/drawingml/2006/main" xmlns:r="http://schemas.openxmlformats.org/officeDocument/2006/relationships" xmlns:p="http://schemas.openxmlformats.org/presentationml/2006/main">
   <p:cSld>
     <p:spTree>
@@ -11559,118 +11754,7 @@
 </p:sld>
 </file>
 
-<file path=ppt/slides/slide3.xml><?xml version="1.0" encoding="utf-8"?>
-<p:sld xmlns:a="http://schemas.openxmlformats.org/drawingml/2006/main" xmlns:r="http://schemas.openxmlformats.org/officeDocument/2006/relationships" xmlns:p="http://schemas.openxmlformats.org/presentationml/2006/main">
-  <p:cSld>
-    <p:spTree>
-      <p:nvGrpSpPr>
-        <p:cNvPr id="1" name=""/>
-        <p:cNvGrpSpPr/>
-        <p:nvPr/>
-      </p:nvGrpSpPr>
-      <p:grpSpPr>
-        <a:xfrm>
-          <a:off x="0" y="0"/>
-          <a:ext cx="0" cy="0"/>
-          <a:chOff x="0" y="0"/>
-          <a:chExt cx="0" cy="0"/>
-        </a:xfrm>
-      </p:grpSpPr>
-      <p:sp>
-        <p:nvSpPr>
-          <p:cNvPr id="2" name="Title 1">
-            <a:extLst>
-              <a:ext uri="{FF2B5EF4-FFF2-40B4-BE49-F238E27FC236}">
-                <a16:creationId xmlns:a16="http://schemas.microsoft.com/office/drawing/2014/main" id="{CDDBD12E-6F6E-1FA0-4C05-06CDA68193E6}"/>
-              </a:ext>
-            </a:extLst>
-          </p:cNvPr>
-          <p:cNvSpPr>
-            <a:spLocks noGrp="1"/>
-          </p:cNvSpPr>
-          <p:nvPr>
-            <p:ph type="title"/>
-          </p:nvPr>
-        </p:nvSpPr>
-        <p:spPr/>
-        <p:txBody>
-          <a:bodyPr>
-            <a:normAutofit/>
-          </a:bodyPr>
-          <a:lstStyle/>
-          <a:p>
-            <a:r>
-              <a:rPr lang="en-IN" dirty="0"/>
-              <a:t>&lt;Lc/</a:t>
-            </a:r>
-            <a:r>
-              <a:rPr lang="en-IN" dirty="0" err="1"/>
-              <a:t>nc</a:t>
-            </a:r>
-            <a:r>
-              <a:rPr lang="en-IN" dirty="0"/>
-              <a:t>&gt; - LOW CODE/NO CODE </a:t>
-            </a:r>
-            <a:r>
-              <a:rPr lang="en-IN" dirty="0" err="1"/>
-              <a:t>Devops</a:t>
-            </a:r>
-            <a:br>
-              <a:rPr lang="en-IN" dirty="0"/>
-            </a:br>
-            <a:r>
-              <a:rPr lang="en-IN" sz="2400" dirty="0"/>
-              <a:t>to Everything as CODE</a:t>
-            </a:r>
-            <a:endParaRPr lang="en-IN" dirty="0"/>
-          </a:p>
-        </p:txBody>
-      </p:sp>
-      <p:graphicFrame>
-        <p:nvGraphicFramePr>
-          <p:cNvPr id="4" name="Content Placeholder 3">
-            <a:extLst>
-              <a:ext uri="{FF2B5EF4-FFF2-40B4-BE49-F238E27FC236}">
-                <a16:creationId xmlns:a16="http://schemas.microsoft.com/office/drawing/2014/main" id="{A5618265-EB56-DCB9-04E7-2B2A5A566A22}"/>
-              </a:ext>
-            </a:extLst>
-          </p:cNvPr>
-          <p:cNvGraphicFramePr>
-            <a:graphicFrameLocks noGrp="1"/>
-          </p:cNvGraphicFramePr>
-          <p:nvPr>
-            <p:ph idx="1"/>
-            <p:extLst>
-              <p:ext uri="{D42A27DB-BD31-4B8C-83A1-F6EECF244321}">
-                <p14:modId xmlns:p14="http://schemas.microsoft.com/office/powerpoint/2010/main" val="241221072"/>
-              </p:ext>
-            </p:extLst>
-          </p:nvPr>
-        </p:nvGraphicFramePr>
-        <p:xfrm>
-          <a:off x="1069848" y="2121408"/>
-          <a:ext cx="10058400" cy="4050792"/>
-        </p:xfrm>
-        <a:graphic>
-          <a:graphicData uri="http://schemas.openxmlformats.org/drawingml/2006/diagram">
-            <dgm:relIds xmlns:dgm="http://schemas.openxmlformats.org/drawingml/2006/diagram" xmlns:r="http://schemas.openxmlformats.org/officeDocument/2006/relationships" r:dm="rId2" r:lo="rId3" r:qs="rId4" r:cs="rId5"/>
-          </a:graphicData>
-        </a:graphic>
-      </p:graphicFrame>
-    </p:spTree>
-    <p:extLst>
-      <p:ext uri="{BB962C8B-B14F-4D97-AF65-F5344CB8AC3E}">
-        <p14:creationId xmlns:p14="http://schemas.microsoft.com/office/powerpoint/2010/main" val="3591333091"/>
-      </p:ext>
-    </p:extLst>
-  </p:cSld>
-  <p:clrMapOvr>
-    <a:masterClrMapping/>
-  </p:clrMapOvr>
-</p:sld>
-</file>
-
-<file path=ppt/slides/slide30.xml><?xml version="1.0" encoding="utf-8"?>
+<file path=ppt/slides/slide31.xml><?xml version="1.0" encoding="utf-8"?>
 <p:sld xmlns:a="http://schemas.openxmlformats.org/drawingml/2006/main" xmlns:r="http://schemas.openxmlformats.org/officeDocument/2006/relationships" xmlns:p="http://schemas.openxmlformats.org/presentationml/2006/main">
   <p:cSld>
     <p:spTree>
@@ -12275,7 +12359,7 @@
 </p:sld>
 </file>
 
-<file path=ppt/slides/slide31.xml><?xml version="1.0" encoding="utf-8"?>
+<file path=ppt/slides/slide32.xml><?xml version="1.0" encoding="utf-8"?>
 <p:sld xmlns:a="http://schemas.openxmlformats.org/drawingml/2006/main" xmlns:r="http://schemas.openxmlformats.org/officeDocument/2006/relationships" xmlns:p="http://schemas.openxmlformats.org/presentationml/2006/main">
   <p:cSld>
     <p:spTree>
@@ -12352,7 +12436,7 @@
 </p:sld>
 </file>
 
-<file path=ppt/slides/slide32.xml><?xml version="1.0" encoding="utf-8"?>
+<file path=ppt/slides/slide33.xml><?xml version="1.0" encoding="utf-8"?>
 <p:sld xmlns:a="http://schemas.openxmlformats.org/drawingml/2006/main" xmlns:r="http://schemas.openxmlformats.org/officeDocument/2006/relationships" xmlns:p="http://schemas.openxmlformats.org/presentationml/2006/main">
   <p:cSld>
     <p:spTree>
@@ -12416,7 +12500,7 @@
 </p:sld>
 </file>
 
-<file path=ppt/slides/slide33.xml><?xml version="1.0" encoding="utf-8"?>
+<file path=ppt/slides/slide34.xml><?xml version="1.0" encoding="utf-8"?>
 <p:sld xmlns:a="http://schemas.openxmlformats.org/drawingml/2006/main" xmlns:r="http://schemas.openxmlformats.org/officeDocument/2006/relationships" xmlns:p="http://schemas.openxmlformats.org/presentationml/2006/main">
   <p:cSld>
     <p:spTree>

--- a/docs/IaC_Devopedia_Sep_2022.pptx
+++ b/docs/IaC_Devopedia_Sep_2022.pptx
@@ -8,37 +8,38 @@
     <p:sldId id="256" r:id="rId2"/>
     <p:sldId id="262" r:id="rId3"/>
     <p:sldId id="263" r:id="rId4"/>
-    <p:sldId id="260" r:id="rId5"/>
-    <p:sldId id="269" r:id="rId6"/>
-    <p:sldId id="261" r:id="rId7"/>
-    <p:sldId id="267" r:id="rId8"/>
-    <p:sldId id="270" r:id="rId9"/>
-    <p:sldId id="271" r:id="rId10"/>
-    <p:sldId id="272" r:id="rId11"/>
-    <p:sldId id="257" r:id="rId12"/>
-    <p:sldId id="266" r:id="rId13"/>
-    <p:sldId id="275" r:id="rId14"/>
-    <p:sldId id="258" r:id="rId15"/>
-    <p:sldId id="277" r:id="rId16"/>
-    <p:sldId id="259" r:id="rId17"/>
-    <p:sldId id="290" r:id="rId18"/>
-    <p:sldId id="278" r:id="rId19"/>
-    <p:sldId id="279" r:id="rId20"/>
-    <p:sldId id="264" r:id="rId21"/>
-    <p:sldId id="280" r:id="rId22"/>
-    <p:sldId id="281" r:id="rId23"/>
-    <p:sldId id="282" r:id="rId24"/>
-    <p:sldId id="283" r:id="rId25"/>
-    <p:sldId id="284" r:id="rId26"/>
-    <p:sldId id="285" r:id="rId27"/>
-    <p:sldId id="286" r:id="rId28"/>
-    <p:sldId id="274" r:id="rId29"/>
-    <p:sldId id="265" r:id="rId30"/>
-    <p:sldId id="273" r:id="rId31"/>
-    <p:sldId id="276" r:id="rId32"/>
-    <p:sldId id="287" r:id="rId33"/>
-    <p:sldId id="288" r:id="rId34"/>
-    <p:sldId id="289" r:id="rId35"/>
+    <p:sldId id="291" r:id="rId5"/>
+    <p:sldId id="260" r:id="rId6"/>
+    <p:sldId id="269" r:id="rId7"/>
+    <p:sldId id="261" r:id="rId8"/>
+    <p:sldId id="267" r:id="rId9"/>
+    <p:sldId id="270" r:id="rId10"/>
+    <p:sldId id="271" r:id="rId11"/>
+    <p:sldId id="272" r:id="rId12"/>
+    <p:sldId id="257" r:id="rId13"/>
+    <p:sldId id="266" r:id="rId14"/>
+    <p:sldId id="275" r:id="rId15"/>
+    <p:sldId id="258" r:id="rId16"/>
+    <p:sldId id="277" r:id="rId17"/>
+    <p:sldId id="259" r:id="rId18"/>
+    <p:sldId id="290" r:id="rId19"/>
+    <p:sldId id="278" r:id="rId20"/>
+    <p:sldId id="279" r:id="rId21"/>
+    <p:sldId id="264" r:id="rId22"/>
+    <p:sldId id="280" r:id="rId23"/>
+    <p:sldId id="281" r:id="rId24"/>
+    <p:sldId id="282" r:id="rId25"/>
+    <p:sldId id="283" r:id="rId26"/>
+    <p:sldId id="284" r:id="rId27"/>
+    <p:sldId id="285" r:id="rId28"/>
+    <p:sldId id="286" r:id="rId29"/>
+    <p:sldId id="274" r:id="rId30"/>
+    <p:sldId id="265" r:id="rId31"/>
+    <p:sldId id="273" r:id="rId32"/>
+    <p:sldId id="276" r:id="rId33"/>
+    <p:sldId id="287" r:id="rId34"/>
+    <p:sldId id="288" r:id="rId35"/>
+    <p:sldId id="289" r:id="rId36"/>
   </p:sldIdLst>
   <p:sldSz cx="12192000" cy="6858000"/>
   <p:notesSz cx="6858000" cy="9144000"/>
@@ -3502,7 +3503,7 @@
           <a:p>
             <a:fld id="{4567C160-2C30-4694-9FA0-F603C7AEC858}" type="datetimeFigureOut">
               <a:rPr lang="en-IN" smtClean="0"/>
-              <a:t>23-08-2022</a:t>
+              <a:t>24-08-2022</a:t>
             </a:fld>
             <a:endParaRPr lang="en-IN"/>
           </a:p>
@@ -3681,7 +3682,7 @@
           <a:p>
             <a:fld id="{4567C160-2C30-4694-9FA0-F603C7AEC858}" type="datetimeFigureOut">
               <a:rPr lang="en-IN" smtClean="0"/>
-              <a:t>23-08-2022</a:t>
+              <a:t>24-08-2022</a:t>
             </a:fld>
             <a:endParaRPr lang="en-IN"/>
           </a:p>
@@ -3861,7 +3862,7 @@
           <a:p>
             <a:fld id="{4567C160-2C30-4694-9FA0-F603C7AEC858}" type="datetimeFigureOut">
               <a:rPr lang="en-IN" smtClean="0"/>
-              <a:t>23-08-2022</a:t>
+              <a:t>24-08-2022</a:t>
             </a:fld>
             <a:endParaRPr lang="en-IN"/>
           </a:p>
@@ -4031,7 +4032,7 @@
           <a:p>
             <a:fld id="{4567C160-2C30-4694-9FA0-F603C7AEC858}" type="datetimeFigureOut">
               <a:rPr lang="en-IN" smtClean="0"/>
-              <a:t>23-08-2022</a:t>
+              <a:t>24-08-2022</a:t>
             </a:fld>
             <a:endParaRPr lang="en-IN"/>
           </a:p>
@@ -4344,7 +4345,7 @@
           <a:p>
             <a:fld id="{4567C160-2C30-4694-9FA0-F603C7AEC858}" type="datetimeFigureOut">
               <a:rPr lang="en-IN" smtClean="0"/>
-              <a:t>23-08-2022</a:t>
+              <a:t>24-08-2022</a:t>
             </a:fld>
             <a:endParaRPr lang="en-IN"/>
           </a:p>
@@ -4730,7 +4731,7 @@
           <a:p>
             <a:fld id="{4567C160-2C30-4694-9FA0-F603C7AEC858}" type="datetimeFigureOut">
               <a:rPr lang="en-IN" smtClean="0"/>
-              <a:t>23-08-2022</a:t>
+              <a:t>24-08-2022</a:t>
             </a:fld>
             <a:endParaRPr lang="en-IN"/>
           </a:p>
@@ -5164,7 +5165,7 @@
           <a:p>
             <a:fld id="{4567C160-2C30-4694-9FA0-F603C7AEC858}" type="datetimeFigureOut">
               <a:rPr lang="en-IN" smtClean="0"/>
-              <a:t>23-08-2022</a:t>
+              <a:t>24-08-2022</a:t>
             </a:fld>
             <a:endParaRPr lang="en-IN"/>
           </a:p>
@@ -5282,7 +5283,7 @@
           <a:p>
             <a:fld id="{4567C160-2C30-4694-9FA0-F603C7AEC858}" type="datetimeFigureOut">
               <a:rPr lang="en-IN" smtClean="0"/>
-              <a:t>23-08-2022</a:t>
+              <a:t>24-08-2022</a:t>
             </a:fld>
             <a:endParaRPr lang="en-IN"/>
           </a:p>
@@ -5377,7 +5378,7 @@
           <a:p>
             <a:fld id="{4567C160-2C30-4694-9FA0-F603C7AEC858}" type="datetimeFigureOut">
               <a:rPr lang="en-IN" smtClean="0"/>
-              <a:t>23-08-2022</a:t>
+              <a:t>24-08-2022</a:t>
             </a:fld>
             <a:endParaRPr lang="en-IN"/>
           </a:p>
@@ -5727,7 +5728,7 @@
           <a:p>
             <a:fld id="{4567C160-2C30-4694-9FA0-F603C7AEC858}" type="datetimeFigureOut">
               <a:rPr lang="en-IN" smtClean="0"/>
-              <a:t>23-08-2022</a:t>
+              <a:t>24-08-2022</a:t>
             </a:fld>
             <a:endParaRPr lang="en-IN"/>
           </a:p>
@@ -6152,7 +6153,7 @@
           <a:p>
             <a:fld id="{4567C160-2C30-4694-9FA0-F603C7AEC858}" type="datetimeFigureOut">
               <a:rPr lang="en-IN" smtClean="0"/>
-              <a:t>23-08-2022</a:t>
+              <a:t>24-08-2022</a:t>
             </a:fld>
             <a:endParaRPr lang="en-IN"/>
           </a:p>
@@ -6433,7 +6434,7 @@
           <a:p>
             <a:fld id="{4567C160-2C30-4694-9FA0-F603C7AEC858}" type="datetimeFigureOut">
               <a:rPr lang="en-IN" smtClean="0"/>
-              <a:t>23-08-2022</a:t>
+              <a:t>24-08-2022</a:t>
             </a:fld>
             <a:endParaRPr lang="en-IN"/>
           </a:p>
@@ -7084,8 +7085,8 @@
         </p:nvSpPr>
         <p:spPr>
           <a:xfrm rot="21420000">
-            <a:off x="1094867" y="4721996"/>
-            <a:ext cx="9755187" cy="1910390"/>
+            <a:off x="1078975" y="4840414"/>
+            <a:ext cx="5248861" cy="1185041"/>
           </a:xfrm>
         </p:spPr>
         <p:txBody>
@@ -7101,36 +7102,41 @@
           </a:p>
           <a:p>
             <a:r>
+              <a:rPr lang="en-IN" dirty="0">
+                <a:solidFill>
+                  <a:schemeClr val="bg2">
+                    <a:lumMod val="50000"/>
+                  </a:schemeClr>
+                </a:solidFill>
+              </a:rPr>
+              <a:t>Raja Nagendra Kumar </a:t>
+            </a:r>
+            <a:r>
               <a:rPr lang="en-IN" dirty="0"/>
-              <a:t>Raja Nagendra Kumar, </a:t>
+              <a:t>&amp;  </a:t>
+            </a:r>
+            <a:r>
+              <a:rPr lang="en-IN" dirty="0">
+                <a:solidFill>
+                  <a:srgbClr val="00B050"/>
+                </a:solidFill>
+              </a:rPr>
+              <a:t>Naimeesh R</a:t>
             </a:r>
             <a:br>
               <a:rPr lang="en-IN" dirty="0"/>
             </a:br>
             <a:r>
               <a:rPr lang="en-IN" dirty="0"/>
-              <a:t>Code Doctor, </a:t>
-            </a:r>
-            <a:br>
-              <a:rPr lang="en-IN" dirty="0"/>
-            </a:br>
-            <a:r>
-              <a:rPr lang="en-IN" dirty="0"/>
-              <a:t>+91-9886723872 </a:t>
-            </a:r>
-            <a:br>
-              <a:rPr lang="en-IN" dirty="0"/>
-            </a:br>
+              <a:t>+91-9886723872, </a:t>
+            </a:r>
             <a:r>
               <a:rPr lang="en-IN" dirty="0" err="1">
                 <a:hlinkClick r:id="rId2"/>
               </a:rPr>
-              <a:t>nagendra.raja@tejasoft.com</a:t>
-            </a:r>
-            <a:r>
-              <a:rPr lang="en-IN" dirty="0"/>
-              <a:t> </a:t>
-            </a:r>
+              <a:t>inquiry@tejasoft.com</a:t>
+            </a:r>
+            <a:endParaRPr lang="en-IN" dirty="0"/>
           </a:p>
         </p:txBody>
       </p:sp>
@@ -7148,6 +7154,66 @@
 </file>
 
 <file path=ppt/slides/slide10.xml><?xml version="1.0" encoding="utf-8"?>
+<p:sld xmlns:a="http://schemas.openxmlformats.org/drawingml/2006/main" xmlns:r="http://schemas.openxmlformats.org/officeDocument/2006/relationships" xmlns:p="http://schemas.openxmlformats.org/presentationml/2006/main">
+  <p:cSld>
+    <p:spTree>
+      <p:nvGrpSpPr>
+        <p:cNvPr id="1" name=""/>
+        <p:cNvGrpSpPr/>
+        <p:nvPr/>
+      </p:nvGrpSpPr>
+      <p:grpSpPr>
+        <a:xfrm>
+          <a:off x="0" y="0"/>
+          <a:ext cx="0" cy="0"/>
+          <a:chOff x="0" y="0"/>
+          <a:chExt cx="0" cy="0"/>
+        </a:xfrm>
+      </p:grpSpPr>
+      <p:pic>
+        <p:nvPicPr>
+          <p:cNvPr id="5" name="Picture 4">
+            <a:extLst>
+              <a:ext uri="{FF2B5EF4-FFF2-40B4-BE49-F238E27FC236}">
+                <a16:creationId xmlns:a16="http://schemas.microsoft.com/office/drawing/2014/main" id="{B6C144E0-A16B-D3B6-D159-7C3E13D0A048}"/>
+              </a:ext>
+            </a:extLst>
+          </p:cNvPr>
+          <p:cNvPicPr>
+            <a:picLocks noChangeAspect="1"/>
+          </p:cNvPicPr>
+          <p:nvPr/>
+        </p:nvPicPr>
+        <p:blipFill>
+          <a:blip r:embed="rId2"/>
+          <a:stretch>
+            <a:fillRect/>
+          </a:stretch>
+        </p:blipFill>
+        <p:spPr>
+          <a:xfrm>
+            <a:off x="1588163" y="0"/>
+            <a:ext cx="9015674" cy="6858000"/>
+          </a:xfrm>
+          <a:prstGeom prst="rect">
+            <a:avLst/>
+          </a:prstGeom>
+        </p:spPr>
+      </p:pic>
+    </p:spTree>
+    <p:extLst>
+      <p:ext uri="{BB962C8B-B14F-4D97-AF65-F5344CB8AC3E}">
+        <p14:creationId xmlns:p14="http://schemas.microsoft.com/office/powerpoint/2010/main" val="1973956071"/>
+      </p:ext>
+    </p:extLst>
+  </p:cSld>
+  <p:clrMapOvr>
+    <a:masterClrMapping/>
+  </p:clrMapOvr>
+</p:sld>
+</file>
+
+<file path=ppt/slides/slide11.xml><?xml version="1.0" encoding="utf-8"?>
 <p:sld xmlns:a="http://schemas.openxmlformats.org/drawingml/2006/main" xmlns:r="http://schemas.openxmlformats.org/officeDocument/2006/relationships" xmlns:p="http://schemas.openxmlformats.org/presentationml/2006/main">
   <p:cSld>
     <p:spTree>
@@ -7207,7 +7273,7 @@
 </p:sld>
 </file>
 
-<file path=ppt/slides/slide11.xml><?xml version="1.0" encoding="utf-8"?>
+<file path=ppt/slides/slide12.xml><?xml version="1.0" encoding="utf-8"?>
 <p:sld xmlns:a="http://schemas.openxmlformats.org/drawingml/2006/main" xmlns:r="http://schemas.openxmlformats.org/officeDocument/2006/relationships" xmlns:p="http://schemas.openxmlformats.org/presentationml/2006/main">
   <p:cSld>
     <p:spTree>
@@ -7350,7 +7416,7 @@
 </p:sld>
 </file>
 
-<file path=ppt/slides/slide12.xml><?xml version="1.0" encoding="utf-8"?>
+<file path=ppt/slides/slide13.xml><?xml version="1.0" encoding="utf-8"?>
 <p:sld xmlns:a="http://schemas.openxmlformats.org/drawingml/2006/main" xmlns:r="http://schemas.openxmlformats.org/officeDocument/2006/relationships" xmlns:p="http://schemas.openxmlformats.org/presentationml/2006/main">
   <p:cSld>
     <p:spTree>
@@ -7410,7 +7476,7 @@
 </p:sld>
 </file>
 
-<file path=ppt/slides/slide13.xml><?xml version="1.0" encoding="utf-8"?>
+<file path=ppt/slides/slide14.xml><?xml version="1.0" encoding="utf-8"?>
 <p:sld xmlns:a="http://schemas.openxmlformats.org/drawingml/2006/main" xmlns:r="http://schemas.openxmlformats.org/officeDocument/2006/relationships" xmlns:p="http://schemas.openxmlformats.org/presentationml/2006/main">
   <p:cSld>
     <p:spTree>
@@ -7536,7 +7602,7 @@
 </p:sld>
 </file>
 
-<file path=ppt/slides/slide14.xml><?xml version="1.0" encoding="utf-8"?>
+<file path=ppt/slides/slide15.xml><?xml version="1.0" encoding="utf-8"?>
 <p:sld xmlns:a="http://schemas.openxmlformats.org/drawingml/2006/main" xmlns:r="http://schemas.openxmlformats.org/officeDocument/2006/relationships" xmlns:p="http://schemas.openxmlformats.org/presentationml/2006/main">
   <p:cSld>
     <p:spTree>
@@ -7689,7 +7755,7 @@
 </p:sld>
 </file>
 
-<file path=ppt/slides/slide15.xml><?xml version="1.0" encoding="utf-8"?>
+<file path=ppt/slides/slide16.xml><?xml version="1.0" encoding="utf-8"?>
 <p:sld xmlns:a="http://schemas.openxmlformats.org/drawingml/2006/main" xmlns:r="http://schemas.openxmlformats.org/officeDocument/2006/relationships" xmlns:p="http://schemas.openxmlformats.org/presentationml/2006/main">
   <p:cSld>
     <p:spTree>
@@ -7772,7 +7838,7 @@
 </p:sld>
 </file>
 
-<file path=ppt/slides/slide16.xml><?xml version="1.0" encoding="utf-8"?>
+<file path=ppt/slides/slide17.xml><?xml version="1.0" encoding="utf-8"?>
 <p:sld xmlns:a="http://schemas.openxmlformats.org/drawingml/2006/main" xmlns:r="http://schemas.openxmlformats.org/officeDocument/2006/relationships" xmlns:p="http://schemas.openxmlformats.org/presentationml/2006/main">
   <p:cSld>
     <p:spTree>
@@ -8006,7 +8072,7 @@
 </p:sld>
 </file>
 
-<file path=ppt/slides/slide17.xml><?xml version="1.0" encoding="utf-8"?>
+<file path=ppt/slides/slide18.xml><?xml version="1.0" encoding="utf-8"?>
 <p:sld xmlns:a="http://schemas.openxmlformats.org/drawingml/2006/main" xmlns:r="http://schemas.openxmlformats.org/officeDocument/2006/relationships" xmlns:p="http://schemas.openxmlformats.org/presentationml/2006/main">
   <p:cSld>
     <p:spTree>
@@ -8089,7 +8155,7 @@
 </p:sld>
 </file>
 
-<file path=ppt/slides/slide18.xml><?xml version="1.0" encoding="utf-8"?>
+<file path=ppt/slides/slide19.xml><?xml version="1.0" encoding="utf-8"?>
 <p:sld xmlns:a="http://schemas.openxmlformats.org/drawingml/2006/main" xmlns:r="http://schemas.openxmlformats.org/officeDocument/2006/relationships" xmlns:p="http://schemas.openxmlformats.org/presentationml/2006/main">
   <p:cSld>
     <p:spTree>
@@ -8216,7 +8282,95 @@
 </p:sld>
 </file>
 
-<file path=ppt/slides/slide19.xml><?xml version="1.0" encoding="utf-8"?>
+<file path=ppt/slides/slide2.xml><?xml version="1.0" encoding="utf-8"?>
+<p:sld xmlns:a="http://schemas.openxmlformats.org/drawingml/2006/main" xmlns:r="http://schemas.openxmlformats.org/officeDocument/2006/relationships" xmlns:p="http://schemas.openxmlformats.org/presentationml/2006/main">
+  <p:cSld>
+    <p:spTree>
+      <p:nvGrpSpPr>
+        <p:cNvPr id="1" name=""/>
+        <p:cNvGrpSpPr/>
+        <p:nvPr/>
+      </p:nvGrpSpPr>
+      <p:grpSpPr>
+        <a:xfrm>
+          <a:off x="0" y="0"/>
+          <a:ext cx="0" cy="0"/>
+          <a:chOff x="0" y="0"/>
+          <a:chExt cx="0" cy="0"/>
+        </a:xfrm>
+      </p:grpSpPr>
+      <p:sp>
+        <p:nvSpPr>
+          <p:cNvPr id="2" name="Title 1">
+            <a:extLst>
+              <a:ext uri="{FF2B5EF4-FFF2-40B4-BE49-F238E27FC236}">
+                <a16:creationId xmlns:a16="http://schemas.microsoft.com/office/drawing/2014/main" id="{6C3B53F4-82E6-CAC3-DA7F-6EA9CD439EDF}"/>
+              </a:ext>
+            </a:extLst>
+          </p:cNvPr>
+          <p:cNvSpPr>
+            <a:spLocks noGrp="1"/>
+          </p:cNvSpPr>
+          <p:nvPr>
+            <p:ph type="title"/>
+          </p:nvPr>
+        </p:nvSpPr>
+        <p:spPr/>
+        <p:txBody>
+          <a:bodyPr/>
+          <a:lstStyle/>
+          <a:p>
+            <a:r>
+              <a:rPr lang="en-IN" dirty="0"/>
+              <a:t>Hype driven development</a:t>
+            </a:r>
+          </a:p>
+        </p:txBody>
+      </p:sp>
+      <p:pic>
+        <p:nvPicPr>
+          <p:cNvPr id="5" name="Picture 4">
+            <a:extLst>
+              <a:ext uri="{FF2B5EF4-FFF2-40B4-BE49-F238E27FC236}">
+                <a16:creationId xmlns:a16="http://schemas.microsoft.com/office/drawing/2014/main" id="{4C66BE01-5EDB-3F8E-BB37-AFFD478FB9E5}"/>
+              </a:ext>
+            </a:extLst>
+          </p:cNvPr>
+          <p:cNvPicPr>
+            <a:picLocks noChangeAspect="1"/>
+          </p:cNvPicPr>
+          <p:nvPr/>
+        </p:nvPicPr>
+        <p:blipFill>
+          <a:blip r:embed="rId2"/>
+          <a:stretch>
+            <a:fillRect/>
+          </a:stretch>
+        </p:blipFill>
+        <p:spPr>
+          <a:xfrm>
+            <a:off x="1209724" y="2093976"/>
+            <a:ext cx="7333383" cy="4074102"/>
+          </a:xfrm>
+          <a:prstGeom prst="rect">
+            <a:avLst/>
+          </a:prstGeom>
+        </p:spPr>
+      </p:pic>
+    </p:spTree>
+    <p:extLst>
+      <p:ext uri="{BB962C8B-B14F-4D97-AF65-F5344CB8AC3E}">
+        <p14:creationId xmlns:p14="http://schemas.microsoft.com/office/powerpoint/2010/main" val="3903632065"/>
+      </p:ext>
+    </p:extLst>
+  </p:cSld>
+  <p:clrMapOvr>
+    <a:masterClrMapping/>
+  </p:clrMapOvr>
+</p:sld>
+</file>
+
+<file path=ppt/slides/slide20.xml><?xml version="1.0" encoding="utf-8"?>
 <p:sld xmlns:a="http://schemas.openxmlformats.org/drawingml/2006/main" xmlns:r="http://schemas.openxmlformats.org/officeDocument/2006/relationships" xmlns:p="http://schemas.openxmlformats.org/presentationml/2006/main">
   <p:cSld>
     <p:spTree>
@@ -8689,95 +8843,7 @@
 </p:sld>
 </file>
 
-<file path=ppt/slides/slide2.xml><?xml version="1.0" encoding="utf-8"?>
-<p:sld xmlns:a="http://schemas.openxmlformats.org/drawingml/2006/main" xmlns:r="http://schemas.openxmlformats.org/officeDocument/2006/relationships" xmlns:p="http://schemas.openxmlformats.org/presentationml/2006/main">
-  <p:cSld>
-    <p:spTree>
-      <p:nvGrpSpPr>
-        <p:cNvPr id="1" name=""/>
-        <p:cNvGrpSpPr/>
-        <p:nvPr/>
-      </p:nvGrpSpPr>
-      <p:grpSpPr>
-        <a:xfrm>
-          <a:off x="0" y="0"/>
-          <a:ext cx="0" cy="0"/>
-          <a:chOff x="0" y="0"/>
-          <a:chExt cx="0" cy="0"/>
-        </a:xfrm>
-      </p:grpSpPr>
-      <p:sp>
-        <p:nvSpPr>
-          <p:cNvPr id="2" name="Title 1">
-            <a:extLst>
-              <a:ext uri="{FF2B5EF4-FFF2-40B4-BE49-F238E27FC236}">
-                <a16:creationId xmlns:a16="http://schemas.microsoft.com/office/drawing/2014/main" id="{6C3B53F4-82E6-CAC3-DA7F-6EA9CD439EDF}"/>
-              </a:ext>
-            </a:extLst>
-          </p:cNvPr>
-          <p:cNvSpPr>
-            <a:spLocks noGrp="1"/>
-          </p:cNvSpPr>
-          <p:nvPr>
-            <p:ph type="title"/>
-          </p:nvPr>
-        </p:nvSpPr>
-        <p:spPr/>
-        <p:txBody>
-          <a:bodyPr/>
-          <a:lstStyle/>
-          <a:p>
-            <a:r>
-              <a:rPr lang="en-IN" dirty="0"/>
-              <a:t>Hype driven development</a:t>
-            </a:r>
-          </a:p>
-        </p:txBody>
-      </p:sp>
-      <p:pic>
-        <p:nvPicPr>
-          <p:cNvPr id="5" name="Picture 4">
-            <a:extLst>
-              <a:ext uri="{FF2B5EF4-FFF2-40B4-BE49-F238E27FC236}">
-                <a16:creationId xmlns:a16="http://schemas.microsoft.com/office/drawing/2014/main" id="{4C66BE01-5EDB-3F8E-BB37-AFFD478FB9E5}"/>
-              </a:ext>
-            </a:extLst>
-          </p:cNvPr>
-          <p:cNvPicPr>
-            <a:picLocks noChangeAspect="1"/>
-          </p:cNvPicPr>
-          <p:nvPr/>
-        </p:nvPicPr>
-        <p:blipFill>
-          <a:blip r:embed="rId2"/>
-          <a:stretch>
-            <a:fillRect/>
-          </a:stretch>
-        </p:blipFill>
-        <p:spPr>
-          <a:xfrm>
-            <a:off x="1209724" y="2093976"/>
-            <a:ext cx="7333383" cy="4074102"/>
-          </a:xfrm>
-          <a:prstGeom prst="rect">
-            <a:avLst/>
-          </a:prstGeom>
-        </p:spPr>
-      </p:pic>
-    </p:spTree>
-    <p:extLst>
-      <p:ext uri="{BB962C8B-B14F-4D97-AF65-F5344CB8AC3E}">
-        <p14:creationId xmlns:p14="http://schemas.microsoft.com/office/powerpoint/2010/main" val="3903632065"/>
-      </p:ext>
-    </p:extLst>
-  </p:cSld>
-  <p:clrMapOvr>
-    <a:masterClrMapping/>
-  </p:clrMapOvr>
-</p:sld>
-</file>
-
-<file path=ppt/slides/slide20.xml><?xml version="1.0" encoding="utf-8"?>
+<file path=ppt/slides/slide21.xml><?xml version="1.0" encoding="utf-8"?>
 <p:sld xmlns:a="http://schemas.openxmlformats.org/drawingml/2006/main" xmlns:r="http://schemas.openxmlformats.org/officeDocument/2006/relationships" xmlns:p="http://schemas.openxmlformats.org/presentationml/2006/main">
   <p:cSld>
     <p:spTree>
@@ -9079,7 +9145,7 @@
 </p:sld>
 </file>
 
-<file path=ppt/slides/slide21.xml><?xml version="1.0" encoding="utf-8"?>
+<file path=ppt/slides/slide22.xml><?xml version="1.0" encoding="utf-8"?>
 <p:sld xmlns:a="http://schemas.openxmlformats.org/drawingml/2006/main" xmlns:r="http://schemas.openxmlformats.org/officeDocument/2006/relationships" xmlns:p="http://schemas.openxmlformats.org/presentationml/2006/main">
   <p:cSld>
     <p:spTree>
@@ -9169,7 +9235,7 @@
 </p:sld>
 </file>
 
-<file path=ppt/slides/slide22.xml><?xml version="1.0" encoding="utf-8"?>
+<file path=ppt/slides/slide23.xml><?xml version="1.0" encoding="utf-8"?>
 <p:sld xmlns:a="http://schemas.openxmlformats.org/drawingml/2006/main" xmlns:r="http://schemas.openxmlformats.org/officeDocument/2006/relationships" xmlns:p="http://schemas.openxmlformats.org/presentationml/2006/main">
   <p:cSld>
     <p:spTree>
@@ -9261,7 +9327,7 @@
 </p:sld>
 </file>
 
-<file path=ppt/slides/slide23.xml><?xml version="1.0" encoding="utf-8"?>
+<file path=ppt/slides/slide24.xml><?xml version="1.0" encoding="utf-8"?>
 <p:sld xmlns:a="http://schemas.openxmlformats.org/drawingml/2006/main" xmlns:r="http://schemas.openxmlformats.org/officeDocument/2006/relationships" xmlns:p="http://schemas.openxmlformats.org/presentationml/2006/main">
   <p:cSld>
     <p:spTree>
@@ -9381,7 +9447,7 @@
 </p:sld>
 </file>
 
-<file path=ppt/slides/slide24.xml><?xml version="1.0" encoding="utf-8"?>
+<file path=ppt/slides/slide25.xml><?xml version="1.0" encoding="utf-8"?>
 <p:sld xmlns:a="http://schemas.openxmlformats.org/drawingml/2006/main" xmlns:r="http://schemas.openxmlformats.org/officeDocument/2006/relationships" xmlns:p="http://schemas.openxmlformats.org/presentationml/2006/main">
   <p:cSld>
     <p:spTree>
@@ -9505,7 +9571,7 @@
 </p:sld>
 </file>
 
-<file path=ppt/slides/slide25.xml><?xml version="1.0" encoding="utf-8"?>
+<file path=ppt/slides/slide26.xml><?xml version="1.0" encoding="utf-8"?>
 <p:sld xmlns:a="http://schemas.openxmlformats.org/drawingml/2006/main" xmlns:r="http://schemas.openxmlformats.org/officeDocument/2006/relationships" xmlns:p="http://schemas.openxmlformats.org/presentationml/2006/main">
   <p:cSld>
     <p:spTree>
@@ -9661,7 +9727,7 @@
 </p:sld>
 </file>
 
-<file path=ppt/slides/slide26.xml><?xml version="1.0" encoding="utf-8"?>
+<file path=ppt/slides/slide27.xml><?xml version="1.0" encoding="utf-8"?>
 <p:sld xmlns:a="http://schemas.openxmlformats.org/drawingml/2006/main" xmlns:r="http://schemas.openxmlformats.org/officeDocument/2006/relationships" xmlns:p="http://schemas.openxmlformats.org/presentationml/2006/main">
   <p:cSld>
     <p:spTree>
@@ -9788,7 +9854,7 @@
 </p:sld>
 </file>
 
-<file path=ppt/slides/slide27.xml><?xml version="1.0" encoding="utf-8"?>
+<file path=ppt/slides/slide28.xml><?xml version="1.0" encoding="utf-8"?>
 <p:sld xmlns:a="http://schemas.openxmlformats.org/drawingml/2006/main" xmlns:r="http://schemas.openxmlformats.org/officeDocument/2006/relationships" xmlns:p="http://schemas.openxmlformats.org/presentationml/2006/main">
   <p:cSld>
     <p:spTree>
@@ -9876,7 +9942,7 @@
 </p:sld>
 </file>
 
-<file path=ppt/slides/slide28.xml><?xml version="1.0" encoding="utf-8"?>
+<file path=ppt/slides/slide29.xml><?xml version="1.0" encoding="utf-8"?>
 <p:sld xmlns:a="http://schemas.openxmlformats.org/drawingml/2006/main" xmlns:r="http://schemas.openxmlformats.org/officeDocument/2006/relationships" xmlns:p="http://schemas.openxmlformats.org/presentationml/2006/main">
   <p:cSld>
     <p:spTree>
@@ -9950,104 +10016,6 @@
     <p:extLst>
       <p:ext uri="{BB962C8B-B14F-4D97-AF65-F5344CB8AC3E}">
         <p14:creationId xmlns:p14="http://schemas.microsoft.com/office/powerpoint/2010/main" val="159416646"/>
-      </p:ext>
-    </p:extLst>
-  </p:cSld>
-  <p:clrMapOvr>
-    <a:masterClrMapping/>
-  </p:clrMapOvr>
-</p:sld>
-</file>
-
-<file path=ppt/slides/slide29.xml><?xml version="1.0" encoding="utf-8"?>
-<p:sld xmlns:a="http://schemas.openxmlformats.org/drawingml/2006/main" xmlns:r="http://schemas.openxmlformats.org/officeDocument/2006/relationships" xmlns:p="http://schemas.openxmlformats.org/presentationml/2006/main">
-  <p:cSld>
-    <p:spTree>
-      <p:nvGrpSpPr>
-        <p:cNvPr id="1" name=""/>
-        <p:cNvGrpSpPr/>
-        <p:nvPr/>
-      </p:nvGrpSpPr>
-      <p:grpSpPr>
-        <a:xfrm>
-          <a:off x="0" y="0"/>
-          <a:ext cx="0" cy="0"/>
-          <a:chOff x="0" y="0"/>
-          <a:chExt cx="0" cy="0"/>
-        </a:xfrm>
-      </p:grpSpPr>
-      <p:sp>
-        <p:nvSpPr>
-          <p:cNvPr id="2" name="Title 1">
-            <a:extLst>
-              <a:ext uri="{FF2B5EF4-FFF2-40B4-BE49-F238E27FC236}">
-                <a16:creationId xmlns:a16="http://schemas.microsoft.com/office/drawing/2014/main" id="{4244EA81-93C5-A96D-493E-BCFB13584F18}"/>
-              </a:ext>
-            </a:extLst>
-          </p:cNvPr>
-          <p:cNvSpPr>
-            <a:spLocks noGrp="1"/>
-          </p:cNvSpPr>
-          <p:nvPr>
-            <p:ph type="title"/>
-          </p:nvPr>
-        </p:nvSpPr>
-        <p:spPr/>
-        <p:txBody>
-          <a:bodyPr/>
-          <a:lstStyle/>
-          <a:p>
-            <a:endParaRPr lang="en-IN"/>
-          </a:p>
-        </p:txBody>
-      </p:sp>
-      <p:sp>
-        <p:nvSpPr>
-          <p:cNvPr id="3" name="Content Placeholder 2">
-            <a:extLst>
-              <a:ext uri="{FF2B5EF4-FFF2-40B4-BE49-F238E27FC236}">
-                <a16:creationId xmlns:a16="http://schemas.microsoft.com/office/drawing/2014/main" id="{26B31A73-F0FC-34BC-01DB-9BA655300B89}"/>
-              </a:ext>
-            </a:extLst>
-          </p:cNvPr>
-          <p:cNvSpPr>
-            <a:spLocks noGrp="1"/>
-          </p:cNvSpPr>
-          <p:nvPr>
-            <p:ph idx="1"/>
-          </p:nvPr>
-        </p:nvSpPr>
-        <p:spPr/>
-        <p:txBody>
-          <a:bodyPr/>
-          <a:lstStyle/>
-          <a:p>
-            <a:r>
-              <a:rPr lang="en-US" sz="1800" b="0" i="0" u="none" strike="noStrike" baseline="0" dirty="0">
-                <a:latin typeface="Panton-Regular"/>
-              </a:rPr>
-              <a:t>A Stack defines the State</a:t>
-            </a:r>
-          </a:p>
-          <a:p>
-            <a:r>
-              <a:rPr lang="en-IN" b="0" i="0" dirty="0">
-                <a:solidFill>
-                  <a:srgbClr val="2F3032"/>
-                </a:solidFill>
-                <a:effectLst/>
-                <a:latin typeface="Inter"/>
-              </a:rPr>
-              <a:t> micro-stacks.</a:t>
-            </a:r>
-            <a:endParaRPr lang="en-IN" dirty="0"/>
-          </a:p>
-        </p:txBody>
-      </p:sp>
-    </p:spTree>
-    <p:extLst>
-      <p:ext uri="{BB962C8B-B14F-4D97-AF65-F5344CB8AC3E}">
-        <p14:creationId xmlns:p14="http://schemas.microsoft.com/office/powerpoint/2010/main" val="2091928224"/>
       </p:ext>
     </p:extLst>
   </p:cSld>
@@ -10097,6 +10065,7 @@
           </a:bodyPr>
           <a:lstStyle/>
           <a:p>
+            <a:pPr marL="3054350" indent="-3054350"/>
             <a:r>
               <a:rPr lang="en-IN" dirty="0"/>
               <a:t>&lt;Lc/</a:t>
@@ -10169,6 +10138,104 @@
 </file>
 
 <file path=ppt/slides/slide30.xml><?xml version="1.0" encoding="utf-8"?>
+<p:sld xmlns:a="http://schemas.openxmlformats.org/drawingml/2006/main" xmlns:r="http://schemas.openxmlformats.org/officeDocument/2006/relationships" xmlns:p="http://schemas.openxmlformats.org/presentationml/2006/main">
+  <p:cSld>
+    <p:spTree>
+      <p:nvGrpSpPr>
+        <p:cNvPr id="1" name=""/>
+        <p:cNvGrpSpPr/>
+        <p:nvPr/>
+      </p:nvGrpSpPr>
+      <p:grpSpPr>
+        <a:xfrm>
+          <a:off x="0" y="0"/>
+          <a:ext cx="0" cy="0"/>
+          <a:chOff x="0" y="0"/>
+          <a:chExt cx="0" cy="0"/>
+        </a:xfrm>
+      </p:grpSpPr>
+      <p:sp>
+        <p:nvSpPr>
+          <p:cNvPr id="2" name="Title 1">
+            <a:extLst>
+              <a:ext uri="{FF2B5EF4-FFF2-40B4-BE49-F238E27FC236}">
+                <a16:creationId xmlns:a16="http://schemas.microsoft.com/office/drawing/2014/main" id="{4244EA81-93C5-A96D-493E-BCFB13584F18}"/>
+              </a:ext>
+            </a:extLst>
+          </p:cNvPr>
+          <p:cNvSpPr>
+            <a:spLocks noGrp="1"/>
+          </p:cNvSpPr>
+          <p:nvPr>
+            <p:ph type="title"/>
+          </p:nvPr>
+        </p:nvSpPr>
+        <p:spPr/>
+        <p:txBody>
+          <a:bodyPr/>
+          <a:lstStyle/>
+          <a:p>
+            <a:endParaRPr lang="en-IN"/>
+          </a:p>
+        </p:txBody>
+      </p:sp>
+      <p:sp>
+        <p:nvSpPr>
+          <p:cNvPr id="3" name="Content Placeholder 2">
+            <a:extLst>
+              <a:ext uri="{FF2B5EF4-FFF2-40B4-BE49-F238E27FC236}">
+                <a16:creationId xmlns:a16="http://schemas.microsoft.com/office/drawing/2014/main" id="{26B31A73-F0FC-34BC-01DB-9BA655300B89}"/>
+              </a:ext>
+            </a:extLst>
+          </p:cNvPr>
+          <p:cNvSpPr>
+            <a:spLocks noGrp="1"/>
+          </p:cNvSpPr>
+          <p:nvPr>
+            <p:ph idx="1"/>
+          </p:nvPr>
+        </p:nvSpPr>
+        <p:spPr/>
+        <p:txBody>
+          <a:bodyPr/>
+          <a:lstStyle/>
+          <a:p>
+            <a:r>
+              <a:rPr lang="en-US" sz="1800" b="0" i="0" u="none" strike="noStrike" baseline="0" dirty="0">
+                <a:latin typeface="Panton-Regular"/>
+              </a:rPr>
+              <a:t>A Stack defines the State</a:t>
+            </a:r>
+          </a:p>
+          <a:p>
+            <a:r>
+              <a:rPr lang="en-IN" b="0" i="0" dirty="0">
+                <a:solidFill>
+                  <a:srgbClr val="2F3032"/>
+                </a:solidFill>
+                <a:effectLst/>
+                <a:latin typeface="Inter"/>
+              </a:rPr>
+              <a:t> micro-stacks.</a:t>
+            </a:r>
+            <a:endParaRPr lang="en-IN" dirty="0"/>
+          </a:p>
+        </p:txBody>
+      </p:sp>
+    </p:spTree>
+    <p:extLst>
+      <p:ext uri="{BB962C8B-B14F-4D97-AF65-F5344CB8AC3E}">
+        <p14:creationId xmlns:p14="http://schemas.microsoft.com/office/powerpoint/2010/main" val="2091928224"/>
+      </p:ext>
+    </p:extLst>
+  </p:cSld>
+  <p:clrMapOvr>
+    <a:masterClrMapping/>
+  </p:clrMapOvr>
+</p:sld>
+</file>
+
+<file path=ppt/slides/slide31.xml><?xml version="1.0" encoding="utf-8"?>
 <p:sld xmlns:a="http://schemas.openxmlformats.org/drawingml/2006/main" xmlns:r="http://schemas.openxmlformats.org/officeDocument/2006/relationships" xmlns:p="http://schemas.openxmlformats.org/presentationml/2006/main">
   <p:cSld>
     <p:spTree>
@@ -11754,7 +11821,7 @@
 </p:sld>
 </file>
 
-<file path=ppt/slides/slide31.xml><?xml version="1.0" encoding="utf-8"?>
+<file path=ppt/slides/slide32.xml><?xml version="1.0" encoding="utf-8"?>
 <p:sld xmlns:a="http://schemas.openxmlformats.org/drawingml/2006/main" xmlns:r="http://schemas.openxmlformats.org/officeDocument/2006/relationships" xmlns:p="http://schemas.openxmlformats.org/presentationml/2006/main">
   <p:cSld>
     <p:spTree>
@@ -12359,7 +12426,7 @@
 </p:sld>
 </file>
 
-<file path=ppt/slides/slide32.xml><?xml version="1.0" encoding="utf-8"?>
+<file path=ppt/slides/slide33.xml><?xml version="1.0" encoding="utf-8"?>
 <p:sld xmlns:a="http://schemas.openxmlformats.org/drawingml/2006/main" xmlns:r="http://schemas.openxmlformats.org/officeDocument/2006/relationships" xmlns:p="http://schemas.openxmlformats.org/presentationml/2006/main">
   <p:cSld>
     <p:spTree>
@@ -12436,7 +12503,7 @@
 </p:sld>
 </file>
 
-<file path=ppt/slides/slide33.xml><?xml version="1.0" encoding="utf-8"?>
+<file path=ppt/slides/slide34.xml><?xml version="1.0" encoding="utf-8"?>
 <p:sld xmlns:a="http://schemas.openxmlformats.org/drawingml/2006/main" xmlns:r="http://schemas.openxmlformats.org/officeDocument/2006/relationships" xmlns:p="http://schemas.openxmlformats.org/presentationml/2006/main">
   <p:cSld>
     <p:spTree>
@@ -12500,7 +12567,7 @@
 </p:sld>
 </file>
 
-<file path=ppt/slides/slide34.xml><?xml version="1.0" encoding="utf-8"?>
+<file path=ppt/slides/slide35.xml><?xml version="1.0" encoding="utf-8"?>
 <p:sld xmlns:a="http://schemas.openxmlformats.org/drawingml/2006/main" xmlns:r="http://schemas.openxmlformats.org/officeDocument/2006/relationships" xmlns:p="http://schemas.openxmlformats.org/presentationml/2006/main">
   <p:cSld>
     <p:spTree>
@@ -12632,6 +12699,96 @@
           <p:cNvPr id="2" name="Title 1">
             <a:extLst>
               <a:ext uri="{FF2B5EF4-FFF2-40B4-BE49-F238E27FC236}">
+                <a16:creationId xmlns:a16="http://schemas.microsoft.com/office/drawing/2014/main" id="{DF803CCB-3596-BF96-813B-BFB91CDBC5CE}"/>
+              </a:ext>
+            </a:extLst>
+          </p:cNvPr>
+          <p:cNvSpPr>
+            <a:spLocks noGrp="1"/>
+          </p:cNvSpPr>
+          <p:nvPr>
+            <p:ph type="title"/>
+          </p:nvPr>
+        </p:nvSpPr>
+        <p:spPr/>
+        <p:txBody>
+          <a:bodyPr/>
+          <a:lstStyle/>
+          <a:p>
+            <a:r>
+              <a:rPr lang="en-IN" dirty="0"/>
+              <a:t>What is infra</a:t>
+            </a:r>
+          </a:p>
+        </p:txBody>
+      </p:sp>
+      <p:sp>
+        <p:nvSpPr>
+          <p:cNvPr id="3" name="Content Placeholder 2">
+            <a:extLst>
+              <a:ext uri="{FF2B5EF4-FFF2-40B4-BE49-F238E27FC236}">
+                <a16:creationId xmlns:a16="http://schemas.microsoft.com/office/drawing/2014/main" id="{B01065F6-ECBE-FF5E-9DAF-F7A7D06CDDC2}"/>
+              </a:ext>
+            </a:extLst>
+          </p:cNvPr>
+          <p:cNvSpPr>
+            <a:spLocks noGrp="1"/>
+          </p:cNvSpPr>
+          <p:nvPr>
+            <p:ph idx="1"/>
+          </p:nvPr>
+        </p:nvSpPr>
+        <p:spPr/>
+        <p:txBody>
+          <a:bodyPr/>
+          <a:lstStyle/>
+          <a:p>
+            <a:r>
+              <a:rPr lang="en-IN"/>
+              <a:t>Compute Machine</a:t>
+            </a:r>
+            <a:endParaRPr lang="en-IN" dirty="0"/>
+          </a:p>
+          <a:p>
+            <a:endParaRPr lang="en-IN" dirty="0"/>
+          </a:p>
+        </p:txBody>
+      </p:sp>
+    </p:spTree>
+    <p:extLst>
+      <p:ext uri="{BB962C8B-B14F-4D97-AF65-F5344CB8AC3E}">
+        <p14:creationId xmlns:p14="http://schemas.microsoft.com/office/powerpoint/2010/main" val="1167294500"/>
+      </p:ext>
+    </p:extLst>
+  </p:cSld>
+  <p:clrMapOvr>
+    <a:masterClrMapping/>
+  </p:clrMapOvr>
+</p:sld>
+</file>
+
+<file path=ppt/slides/slide5.xml><?xml version="1.0" encoding="utf-8"?>
+<p:sld xmlns:a="http://schemas.openxmlformats.org/drawingml/2006/main" xmlns:r="http://schemas.openxmlformats.org/officeDocument/2006/relationships" xmlns:p="http://schemas.openxmlformats.org/presentationml/2006/main">
+  <p:cSld>
+    <p:spTree>
+      <p:nvGrpSpPr>
+        <p:cNvPr id="1" name=""/>
+        <p:cNvGrpSpPr/>
+        <p:nvPr/>
+      </p:nvGrpSpPr>
+      <p:grpSpPr>
+        <a:xfrm>
+          <a:off x="0" y="0"/>
+          <a:ext cx="0" cy="0"/>
+          <a:chOff x="0" y="0"/>
+          <a:chExt cx="0" cy="0"/>
+        </a:xfrm>
+      </p:grpSpPr>
+      <p:sp>
+        <p:nvSpPr>
+          <p:cNvPr id="2" name="Title 1">
+            <a:extLst>
+              <a:ext uri="{FF2B5EF4-FFF2-40B4-BE49-F238E27FC236}">
                 <a16:creationId xmlns:a16="http://schemas.microsoft.com/office/drawing/2014/main" id="{0F03FCEE-0580-9F17-9513-B6F422C31B17}"/>
               </a:ext>
             </a:extLst>
@@ -12697,12 +12854,11 @@
           <a:lstStyle/>
           <a:p>
             <a:r>
-              <a:rPr lang="en-US" b="1" i="0" dirty="0">
+              <a:rPr lang="en-US" i="0" dirty="0">
                 <a:solidFill>
                   <a:srgbClr val="2F3032"/>
                 </a:solidFill>
                 <a:effectLst/>
-                <a:latin typeface="Gilroy"/>
               </a:rPr>
               <a:t>Software engineering practices made for the cloud</a:t>
             </a:r>
@@ -12711,7 +12867,6 @@
             <a:r>
               <a:rPr lang="en-US" b="0" i="0" dirty="0">
                 <a:effectLst/>
-                <a:latin typeface="Inter"/>
               </a:rPr>
               <a:t>Apply standard software engineering practices and tools uniformly across infrastructure, development, and compliance teams to tame the complexity of delivering and managing modern cloud applications.</a:t>
             </a:r>
@@ -12734,7 +12889,7 @@
 </p:sld>
 </file>
 
-<file path=ppt/slides/slide5.xml><?xml version="1.0" encoding="utf-8"?>
+<file path=ppt/slides/slide6.xml><?xml version="1.0" encoding="utf-8"?>
 <p:sld xmlns:a="http://schemas.openxmlformats.org/drawingml/2006/main" xmlns:r="http://schemas.openxmlformats.org/officeDocument/2006/relationships" xmlns:p="http://schemas.openxmlformats.org/presentationml/2006/main">
   <p:cSld>
     <p:spTree>
@@ -12827,7 +12982,7 @@
 </p:sld>
 </file>
 
-<file path=ppt/slides/slide6.xml><?xml version="1.0" encoding="utf-8"?>
+<file path=ppt/slides/slide7.xml><?xml version="1.0" encoding="utf-8"?>
 <p:sld xmlns:a="http://schemas.openxmlformats.org/drawingml/2006/main" xmlns:r="http://schemas.openxmlformats.org/officeDocument/2006/relationships" xmlns:p="http://schemas.openxmlformats.org/presentationml/2006/main">
   <p:cSld>
     <p:spTree>
@@ -12932,7 +13087,7 @@
 </p:sld>
 </file>
 
-<file path=ppt/slides/slide7.xml><?xml version="1.0" encoding="utf-8"?>
+<file path=ppt/slides/slide8.xml><?xml version="1.0" encoding="utf-8"?>
 <p:sld xmlns:a="http://schemas.openxmlformats.org/drawingml/2006/main" xmlns:r="http://schemas.openxmlformats.org/officeDocument/2006/relationships" xmlns:p="http://schemas.openxmlformats.org/presentationml/2006/main">
   <p:cSld>
     <p:spTree>
@@ -13015,7 +13170,7 @@
 </p:sld>
 </file>
 
-<file path=ppt/slides/slide8.xml><?xml version="1.0" encoding="utf-8"?>
+<file path=ppt/slides/slide9.xml><?xml version="1.0" encoding="utf-8"?>
 <p:sld xmlns:a="http://schemas.openxmlformats.org/drawingml/2006/main" xmlns:r="http://schemas.openxmlformats.org/officeDocument/2006/relationships" xmlns:p="http://schemas.openxmlformats.org/presentationml/2006/main">
   <p:cSld>
     <p:spTree>
@@ -13089,66 +13244,6 @@
     <p:extLst>
       <p:ext uri="{BB962C8B-B14F-4D97-AF65-F5344CB8AC3E}">
         <p14:creationId xmlns:p14="http://schemas.microsoft.com/office/powerpoint/2010/main" val="3886093636"/>
-      </p:ext>
-    </p:extLst>
-  </p:cSld>
-  <p:clrMapOvr>
-    <a:masterClrMapping/>
-  </p:clrMapOvr>
-</p:sld>
-</file>
-
-<file path=ppt/slides/slide9.xml><?xml version="1.0" encoding="utf-8"?>
-<p:sld xmlns:a="http://schemas.openxmlformats.org/drawingml/2006/main" xmlns:r="http://schemas.openxmlformats.org/officeDocument/2006/relationships" xmlns:p="http://schemas.openxmlformats.org/presentationml/2006/main">
-  <p:cSld>
-    <p:spTree>
-      <p:nvGrpSpPr>
-        <p:cNvPr id="1" name=""/>
-        <p:cNvGrpSpPr/>
-        <p:nvPr/>
-      </p:nvGrpSpPr>
-      <p:grpSpPr>
-        <a:xfrm>
-          <a:off x="0" y="0"/>
-          <a:ext cx="0" cy="0"/>
-          <a:chOff x="0" y="0"/>
-          <a:chExt cx="0" cy="0"/>
-        </a:xfrm>
-      </p:grpSpPr>
-      <p:pic>
-        <p:nvPicPr>
-          <p:cNvPr id="5" name="Picture 4">
-            <a:extLst>
-              <a:ext uri="{FF2B5EF4-FFF2-40B4-BE49-F238E27FC236}">
-                <a16:creationId xmlns:a16="http://schemas.microsoft.com/office/drawing/2014/main" id="{B6C144E0-A16B-D3B6-D159-7C3E13D0A048}"/>
-              </a:ext>
-            </a:extLst>
-          </p:cNvPr>
-          <p:cNvPicPr>
-            <a:picLocks noChangeAspect="1"/>
-          </p:cNvPicPr>
-          <p:nvPr/>
-        </p:nvPicPr>
-        <p:blipFill>
-          <a:blip r:embed="rId2"/>
-          <a:stretch>
-            <a:fillRect/>
-          </a:stretch>
-        </p:blipFill>
-        <p:spPr>
-          <a:xfrm>
-            <a:off x="1588163" y="0"/>
-            <a:ext cx="9015674" cy="6858000"/>
-          </a:xfrm>
-          <a:prstGeom prst="rect">
-            <a:avLst/>
-          </a:prstGeom>
-        </p:spPr>
-      </p:pic>
-    </p:spTree>
-    <p:extLst>
-      <p:ext uri="{BB962C8B-B14F-4D97-AF65-F5344CB8AC3E}">
-        <p14:creationId xmlns:p14="http://schemas.microsoft.com/office/powerpoint/2010/main" val="1973956071"/>
       </p:ext>
     </p:extLst>
   </p:cSld>

--- a/docs/IaC_Devopedia_Sep_2022.pptx
+++ b/docs/IaC_Devopedia_Sep_2022.pptx
@@ -9,37 +9,51 @@
     <p:sldId id="262" r:id="rId3"/>
     <p:sldId id="263" r:id="rId4"/>
     <p:sldId id="291" r:id="rId5"/>
-    <p:sldId id="260" r:id="rId6"/>
-    <p:sldId id="269" r:id="rId7"/>
-    <p:sldId id="261" r:id="rId8"/>
+    <p:sldId id="292" r:id="rId6"/>
+    <p:sldId id="293" r:id="rId7"/>
+    <p:sldId id="260" r:id="rId8"/>
     <p:sldId id="267" r:id="rId9"/>
-    <p:sldId id="270" r:id="rId10"/>
-    <p:sldId id="271" r:id="rId11"/>
-    <p:sldId id="272" r:id="rId12"/>
-    <p:sldId id="257" r:id="rId13"/>
-    <p:sldId id="266" r:id="rId14"/>
-    <p:sldId id="275" r:id="rId15"/>
-    <p:sldId id="258" r:id="rId16"/>
-    <p:sldId id="277" r:id="rId17"/>
-    <p:sldId id="259" r:id="rId18"/>
-    <p:sldId id="290" r:id="rId19"/>
-    <p:sldId id="278" r:id="rId20"/>
-    <p:sldId id="279" r:id="rId21"/>
-    <p:sldId id="264" r:id="rId22"/>
-    <p:sldId id="280" r:id="rId23"/>
-    <p:sldId id="281" r:id="rId24"/>
-    <p:sldId id="282" r:id="rId25"/>
-    <p:sldId id="283" r:id="rId26"/>
-    <p:sldId id="284" r:id="rId27"/>
-    <p:sldId id="285" r:id="rId28"/>
-    <p:sldId id="286" r:id="rId29"/>
-    <p:sldId id="274" r:id="rId30"/>
-    <p:sldId id="265" r:id="rId31"/>
-    <p:sldId id="273" r:id="rId32"/>
-    <p:sldId id="276" r:id="rId33"/>
-    <p:sldId id="287" r:id="rId34"/>
-    <p:sldId id="288" r:id="rId35"/>
-    <p:sldId id="289" r:id="rId36"/>
+    <p:sldId id="271" r:id="rId10"/>
+    <p:sldId id="272" r:id="rId11"/>
+    <p:sldId id="270" r:id="rId12"/>
+    <p:sldId id="261" r:id="rId13"/>
+    <p:sldId id="257" r:id="rId14"/>
+    <p:sldId id="266" r:id="rId15"/>
+    <p:sldId id="294" r:id="rId16"/>
+    <p:sldId id="275" r:id="rId17"/>
+    <p:sldId id="258" r:id="rId18"/>
+    <p:sldId id="295" r:id="rId19"/>
+    <p:sldId id="259" r:id="rId20"/>
+    <p:sldId id="278" r:id="rId21"/>
+    <p:sldId id="279" r:id="rId22"/>
+    <p:sldId id="290" r:id="rId23"/>
+    <p:sldId id="296" r:id="rId24"/>
+    <p:sldId id="297" r:id="rId25"/>
+    <p:sldId id="298" r:id="rId26"/>
+    <p:sldId id="286" r:id="rId27"/>
+    <p:sldId id="264" r:id="rId28"/>
+    <p:sldId id="273" r:id="rId29"/>
+    <p:sldId id="276" r:id="rId30"/>
+    <p:sldId id="287" r:id="rId31"/>
+    <p:sldId id="299" r:id="rId32"/>
+    <p:sldId id="300" r:id="rId33"/>
+    <p:sldId id="301" r:id="rId34"/>
+    <p:sldId id="302" r:id="rId35"/>
+    <p:sldId id="305" r:id="rId36"/>
+    <p:sldId id="306" r:id="rId37"/>
+    <p:sldId id="303" r:id="rId38"/>
+    <p:sldId id="304" r:id="rId39"/>
+    <p:sldId id="280" r:id="rId40"/>
+    <p:sldId id="281" r:id="rId41"/>
+    <p:sldId id="282" r:id="rId42"/>
+    <p:sldId id="283" r:id="rId43"/>
+    <p:sldId id="284" r:id="rId44"/>
+    <p:sldId id="285" r:id="rId45"/>
+    <p:sldId id="274" r:id="rId46"/>
+    <p:sldId id="288" r:id="rId47"/>
+    <p:sldId id="289" r:id="rId48"/>
+    <p:sldId id="269" r:id="rId49"/>
+    <p:sldId id="265" r:id="rId50"/>
   </p:sldIdLst>
   <p:sldSz cx="12192000" cy="6858000"/>
   <p:notesSz cx="6858000" cy="9144000"/>
@@ -3503,7 +3517,7 @@
           <a:p>
             <a:fld id="{4567C160-2C30-4694-9FA0-F603C7AEC858}" type="datetimeFigureOut">
               <a:rPr lang="en-IN" smtClean="0"/>
-              <a:t>24-08-2022</a:t>
+              <a:t>25-08-2022</a:t>
             </a:fld>
             <a:endParaRPr lang="en-IN"/>
           </a:p>
@@ -3682,7 +3696,7 @@
           <a:p>
             <a:fld id="{4567C160-2C30-4694-9FA0-F603C7AEC858}" type="datetimeFigureOut">
               <a:rPr lang="en-IN" smtClean="0"/>
-              <a:t>24-08-2022</a:t>
+              <a:t>25-08-2022</a:t>
             </a:fld>
             <a:endParaRPr lang="en-IN"/>
           </a:p>
@@ -3862,7 +3876,7 @@
           <a:p>
             <a:fld id="{4567C160-2C30-4694-9FA0-F603C7AEC858}" type="datetimeFigureOut">
               <a:rPr lang="en-IN" smtClean="0"/>
-              <a:t>24-08-2022</a:t>
+              <a:t>25-08-2022</a:t>
             </a:fld>
             <a:endParaRPr lang="en-IN"/>
           </a:p>
@@ -4032,7 +4046,7 @@
           <a:p>
             <a:fld id="{4567C160-2C30-4694-9FA0-F603C7AEC858}" type="datetimeFigureOut">
               <a:rPr lang="en-IN" smtClean="0"/>
-              <a:t>24-08-2022</a:t>
+              <a:t>25-08-2022</a:t>
             </a:fld>
             <a:endParaRPr lang="en-IN"/>
           </a:p>
@@ -4345,7 +4359,7 @@
           <a:p>
             <a:fld id="{4567C160-2C30-4694-9FA0-F603C7AEC858}" type="datetimeFigureOut">
               <a:rPr lang="en-IN" smtClean="0"/>
-              <a:t>24-08-2022</a:t>
+              <a:t>25-08-2022</a:t>
             </a:fld>
             <a:endParaRPr lang="en-IN"/>
           </a:p>
@@ -4731,7 +4745,7 @@
           <a:p>
             <a:fld id="{4567C160-2C30-4694-9FA0-F603C7AEC858}" type="datetimeFigureOut">
               <a:rPr lang="en-IN" smtClean="0"/>
-              <a:t>24-08-2022</a:t>
+              <a:t>25-08-2022</a:t>
             </a:fld>
             <a:endParaRPr lang="en-IN"/>
           </a:p>
@@ -5165,7 +5179,7 @@
           <a:p>
             <a:fld id="{4567C160-2C30-4694-9FA0-F603C7AEC858}" type="datetimeFigureOut">
               <a:rPr lang="en-IN" smtClean="0"/>
-              <a:t>24-08-2022</a:t>
+              <a:t>25-08-2022</a:t>
             </a:fld>
             <a:endParaRPr lang="en-IN"/>
           </a:p>
@@ -5283,7 +5297,7 @@
           <a:p>
             <a:fld id="{4567C160-2C30-4694-9FA0-F603C7AEC858}" type="datetimeFigureOut">
               <a:rPr lang="en-IN" smtClean="0"/>
-              <a:t>24-08-2022</a:t>
+              <a:t>25-08-2022</a:t>
             </a:fld>
             <a:endParaRPr lang="en-IN"/>
           </a:p>
@@ -5378,7 +5392,7 @@
           <a:p>
             <a:fld id="{4567C160-2C30-4694-9FA0-F603C7AEC858}" type="datetimeFigureOut">
               <a:rPr lang="en-IN" smtClean="0"/>
-              <a:t>24-08-2022</a:t>
+              <a:t>25-08-2022</a:t>
             </a:fld>
             <a:endParaRPr lang="en-IN"/>
           </a:p>
@@ -5728,7 +5742,7 @@
           <a:p>
             <a:fld id="{4567C160-2C30-4694-9FA0-F603C7AEC858}" type="datetimeFigureOut">
               <a:rPr lang="en-IN" smtClean="0"/>
-              <a:t>24-08-2022</a:t>
+              <a:t>25-08-2022</a:t>
             </a:fld>
             <a:endParaRPr lang="en-IN"/>
           </a:p>
@@ -6153,7 +6167,7 @@
           <a:p>
             <a:fld id="{4567C160-2C30-4694-9FA0-F603C7AEC858}" type="datetimeFigureOut">
               <a:rPr lang="en-IN" smtClean="0"/>
-              <a:t>24-08-2022</a:t>
+              <a:t>25-08-2022</a:t>
             </a:fld>
             <a:endParaRPr lang="en-IN"/>
           </a:p>
@@ -6434,7 +6448,7 @@
           <a:p>
             <a:fld id="{4567C160-2C30-4694-9FA0-F603C7AEC858}" type="datetimeFigureOut">
               <a:rPr lang="en-IN" smtClean="0"/>
-              <a:t>24-08-2022</a:t>
+              <a:t>25-08-2022</a:t>
             </a:fld>
             <a:endParaRPr lang="en-IN"/>
           </a:p>
@@ -7172,66 +7186,6 @@
       </p:grpSpPr>
       <p:pic>
         <p:nvPicPr>
-          <p:cNvPr id="5" name="Picture 4">
-            <a:extLst>
-              <a:ext uri="{FF2B5EF4-FFF2-40B4-BE49-F238E27FC236}">
-                <a16:creationId xmlns:a16="http://schemas.microsoft.com/office/drawing/2014/main" id="{B6C144E0-A16B-D3B6-D159-7C3E13D0A048}"/>
-              </a:ext>
-            </a:extLst>
-          </p:cNvPr>
-          <p:cNvPicPr>
-            <a:picLocks noChangeAspect="1"/>
-          </p:cNvPicPr>
-          <p:nvPr/>
-        </p:nvPicPr>
-        <p:blipFill>
-          <a:blip r:embed="rId2"/>
-          <a:stretch>
-            <a:fillRect/>
-          </a:stretch>
-        </p:blipFill>
-        <p:spPr>
-          <a:xfrm>
-            <a:off x="1588163" y="0"/>
-            <a:ext cx="9015674" cy="6858000"/>
-          </a:xfrm>
-          <a:prstGeom prst="rect">
-            <a:avLst/>
-          </a:prstGeom>
-        </p:spPr>
-      </p:pic>
-    </p:spTree>
-    <p:extLst>
-      <p:ext uri="{BB962C8B-B14F-4D97-AF65-F5344CB8AC3E}">
-        <p14:creationId xmlns:p14="http://schemas.microsoft.com/office/powerpoint/2010/main" val="1973956071"/>
-      </p:ext>
-    </p:extLst>
-  </p:cSld>
-  <p:clrMapOvr>
-    <a:masterClrMapping/>
-  </p:clrMapOvr>
-</p:sld>
-</file>
-
-<file path=ppt/slides/slide11.xml><?xml version="1.0" encoding="utf-8"?>
-<p:sld xmlns:a="http://schemas.openxmlformats.org/drawingml/2006/main" xmlns:r="http://schemas.openxmlformats.org/officeDocument/2006/relationships" xmlns:p="http://schemas.openxmlformats.org/presentationml/2006/main">
-  <p:cSld>
-    <p:spTree>
-      <p:nvGrpSpPr>
-        <p:cNvPr id="1" name=""/>
-        <p:cNvGrpSpPr/>
-        <p:nvPr/>
-      </p:nvGrpSpPr>
-      <p:grpSpPr>
-        <a:xfrm>
-          <a:off x="0" y="0"/>
-          <a:ext cx="0" cy="0"/>
-          <a:chOff x="0" y="0"/>
-          <a:chExt cx="0" cy="0"/>
-        </a:xfrm>
-      </p:grpSpPr>
-      <p:pic>
-        <p:nvPicPr>
           <p:cNvPr id="3" name="Picture 2">
             <a:extLst>
               <a:ext uri="{FF2B5EF4-FFF2-40B4-BE49-F238E27FC236}">
@@ -7263,7 +7217,159 @@
     </p:spTree>
     <p:extLst>
       <p:ext uri="{BB962C8B-B14F-4D97-AF65-F5344CB8AC3E}">
-        <p14:creationId xmlns:p14="http://schemas.microsoft.com/office/powerpoint/2010/main" val="2054569892"/>
+        <p14:creationId xmlns:p14="http://schemas.microsoft.com/office/powerpoint/2010/main" val="2451977691"/>
+      </p:ext>
+    </p:extLst>
+  </p:cSld>
+  <p:clrMapOvr>
+    <a:masterClrMapping/>
+  </p:clrMapOvr>
+</p:sld>
+</file>
+
+<file path=ppt/slides/slide11.xml><?xml version="1.0" encoding="utf-8"?>
+<p:sld xmlns:a="http://schemas.openxmlformats.org/drawingml/2006/main" xmlns:r="http://schemas.openxmlformats.org/officeDocument/2006/relationships" xmlns:p="http://schemas.openxmlformats.org/presentationml/2006/main">
+  <p:cSld>
+    <p:spTree>
+      <p:nvGrpSpPr>
+        <p:cNvPr id="1" name=""/>
+        <p:cNvGrpSpPr/>
+        <p:nvPr/>
+      </p:nvGrpSpPr>
+      <p:grpSpPr>
+        <a:xfrm>
+          <a:off x="0" y="0"/>
+          <a:ext cx="0" cy="0"/>
+          <a:chOff x="0" y="0"/>
+          <a:chExt cx="0" cy="0"/>
+        </a:xfrm>
+      </p:grpSpPr>
+      <p:sp>
+        <p:nvSpPr>
+          <p:cNvPr id="2" name="Title 1">
+            <a:extLst>
+              <a:ext uri="{FF2B5EF4-FFF2-40B4-BE49-F238E27FC236}">
+                <a16:creationId xmlns:a16="http://schemas.microsoft.com/office/drawing/2014/main" id="{9A60C952-38CC-25EE-E945-F1F738BFC57D}"/>
+              </a:ext>
+            </a:extLst>
+          </p:cNvPr>
+          <p:cNvSpPr>
+            <a:spLocks noGrp="1"/>
+          </p:cNvSpPr>
+          <p:nvPr>
+            <p:ph type="title"/>
+          </p:nvPr>
+        </p:nvSpPr>
+        <p:spPr/>
+        <p:txBody>
+          <a:bodyPr/>
+          <a:lstStyle/>
+          <a:p>
+            <a:r>
+              <a:rPr lang="en-IN" dirty="0"/>
+              <a:t>Configuration/software Install</a:t>
+            </a:r>
+          </a:p>
+        </p:txBody>
+      </p:sp>
+      <p:sp>
+        <p:nvSpPr>
+          <p:cNvPr id="3" name="Content Placeholder 2">
+            <a:extLst>
+              <a:ext uri="{FF2B5EF4-FFF2-40B4-BE49-F238E27FC236}">
+                <a16:creationId xmlns:a16="http://schemas.microsoft.com/office/drawing/2014/main" id="{0CC5E2A2-F613-9B23-E4D9-8D8B21D8C779}"/>
+              </a:ext>
+            </a:extLst>
+          </p:cNvPr>
+          <p:cNvSpPr>
+            <a:spLocks noGrp="1"/>
+          </p:cNvSpPr>
+          <p:nvPr>
+            <p:ph idx="1"/>
+          </p:nvPr>
+        </p:nvSpPr>
+        <p:spPr/>
+        <p:txBody>
+          <a:bodyPr/>
+          <a:lstStyle/>
+          <a:p>
+            <a:r>
+              <a:rPr lang="en-IN" dirty="0"/>
+              <a:t>Install OS</a:t>
+            </a:r>
+          </a:p>
+          <a:p>
+            <a:r>
+              <a:rPr lang="en-IN" dirty="0"/>
+              <a:t>JDK, PYTHON, GO, NodeJS, </a:t>
+            </a:r>
+            <a:r>
+              <a:rPr lang="en-IN" dirty="0" err="1"/>
+              <a:t>NGNIX</a:t>
+            </a:r>
+            <a:r>
+              <a:rPr lang="en-IN" dirty="0"/>
+              <a:t>, Apache HTTPD, Database – SQL, </a:t>
+            </a:r>
+            <a:r>
+              <a:rPr lang="en-IN" dirty="0" err="1"/>
+              <a:t>NoSQLs</a:t>
+            </a:r>
+            <a:endParaRPr lang="en-IN" dirty="0"/>
+          </a:p>
+          <a:p>
+            <a:r>
+              <a:rPr lang="en-IN" dirty="0"/>
+              <a:t>Clustering of Machines – accept more load or failure over tolerance</a:t>
+            </a:r>
+          </a:p>
+          <a:p>
+            <a:r>
+              <a:rPr lang="en-IN" dirty="0"/>
+              <a:t>Can Only connect to </a:t>
+            </a:r>
+            <a:r>
+              <a:rPr lang="en-IN" dirty="0" err="1"/>
+              <a:t>xyz</a:t>
+            </a:r>
+            <a:r>
+              <a:rPr lang="en-IN" dirty="0"/>
+              <a:t> machines</a:t>
+            </a:r>
+          </a:p>
+          <a:p>
+            <a:r>
+              <a:rPr lang="en-IN" dirty="0"/>
+              <a:t>CPU Temperate Notifications</a:t>
+            </a:r>
+          </a:p>
+          <a:p>
+            <a:r>
+              <a:rPr lang="en-IN" dirty="0"/>
+              <a:t>File Ports to be Open</a:t>
+            </a:r>
+          </a:p>
+          <a:p>
+            <a:r>
+              <a:rPr lang="en-IN" dirty="0"/>
+              <a:t>Allow only XYZ remote users</a:t>
+            </a:r>
+          </a:p>
+          <a:p>
+            <a:endParaRPr lang="en-IN" dirty="0"/>
+          </a:p>
+          <a:p>
+            <a:endParaRPr lang="en-IN" dirty="0"/>
+          </a:p>
+          <a:p>
+            <a:endParaRPr lang="en-IN" dirty="0"/>
+          </a:p>
+        </p:txBody>
+      </p:sp>
+    </p:spTree>
+    <p:extLst>
+      <p:ext uri="{BB962C8B-B14F-4D97-AF65-F5344CB8AC3E}">
+        <p14:creationId xmlns:p14="http://schemas.microsoft.com/office/powerpoint/2010/main" val="3886093636"/>
       </p:ext>
     </p:extLst>
   </p:cSld>
@@ -7274,6 +7380,126 @@
 </file>
 
 <file path=ppt/slides/slide12.xml><?xml version="1.0" encoding="utf-8"?>
+<p:sld xmlns:a="http://schemas.openxmlformats.org/drawingml/2006/main" xmlns:r="http://schemas.openxmlformats.org/officeDocument/2006/relationships" xmlns:p="http://schemas.openxmlformats.org/presentationml/2006/main">
+  <p:cSld>
+    <p:spTree>
+      <p:nvGrpSpPr>
+        <p:cNvPr id="1" name=""/>
+        <p:cNvGrpSpPr/>
+        <p:nvPr/>
+      </p:nvGrpSpPr>
+      <p:grpSpPr>
+        <a:xfrm>
+          <a:off x="0" y="0"/>
+          <a:ext cx="0" cy="0"/>
+          <a:chOff x="0" y="0"/>
+          <a:chExt cx="0" cy="0"/>
+        </a:xfrm>
+      </p:grpSpPr>
+      <p:sp>
+        <p:nvSpPr>
+          <p:cNvPr id="2" name="Title 1">
+            <a:extLst>
+              <a:ext uri="{FF2B5EF4-FFF2-40B4-BE49-F238E27FC236}">
+                <a16:creationId xmlns:a16="http://schemas.microsoft.com/office/drawing/2014/main" id="{9D34A5A0-FA96-D6BD-7519-BC8A954D8C05}"/>
+              </a:ext>
+            </a:extLst>
+          </p:cNvPr>
+          <p:cNvSpPr>
+            <a:spLocks noGrp="1"/>
+          </p:cNvSpPr>
+          <p:nvPr>
+            <p:ph type="title"/>
+          </p:nvPr>
+        </p:nvSpPr>
+        <p:spPr/>
+        <p:txBody>
+          <a:bodyPr>
+            <a:normAutofit/>
+          </a:bodyPr>
+          <a:lstStyle/>
+          <a:p>
+            <a:r>
+              <a:rPr lang="en-IN" dirty="0" err="1"/>
+              <a:t>C</a:t>
+            </a:r>
+            <a:r>
+              <a:rPr lang="en-IN" cap="none" dirty="0" err="1"/>
+              <a:t>a</a:t>
+            </a:r>
+            <a:r>
+              <a:rPr lang="en-IN" dirty="0" err="1"/>
+              <a:t>C</a:t>
+            </a:r>
+            <a:r>
+              <a:rPr lang="en-IN" dirty="0"/>
+              <a:t> - Configuration </a:t>
+            </a:r>
+            <a:r>
+              <a:rPr lang="en-IN" cap="none" dirty="0"/>
+              <a:t>as</a:t>
+            </a:r>
+            <a:r>
+              <a:rPr lang="en-IN" dirty="0"/>
+              <a:t> Code</a:t>
+            </a:r>
+          </a:p>
+        </p:txBody>
+      </p:sp>
+      <p:sp>
+        <p:nvSpPr>
+          <p:cNvPr id="3" name="Content Placeholder 2">
+            <a:extLst>
+              <a:ext uri="{FF2B5EF4-FFF2-40B4-BE49-F238E27FC236}">
+                <a16:creationId xmlns:a16="http://schemas.microsoft.com/office/drawing/2014/main" id="{DF97AA3A-0CAB-68EA-010E-F8F202105702}"/>
+              </a:ext>
+            </a:extLst>
+          </p:cNvPr>
+          <p:cNvSpPr>
+            <a:spLocks noGrp="1"/>
+          </p:cNvSpPr>
+          <p:nvPr>
+            <p:ph idx="1"/>
+          </p:nvPr>
+        </p:nvSpPr>
+        <p:spPr/>
+        <p:txBody>
+          <a:bodyPr/>
+          <a:lstStyle/>
+          <a:p>
+            <a:r>
+              <a:rPr lang="en-IN" dirty="0"/>
+              <a:t>Archival of Disk Images</a:t>
+            </a:r>
+          </a:p>
+          <a:p>
+            <a:r>
+              <a:rPr lang="en-IN" dirty="0"/>
+              <a:t>Shell Scripts, Make, ANT, Maven, Gradle, Bazel (limited verstions)</a:t>
+            </a:r>
+          </a:p>
+          <a:p>
+            <a:r>
+              <a:rPr lang="en-IN" dirty="0"/>
+              <a:t>YAML</a:t>
+            </a:r>
+          </a:p>
+        </p:txBody>
+      </p:sp>
+    </p:spTree>
+    <p:extLst>
+      <p:ext uri="{BB962C8B-B14F-4D97-AF65-F5344CB8AC3E}">
+        <p14:creationId xmlns:p14="http://schemas.microsoft.com/office/powerpoint/2010/main" val="3133171663"/>
+      </p:ext>
+    </p:extLst>
+  </p:cSld>
+  <p:clrMapOvr>
+    <a:masterClrMapping/>
+  </p:clrMapOvr>
+</p:sld>
+</file>
+
+<file path=ppt/slides/slide13.xml><?xml version="1.0" encoding="utf-8"?>
 <p:sld xmlns:a="http://schemas.openxmlformats.org/drawingml/2006/main" xmlns:r="http://schemas.openxmlformats.org/officeDocument/2006/relationships" xmlns:p="http://schemas.openxmlformats.org/presentationml/2006/main">
   <p:cSld>
     <p:spTree>
@@ -7416,7 +7642,7 @@
 </p:sld>
 </file>
 
-<file path=ppt/slides/slide13.xml><?xml version="1.0" encoding="utf-8"?>
+<file path=ppt/slides/slide14.xml><?xml version="1.0" encoding="utf-8"?>
 <p:sld xmlns:a="http://schemas.openxmlformats.org/drawingml/2006/main" xmlns:r="http://schemas.openxmlformats.org/officeDocument/2006/relationships" xmlns:p="http://schemas.openxmlformats.org/presentationml/2006/main">
   <p:cSld>
     <p:spTree>
@@ -7476,7 +7702,7 @@
 </p:sld>
 </file>
 
-<file path=ppt/slides/slide14.xml><?xml version="1.0" encoding="utf-8"?>
+<file path=ppt/slides/slide15.xml><?xml version="1.0" encoding="utf-8"?>
 <p:sld xmlns:a="http://schemas.openxmlformats.org/drawingml/2006/main" xmlns:r="http://schemas.openxmlformats.org/officeDocument/2006/relationships" xmlns:p="http://schemas.openxmlformats.org/presentationml/2006/main">
   <p:cSld>
     <p:spTree>
@@ -7493,6 +7719,628 @@
           <a:chExt cx="0" cy="0"/>
         </a:xfrm>
       </p:grpSpPr>
+      <p:pic>
+        <p:nvPicPr>
+          <p:cNvPr id="3" name="Picture 2">
+            <a:extLst>
+              <a:ext uri="{FF2B5EF4-FFF2-40B4-BE49-F238E27FC236}">
+                <a16:creationId xmlns:a16="http://schemas.microsoft.com/office/drawing/2014/main" id="{B449FFCD-C0D2-C109-73C4-6F42E3249D41}"/>
+              </a:ext>
+            </a:extLst>
+          </p:cNvPr>
+          <p:cNvPicPr>
+            <a:picLocks noChangeAspect="1"/>
+          </p:cNvPicPr>
+          <p:nvPr/>
+        </p:nvPicPr>
+        <p:blipFill>
+          <a:blip r:embed="rId2"/>
+          <a:stretch>
+            <a:fillRect/>
+          </a:stretch>
+        </p:blipFill>
+        <p:spPr>
+          <a:xfrm>
+            <a:off x="2232577" y="277870"/>
+            <a:ext cx="7098604" cy="4408965"/>
+          </a:xfrm>
+          <a:prstGeom prst="rect">
+            <a:avLst/>
+          </a:prstGeom>
+        </p:spPr>
+      </p:pic>
+      <p:pic>
+        <p:nvPicPr>
+          <p:cNvPr id="5122" name="Picture 2" descr="Google Cloud Platform Blog: SaltStack for Google Compute Engine">
+            <a:extLst>
+              <a:ext uri="{FF2B5EF4-FFF2-40B4-BE49-F238E27FC236}">
+                <a16:creationId xmlns:a16="http://schemas.microsoft.com/office/drawing/2014/main" id="{E2424DD6-E44E-24FC-9479-840C209C78AE}"/>
+              </a:ext>
+            </a:extLst>
+          </p:cNvPr>
+          <p:cNvPicPr>
+            <a:picLocks noChangeAspect="1" noChangeArrowheads="1"/>
+          </p:cNvPicPr>
+          <p:nvPr/>
+        </p:nvPicPr>
+        <p:blipFill>
+          <a:blip r:embed="rId3">
+            <a:extLst>
+              <a:ext uri="{28A0092B-C50C-407E-A947-70E740481C1C}">
+                <a14:useLocalDpi xmlns:a14="http://schemas.microsoft.com/office/drawing/2010/main" val="0"/>
+              </a:ext>
+            </a:extLst>
+          </a:blip>
+          <a:srcRect/>
+          <a:stretch>
+            <a:fillRect/>
+          </a:stretch>
+        </p:blipFill>
+        <p:spPr bwMode="auto">
+          <a:xfrm>
+            <a:off x="0" y="0"/>
+            <a:ext cx="5848350" cy="4286250"/>
+          </a:xfrm>
+          <a:prstGeom prst="rect">
+            <a:avLst/>
+          </a:prstGeom>
+          <a:noFill/>
+          <a:extLst>
+            <a:ext uri="{909E8E84-426E-40DD-AFC4-6F175D3DCCD1}">
+              <a14:hiddenFill xmlns:a14="http://schemas.microsoft.com/office/drawing/2010/main">
+                <a:solidFill>
+                  <a:srgbClr val="FFFFFF"/>
+                </a:solidFill>
+              </a14:hiddenFill>
+            </a:ext>
+          </a:extLst>
+        </p:spPr>
+      </p:pic>
+      <p:pic>
+        <p:nvPicPr>
+          <p:cNvPr id="5124" name="Picture 4" descr="Ansible Tutorial for Beginners: Playbook, Commands &amp; Example">
+            <a:extLst>
+              <a:ext uri="{FF2B5EF4-FFF2-40B4-BE49-F238E27FC236}">
+                <a16:creationId xmlns:a16="http://schemas.microsoft.com/office/drawing/2014/main" id="{8F04D9D7-B6F6-FD06-95F2-04AD897A76F4}"/>
+              </a:ext>
+            </a:extLst>
+          </p:cNvPr>
+          <p:cNvPicPr>
+            <a:picLocks noChangeAspect="1" noChangeArrowheads="1"/>
+          </p:cNvPicPr>
+          <p:nvPr/>
+        </p:nvPicPr>
+        <p:blipFill>
+          <a:blip r:embed="rId4">
+            <a:extLst>
+              <a:ext uri="{28A0092B-C50C-407E-A947-70E740481C1C}">
+                <a14:useLocalDpi xmlns:a14="http://schemas.microsoft.com/office/drawing/2010/main" val="0"/>
+              </a:ext>
+            </a:extLst>
+          </a:blip>
+          <a:srcRect/>
+          <a:stretch>
+            <a:fillRect/>
+          </a:stretch>
+        </p:blipFill>
+        <p:spPr bwMode="auto">
+          <a:xfrm>
+            <a:off x="5022009" y="-52665"/>
+            <a:ext cx="7334250" cy="5000625"/>
+          </a:xfrm>
+          <a:prstGeom prst="rect">
+            <a:avLst/>
+          </a:prstGeom>
+          <a:noFill/>
+          <a:extLst>
+            <a:ext uri="{909E8E84-426E-40DD-AFC4-6F175D3DCCD1}">
+              <a14:hiddenFill xmlns:a14="http://schemas.microsoft.com/office/drawing/2010/main">
+                <a:solidFill>
+                  <a:srgbClr val="FFFFFF"/>
+                </a:solidFill>
+              </a14:hiddenFill>
+            </a:ext>
+          </a:extLst>
+        </p:spPr>
+      </p:pic>
+      <p:pic>
+        <p:nvPicPr>
+          <p:cNvPr id="2" name="Picture 2" descr="A complete beginner's guide to Chef and infrastructure as code">
+            <a:extLst>
+              <a:ext uri="{FF2B5EF4-FFF2-40B4-BE49-F238E27FC236}">
+                <a16:creationId xmlns:a16="http://schemas.microsoft.com/office/drawing/2014/main" id="{66041258-72ED-8F14-32F9-E68D9A4F0D97}"/>
+              </a:ext>
+            </a:extLst>
+          </p:cNvPr>
+          <p:cNvPicPr>
+            <a:picLocks noChangeAspect="1" noChangeArrowheads="1"/>
+          </p:cNvPicPr>
+          <p:nvPr/>
+        </p:nvPicPr>
+        <p:blipFill>
+          <a:blip r:embed="rId5">
+            <a:extLst>
+              <a:ext uri="{28A0092B-C50C-407E-A947-70E740481C1C}">
+                <a14:useLocalDpi xmlns:a14="http://schemas.microsoft.com/office/drawing/2010/main" val="0"/>
+              </a:ext>
+            </a:extLst>
+          </a:blip>
+          <a:srcRect/>
+          <a:stretch>
+            <a:fillRect/>
+          </a:stretch>
+        </p:blipFill>
+        <p:spPr bwMode="auto">
+          <a:xfrm>
+            <a:off x="5022009" y="1200223"/>
+            <a:ext cx="4544818" cy="3033666"/>
+          </a:xfrm>
+          <a:prstGeom prst="rect">
+            <a:avLst/>
+          </a:prstGeom>
+          <a:noFill/>
+          <a:extLst>
+            <a:ext uri="{909E8E84-426E-40DD-AFC4-6F175D3DCCD1}">
+              <a14:hiddenFill xmlns:a14="http://schemas.microsoft.com/office/drawing/2010/main">
+                <a:solidFill>
+                  <a:srgbClr val="FFFFFF"/>
+                </a:solidFill>
+              </a14:hiddenFill>
+            </a:ext>
+          </a:extLst>
+        </p:spPr>
+      </p:pic>
+      <p:pic>
+        <p:nvPicPr>
+          <p:cNvPr id="4" name="Picture 6" descr="Your Infrastructure as Code 🌩 CloudFormation vs Terraform? | by Nathan  Malishev | Level Up Coding">
+            <a:extLst>
+              <a:ext uri="{FF2B5EF4-FFF2-40B4-BE49-F238E27FC236}">
+                <a16:creationId xmlns:a16="http://schemas.microsoft.com/office/drawing/2014/main" id="{0E391E9F-CBE3-8D58-C724-8E52F7BA057F}"/>
+              </a:ext>
+            </a:extLst>
+          </p:cNvPr>
+          <p:cNvPicPr>
+            <a:picLocks noChangeAspect="1" noChangeArrowheads="1"/>
+          </p:cNvPicPr>
+          <p:nvPr/>
+        </p:nvPicPr>
+        <p:blipFill>
+          <a:blip r:embed="rId6">
+            <a:extLst>
+              <a:ext uri="{28A0092B-C50C-407E-A947-70E740481C1C}">
+                <a14:useLocalDpi xmlns:a14="http://schemas.microsoft.com/office/drawing/2010/main" val="0"/>
+              </a:ext>
+            </a:extLst>
+          </a:blip>
+          <a:srcRect/>
+          <a:stretch>
+            <a:fillRect/>
+          </a:stretch>
+        </p:blipFill>
+        <p:spPr bwMode="auto">
+          <a:xfrm>
+            <a:off x="97679" y="2496085"/>
+            <a:ext cx="4114800" cy="4381500"/>
+          </a:xfrm>
+          <a:prstGeom prst="rect">
+            <a:avLst/>
+          </a:prstGeom>
+          <a:noFill/>
+          <a:extLst>
+            <a:ext uri="{909E8E84-426E-40DD-AFC4-6F175D3DCCD1}">
+              <a14:hiddenFill xmlns:a14="http://schemas.microsoft.com/office/drawing/2010/main">
+                <a:solidFill>
+                  <a:srgbClr val="FFFFFF"/>
+                </a:solidFill>
+              </a14:hiddenFill>
+            </a:ext>
+          </a:extLst>
+        </p:spPr>
+      </p:pic>
+      <p:pic>
+        <p:nvPicPr>
+          <p:cNvPr id="5" name="Picture 8" descr="3 tips for great AWS CloudFormation templates | by Jon Vogel | Medium">
+            <a:extLst>
+              <a:ext uri="{FF2B5EF4-FFF2-40B4-BE49-F238E27FC236}">
+                <a16:creationId xmlns:a16="http://schemas.microsoft.com/office/drawing/2014/main" id="{7F521589-23A3-C711-97F3-9DD65496CE76}"/>
+              </a:ext>
+            </a:extLst>
+          </p:cNvPr>
+          <p:cNvPicPr>
+            <a:picLocks noChangeAspect="1" noChangeArrowheads="1"/>
+          </p:cNvPicPr>
+          <p:nvPr/>
+        </p:nvPicPr>
+        <p:blipFill>
+          <a:blip r:embed="rId7">
+            <a:extLst>
+              <a:ext uri="{28A0092B-C50C-407E-A947-70E740481C1C}">
+                <a14:useLocalDpi xmlns:a14="http://schemas.microsoft.com/office/drawing/2010/main" val="0"/>
+              </a:ext>
+            </a:extLst>
+          </a:blip>
+          <a:srcRect/>
+          <a:stretch>
+            <a:fillRect/>
+          </a:stretch>
+        </p:blipFill>
+        <p:spPr bwMode="auto">
+          <a:xfrm>
+            <a:off x="5477910" y="1428750"/>
+            <a:ext cx="6810375" cy="5429250"/>
+          </a:xfrm>
+          <a:prstGeom prst="rect">
+            <a:avLst/>
+          </a:prstGeom>
+          <a:noFill/>
+          <a:extLst>
+            <a:ext uri="{909E8E84-426E-40DD-AFC4-6F175D3DCCD1}">
+              <a14:hiddenFill xmlns:a14="http://schemas.microsoft.com/office/drawing/2010/main">
+                <a:solidFill>
+                  <a:srgbClr val="FFFFFF"/>
+                </a:solidFill>
+              </a14:hiddenFill>
+            </a:ext>
+          </a:extLst>
+        </p:spPr>
+      </p:pic>
+    </p:spTree>
+    <p:extLst>
+      <p:ext uri="{BB962C8B-B14F-4D97-AF65-F5344CB8AC3E}">
+        <p14:creationId xmlns:p14="http://schemas.microsoft.com/office/powerpoint/2010/main" val="2047399177"/>
+      </p:ext>
+    </p:extLst>
+  </p:cSld>
+  <p:clrMapOvr>
+    <a:masterClrMapping/>
+  </p:clrMapOvr>
+  <p:timing>
+    <p:tnLst>
+      <p:par>
+        <p:cTn id="1" dur="indefinite" restart="never" nodeType="tmRoot">
+          <p:childTnLst>
+            <p:seq concurrent="1" nextAc="seek">
+              <p:cTn id="2" dur="indefinite" nodeType="mainSeq">
+                <p:childTnLst>
+                  <p:par>
+                    <p:cTn id="3" fill="hold">
+                      <p:stCondLst>
+                        <p:cond delay="indefinite"/>
+                      </p:stCondLst>
+                      <p:childTnLst>
+                        <p:par>
+                          <p:cTn id="4" fill="hold">
+                            <p:stCondLst>
+                              <p:cond delay="0"/>
+                            </p:stCondLst>
+                            <p:childTnLst>
+                              <p:par>
+                                <p:cTn id="5" presetID="21" presetClass="entr" presetSubtype="1" fill="hold" nodeType="clickEffect">
+                                  <p:stCondLst>
+                                    <p:cond delay="0"/>
+                                  </p:stCondLst>
+                                  <p:childTnLst>
+                                    <p:set>
+                                      <p:cBhvr>
+                                        <p:cTn id="6" dur="1" fill="hold">
+                                          <p:stCondLst>
+                                            <p:cond delay="0"/>
+                                          </p:stCondLst>
+                                        </p:cTn>
+                                        <p:tgtEl>
+                                          <p:spTgt spid="5122"/>
+                                        </p:tgtEl>
+                                        <p:attrNameLst>
+                                          <p:attrName>style.visibility</p:attrName>
+                                        </p:attrNameLst>
+                                      </p:cBhvr>
+                                      <p:to>
+                                        <p:strVal val="visible"/>
+                                      </p:to>
+                                    </p:set>
+                                    <p:animEffect transition="in" filter="wheel(1)">
+                                      <p:cBhvr>
+                                        <p:cTn id="7" dur="2000"/>
+                                        <p:tgtEl>
+                                          <p:spTgt spid="5122"/>
+                                        </p:tgtEl>
+                                      </p:cBhvr>
+                                    </p:animEffect>
+                                  </p:childTnLst>
+                                </p:cTn>
+                              </p:par>
+                            </p:childTnLst>
+                          </p:cTn>
+                        </p:par>
+                      </p:childTnLst>
+                    </p:cTn>
+                  </p:par>
+                  <p:par>
+                    <p:cTn id="8" fill="hold">
+                      <p:stCondLst>
+                        <p:cond delay="indefinite"/>
+                      </p:stCondLst>
+                      <p:childTnLst>
+                        <p:par>
+                          <p:cTn id="9" fill="hold">
+                            <p:stCondLst>
+                              <p:cond delay="0"/>
+                            </p:stCondLst>
+                            <p:childTnLst>
+                              <p:par>
+                                <p:cTn id="10" presetID="2" presetClass="entr" presetSubtype="4" fill="hold" nodeType="clickEffect">
+                                  <p:stCondLst>
+                                    <p:cond delay="0"/>
+                                  </p:stCondLst>
+                                  <p:childTnLst>
+                                    <p:set>
+                                      <p:cBhvr>
+                                        <p:cTn id="11" dur="1" fill="hold">
+                                          <p:stCondLst>
+                                            <p:cond delay="0"/>
+                                          </p:stCondLst>
+                                        </p:cTn>
+                                        <p:tgtEl>
+                                          <p:spTgt spid="5124"/>
+                                        </p:tgtEl>
+                                        <p:attrNameLst>
+                                          <p:attrName>style.visibility</p:attrName>
+                                        </p:attrNameLst>
+                                      </p:cBhvr>
+                                      <p:to>
+                                        <p:strVal val="visible"/>
+                                      </p:to>
+                                    </p:set>
+                                    <p:anim calcmode="lin" valueType="num">
+                                      <p:cBhvr additive="base">
+                                        <p:cTn id="12" dur="500" fill="hold"/>
+                                        <p:tgtEl>
+                                          <p:spTgt spid="5124"/>
+                                        </p:tgtEl>
+                                        <p:attrNameLst>
+                                          <p:attrName>ppt_x</p:attrName>
+                                        </p:attrNameLst>
+                                      </p:cBhvr>
+                                      <p:tavLst>
+                                        <p:tav tm="0">
+                                          <p:val>
+                                            <p:strVal val="#ppt_x"/>
+                                          </p:val>
+                                        </p:tav>
+                                        <p:tav tm="100000">
+                                          <p:val>
+                                            <p:strVal val="#ppt_x"/>
+                                          </p:val>
+                                        </p:tav>
+                                      </p:tavLst>
+                                    </p:anim>
+                                    <p:anim calcmode="lin" valueType="num">
+                                      <p:cBhvr additive="base">
+                                        <p:cTn id="13" dur="500" fill="hold"/>
+                                        <p:tgtEl>
+                                          <p:spTgt spid="5124"/>
+                                        </p:tgtEl>
+                                        <p:attrNameLst>
+                                          <p:attrName>ppt_y</p:attrName>
+                                        </p:attrNameLst>
+                                      </p:cBhvr>
+                                      <p:tavLst>
+                                        <p:tav tm="0">
+                                          <p:val>
+                                            <p:strVal val="1+#ppt_h/2"/>
+                                          </p:val>
+                                        </p:tav>
+                                        <p:tav tm="100000">
+                                          <p:val>
+                                            <p:strVal val="#ppt_y"/>
+                                          </p:val>
+                                        </p:tav>
+                                      </p:tavLst>
+                                    </p:anim>
+                                  </p:childTnLst>
+                                </p:cTn>
+                              </p:par>
+                            </p:childTnLst>
+                          </p:cTn>
+                        </p:par>
+                      </p:childTnLst>
+                    </p:cTn>
+                  </p:par>
+                  <p:par>
+                    <p:cTn id="14" fill="hold">
+                      <p:stCondLst>
+                        <p:cond delay="indefinite"/>
+                      </p:stCondLst>
+                      <p:childTnLst>
+                        <p:par>
+                          <p:cTn id="15" fill="hold">
+                            <p:stCondLst>
+                              <p:cond delay="0"/>
+                            </p:stCondLst>
+                            <p:childTnLst>
+                              <p:par>
+                                <p:cTn id="16" presetID="14" presetClass="entr" presetSubtype="10" fill="hold" nodeType="clickEffect">
+                                  <p:stCondLst>
+                                    <p:cond delay="0"/>
+                                  </p:stCondLst>
+                                  <p:childTnLst>
+                                    <p:set>
+                                      <p:cBhvr>
+                                        <p:cTn id="17" dur="1" fill="hold">
+                                          <p:stCondLst>
+                                            <p:cond delay="0"/>
+                                          </p:stCondLst>
+                                        </p:cTn>
+                                        <p:tgtEl>
+                                          <p:spTgt spid="4"/>
+                                        </p:tgtEl>
+                                        <p:attrNameLst>
+                                          <p:attrName>style.visibility</p:attrName>
+                                        </p:attrNameLst>
+                                      </p:cBhvr>
+                                      <p:to>
+                                        <p:strVal val="visible"/>
+                                      </p:to>
+                                    </p:set>
+                                    <p:animEffect transition="in" filter="randombar(horizontal)">
+                                      <p:cBhvr>
+                                        <p:cTn id="18" dur="500"/>
+                                        <p:tgtEl>
+                                          <p:spTgt spid="4"/>
+                                        </p:tgtEl>
+                                      </p:cBhvr>
+                                    </p:animEffect>
+                                  </p:childTnLst>
+                                </p:cTn>
+                              </p:par>
+                            </p:childTnLst>
+                          </p:cTn>
+                        </p:par>
+                      </p:childTnLst>
+                    </p:cTn>
+                  </p:par>
+                  <p:par>
+                    <p:cTn id="19" fill="hold">
+                      <p:stCondLst>
+                        <p:cond delay="indefinite"/>
+                      </p:stCondLst>
+                      <p:childTnLst>
+                        <p:par>
+                          <p:cTn id="20" fill="hold">
+                            <p:stCondLst>
+                              <p:cond delay="0"/>
+                            </p:stCondLst>
+                            <p:childTnLst>
+                              <p:par>
+                                <p:cTn id="21" presetID="22" presetClass="entr" presetSubtype="4" fill="hold" nodeType="clickEffect">
+                                  <p:stCondLst>
+                                    <p:cond delay="0"/>
+                                  </p:stCondLst>
+                                  <p:childTnLst>
+                                    <p:set>
+                                      <p:cBhvr>
+                                        <p:cTn id="22" dur="1" fill="hold">
+                                          <p:stCondLst>
+                                            <p:cond delay="0"/>
+                                          </p:stCondLst>
+                                        </p:cTn>
+                                        <p:tgtEl>
+                                          <p:spTgt spid="5"/>
+                                        </p:tgtEl>
+                                        <p:attrNameLst>
+                                          <p:attrName>style.visibility</p:attrName>
+                                        </p:attrNameLst>
+                                      </p:cBhvr>
+                                      <p:to>
+                                        <p:strVal val="visible"/>
+                                      </p:to>
+                                    </p:set>
+                                    <p:animEffect transition="in" filter="wipe(down)">
+                                      <p:cBhvr>
+                                        <p:cTn id="23" dur="500"/>
+                                        <p:tgtEl>
+                                          <p:spTgt spid="5"/>
+                                        </p:tgtEl>
+                                      </p:cBhvr>
+                                    </p:animEffect>
+                                  </p:childTnLst>
+                                </p:cTn>
+                              </p:par>
+                            </p:childTnLst>
+                          </p:cTn>
+                        </p:par>
+                      </p:childTnLst>
+                    </p:cTn>
+                  </p:par>
+                </p:childTnLst>
+              </p:cTn>
+              <p:prevCondLst>
+                <p:cond evt="onPrev" delay="0">
+                  <p:tgtEl>
+                    <p:sldTgt/>
+                  </p:tgtEl>
+                </p:cond>
+              </p:prevCondLst>
+              <p:nextCondLst>
+                <p:cond evt="onNext" delay="0">
+                  <p:tgtEl>
+                    <p:sldTgt/>
+                  </p:tgtEl>
+                </p:cond>
+              </p:nextCondLst>
+            </p:seq>
+          </p:childTnLst>
+        </p:cTn>
+      </p:par>
+    </p:tnLst>
+  </p:timing>
+</p:sld>
+</file>
+
+<file path=ppt/slides/slide16.xml><?xml version="1.0" encoding="utf-8"?>
+<p:sld xmlns:a="http://schemas.openxmlformats.org/drawingml/2006/main" xmlns:r="http://schemas.openxmlformats.org/officeDocument/2006/relationships" xmlns:p="http://schemas.openxmlformats.org/presentationml/2006/main">
+  <p:cSld>
+    <p:spTree>
+      <p:nvGrpSpPr>
+        <p:cNvPr id="1" name=""/>
+        <p:cNvGrpSpPr/>
+        <p:nvPr/>
+      </p:nvGrpSpPr>
+      <p:grpSpPr>
+        <a:xfrm>
+          <a:off x="0" y="0"/>
+          <a:ext cx="0" cy="0"/>
+          <a:chOff x="0" y="0"/>
+          <a:chExt cx="0" cy="0"/>
+        </a:xfrm>
+      </p:grpSpPr>
+      <p:pic>
+        <p:nvPicPr>
+          <p:cNvPr id="8194" name="Picture 2" descr="Cloudy Days : AWS AZURE GCP - Home | Facebook">
+            <a:extLst>
+              <a:ext uri="{FF2B5EF4-FFF2-40B4-BE49-F238E27FC236}">
+                <a16:creationId xmlns:a16="http://schemas.microsoft.com/office/drawing/2014/main" id="{BFFE988D-C000-D739-2664-BF2D4022DE8D}"/>
+              </a:ext>
+            </a:extLst>
+          </p:cNvPr>
+          <p:cNvPicPr>
+            <a:picLocks noChangeAspect="1" noChangeArrowheads="1"/>
+          </p:cNvPicPr>
+          <p:nvPr/>
+        </p:nvPicPr>
+        <p:blipFill>
+          <a:blip r:embed="rId2">
+            <a:extLst>
+              <a:ext uri="{28A0092B-C50C-407E-A947-70E740481C1C}">
+                <a14:useLocalDpi xmlns:a14="http://schemas.microsoft.com/office/drawing/2010/main" val="0"/>
+              </a:ext>
+            </a:extLst>
+          </a:blip>
+          <a:srcRect/>
+          <a:stretch>
+            <a:fillRect/>
+          </a:stretch>
+        </p:blipFill>
+        <p:spPr bwMode="auto">
+          <a:xfrm>
+            <a:off x="600363" y="1693779"/>
+            <a:ext cx="4119418" cy="2938654"/>
+          </a:xfrm>
+          <a:prstGeom prst="rect">
+            <a:avLst/>
+          </a:prstGeom>
+          <a:noFill/>
+          <a:extLst>
+            <a:ext uri="{909E8E84-426E-40DD-AFC4-6F175D3DCCD1}">
+              <a14:hiddenFill xmlns:a14="http://schemas.microsoft.com/office/drawing/2010/main">
+                <a:solidFill>
+                  <a:srgbClr val="FFFFFF"/>
+                </a:solidFill>
+              </a14:hiddenFill>
+            </a:ext>
+          </a:extLst>
+        </p:spPr>
+      </p:pic>
       <p:sp>
         <p:nvSpPr>
           <p:cNvPr id="2" name="Title 1">
@@ -7511,51 +8359,31 @@
         </p:nvSpPr>
         <p:spPr/>
         <p:txBody>
-          <a:bodyPr/>
+          <a:bodyPr>
+            <a:normAutofit/>
+          </a:bodyPr>
           <a:lstStyle/>
           <a:p>
             <a:r>
-              <a:rPr lang="en-IN" dirty="0"/>
-              <a:t>Multi language </a:t>
-            </a:r>
-            <a:r>
-              <a:rPr lang="en-IN" dirty="0" err="1"/>
+              <a:rPr lang="en-IN" sz="4000" dirty="0"/>
+              <a:t>Era of MULTI CLOUD &amp; Multi language </a:t>
+            </a:r>
+            <a:r>
+              <a:rPr lang="en-IN" sz="4000" dirty="0" err="1"/>
               <a:t>I</a:t>
             </a:r>
             <a:r>
-              <a:rPr lang="en-IN" cap="none" dirty="0" err="1"/>
+              <a:rPr lang="en-IN" sz="4000" cap="none" dirty="0" err="1"/>
               <a:t>a</a:t>
             </a:r>
             <a:r>
-              <a:rPr lang="en-IN" dirty="0" err="1"/>
+              <a:rPr lang="en-IN" sz="4000" dirty="0" err="1"/>
               <a:t>C</a:t>
             </a:r>
-            <a:endParaRPr lang="en-IN" dirty="0"/>
-          </a:p>
-        </p:txBody>
-      </p:sp>
-      <p:sp>
-        <p:nvSpPr>
-          <p:cNvPr id="3" name="Content Placeholder 2">
-            <a:extLst>
-              <a:ext uri="{FF2B5EF4-FFF2-40B4-BE49-F238E27FC236}">
-                <a16:creationId xmlns:a16="http://schemas.microsoft.com/office/drawing/2014/main" id="{95903739-946D-27C9-DF80-46A32D472DDB}"/>
-              </a:ext>
-            </a:extLst>
-          </p:cNvPr>
-          <p:cNvSpPr>
-            <a:spLocks noGrp="1"/>
-          </p:cNvSpPr>
-          <p:nvPr>
-            <p:ph idx="1"/>
-          </p:nvPr>
-        </p:nvSpPr>
-        <p:spPr/>
-        <p:txBody>
-          <a:bodyPr/>
-          <a:lstStyle/>
-          <a:p>
-            <a:endParaRPr lang="en-IN"/>
+            <a:r>
+              <a:rPr lang="en-IN" sz="4000" dirty="0"/>
+              <a:t> - pulumi</a:t>
+            </a:r>
           </a:p>
         </p:txBody>
       </p:sp>
@@ -7574,21 +8402,140 @@
           <p:nvPr/>
         </p:nvPicPr>
         <p:blipFill>
-          <a:blip r:embed="rId2"/>
+          <a:blip r:embed="rId3"/>
           <a:stretch>
             <a:fillRect/>
           </a:stretch>
         </p:blipFill>
         <p:spPr>
           <a:xfrm>
-            <a:off x="2171109" y="2227153"/>
-            <a:ext cx="6573167" cy="3972479"/>
+            <a:off x="5414064" y="1874613"/>
+            <a:ext cx="5133864" cy="3102639"/>
           </a:xfrm>
           <a:prstGeom prst="rect">
             <a:avLst/>
           </a:prstGeom>
         </p:spPr>
       </p:pic>
+      <p:sp>
+        <p:nvSpPr>
+          <p:cNvPr id="6" name="TextBox 5">
+            <a:extLst>
+              <a:ext uri="{FF2B5EF4-FFF2-40B4-BE49-F238E27FC236}">
+                <a16:creationId xmlns:a16="http://schemas.microsoft.com/office/drawing/2014/main" id="{3C9F1826-6AE6-9EB0-29DE-CDD7EA3B7568}"/>
+              </a:ext>
+            </a:extLst>
+          </p:cNvPr>
+          <p:cNvSpPr txBox="1"/>
+          <p:nvPr/>
+        </p:nvSpPr>
+        <p:spPr>
+          <a:xfrm>
+            <a:off x="0" y="4518898"/>
+            <a:ext cx="12237404" cy="2339102"/>
+          </a:xfrm>
+          <a:prstGeom prst="rect">
+            <a:avLst/>
+          </a:prstGeom>
+          <a:noFill/>
+        </p:spPr>
+        <p:txBody>
+          <a:bodyPr wrap="square" rtlCol="0">
+            <a:spAutoFit/>
+          </a:bodyPr>
+          <a:lstStyle/>
+          <a:p>
+            <a:r>
+              <a:rPr lang="en-US" sz="1600" dirty="0"/>
+              <a:t>Aws API are</a:t>
+            </a:r>
+          </a:p>
+          <a:p>
+            <a:endParaRPr lang="en-US" sz="1600" dirty="0"/>
+          </a:p>
+          <a:p>
+            <a:pPr marL="342900" indent="-342900">
+              <a:buFont typeface="+mj-lt"/>
+              <a:buAutoNum type="arabicPeriod"/>
+            </a:pPr>
+            <a:r>
+              <a:rPr lang="en-US" sz="1600" dirty="0"/>
+              <a:t>HTTP API - Used by Terraform provider, this terraform driver is used by Pulumi internally AWS Classic Provider</a:t>
+            </a:r>
+          </a:p>
+          <a:p>
+            <a:pPr marL="342900" indent="-342900">
+              <a:buFont typeface="+mj-lt"/>
+              <a:buAutoNum type="arabicPeriod"/>
+            </a:pPr>
+            <a:r>
+              <a:rPr lang="en-US" sz="1600" dirty="0"/>
+              <a:t>REST API</a:t>
+            </a:r>
+          </a:p>
+          <a:p>
+            <a:pPr marL="342900" indent="-342900">
+              <a:buFont typeface="+mj-lt"/>
+              <a:buAutoNum type="arabicPeriod"/>
+            </a:pPr>
+            <a:r>
+              <a:rPr lang="en-US" sz="1600" dirty="0"/>
+              <a:t>Cloud Formation</a:t>
+            </a:r>
+          </a:p>
+          <a:p>
+            <a:pPr marL="342900" indent="-342900">
+              <a:buFont typeface="+mj-lt"/>
+              <a:buAutoNum type="arabicPeriod"/>
+            </a:pPr>
+            <a:r>
+              <a:rPr lang="en-US" sz="1600" dirty="0" err="1"/>
+              <a:t>CDK</a:t>
+            </a:r>
+            <a:endParaRPr lang="en-US" sz="1600" dirty="0"/>
+          </a:p>
+          <a:p>
+            <a:pPr marL="342900" indent="-342900">
+              <a:buFont typeface="+mj-lt"/>
+              <a:buAutoNum type="arabicPeriod"/>
+            </a:pPr>
+            <a:r>
+              <a:rPr lang="en-US" sz="1600" dirty="0" err="1"/>
+              <a:t>CCA</a:t>
+            </a:r>
+            <a:r>
+              <a:rPr lang="en-US" sz="1600" dirty="0"/>
+              <a:t> - Cloud Control API - AWS Native Provider uses this, fast, however functionality is limited as AWS </a:t>
+            </a:r>
+            <a:r>
+              <a:rPr lang="en-US" sz="1600" dirty="0" err="1"/>
+              <a:t>cca</a:t>
+            </a:r>
+            <a:r>
+              <a:rPr lang="en-US" sz="1600" dirty="0"/>
+              <a:t> are not complete by </a:t>
+            </a:r>
+            <a:r>
+              <a:rPr lang="en-US" sz="1600" dirty="0" err="1"/>
+              <a:t>aws</a:t>
+            </a:r>
+            <a:r>
+              <a:rPr lang="en-US" sz="1600" dirty="0"/>
+              <a:t> itself – Native Drivers depend on this API</a:t>
+            </a:r>
+          </a:p>
+          <a:p>
+            <a:pPr marL="342900" indent="-342900">
+              <a:buFont typeface="+mj-lt"/>
+              <a:buAutoNum type="arabicPeriod"/>
+            </a:pPr>
+            <a:r>
+              <a:rPr lang="en-US" sz="1600" dirty="0"/>
+              <a:t>PULUMI</a:t>
+            </a:r>
+          </a:p>
+        </p:txBody>
+      </p:sp>
     </p:spTree>
     <p:extLst>
       <p:ext uri="{BB962C8B-B14F-4D97-AF65-F5344CB8AC3E}">
@@ -7602,7 +8549,7 @@
 </p:sld>
 </file>
 
-<file path=ppt/slides/slide15.xml><?xml version="1.0" encoding="utf-8"?>
+<file path=ppt/slides/slide17.xml><?xml version="1.0" encoding="utf-8"?>
 <p:sld xmlns:a="http://schemas.openxmlformats.org/drawingml/2006/main" xmlns:r="http://schemas.openxmlformats.org/officeDocument/2006/relationships" xmlns:p="http://schemas.openxmlformats.org/presentationml/2006/main">
   <p:cSld>
     <p:spTree>
@@ -7642,7 +8589,7 @@
           <a:p>
             <a:r>
               <a:rPr lang="en-IN" dirty="0"/>
-              <a:t>Getting started</a:t>
+              <a:t>Getting started - concepts</a:t>
             </a:r>
           </a:p>
         </p:txBody>
@@ -7708,6 +8655,82 @@
               <a:t>Create Project – </a:t>
             </a:r>
             <a:r>
+              <a:rPr kumimoji="0" lang="en-US" altLang="en-US" sz="2000" b="0" i="1" u="none" strike="noStrike" cap="none" normalizeH="0" baseline="0" dirty="0" err="1">
+                <a:ln>
+                  <a:noFill/>
+                </a:ln>
+                <a:solidFill>
+                  <a:srgbClr val="24292F"/>
+                </a:solidFill>
+                <a:effectLst/>
+                <a:latin typeface="ui-monospace"/>
+              </a:rPr>
+              <a:t>pulumi</a:t>
+            </a:r>
+            <a:r>
+              <a:rPr kumimoji="0" lang="en-US" altLang="en-US" sz="2000" b="0" i="1" u="none" strike="noStrike" cap="none" normalizeH="0" baseline="0" dirty="0">
+                <a:ln>
+                  <a:noFill/>
+                </a:ln>
+                <a:solidFill>
+                  <a:srgbClr val="24292F"/>
+                </a:solidFill>
+                <a:effectLst/>
+                <a:latin typeface="ui-monospace"/>
+              </a:rPr>
+              <a:t> new </a:t>
+            </a:r>
+            <a:r>
+              <a:rPr kumimoji="0" lang="en-US" altLang="en-US" sz="2000" b="0" i="1" u="none" strike="noStrike" cap="none" normalizeH="0" baseline="0" dirty="0" err="1">
+                <a:ln>
+                  <a:noFill/>
+                </a:ln>
+                <a:solidFill>
+                  <a:srgbClr val="24292F"/>
+                </a:solidFill>
+                <a:effectLst/>
+                <a:latin typeface="ui-monospace"/>
+              </a:rPr>
+              <a:t>aws</a:t>
+            </a:r>
+            <a:r>
+              <a:rPr kumimoji="0" lang="en-US" altLang="en-US" sz="2000" b="0" i="1" u="none" strike="noStrike" cap="none" normalizeH="0" baseline="0" dirty="0">
+                <a:ln>
+                  <a:noFill/>
+                </a:ln>
+                <a:solidFill>
+                  <a:srgbClr val="24292F"/>
+                </a:solidFill>
+                <a:effectLst/>
+                <a:latin typeface="ui-monospace"/>
+              </a:rPr>
+              <a:t>-java</a:t>
+            </a:r>
+            <a:r>
+              <a:rPr kumimoji="0" lang="en-US" altLang="en-US" b="0" i="1" u="none" strike="noStrike" cap="none" normalizeH="0" baseline="0" dirty="0">
+                <a:ln>
+                  <a:noFill/>
+                </a:ln>
+                <a:solidFill>
+                  <a:schemeClr val="tx1"/>
+                </a:solidFill>
+                <a:effectLst/>
+              </a:rPr>
+              <a:t>  </a:t>
+            </a:r>
+            <a:r>
+              <a:rPr kumimoji="0" lang="en-US" altLang="en-US" b="0" i="0" u="none" strike="noStrike" cap="none" normalizeH="0" baseline="0" dirty="0">
+                <a:ln>
+                  <a:noFill/>
+                </a:ln>
+                <a:solidFill>
+                  <a:schemeClr val="tx1"/>
+                </a:solidFill>
+                <a:effectLst/>
+              </a:rPr>
+              <a:t>&amp; </a:t>
+            </a:r>
+            <a:r>
               <a:rPr lang="en-IN" i="1" dirty="0"/>
               <a:t>pulumi stack </a:t>
             </a:r>
@@ -7755,7 +8778,7 @@
 </p:sld>
 </file>
 
-<file path=ppt/slides/slide16.xml><?xml version="1.0" encoding="utf-8"?>
+<file path=ppt/slides/slide18.xml><?xml version="1.0" encoding="utf-8"?>
 <p:sld xmlns:a="http://schemas.openxmlformats.org/drawingml/2006/main" xmlns:r="http://schemas.openxmlformats.org/officeDocument/2006/relationships" xmlns:p="http://schemas.openxmlformats.org/presentationml/2006/main">
   <p:cSld>
     <p:spTree>
@@ -7777,7 +8800,7 @@
           <p:cNvPr id="2" name="Title 1">
             <a:extLst>
               <a:ext uri="{FF2B5EF4-FFF2-40B4-BE49-F238E27FC236}">
-                <a16:creationId xmlns:a16="http://schemas.microsoft.com/office/drawing/2014/main" id="{F0263795-F0EC-C317-DF4A-6D1EE9ECF3E8}"/>
+                <a16:creationId xmlns:a16="http://schemas.microsoft.com/office/drawing/2014/main" id="{33A08E63-A818-1C04-0CA0-088A8249E603}"/>
               </a:ext>
             </a:extLst>
           </p:cNvPr>
@@ -7794,9 +8817,10 @@
           <a:lstStyle/>
           <a:p>
             <a:r>
-              <a:rPr lang="en-IN" dirty="0"/>
-              <a:t>concepts</a:t>
-            </a:r>
+              <a:rPr lang="en-IN" dirty="0" err="1"/>
+              <a:t>CODESHOP</a:t>
+            </a:r>
+            <a:endParaRPr lang="en-IN" dirty="0"/>
           </a:p>
         </p:txBody>
       </p:sp>
@@ -7805,7 +8829,7 @@
           <p:cNvPr id="3" name="Content Placeholder 2">
             <a:extLst>
               <a:ext uri="{FF2B5EF4-FFF2-40B4-BE49-F238E27FC236}">
-                <a16:creationId xmlns:a16="http://schemas.microsoft.com/office/drawing/2014/main" id="{E35598C4-9FB6-BE74-A1DE-266CD3AF8FA5}"/>
+                <a16:creationId xmlns:a16="http://schemas.microsoft.com/office/drawing/2014/main" id="{A8B9C604-FA6B-8014-051A-4503D71FDA98}"/>
               </a:ext>
             </a:extLst>
           </p:cNvPr>
@@ -7821,14 +8845,35 @@
           <a:bodyPr/>
           <a:lstStyle/>
           <a:p>
-            <a:endParaRPr lang="en-IN"/>
+            <a:r>
+              <a:rPr lang="en-IN" dirty="0">
+                <a:hlinkClick r:id="rId2"/>
+              </a:rPr>
+              <a:t>https://</a:t>
+            </a:r>
+            <a:r>
+              <a:rPr lang="en-IN" dirty="0" err="1">
+                <a:hlinkClick r:id="rId2"/>
+              </a:rPr>
+              <a:t>github.com</a:t>
+            </a:r>
+            <a:r>
+              <a:rPr lang="en-IN" dirty="0">
+                <a:hlinkClick r:id="rId2"/>
+              </a:rPr>
+              <a:t>/nagkumar/pulumi</a:t>
+            </a:r>
+            <a:endParaRPr lang="en-IN" dirty="0"/>
+          </a:p>
+          <a:p>
+            <a:endParaRPr lang="en-IN" dirty="0"/>
           </a:p>
         </p:txBody>
       </p:sp>
     </p:spTree>
     <p:extLst>
       <p:ext uri="{BB962C8B-B14F-4D97-AF65-F5344CB8AC3E}">
-        <p14:creationId xmlns:p14="http://schemas.microsoft.com/office/powerpoint/2010/main" val="1199840106"/>
+        <p14:creationId xmlns:p14="http://schemas.microsoft.com/office/powerpoint/2010/main" val="2190663834"/>
       </p:ext>
     </p:extLst>
   </p:cSld>
@@ -7838,7 +8883,7 @@
 </p:sld>
 </file>
 
-<file path=ppt/slides/slide17.xml><?xml version="1.0" encoding="utf-8"?>
+<file path=ppt/slides/slide19.xml><?xml version="1.0" encoding="utf-8"?>
 <p:sld xmlns:a="http://schemas.openxmlformats.org/drawingml/2006/main" xmlns:r="http://schemas.openxmlformats.org/officeDocument/2006/relationships" xmlns:p="http://schemas.openxmlformats.org/presentationml/2006/main">
   <p:cSld>
     <p:spTree>
@@ -7968,16 +9013,44 @@
               </a:rPr>
               <a:t> </a:t>
             </a:r>
-            <a:endParaRPr kumimoji="0" lang="en-US" altLang="en-US" sz="6000" b="0" i="0" u="none" strike="noStrike" cap="none" normalizeH="0" baseline="0" dirty="0">
-              <a:ln>
-                <a:noFill/>
-              </a:ln>
-              <a:solidFill>
-                <a:schemeClr val="tx1"/>
-              </a:solidFill>
-              <a:effectLst/>
-              <a:latin typeface="Arial" panose="020B0604020202020204" pitchFamily="34" charset="0"/>
-            </a:endParaRPr>
+          </a:p>
+          <a:p>
+            <a:r>
+              <a:rPr lang="en-US" altLang="en-US" sz="2800" dirty="0" err="1">
+                <a:solidFill>
+                  <a:srgbClr val="24292F"/>
+                </a:solidFill>
+                <a:latin typeface="ui-monospace"/>
+              </a:rPr>
+              <a:t>pulumi</a:t>
+            </a:r>
+            <a:r>
+              <a:rPr lang="en-US" altLang="en-US" sz="2800" dirty="0">
+                <a:solidFill>
+                  <a:srgbClr val="24292F"/>
+                </a:solidFill>
+                <a:latin typeface="ui-monospace"/>
+              </a:rPr>
+              <a:t> stack </a:t>
+            </a:r>
+            <a:r>
+              <a:rPr lang="en-US" altLang="en-US" sz="2800" dirty="0" err="1">
+                <a:solidFill>
+                  <a:srgbClr val="24292F"/>
+                </a:solidFill>
+                <a:latin typeface="ui-monospace"/>
+              </a:rPr>
+              <a:t>init</a:t>
+            </a:r>
+            <a:r>
+              <a:rPr lang="en-US" altLang="en-US" sz="2800" dirty="0">
+                <a:solidFill>
+                  <a:srgbClr val="24292F"/>
+                </a:solidFill>
+                <a:latin typeface="ui-monospace"/>
+              </a:rPr>
+              <a:t> dev</a:t>
+            </a:r>
           </a:p>
           <a:p>
             <a:endParaRPr lang="en-IN" dirty="0"/>
@@ -8063,216 +9136,6 @@
     <p:extLst>
       <p:ext uri="{BB962C8B-B14F-4D97-AF65-F5344CB8AC3E}">
         <p14:creationId xmlns:p14="http://schemas.microsoft.com/office/powerpoint/2010/main" val="2121083631"/>
-      </p:ext>
-    </p:extLst>
-  </p:cSld>
-  <p:clrMapOvr>
-    <a:masterClrMapping/>
-  </p:clrMapOvr>
-</p:sld>
-</file>
-
-<file path=ppt/slides/slide18.xml><?xml version="1.0" encoding="utf-8"?>
-<p:sld xmlns:a="http://schemas.openxmlformats.org/drawingml/2006/main" xmlns:r="http://schemas.openxmlformats.org/officeDocument/2006/relationships" xmlns:p="http://schemas.openxmlformats.org/presentationml/2006/main">
-  <p:cSld>
-    <p:spTree>
-      <p:nvGrpSpPr>
-        <p:cNvPr id="1" name=""/>
-        <p:cNvGrpSpPr/>
-        <p:nvPr/>
-      </p:nvGrpSpPr>
-      <p:grpSpPr>
-        <a:xfrm>
-          <a:off x="0" y="0"/>
-          <a:ext cx="0" cy="0"/>
-          <a:chOff x="0" y="0"/>
-          <a:chExt cx="0" cy="0"/>
-        </a:xfrm>
-      </p:grpSpPr>
-      <p:sp>
-        <p:nvSpPr>
-          <p:cNvPr id="2" name="Title 1">
-            <a:extLst>
-              <a:ext uri="{FF2B5EF4-FFF2-40B4-BE49-F238E27FC236}">
-                <a16:creationId xmlns:a16="http://schemas.microsoft.com/office/drawing/2014/main" id="{3C15F48A-3FC3-DB44-4132-CB814AA9E715}"/>
-              </a:ext>
-            </a:extLst>
-          </p:cNvPr>
-          <p:cNvSpPr>
-            <a:spLocks noGrp="1"/>
-          </p:cNvSpPr>
-          <p:nvPr>
-            <p:ph type="title"/>
-          </p:nvPr>
-        </p:nvSpPr>
-        <p:spPr/>
-        <p:txBody>
-          <a:bodyPr/>
-          <a:lstStyle/>
-          <a:p>
-            <a:r>
-              <a:rPr lang="en-IN"/>
-              <a:t>PULUMI Service</a:t>
-            </a:r>
-          </a:p>
-        </p:txBody>
-      </p:sp>
-      <p:sp>
-        <p:nvSpPr>
-          <p:cNvPr id="3" name="Content Placeholder 2">
-            <a:extLst>
-              <a:ext uri="{FF2B5EF4-FFF2-40B4-BE49-F238E27FC236}">
-                <a16:creationId xmlns:a16="http://schemas.microsoft.com/office/drawing/2014/main" id="{1B644C8D-F207-DAEC-8627-31A4BAE46EDB}"/>
-              </a:ext>
-            </a:extLst>
-          </p:cNvPr>
-          <p:cNvSpPr>
-            <a:spLocks noGrp="1"/>
-          </p:cNvSpPr>
-          <p:nvPr>
-            <p:ph idx="1"/>
-          </p:nvPr>
-        </p:nvSpPr>
-        <p:spPr/>
-        <p:txBody>
-          <a:bodyPr/>
-          <a:lstStyle/>
-          <a:p>
-            <a:endParaRPr lang="en-IN"/>
-          </a:p>
-        </p:txBody>
-      </p:sp>
-    </p:spTree>
-    <p:extLst>
-      <p:ext uri="{BB962C8B-B14F-4D97-AF65-F5344CB8AC3E}">
-        <p14:creationId xmlns:p14="http://schemas.microsoft.com/office/powerpoint/2010/main" val="3274906734"/>
-      </p:ext>
-    </p:extLst>
-  </p:cSld>
-  <p:clrMapOvr>
-    <a:masterClrMapping/>
-  </p:clrMapOvr>
-</p:sld>
-</file>
-
-<file path=ppt/slides/slide19.xml><?xml version="1.0" encoding="utf-8"?>
-<p:sld xmlns:a="http://schemas.openxmlformats.org/drawingml/2006/main" xmlns:r="http://schemas.openxmlformats.org/officeDocument/2006/relationships" xmlns:p="http://schemas.openxmlformats.org/presentationml/2006/main">
-  <p:cSld>
-    <p:spTree>
-      <p:nvGrpSpPr>
-        <p:cNvPr id="1" name=""/>
-        <p:cNvGrpSpPr/>
-        <p:nvPr/>
-      </p:nvGrpSpPr>
-      <p:grpSpPr>
-        <a:xfrm>
-          <a:off x="0" y="0"/>
-          <a:ext cx="0" cy="0"/>
-          <a:chOff x="0" y="0"/>
-          <a:chExt cx="0" cy="0"/>
-        </a:xfrm>
-      </p:grpSpPr>
-      <p:sp>
-        <p:nvSpPr>
-          <p:cNvPr id="2" name="Title 1">
-            <a:extLst>
-              <a:ext uri="{FF2B5EF4-FFF2-40B4-BE49-F238E27FC236}">
-                <a16:creationId xmlns:a16="http://schemas.microsoft.com/office/drawing/2014/main" id="{02038554-5EAA-3386-E183-0C532D406A0D}"/>
-              </a:ext>
-            </a:extLst>
-          </p:cNvPr>
-          <p:cNvSpPr>
-            <a:spLocks noGrp="1"/>
-          </p:cNvSpPr>
-          <p:nvPr>
-            <p:ph type="title"/>
-          </p:nvPr>
-        </p:nvSpPr>
-        <p:spPr/>
-        <p:txBody>
-          <a:bodyPr/>
-          <a:lstStyle/>
-          <a:p>
-            <a:r>
-              <a:rPr lang="en-IN" dirty="0"/>
-              <a:t>Project - </a:t>
-            </a:r>
-            <a:r>
-              <a:rPr lang="en-IN" b="0" i="0" dirty="0" err="1">
-                <a:solidFill>
-                  <a:srgbClr val="2F3032"/>
-                </a:solidFill>
-                <a:effectLst/>
-                <a:latin typeface="Roboto Mono"/>
-              </a:rPr>
-              <a:t>Pulumi.yaml</a:t>
-            </a:r>
-            <a:endParaRPr lang="en-IN" dirty="0"/>
-          </a:p>
-        </p:txBody>
-      </p:sp>
-      <p:sp>
-        <p:nvSpPr>
-          <p:cNvPr id="3" name="Content Placeholder 2">
-            <a:extLst>
-              <a:ext uri="{FF2B5EF4-FFF2-40B4-BE49-F238E27FC236}">
-                <a16:creationId xmlns:a16="http://schemas.microsoft.com/office/drawing/2014/main" id="{CC3844BC-D37A-D66B-C83A-2690DECA9F38}"/>
-              </a:ext>
-            </a:extLst>
-          </p:cNvPr>
-          <p:cNvSpPr>
-            <a:spLocks noGrp="1"/>
-          </p:cNvSpPr>
-          <p:nvPr>
-            <p:ph idx="1"/>
-          </p:nvPr>
-        </p:nvSpPr>
-        <p:spPr/>
-        <p:txBody>
-          <a:bodyPr/>
-          <a:lstStyle/>
-          <a:p>
-            <a:pPr marL="0" indent="0">
-              <a:buNone/>
-            </a:pPr>
-            <a:endParaRPr lang="en-IN" dirty="0"/>
-          </a:p>
-        </p:txBody>
-      </p:sp>
-      <p:pic>
-        <p:nvPicPr>
-          <p:cNvPr id="5" name="Picture 4">
-            <a:extLst>
-              <a:ext uri="{FF2B5EF4-FFF2-40B4-BE49-F238E27FC236}">
-                <a16:creationId xmlns:a16="http://schemas.microsoft.com/office/drawing/2014/main" id="{157FBCEC-499F-6A54-FDEB-56D3B29523C6}"/>
-              </a:ext>
-            </a:extLst>
-          </p:cNvPr>
-          <p:cNvPicPr>
-            <a:picLocks noChangeAspect="1"/>
-          </p:cNvPicPr>
-          <p:nvPr/>
-        </p:nvPicPr>
-        <p:blipFill>
-          <a:blip r:embed="rId2"/>
-          <a:stretch>
-            <a:fillRect/>
-          </a:stretch>
-        </p:blipFill>
-        <p:spPr>
-          <a:xfrm>
-            <a:off x="1063752" y="1742361"/>
-            <a:ext cx="4420217" cy="5115639"/>
-          </a:xfrm>
-          <a:prstGeom prst="rect">
-            <a:avLst/>
-          </a:prstGeom>
-        </p:spPr>
-      </p:pic>
-    </p:spTree>
-    <p:extLst>
-      <p:ext uri="{BB962C8B-B14F-4D97-AF65-F5344CB8AC3E}">
-        <p14:creationId xmlns:p14="http://schemas.microsoft.com/office/powerpoint/2010/main" val="1430612191"/>
       </p:ext>
     </p:extLst>
   </p:cSld>
@@ -8392,6 +9255,139 @@
           <p:cNvPr id="2" name="Title 1">
             <a:extLst>
               <a:ext uri="{FF2B5EF4-FFF2-40B4-BE49-F238E27FC236}">
+                <a16:creationId xmlns:a16="http://schemas.microsoft.com/office/drawing/2014/main" id="{02038554-5EAA-3386-E183-0C532D406A0D}"/>
+              </a:ext>
+            </a:extLst>
+          </p:cNvPr>
+          <p:cNvSpPr>
+            <a:spLocks noGrp="1"/>
+          </p:cNvSpPr>
+          <p:nvPr>
+            <p:ph type="title"/>
+          </p:nvPr>
+        </p:nvSpPr>
+        <p:spPr/>
+        <p:txBody>
+          <a:bodyPr>
+            <a:normAutofit/>
+          </a:bodyPr>
+          <a:lstStyle/>
+          <a:p>
+            <a:r>
+              <a:rPr lang="en-IN" sz="4800" dirty="0"/>
+              <a:t>Project - </a:t>
+            </a:r>
+            <a:r>
+              <a:rPr lang="en-IN" sz="4800" dirty="0" err="1"/>
+              <a:t>Pulumi.yaml</a:t>
+            </a:r>
+            <a:r>
+              <a:rPr lang="en-IN" sz="4800" dirty="0"/>
+              <a:t> &amp; </a:t>
+            </a:r>
+            <a:r>
+              <a:rPr lang="en-IN" sz="4800" dirty="0" err="1"/>
+              <a:t>Pulumi.dev.yaml</a:t>
+            </a:r>
+            <a:endParaRPr lang="en-IN" sz="4800" dirty="0"/>
+          </a:p>
+        </p:txBody>
+      </p:sp>
+      <p:pic>
+        <p:nvPicPr>
+          <p:cNvPr id="5" name="Picture 4">
+            <a:extLst>
+              <a:ext uri="{FF2B5EF4-FFF2-40B4-BE49-F238E27FC236}">
+                <a16:creationId xmlns:a16="http://schemas.microsoft.com/office/drawing/2014/main" id="{157FBCEC-499F-6A54-FDEB-56D3B29523C6}"/>
+              </a:ext>
+            </a:extLst>
+          </p:cNvPr>
+          <p:cNvPicPr>
+            <a:picLocks noChangeAspect="1"/>
+          </p:cNvPicPr>
+          <p:nvPr/>
+        </p:nvPicPr>
+        <p:blipFill>
+          <a:blip r:embed="rId2"/>
+          <a:stretch>
+            <a:fillRect/>
+          </a:stretch>
+        </p:blipFill>
+        <p:spPr>
+          <a:xfrm>
+            <a:off x="1063752" y="1742361"/>
+            <a:ext cx="4420217" cy="5115639"/>
+          </a:xfrm>
+          <a:prstGeom prst="rect">
+            <a:avLst/>
+          </a:prstGeom>
+        </p:spPr>
+      </p:pic>
+      <p:pic>
+        <p:nvPicPr>
+          <p:cNvPr id="6" name="Picture 5">
+            <a:extLst>
+              <a:ext uri="{FF2B5EF4-FFF2-40B4-BE49-F238E27FC236}">
+                <a16:creationId xmlns:a16="http://schemas.microsoft.com/office/drawing/2014/main" id="{6A4FA1A5-22F0-D245-E855-E672CF39908D}"/>
+              </a:ext>
+            </a:extLst>
+          </p:cNvPr>
+          <p:cNvPicPr>
+            <a:picLocks noChangeAspect="1"/>
+          </p:cNvPicPr>
+          <p:nvPr/>
+        </p:nvPicPr>
+        <p:blipFill>
+          <a:blip r:embed="rId3"/>
+          <a:stretch>
+            <a:fillRect/>
+          </a:stretch>
+        </p:blipFill>
+        <p:spPr>
+          <a:xfrm>
+            <a:off x="6534211" y="2895525"/>
+            <a:ext cx="3543795" cy="1066949"/>
+          </a:xfrm>
+          <a:prstGeom prst="rect">
+            <a:avLst/>
+          </a:prstGeom>
+        </p:spPr>
+      </p:pic>
+    </p:spTree>
+    <p:extLst>
+      <p:ext uri="{BB962C8B-B14F-4D97-AF65-F5344CB8AC3E}">
+        <p14:creationId xmlns:p14="http://schemas.microsoft.com/office/powerpoint/2010/main" val="2129203338"/>
+      </p:ext>
+    </p:extLst>
+  </p:cSld>
+  <p:clrMapOvr>
+    <a:masterClrMapping/>
+  </p:clrMapOvr>
+</p:sld>
+</file>
+
+<file path=ppt/slides/slide21.xml><?xml version="1.0" encoding="utf-8"?>
+<p:sld xmlns:a="http://schemas.openxmlformats.org/drawingml/2006/main" xmlns:r="http://schemas.openxmlformats.org/officeDocument/2006/relationships" xmlns:p="http://schemas.openxmlformats.org/presentationml/2006/main">
+  <p:cSld>
+    <p:spTree>
+      <p:nvGrpSpPr>
+        <p:cNvPr id="1" name=""/>
+        <p:cNvGrpSpPr/>
+        <p:nvPr/>
+      </p:nvGrpSpPr>
+      <p:grpSpPr>
+        <a:xfrm>
+          <a:off x="0" y="0"/>
+          <a:ext cx="0" cy="0"/>
+          <a:chOff x="0" y="0"/>
+          <a:chExt cx="0" cy="0"/>
+        </a:xfrm>
+      </p:grpSpPr>
+      <p:sp>
+        <p:nvSpPr>
+          <p:cNvPr id="2" name="Title 1">
+            <a:extLst>
+              <a:ext uri="{FF2B5EF4-FFF2-40B4-BE49-F238E27FC236}">
                 <a16:creationId xmlns:a16="http://schemas.microsoft.com/office/drawing/2014/main" id="{1E8D3A08-F084-C942-920C-C81622707D3E}"/>
               </a:ext>
             </a:extLst>
@@ -8403,7 +9399,12 @@
             <p:ph type="title"/>
           </p:nvPr>
         </p:nvSpPr>
-        <p:spPr/>
+        <p:spPr>
+          <a:xfrm>
+            <a:off x="341520" y="194106"/>
+            <a:ext cx="10058400" cy="1609344"/>
+          </a:xfrm>
+        </p:spPr>
         <p:txBody>
           <a:bodyPr/>
           <a:lstStyle/>
@@ -8672,7 +9673,7 @@
         </p:blipFill>
         <p:spPr>
           <a:xfrm>
-            <a:off x="322467" y="2258386"/>
+            <a:off x="341520" y="1694045"/>
             <a:ext cx="2086266" cy="428685"/>
           </a:xfrm>
           <a:prstGeom prst="rect">
@@ -8702,7 +9703,7 @@
         </p:blipFill>
         <p:spPr>
           <a:xfrm>
-            <a:off x="322467" y="3034362"/>
+            <a:off x="349646" y="2274545"/>
             <a:ext cx="4934639" cy="1028844"/>
           </a:xfrm>
           <a:prstGeom prst="rect">
@@ -8732,7 +9733,7 @@
         </p:blipFill>
         <p:spPr>
           <a:xfrm>
-            <a:off x="341520" y="4574907"/>
+            <a:off x="368699" y="3622669"/>
             <a:ext cx="4915586" cy="1390844"/>
           </a:xfrm>
           <a:prstGeom prst="rect">
@@ -8792,7 +9793,7 @@
         </p:blipFill>
         <p:spPr>
           <a:xfrm>
-            <a:off x="6004487" y="3928017"/>
+            <a:off x="5617703" y="3992671"/>
             <a:ext cx="4782217" cy="3286584"/>
           </a:xfrm>
           <a:prstGeom prst="rect">
@@ -8822,7 +9823,7 @@
         </p:blipFill>
         <p:spPr>
           <a:xfrm>
-            <a:off x="696228" y="6158320"/>
+            <a:off x="341520" y="5214482"/>
             <a:ext cx="2648320" cy="638264"/>
           </a:xfrm>
           <a:prstGeom prst="rect">
@@ -8833,309 +9834,7 @@
     </p:spTree>
     <p:extLst>
       <p:ext uri="{BB962C8B-B14F-4D97-AF65-F5344CB8AC3E}">
-        <p14:creationId xmlns:p14="http://schemas.microsoft.com/office/powerpoint/2010/main" val="927383278"/>
-      </p:ext>
-    </p:extLst>
-  </p:cSld>
-  <p:clrMapOvr>
-    <a:masterClrMapping/>
-  </p:clrMapOvr>
-</p:sld>
-</file>
-
-<file path=ppt/slides/slide21.xml><?xml version="1.0" encoding="utf-8"?>
-<p:sld xmlns:a="http://schemas.openxmlformats.org/drawingml/2006/main" xmlns:r="http://schemas.openxmlformats.org/officeDocument/2006/relationships" xmlns:p="http://schemas.openxmlformats.org/presentationml/2006/main">
-  <p:cSld>
-    <p:spTree>
-      <p:nvGrpSpPr>
-        <p:cNvPr id="1" name=""/>
-        <p:cNvGrpSpPr/>
-        <p:nvPr/>
-      </p:nvGrpSpPr>
-      <p:grpSpPr>
-        <a:xfrm>
-          <a:off x="0" y="0"/>
-          <a:ext cx="0" cy="0"/>
-          <a:chOff x="0" y="0"/>
-          <a:chExt cx="0" cy="0"/>
-        </a:xfrm>
-      </p:grpSpPr>
-      <p:sp>
-        <p:nvSpPr>
-          <p:cNvPr id="2" name="Title 1">
-            <a:extLst>
-              <a:ext uri="{FF2B5EF4-FFF2-40B4-BE49-F238E27FC236}">
-                <a16:creationId xmlns:a16="http://schemas.microsoft.com/office/drawing/2014/main" id="{56019E09-BC41-ADDC-4276-954085E88F1F}"/>
-              </a:ext>
-            </a:extLst>
-          </p:cNvPr>
-          <p:cNvSpPr>
-            <a:spLocks noGrp="1"/>
-          </p:cNvSpPr>
-          <p:nvPr>
-            <p:ph type="title"/>
-          </p:nvPr>
-        </p:nvSpPr>
-        <p:spPr/>
-        <p:txBody>
-          <a:bodyPr>
-            <a:normAutofit/>
-          </a:bodyPr>
-          <a:lstStyle/>
-          <a:p>
-            <a:r>
-              <a:rPr lang="en-IN" dirty="0"/>
-              <a:t>State and Backends</a:t>
-            </a:r>
-          </a:p>
-        </p:txBody>
-      </p:sp>
-      <p:sp>
-        <p:nvSpPr>
-          <p:cNvPr id="3" name="Content Placeholder 2">
-            <a:extLst>
-              <a:ext uri="{FF2B5EF4-FFF2-40B4-BE49-F238E27FC236}">
-                <a16:creationId xmlns:a16="http://schemas.microsoft.com/office/drawing/2014/main" id="{BC154606-A147-E571-92FD-395ED9BD77F2}"/>
-              </a:ext>
-            </a:extLst>
-          </p:cNvPr>
-          <p:cNvSpPr>
-            <a:spLocks noGrp="1"/>
-          </p:cNvSpPr>
-          <p:nvPr>
-            <p:ph idx="1"/>
-          </p:nvPr>
-        </p:nvSpPr>
-        <p:spPr/>
-        <p:txBody>
-          <a:bodyPr/>
-          <a:lstStyle/>
-          <a:p>
-            <a:endParaRPr lang="en-IN" dirty="0"/>
-          </a:p>
-        </p:txBody>
-      </p:sp>
-      <p:pic>
-        <p:nvPicPr>
-          <p:cNvPr id="5" name="Picture 4">
-            <a:extLst>
-              <a:ext uri="{FF2B5EF4-FFF2-40B4-BE49-F238E27FC236}">
-                <a16:creationId xmlns:a16="http://schemas.microsoft.com/office/drawing/2014/main" id="{19B9DBA6-E10B-0DCB-0F18-AB1A820194B7}"/>
-              </a:ext>
-            </a:extLst>
-          </p:cNvPr>
-          <p:cNvPicPr>
-            <a:picLocks noChangeAspect="1"/>
-          </p:cNvPicPr>
-          <p:nvPr/>
-        </p:nvPicPr>
-        <p:blipFill>
-          <a:blip r:embed="rId2"/>
-          <a:stretch>
-            <a:fillRect/>
-          </a:stretch>
-        </p:blipFill>
-        <p:spPr>
-          <a:xfrm>
-            <a:off x="1088349" y="2121408"/>
-            <a:ext cx="6917236" cy="4736592"/>
-          </a:xfrm>
-          <a:prstGeom prst="rect">
-            <a:avLst/>
-          </a:prstGeom>
-        </p:spPr>
-      </p:pic>
-      <p:sp>
-        <p:nvSpPr>
-          <p:cNvPr id="7" name="TextBox 6">
-            <a:extLst>
-              <a:ext uri="{FF2B5EF4-FFF2-40B4-BE49-F238E27FC236}">
-                <a16:creationId xmlns:a16="http://schemas.microsoft.com/office/drawing/2014/main" id="{ACAB4833-0CA3-9FBC-0227-88D3266AB838}"/>
-              </a:ext>
-            </a:extLst>
-          </p:cNvPr>
-          <p:cNvSpPr txBox="1"/>
-          <p:nvPr/>
-        </p:nvSpPr>
-        <p:spPr>
-          <a:xfrm>
-            <a:off x="4957585" y="2864244"/>
-            <a:ext cx="6096000" cy="923330"/>
-          </a:xfrm>
-          <a:prstGeom prst="rect">
-            <a:avLst/>
-          </a:prstGeom>
-          <a:noFill/>
-        </p:spPr>
-        <p:txBody>
-          <a:bodyPr wrap="square">
-            <a:spAutoFit/>
-          </a:bodyPr>
-          <a:lstStyle/>
-          <a:p>
-            <a:pPr marL="342900" indent="-342900" algn="l">
-              <a:buFont typeface="+mj-lt"/>
-              <a:buAutoNum type="arabicPeriod"/>
-            </a:pPr>
-            <a:r>
-              <a:rPr lang="en-IN" sz="1800" b="0" i="0" u="none" strike="noStrike" baseline="0" dirty="0" err="1">
-                <a:latin typeface="Helvetica" panose="020B0604020202020204" pitchFamily="34" charset="0"/>
-              </a:rPr>
-              <a:t>app.pulumi.com</a:t>
-            </a:r>
-            <a:endParaRPr lang="en-IN" sz="1800" b="0" i="0" u="none" strike="noStrike" baseline="0" dirty="0">
-              <a:latin typeface="Helvetica" panose="020B0604020202020204" pitchFamily="34" charset="0"/>
-            </a:endParaRPr>
-          </a:p>
-          <a:p>
-            <a:pPr marL="342900" indent="-342900" algn="l">
-              <a:buFont typeface="+mj-lt"/>
-              <a:buAutoNum type="arabicPeriod"/>
-            </a:pPr>
-            <a:r>
-              <a:rPr lang="en-IN" sz="1800" b="0" i="0" u="none" strike="noStrike" baseline="0" dirty="0">
-                <a:latin typeface="Helvetica" panose="020B0604020202020204" pitchFamily="34" charset="0"/>
-              </a:rPr>
-              <a:t>Self-managed backend</a:t>
-            </a:r>
-          </a:p>
-          <a:p>
-            <a:pPr marL="342900" indent="-342900" algn="l">
-              <a:buFont typeface="+mj-lt"/>
-              <a:buAutoNum type="arabicPeriod"/>
-            </a:pPr>
-            <a:r>
-              <a:rPr lang="en-IN" sz="1800" b="0" i="0" u="none" strike="noStrike" baseline="0" dirty="0">
-                <a:latin typeface="Helvetica" panose="020B0604020202020204" pitchFamily="34" charset="0"/>
-              </a:rPr>
-              <a:t>on-premise </a:t>
-            </a:r>
-            <a:r>
-              <a:rPr lang="en-IN" sz="1800" b="0" i="0" u="none" strike="noStrike" baseline="0" dirty="0" err="1">
-                <a:latin typeface="Helvetica" panose="020B0604020202020204" pitchFamily="34" charset="0"/>
-              </a:rPr>
-              <a:t>app.pulumi.com</a:t>
-            </a:r>
-            <a:r>
-              <a:rPr lang="en-IN" sz="1800" b="0" i="0" u="none" strike="noStrike" baseline="0" dirty="0">
-                <a:latin typeface="Helvetica" panose="020B0604020202020204" pitchFamily="34" charset="0"/>
-              </a:rPr>
-              <a:t> (Enterprise version only)</a:t>
-            </a:r>
-            <a:endParaRPr lang="en-IN" dirty="0"/>
-          </a:p>
-        </p:txBody>
-      </p:sp>
-      <p:sp>
-        <p:nvSpPr>
-          <p:cNvPr id="9" name="TextBox 8">
-            <a:extLst>
-              <a:ext uri="{FF2B5EF4-FFF2-40B4-BE49-F238E27FC236}">
-                <a16:creationId xmlns:a16="http://schemas.microsoft.com/office/drawing/2014/main" id="{E0DD04E3-9BDB-3D4F-A615-B5F9BDDC4454}"/>
-              </a:ext>
-            </a:extLst>
-          </p:cNvPr>
-          <p:cNvSpPr txBox="1"/>
-          <p:nvPr/>
-        </p:nvSpPr>
-        <p:spPr>
-          <a:xfrm>
-            <a:off x="8277225" y="5635109"/>
-            <a:ext cx="2447925" cy="369332"/>
-          </a:xfrm>
-          <a:prstGeom prst="rect">
-            <a:avLst/>
-          </a:prstGeom>
-          <a:noFill/>
-        </p:spPr>
-        <p:txBody>
-          <a:bodyPr wrap="square">
-            <a:spAutoFit/>
-          </a:bodyPr>
-          <a:lstStyle/>
-          <a:p>
-            <a:r>
-              <a:rPr lang="en-IN" sz="1800" b="0" i="0" u="none" strike="noStrike" baseline="0" dirty="0">
-                <a:solidFill>
-                  <a:srgbClr val="A30028"/>
-                </a:solidFill>
-                <a:latin typeface="Panton-Regular"/>
-              </a:rPr>
-              <a:t>Resource Providers</a:t>
-            </a:r>
-            <a:endParaRPr lang="en-IN" dirty="0"/>
-          </a:p>
-        </p:txBody>
-      </p:sp>
-      <p:sp>
-        <p:nvSpPr>
-          <p:cNvPr id="6" name="TextBox 5">
-            <a:extLst>
-              <a:ext uri="{FF2B5EF4-FFF2-40B4-BE49-F238E27FC236}">
-                <a16:creationId xmlns:a16="http://schemas.microsoft.com/office/drawing/2014/main" id="{DFE5CEB8-E2BD-2E7B-7630-551EF0E6186F}"/>
-              </a:ext>
-            </a:extLst>
-          </p:cNvPr>
-          <p:cNvSpPr txBox="1"/>
-          <p:nvPr/>
-        </p:nvSpPr>
-        <p:spPr>
-          <a:xfrm>
-            <a:off x="3901440" y="6330434"/>
-            <a:ext cx="6096000" cy="369332"/>
-          </a:xfrm>
-          <a:prstGeom prst="rect">
-            <a:avLst/>
-          </a:prstGeom>
-          <a:noFill/>
-        </p:spPr>
-        <p:txBody>
-          <a:bodyPr wrap="square">
-            <a:spAutoFit/>
-          </a:bodyPr>
-          <a:lstStyle/>
-          <a:p>
-            <a:r>
-              <a:rPr lang="en-IN" dirty="0">
-                <a:hlinkClick r:id="rId3"/>
-              </a:rPr>
-              <a:t>https://</a:t>
-            </a:r>
-            <a:r>
-              <a:rPr lang="en-IN" dirty="0" err="1">
-                <a:hlinkClick r:id="rId3"/>
-              </a:rPr>
-              <a:t>app.pulumi.com</a:t>
-            </a:r>
-            <a:r>
-              <a:rPr lang="en-IN" dirty="0">
-                <a:hlinkClick r:id="rId3"/>
-              </a:rPr>
-              <a:t>/nagkumar/</a:t>
-            </a:r>
-            <a:r>
-              <a:rPr lang="en-IN" dirty="0" err="1">
-                <a:hlinkClick r:id="rId3"/>
-              </a:rPr>
-              <a:t>hw</a:t>
-            </a:r>
-            <a:r>
-              <a:rPr lang="en-IN" dirty="0">
-                <a:hlinkClick r:id="rId3"/>
-              </a:rPr>
-              <a:t>/dev/updates/11</a:t>
-            </a:r>
-            <a:r>
-              <a:rPr lang="en-IN" dirty="0"/>
-              <a:t> </a:t>
-            </a:r>
-          </a:p>
-        </p:txBody>
-      </p:sp>
-    </p:spTree>
-    <p:extLst>
-      <p:ext uri="{BB962C8B-B14F-4D97-AF65-F5344CB8AC3E}">
-        <p14:creationId xmlns:p14="http://schemas.microsoft.com/office/powerpoint/2010/main" val="968428378"/>
+        <p14:creationId xmlns:p14="http://schemas.microsoft.com/office/powerpoint/2010/main" val="3266841370"/>
       </p:ext>
     </p:extLst>
   </p:cSld>
@@ -9167,7 +9866,7 @@
           <p:cNvPr id="2" name="Title 1">
             <a:extLst>
               <a:ext uri="{FF2B5EF4-FFF2-40B4-BE49-F238E27FC236}">
-                <a16:creationId xmlns:a16="http://schemas.microsoft.com/office/drawing/2014/main" id="{1C72D64C-10BE-A1BC-C390-1D06C12AF2D2}"/>
+                <a16:creationId xmlns:a16="http://schemas.microsoft.com/office/drawing/2014/main" id="{3C15F48A-3FC3-DB44-4132-CB814AA9E715}"/>
               </a:ext>
             </a:extLst>
           </p:cNvPr>
@@ -9184,16 +9883,9 @@
           <a:lstStyle/>
           <a:p>
             <a:r>
-              <a:rPr lang="en-IN" b="1" i="0" dirty="0">
-                <a:solidFill>
-                  <a:srgbClr val="2F3032"/>
-                </a:solidFill>
-                <a:effectLst/>
-                <a:latin typeface="Gilroy"/>
-              </a:rPr>
-              <a:t>Resources</a:t>
-            </a:r>
-            <a:endParaRPr lang="en-IN" dirty="0"/>
+              <a:rPr lang="en-IN"/>
+              <a:t>PULUMI Service</a:t>
+            </a:r>
           </a:p>
         </p:txBody>
       </p:sp>
@@ -9202,7 +9894,7 @@
           <p:cNvPr id="3" name="Content Placeholder 2">
             <a:extLst>
               <a:ext uri="{FF2B5EF4-FFF2-40B4-BE49-F238E27FC236}">
-                <a16:creationId xmlns:a16="http://schemas.microsoft.com/office/drawing/2014/main" id="{C216665C-2824-FE25-3060-E148436D25B2}"/>
+                <a16:creationId xmlns:a16="http://schemas.microsoft.com/office/drawing/2014/main" id="{1B644C8D-F207-DAEC-8627-31A4BAE46EDB}"/>
               </a:ext>
             </a:extLst>
           </p:cNvPr>
@@ -9222,10 +9914,40 @@
           </a:p>
         </p:txBody>
       </p:sp>
+      <p:pic>
+        <p:nvPicPr>
+          <p:cNvPr id="5" name="Picture 4">
+            <a:extLst>
+              <a:ext uri="{FF2B5EF4-FFF2-40B4-BE49-F238E27FC236}">
+                <a16:creationId xmlns:a16="http://schemas.microsoft.com/office/drawing/2014/main" id="{1E31BBF1-18A4-512A-6367-6E4FC84CC9C8}"/>
+              </a:ext>
+            </a:extLst>
+          </p:cNvPr>
+          <p:cNvPicPr>
+            <a:picLocks noChangeAspect="1"/>
+          </p:cNvPicPr>
+          <p:nvPr/>
+        </p:nvPicPr>
+        <p:blipFill>
+          <a:blip r:embed="rId2"/>
+          <a:stretch>
+            <a:fillRect/>
+          </a:stretch>
+        </p:blipFill>
+        <p:spPr>
+          <a:xfrm>
+            <a:off x="471055" y="1763670"/>
+            <a:ext cx="12192000" cy="4475967"/>
+          </a:xfrm>
+          <a:prstGeom prst="rect">
+            <a:avLst/>
+          </a:prstGeom>
+        </p:spPr>
+      </p:pic>
     </p:spTree>
     <p:extLst>
       <p:ext uri="{BB962C8B-B14F-4D97-AF65-F5344CB8AC3E}">
-        <p14:creationId xmlns:p14="http://schemas.microsoft.com/office/powerpoint/2010/main" val="3852911669"/>
+        <p14:creationId xmlns:p14="http://schemas.microsoft.com/office/powerpoint/2010/main" val="3274906734"/>
       </p:ext>
     </p:extLst>
   </p:cSld>
@@ -9257,7 +9979,7 @@
           <p:cNvPr id="2" name="Title 1">
             <a:extLst>
               <a:ext uri="{FF2B5EF4-FFF2-40B4-BE49-F238E27FC236}">
-                <a16:creationId xmlns:a16="http://schemas.microsoft.com/office/drawing/2014/main" id="{EDD34EF4-B0FC-F021-AF56-580365891BAB}"/>
+                <a16:creationId xmlns:a16="http://schemas.microsoft.com/office/drawing/2014/main" id="{6AFC75D1-D9DE-38D8-3790-A262BEE856C4}"/>
               </a:ext>
             </a:extLst>
           </p:cNvPr>
@@ -9270,22 +9992,10 @@
         </p:nvSpPr>
         <p:spPr/>
         <p:txBody>
-          <a:bodyPr>
-            <a:normAutofit/>
-          </a:bodyPr>
+          <a:bodyPr/>
           <a:lstStyle/>
           <a:p>
-            <a:r>
-              <a:rPr lang="en-IN" b="1" i="0" dirty="0">
-                <a:solidFill>
-                  <a:srgbClr val="2F3032"/>
-                </a:solidFill>
-                <a:effectLst/>
-                <a:latin typeface="Gilroy"/>
-              </a:rPr>
-              <a:t>Inputs and Outputs</a:t>
-            </a:r>
-            <a:endParaRPr lang="en-IN" dirty="0"/>
+            <a:endParaRPr lang="en-IN"/>
           </a:p>
         </p:txBody>
       </p:sp>
@@ -9294,7 +10004,7 @@
           <p:cNvPr id="3" name="Content Placeholder 2">
             <a:extLst>
               <a:ext uri="{FF2B5EF4-FFF2-40B4-BE49-F238E27FC236}">
-                <a16:creationId xmlns:a16="http://schemas.microsoft.com/office/drawing/2014/main" id="{F4E8E8E8-12A8-AD30-1E3A-E6324EE72EB4}"/>
+                <a16:creationId xmlns:a16="http://schemas.microsoft.com/office/drawing/2014/main" id="{C444B9F9-3B04-5B1C-ECE4-C733AE6126BD}"/>
               </a:ext>
             </a:extLst>
           </p:cNvPr>
@@ -9310,14 +10020,44 @@
           <a:bodyPr/>
           <a:lstStyle/>
           <a:p>
-            <a:endParaRPr lang="en-IN"/>
+            <a:endParaRPr lang="en-IN" dirty="0"/>
           </a:p>
         </p:txBody>
       </p:sp>
+      <p:pic>
+        <p:nvPicPr>
+          <p:cNvPr id="5" name="Picture 4">
+            <a:extLst>
+              <a:ext uri="{FF2B5EF4-FFF2-40B4-BE49-F238E27FC236}">
+                <a16:creationId xmlns:a16="http://schemas.microsoft.com/office/drawing/2014/main" id="{3D580527-CAB2-F302-8BF6-30A702F71D78}"/>
+              </a:ext>
+            </a:extLst>
+          </p:cNvPr>
+          <p:cNvPicPr>
+            <a:picLocks noChangeAspect="1"/>
+          </p:cNvPicPr>
+          <p:nvPr/>
+        </p:nvPicPr>
+        <p:blipFill>
+          <a:blip r:embed="rId2"/>
+          <a:stretch>
+            <a:fillRect/>
+          </a:stretch>
+        </p:blipFill>
+        <p:spPr>
+          <a:xfrm>
+            <a:off x="129110" y="0"/>
+            <a:ext cx="8442434" cy="6858000"/>
+          </a:xfrm>
+          <a:prstGeom prst="rect">
+            <a:avLst/>
+          </a:prstGeom>
+        </p:spPr>
+      </p:pic>
     </p:spTree>
     <p:extLst>
       <p:ext uri="{BB962C8B-B14F-4D97-AF65-F5344CB8AC3E}">
-        <p14:creationId xmlns:p14="http://schemas.microsoft.com/office/powerpoint/2010/main" val="1177409741"/>
+        <p14:creationId xmlns:p14="http://schemas.microsoft.com/office/powerpoint/2010/main" val="217254681"/>
       </p:ext>
     </p:extLst>
   </p:cSld>
@@ -9349,7 +10089,7 @@
           <p:cNvPr id="2" name="Title 1">
             <a:extLst>
               <a:ext uri="{FF2B5EF4-FFF2-40B4-BE49-F238E27FC236}">
-                <a16:creationId xmlns:a16="http://schemas.microsoft.com/office/drawing/2014/main" id="{D86A0E34-5B8B-3BF2-959D-B61FE4963E9B}"/>
+                <a16:creationId xmlns:a16="http://schemas.microsoft.com/office/drawing/2014/main" id="{A0591403-E425-F157-ABDF-9A7A7126EB3E}"/>
               </a:ext>
             </a:extLst>
           </p:cNvPr>
@@ -9365,17 +10105,7 @@
           <a:bodyPr/>
           <a:lstStyle/>
           <a:p>
-            <a:r>
-              <a:rPr lang="en-IN" b="1" i="0" dirty="0">
-                <a:solidFill>
-                  <a:srgbClr val="2F3032"/>
-                </a:solidFill>
-                <a:effectLst/>
-                <a:latin typeface="Gilroy"/>
-              </a:rPr>
-              <a:t>Configuration</a:t>
-            </a:r>
-            <a:endParaRPr lang="en-IN" dirty="0"/>
+            <a:endParaRPr lang="en-IN"/>
           </a:p>
         </p:txBody>
       </p:sp>
@@ -9384,7 +10114,7 @@
           <p:cNvPr id="3" name="Content Placeholder 2">
             <a:extLst>
               <a:ext uri="{FF2B5EF4-FFF2-40B4-BE49-F238E27FC236}">
-                <a16:creationId xmlns:a16="http://schemas.microsoft.com/office/drawing/2014/main" id="{4F543E55-9C4E-C90F-E5F0-83AB40796C3C}"/>
+                <a16:creationId xmlns:a16="http://schemas.microsoft.com/office/drawing/2014/main" id="{DCB30B3C-D159-DBC9-AEBD-DE7600243FCE}"/>
               </a:ext>
             </a:extLst>
           </p:cNvPr>
@@ -9400,7 +10130,7 @@
           <a:bodyPr/>
           <a:lstStyle/>
           <a:p>
-            <a:endParaRPr lang="en-IN" dirty="0"/>
+            <a:endParaRPr lang="en-IN"/>
           </a:p>
         </p:txBody>
       </p:sp>
@@ -9409,7 +10139,7 @@
           <p:cNvPr id="5" name="Picture 4">
             <a:extLst>
               <a:ext uri="{FF2B5EF4-FFF2-40B4-BE49-F238E27FC236}">
-                <a16:creationId xmlns:a16="http://schemas.microsoft.com/office/drawing/2014/main" id="{829A94D9-6018-0AC1-D543-C6A81985DE9A}"/>
+                <a16:creationId xmlns:a16="http://schemas.microsoft.com/office/drawing/2014/main" id="{96947E85-017B-BCF8-3BC0-627348E04B0A}"/>
               </a:ext>
             </a:extLst>
           </p:cNvPr>
@@ -9426,8 +10156,8 @@
         </p:blipFill>
         <p:spPr>
           <a:xfrm>
-            <a:off x="1692808" y="2652259"/>
-            <a:ext cx="2762636" cy="647790"/>
+            <a:off x="0" y="0"/>
+            <a:ext cx="9212117" cy="6858000"/>
           </a:xfrm>
           <a:prstGeom prst="rect">
             <a:avLst/>
@@ -9437,7 +10167,7 @@
     </p:spTree>
     <p:extLst>
       <p:ext uri="{BB962C8B-B14F-4D97-AF65-F5344CB8AC3E}">
-        <p14:creationId xmlns:p14="http://schemas.microsoft.com/office/powerpoint/2010/main" val="593934382"/>
+        <p14:creationId xmlns:p14="http://schemas.microsoft.com/office/powerpoint/2010/main" val="2177724537"/>
       </p:ext>
     </p:extLst>
   </p:cSld>
@@ -9469,7 +10199,7 @@
           <p:cNvPr id="2" name="Title 1">
             <a:extLst>
               <a:ext uri="{FF2B5EF4-FFF2-40B4-BE49-F238E27FC236}">
-                <a16:creationId xmlns:a16="http://schemas.microsoft.com/office/drawing/2014/main" id="{5F47E39B-D000-2571-BD07-7E81A8E6B0F1}"/>
+                <a16:creationId xmlns:a16="http://schemas.microsoft.com/office/drawing/2014/main" id="{D541F912-9F5F-4193-706B-6E638641FF74}"/>
               </a:ext>
             </a:extLst>
           </p:cNvPr>
@@ -9485,304 +10215,7 @@
           <a:bodyPr/>
           <a:lstStyle/>
           <a:p>
-            <a:r>
-              <a:rPr lang="en-IN" b="1" i="0" dirty="0">
-                <a:solidFill>
-                  <a:srgbClr val="2F3032"/>
-                </a:solidFill>
-                <a:effectLst/>
-                <a:latin typeface="Gilroy"/>
-              </a:rPr>
-              <a:t>Secrets</a:t>
-            </a:r>
-            <a:endParaRPr lang="en-IN" dirty="0"/>
-          </a:p>
-        </p:txBody>
-      </p:sp>
-      <p:pic>
-        <p:nvPicPr>
-          <p:cNvPr id="5" name="Content Placeholder 4">
-            <a:extLst>
-              <a:ext uri="{FF2B5EF4-FFF2-40B4-BE49-F238E27FC236}">
-                <a16:creationId xmlns:a16="http://schemas.microsoft.com/office/drawing/2014/main" id="{B7DF117E-4EB0-921E-8B59-57D3D45C61EE}"/>
-              </a:ext>
-            </a:extLst>
-          </p:cNvPr>
-          <p:cNvPicPr>
-            <a:picLocks noGrp="1" noChangeAspect="1"/>
-          </p:cNvPicPr>
-          <p:nvPr>
-            <p:ph idx="1"/>
-          </p:nvPr>
-        </p:nvPicPr>
-        <p:blipFill>
-          <a:blip r:embed="rId2"/>
-          <a:stretch>
-            <a:fillRect/>
-          </a:stretch>
-        </p:blipFill>
-        <p:spPr>
-          <a:xfrm>
-            <a:off x="1358902" y="1927265"/>
-            <a:ext cx="3210373" cy="333422"/>
-          </a:xfrm>
-        </p:spPr>
-      </p:pic>
-      <p:pic>
-        <p:nvPicPr>
-          <p:cNvPr id="7" name="Picture 6">
-            <a:extLst>
-              <a:ext uri="{FF2B5EF4-FFF2-40B4-BE49-F238E27FC236}">
-                <a16:creationId xmlns:a16="http://schemas.microsoft.com/office/drawing/2014/main" id="{0D68F1EE-60B4-1BF7-7FBC-D40E34AE4025}"/>
-              </a:ext>
-            </a:extLst>
-          </p:cNvPr>
-          <p:cNvPicPr>
-            <a:picLocks noChangeAspect="1"/>
-          </p:cNvPicPr>
-          <p:nvPr/>
-        </p:nvPicPr>
-        <p:blipFill>
-          <a:blip r:embed="rId3"/>
-          <a:stretch>
-            <a:fillRect/>
-          </a:stretch>
-        </p:blipFill>
-        <p:spPr>
-          <a:xfrm>
-            <a:off x="1967079" y="2636371"/>
-            <a:ext cx="5401429" cy="1066949"/>
-          </a:xfrm>
-          <a:prstGeom prst="rect">
-            <a:avLst/>
-          </a:prstGeom>
-        </p:spPr>
-      </p:pic>
-    </p:spTree>
-    <p:extLst>
-      <p:ext uri="{BB962C8B-B14F-4D97-AF65-F5344CB8AC3E}">
-        <p14:creationId xmlns:p14="http://schemas.microsoft.com/office/powerpoint/2010/main" val="3370216728"/>
-      </p:ext>
-    </p:extLst>
-  </p:cSld>
-  <p:clrMapOvr>
-    <a:masterClrMapping/>
-  </p:clrMapOvr>
-</p:sld>
-</file>
-
-<file path=ppt/slides/slide26.xml><?xml version="1.0" encoding="utf-8"?>
-<p:sld xmlns:a="http://schemas.openxmlformats.org/drawingml/2006/main" xmlns:r="http://schemas.openxmlformats.org/officeDocument/2006/relationships" xmlns:p="http://schemas.openxmlformats.org/presentationml/2006/main">
-  <p:cSld>
-    <p:spTree>
-      <p:nvGrpSpPr>
-        <p:cNvPr id="1" name=""/>
-        <p:cNvGrpSpPr/>
-        <p:nvPr/>
-      </p:nvGrpSpPr>
-      <p:grpSpPr>
-        <a:xfrm>
-          <a:off x="0" y="0"/>
-          <a:ext cx="0" cy="0"/>
-          <a:chOff x="0" y="0"/>
-          <a:chExt cx="0" cy="0"/>
-        </a:xfrm>
-      </p:grpSpPr>
-      <p:sp>
-        <p:nvSpPr>
-          <p:cNvPr id="2" name="Title 1">
-            <a:extLst>
-              <a:ext uri="{FF2B5EF4-FFF2-40B4-BE49-F238E27FC236}">
-                <a16:creationId xmlns:a16="http://schemas.microsoft.com/office/drawing/2014/main" id="{A926ADF1-A2C2-2546-8219-BBC5F7C9BE6A}"/>
-              </a:ext>
-            </a:extLst>
-          </p:cNvPr>
-          <p:cNvSpPr>
-            <a:spLocks noGrp="1"/>
-          </p:cNvSpPr>
-          <p:nvPr>
-            <p:ph type="title"/>
-          </p:nvPr>
-        </p:nvSpPr>
-        <p:spPr/>
-        <p:txBody>
-          <a:bodyPr>
-            <a:normAutofit/>
-          </a:bodyPr>
-          <a:lstStyle/>
-          <a:p>
-            <a:r>
-              <a:rPr lang="en-IN" b="1" i="0" dirty="0">
-                <a:solidFill>
-                  <a:srgbClr val="2F3032"/>
-                </a:solidFill>
-                <a:effectLst/>
-                <a:latin typeface="Gilroy"/>
-              </a:rPr>
-              <a:t>Assets and Archives</a:t>
-            </a:r>
-            <a:endParaRPr lang="en-IN" dirty="0"/>
-          </a:p>
-        </p:txBody>
-      </p:sp>
-      <p:pic>
-        <p:nvPicPr>
-          <p:cNvPr id="7" name="Content Placeholder 6">
-            <a:extLst>
-              <a:ext uri="{FF2B5EF4-FFF2-40B4-BE49-F238E27FC236}">
-                <a16:creationId xmlns:a16="http://schemas.microsoft.com/office/drawing/2014/main" id="{A1313B62-85A0-12DE-8948-D59F352F4A63}"/>
-              </a:ext>
-            </a:extLst>
-          </p:cNvPr>
-          <p:cNvPicPr>
-            <a:picLocks noGrp="1" noChangeAspect="1"/>
-          </p:cNvPicPr>
-          <p:nvPr>
-            <p:ph idx="1"/>
-          </p:nvPr>
-        </p:nvPicPr>
-        <p:blipFill>
-          <a:blip r:embed="rId2"/>
-          <a:stretch>
-            <a:fillRect/>
-          </a:stretch>
-        </p:blipFill>
-        <p:spPr>
-          <a:xfrm>
-            <a:off x="6712048" y="2093976"/>
-            <a:ext cx="5688858" cy="4051300"/>
-          </a:xfrm>
-        </p:spPr>
-      </p:pic>
-      <p:pic>
-        <p:nvPicPr>
-          <p:cNvPr id="5" name="Picture 4">
-            <a:extLst>
-              <a:ext uri="{FF2B5EF4-FFF2-40B4-BE49-F238E27FC236}">
-                <a16:creationId xmlns:a16="http://schemas.microsoft.com/office/drawing/2014/main" id="{F00A2482-4D00-AD73-F4B2-AF202FD8BFDF}"/>
-              </a:ext>
-            </a:extLst>
-          </p:cNvPr>
-          <p:cNvPicPr>
-            <a:picLocks noChangeAspect="1"/>
-          </p:cNvPicPr>
-          <p:nvPr/>
-        </p:nvPicPr>
-        <p:blipFill>
-          <a:blip r:embed="rId3"/>
-          <a:stretch>
-            <a:fillRect/>
-          </a:stretch>
-        </p:blipFill>
-        <p:spPr>
-          <a:xfrm>
-            <a:off x="794937" y="2009290"/>
-            <a:ext cx="5725324" cy="3048425"/>
-          </a:xfrm>
-          <a:prstGeom prst="rect">
-            <a:avLst/>
-          </a:prstGeom>
-        </p:spPr>
-      </p:pic>
-      <p:pic>
-        <p:nvPicPr>
-          <p:cNvPr id="9" name="Picture 8">
-            <a:extLst>
-              <a:ext uri="{FF2B5EF4-FFF2-40B4-BE49-F238E27FC236}">
-                <a16:creationId xmlns:a16="http://schemas.microsoft.com/office/drawing/2014/main" id="{5526E969-96C8-0837-551E-C2DD701CC6EC}"/>
-              </a:ext>
-            </a:extLst>
-          </p:cNvPr>
-          <p:cNvPicPr>
-            <a:picLocks noChangeAspect="1"/>
-          </p:cNvPicPr>
-          <p:nvPr/>
-        </p:nvPicPr>
-        <p:blipFill>
-          <a:blip r:embed="rId4"/>
-          <a:stretch>
-            <a:fillRect/>
-          </a:stretch>
-        </p:blipFill>
-        <p:spPr>
-          <a:xfrm>
-            <a:off x="1782162" y="5172476"/>
-            <a:ext cx="3419952" cy="1409897"/>
-          </a:xfrm>
-          <a:prstGeom prst="rect">
-            <a:avLst/>
-          </a:prstGeom>
-        </p:spPr>
-      </p:pic>
-    </p:spTree>
-    <p:extLst>
-      <p:ext uri="{BB962C8B-B14F-4D97-AF65-F5344CB8AC3E}">
-        <p14:creationId xmlns:p14="http://schemas.microsoft.com/office/powerpoint/2010/main" val="4119417315"/>
-      </p:ext>
-    </p:extLst>
-  </p:cSld>
-  <p:clrMapOvr>
-    <a:masterClrMapping/>
-  </p:clrMapOvr>
-</p:sld>
-</file>
-
-<file path=ppt/slides/slide27.xml><?xml version="1.0" encoding="utf-8"?>
-<p:sld xmlns:a="http://schemas.openxmlformats.org/drawingml/2006/main" xmlns:r="http://schemas.openxmlformats.org/officeDocument/2006/relationships" xmlns:p="http://schemas.openxmlformats.org/presentationml/2006/main">
-  <p:cSld>
-    <p:spTree>
-      <p:nvGrpSpPr>
-        <p:cNvPr id="1" name=""/>
-        <p:cNvGrpSpPr/>
-        <p:nvPr/>
-      </p:nvGrpSpPr>
-      <p:grpSpPr>
-        <a:xfrm>
-          <a:off x="0" y="0"/>
-          <a:ext cx="0" cy="0"/>
-          <a:chOff x="0" y="0"/>
-          <a:chExt cx="0" cy="0"/>
-        </a:xfrm>
-      </p:grpSpPr>
-      <p:sp>
-        <p:nvSpPr>
-          <p:cNvPr id="2" name="Title 1">
-            <a:extLst>
-              <a:ext uri="{FF2B5EF4-FFF2-40B4-BE49-F238E27FC236}">
-                <a16:creationId xmlns:a16="http://schemas.microsoft.com/office/drawing/2014/main" id="{FFF69E81-EA4E-C0AB-F7C4-54F32D2D163D}"/>
-              </a:ext>
-            </a:extLst>
-          </p:cNvPr>
-          <p:cNvSpPr>
-            <a:spLocks noGrp="1"/>
-          </p:cNvSpPr>
-          <p:nvPr>
-            <p:ph type="title"/>
-          </p:nvPr>
-        </p:nvSpPr>
-        <p:spPr/>
-        <p:txBody>
-          <a:bodyPr>
-            <a:normAutofit/>
-          </a:bodyPr>
-          <a:lstStyle/>
-          <a:p>
-            <a:pPr algn="l"/>
-            <a:r>
-              <a:rPr lang="en-IN" dirty="0"/>
-              <a:t>In-line code -</a:t>
-            </a:r>
-            <a:r>
-              <a:rPr lang="en-IN" b="1" i="0" dirty="0">
-                <a:solidFill>
-                  <a:srgbClr val="2F3032"/>
-                </a:solidFill>
-                <a:effectLst/>
-                <a:latin typeface="Gilroy"/>
-              </a:rPr>
-              <a:t>Function Serialization</a:t>
-            </a:r>
-            <a:endParaRPr lang="en-IN" dirty="0"/>
+            <a:endParaRPr lang="en-IN"/>
           </a:p>
         </p:txBody>
       </p:sp>
@@ -9791,7 +10224,7 @@
           <p:cNvPr id="3" name="Content Placeholder 2">
             <a:extLst>
               <a:ext uri="{FF2B5EF4-FFF2-40B4-BE49-F238E27FC236}">
-                <a16:creationId xmlns:a16="http://schemas.microsoft.com/office/drawing/2014/main" id="{9F7838D8-013F-93A9-F7BF-F8B3C13687D8}"/>
+                <a16:creationId xmlns:a16="http://schemas.microsoft.com/office/drawing/2014/main" id="{C10FEBD6-0FD3-ADED-0330-8F5048174CE6}"/>
               </a:ext>
             </a:extLst>
           </p:cNvPr>
@@ -9807,7 +10240,7 @@
           <a:bodyPr/>
           <a:lstStyle/>
           <a:p>
-            <a:endParaRPr lang="en-IN" dirty="0"/>
+            <a:endParaRPr lang="en-IN"/>
           </a:p>
         </p:txBody>
       </p:sp>
@@ -9816,7 +10249,7 @@
           <p:cNvPr id="5" name="Picture 4">
             <a:extLst>
               <a:ext uri="{FF2B5EF4-FFF2-40B4-BE49-F238E27FC236}">
-                <a16:creationId xmlns:a16="http://schemas.microsoft.com/office/drawing/2014/main" id="{92E191B5-843A-9DA4-6E75-7F2CEE953411}"/>
+                <a16:creationId xmlns:a16="http://schemas.microsoft.com/office/drawing/2014/main" id="{E2E1D950-C71E-FD88-FE18-1A827B2B9B26}"/>
               </a:ext>
             </a:extLst>
           </p:cNvPr>
@@ -9833,8 +10266,8 @@
         </p:blipFill>
         <p:spPr>
           <a:xfrm>
-            <a:off x="1833080" y="2648558"/>
-            <a:ext cx="4972744" cy="1038370"/>
+            <a:off x="90191" y="175758"/>
+            <a:ext cx="10459910" cy="6506483"/>
           </a:xfrm>
           <a:prstGeom prst="rect">
             <a:avLst/>
@@ -9844,7 +10277,7 @@
     </p:spTree>
     <p:extLst>
       <p:ext uri="{BB962C8B-B14F-4D97-AF65-F5344CB8AC3E}">
-        <p14:creationId xmlns:p14="http://schemas.microsoft.com/office/powerpoint/2010/main" val="580939510"/>
+        <p14:creationId xmlns:p14="http://schemas.microsoft.com/office/powerpoint/2010/main" val="1623687426"/>
       </p:ext>
     </p:extLst>
   </p:cSld>
@@ -9854,7 +10287,7 @@
 </p:sld>
 </file>
 
-<file path=ppt/slides/slide28.xml><?xml version="1.0" encoding="utf-8"?>
+<file path=ppt/slides/slide26.xml><?xml version="1.0" encoding="utf-8"?>
 <p:sld xmlns:a="http://schemas.openxmlformats.org/drawingml/2006/main" xmlns:r="http://schemas.openxmlformats.org/officeDocument/2006/relationships" xmlns:p="http://schemas.openxmlformats.org/presentationml/2006/main">
   <p:cSld>
     <p:spTree>
@@ -9921,7 +10354,7 @@
         </p:blipFill>
         <p:spPr>
           <a:xfrm>
-            <a:off x="1908068" y="2288766"/>
+            <a:off x="2286759" y="2093976"/>
             <a:ext cx="2819794" cy="1305107"/>
           </a:xfrm>
           <a:prstGeom prst="rect">
@@ -9932,7 +10365,7 @@
     </p:spTree>
     <p:extLst>
       <p:ext uri="{BB962C8B-B14F-4D97-AF65-F5344CB8AC3E}">
-        <p14:creationId xmlns:p14="http://schemas.microsoft.com/office/powerpoint/2010/main" val="680509142"/>
+        <p14:creationId xmlns:p14="http://schemas.microsoft.com/office/powerpoint/2010/main" val="3084403326"/>
       </p:ext>
     </p:extLst>
   </p:cSld>
@@ -9942,7 +10375,7 @@
 </p:sld>
 </file>
 
-<file path=ppt/slides/slide29.xml><?xml version="1.0" encoding="utf-8"?>
+<file path=ppt/slides/slide27.xml><?xml version="1.0" encoding="utf-8"?>
 <p:sld xmlns:a="http://schemas.openxmlformats.org/drawingml/2006/main" xmlns:r="http://schemas.openxmlformats.org/officeDocument/2006/relationships" xmlns:p="http://schemas.openxmlformats.org/presentationml/2006/main">
   <p:cSld>
     <p:spTree>
@@ -9959,95 +10392,42 @@
           <a:chExt cx="0" cy="0"/>
         </a:xfrm>
       </p:grpSpPr>
+      <p:pic>
+        <p:nvPicPr>
+          <p:cNvPr id="11" name="Picture 10">
+            <a:extLst>
+              <a:ext uri="{FF2B5EF4-FFF2-40B4-BE49-F238E27FC236}">
+                <a16:creationId xmlns:a16="http://schemas.microsoft.com/office/drawing/2014/main" id="{10A48142-5322-6A21-748F-5B81D6C67D75}"/>
+              </a:ext>
+            </a:extLst>
+          </p:cNvPr>
+          <p:cNvPicPr>
+            <a:picLocks noChangeAspect="1"/>
+          </p:cNvPicPr>
+          <p:nvPr/>
+        </p:nvPicPr>
+        <p:blipFill>
+          <a:blip r:embed="rId2"/>
+          <a:stretch>
+            <a:fillRect/>
+          </a:stretch>
+        </p:blipFill>
+        <p:spPr>
+          <a:xfrm>
+            <a:off x="803642" y="1830387"/>
+            <a:ext cx="6791325" cy="4619625"/>
+          </a:xfrm>
+          <a:prstGeom prst="rect">
+            <a:avLst/>
+          </a:prstGeom>
+        </p:spPr>
+      </p:pic>
       <p:sp>
         <p:nvSpPr>
           <p:cNvPr id="2" name="Title 1">
             <a:extLst>
               <a:ext uri="{FF2B5EF4-FFF2-40B4-BE49-F238E27FC236}">
-                <a16:creationId xmlns:a16="http://schemas.microsoft.com/office/drawing/2014/main" id="{664A96F1-A4CC-7B5A-364C-62824A248893}"/>
-              </a:ext>
-            </a:extLst>
-          </p:cNvPr>
-          <p:cNvSpPr>
-            <a:spLocks noGrp="1"/>
-          </p:cNvSpPr>
-          <p:nvPr>
-            <p:ph type="title"/>
-          </p:nvPr>
-        </p:nvSpPr>
-        <p:spPr/>
-        <p:txBody>
-          <a:bodyPr/>
-          <a:lstStyle/>
-          <a:p>
-            <a:r>
-              <a:rPr lang="en-IN" dirty="0"/>
-              <a:t>Creating Docker images</a:t>
-            </a:r>
-          </a:p>
-        </p:txBody>
-      </p:sp>
-      <p:sp>
-        <p:nvSpPr>
-          <p:cNvPr id="3" name="Content Placeholder 2">
-            <a:extLst>
-              <a:ext uri="{FF2B5EF4-FFF2-40B4-BE49-F238E27FC236}">
-                <a16:creationId xmlns:a16="http://schemas.microsoft.com/office/drawing/2014/main" id="{7C2113BC-0DEC-1915-DB9E-CF9E049FEC2D}"/>
-              </a:ext>
-            </a:extLst>
-          </p:cNvPr>
-          <p:cNvSpPr>
-            <a:spLocks noGrp="1"/>
-          </p:cNvSpPr>
-          <p:nvPr>
-            <p:ph idx="1"/>
-          </p:nvPr>
-        </p:nvSpPr>
-        <p:spPr/>
-        <p:txBody>
-          <a:bodyPr/>
-          <a:lstStyle/>
-          <a:p>
-            <a:endParaRPr lang="en-IN" dirty="0"/>
-          </a:p>
-        </p:txBody>
-      </p:sp>
-    </p:spTree>
-    <p:extLst>
-      <p:ext uri="{BB962C8B-B14F-4D97-AF65-F5344CB8AC3E}">
-        <p14:creationId xmlns:p14="http://schemas.microsoft.com/office/powerpoint/2010/main" val="159416646"/>
-      </p:ext>
-    </p:extLst>
-  </p:cSld>
-  <p:clrMapOvr>
-    <a:masterClrMapping/>
-  </p:clrMapOvr>
-</p:sld>
-</file>
-
-<file path=ppt/slides/slide3.xml><?xml version="1.0" encoding="utf-8"?>
-<p:sld xmlns:a="http://schemas.openxmlformats.org/drawingml/2006/main" xmlns:r="http://schemas.openxmlformats.org/officeDocument/2006/relationships" xmlns:p="http://schemas.openxmlformats.org/presentationml/2006/main">
-  <p:cSld>
-    <p:spTree>
-      <p:nvGrpSpPr>
-        <p:cNvPr id="1" name=""/>
-        <p:cNvGrpSpPr/>
-        <p:nvPr/>
-      </p:nvGrpSpPr>
-      <p:grpSpPr>
-        <a:xfrm>
-          <a:off x="0" y="0"/>
-          <a:ext cx="0" cy="0"/>
-          <a:chOff x="0" y="0"/>
-          <a:chExt cx="0" cy="0"/>
-        </a:xfrm>
-      </p:grpSpPr>
-      <p:sp>
-        <p:nvSpPr>
-          <p:cNvPr id="2" name="Title 1">
-            <a:extLst>
-              <a:ext uri="{FF2B5EF4-FFF2-40B4-BE49-F238E27FC236}">
-                <a16:creationId xmlns:a16="http://schemas.microsoft.com/office/drawing/2014/main" id="{CDDBD12E-6F6E-1FA0-4C05-06CDA68193E6}"/>
+                <a16:creationId xmlns:a16="http://schemas.microsoft.com/office/drawing/2014/main" id="{56019E09-BC41-ADDC-4276-954085E88F1F}"/>
               </a:ext>
             </a:extLst>
           </p:cNvPr>
@@ -10065,69 +10445,234 @@
           </a:bodyPr>
           <a:lstStyle/>
           <a:p>
-            <a:pPr marL="3054350" indent="-3054350"/>
             <a:r>
               <a:rPr lang="en-IN" dirty="0"/>
-              <a:t>&lt;Lc/</a:t>
-            </a:r>
-            <a:r>
-              <a:rPr lang="en-IN" dirty="0" err="1"/>
-              <a:t>nc</a:t>
-            </a:r>
-            <a:r>
-              <a:rPr lang="en-IN" dirty="0"/>
-              <a:t>&gt; - LOW CODE/NO CODE </a:t>
-            </a:r>
-            <a:r>
-              <a:rPr lang="en-IN" dirty="0" err="1"/>
-              <a:t>Devops</a:t>
-            </a:r>
-            <a:br>
-              <a:rPr lang="en-IN" dirty="0"/>
-            </a:br>
-            <a:r>
-              <a:rPr lang="en-IN" sz="2400" dirty="0"/>
-              <a:t>to Everything as CODE</a:t>
-            </a:r>
-            <a:endParaRPr lang="en-IN" dirty="0"/>
+              <a:t>State and Backends</a:t>
+            </a:r>
           </a:p>
         </p:txBody>
       </p:sp>
-      <p:graphicFrame>
-        <p:nvGraphicFramePr>
-          <p:cNvPr id="4" name="Content Placeholder 3">
+      <p:sp>
+        <p:nvSpPr>
+          <p:cNvPr id="7" name="TextBox 6">
             <a:extLst>
               <a:ext uri="{FF2B5EF4-FFF2-40B4-BE49-F238E27FC236}">
-                <a16:creationId xmlns:a16="http://schemas.microsoft.com/office/drawing/2014/main" id="{A5618265-EB56-DCB9-04E7-2B2A5A566A22}"/>
+                <a16:creationId xmlns:a16="http://schemas.microsoft.com/office/drawing/2014/main" id="{ACAB4833-0CA3-9FBC-0227-88D3266AB838}"/>
               </a:ext>
             </a:extLst>
           </p:cNvPr>
-          <p:cNvGraphicFramePr>
-            <a:graphicFrameLocks noGrp="1"/>
-          </p:cNvGraphicFramePr>
-          <p:nvPr>
-            <p:ph idx="1"/>
-            <p:extLst>
-              <p:ext uri="{D42A27DB-BD31-4B8C-83A1-F6EECF244321}">
-                <p14:modId xmlns:p14="http://schemas.microsoft.com/office/powerpoint/2010/main" val="241221072"/>
-              </p:ext>
-            </p:extLst>
-          </p:nvPr>
-        </p:nvGraphicFramePr>
-        <p:xfrm>
-          <a:off x="1069848" y="2121408"/>
-          <a:ext cx="10058400" cy="4050792"/>
-        </p:xfrm>
-        <a:graphic>
-          <a:graphicData uri="http://schemas.openxmlformats.org/drawingml/2006/diagram">
-            <dgm:relIds xmlns:dgm="http://schemas.openxmlformats.org/drawingml/2006/diagram" xmlns:r="http://schemas.openxmlformats.org/officeDocument/2006/relationships" r:dm="rId2" r:lo="rId3" r:qs="rId4" r:cs="rId5"/>
-          </a:graphicData>
-        </a:graphic>
-      </p:graphicFrame>
+          <p:cNvSpPr txBox="1"/>
+          <p:nvPr/>
+        </p:nvSpPr>
+        <p:spPr>
+          <a:xfrm>
+            <a:off x="5292358" y="2516401"/>
+            <a:ext cx="6096000" cy="923330"/>
+          </a:xfrm>
+          <a:prstGeom prst="rect">
+            <a:avLst/>
+          </a:prstGeom>
+          <a:noFill/>
+        </p:spPr>
+        <p:txBody>
+          <a:bodyPr wrap="square">
+            <a:spAutoFit/>
+          </a:bodyPr>
+          <a:lstStyle/>
+          <a:p>
+            <a:pPr marL="342900" indent="-342900" algn="l">
+              <a:buFont typeface="+mj-lt"/>
+              <a:buAutoNum type="arabicPeriod"/>
+            </a:pPr>
+            <a:r>
+              <a:rPr lang="en-IN" sz="1800" b="0" i="0" u="none" strike="noStrike" baseline="0" dirty="0" err="1">
+                <a:latin typeface="Helvetica" panose="020B0604020202020204" pitchFamily="34" charset="0"/>
+              </a:rPr>
+              <a:t>app.pulumi.com</a:t>
+            </a:r>
+            <a:endParaRPr lang="en-IN" sz="1800" b="0" i="0" u="none" strike="noStrike" baseline="0" dirty="0">
+              <a:latin typeface="Helvetica" panose="020B0604020202020204" pitchFamily="34" charset="0"/>
+            </a:endParaRPr>
+          </a:p>
+          <a:p>
+            <a:pPr marL="342900" indent="-342900" algn="l">
+              <a:buFont typeface="+mj-lt"/>
+              <a:buAutoNum type="arabicPeriod"/>
+            </a:pPr>
+            <a:r>
+              <a:rPr lang="en-IN" sz="1800" b="0" i="0" u="none" strike="noStrike" baseline="0" dirty="0">
+                <a:latin typeface="Helvetica" panose="020B0604020202020204" pitchFamily="34" charset="0"/>
+              </a:rPr>
+              <a:t>Self-managed backend</a:t>
+            </a:r>
+          </a:p>
+          <a:p>
+            <a:pPr marL="342900" indent="-342900" algn="l">
+              <a:buFont typeface="+mj-lt"/>
+              <a:buAutoNum type="arabicPeriod"/>
+            </a:pPr>
+            <a:r>
+              <a:rPr lang="en-IN" sz="1800" b="0" i="0" u="none" strike="noStrike" baseline="0" dirty="0">
+                <a:latin typeface="Helvetica" panose="020B0604020202020204" pitchFamily="34" charset="0"/>
+              </a:rPr>
+              <a:t>on-premise </a:t>
+            </a:r>
+            <a:r>
+              <a:rPr lang="en-IN" sz="1800" b="0" i="0" u="none" strike="noStrike" baseline="0" dirty="0" err="1">
+                <a:latin typeface="Helvetica" panose="020B0604020202020204" pitchFamily="34" charset="0"/>
+              </a:rPr>
+              <a:t>app.pulumi.com</a:t>
+            </a:r>
+            <a:r>
+              <a:rPr lang="en-IN" sz="1800" b="0" i="0" u="none" strike="noStrike" baseline="0" dirty="0">
+                <a:latin typeface="Helvetica" panose="020B0604020202020204" pitchFamily="34" charset="0"/>
+              </a:rPr>
+              <a:t> (Enterprise version only)</a:t>
+            </a:r>
+            <a:endParaRPr lang="en-IN" dirty="0"/>
+          </a:p>
+        </p:txBody>
+      </p:sp>
+      <p:sp>
+        <p:nvSpPr>
+          <p:cNvPr id="9" name="TextBox 8">
+            <a:extLst>
+              <a:ext uri="{FF2B5EF4-FFF2-40B4-BE49-F238E27FC236}">
+                <a16:creationId xmlns:a16="http://schemas.microsoft.com/office/drawing/2014/main" id="{E0DD04E3-9BDB-3D4F-A615-B5F9BDDC4454}"/>
+              </a:ext>
+            </a:extLst>
+          </p:cNvPr>
+          <p:cNvSpPr txBox="1"/>
+          <p:nvPr/>
+        </p:nvSpPr>
+        <p:spPr>
+          <a:xfrm>
+            <a:off x="7260314" y="4615347"/>
+            <a:ext cx="2447925" cy="369332"/>
+          </a:xfrm>
+          <a:prstGeom prst="rect">
+            <a:avLst/>
+          </a:prstGeom>
+          <a:noFill/>
+        </p:spPr>
+        <p:txBody>
+          <a:bodyPr wrap="square">
+            <a:spAutoFit/>
+          </a:bodyPr>
+          <a:lstStyle/>
+          <a:p>
+            <a:r>
+              <a:rPr lang="en-IN" sz="1800" b="0" i="0" u="none" strike="noStrike" baseline="0" dirty="0">
+                <a:solidFill>
+                  <a:srgbClr val="A30028"/>
+                </a:solidFill>
+                <a:latin typeface="Panton-Regular"/>
+              </a:rPr>
+              <a:t>Resource Providers</a:t>
+            </a:r>
+            <a:endParaRPr lang="en-IN" dirty="0"/>
+          </a:p>
+        </p:txBody>
+      </p:sp>
+      <p:sp>
+        <p:nvSpPr>
+          <p:cNvPr id="6" name="TextBox 5">
+            <a:extLst>
+              <a:ext uri="{FF2B5EF4-FFF2-40B4-BE49-F238E27FC236}">
+                <a16:creationId xmlns:a16="http://schemas.microsoft.com/office/drawing/2014/main" id="{DFE5CEB8-E2BD-2E7B-7630-551EF0E6186F}"/>
+              </a:ext>
+            </a:extLst>
+          </p:cNvPr>
+          <p:cNvSpPr txBox="1"/>
+          <p:nvPr/>
+        </p:nvSpPr>
+        <p:spPr>
+          <a:xfrm>
+            <a:off x="3901440" y="6330434"/>
+            <a:ext cx="6096000" cy="369332"/>
+          </a:xfrm>
+          <a:prstGeom prst="rect">
+            <a:avLst/>
+          </a:prstGeom>
+          <a:noFill/>
+        </p:spPr>
+        <p:txBody>
+          <a:bodyPr wrap="square">
+            <a:spAutoFit/>
+          </a:bodyPr>
+          <a:lstStyle/>
+          <a:p>
+            <a:r>
+              <a:rPr lang="en-IN" dirty="0">
+                <a:hlinkClick r:id="rId3"/>
+              </a:rPr>
+              <a:t>https://</a:t>
+            </a:r>
+            <a:r>
+              <a:rPr lang="en-IN" dirty="0" err="1">
+                <a:hlinkClick r:id="rId3"/>
+              </a:rPr>
+              <a:t>app.pulumi.com</a:t>
+            </a:r>
+            <a:r>
+              <a:rPr lang="en-IN" dirty="0">
+                <a:hlinkClick r:id="rId3"/>
+              </a:rPr>
+              <a:t>/nagkumar/</a:t>
+            </a:r>
+            <a:r>
+              <a:rPr lang="en-IN" dirty="0" err="1">
+                <a:hlinkClick r:id="rId3"/>
+              </a:rPr>
+              <a:t>hw</a:t>
+            </a:r>
+            <a:r>
+              <a:rPr lang="en-IN" dirty="0">
+                <a:hlinkClick r:id="rId3"/>
+              </a:rPr>
+              <a:t>/dev/updates/11</a:t>
+            </a:r>
+            <a:r>
+              <a:rPr lang="en-IN" dirty="0"/>
+              <a:t> </a:t>
+            </a:r>
+          </a:p>
+        </p:txBody>
+      </p:sp>
+      <p:pic>
+        <p:nvPicPr>
+          <p:cNvPr id="8" name="Picture 7">
+            <a:extLst>
+              <a:ext uri="{FF2B5EF4-FFF2-40B4-BE49-F238E27FC236}">
+                <a16:creationId xmlns:a16="http://schemas.microsoft.com/office/drawing/2014/main" id="{9DE79BDC-44AA-1B5C-64E5-4EAB58789479}"/>
+              </a:ext>
+            </a:extLst>
+          </p:cNvPr>
+          <p:cNvPicPr>
+            <a:picLocks noChangeAspect="1"/>
+          </p:cNvPicPr>
+          <p:nvPr/>
+        </p:nvPicPr>
+        <p:blipFill>
+          <a:blip r:embed="rId4"/>
+          <a:stretch>
+            <a:fillRect/>
+          </a:stretch>
+        </p:blipFill>
+        <p:spPr>
+          <a:xfrm>
+            <a:off x="3067771" y="4140199"/>
+            <a:ext cx="1310321" cy="377860"/>
+          </a:xfrm>
+          <a:prstGeom prst="rect">
+            <a:avLst/>
+          </a:prstGeom>
+        </p:spPr>
+      </p:pic>
     </p:spTree>
     <p:extLst>
       <p:ext uri="{BB962C8B-B14F-4D97-AF65-F5344CB8AC3E}">
-        <p14:creationId xmlns:p14="http://schemas.microsoft.com/office/powerpoint/2010/main" val="3591333091"/>
+        <p14:creationId xmlns:p14="http://schemas.microsoft.com/office/powerpoint/2010/main" val="968428378"/>
       </p:ext>
     </p:extLst>
   </p:cSld>
@@ -10137,105 +10682,7 @@
 </p:sld>
 </file>
 
-<file path=ppt/slides/slide30.xml><?xml version="1.0" encoding="utf-8"?>
-<p:sld xmlns:a="http://schemas.openxmlformats.org/drawingml/2006/main" xmlns:r="http://schemas.openxmlformats.org/officeDocument/2006/relationships" xmlns:p="http://schemas.openxmlformats.org/presentationml/2006/main">
-  <p:cSld>
-    <p:spTree>
-      <p:nvGrpSpPr>
-        <p:cNvPr id="1" name=""/>
-        <p:cNvGrpSpPr/>
-        <p:nvPr/>
-      </p:nvGrpSpPr>
-      <p:grpSpPr>
-        <a:xfrm>
-          <a:off x="0" y="0"/>
-          <a:ext cx="0" cy="0"/>
-          <a:chOff x="0" y="0"/>
-          <a:chExt cx="0" cy="0"/>
-        </a:xfrm>
-      </p:grpSpPr>
-      <p:sp>
-        <p:nvSpPr>
-          <p:cNvPr id="2" name="Title 1">
-            <a:extLst>
-              <a:ext uri="{FF2B5EF4-FFF2-40B4-BE49-F238E27FC236}">
-                <a16:creationId xmlns:a16="http://schemas.microsoft.com/office/drawing/2014/main" id="{4244EA81-93C5-A96D-493E-BCFB13584F18}"/>
-              </a:ext>
-            </a:extLst>
-          </p:cNvPr>
-          <p:cNvSpPr>
-            <a:spLocks noGrp="1"/>
-          </p:cNvSpPr>
-          <p:nvPr>
-            <p:ph type="title"/>
-          </p:nvPr>
-        </p:nvSpPr>
-        <p:spPr/>
-        <p:txBody>
-          <a:bodyPr/>
-          <a:lstStyle/>
-          <a:p>
-            <a:endParaRPr lang="en-IN"/>
-          </a:p>
-        </p:txBody>
-      </p:sp>
-      <p:sp>
-        <p:nvSpPr>
-          <p:cNvPr id="3" name="Content Placeholder 2">
-            <a:extLst>
-              <a:ext uri="{FF2B5EF4-FFF2-40B4-BE49-F238E27FC236}">
-                <a16:creationId xmlns:a16="http://schemas.microsoft.com/office/drawing/2014/main" id="{26B31A73-F0FC-34BC-01DB-9BA655300B89}"/>
-              </a:ext>
-            </a:extLst>
-          </p:cNvPr>
-          <p:cNvSpPr>
-            <a:spLocks noGrp="1"/>
-          </p:cNvSpPr>
-          <p:nvPr>
-            <p:ph idx="1"/>
-          </p:nvPr>
-        </p:nvSpPr>
-        <p:spPr/>
-        <p:txBody>
-          <a:bodyPr/>
-          <a:lstStyle/>
-          <a:p>
-            <a:r>
-              <a:rPr lang="en-US" sz="1800" b="0" i="0" u="none" strike="noStrike" baseline="0" dirty="0">
-                <a:latin typeface="Panton-Regular"/>
-              </a:rPr>
-              <a:t>A Stack defines the State</a:t>
-            </a:r>
-          </a:p>
-          <a:p>
-            <a:r>
-              <a:rPr lang="en-IN" b="0" i="0" dirty="0">
-                <a:solidFill>
-                  <a:srgbClr val="2F3032"/>
-                </a:solidFill>
-                <a:effectLst/>
-                <a:latin typeface="Inter"/>
-              </a:rPr>
-              <a:t> micro-stacks.</a:t>
-            </a:r>
-            <a:endParaRPr lang="en-IN" dirty="0"/>
-          </a:p>
-        </p:txBody>
-      </p:sp>
-    </p:spTree>
-    <p:extLst>
-      <p:ext uri="{BB962C8B-B14F-4D97-AF65-F5344CB8AC3E}">
-        <p14:creationId xmlns:p14="http://schemas.microsoft.com/office/powerpoint/2010/main" val="2091928224"/>
-      </p:ext>
-    </p:extLst>
-  </p:cSld>
-  <p:clrMapOvr>
-    <a:masterClrMapping/>
-  </p:clrMapOvr>
-</p:sld>
-</file>
-
-<file path=ppt/slides/slide31.xml><?xml version="1.0" encoding="utf-8"?>
+<file path=ppt/slides/slide28.xml><?xml version="1.0" encoding="utf-8"?>
 <p:sld xmlns:a="http://schemas.openxmlformats.org/drawingml/2006/main" xmlns:r="http://schemas.openxmlformats.org/officeDocument/2006/relationships" xmlns:p="http://schemas.openxmlformats.org/presentationml/2006/main">
   <p:cSld>
     <p:spTree>
@@ -10268,18 +10715,19 @@
             <p:ph type="title"/>
           </p:nvPr>
         </p:nvSpPr>
-        <p:spPr/>
+        <p:spPr>
+          <a:xfrm>
+            <a:off x="387927" y="484632"/>
+            <a:ext cx="10740321" cy="1609344"/>
+          </a:xfrm>
+        </p:spPr>
         <p:txBody>
           <a:bodyPr/>
           <a:lstStyle/>
           <a:p>
             <a:r>
-              <a:rPr lang="en-IN" dirty="0" err="1"/>
-              <a:t>Iac</a:t>
-            </a:r>
-            <a:r>
               <a:rPr lang="en-IN" dirty="0"/>
-              <a:t> testing</a:t>
+              <a:t>Automated testing</a:t>
             </a:r>
           </a:p>
         </p:txBody>
@@ -10299,42 +10747,42 @@
           <p:nvPr>
             <p:extLst>
               <p:ext uri="{D42A27DB-BD31-4B8C-83A1-F6EECF244321}">
-                <p14:modId xmlns:p14="http://schemas.microsoft.com/office/powerpoint/2010/main" val="1543109962"/>
+                <p14:modId xmlns:p14="http://schemas.microsoft.com/office/powerpoint/2010/main" val="102573910"/>
               </p:ext>
             </p:extLst>
           </p:nvPr>
         </p:nvGraphicFramePr>
         <p:xfrm>
-          <a:off x="532647" y="3562447"/>
-          <a:ext cx="10058400" cy="3291840"/>
+          <a:off x="278235" y="3662600"/>
+          <a:ext cx="11058988" cy="2804160"/>
         </p:xfrm>
         <a:graphic>
           <a:graphicData uri="http://schemas.openxmlformats.org/drawingml/2006/table">
             <a:tbl>
               <a:tblPr/>
               <a:tblGrid>
-                <a:gridCol w="2514600">
+                <a:gridCol w="2215583">
                   <a:extLst>
                     <a:ext uri="{9D8B030D-6E8A-4147-A177-3AD203B41FA5}">
                       <a16:colId xmlns:a16="http://schemas.microsoft.com/office/drawing/2014/main" val="352084460"/>
                     </a:ext>
                   </a:extLst>
                 </a:gridCol>
-                <a:gridCol w="2514600">
+                <a:gridCol w="3313911">
                   <a:extLst>
                     <a:ext uri="{9D8B030D-6E8A-4147-A177-3AD203B41FA5}">
                       <a16:colId xmlns:a16="http://schemas.microsoft.com/office/drawing/2014/main" val="4163147410"/>
                     </a:ext>
                   </a:extLst>
                 </a:gridCol>
-                <a:gridCol w="2514600">
+                <a:gridCol w="2764747">
                   <a:extLst>
                     <a:ext uri="{9D8B030D-6E8A-4147-A177-3AD203B41FA5}">
                       <a16:colId xmlns:a16="http://schemas.microsoft.com/office/drawing/2014/main" val="944226593"/>
                     </a:ext>
                   </a:extLst>
                 </a:gridCol>
-                <a:gridCol w="2514600">
+                <a:gridCol w="2764747">
                   <a:extLst>
                     <a:ext uri="{9D8B030D-6E8A-4147-A177-3AD203B41FA5}">
                       <a16:colId xmlns:a16="http://schemas.microsoft.com/office/drawing/2014/main" val="3515353871"/>
@@ -10577,7 +11025,7 @@
                     <a:lstStyle/>
                     <a:p>
                       <a:r>
-                        <a:rPr lang="en-IN" dirty="0">
+                        <a:rPr lang="en-IN" sz="1200" dirty="0">
                           <a:effectLst/>
                         </a:rPr>
                         <a:t>Provision real infrastructure</a:t>
@@ -10733,7 +11181,7 @@
                     <a:lstStyle/>
                     <a:p>
                       <a:r>
-                        <a:rPr lang="en-IN">
+                        <a:rPr lang="en-IN" dirty="0">
                           <a:effectLst/>
                         </a:rPr>
                         <a:t>Yes</a:t>
@@ -10792,7 +11240,7 @@
                     <a:lstStyle/>
                     <a:p>
                       <a:r>
-                        <a:rPr lang="en-IN" dirty="0">
+                        <a:rPr lang="en-IN" sz="1200" dirty="0">
                           <a:effectLst/>
                         </a:rPr>
                         <a:t>Require the Pulumi CLI</a:t>
@@ -11007,7 +11455,7 @@
                     <a:lstStyle/>
                     <a:p>
                       <a:r>
-                        <a:rPr lang="en-IN" dirty="0">
+                        <a:rPr lang="en-IN" sz="1200" dirty="0">
                           <a:effectLst/>
                         </a:rPr>
                         <a:t>Time to execute</a:t>
@@ -11222,7 +11670,7 @@
                     <a:lstStyle/>
                     <a:p>
                       <a:r>
-                        <a:rPr lang="en-IN">
+                        <a:rPr lang="en-IN" sz="1200" dirty="0">
                           <a:effectLst/>
                         </a:rPr>
                         <a:t>Language</a:t>
@@ -11437,7 +11885,7 @@
                     <a:lstStyle/>
                     <a:p>
                       <a:r>
-                        <a:rPr lang="en-IN">
+                        <a:rPr lang="en-IN" sz="1200">
                           <a:effectLst/>
                         </a:rPr>
                         <a:t>Validation target</a:t>
@@ -11645,6 +12093,331 @@
                   </a:ext>
                 </a:extLst>
               </a:tr>
+              <a:tr h="0">
+                <a:tc>
+                  <a:txBody>
+                    <a:bodyPr/>
+                    <a:lstStyle/>
+                    <a:p>
+                      <a:r>
+                        <a:rPr lang="en-IN" sz="1200" dirty="0">
+                          <a:effectLst/>
+                        </a:rPr>
+                        <a:t>Example</a:t>
+                      </a:r>
+                    </a:p>
+                  </a:txBody>
+                  <a:tcPr anchor="ctr">
+                    <a:lnL w="12700" cap="flat" cmpd="sng" algn="ctr">
+                      <a:solidFill>
+                        <a:srgbClr val="20CD2D"/>
+                      </a:solidFill>
+                      <a:prstDash val="solid"/>
+                      <a:round/>
+                      <a:headEnd type="none" w="med" len="med"/>
+                      <a:tailEnd type="none" w="med" len="med"/>
+                    </a:lnL>
+                    <a:lnR w="12700" cap="flat" cmpd="sng" algn="ctr">
+                      <a:solidFill>
+                        <a:srgbClr val="20CD2D"/>
+                      </a:solidFill>
+                      <a:prstDash val="solid"/>
+                      <a:round/>
+                      <a:headEnd type="none" w="med" len="med"/>
+                      <a:tailEnd type="none" w="med" len="med"/>
+                    </a:lnR>
+                    <a:lnT w="12700" cap="flat" cmpd="sng" algn="ctr">
+                      <a:solidFill>
+                        <a:srgbClr val="20CD2D"/>
+                      </a:solidFill>
+                      <a:prstDash val="solid"/>
+                      <a:round/>
+                      <a:headEnd type="none" w="med" len="med"/>
+                      <a:tailEnd type="none" w="med" len="med"/>
+                    </a:lnT>
+                    <a:lnB w="12700" cap="flat" cmpd="sng" algn="ctr">
+                      <a:solidFill>
+                        <a:srgbClr val="20CD2D"/>
+                      </a:solidFill>
+                      <a:prstDash val="solid"/>
+                      <a:round/>
+                      <a:headEnd type="none" w="med" len="med"/>
+                      <a:tailEnd type="none" w="med" len="med"/>
+                    </a:lnB>
+                  </a:tcPr>
+                </a:tc>
+                <a:tc>
+                  <a:txBody>
+                    <a:bodyPr/>
+                    <a:lstStyle/>
+                    <a:p>
+                      <a:r>
+                        <a:rPr lang="en-US" sz="1600" dirty="0" err="1">
+                          <a:effectLst/>
+                          <a:hlinkClick r:id="rId5"/>
+                        </a:rPr>
+                        <a:t>pulumi</a:t>
+                      </a:r>
+                      <a:r>
+                        <a:rPr lang="en-US" sz="1600" dirty="0">
+                          <a:effectLst/>
+                          <a:hlinkClick r:id="rId5"/>
+                        </a:rPr>
+                        <a:t>\</a:t>
+                      </a:r>
+                      <a:r>
+                        <a:rPr lang="en-US" sz="1600" dirty="0" err="1">
+                          <a:effectLst/>
+                          <a:hlinkClick r:id="rId5"/>
+                        </a:rPr>
+                        <a:t>ts</a:t>
+                      </a:r>
+                      <a:r>
+                        <a:rPr lang="en-US" sz="1600" dirty="0">
+                          <a:effectLst/>
+                          <a:hlinkClick r:id="rId5"/>
+                        </a:rPr>
+                        <a:t>\</a:t>
+                      </a:r>
+                      <a:r>
+                        <a:rPr lang="en-US" sz="1600" dirty="0" err="1">
+                          <a:effectLst/>
+                          <a:hlinkClick r:id="rId5"/>
+                        </a:rPr>
+                        <a:t>aws</a:t>
+                      </a:r>
+                      <a:r>
+                        <a:rPr lang="en-US" sz="1600" dirty="0">
+                          <a:effectLst/>
+                          <a:hlinkClick r:id="rId5"/>
+                        </a:rPr>
+                        <a:t>\test\unit</a:t>
+                      </a:r>
+                      <a:endParaRPr lang="en-US" sz="1600" dirty="0">
+                        <a:effectLst/>
+                      </a:endParaRPr>
+                    </a:p>
+                  </a:txBody>
+                  <a:tcPr anchor="ctr">
+                    <a:lnL w="12700" cap="flat" cmpd="sng" algn="ctr">
+                      <a:solidFill>
+                        <a:srgbClr val="20CD2D"/>
+                      </a:solidFill>
+                      <a:prstDash val="solid"/>
+                      <a:round/>
+                      <a:headEnd type="none" w="med" len="med"/>
+                      <a:tailEnd type="none" w="med" len="med"/>
+                    </a:lnL>
+                    <a:lnR w="12700" cap="flat" cmpd="sng" algn="ctr">
+                      <a:solidFill>
+                        <a:srgbClr val="C0CC2D"/>
+                      </a:solidFill>
+                      <a:prstDash val="solid"/>
+                      <a:round/>
+                      <a:headEnd type="none" w="med" len="med"/>
+                      <a:tailEnd type="none" w="med" len="med"/>
+                    </a:lnR>
+                    <a:lnT w="12700" cap="flat" cmpd="sng" algn="ctr">
+                      <a:solidFill>
+                        <a:srgbClr val="20CD2D"/>
+                      </a:solidFill>
+                      <a:prstDash val="solid"/>
+                      <a:round/>
+                      <a:headEnd type="none" w="med" len="med"/>
+                      <a:tailEnd type="none" w="med" len="med"/>
+                    </a:lnT>
+                    <a:lnB w="12700" cap="flat" cmpd="sng" algn="ctr">
+                      <a:solidFill>
+                        <a:srgbClr val="20CD2D"/>
+                      </a:solidFill>
+                      <a:prstDash val="solid"/>
+                      <a:round/>
+                      <a:headEnd type="none" w="med" len="med"/>
+                      <a:tailEnd type="none" w="med" len="med"/>
+                    </a:lnB>
+                  </a:tcPr>
+                </a:tc>
+                <a:tc>
+                  <a:txBody>
+                    <a:bodyPr/>
+                    <a:lstStyle/>
+                    <a:p>
+                      <a:r>
+                        <a:rPr lang="en-US" sz="1600" dirty="0" err="1">
+                          <a:effectLst/>
+                          <a:hlinkClick r:id="rId6"/>
+                        </a:rPr>
+                        <a:t>pulumi</a:t>
+                      </a:r>
+                      <a:r>
+                        <a:rPr lang="en-US" sz="1600" dirty="0">
+                          <a:effectLst/>
+                          <a:hlinkClick r:id="rId6"/>
+                        </a:rPr>
+                        <a:t>\</a:t>
+                      </a:r>
+                      <a:r>
+                        <a:rPr lang="en-US" sz="1600" dirty="0" err="1">
+                          <a:effectLst/>
+                          <a:hlinkClick r:id="rId6"/>
+                        </a:rPr>
+                        <a:t>ts</a:t>
+                      </a:r>
+                      <a:r>
+                        <a:rPr lang="en-US" sz="1600" dirty="0">
+                          <a:effectLst/>
+                          <a:hlinkClick r:id="rId6"/>
+                        </a:rPr>
+                        <a:t>\</a:t>
+                      </a:r>
+                      <a:r>
+                        <a:rPr lang="en-US" sz="1600" dirty="0" err="1">
+                          <a:effectLst/>
+                          <a:hlinkClick r:id="rId6"/>
+                        </a:rPr>
+                        <a:t>aws</a:t>
+                      </a:r>
+                      <a:r>
+                        <a:rPr lang="en-US" sz="1600" dirty="0">
+                          <a:effectLst/>
+                          <a:hlinkClick r:id="rId6"/>
+                        </a:rPr>
+                        <a:t>\test\props</a:t>
+                      </a:r>
+                      <a:endParaRPr lang="en-IN" sz="1600" dirty="0">
+                        <a:effectLst/>
+                      </a:endParaRPr>
+                    </a:p>
+                  </a:txBody>
+                  <a:tcPr anchor="ctr">
+                    <a:lnL w="12700" cap="flat" cmpd="sng" algn="ctr">
+                      <a:solidFill>
+                        <a:srgbClr val="C0CC2D"/>
+                      </a:solidFill>
+                      <a:prstDash val="solid"/>
+                      <a:round/>
+                      <a:headEnd type="none" w="med" len="med"/>
+                      <a:tailEnd type="none" w="med" len="med"/>
+                    </a:lnL>
+                    <a:lnR w="12700" cap="flat" cmpd="sng" algn="ctr">
+                      <a:solidFill>
+                        <a:srgbClr val="60CC2D"/>
+                      </a:solidFill>
+                      <a:prstDash val="solid"/>
+                      <a:round/>
+                      <a:headEnd type="none" w="med" len="med"/>
+                      <a:tailEnd type="none" w="med" len="med"/>
+                    </a:lnR>
+                    <a:lnT w="12700" cap="flat" cmpd="sng" algn="ctr">
+                      <a:solidFill>
+                        <a:srgbClr val="C0CC2D"/>
+                      </a:solidFill>
+                      <a:prstDash val="solid"/>
+                      <a:round/>
+                      <a:headEnd type="none" w="med" len="med"/>
+                      <a:tailEnd type="none" w="med" len="med"/>
+                    </a:lnT>
+                    <a:lnB w="12700" cap="flat" cmpd="sng" algn="ctr">
+                      <a:solidFill>
+                        <a:srgbClr val="C0CC2D"/>
+                      </a:solidFill>
+                      <a:prstDash val="solid"/>
+                      <a:round/>
+                      <a:headEnd type="none" w="med" len="med"/>
+                      <a:tailEnd type="none" w="med" len="med"/>
+                    </a:lnB>
+                  </a:tcPr>
+                </a:tc>
+                <a:tc>
+                  <a:txBody>
+                    <a:bodyPr/>
+                    <a:lstStyle/>
+                    <a:p>
+                      <a:r>
+                        <a:rPr lang="en-US" sz="1600" dirty="0" err="1">
+                          <a:effectLst/>
+                          <a:hlinkClick r:id="rId7"/>
+                        </a:rPr>
+                        <a:t>pulumi</a:t>
+                      </a:r>
+                      <a:r>
+                        <a:rPr lang="en-US" sz="1600" dirty="0">
+                          <a:effectLst/>
+                          <a:hlinkClick r:id="rId7"/>
+                        </a:rPr>
+                        <a:t>\go\</a:t>
+                      </a:r>
+                      <a:r>
+                        <a:rPr lang="en-US" sz="1600" dirty="0" err="1">
+                          <a:effectLst/>
+                          <a:hlinkClick r:id="rId7"/>
+                        </a:rPr>
+                        <a:t>aws</a:t>
+                      </a:r>
+                      <a:r>
+                        <a:rPr lang="en-US" sz="1600" dirty="0">
+                          <a:effectLst/>
+                          <a:hlinkClick r:id="rId7"/>
+                        </a:rPr>
+                        <a:t>\test\</a:t>
+                      </a:r>
+                      <a:r>
+                        <a:rPr lang="en-US" sz="1600" dirty="0" err="1">
+                          <a:effectLst/>
+                          <a:hlinkClick r:id="rId7"/>
+                        </a:rPr>
+                        <a:t>intg</a:t>
+                      </a:r>
+                      <a:endParaRPr lang="en-IN" sz="1600" dirty="0">
+                        <a:effectLst/>
+                      </a:endParaRPr>
+                    </a:p>
+                  </a:txBody>
+                  <a:tcPr anchor="ctr">
+                    <a:lnL w="12700" cap="flat" cmpd="sng" algn="ctr">
+                      <a:solidFill>
+                        <a:srgbClr val="60CC2D"/>
+                      </a:solidFill>
+                      <a:prstDash val="solid"/>
+                      <a:round/>
+                      <a:headEnd type="none" w="med" len="med"/>
+                      <a:tailEnd type="none" w="med" len="med"/>
+                    </a:lnL>
+                    <a:lnR w="12700" cap="flat" cmpd="sng" algn="ctr">
+                      <a:solidFill>
+                        <a:srgbClr val="60CC2D"/>
+                      </a:solidFill>
+                      <a:prstDash val="solid"/>
+                      <a:round/>
+                      <a:headEnd type="none" w="med" len="med"/>
+                      <a:tailEnd type="none" w="med" len="med"/>
+                    </a:lnR>
+                    <a:lnT w="12700" cap="flat" cmpd="sng" algn="ctr">
+                      <a:solidFill>
+                        <a:srgbClr val="60CC2D"/>
+                      </a:solidFill>
+                      <a:prstDash val="solid"/>
+                      <a:round/>
+                      <a:headEnd type="none" w="med" len="med"/>
+                      <a:tailEnd type="none" w="med" len="med"/>
+                    </a:lnT>
+                    <a:lnB w="12700" cap="flat" cmpd="sng" algn="ctr">
+                      <a:solidFill>
+                        <a:srgbClr val="60CC2D"/>
+                      </a:solidFill>
+                      <a:prstDash val="solid"/>
+                      <a:round/>
+                      <a:headEnd type="none" w="med" len="med"/>
+                      <a:tailEnd type="none" w="med" len="med"/>
+                    </a:lnB>
+                  </a:tcPr>
+                </a:tc>
+                <a:extLst>
+                  <a:ext uri="{0D108BD9-81ED-4DB2-BD59-A6C34878D82A}">
+                    <a16:rowId xmlns:a16="http://schemas.microsoft.com/office/drawing/2014/main" val="1026395006"/>
+                  </a:ext>
+                </a:extLst>
+              </a:tr>
             </a:tbl>
           </a:graphicData>
         </a:graphic>
@@ -11663,7 +12436,7 @@
         </p:nvSpPr>
         <p:spPr>
           <a:xfrm>
-            <a:off x="532647" y="1730440"/>
+            <a:off x="278235" y="1933640"/>
             <a:ext cx="11297991" cy="1631216"/>
           </a:xfrm>
           <a:prstGeom prst="rect">
@@ -11695,15 +12468,7 @@
             </a:pPr>
             <a:r>
               <a:rPr lang="en-US" altLang="en-US" sz="2000" dirty="0"/>
-              <a:t>Similarly, </a:t>
-            </a:r>
-            <a:r>
-              <a:rPr lang="en-US" altLang="en-US" sz="2000" dirty="0" err="1"/>
-              <a:t>Pulumi</a:t>
-            </a:r>
-            <a:r>
-              <a:rPr lang="en-US" altLang="en-US" sz="2000" dirty="0"/>
-              <a:t> provides multiple testing styles for cloud programs:</a:t>
+              <a:t>Similarly, Pulumi provides multiple testing styles for cloud programs:</a:t>
             </a:r>
           </a:p>
           <a:p>
@@ -11821,7 +12586,7 @@
 </p:sld>
 </file>
 
-<file path=ppt/slides/slide32.xml><?xml version="1.0" encoding="utf-8"?>
+<file path=ppt/slides/slide29.xml><?xml version="1.0" encoding="utf-8"?>
 <p:sld xmlns:a="http://schemas.openxmlformats.org/drawingml/2006/main" xmlns:r="http://schemas.openxmlformats.org/officeDocument/2006/relationships" xmlns:p="http://schemas.openxmlformats.org/presentationml/2006/main">
   <p:cSld>
     <p:spTree>
@@ -11861,7 +12626,7 @@
           <a:p>
             <a:r>
               <a:rPr lang="en-IN" dirty="0"/>
-              <a:t>Pulumi Registry</a:t>
+              <a:t>marketplace - Pulumi Registry</a:t>
             </a:r>
           </a:p>
         </p:txBody>
@@ -11885,7 +12650,7 @@
         <p:spPr/>
         <p:txBody>
           <a:bodyPr>
-            <a:normAutofit fontScale="77500" lnSpcReduction="20000"/>
+            <a:normAutofit fontScale="70000" lnSpcReduction="20000"/>
           </a:bodyPr>
           <a:lstStyle/>
           <a:p>
@@ -11923,7 +12688,7 @@
             </a:endParaRPr>
           </a:p>
           <a:p>
-            <a:pPr marL="0" marR="0" lvl="0" indent="0" algn="l" defTabSz="914400" rtl="0" eaLnBrk="0" fontAlgn="base" latinLnBrk="0" hangingPunct="0">
+            <a:pPr marL="274320" lvl="1" indent="0" eaLnBrk="0" fontAlgn="base" hangingPunct="0">
               <a:lnSpc>
                 <a:spcPct val="100000"/>
               </a:lnSpc>
@@ -11935,52 +12700,15 @@
               </a:spcAft>
               <a:buClrTx/>
               <a:buSzTx/>
-              <a:buFontTx/>
               <a:buNone/>
-              <a:tabLst/>
             </a:pPr>
             <a:r>
-              <a:rPr kumimoji="0" lang="en-US" altLang="en-US" sz="2000" b="0" i="0" u="none" strike="noStrike" cap="none" normalizeH="0" baseline="0" dirty="0">
-                <a:ln>
-                  <a:noFill/>
-                </a:ln>
-                <a:solidFill>
-                  <a:schemeClr val="tx1"/>
-                </a:solidFill>
-                <a:effectLst/>
-                <a:latin typeface="Arial" panose="020B0604020202020204" pitchFamily="34" charset="0"/>
-              </a:rPr>
-              <a:t>There are currently 3 different types of </a:t>
-            </a:r>
-            <a:r>
-              <a:rPr kumimoji="0" lang="en-US" altLang="en-US" sz="2000" b="0" i="0" u="none" strike="noStrike" cap="none" normalizeH="0" baseline="0" dirty="0" err="1">
-                <a:ln>
-                  <a:noFill/>
-                </a:ln>
-                <a:solidFill>
-                  <a:schemeClr val="tx1"/>
-                </a:solidFill>
-                <a:effectLst/>
-                <a:latin typeface="Arial" panose="020B0604020202020204" pitchFamily="34" charset="0"/>
-              </a:rPr>
-              <a:t>Pulumi</a:t>
-            </a:r>
-            <a:r>
-              <a:rPr kumimoji="0" lang="en-US" altLang="en-US" sz="2000" b="0" i="0" u="none" strike="noStrike" cap="none" normalizeH="0" baseline="0" dirty="0">
-                <a:ln>
-                  <a:noFill/>
-                </a:ln>
-                <a:solidFill>
-                  <a:schemeClr val="tx1"/>
-                </a:solidFill>
-                <a:effectLst/>
-                <a:latin typeface="Arial" panose="020B0604020202020204" pitchFamily="34" charset="0"/>
-              </a:rPr>
-              <a:t> Packages:</a:t>
-            </a:r>
-          </a:p>
-          <a:p>
-            <a:pPr marL="0" marR="0" lvl="0" indent="0" algn="l" defTabSz="914400" rtl="0" eaLnBrk="0" fontAlgn="base" latinLnBrk="0" hangingPunct="0">
+              <a:rPr lang="en-US" altLang="en-US" sz="2000" dirty="0"/>
+              <a:t>There are currently 3 different types of Pulumi Packages:</a:t>
+            </a:r>
+          </a:p>
+          <a:p>
+            <a:pPr marL="274320" lvl="1" indent="0" eaLnBrk="0" fontAlgn="base" hangingPunct="0">
               <a:lnSpc>
                 <a:spcPct val="100000"/>
               </a:lnSpc>
@@ -11992,23 +12720,12 @@
               </a:spcAft>
               <a:buClrTx/>
               <a:buSzTx/>
-              <a:buFontTx/>
               <a:buNone/>
-              <a:tabLst/>
             </a:pPr>
-            <a:endParaRPr kumimoji="0" lang="en-US" altLang="en-US" sz="2000" b="0" i="0" u="none" strike="noStrike" cap="none" normalizeH="0" baseline="0" dirty="0">
-              <a:ln>
-                <a:noFill/>
-              </a:ln>
-              <a:solidFill>
-                <a:schemeClr val="tx1"/>
-              </a:solidFill>
-              <a:effectLst/>
-              <a:latin typeface="Arial" panose="020B0604020202020204" pitchFamily="34" charset="0"/>
-            </a:endParaRPr>
-          </a:p>
-          <a:p>
-            <a:pPr marL="457200" marR="0" lvl="0" indent="-457200" algn="l" defTabSz="914400" rtl="0" eaLnBrk="0" fontAlgn="base" latinLnBrk="0" hangingPunct="0">
+            <a:endParaRPr lang="en-US" altLang="en-US" sz="2000" dirty="0"/>
+          </a:p>
+          <a:p>
+            <a:pPr marL="731520" lvl="1" indent="-457200" eaLnBrk="0" fontAlgn="base" hangingPunct="0">
               <a:lnSpc>
                 <a:spcPct val="100000"/>
               </a:lnSpc>
@@ -12022,102 +12739,21 @@
               <a:buSzTx/>
               <a:buFont typeface="+mj-lt"/>
               <a:buAutoNum type="arabicPeriod"/>
-              <a:tabLst/>
             </a:pPr>
             <a:r>
-              <a:rPr kumimoji="0" lang="en-US" altLang="en-US" sz="2000" b="0" i="0" u="none" strike="noStrike" cap="none" normalizeH="0" baseline="0" dirty="0">
-                <a:ln>
-                  <a:noFill/>
-                </a:ln>
-                <a:solidFill>
-                  <a:schemeClr val="tx1"/>
-                </a:solidFill>
-                <a:effectLst/>
-                <a:latin typeface="Arial" panose="020B0604020202020204" pitchFamily="34" charset="0"/>
-              </a:rPr>
-              <a:t>Native </a:t>
-            </a:r>
-            <a:r>
-              <a:rPr kumimoji="0" lang="en-US" altLang="en-US" sz="2000" b="0" i="0" u="none" strike="noStrike" cap="none" normalizeH="0" baseline="0" dirty="0" err="1">
-                <a:ln>
-                  <a:noFill/>
-                </a:ln>
-                <a:solidFill>
-                  <a:schemeClr val="tx1"/>
-                </a:solidFill>
-                <a:effectLst/>
-                <a:latin typeface="Arial" panose="020B0604020202020204" pitchFamily="34" charset="0"/>
-              </a:rPr>
-              <a:t>Pulumi</a:t>
-            </a:r>
-            <a:r>
-              <a:rPr kumimoji="0" lang="en-US" altLang="en-US" sz="2000" b="0" i="0" u="none" strike="noStrike" cap="none" normalizeH="0" baseline="0" dirty="0">
-                <a:ln>
-                  <a:noFill/>
-                </a:ln>
-                <a:solidFill>
-                  <a:schemeClr val="tx1"/>
-                </a:solidFill>
-                <a:effectLst/>
-                <a:latin typeface="Arial" panose="020B0604020202020204" pitchFamily="34" charset="0"/>
-              </a:rPr>
-              <a:t> Provider Package: Use the full features of the </a:t>
-            </a:r>
-            <a:r>
-              <a:rPr kumimoji="0" lang="en-US" altLang="en-US" sz="2000" b="0" i="0" u="none" strike="noStrike" cap="none" normalizeH="0" baseline="0" dirty="0" err="1">
-                <a:ln>
-                  <a:noFill/>
-                </a:ln>
-                <a:solidFill>
-                  <a:schemeClr val="tx1"/>
-                </a:solidFill>
-                <a:effectLst/>
-                <a:latin typeface="Arial" panose="020B0604020202020204" pitchFamily="34" charset="0"/>
-              </a:rPr>
-              <a:t>Pulumi</a:t>
-            </a:r>
-            <a:r>
-              <a:rPr kumimoji="0" lang="en-US" altLang="en-US" sz="2000" b="0" i="0" u="none" strike="noStrike" cap="none" normalizeH="0" baseline="0" dirty="0">
-                <a:ln>
-                  <a:noFill/>
-                </a:ln>
-                <a:solidFill>
-                  <a:schemeClr val="tx1"/>
-                </a:solidFill>
-                <a:effectLst/>
-                <a:latin typeface="Arial" panose="020B0604020202020204" pitchFamily="34" charset="0"/>
-              </a:rPr>
-              <a:t> resource model to create a provider for a new cloud platform. Examples: the </a:t>
-            </a:r>
-            <a:r>
-              <a:rPr kumimoji="0" lang="en-US" altLang="en-US" sz="2000" b="0" i="0" u="none" strike="noStrike" cap="none" normalizeH="0" baseline="0" dirty="0" err="1">
-                <a:ln>
-                  <a:noFill/>
-                </a:ln>
-                <a:solidFill>
-                  <a:schemeClr val="tx1"/>
-                </a:solidFill>
-                <a:effectLst/>
-                <a:latin typeface="Arial" panose="020B0604020202020204" pitchFamily="34" charset="0"/>
-              </a:rPr>
-              <a:t>kubernetes</a:t>
-            </a:r>
-            <a:r>
-              <a:rPr kumimoji="0" lang="en-US" altLang="en-US" sz="2000" b="0" i="0" u="none" strike="noStrike" cap="none" normalizeH="0" baseline="0" dirty="0">
-                <a:ln>
-                  <a:noFill/>
-                </a:ln>
-                <a:solidFill>
-                  <a:schemeClr val="tx1"/>
-                </a:solidFill>
-                <a:effectLst/>
-                <a:latin typeface="Arial" panose="020B0604020202020204" pitchFamily="34" charset="0"/>
-              </a:rPr>
-              <a:t>, azure-native, and google-native packages.</a:t>
-            </a:r>
-          </a:p>
-          <a:p>
-            <a:pPr marL="457200" marR="0" lvl="0" indent="-457200" algn="l" defTabSz="914400" rtl="0" eaLnBrk="0" fontAlgn="base" latinLnBrk="0" hangingPunct="0">
+              <a:rPr lang="en-US" altLang="en-US" sz="2000" dirty="0"/>
+              <a:t>Native Pulumi Provider Package: Use the full features of the Pulumi resource model to create a provider for a new cloud platform. </a:t>
+            </a:r>
+            <a:br>
+              <a:rPr lang="en-US" altLang="en-US" sz="2000" dirty="0"/>
+            </a:br>
+            <a:r>
+              <a:rPr lang="en-US" altLang="en-US" sz="2000" dirty="0"/>
+              <a:t>Examples: the Kubernetes, azure-native, and google-native packages.</a:t>
+            </a:r>
+          </a:p>
+          <a:p>
+            <a:pPr marL="731520" lvl="1" indent="-457200" eaLnBrk="0" fontAlgn="base" hangingPunct="0">
               <a:lnSpc>
                 <a:spcPct val="100000"/>
               </a:lnSpc>
@@ -12131,128 +12767,37 @@
               <a:buSzTx/>
               <a:buFont typeface="+mj-lt"/>
               <a:buAutoNum type="arabicPeriod"/>
-              <a:tabLst/>
             </a:pPr>
             <a:r>
-              <a:rPr kumimoji="0" lang="en-US" altLang="en-US" sz="2000" b="0" i="0" u="none" strike="noStrike" cap="none" normalizeH="0" baseline="0" dirty="0">
-                <a:ln>
-                  <a:noFill/>
-                </a:ln>
-                <a:solidFill>
-                  <a:schemeClr val="tx1"/>
-                </a:solidFill>
-                <a:effectLst/>
-                <a:latin typeface="Arial" panose="020B0604020202020204" pitchFamily="34" charset="0"/>
-              </a:rPr>
-              <a:t>Bridged Provider Package: Take an existing resource provider from another supported ecosystem (like a Terraform provider), and bridge it to be exposed as a </a:t>
-            </a:r>
-            <a:r>
-              <a:rPr kumimoji="0" lang="en-US" altLang="en-US" sz="2000" b="0" i="0" u="none" strike="noStrike" cap="none" normalizeH="0" baseline="0" dirty="0" err="1">
-                <a:ln>
-                  <a:noFill/>
-                </a:ln>
-                <a:solidFill>
-                  <a:schemeClr val="tx1"/>
-                </a:solidFill>
-                <a:effectLst/>
-                <a:latin typeface="Arial" panose="020B0604020202020204" pitchFamily="34" charset="0"/>
-              </a:rPr>
-              <a:t>Pulumi</a:t>
-            </a:r>
-            <a:r>
-              <a:rPr kumimoji="0" lang="en-US" altLang="en-US" sz="2000" b="0" i="0" u="none" strike="noStrike" cap="none" normalizeH="0" baseline="0" dirty="0">
-                <a:ln>
-                  <a:noFill/>
-                </a:ln>
-                <a:solidFill>
-                  <a:schemeClr val="tx1"/>
-                </a:solidFill>
-                <a:effectLst/>
-                <a:latin typeface="Arial" panose="020B0604020202020204" pitchFamily="34" charset="0"/>
-              </a:rPr>
-              <a:t> Package. Examples: the </a:t>
-            </a:r>
-            <a:r>
-              <a:rPr kumimoji="0" lang="en-US" altLang="en-US" sz="2000" b="0" i="0" u="none" strike="noStrike" cap="none" normalizeH="0" baseline="0" dirty="0" err="1">
-                <a:ln>
-                  <a:noFill/>
-                </a:ln>
-                <a:solidFill>
-                  <a:schemeClr val="tx1"/>
-                </a:solidFill>
-                <a:effectLst/>
-                <a:latin typeface="Arial" panose="020B0604020202020204" pitchFamily="34" charset="0"/>
-              </a:rPr>
+              <a:rPr lang="en-US" altLang="en-US" sz="2000" dirty="0"/>
+              <a:t>Bridged Provider Package: Take an existing resource provider from another supported ecosystem (like a Terraform provider), and bridge it to be exposed as a Pulumi Package. </a:t>
+            </a:r>
+            <a:br>
+              <a:rPr lang="en-US" altLang="en-US" sz="2000" dirty="0"/>
+            </a:br>
+            <a:r>
+              <a:rPr lang="en-US" altLang="en-US" sz="2000" dirty="0"/>
+              <a:t>Examples: the </a:t>
+            </a:r>
+            <a:r>
+              <a:rPr lang="en-US" altLang="en-US" sz="2000" dirty="0" err="1"/>
               <a:t>aws</a:t>
             </a:r>
             <a:r>
-              <a:rPr kumimoji="0" lang="en-US" altLang="en-US" sz="2000" b="0" i="0" u="none" strike="noStrike" cap="none" normalizeH="0" baseline="0" dirty="0">
-                <a:ln>
-                  <a:noFill/>
-                </a:ln>
-                <a:solidFill>
-                  <a:schemeClr val="tx1"/>
-                </a:solidFill>
-                <a:effectLst/>
-                <a:latin typeface="Arial" panose="020B0604020202020204" pitchFamily="34" charset="0"/>
-              </a:rPr>
+              <a:rPr lang="en-US" altLang="en-US" sz="2000" dirty="0"/>
               <a:t>, </a:t>
             </a:r>
             <a:r>
-              <a:rPr kumimoji="0" lang="en-US" altLang="en-US" sz="2000" b="0" i="0" u="none" strike="noStrike" cap="none" normalizeH="0" baseline="0" dirty="0" err="1">
-                <a:ln>
-                  <a:noFill/>
-                </a:ln>
-                <a:solidFill>
-                  <a:schemeClr val="tx1"/>
-                </a:solidFill>
-                <a:effectLst/>
-                <a:latin typeface="Arial" panose="020B0604020202020204" pitchFamily="34" charset="0"/>
-              </a:rPr>
+              <a:rPr lang="en-US" altLang="en-US" sz="2000" dirty="0" err="1"/>
               <a:t>tls</a:t>
             </a:r>
             <a:r>
-              <a:rPr kumimoji="0" lang="en-US" altLang="en-US" sz="2000" b="0" i="0" u="none" strike="noStrike" cap="none" normalizeH="0" baseline="0" dirty="0">
-                <a:ln>
-                  <a:noFill/>
-                </a:ln>
-                <a:solidFill>
-                  <a:schemeClr val="tx1"/>
-                </a:solidFill>
-                <a:effectLst/>
-                <a:latin typeface="Arial" panose="020B0604020202020204" pitchFamily="34" charset="0"/>
-              </a:rPr>
-              <a:t>, and </a:t>
-            </a:r>
-            <a:r>
-              <a:rPr kumimoji="0" lang="en-US" altLang="en-US" sz="2000" b="0" i="0" u="none" strike="noStrike" cap="none" normalizeH="0" baseline="0" dirty="0" err="1">
-                <a:ln>
-                  <a:noFill/>
-                </a:ln>
-                <a:solidFill>
-                  <a:schemeClr val="tx1"/>
-                </a:solidFill>
-                <a:effectLst/>
-                <a:latin typeface="Arial" panose="020B0604020202020204" pitchFamily="34" charset="0"/>
-              </a:rPr>
-              <a:t>cloudflare</a:t>
-            </a:r>
-            <a:r>
-              <a:rPr kumimoji="0" lang="en-US" altLang="en-US" sz="2000" b="0" i="0" u="none" strike="noStrike" cap="none" normalizeH="0" baseline="0" dirty="0">
-                <a:ln>
-                  <a:noFill/>
-                </a:ln>
-                <a:solidFill>
-                  <a:schemeClr val="tx1"/>
-                </a:solidFill>
-                <a:effectLst/>
-                <a:latin typeface="Arial" panose="020B0604020202020204" pitchFamily="34" charset="0"/>
-              </a:rPr>
-              <a:t> packages.</a:t>
-            </a:r>
-          </a:p>
-          <a:p>
-            <a:pPr marL="457200" marR="0" lvl="0" indent="-457200" algn="l" defTabSz="914400" rtl="0" eaLnBrk="0" fontAlgn="base" latinLnBrk="0" hangingPunct="0">
+              <a:rPr lang="en-US" altLang="en-US" sz="2000" dirty="0"/>
+              <a:t>, and Cloudflare packages.</a:t>
+            </a:r>
+          </a:p>
+          <a:p>
+            <a:pPr marL="731520" lvl="1" indent="-457200" eaLnBrk="0" fontAlgn="base" hangingPunct="0">
               <a:lnSpc>
                 <a:spcPct val="100000"/>
               </a:lnSpc>
@@ -12266,97 +12811,24 @@
               <a:buSzTx/>
               <a:buFont typeface="+mj-lt"/>
               <a:buAutoNum type="arabicPeriod"/>
-              <a:tabLst/>
             </a:pPr>
             <a:r>
-              <a:rPr kumimoji="0" lang="en-US" altLang="en-US" sz="2000" b="0" i="0" u="none" strike="noStrike" cap="none" normalizeH="0" baseline="0" dirty="0">
-                <a:ln>
-                  <a:noFill/>
-                </a:ln>
-                <a:solidFill>
-                  <a:schemeClr val="tx1"/>
-                </a:solidFill>
-                <a:effectLst/>
-                <a:latin typeface="Arial" panose="020B0604020202020204" pitchFamily="34" charset="0"/>
-              </a:rPr>
-              <a:t>Component Package: Write a </a:t>
-            </a:r>
-            <a:r>
-              <a:rPr kumimoji="0" lang="en-US" altLang="en-US" sz="2000" b="0" i="0" u="none" strike="noStrike" cap="none" normalizeH="0" baseline="0" dirty="0" err="1">
-                <a:ln>
-                  <a:noFill/>
-                </a:ln>
-                <a:solidFill>
-                  <a:schemeClr val="tx1"/>
-                </a:solidFill>
-                <a:effectLst/>
-                <a:latin typeface="Arial" panose="020B0604020202020204" pitchFamily="34" charset="0"/>
-              </a:rPr>
-              <a:t>Pulumi</a:t>
-            </a:r>
-            <a:r>
-              <a:rPr kumimoji="0" lang="en-US" altLang="en-US" sz="2000" b="0" i="0" u="none" strike="noStrike" cap="none" normalizeH="0" baseline="0" dirty="0">
-                <a:ln>
-                  <a:noFill/>
-                </a:ln>
-                <a:solidFill>
-                  <a:schemeClr val="tx1"/>
-                </a:solidFill>
-                <a:effectLst/>
-                <a:latin typeface="Arial" panose="020B0604020202020204" pitchFamily="34" charset="0"/>
-              </a:rPr>
-              <a:t> Component in your language of choice and expose it to users in all </a:t>
-            </a:r>
-            <a:r>
-              <a:rPr kumimoji="0" lang="en-US" altLang="en-US" sz="2000" b="0" i="0" u="none" strike="noStrike" cap="none" normalizeH="0" baseline="0" dirty="0" err="1">
-                <a:ln>
-                  <a:noFill/>
-                </a:ln>
-                <a:solidFill>
-                  <a:schemeClr val="tx1"/>
-                </a:solidFill>
-                <a:effectLst/>
-                <a:latin typeface="Arial" panose="020B0604020202020204" pitchFamily="34" charset="0"/>
-              </a:rPr>
-              <a:t>Pulumi</a:t>
-            </a:r>
-            <a:r>
-              <a:rPr kumimoji="0" lang="en-US" altLang="en-US" sz="2000" b="0" i="0" u="none" strike="noStrike" cap="none" normalizeH="0" baseline="0" dirty="0">
-                <a:ln>
-                  <a:noFill/>
-                </a:ln>
-                <a:solidFill>
-                  <a:schemeClr val="tx1"/>
-                </a:solidFill>
-                <a:effectLst/>
-                <a:latin typeface="Arial" panose="020B0604020202020204" pitchFamily="34" charset="0"/>
-              </a:rPr>
-              <a:t> languages. Example: the </a:t>
-            </a:r>
-            <a:r>
-              <a:rPr kumimoji="0" lang="en-US" altLang="en-US" sz="2000" b="0" i="0" u="none" strike="noStrike" cap="none" normalizeH="0" baseline="0" dirty="0" err="1">
-                <a:ln>
-                  <a:noFill/>
-                </a:ln>
-                <a:solidFill>
-                  <a:schemeClr val="tx1"/>
-                </a:solidFill>
-                <a:effectLst/>
-                <a:latin typeface="Arial" panose="020B0604020202020204" pitchFamily="34" charset="0"/>
-              </a:rPr>
+              <a:rPr lang="en-US" altLang="en-US" sz="2000" dirty="0"/>
+              <a:t>Component Package: Write a Pulumi Component in your language of choice and expose it to users in all Pulumi languages. </a:t>
+            </a:r>
+            <a:br>
+              <a:rPr lang="en-US" altLang="en-US" sz="2000" dirty="0"/>
+            </a:br>
+            <a:r>
+              <a:rPr lang="en-US" altLang="en-US" sz="2000" dirty="0"/>
+              <a:t>Example: the </a:t>
+            </a:r>
+            <a:r>
+              <a:rPr lang="en-US" altLang="en-US" sz="2000" dirty="0" err="1"/>
               <a:t>eks</a:t>
             </a:r>
             <a:r>
-              <a:rPr kumimoji="0" lang="en-US" altLang="en-US" sz="2000" b="0" i="0" u="none" strike="noStrike" cap="none" normalizeH="0" baseline="0" dirty="0">
-                <a:ln>
-                  <a:noFill/>
-                </a:ln>
-                <a:solidFill>
-                  <a:schemeClr val="tx1"/>
-                </a:solidFill>
-                <a:effectLst/>
-                <a:latin typeface="Arial" panose="020B0604020202020204" pitchFamily="34" charset="0"/>
-              </a:rPr>
+              <a:rPr lang="en-US" altLang="en-US" sz="2000" dirty="0"/>
               <a:t> package.</a:t>
             </a:r>
           </a:p>
@@ -12426,7 +12898,119 @@
 </p:sld>
 </file>
 
-<file path=ppt/slides/slide33.xml><?xml version="1.0" encoding="utf-8"?>
+<file path=ppt/slides/slide3.xml><?xml version="1.0" encoding="utf-8"?>
+<p:sld xmlns:a="http://schemas.openxmlformats.org/drawingml/2006/main" xmlns:r="http://schemas.openxmlformats.org/officeDocument/2006/relationships" xmlns:p="http://schemas.openxmlformats.org/presentationml/2006/main">
+  <p:cSld>
+    <p:spTree>
+      <p:nvGrpSpPr>
+        <p:cNvPr id="1" name=""/>
+        <p:cNvGrpSpPr/>
+        <p:nvPr/>
+      </p:nvGrpSpPr>
+      <p:grpSpPr>
+        <a:xfrm>
+          <a:off x="0" y="0"/>
+          <a:ext cx="0" cy="0"/>
+          <a:chOff x="0" y="0"/>
+          <a:chExt cx="0" cy="0"/>
+        </a:xfrm>
+      </p:grpSpPr>
+      <p:sp>
+        <p:nvSpPr>
+          <p:cNvPr id="2" name="Title 1">
+            <a:extLst>
+              <a:ext uri="{FF2B5EF4-FFF2-40B4-BE49-F238E27FC236}">
+                <a16:creationId xmlns:a16="http://schemas.microsoft.com/office/drawing/2014/main" id="{CDDBD12E-6F6E-1FA0-4C05-06CDA68193E6}"/>
+              </a:ext>
+            </a:extLst>
+          </p:cNvPr>
+          <p:cNvSpPr>
+            <a:spLocks noGrp="1"/>
+          </p:cNvSpPr>
+          <p:nvPr>
+            <p:ph type="title"/>
+          </p:nvPr>
+        </p:nvSpPr>
+        <p:spPr/>
+        <p:txBody>
+          <a:bodyPr>
+            <a:normAutofit/>
+          </a:bodyPr>
+          <a:lstStyle/>
+          <a:p>
+            <a:pPr marL="3054350" indent="-3054350"/>
+            <a:r>
+              <a:rPr lang="en-IN" dirty="0"/>
+              <a:t>&lt;Lc/</a:t>
+            </a:r>
+            <a:r>
+              <a:rPr lang="en-IN" dirty="0" err="1"/>
+              <a:t>nc</a:t>
+            </a:r>
+            <a:r>
+              <a:rPr lang="en-IN" dirty="0"/>
+              <a:t>&gt; - LOW CODE/NO CODE </a:t>
+            </a:r>
+            <a:r>
+              <a:rPr lang="en-IN" dirty="0" err="1"/>
+              <a:t>Devops</a:t>
+            </a:r>
+            <a:br>
+              <a:rPr lang="en-IN" dirty="0"/>
+            </a:br>
+            <a:r>
+              <a:rPr lang="en-IN" sz="2400" dirty="0"/>
+              <a:t>to Everything as CODE</a:t>
+            </a:r>
+            <a:endParaRPr lang="en-IN" dirty="0"/>
+          </a:p>
+        </p:txBody>
+      </p:sp>
+      <p:graphicFrame>
+        <p:nvGraphicFramePr>
+          <p:cNvPr id="4" name="Content Placeholder 3">
+            <a:extLst>
+              <a:ext uri="{FF2B5EF4-FFF2-40B4-BE49-F238E27FC236}">
+                <a16:creationId xmlns:a16="http://schemas.microsoft.com/office/drawing/2014/main" id="{A5618265-EB56-DCB9-04E7-2B2A5A566A22}"/>
+              </a:ext>
+            </a:extLst>
+          </p:cNvPr>
+          <p:cNvGraphicFramePr>
+            <a:graphicFrameLocks noGrp="1"/>
+          </p:cNvGraphicFramePr>
+          <p:nvPr>
+            <p:ph idx="1"/>
+            <p:extLst>
+              <p:ext uri="{D42A27DB-BD31-4B8C-83A1-F6EECF244321}">
+                <p14:modId xmlns:p14="http://schemas.microsoft.com/office/powerpoint/2010/main" val="241221072"/>
+              </p:ext>
+            </p:extLst>
+          </p:nvPr>
+        </p:nvGraphicFramePr>
+        <p:xfrm>
+          <a:off x="1069848" y="2121408"/>
+          <a:ext cx="10058400" cy="4050792"/>
+        </p:xfrm>
+        <a:graphic>
+          <a:graphicData uri="http://schemas.openxmlformats.org/drawingml/2006/diagram">
+            <dgm:relIds xmlns:dgm="http://schemas.openxmlformats.org/drawingml/2006/diagram" xmlns:r="http://schemas.openxmlformats.org/officeDocument/2006/relationships" r:dm="rId2" r:lo="rId3" r:qs="rId4" r:cs="rId5"/>
+          </a:graphicData>
+        </a:graphic>
+      </p:graphicFrame>
+    </p:spTree>
+    <p:extLst>
+      <p:ext uri="{BB962C8B-B14F-4D97-AF65-F5344CB8AC3E}">
+        <p14:creationId xmlns:p14="http://schemas.microsoft.com/office/powerpoint/2010/main" val="3591333091"/>
+      </p:ext>
+    </p:extLst>
+  </p:cSld>
+  <p:clrMapOvr>
+    <a:masterClrMapping/>
+  </p:clrMapOvr>
+</p:sld>
+</file>
+
+<file path=ppt/slides/slide30.xml><?xml version="1.0" encoding="utf-8"?>
 <p:sld xmlns:a="http://schemas.openxmlformats.org/drawingml/2006/main" xmlns:r="http://schemas.openxmlformats.org/officeDocument/2006/relationships" xmlns:p="http://schemas.openxmlformats.org/presentationml/2006/main">
   <p:cSld>
     <p:spTree>
@@ -12503,7 +13087,1595 @@
 </p:sld>
 </file>
 
+<file path=ppt/slides/slide31.xml><?xml version="1.0" encoding="utf-8"?>
+<p:sld xmlns:a="http://schemas.openxmlformats.org/drawingml/2006/main" xmlns:r="http://schemas.openxmlformats.org/officeDocument/2006/relationships" xmlns:p="http://schemas.openxmlformats.org/presentationml/2006/main">
+  <p:cSld>
+    <p:spTree>
+      <p:nvGrpSpPr>
+        <p:cNvPr id="1" name=""/>
+        <p:cNvGrpSpPr/>
+        <p:nvPr/>
+      </p:nvGrpSpPr>
+      <p:grpSpPr>
+        <a:xfrm>
+          <a:off x="0" y="0"/>
+          <a:ext cx="0" cy="0"/>
+          <a:chOff x="0" y="0"/>
+          <a:chExt cx="0" cy="0"/>
+        </a:xfrm>
+      </p:grpSpPr>
+      <p:sp>
+        <p:nvSpPr>
+          <p:cNvPr id="2" name="Title 1">
+            <a:extLst>
+              <a:ext uri="{FF2B5EF4-FFF2-40B4-BE49-F238E27FC236}">
+                <a16:creationId xmlns:a16="http://schemas.microsoft.com/office/drawing/2014/main" id="{556925F9-AC24-D5FF-D0CF-0DE39967C50C}"/>
+              </a:ext>
+            </a:extLst>
+          </p:cNvPr>
+          <p:cNvSpPr>
+            <a:spLocks noGrp="1"/>
+          </p:cNvSpPr>
+          <p:nvPr>
+            <p:ph type="title"/>
+          </p:nvPr>
+        </p:nvSpPr>
+        <p:spPr/>
+        <p:txBody>
+          <a:bodyPr/>
+          <a:lstStyle/>
+          <a:p>
+            <a:r>
+              <a:rPr lang="en-IN" dirty="0"/>
+              <a:t>Example AWS </a:t>
+            </a:r>
+            <a:r>
+              <a:rPr lang="en-IN" dirty="0" err="1"/>
+              <a:t>S3</a:t>
+            </a:r>
+            <a:r>
+              <a:rPr lang="en-IN" dirty="0"/>
+              <a:t> </a:t>
+            </a:r>
+          </a:p>
+        </p:txBody>
+      </p:sp>
+      <p:sp>
+        <p:nvSpPr>
+          <p:cNvPr id="3" name="Content Placeholder 2">
+            <a:extLst>
+              <a:ext uri="{FF2B5EF4-FFF2-40B4-BE49-F238E27FC236}">
+                <a16:creationId xmlns:a16="http://schemas.microsoft.com/office/drawing/2014/main" id="{4F8831BE-4444-DD96-CAE6-310B528916EA}"/>
+              </a:ext>
+            </a:extLst>
+          </p:cNvPr>
+          <p:cNvSpPr>
+            <a:spLocks noGrp="1"/>
+          </p:cNvSpPr>
+          <p:nvPr>
+            <p:ph idx="1"/>
+          </p:nvPr>
+        </p:nvSpPr>
+        <p:spPr/>
+        <p:txBody>
+          <a:bodyPr/>
+          <a:lstStyle/>
+          <a:p>
+            <a:endParaRPr lang="en-IN" dirty="0"/>
+          </a:p>
+        </p:txBody>
+      </p:sp>
+    </p:spTree>
+    <p:extLst>
+      <p:ext uri="{BB962C8B-B14F-4D97-AF65-F5344CB8AC3E}">
+        <p14:creationId xmlns:p14="http://schemas.microsoft.com/office/powerpoint/2010/main" val="17435784"/>
+      </p:ext>
+    </p:extLst>
+  </p:cSld>
+  <p:clrMapOvr>
+    <a:masterClrMapping/>
+  </p:clrMapOvr>
+</p:sld>
+</file>
+
+<file path=ppt/slides/slide32.xml><?xml version="1.0" encoding="utf-8"?>
+<p:sld xmlns:a="http://schemas.openxmlformats.org/drawingml/2006/main" xmlns:r="http://schemas.openxmlformats.org/officeDocument/2006/relationships" xmlns:p="http://schemas.openxmlformats.org/presentationml/2006/main">
+  <p:cSld>
+    <p:spTree>
+      <p:nvGrpSpPr>
+        <p:cNvPr id="1" name=""/>
+        <p:cNvGrpSpPr/>
+        <p:nvPr/>
+      </p:nvGrpSpPr>
+      <p:grpSpPr>
+        <a:xfrm>
+          <a:off x="0" y="0"/>
+          <a:ext cx="0" cy="0"/>
+          <a:chOff x="0" y="0"/>
+          <a:chExt cx="0" cy="0"/>
+        </a:xfrm>
+      </p:grpSpPr>
+      <p:sp>
+        <p:nvSpPr>
+          <p:cNvPr id="2" name="Title 1">
+            <a:extLst>
+              <a:ext uri="{FF2B5EF4-FFF2-40B4-BE49-F238E27FC236}">
+                <a16:creationId xmlns:a16="http://schemas.microsoft.com/office/drawing/2014/main" id="{E4FF78F2-8CC2-41B1-928C-26158D826F9A}"/>
+              </a:ext>
+            </a:extLst>
+          </p:cNvPr>
+          <p:cNvSpPr>
+            <a:spLocks noGrp="1"/>
+          </p:cNvSpPr>
+          <p:nvPr>
+            <p:ph type="title"/>
+          </p:nvPr>
+        </p:nvSpPr>
+        <p:spPr/>
+        <p:txBody>
+          <a:bodyPr/>
+          <a:lstStyle/>
+          <a:p>
+            <a:r>
+              <a:rPr lang="en-IN" dirty="0"/>
+              <a:t>Example gcp bucket</a:t>
+            </a:r>
+          </a:p>
+        </p:txBody>
+      </p:sp>
+      <p:sp>
+        <p:nvSpPr>
+          <p:cNvPr id="3" name="Content Placeholder 2">
+            <a:extLst>
+              <a:ext uri="{FF2B5EF4-FFF2-40B4-BE49-F238E27FC236}">
+                <a16:creationId xmlns:a16="http://schemas.microsoft.com/office/drawing/2014/main" id="{0AFFAB35-9465-E665-5F93-B7532304F18E}"/>
+              </a:ext>
+            </a:extLst>
+          </p:cNvPr>
+          <p:cNvSpPr>
+            <a:spLocks noGrp="1"/>
+          </p:cNvSpPr>
+          <p:nvPr>
+            <p:ph idx="1"/>
+          </p:nvPr>
+        </p:nvSpPr>
+        <p:spPr/>
+        <p:txBody>
+          <a:bodyPr/>
+          <a:lstStyle/>
+          <a:p>
+            <a:endParaRPr lang="en-IN"/>
+          </a:p>
+        </p:txBody>
+      </p:sp>
+    </p:spTree>
+    <p:extLst>
+      <p:ext uri="{BB962C8B-B14F-4D97-AF65-F5344CB8AC3E}">
+        <p14:creationId xmlns:p14="http://schemas.microsoft.com/office/powerpoint/2010/main" val="1222531784"/>
+      </p:ext>
+    </p:extLst>
+  </p:cSld>
+  <p:clrMapOvr>
+    <a:masterClrMapping/>
+  </p:clrMapOvr>
+</p:sld>
+</file>
+
+<file path=ppt/slides/slide33.xml><?xml version="1.0" encoding="utf-8"?>
+<p:sld xmlns:a="http://schemas.openxmlformats.org/drawingml/2006/main" xmlns:r="http://schemas.openxmlformats.org/officeDocument/2006/relationships" xmlns:p="http://schemas.openxmlformats.org/presentationml/2006/main">
+  <p:cSld>
+    <p:spTree>
+      <p:nvGrpSpPr>
+        <p:cNvPr id="1" name=""/>
+        <p:cNvGrpSpPr/>
+        <p:nvPr/>
+      </p:nvGrpSpPr>
+      <p:grpSpPr>
+        <a:xfrm>
+          <a:off x="0" y="0"/>
+          <a:ext cx="0" cy="0"/>
+          <a:chOff x="0" y="0"/>
+          <a:chExt cx="0" cy="0"/>
+        </a:xfrm>
+      </p:grpSpPr>
+      <p:sp>
+        <p:nvSpPr>
+          <p:cNvPr id="2" name="Title 1">
+            <a:extLst>
+              <a:ext uri="{FF2B5EF4-FFF2-40B4-BE49-F238E27FC236}">
+                <a16:creationId xmlns:a16="http://schemas.microsoft.com/office/drawing/2014/main" id="{E3C97930-F2D9-E4D6-7873-086066BA5829}"/>
+              </a:ext>
+            </a:extLst>
+          </p:cNvPr>
+          <p:cNvSpPr>
+            <a:spLocks noGrp="1"/>
+          </p:cNvSpPr>
+          <p:nvPr>
+            <p:ph type="title"/>
+          </p:nvPr>
+        </p:nvSpPr>
+        <p:spPr/>
+        <p:txBody>
+          <a:bodyPr/>
+          <a:lstStyle/>
+          <a:p>
+            <a:r>
+              <a:rPr lang="en-IN" dirty="0"/>
+              <a:t>Example Azure storage</a:t>
+            </a:r>
+          </a:p>
+        </p:txBody>
+      </p:sp>
+      <p:sp>
+        <p:nvSpPr>
+          <p:cNvPr id="3" name="Content Placeholder 2">
+            <a:extLst>
+              <a:ext uri="{FF2B5EF4-FFF2-40B4-BE49-F238E27FC236}">
+                <a16:creationId xmlns:a16="http://schemas.microsoft.com/office/drawing/2014/main" id="{B5CFD9B7-DC34-FFC5-2019-D642661A2184}"/>
+              </a:ext>
+            </a:extLst>
+          </p:cNvPr>
+          <p:cNvSpPr>
+            <a:spLocks noGrp="1"/>
+          </p:cNvSpPr>
+          <p:nvPr>
+            <p:ph idx="1"/>
+          </p:nvPr>
+        </p:nvSpPr>
+        <p:spPr/>
+        <p:txBody>
+          <a:bodyPr/>
+          <a:lstStyle/>
+          <a:p>
+            <a:endParaRPr lang="en-IN"/>
+          </a:p>
+        </p:txBody>
+      </p:sp>
+    </p:spTree>
+    <p:extLst>
+      <p:ext uri="{BB962C8B-B14F-4D97-AF65-F5344CB8AC3E}">
+        <p14:creationId xmlns:p14="http://schemas.microsoft.com/office/powerpoint/2010/main" val="3344874386"/>
+      </p:ext>
+    </p:extLst>
+  </p:cSld>
+  <p:clrMapOvr>
+    <a:masterClrMapping/>
+  </p:clrMapOvr>
+</p:sld>
+</file>
+
 <file path=ppt/slides/slide34.xml><?xml version="1.0" encoding="utf-8"?>
+<p:sld xmlns:a="http://schemas.openxmlformats.org/drawingml/2006/main" xmlns:r="http://schemas.openxmlformats.org/officeDocument/2006/relationships" xmlns:p="http://schemas.openxmlformats.org/presentationml/2006/main">
+  <p:cSld>
+    <p:spTree>
+      <p:nvGrpSpPr>
+        <p:cNvPr id="1" name=""/>
+        <p:cNvGrpSpPr/>
+        <p:nvPr/>
+      </p:nvGrpSpPr>
+      <p:grpSpPr>
+        <a:xfrm>
+          <a:off x="0" y="0"/>
+          <a:ext cx="0" cy="0"/>
+          <a:chOff x="0" y="0"/>
+          <a:chExt cx="0" cy="0"/>
+        </a:xfrm>
+      </p:grpSpPr>
+      <p:sp>
+        <p:nvSpPr>
+          <p:cNvPr id="2" name="Title 1">
+            <a:extLst>
+              <a:ext uri="{FF2B5EF4-FFF2-40B4-BE49-F238E27FC236}">
+                <a16:creationId xmlns:a16="http://schemas.microsoft.com/office/drawing/2014/main" id="{0D3235BD-C952-E7C1-A7CD-43B99F95A3B7}"/>
+              </a:ext>
+            </a:extLst>
+          </p:cNvPr>
+          <p:cNvSpPr>
+            <a:spLocks noGrp="1"/>
+          </p:cNvSpPr>
+          <p:nvPr>
+            <p:ph type="title"/>
+          </p:nvPr>
+        </p:nvSpPr>
+        <p:spPr/>
+        <p:txBody>
+          <a:bodyPr/>
+          <a:lstStyle/>
+          <a:p>
+            <a:r>
+              <a:rPr lang="en-IN" dirty="0"/>
+              <a:t>Example </a:t>
+            </a:r>
+            <a:r>
+              <a:rPr lang="en-IN" dirty="0" err="1"/>
+              <a:t>aws</a:t>
+            </a:r>
+            <a:r>
+              <a:rPr lang="en-IN" dirty="0"/>
+              <a:t> </a:t>
+            </a:r>
+            <a:r>
+              <a:rPr lang="en-IN" dirty="0" err="1"/>
+              <a:t>k8s</a:t>
+            </a:r>
+            <a:endParaRPr lang="en-IN" dirty="0"/>
+          </a:p>
+        </p:txBody>
+      </p:sp>
+      <p:sp>
+        <p:nvSpPr>
+          <p:cNvPr id="3" name="Content Placeholder 2">
+            <a:extLst>
+              <a:ext uri="{FF2B5EF4-FFF2-40B4-BE49-F238E27FC236}">
+                <a16:creationId xmlns:a16="http://schemas.microsoft.com/office/drawing/2014/main" id="{A15A4502-8759-45F5-07E9-A5A62790D69D}"/>
+              </a:ext>
+            </a:extLst>
+          </p:cNvPr>
+          <p:cNvSpPr>
+            <a:spLocks noGrp="1"/>
+          </p:cNvSpPr>
+          <p:nvPr>
+            <p:ph idx="1"/>
+          </p:nvPr>
+        </p:nvSpPr>
+        <p:spPr/>
+        <p:txBody>
+          <a:bodyPr/>
+          <a:lstStyle/>
+          <a:p>
+            <a:endParaRPr lang="en-IN"/>
+          </a:p>
+        </p:txBody>
+      </p:sp>
+    </p:spTree>
+    <p:extLst>
+      <p:ext uri="{BB962C8B-B14F-4D97-AF65-F5344CB8AC3E}">
+        <p14:creationId xmlns:p14="http://schemas.microsoft.com/office/powerpoint/2010/main" val="533474067"/>
+      </p:ext>
+    </p:extLst>
+  </p:cSld>
+  <p:clrMapOvr>
+    <a:masterClrMapping/>
+  </p:clrMapOvr>
+</p:sld>
+</file>
+
+<file path=ppt/slides/slide35.xml><?xml version="1.0" encoding="utf-8"?>
+<p:sld xmlns:a="http://schemas.openxmlformats.org/drawingml/2006/main" xmlns:r="http://schemas.openxmlformats.org/officeDocument/2006/relationships" xmlns:p="http://schemas.openxmlformats.org/presentationml/2006/main">
+  <p:cSld>
+    <p:spTree>
+      <p:nvGrpSpPr>
+        <p:cNvPr id="1" name=""/>
+        <p:cNvGrpSpPr/>
+        <p:nvPr/>
+      </p:nvGrpSpPr>
+      <p:grpSpPr>
+        <a:xfrm>
+          <a:off x="0" y="0"/>
+          <a:ext cx="0" cy="0"/>
+          <a:chOff x="0" y="0"/>
+          <a:chExt cx="0" cy="0"/>
+        </a:xfrm>
+      </p:grpSpPr>
+      <p:sp>
+        <p:nvSpPr>
+          <p:cNvPr id="2" name="Title 1">
+            <a:extLst>
+              <a:ext uri="{FF2B5EF4-FFF2-40B4-BE49-F238E27FC236}">
+                <a16:creationId xmlns:a16="http://schemas.microsoft.com/office/drawing/2014/main" id="{F8529532-A52D-7992-9AEC-B0F53E8ED919}"/>
+              </a:ext>
+            </a:extLst>
+          </p:cNvPr>
+          <p:cNvSpPr>
+            <a:spLocks noGrp="1"/>
+          </p:cNvSpPr>
+          <p:nvPr>
+            <p:ph type="title"/>
+          </p:nvPr>
+        </p:nvSpPr>
+        <p:spPr/>
+        <p:txBody>
+          <a:bodyPr/>
+          <a:lstStyle/>
+          <a:p>
+            <a:r>
+              <a:rPr lang="en-IN" dirty="0"/>
+              <a:t>EXAMPLE GCP </a:t>
+            </a:r>
+            <a:r>
+              <a:rPr lang="en-IN" dirty="0" err="1"/>
+              <a:t>K8S</a:t>
+            </a:r>
+            <a:endParaRPr lang="en-IN" dirty="0"/>
+          </a:p>
+        </p:txBody>
+      </p:sp>
+      <p:sp>
+        <p:nvSpPr>
+          <p:cNvPr id="3" name="Content Placeholder 2">
+            <a:extLst>
+              <a:ext uri="{FF2B5EF4-FFF2-40B4-BE49-F238E27FC236}">
+                <a16:creationId xmlns:a16="http://schemas.microsoft.com/office/drawing/2014/main" id="{5BF5A5ED-568D-C726-4D16-A63F8443DB50}"/>
+              </a:ext>
+            </a:extLst>
+          </p:cNvPr>
+          <p:cNvSpPr>
+            <a:spLocks noGrp="1"/>
+          </p:cNvSpPr>
+          <p:nvPr>
+            <p:ph idx="1"/>
+          </p:nvPr>
+        </p:nvSpPr>
+        <p:spPr/>
+        <p:txBody>
+          <a:bodyPr/>
+          <a:lstStyle/>
+          <a:p>
+            <a:endParaRPr lang="en-IN"/>
+          </a:p>
+        </p:txBody>
+      </p:sp>
+    </p:spTree>
+    <p:extLst>
+      <p:ext uri="{BB962C8B-B14F-4D97-AF65-F5344CB8AC3E}">
+        <p14:creationId xmlns:p14="http://schemas.microsoft.com/office/powerpoint/2010/main" val="902289991"/>
+      </p:ext>
+    </p:extLst>
+  </p:cSld>
+  <p:clrMapOvr>
+    <a:masterClrMapping/>
+  </p:clrMapOvr>
+</p:sld>
+</file>
+
+<file path=ppt/slides/slide36.xml><?xml version="1.0" encoding="utf-8"?>
+<p:sld xmlns:a="http://schemas.openxmlformats.org/drawingml/2006/main" xmlns:r="http://schemas.openxmlformats.org/officeDocument/2006/relationships" xmlns:p="http://schemas.openxmlformats.org/presentationml/2006/main">
+  <p:cSld>
+    <p:spTree>
+      <p:nvGrpSpPr>
+        <p:cNvPr id="1" name=""/>
+        <p:cNvGrpSpPr/>
+        <p:nvPr/>
+      </p:nvGrpSpPr>
+      <p:grpSpPr>
+        <a:xfrm>
+          <a:off x="0" y="0"/>
+          <a:ext cx="0" cy="0"/>
+          <a:chOff x="0" y="0"/>
+          <a:chExt cx="0" cy="0"/>
+        </a:xfrm>
+      </p:grpSpPr>
+      <p:sp>
+        <p:nvSpPr>
+          <p:cNvPr id="2" name="Title 1">
+            <a:extLst>
+              <a:ext uri="{FF2B5EF4-FFF2-40B4-BE49-F238E27FC236}">
+                <a16:creationId xmlns:a16="http://schemas.microsoft.com/office/drawing/2014/main" id="{D141664D-B53C-140F-3999-DA7806FE1D2C}"/>
+              </a:ext>
+            </a:extLst>
+          </p:cNvPr>
+          <p:cNvSpPr>
+            <a:spLocks noGrp="1"/>
+          </p:cNvSpPr>
+          <p:nvPr>
+            <p:ph type="title"/>
+          </p:nvPr>
+        </p:nvSpPr>
+        <p:spPr/>
+        <p:txBody>
+          <a:bodyPr/>
+          <a:lstStyle/>
+          <a:p>
+            <a:endParaRPr lang="en-IN"/>
+          </a:p>
+        </p:txBody>
+      </p:sp>
+      <p:sp>
+        <p:nvSpPr>
+          <p:cNvPr id="3" name="Content Placeholder 2">
+            <a:extLst>
+              <a:ext uri="{FF2B5EF4-FFF2-40B4-BE49-F238E27FC236}">
+                <a16:creationId xmlns:a16="http://schemas.microsoft.com/office/drawing/2014/main" id="{E885FA8A-B9A4-122F-5EC2-6A22C5B0BE0A}"/>
+              </a:ext>
+            </a:extLst>
+          </p:cNvPr>
+          <p:cNvSpPr>
+            <a:spLocks noGrp="1"/>
+          </p:cNvSpPr>
+          <p:nvPr>
+            <p:ph idx="1"/>
+          </p:nvPr>
+        </p:nvSpPr>
+        <p:spPr/>
+        <p:txBody>
+          <a:bodyPr/>
+          <a:lstStyle/>
+          <a:p>
+            <a:endParaRPr lang="en-IN"/>
+          </a:p>
+        </p:txBody>
+      </p:sp>
+    </p:spTree>
+    <p:extLst>
+      <p:ext uri="{BB962C8B-B14F-4D97-AF65-F5344CB8AC3E}">
+        <p14:creationId xmlns:p14="http://schemas.microsoft.com/office/powerpoint/2010/main" val="3927996149"/>
+      </p:ext>
+    </p:extLst>
+  </p:cSld>
+  <p:clrMapOvr>
+    <a:masterClrMapping/>
+  </p:clrMapOvr>
+</p:sld>
+</file>
+
+<file path=ppt/slides/slide37.xml><?xml version="1.0" encoding="utf-8"?>
+<p:sld xmlns:a="http://schemas.openxmlformats.org/drawingml/2006/main" xmlns:r="http://schemas.openxmlformats.org/officeDocument/2006/relationships" xmlns:p="http://schemas.openxmlformats.org/presentationml/2006/main">
+  <p:cSld>
+    <p:spTree>
+      <p:nvGrpSpPr>
+        <p:cNvPr id="1" name=""/>
+        <p:cNvGrpSpPr/>
+        <p:nvPr/>
+      </p:nvGrpSpPr>
+      <p:grpSpPr>
+        <a:xfrm>
+          <a:off x="0" y="0"/>
+          <a:ext cx="0" cy="0"/>
+          <a:chOff x="0" y="0"/>
+          <a:chExt cx="0" cy="0"/>
+        </a:xfrm>
+      </p:grpSpPr>
+      <p:sp>
+        <p:nvSpPr>
+          <p:cNvPr id="2" name="Title 1">
+            <a:extLst>
+              <a:ext uri="{FF2B5EF4-FFF2-40B4-BE49-F238E27FC236}">
+                <a16:creationId xmlns:a16="http://schemas.microsoft.com/office/drawing/2014/main" id="{5681DB5E-50F8-4448-F91C-BAC702A2CE04}"/>
+              </a:ext>
+            </a:extLst>
+          </p:cNvPr>
+          <p:cNvSpPr>
+            <a:spLocks noGrp="1"/>
+          </p:cNvSpPr>
+          <p:nvPr>
+            <p:ph type="title"/>
+          </p:nvPr>
+        </p:nvSpPr>
+        <p:spPr/>
+        <p:txBody>
+          <a:bodyPr/>
+          <a:lstStyle/>
+          <a:p>
+            <a:endParaRPr lang="en-IN"/>
+          </a:p>
+        </p:txBody>
+      </p:sp>
+      <p:sp>
+        <p:nvSpPr>
+          <p:cNvPr id="3" name="Content Placeholder 2">
+            <a:extLst>
+              <a:ext uri="{FF2B5EF4-FFF2-40B4-BE49-F238E27FC236}">
+                <a16:creationId xmlns:a16="http://schemas.microsoft.com/office/drawing/2014/main" id="{0B202D7B-1003-DD7D-4ABE-CF86991D12C2}"/>
+              </a:ext>
+            </a:extLst>
+          </p:cNvPr>
+          <p:cNvSpPr>
+            <a:spLocks noGrp="1"/>
+          </p:cNvSpPr>
+          <p:nvPr>
+            <p:ph idx="1"/>
+          </p:nvPr>
+        </p:nvSpPr>
+        <p:spPr/>
+        <p:txBody>
+          <a:bodyPr/>
+          <a:lstStyle/>
+          <a:p>
+            <a:endParaRPr lang="en-IN"/>
+          </a:p>
+        </p:txBody>
+      </p:sp>
+    </p:spTree>
+    <p:extLst>
+      <p:ext uri="{BB962C8B-B14F-4D97-AF65-F5344CB8AC3E}">
+        <p14:creationId xmlns:p14="http://schemas.microsoft.com/office/powerpoint/2010/main" val="552617071"/>
+      </p:ext>
+    </p:extLst>
+  </p:cSld>
+  <p:clrMapOvr>
+    <a:masterClrMapping/>
+  </p:clrMapOvr>
+</p:sld>
+</file>
+
+<file path=ppt/slides/slide38.xml><?xml version="1.0" encoding="utf-8"?>
+<p:sld xmlns:a="http://schemas.openxmlformats.org/drawingml/2006/main" xmlns:r="http://schemas.openxmlformats.org/officeDocument/2006/relationships" xmlns:p="http://schemas.openxmlformats.org/presentationml/2006/main">
+  <p:cSld>
+    <p:spTree>
+      <p:nvGrpSpPr>
+        <p:cNvPr id="1" name=""/>
+        <p:cNvGrpSpPr/>
+        <p:nvPr/>
+      </p:nvGrpSpPr>
+      <p:grpSpPr>
+        <a:xfrm>
+          <a:off x="0" y="0"/>
+          <a:ext cx="0" cy="0"/>
+          <a:chOff x="0" y="0"/>
+          <a:chExt cx="0" cy="0"/>
+        </a:xfrm>
+      </p:grpSpPr>
+      <p:sp>
+        <p:nvSpPr>
+          <p:cNvPr id="2" name="Title 1">
+            <a:extLst>
+              <a:ext uri="{FF2B5EF4-FFF2-40B4-BE49-F238E27FC236}">
+                <a16:creationId xmlns:a16="http://schemas.microsoft.com/office/drawing/2014/main" id="{5D64843D-643C-37AC-A7B0-799FE3DE7763}"/>
+              </a:ext>
+            </a:extLst>
+          </p:cNvPr>
+          <p:cNvSpPr>
+            <a:spLocks noGrp="1"/>
+          </p:cNvSpPr>
+          <p:nvPr>
+            <p:ph type="title"/>
+          </p:nvPr>
+        </p:nvSpPr>
+        <p:spPr/>
+        <p:txBody>
+          <a:bodyPr/>
+          <a:lstStyle/>
+          <a:p>
+            <a:endParaRPr lang="en-IN"/>
+          </a:p>
+        </p:txBody>
+      </p:sp>
+      <p:sp>
+        <p:nvSpPr>
+          <p:cNvPr id="3" name="Content Placeholder 2">
+            <a:extLst>
+              <a:ext uri="{FF2B5EF4-FFF2-40B4-BE49-F238E27FC236}">
+                <a16:creationId xmlns:a16="http://schemas.microsoft.com/office/drawing/2014/main" id="{F8CD6C60-99C6-3B2B-924F-EF577B35689F}"/>
+              </a:ext>
+            </a:extLst>
+          </p:cNvPr>
+          <p:cNvSpPr>
+            <a:spLocks noGrp="1"/>
+          </p:cNvSpPr>
+          <p:nvPr>
+            <p:ph idx="1"/>
+          </p:nvPr>
+        </p:nvSpPr>
+        <p:spPr/>
+        <p:txBody>
+          <a:bodyPr/>
+          <a:lstStyle/>
+          <a:p>
+            <a:endParaRPr lang="en-IN"/>
+          </a:p>
+        </p:txBody>
+      </p:sp>
+    </p:spTree>
+    <p:extLst>
+      <p:ext uri="{BB962C8B-B14F-4D97-AF65-F5344CB8AC3E}">
+        <p14:creationId xmlns:p14="http://schemas.microsoft.com/office/powerpoint/2010/main" val="1889720708"/>
+      </p:ext>
+    </p:extLst>
+  </p:cSld>
+  <p:clrMapOvr>
+    <a:masterClrMapping/>
+  </p:clrMapOvr>
+</p:sld>
+</file>
+
+<file path=ppt/slides/slide39.xml><?xml version="1.0" encoding="utf-8"?>
+<p:sld xmlns:a="http://schemas.openxmlformats.org/drawingml/2006/main" xmlns:r="http://schemas.openxmlformats.org/officeDocument/2006/relationships" xmlns:p="http://schemas.openxmlformats.org/presentationml/2006/main">
+  <p:cSld>
+    <p:spTree>
+      <p:nvGrpSpPr>
+        <p:cNvPr id="1" name=""/>
+        <p:cNvGrpSpPr/>
+        <p:nvPr/>
+      </p:nvGrpSpPr>
+      <p:grpSpPr>
+        <a:xfrm>
+          <a:off x="0" y="0"/>
+          <a:ext cx="0" cy="0"/>
+          <a:chOff x="0" y="0"/>
+          <a:chExt cx="0" cy="0"/>
+        </a:xfrm>
+      </p:grpSpPr>
+      <p:sp>
+        <p:nvSpPr>
+          <p:cNvPr id="2" name="Title 1">
+            <a:extLst>
+              <a:ext uri="{FF2B5EF4-FFF2-40B4-BE49-F238E27FC236}">
+                <a16:creationId xmlns:a16="http://schemas.microsoft.com/office/drawing/2014/main" id="{1C72D64C-10BE-A1BC-C390-1D06C12AF2D2}"/>
+              </a:ext>
+            </a:extLst>
+          </p:cNvPr>
+          <p:cNvSpPr>
+            <a:spLocks noGrp="1"/>
+          </p:cNvSpPr>
+          <p:nvPr>
+            <p:ph type="title"/>
+          </p:nvPr>
+        </p:nvSpPr>
+        <p:spPr/>
+        <p:txBody>
+          <a:bodyPr/>
+          <a:lstStyle/>
+          <a:p>
+            <a:r>
+              <a:rPr lang="en-IN" b="1" i="0" dirty="0">
+                <a:solidFill>
+                  <a:srgbClr val="2F3032"/>
+                </a:solidFill>
+                <a:effectLst/>
+                <a:latin typeface="Gilroy"/>
+              </a:rPr>
+              <a:t>Resources</a:t>
+            </a:r>
+            <a:endParaRPr lang="en-IN" dirty="0"/>
+          </a:p>
+        </p:txBody>
+      </p:sp>
+      <p:sp>
+        <p:nvSpPr>
+          <p:cNvPr id="3" name="Content Placeholder 2">
+            <a:extLst>
+              <a:ext uri="{FF2B5EF4-FFF2-40B4-BE49-F238E27FC236}">
+                <a16:creationId xmlns:a16="http://schemas.microsoft.com/office/drawing/2014/main" id="{C216665C-2824-FE25-3060-E148436D25B2}"/>
+              </a:ext>
+            </a:extLst>
+          </p:cNvPr>
+          <p:cNvSpPr>
+            <a:spLocks noGrp="1"/>
+          </p:cNvSpPr>
+          <p:nvPr>
+            <p:ph idx="1"/>
+          </p:nvPr>
+        </p:nvSpPr>
+        <p:spPr/>
+        <p:txBody>
+          <a:bodyPr/>
+          <a:lstStyle/>
+          <a:p>
+            <a:endParaRPr lang="en-IN"/>
+          </a:p>
+        </p:txBody>
+      </p:sp>
+    </p:spTree>
+    <p:extLst>
+      <p:ext uri="{BB962C8B-B14F-4D97-AF65-F5344CB8AC3E}">
+        <p14:creationId xmlns:p14="http://schemas.microsoft.com/office/powerpoint/2010/main" val="3852911669"/>
+      </p:ext>
+    </p:extLst>
+  </p:cSld>
+  <p:clrMapOvr>
+    <a:masterClrMapping/>
+  </p:clrMapOvr>
+</p:sld>
+</file>
+
+<file path=ppt/slides/slide4.xml><?xml version="1.0" encoding="utf-8"?>
+<p:sld xmlns:a="http://schemas.openxmlformats.org/drawingml/2006/main" xmlns:r="http://schemas.openxmlformats.org/officeDocument/2006/relationships" xmlns:p="http://schemas.openxmlformats.org/presentationml/2006/main">
+  <p:cSld>
+    <p:spTree>
+      <p:nvGrpSpPr>
+        <p:cNvPr id="1" name=""/>
+        <p:cNvGrpSpPr/>
+        <p:nvPr/>
+      </p:nvGrpSpPr>
+      <p:grpSpPr>
+        <a:xfrm>
+          <a:off x="0" y="0"/>
+          <a:ext cx="0" cy="0"/>
+          <a:chOff x="0" y="0"/>
+          <a:chExt cx="0" cy="0"/>
+        </a:xfrm>
+      </p:grpSpPr>
+      <p:sp>
+        <p:nvSpPr>
+          <p:cNvPr id="2" name="Title 1">
+            <a:extLst>
+              <a:ext uri="{FF2B5EF4-FFF2-40B4-BE49-F238E27FC236}">
+                <a16:creationId xmlns:a16="http://schemas.microsoft.com/office/drawing/2014/main" id="{DF803CCB-3596-BF96-813B-BFB91CDBC5CE}"/>
+              </a:ext>
+            </a:extLst>
+          </p:cNvPr>
+          <p:cNvSpPr>
+            <a:spLocks noGrp="1"/>
+          </p:cNvSpPr>
+          <p:nvPr>
+            <p:ph type="title"/>
+          </p:nvPr>
+        </p:nvSpPr>
+        <p:spPr/>
+        <p:txBody>
+          <a:bodyPr>
+            <a:normAutofit/>
+          </a:bodyPr>
+          <a:lstStyle/>
+          <a:p>
+            <a:r>
+              <a:rPr lang="en-IN" sz="4400" dirty="0"/>
+              <a:t>infrastructure - </a:t>
+            </a:r>
+            <a:r>
+              <a:rPr lang="en-IN" sz="4400" dirty="0" err="1"/>
+              <a:t>hARDWARE</a:t>
+            </a:r>
+            <a:endParaRPr lang="en-IN" sz="4400" dirty="0"/>
+          </a:p>
+        </p:txBody>
+      </p:sp>
+      <p:sp>
+        <p:nvSpPr>
+          <p:cNvPr id="3" name="Content Placeholder 2">
+            <a:extLst>
+              <a:ext uri="{FF2B5EF4-FFF2-40B4-BE49-F238E27FC236}">
+                <a16:creationId xmlns:a16="http://schemas.microsoft.com/office/drawing/2014/main" id="{B01065F6-ECBE-FF5E-9DAF-F7A7D06CDDC2}"/>
+              </a:ext>
+            </a:extLst>
+          </p:cNvPr>
+          <p:cNvSpPr>
+            <a:spLocks noGrp="1"/>
+          </p:cNvSpPr>
+          <p:nvPr>
+            <p:ph idx="1"/>
+          </p:nvPr>
+        </p:nvSpPr>
+        <p:spPr/>
+        <p:txBody>
+          <a:bodyPr/>
+          <a:lstStyle/>
+          <a:p>
+            <a:r>
+              <a:rPr lang="en-IN" dirty="0"/>
+              <a:t>Compute Machine</a:t>
+            </a:r>
+          </a:p>
+          <a:p>
+            <a:endParaRPr lang="en-IN" dirty="0"/>
+          </a:p>
+        </p:txBody>
+      </p:sp>
+      <p:pic>
+        <p:nvPicPr>
+          <p:cNvPr id="11" name="Picture 10">
+            <a:extLst>
+              <a:ext uri="{FF2B5EF4-FFF2-40B4-BE49-F238E27FC236}">
+                <a16:creationId xmlns:a16="http://schemas.microsoft.com/office/drawing/2014/main" id="{47130FB7-D27B-C46D-DEAC-4B68A316FDCC}"/>
+              </a:ext>
+            </a:extLst>
+          </p:cNvPr>
+          <p:cNvPicPr>
+            <a:picLocks noChangeAspect="1"/>
+          </p:cNvPicPr>
+          <p:nvPr/>
+        </p:nvPicPr>
+        <p:blipFill>
+          <a:blip r:embed="rId2"/>
+          <a:stretch>
+            <a:fillRect/>
+          </a:stretch>
+        </p:blipFill>
+        <p:spPr>
+          <a:xfrm>
+            <a:off x="3305175" y="2830068"/>
+            <a:ext cx="5581650" cy="3543300"/>
+          </a:xfrm>
+          <a:prstGeom prst="rect">
+            <a:avLst/>
+          </a:prstGeom>
+        </p:spPr>
+      </p:pic>
+    </p:spTree>
+    <p:extLst>
+      <p:ext uri="{BB962C8B-B14F-4D97-AF65-F5344CB8AC3E}">
+        <p14:creationId xmlns:p14="http://schemas.microsoft.com/office/powerpoint/2010/main" val="1167294500"/>
+      </p:ext>
+    </p:extLst>
+  </p:cSld>
+  <p:clrMapOvr>
+    <a:masterClrMapping/>
+  </p:clrMapOvr>
+</p:sld>
+</file>
+
+<file path=ppt/slides/slide40.xml><?xml version="1.0" encoding="utf-8"?>
+<p:sld xmlns:a="http://schemas.openxmlformats.org/drawingml/2006/main" xmlns:r="http://schemas.openxmlformats.org/officeDocument/2006/relationships" xmlns:p="http://schemas.openxmlformats.org/presentationml/2006/main">
+  <p:cSld>
+    <p:spTree>
+      <p:nvGrpSpPr>
+        <p:cNvPr id="1" name=""/>
+        <p:cNvGrpSpPr/>
+        <p:nvPr/>
+      </p:nvGrpSpPr>
+      <p:grpSpPr>
+        <a:xfrm>
+          <a:off x="0" y="0"/>
+          <a:ext cx="0" cy="0"/>
+          <a:chOff x="0" y="0"/>
+          <a:chExt cx="0" cy="0"/>
+        </a:xfrm>
+      </p:grpSpPr>
+      <p:sp>
+        <p:nvSpPr>
+          <p:cNvPr id="2" name="Title 1">
+            <a:extLst>
+              <a:ext uri="{FF2B5EF4-FFF2-40B4-BE49-F238E27FC236}">
+                <a16:creationId xmlns:a16="http://schemas.microsoft.com/office/drawing/2014/main" id="{EDD34EF4-B0FC-F021-AF56-580365891BAB}"/>
+              </a:ext>
+            </a:extLst>
+          </p:cNvPr>
+          <p:cNvSpPr>
+            <a:spLocks noGrp="1"/>
+          </p:cNvSpPr>
+          <p:nvPr>
+            <p:ph type="title"/>
+          </p:nvPr>
+        </p:nvSpPr>
+        <p:spPr/>
+        <p:txBody>
+          <a:bodyPr>
+            <a:normAutofit/>
+          </a:bodyPr>
+          <a:lstStyle/>
+          <a:p>
+            <a:r>
+              <a:rPr lang="en-IN" b="1" i="0" dirty="0">
+                <a:solidFill>
+                  <a:srgbClr val="2F3032"/>
+                </a:solidFill>
+                <a:effectLst/>
+                <a:latin typeface="Gilroy"/>
+              </a:rPr>
+              <a:t>Inputs and Outputs</a:t>
+            </a:r>
+            <a:endParaRPr lang="en-IN" dirty="0"/>
+          </a:p>
+        </p:txBody>
+      </p:sp>
+      <p:sp>
+        <p:nvSpPr>
+          <p:cNvPr id="3" name="Content Placeholder 2">
+            <a:extLst>
+              <a:ext uri="{FF2B5EF4-FFF2-40B4-BE49-F238E27FC236}">
+                <a16:creationId xmlns:a16="http://schemas.microsoft.com/office/drawing/2014/main" id="{F4E8E8E8-12A8-AD30-1E3A-E6324EE72EB4}"/>
+              </a:ext>
+            </a:extLst>
+          </p:cNvPr>
+          <p:cNvSpPr>
+            <a:spLocks noGrp="1"/>
+          </p:cNvSpPr>
+          <p:nvPr>
+            <p:ph idx="1"/>
+          </p:nvPr>
+        </p:nvSpPr>
+        <p:spPr/>
+        <p:txBody>
+          <a:bodyPr/>
+          <a:lstStyle/>
+          <a:p>
+            <a:endParaRPr lang="en-IN"/>
+          </a:p>
+        </p:txBody>
+      </p:sp>
+    </p:spTree>
+    <p:extLst>
+      <p:ext uri="{BB962C8B-B14F-4D97-AF65-F5344CB8AC3E}">
+        <p14:creationId xmlns:p14="http://schemas.microsoft.com/office/powerpoint/2010/main" val="1177409741"/>
+      </p:ext>
+    </p:extLst>
+  </p:cSld>
+  <p:clrMapOvr>
+    <a:masterClrMapping/>
+  </p:clrMapOvr>
+</p:sld>
+</file>
+
+<file path=ppt/slides/slide41.xml><?xml version="1.0" encoding="utf-8"?>
+<p:sld xmlns:a="http://schemas.openxmlformats.org/drawingml/2006/main" xmlns:r="http://schemas.openxmlformats.org/officeDocument/2006/relationships" xmlns:p="http://schemas.openxmlformats.org/presentationml/2006/main">
+  <p:cSld>
+    <p:spTree>
+      <p:nvGrpSpPr>
+        <p:cNvPr id="1" name=""/>
+        <p:cNvGrpSpPr/>
+        <p:nvPr/>
+      </p:nvGrpSpPr>
+      <p:grpSpPr>
+        <a:xfrm>
+          <a:off x="0" y="0"/>
+          <a:ext cx="0" cy="0"/>
+          <a:chOff x="0" y="0"/>
+          <a:chExt cx="0" cy="0"/>
+        </a:xfrm>
+      </p:grpSpPr>
+      <p:sp>
+        <p:nvSpPr>
+          <p:cNvPr id="2" name="Title 1">
+            <a:extLst>
+              <a:ext uri="{FF2B5EF4-FFF2-40B4-BE49-F238E27FC236}">
+                <a16:creationId xmlns:a16="http://schemas.microsoft.com/office/drawing/2014/main" id="{D86A0E34-5B8B-3BF2-959D-B61FE4963E9B}"/>
+              </a:ext>
+            </a:extLst>
+          </p:cNvPr>
+          <p:cNvSpPr>
+            <a:spLocks noGrp="1"/>
+          </p:cNvSpPr>
+          <p:nvPr>
+            <p:ph type="title"/>
+          </p:nvPr>
+        </p:nvSpPr>
+        <p:spPr/>
+        <p:txBody>
+          <a:bodyPr/>
+          <a:lstStyle/>
+          <a:p>
+            <a:r>
+              <a:rPr lang="en-IN" b="1" i="0" dirty="0">
+                <a:solidFill>
+                  <a:srgbClr val="2F3032"/>
+                </a:solidFill>
+                <a:effectLst/>
+                <a:latin typeface="Gilroy"/>
+              </a:rPr>
+              <a:t>Configuration</a:t>
+            </a:r>
+            <a:endParaRPr lang="en-IN" dirty="0"/>
+          </a:p>
+        </p:txBody>
+      </p:sp>
+      <p:sp>
+        <p:nvSpPr>
+          <p:cNvPr id="3" name="Content Placeholder 2">
+            <a:extLst>
+              <a:ext uri="{FF2B5EF4-FFF2-40B4-BE49-F238E27FC236}">
+                <a16:creationId xmlns:a16="http://schemas.microsoft.com/office/drawing/2014/main" id="{4F543E55-9C4E-C90F-E5F0-83AB40796C3C}"/>
+              </a:ext>
+            </a:extLst>
+          </p:cNvPr>
+          <p:cNvSpPr>
+            <a:spLocks noGrp="1"/>
+          </p:cNvSpPr>
+          <p:nvPr>
+            <p:ph idx="1"/>
+          </p:nvPr>
+        </p:nvSpPr>
+        <p:spPr/>
+        <p:txBody>
+          <a:bodyPr/>
+          <a:lstStyle/>
+          <a:p>
+            <a:endParaRPr lang="en-IN" dirty="0"/>
+          </a:p>
+        </p:txBody>
+      </p:sp>
+      <p:pic>
+        <p:nvPicPr>
+          <p:cNvPr id="5" name="Picture 4">
+            <a:extLst>
+              <a:ext uri="{FF2B5EF4-FFF2-40B4-BE49-F238E27FC236}">
+                <a16:creationId xmlns:a16="http://schemas.microsoft.com/office/drawing/2014/main" id="{829A94D9-6018-0AC1-D543-C6A81985DE9A}"/>
+              </a:ext>
+            </a:extLst>
+          </p:cNvPr>
+          <p:cNvPicPr>
+            <a:picLocks noChangeAspect="1"/>
+          </p:cNvPicPr>
+          <p:nvPr/>
+        </p:nvPicPr>
+        <p:blipFill>
+          <a:blip r:embed="rId2"/>
+          <a:stretch>
+            <a:fillRect/>
+          </a:stretch>
+        </p:blipFill>
+        <p:spPr>
+          <a:xfrm>
+            <a:off x="1692808" y="2652259"/>
+            <a:ext cx="2762636" cy="647790"/>
+          </a:xfrm>
+          <a:prstGeom prst="rect">
+            <a:avLst/>
+          </a:prstGeom>
+        </p:spPr>
+      </p:pic>
+    </p:spTree>
+    <p:extLst>
+      <p:ext uri="{BB962C8B-B14F-4D97-AF65-F5344CB8AC3E}">
+        <p14:creationId xmlns:p14="http://schemas.microsoft.com/office/powerpoint/2010/main" val="593934382"/>
+      </p:ext>
+    </p:extLst>
+  </p:cSld>
+  <p:clrMapOvr>
+    <a:masterClrMapping/>
+  </p:clrMapOvr>
+</p:sld>
+</file>
+
+<file path=ppt/slides/slide42.xml><?xml version="1.0" encoding="utf-8"?>
+<p:sld xmlns:a="http://schemas.openxmlformats.org/drawingml/2006/main" xmlns:r="http://schemas.openxmlformats.org/officeDocument/2006/relationships" xmlns:p="http://schemas.openxmlformats.org/presentationml/2006/main">
+  <p:cSld>
+    <p:spTree>
+      <p:nvGrpSpPr>
+        <p:cNvPr id="1" name=""/>
+        <p:cNvGrpSpPr/>
+        <p:nvPr/>
+      </p:nvGrpSpPr>
+      <p:grpSpPr>
+        <a:xfrm>
+          <a:off x="0" y="0"/>
+          <a:ext cx="0" cy="0"/>
+          <a:chOff x="0" y="0"/>
+          <a:chExt cx="0" cy="0"/>
+        </a:xfrm>
+      </p:grpSpPr>
+      <p:sp>
+        <p:nvSpPr>
+          <p:cNvPr id="2" name="Title 1">
+            <a:extLst>
+              <a:ext uri="{FF2B5EF4-FFF2-40B4-BE49-F238E27FC236}">
+                <a16:creationId xmlns:a16="http://schemas.microsoft.com/office/drawing/2014/main" id="{5F47E39B-D000-2571-BD07-7E81A8E6B0F1}"/>
+              </a:ext>
+            </a:extLst>
+          </p:cNvPr>
+          <p:cNvSpPr>
+            <a:spLocks noGrp="1"/>
+          </p:cNvSpPr>
+          <p:nvPr>
+            <p:ph type="title"/>
+          </p:nvPr>
+        </p:nvSpPr>
+        <p:spPr/>
+        <p:txBody>
+          <a:bodyPr/>
+          <a:lstStyle/>
+          <a:p>
+            <a:r>
+              <a:rPr lang="en-IN" b="1" i="0" dirty="0">
+                <a:solidFill>
+                  <a:srgbClr val="2F3032"/>
+                </a:solidFill>
+                <a:effectLst/>
+                <a:latin typeface="Gilroy"/>
+              </a:rPr>
+              <a:t>Secrets</a:t>
+            </a:r>
+            <a:endParaRPr lang="en-IN" dirty="0"/>
+          </a:p>
+        </p:txBody>
+      </p:sp>
+      <p:pic>
+        <p:nvPicPr>
+          <p:cNvPr id="5" name="Content Placeholder 4">
+            <a:extLst>
+              <a:ext uri="{FF2B5EF4-FFF2-40B4-BE49-F238E27FC236}">
+                <a16:creationId xmlns:a16="http://schemas.microsoft.com/office/drawing/2014/main" id="{B7DF117E-4EB0-921E-8B59-57D3D45C61EE}"/>
+              </a:ext>
+            </a:extLst>
+          </p:cNvPr>
+          <p:cNvPicPr>
+            <a:picLocks noGrp="1" noChangeAspect="1"/>
+          </p:cNvPicPr>
+          <p:nvPr>
+            <p:ph idx="1"/>
+          </p:nvPr>
+        </p:nvPicPr>
+        <p:blipFill>
+          <a:blip r:embed="rId2"/>
+          <a:stretch>
+            <a:fillRect/>
+          </a:stretch>
+        </p:blipFill>
+        <p:spPr>
+          <a:xfrm>
+            <a:off x="1358902" y="1927265"/>
+            <a:ext cx="3210373" cy="333422"/>
+          </a:xfrm>
+        </p:spPr>
+      </p:pic>
+      <p:pic>
+        <p:nvPicPr>
+          <p:cNvPr id="7" name="Picture 6">
+            <a:extLst>
+              <a:ext uri="{FF2B5EF4-FFF2-40B4-BE49-F238E27FC236}">
+                <a16:creationId xmlns:a16="http://schemas.microsoft.com/office/drawing/2014/main" id="{0D68F1EE-60B4-1BF7-7FBC-D40E34AE4025}"/>
+              </a:ext>
+            </a:extLst>
+          </p:cNvPr>
+          <p:cNvPicPr>
+            <a:picLocks noChangeAspect="1"/>
+          </p:cNvPicPr>
+          <p:nvPr/>
+        </p:nvPicPr>
+        <p:blipFill>
+          <a:blip r:embed="rId3"/>
+          <a:stretch>
+            <a:fillRect/>
+          </a:stretch>
+        </p:blipFill>
+        <p:spPr>
+          <a:xfrm>
+            <a:off x="1967079" y="2636371"/>
+            <a:ext cx="5401429" cy="1066949"/>
+          </a:xfrm>
+          <a:prstGeom prst="rect">
+            <a:avLst/>
+          </a:prstGeom>
+        </p:spPr>
+      </p:pic>
+    </p:spTree>
+    <p:extLst>
+      <p:ext uri="{BB962C8B-B14F-4D97-AF65-F5344CB8AC3E}">
+        <p14:creationId xmlns:p14="http://schemas.microsoft.com/office/powerpoint/2010/main" val="3370216728"/>
+      </p:ext>
+    </p:extLst>
+  </p:cSld>
+  <p:clrMapOvr>
+    <a:masterClrMapping/>
+  </p:clrMapOvr>
+</p:sld>
+</file>
+
+<file path=ppt/slides/slide43.xml><?xml version="1.0" encoding="utf-8"?>
+<p:sld xmlns:a="http://schemas.openxmlformats.org/drawingml/2006/main" xmlns:r="http://schemas.openxmlformats.org/officeDocument/2006/relationships" xmlns:p="http://schemas.openxmlformats.org/presentationml/2006/main">
+  <p:cSld>
+    <p:spTree>
+      <p:nvGrpSpPr>
+        <p:cNvPr id="1" name=""/>
+        <p:cNvGrpSpPr/>
+        <p:nvPr/>
+      </p:nvGrpSpPr>
+      <p:grpSpPr>
+        <a:xfrm>
+          <a:off x="0" y="0"/>
+          <a:ext cx="0" cy="0"/>
+          <a:chOff x="0" y="0"/>
+          <a:chExt cx="0" cy="0"/>
+        </a:xfrm>
+      </p:grpSpPr>
+      <p:sp>
+        <p:nvSpPr>
+          <p:cNvPr id="2" name="Title 1">
+            <a:extLst>
+              <a:ext uri="{FF2B5EF4-FFF2-40B4-BE49-F238E27FC236}">
+                <a16:creationId xmlns:a16="http://schemas.microsoft.com/office/drawing/2014/main" id="{A926ADF1-A2C2-2546-8219-BBC5F7C9BE6A}"/>
+              </a:ext>
+            </a:extLst>
+          </p:cNvPr>
+          <p:cNvSpPr>
+            <a:spLocks noGrp="1"/>
+          </p:cNvSpPr>
+          <p:nvPr>
+            <p:ph type="title"/>
+          </p:nvPr>
+        </p:nvSpPr>
+        <p:spPr/>
+        <p:txBody>
+          <a:bodyPr>
+            <a:normAutofit/>
+          </a:bodyPr>
+          <a:lstStyle/>
+          <a:p>
+            <a:r>
+              <a:rPr lang="en-IN" b="1" i="0" dirty="0">
+                <a:solidFill>
+                  <a:srgbClr val="2F3032"/>
+                </a:solidFill>
+                <a:effectLst/>
+                <a:latin typeface="Gilroy"/>
+              </a:rPr>
+              <a:t>Assets and Archives</a:t>
+            </a:r>
+            <a:endParaRPr lang="en-IN" dirty="0"/>
+          </a:p>
+        </p:txBody>
+      </p:sp>
+      <p:pic>
+        <p:nvPicPr>
+          <p:cNvPr id="7" name="Content Placeholder 6">
+            <a:extLst>
+              <a:ext uri="{FF2B5EF4-FFF2-40B4-BE49-F238E27FC236}">
+                <a16:creationId xmlns:a16="http://schemas.microsoft.com/office/drawing/2014/main" id="{A1313B62-85A0-12DE-8948-D59F352F4A63}"/>
+              </a:ext>
+            </a:extLst>
+          </p:cNvPr>
+          <p:cNvPicPr>
+            <a:picLocks noGrp="1" noChangeAspect="1"/>
+          </p:cNvPicPr>
+          <p:nvPr>
+            <p:ph idx="1"/>
+          </p:nvPr>
+        </p:nvPicPr>
+        <p:blipFill>
+          <a:blip r:embed="rId2"/>
+          <a:stretch>
+            <a:fillRect/>
+          </a:stretch>
+        </p:blipFill>
+        <p:spPr>
+          <a:xfrm>
+            <a:off x="6712048" y="2093976"/>
+            <a:ext cx="5688858" cy="4051300"/>
+          </a:xfrm>
+        </p:spPr>
+      </p:pic>
+      <p:pic>
+        <p:nvPicPr>
+          <p:cNvPr id="5" name="Picture 4">
+            <a:extLst>
+              <a:ext uri="{FF2B5EF4-FFF2-40B4-BE49-F238E27FC236}">
+                <a16:creationId xmlns:a16="http://schemas.microsoft.com/office/drawing/2014/main" id="{F00A2482-4D00-AD73-F4B2-AF202FD8BFDF}"/>
+              </a:ext>
+            </a:extLst>
+          </p:cNvPr>
+          <p:cNvPicPr>
+            <a:picLocks noChangeAspect="1"/>
+          </p:cNvPicPr>
+          <p:nvPr/>
+        </p:nvPicPr>
+        <p:blipFill>
+          <a:blip r:embed="rId3"/>
+          <a:stretch>
+            <a:fillRect/>
+          </a:stretch>
+        </p:blipFill>
+        <p:spPr>
+          <a:xfrm>
+            <a:off x="794937" y="2009290"/>
+            <a:ext cx="5725324" cy="3048425"/>
+          </a:xfrm>
+          <a:prstGeom prst="rect">
+            <a:avLst/>
+          </a:prstGeom>
+        </p:spPr>
+      </p:pic>
+      <p:pic>
+        <p:nvPicPr>
+          <p:cNvPr id="9" name="Picture 8">
+            <a:extLst>
+              <a:ext uri="{FF2B5EF4-FFF2-40B4-BE49-F238E27FC236}">
+                <a16:creationId xmlns:a16="http://schemas.microsoft.com/office/drawing/2014/main" id="{5526E969-96C8-0837-551E-C2DD701CC6EC}"/>
+              </a:ext>
+            </a:extLst>
+          </p:cNvPr>
+          <p:cNvPicPr>
+            <a:picLocks noChangeAspect="1"/>
+          </p:cNvPicPr>
+          <p:nvPr/>
+        </p:nvPicPr>
+        <p:blipFill>
+          <a:blip r:embed="rId4"/>
+          <a:stretch>
+            <a:fillRect/>
+          </a:stretch>
+        </p:blipFill>
+        <p:spPr>
+          <a:xfrm>
+            <a:off x="1782162" y="5172476"/>
+            <a:ext cx="3419952" cy="1409897"/>
+          </a:xfrm>
+          <a:prstGeom prst="rect">
+            <a:avLst/>
+          </a:prstGeom>
+        </p:spPr>
+      </p:pic>
+    </p:spTree>
+    <p:extLst>
+      <p:ext uri="{BB962C8B-B14F-4D97-AF65-F5344CB8AC3E}">
+        <p14:creationId xmlns:p14="http://schemas.microsoft.com/office/powerpoint/2010/main" val="4119417315"/>
+      </p:ext>
+    </p:extLst>
+  </p:cSld>
+  <p:clrMapOvr>
+    <a:masterClrMapping/>
+  </p:clrMapOvr>
+</p:sld>
+</file>
+
+<file path=ppt/slides/slide44.xml><?xml version="1.0" encoding="utf-8"?>
+<p:sld xmlns:a="http://schemas.openxmlformats.org/drawingml/2006/main" xmlns:r="http://schemas.openxmlformats.org/officeDocument/2006/relationships" xmlns:p="http://schemas.openxmlformats.org/presentationml/2006/main">
+  <p:cSld>
+    <p:spTree>
+      <p:nvGrpSpPr>
+        <p:cNvPr id="1" name=""/>
+        <p:cNvGrpSpPr/>
+        <p:nvPr/>
+      </p:nvGrpSpPr>
+      <p:grpSpPr>
+        <a:xfrm>
+          <a:off x="0" y="0"/>
+          <a:ext cx="0" cy="0"/>
+          <a:chOff x="0" y="0"/>
+          <a:chExt cx="0" cy="0"/>
+        </a:xfrm>
+      </p:grpSpPr>
+      <p:sp>
+        <p:nvSpPr>
+          <p:cNvPr id="2" name="Title 1">
+            <a:extLst>
+              <a:ext uri="{FF2B5EF4-FFF2-40B4-BE49-F238E27FC236}">
+                <a16:creationId xmlns:a16="http://schemas.microsoft.com/office/drawing/2014/main" id="{FFF69E81-EA4E-C0AB-F7C4-54F32D2D163D}"/>
+              </a:ext>
+            </a:extLst>
+          </p:cNvPr>
+          <p:cNvSpPr>
+            <a:spLocks noGrp="1"/>
+          </p:cNvSpPr>
+          <p:nvPr>
+            <p:ph type="title"/>
+          </p:nvPr>
+        </p:nvSpPr>
+        <p:spPr/>
+        <p:txBody>
+          <a:bodyPr>
+            <a:normAutofit/>
+          </a:bodyPr>
+          <a:lstStyle/>
+          <a:p>
+            <a:pPr algn="l"/>
+            <a:r>
+              <a:rPr lang="en-IN" dirty="0"/>
+              <a:t>In-line code -Function Serialization</a:t>
+            </a:r>
+          </a:p>
+        </p:txBody>
+      </p:sp>
+      <p:sp>
+        <p:nvSpPr>
+          <p:cNvPr id="3" name="Content Placeholder 2">
+            <a:extLst>
+              <a:ext uri="{FF2B5EF4-FFF2-40B4-BE49-F238E27FC236}">
+                <a16:creationId xmlns:a16="http://schemas.microsoft.com/office/drawing/2014/main" id="{9F7838D8-013F-93A9-F7BF-F8B3C13687D8}"/>
+              </a:ext>
+            </a:extLst>
+          </p:cNvPr>
+          <p:cNvSpPr>
+            <a:spLocks noGrp="1"/>
+          </p:cNvSpPr>
+          <p:nvPr>
+            <p:ph idx="1"/>
+          </p:nvPr>
+        </p:nvSpPr>
+        <p:spPr/>
+        <p:txBody>
+          <a:bodyPr/>
+          <a:lstStyle/>
+          <a:p>
+            <a:endParaRPr lang="en-IN" dirty="0"/>
+          </a:p>
+        </p:txBody>
+      </p:sp>
+      <p:pic>
+        <p:nvPicPr>
+          <p:cNvPr id="5" name="Picture 4">
+            <a:extLst>
+              <a:ext uri="{FF2B5EF4-FFF2-40B4-BE49-F238E27FC236}">
+                <a16:creationId xmlns:a16="http://schemas.microsoft.com/office/drawing/2014/main" id="{92E191B5-843A-9DA4-6E75-7F2CEE953411}"/>
+              </a:ext>
+            </a:extLst>
+          </p:cNvPr>
+          <p:cNvPicPr>
+            <a:picLocks noChangeAspect="1"/>
+          </p:cNvPicPr>
+          <p:nvPr/>
+        </p:nvPicPr>
+        <p:blipFill>
+          <a:blip r:embed="rId2"/>
+          <a:stretch>
+            <a:fillRect/>
+          </a:stretch>
+        </p:blipFill>
+        <p:spPr>
+          <a:xfrm>
+            <a:off x="1833080" y="2648558"/>
+            <a:ext cx="4972744" cy="1038370"/>
+          </a:xfrm>
+          <a:prstGeom prst="rect">
+            <a:avLst/>
+          </a:prstGeom>
+        </p:spPr>
+      </p:pic>
+    </p:spTree>
+    <p:extLst>
+      <p:ext uri="{BB962C8B-B14F-4D97-AF65-F5344CB8AC3E}">
+        <p14:creationId xmlns:p14="http://schemas.microsoft.com/office/powerpoint/2010/main" val="580939510"/>
+      </p:ext>
+    </p:extLst>
+  </p:cSld>
+  <p:clrMapOvr>
+    <a:masterClrMapping/>
+  </p:clrMapOvr>
+</p:sld>
+</file>
+
+<file path=ppt/slides/slide45.xml><?xml version="1.0" encoding="utf-8"?>
+<p:sld xmlns:a="http://schemas.openxmlformats.org/drawingml/2006/main" xmlns:r="http://schemas.openxmlformats.org/officeDocument/2006/relationships" xmlns:p="http://schemas.openxmlformats.org/presentationml/2006/main">
+  <p:cSld>
+    <p:spTree>
+      <p:nvGrpSpPr>
+        <p:cNvPr id="1" name=""/>
+        <p:cNvGrpSpPr/>
+        <p:nvPr/>
+      </p:nvGrpSpPr>
+      <p:grpSpPr>
+        <a:xfrm>
+          <a:off x="0" y="0"/>
+          <a:ext cx="0" cy="0"/>
+          <a:chOff x="0" y="0"/>
+          <a:chExt cx="0" cy="0"/>
+        </a:xfrm>
+      </p:grpSpPr>
+      <p:sp>
+        <p:nvSpPr>
+          <p:cNvPr id="2" name="Title 1">
+            <a:extLst>
+              <a:ext uri="{FF2B5EF4-FFF2-40B4-BE49-F238E27FC236}">
+                <a16:creationId xmlns:a16="http://schemas.microsoft.com/office/drawing/2014/main" id="{664A96F1-A4CC-7B5A-364C-62824A248893}"/>
+              </a:ext>
+            </a:extLst>
+          </p:cNvPr>
+          <p:cNvSpPr>
+            <a:spLocks noGrp="1"/>
+          </p:cNvSpPr>
+          <p:nvPr>
+            <p:ph type="title"/>
+          </p:nvPr>
+        </p:nvSpPr>
+        <p:spPr/>
+        <p:txBody>
+          <a:bodyPr/>
+          <a:lstStyle/>
+          <a:p>
+            <a:r>
+              <a:rPr lang="en-IN" dirty="0"/>
+              <a:t>Creating Docker images</a:t>
+            </a:r>
+          </a:p>
+        </p:txBody>
+      </p:sp>
+      <p:sp>
+        <p:nvSpPr>
+          <p:cNvPr id="3" name="Content Placeholder 2">
+            <a:extLst>
+              <a:ext uri="{FF2B5EF4-FFF2-40B4-BE49-F238E27FC236}">
+                <a16:creationId xmlns:a16="http://schemas.microsoft.com/office/drawing/2014/main" id="{7C2113BC-0DEC-1915-DB9E-CF9E049FEC2D}"/>
+              </a:ext>
+            </a:extLst>
+          </p:cNvPr>
+          <p:cNvSpPr>
+            <a:spLocks noGrp="1"/>
+          </p:cNvSpPr>
+          <p:nvPr>
+            <p:ph idx="1"/>
+          </p:nvPr>
+        </p:nvSpPr>
+        <p:spPr/>
+        <p:txBody>
+          <a:bodyPr/>
+          <a:lstStyle/>
+          <a:p>
+            <a:endParaRPr lang="en-IN" dirty="0"/>
+          </a:p>
+        </p:txBody>
+      </p:sp>
+    </p:spTree>
+    <p:extLst>
+      <p:ext uri="{BB962C8B-B14F-4D97-AF65-F5344CB8AC3E}">
+        <p14:creationId xmlns:p14="http://schemas.microsoft.com/office/powerpoint/2010/main" val="159416646"/>
+      </p:ext>
+    </p:extLst>
+  </p:cSld>
+  <p:clrMapOvr>
+    <a:masterClrMapping/>
+  </p:clrMapOvr>
+</p:sld>
+</file>
+
+<file path=ppt/slides/slide46.xml><?xml version="1.0" encoding="utf-8"?>
 <p:sld xmlns:a="http://schemas.openxmlformats.org/drawingml/2006/main" xmlns:r="http://schemas.openxmlformats.org/officeDocument/2006/relationships" xmlns:p="http://schemas.openxmlformats.org/presentationml/2006/main">
   <p:cSld>
     <p:spTree>
@@ -12567,7 +14739,7 @@
 </p:sld>
 </file>
 
-<file path=ppt/slides/slide35.xml><?xml version="1.0" encoding="utf-8"?>
+<file path=ppt/slides/slide47.xml><?xml version="1.0" encoding="utf-8"?>
 <p:sld xmlns:a="http://schemas.openxmlformats.org/drawingml/2006/main" xmlns:r="http://schemas.openxmlformats.org/officeDocument/2006/relationships" xmlns:p="http://schemas.openxmlformats.org/presentationml/2006/main">
   <p:cSld>
     <p:spTree>
@@ -12677,7 +14849,7 @@
 </p:sld>
 </file>
 
-<file path=ppt/slides/slide4.xml><?xml version="1.0" encoding="utf-8"?>
+<file path=ppt/slides/slide48.xml><?xml version="1.0" encoding="utf-8"?>
 <p:sld xmlns:a="http://schemas.openxmlformats.org/drawingml/2006/main" xmlns:r="http://schemas.openxmlformats.org/officeDocument/2006/relationships" xmlns:p="http://schemas.openxmlformats.org/presentationml/2006/main">
   <p:cSld>
     <p:spTree>
@@ -12699,7 +14871,7 @@
           <p:cNvPr id="2" name="Title 1">
             <a:extLst>
               <a:ext uri="{FF2B5EF4-FFF2-40B4-BE49-F238E27FC236}">
-                <a16:creationId xmlns:a16="http://schemas.microsoft.com/office/drawing/2014/main" id="{DF803CCB-3596-BF96-813B-BFB91CDBC5CE}"/>
+                <a16:creationId xmlns:a16="http://schemas.microsoft.com/office/drawing/2014/main" id="{706654B1-2AF4-50FF-E1BC-660EDC5A8AD6}"/>
               </a:ext>
             </a:extLst>
           </p:cNvPr>
@@ -12715,10 +14887,7 @@
           <a:bodyPr/>
           <a:lstStyle/>
           <a:p>
-            <a:r>
-              <a:rPr lang="en-IN" dirty="0"/>
-              <a:t>What is infra</a:t>
-            </a:r>
+            <a:endParaRPr lang="en-IN"/>
           </a:p>
         </p:txBody>
       </p:sp>
@@ -12727,7 +14896,7 @@
           <p:cNvPr id="3" name="Content Placeholder 2">
             <a:extLst>
               <a:ext uri="{FF2B5EF4-FFF2-40B4-BE49-F238E27FC236}">
-                <a16:creationId xmlns:a16="http://schemas.microsoft.com/office/drawing/2014/main" id="{B01065F6-ECBE-FF5E-9DAF-F7A7D06CDDC2}"/>
+                <a16:creationId xmlns:a16="http://schemas.microsoft.com/office/drawing/2014/main" id="{098D20A6-81D8-CC1B-8337-05E15CD6BDAC}"/>
               </a:ext>
             </a:extLst>
           </p:cNvPr>
@@ -12743,13 +14912,19 @@
           <a:bodyPr/>
           <a:lstStyle/>
           <a:p>
-            <a:r>
-              <a:rPr lang="en-IN"/>
-              <a:t>Compute Machine</a:t>
-            </a:r>
-            <a:endParaRPr lang="en-IN" dirty="0"/>
-          </a:p>
-          <a:p>
+            <a:pPr algn="l"/>
+            <a:r>
+              <a:rPr lang="en-US" sz="1800" b="0" i="0" u="none" strike="noStrike" baseline="0" dirty="0">
+                <a:latin typeface="Panton-Regular"/>
+              </a:rPr>
+              <a:t>the state of the machine drifts from the baseline due to </a:t>
+            </a:r>
+            <a:r>
+              <a:rPr lang="en-IN" sz="1800" b="0" i="0" u="none" strike="noStrike" baseline="0" dirty="0">
+                <a:latin typeface="Panton-Regular"/>
+              </a:rPr>
+              <a:t>manual changes and updates</a:t>
+            </a:r>
             <a:endParaRPr lang="en-IN" dirty="0"/>
           </a:p>
         </p:txBody>
@@ -12757,7 +14932,105 @@
     </p:spTree>
     <p:extLst>
       <p:ext uri="{BB962C8B-B14F-4D97-AF65-F5344CB8AC3E}">
-        <p14:creationId xmlns:p14="http://schemas.microsoft.com/office/powerpoint/2010/main" val="1167294500"/>
+        <p14:creationId xmlns:p14="http://schemas.microsoft.com/office/powerpoint/2010/main" val="688101467"/>
+      </p:ext>
+    </p:extLst>
+  </p:cSld>
+  <p:clrMapOvr>
+    <a:masterClrMapping/>
+  </p:clrMapOvr>
+</p:sld>
+</file>
+
+<file path=ppt/slides/slide49.xml><?xml version="1.0" encoding="utf-8"?>
+<p:sld xmlns:a="http://schemas.openxmlformats.org/drawingml/2006/main" xmlns:r="http://schemas.openxmlformats.org/officeDocument/2006/relationships" xmlns:p="http://schemas.openxmlformats.org/presentationml/2006/main">
+  <p:cSld>
+    <p:spTree>
+      <p:nvGrpSpPr>
+        <p:cNvPr id="1" name=""/>
+        <p:cNvGrpSpPr/>
+        <p:nvPr/>
+      </p:nvGrpSpPr>
+      <p:grpSpPr>
+        <a:xfrm>
+          <a:off x="0" y="0"/>
+          <a:ext cx="0" cy="0"/>
+          <a:chOff x="0" y="0"/>
+          <a:chExt cx="0" cy="0"/>
+        </a:xfrm>
+      </p:grpSpPr>
+      <p:sp>
+        <p:nvSpPr>
+          <p:cNvPr id="2" name="Title 1">
+            <a:extLst>
+              <a:ext uri="{FF2B5EF4-FFF2-40B4-BE49-F238E27FC236}">
+                <a16:creationId xmlns:a16="http://schemas.microsoft.com/office/drawing/2014/main" id="{4244EA81-93C5-A96D-493E-BCFB13584F18}"/>
+              </a:ext>
+            </a:extLst>
+          </p:cNvPr>
+          <p:cNvSpPr>
+            <a:spLocks noGrp="1"/>
+          </p:cNvSpPr>
+          <p:nvPr>
+            <p:ph type="title"/>
+          </p:nvPr>
+        </p:nvSpPr>
+        <p:spPr/>
+        <p:txBody>
+          <a:bodyPr/>
+          <a:lstStyle/>
+          <a:p>
+            <a:endParaRPr lang="en-IN"/>
+          </a:p>
+        </p:txBody>
+      </p:sp>
+      <p:sp>
+        <p:nvSpPr>
+          <p:cNvPr id="3" name="Content Placeholder 2">
+            <a:extLst>
+              <a:ext uri="{FF2B5EF4-FFF2-40B4-BE49-F238E27FC236}">
+                <a16:creationId xmlns:a16="http://schemas.microsoft.com/office/drawing/2014/main" id="{26B31A73-F0FC-34BC-01DB-9BA655300B89}"/>
+              </a:ext>
+            </a:extLst>
+          </p:cNvPr>
+          <p:cNvSpPr>
+            <a:spLocks noGrp="1"/>
+          </p:cNvSpPr>
+          <p:nvPr>
+            <p:ph idx="1"/>
+          </p:nvPr>
+        </p:nvSpPr>
+        <p:spPr/>
+        <p:txBody>
+          <a:bodyPr/>
+          <a:lstStyle/>
+          <a:p>
+            <a:r>
+              <a:rPr lang="en-US" sz="1800" b="0" i="0" u="none" strike="noStrike" baseline="0" dirty="0">
+                <a:latin typeface="Panton-Regular"/>
+              </a:rPr>
+              <a:t>A Stack defines the State</a:t>
+            </a:r>
+          </a:p>
+          <a:p>
+            <a:r>
+              <a:rPr lang="en-IN" b="0" i="0" dirty="0">
+                <a:solidFill>
+                  <a:srgbClr val="2F3032"/>
+                </a:solidFill>
+                <a:effectLst/>
+                <a:latin typeface="Inter"/>
+              </a:rPr>
+              <a:t> micro-stacks.</a:t>
+            </a:r>
+            <a:endParaRPr lang="en-IN" dirty="0"/>
+          </a:p>
+        </p:txBody>
+      </p:sp>
+    </p:spTree>
+    <p:extLst>
+      <p:ext uri="{BB962C8B-B14F-4D97-AF65-F5344CB8AC3E}">
+        <p14:creationId xmlns:p14="http://schemas.microsoft.com/office/powerpoint/2010/main" val="2091928224"/>
       </p:ext>
     </p:extLst>
   </p:cSld>
@@ -12768,6 +15041,214 @@
 </file>
 
 <file path=ppt/slides/slide5.xml><?xml version="1.0" encoding="utf-8"?>
+<p:sld xmlns:a="http://schemas.openxmlformats.org/drawingml/2006/main" xmlns:r="http://schemas.openxmlformats.org/officeDocument/2006/relationships" xmlns:p="http://schemas.openxmlformats.org/presentationml/2006/main">
+  <p:cSld>
+    <p:spTree>
+      <p:nvGrpSpPr>
+        <p:cNvPr id="1" name=""/>
+        <p:cNvGrpSpPr/>
+        <p:nvPr/>
+      </p:nvGrpSpPr>
+      <p:grpSpPr>
+        <a:xfrm>
+          <a:off x="0" y="0"/>
+          <a:ext cx="0" cy="0"/>
+          <a:chOff x="0" y="0"/>
+          <a:chExt cx="0" cy="0"/>
+        </a:xfrm>
+      </p:grpSpPr>
+      <p:pic>
+        <p:nvPicPr>
+          <p:cNvPr id="4" name="Picture 3">
+            <a:extLst>
+              <a:ext uri="{FF2B5EF4-FFF2-40B4-BE49-F238E27FC236}">
+                <a16:creationId xmlns:a16="http://schemas.microsoft.com/office/drawing/2014/main" id="{875B38E2-6D88-80B7-F6F9-179799FC7F05}"/>
+              </a:ext>
+            </a:extLst>
+          </p:cNvPr>
+          <p:cNvPicPr>
+            <a:picLocks noChangeAspect="1"/>
+          </p:cNvPicPr>
+          <p:nvPr/>
+        </p:nvPicPr>
+        <p:blipFill>
+          <a:blip r:embed="rId2"/>
+          <a:stretch>
+            <a:fillRect/>
+          </a:stretch>
+        </p:blipFill>
+        <p:spPr>
+          <a:xfrm>
+            <a:off x="2699209" y="2168166"/>
+            <a:ext cx="5829300" cy="3785844"/>
+          </a:xfrm>
+          <a:prstGeom prst="rect">
+            <a:avLst/>
+          </a:prstGeom>
+        </p:spPr>
+      </p:pic>
+      <p:sp>
+        <p:nvSpPr>
+          <p:cNvPr id="5" name="Title 4">
+            <a:extLst>
+              <a:ext uri="{FF2B5EF4-FFF2-40B4-BE49-F238E27FC236}">
+                <a16:creationId xmlns:a16="http://schemas.microsoft.com/office/drawing/2014/main" id="{044AC2E1-B53D-B261-096D-A6D4DE385E84}"/>
+              </a:ext>
+            </a:extLst>
+          </p:cNvPr>
+          <p:cNvSpPr>
+            <a:spLocks noGrp="1"/>
+          </p:cNvSpPr>
+          <p:nvPr>
+            <p:ph type="title"/>
+          </p:nvPr>
+        </p:nvSpPr>
+        <p:spPr/>
+        <p:txBody>
+          <a:bodyPr/>
+          <a:lstStyle/>
+          <a:p>
+            <a:r>
+              <a:rPr lang="en-IN" sz="5400" dirty="0"/>
+              <a:t>infrastructure – OPERATIONS</a:t>
+            </a:r>
+            <a:endParaRPr lang="en-IN" dirty="0"/>
+          </a:p>
+        </p:txBody>
+      </p:sp>
+    </p:spTree>
+    <p:extLst>
+      <p:ext uri="{BB962C8B-B14F-4D97-AF65-F5344CB8AC3E}">
+        <p14:creationId xmlns:p14="http://schemas.microsoft.com/office/powerpoint/2010/main" val="1562078091"/>
+      </p:ext>
+    </p:extLst>
+  </p:cSld>
+  <p:clrMapOvr>
+    <a:masterClrMapping/>
+  </p:clrMapOvr>
+</p:sld>
+</file>
+
+<file path=ppt/slides/slide6.xml><?xml version="1.0" encoding="utf-8"?>
+<p:sld xmlns:a="http://schemas.openxmlformats.org/drawingml/2006/main" xmlns:r="http://schemas.openxmlformats.org/officeDocument/2006/relationships" xmlns:p="http://schemas.openxmlformats.org/presentationml/2006/main">
+  <p:cSld>
+    <p:spTree>
+      <p:nvGrpSpPr>
+        <p:cNvPr id="1" name=""/>
+        <p:cNvGrpSpPr/>
+        <p:nvPr/>
+      </p:nvGrpSpPr>
+      <p:grpSpPr>
+        <a:xfrm>
+          <a:off x="0" y="0"/>
+          <a:ext cx="0" cy="0"/>
+          <a:chOff x="0" y="0"/>
+          <a:chExt cx="0" cy="0"/>
+        </a:xfrm>
+      </p:grpSpPr>
+      <p:sp>
+        <p:nvSpPr>
+          <p:cNvPr id="3" name="Title 4">
+            <a:extLst>
+              <a:ext uri="{FF2B5EF4-FFF2-40B4-BE49-F238E27FC236}">
+                <a16:creationId xmlns:a16="http://schemas.microsoft.com/office/drawing/2014/main" id="{B6DAB608-5C41-BABB-35D4-BD041B6598D0}"/>
+              </a:ext>
+            </a:extLst>
+          </p:cNvPr>
+          <p:cNvSpPr txBox="1">
+            <a:spLocks/>
+          </p:cNvSpPr>
+          <p:nvPr/>
+        </p:nvSpPr>
+        <p:spPr>
+          <a:xfrm>
+            <a:off x="1069848" y="484632"/>
+            <a:ext cx="10058400" cy="1609344"/>
+          </a:xfrm>
+          <a:prstGeom prst="rect">
+            <a:avLst/>
+          </a:prstGeom>
+        </p:spPr>
+        <p:txBody>
+          <a:bodyPr/>
+          <a:lstStyle>
+            <a:lvl1pPr algn="l" defTabSz="914400" rtl="0" eaLnBrk="1" latinLnBrk="0" hangingPunct="1">
+              <a:lnSpc>
+                <a:spcPct val="90000"/>
+              </a:lnSpc>
+              <a:spcBef>
+                <a:spcPct val="0"/>
+              </a:spcBef>
+              <a:buNone/>
+              <a:defRPr sz="5400" kern="1200" cap="all" baseline="0">
+                <a:blipFill>
+                  <a:blip r:embed="rId2">
+                    <a:extLst>
+                      <a:ext uri="{28A0092B-C50C-407E-A947-70E740481C1C}">
+                        <a14:useLocalDpi xmlns:a14="http://schemas.microsoft.com/office/drawing/2010/main" val="0"/>
+                      </a:ext>
+                    </a:extLst>
+                  </a:blip>
+                  <a:tile tx="6350" ty="-127000" sx="65000" sy="64000" flip="none" algn="tl"/>
+                </a:blipFill>
+                <a:latin typeface="+mj-lt"/>
+                <a:ea typeface="+mj-ea"/>
+                <a:cs typeface="+mj-cs"/>
+              </a:defRPr>
+            </a:lvl1pPr>
+          </a:lstStyle>
+          <a:p>
+            <a:r>
+              <a:rPr lang="en-IN" dirty="0"/>
+              <a:t>Cloud infrastructure</a:t>
+            </a:r>
+          </a:p>
+        </p:txBody>
+      </p:sp>
+      <p:pic>
+        <p:nvPicPr>
+          <p:cNvPr id="5" name="Picture 4">
+            <a:extLst>
+              <a:ext uri="{FF2B5EF4-FFF2-40B4-BE49-F238E27FC236}">
+                <a16:creationId xmlns:a16="http://schemas.microsoft.com/office/drawing/2014/main" id="{7CFB3353-BE98-46DB-F99C-AF02F3B64B5C}"/>
+              </a:ext>
+            </a:extLst>
+          </p:cNvPr>
+          <p:cNvPicPr>
+            <a:picLocks noChangeAspect="1"/>
+          </p:cNvPicPr>
+          <p:nvPr/>
+        </p:nvPicPr>
+        <p:blipFill>
+          <a:blip r:embed="rId3"/>
+          <a:stretch>
+            <a:fillRect/>
+          </a:stretch>
+        </p:blipFill>
+        <p:spPr>
+          <a:xfrm>
+            <a:off x="2907629" y="1582293"/>
+            <a:ext cx="4981575" cy="4791075"/>
+          </a:xfrm>
+          <a:prstGeom prst="rect">
+            <a:avLst/>
+          </a:prstGeom>
+        </p:spPr>
+      </p:pic>
+    </p:spTree>
+    <p:extLst>
+      <p:ext uri="{BB962C8B-B14F-4D97-AF65-F5344CB8AC3E}">
+        <p14:creationId xmlns:p14="http://schemas.microsoft.com/office/powerpoint/2010/main" val="2661111390"/>
+      </p:ext>
+    </p:extLst>
+  </p:cSld>
+  <p:clrMapOvr>
+    <a:masterClrMapping/>
+  </p:clrMapOvr>
+</p:sld>
+</file>
+
+<file path=ppt/slides/slide7.xml><?xml version="1.0" encoding="utf-8"?>
 <p:sld xmlns:a="http://schemas.openxmlformats.org/drawingml/2006/main" xmlns:r="http://schemas.openxmlformats.org/officeDocument/2006/relationships" xmlns:p="http://schemas.openxmlformats.org/presentationml/2006/main">
   <p:cSld>
     <p:spTree>
@@ -12860,7 +15341,7 @@
                 </a:solidFill>
                 <a:effectLst/>
               </a:rPr>
-              <a:t>Software engineering practices made for the cloud</a:t>
+              <a:t>Software coding practices made for the cloud</a:t>
             </a:r>
           </a:p>
           <a:p>
@@ -12868,7 +15349,7 @@
               <a:rPr lang="en-US" b="0" i="0" dirty="0">
                 <a:effectLst/>
               </a:rPr>
-              <a:t>Apply standard software engineering practices and tools uniformly across infrastructure, development, and compliance teams to tame the complexity of delivering and managing modern cloud applications.</a:t>
+              <a:t>Apply standard software engineering practices and tools uniformly across infrastructure, development, and compliance teams to tame the complexity of delivering and managing modern cloud deployed solutions.</a:t>
             </a:r>
           </a:p>
           <a:p>
@@ -12876,208 +15357,209 @@
           </a:p>
         </p:txBody>
       </p:sp>
+      <p:pic>
+        <p:nvPicPr>
+          <p:cNvPr id="4" name="Picture 3">
+            <a:extLst>
+              <a:ext uri="{FF2B5EF4-FFF2-40B4-BE49-F238E27FC236}">
+                <a16:creationId xmlns:a16="http://schemas.microsoft.com/office/drawing/2014/main" id="{A8B45EAF-BDF3-7C37-F049-4676B2960D4B}"/>
+              </a:ext>
+            </a:extLst>
+          </p:cNvPr>
+          <p:cNvPicPr>
+            <a:picLocks noChangeAspect="1"/>
+          </p:cNvPicPr>
+          <p:nvPr/>
+        </p:nvPicPr>
+        <p:blipFill>
+          <a:blip r:embed="rId2"/>
+          <a:stretch>
+            <a:fillRect/>
+          </a:stretch>
+        </p:blipFill>
+        <p:spPr>
+          <a:xfrm>
+            <a:off x="6216679" y="3714162"/>
+            <a:ext cx="4392311" cy="2852590"/>
+          </a:xfrm>
+          <a:prstGeom prst="rect">
+            <a:avLst/>
+          </a:prstGeom>
+        </p:spPr>
+      </p:pic>
+      <p:pic>
+        <p:nvPicPr>
+          <p:cNvPr id="6" name="Picture 5">
+            <a:extLst>
+              <a:ext uri="{FF2B5EF4-FFF2-40B4-BE49-F238E27FC236}">
+                <a16:creationId xmlns:a16="http://schemas.microsoft.com/office/drawing/2014/main" id="{5D37B415-9F88-D8B0-B722-68CB3230ABA2}"/>
+              </a:ext>
+            </a:extLst>
+          </p:cNvPr>
+          <p:cNvPicPr>
+            <a:picLocks noChangeAspect="1"/>
+          </p:cNvPicPr>
+          <p:nvPr/>
+        </p:nvPicPr>
+        <p:blipFill>
+          <a:blip r:embed="rId3"/>
+          <a:stretch>
+            <a:fillRect/>
+          </a:stretch>
+        </p:blipFill>
+        <p:spPr>
+          <a:xfrm>
+            <a:off x="1155864" y="3766830"/>
+            <a:ext cx="4099867" cy="2602646"/>
+          </a:xfrm>
+          <a:prstGeom prst="rect">
+            <a:avLst/>
+          </a:prstGeom>
+        </p:spPr>
+      </p:pic>
+      <p:sp>
+        <p:nvSpPr>
+          <p:cNvPr id="10" name="TextBox 9">
+            <a:extLst>
+              <a:ext uri="{FF2B5EF4-FFF2-40B4-BE49-F238E27FC236}">
+                <a16:creationId xmlns:a16="http://schemas.microsoft.com/office/drawing/2014/main" id="{DF8D7CBD-8B0F-73B0-BEB3-414CBCE1A5E8}"/>
+              </a:ext>
+            </a:extLst>
+          </p:cNvPr>
+          <p:cNvSpPr txBox="1"/>
+          <p:nvPr/>
+        </p:nvSpPr>
+        <p:spPr>
+          <a:xfrm>
+            <a:off x="1063752" y="1174779"/>
+            <a:ext cx="4021994" cy="7786747"/>
+          </a:xfrm>
+          <a:prstGeom prst="rect">
+            <a:avLst/>
+          </a:prstGeom>
+          <a:noFill/>
+        </p:spPr>
+        <p:txBody>
+          <a:bodyPr wrap="square">
+            <a:spAutoFit/>
+          </a:bodyPr>
+          <a:lstStyle/>
+          <a:p>
+            <a:r>
+              <a:rPr lang="en-US" sz="50000" b="0" i="0" dirty="0">
+                <a:solidFill>
+                  <a:schemeClr val="accent6"/>
+                </a:solidFill>
+                <a:effectLst/>
+                <a:sym typeface="Wingdings" panose="05000000000000000000" pitchFamily="2" charset="2"/>
+              </a:rPr>
+              <a:t></a:t>
+            </a:r>
+            <a:endParaRPr lang="en-IN" sz="50000" dirty="0">
+              <a:solidFill>
+                <a:schemeClr val="accent6"/>
+              </a:solidFill>
+            </a:endParaRPr>
+          </a:p>
+        </p:txBody>
+      </p:sp>
+      <p:sp>
+        <p:nvSpPr>
+          <p:cNvPr id="12" name="TextBox 11">
+            <a:extLst>
+              <a:ext uri="{FF2B5EF4-FFF2-40B4-BE49-F238E27FC236}">
+                <a16:creationId xmlns:a16="http://schemas.microsoft.com/office/drawing/2014/main" id="{7206F584-6979-C86F-E3AE-12DEC78FD8E9}"/>
+              </a:ext>
+            </a:extLst>
+          </p:cNvPr>
+          <p:cNvSpPr txBox="1"/>
+          <p:nvPr/>
+        </p:nvSpPr>
+        <p:spPr>
+          <a:xfrm>
+            <a:off x="6582421" y="1247083"/>
+            <a:ext cx="4631844" cy="7786747"/>
+          </a:xfrm>
+          <a:prstGeom prst="rect">
+            <a:avLst/>
+          </a:prstGeom>
+          <a:noFill/>
+        </p:spPr>
+        <p:txBody>
+          <a:bodyPr wrap="square">
+            <a:spAutoFit/>
+          </a:bodyPr>
+          <a:lstStyle/>
+          <a:p>
+            <a:r>
+              <a:rPr lang="en-US" sz="50000" b="0" i="0" dirty="0">
+                <a:solidFill>
+                  <a:schemeClr val="accent6"/>
+                </a:solidFill>
+                <a:effectLst/>
+                <a:sym typeface="Wingdings" panose="05000000000000000000" pitchFamily="2" charset="2"/>
+              </a:rPr>
+              <a:t></a:t>
+            </a:r>
+            <a:endParaRPr lang="en-IN" sz="50000" dirty="0">
+              <a:solidFill>
+                <a:schemeClr val="accent6"/>
+              </a:solidFill>
+            </a:endParaRPr>
+          </a:p>
+        </p:txBody>
+      </p:sp>
+      <p:pic>
+        <p:nvPicPr>
+          <p:cNvPr id="2058" name="Picture 10" descr="9 Places You Can Learn How to Code (for Free) | Inc.com">
+            <a:extLst>
+              <a:ext uri="{FF2B5EF4-FFF2-40B4-BE49-F238E27FC236}">
+                <a16:creationId xmlns:a16="http://schemas.microsoft.com/office/drawing/2014/main" id="{7F7D2CBE-DBC7-F8FD-F044-FF0DAA8E016F}"/>
+              </a:ext>
+            </a:extLst>
+          </p:cNvPr>
+          <p:cNvPicPr>
+            <a:picLocks noChangeAspect="1" noChangeArrowheads="1"/>
+          </p:cNvPicPr>
+          <p:nvPr/>
+        </p:nvPicPr>
+        <p:blipFill>
+          <a:blip r:embed="rId4">
+            <a:extLst>
+              <a:ext uri="{28A0092B-C50C-407E-A947-70E740481C1C}">
+                <a14:useLocalDpi xmlns:a14="http://schemas.microsoft.com/office/drawing/2010/main" val="0"/>
+              </a:ext>
+            </a:extLst>
+          </a:blip>
+          <a:srcRect/>
+          <a:stretch>
+            <a:fillRect/>
+          </a:stretch>
+        </p:blipFill>
+        <p:spPr bwMode="auto">
+          <a:xfrm>
+            <a:off x="9017308" y="374679"/>
+            <a:ext cx="2857500" cy="1600200"/>
+          </a:xfrm>
+          <a:prstGeom prst="rect">
+            <a:avLst/>
+          </a:prstGeom>
+          <a:noFill/>
+          <a:extLst>
+            <a:ext uri="{909E8E84-426E-40DD-AFC4-6F175D3DCCD1}">
+              <a14:hiddenFill xmlns:a14="http://schemas.microsoft.com/office/drawing/2010/main">
+                <a:solidFill>
+                  <a:srgbClr val="FFFFFF"/>
+                </a:solidFill>
+              </a14:hiddenFill>
+            </a:ext>
+          </a:extLst>
+        </p:spPr>
+      </p:pic>
     </p:spTree>
     <p:extLst>
       <p:ext uri="{BB962C8B-B14F-4D97-AF65-F5344CB8AC3E}">
         <p14:creationId xmlns:p14="http://schemas.microsoft.com/office/powerpoint/2010/main" val="2565436656"/>
-      </p:ext>
-    </p:extLst>
-  </p:cSld>
-  <p:clrMapOvr>
-    <a:masterClrMapping/>
-  </p:clrMapOvr>
-</p:sld>
-</file>
-
-<file path=ppt/slides/slide6.xml><?xml version="1.0" encoding="utf-8"?>
-<p:sld xmlns:a="http://schemas.openxmlformats.org/drawingml/2006/main" xmlns:r="http://schemas.openxmlformats.org/officeDocument/2006/relationships" xmlns:p="http://schemas.openxmlformats.org/presentationml/2006/main">
-  <p:cSld>
-    <p:spTree>
-      <p:nvGrpSpPr>
-        <p:cNvPr id="1" name=""/>
-        <p:cNvGrpSpPr/>
-        <p:nvPr/>
-      </p:nvGrpSpPr>
-      <p:grpSpPr>
-        <a:xfrm>
-          <a:off x="0" y="0"/>
-          <a:ext cx="0" cy="0"/>
-          <a:chOff x="0" y="0"/>
-          <a:chExt cx="0" cy="0"/>
-        </a:xfrm>
-      </p:grpSpPr>
-      <p:sp>
-        <p:nvSpPr>
-          <p:cNvPr id="2" name="Title 1">
-            <a:extLst>
-              <a:ext uri="{FF2B5EF4-FFF2-40B4-BE49-F238E27FC236}">
-                <a16:creationId xmlns:a16="http://schemas.microsoft.com/office/drawing/2014/main" id="{706654B1-2AF4-50FF-E1BC-660EDC5A8AD6}"/>
-              </a:ext>
-            </a:extLst>
-          </p:cNvPr>
-          <p:cNvSpPr>
-            <a:spLocks noGrp="1"/>
-          </p:cNvSpPr>
-          <p:nvPr>
-            <p:ph type="title"/>
-          </p:nvPr>
-        </p:nvSpPr>
-        <p:spPr/>
-        <p:txBody>
-          <a:bodyPr/>
-          <a:lstStyle/>
-          <a:p>
-            <a:endParaRPr lang="en-IN"/>
-          </a:p>
-        </p:txBody>
-      </p:sp>
-      <p:sp>
-        <p:nvSpPr>
-          <p:cNvPr id="3" name="Content Placeholder 2">
-            <a:extLst>
-              <a:ext uri="{FF2B5EF4-FFF2-40B4-BE49-F238E27FC236}">
-                <a16:creationId xmlns:a16="http://schemas.microsoft.com/office/drawing/2014/main" id="{098D20A6-81D8-CC1B-8337-05E15CD6BDAC}"/>
-              </a:ext>
-            </a:extLst>
-          </p:cNvPr>
-          <p:cNvSpPr>
-            <a:spLocks noGrp="1"/>
-          </p:cNvSpPr>
-          <p:nvPr>
-            <p:ph idx="1"/>
-          </p:nvPr>
-        </p:nvSpPr>
-        <p:spPr/>
-        <p:txBody>
-          <a:bodyPr/>
-          <a:lstStyle/>
-          <a:p>
-            <a:pPr algn="l"/>
-            <a:r>
-              <a:rPr lang="en-US" sz="1800" b="0" i="0" u="none" strike="noStrike" baseline="0" dirty="0">
-                <a:latin typeface="Panton-Regular"/>
-              </a:rPr>
-              <a:t>the state of the machine drifts from the baseline due to </a:t>
-            </a:r>
-            <a:r>
-              <a:rPr lang="en-IN" sz="1800" b="0" i="0" u="none" strike="noStrike" baseline="0" dirty="0">
-                <a:latin typeface="Panton-Regular"/>
-              </a:rPr>
-              <a:t>manual changes and updates</a:t>
-            </a:r>
-            <a:endParaRPr lang="en-IN" dirty="0"/>
-          </a:p>
-        </p:txBody>
-      </p:sp>
-    </p:spTree>
-    <p:extLst>
-      <p:ext uri="{BB962C8B-B14F-4D97-AF65-F5344CB8AC3E}">
-        <p14:creationId xmlns:p14="http://schemas.microsoft.com/office/powerpoint/2010/main" val="688101467"/>
-      </p:ext>
-    </p:extLst>
-  </p:cSld>
-  <p:clrMapOvr>
-    <a:masterClrMapping/>
-  </p:clrMapOvr>
-</p:sld>
-</file>
-
-<file path=ppt/slides/slide7.xml><?xml version="1.0" encoding="utf-8"?>
-<p:sld xmlns:a="http://schemas.openxmlformats.org/drawingml/2006/main" xmlns:r="http://schemas.openxmlformats.org/officeDocument/2006/relationships" xmlns:p="http://schemas.openxmlformats.org/presentationml/2006/main">
-  <p:cSld>
-    <p:spTree>
-      <p:nvGrpSpPr>
-        <p:cNvPr id="1" name=""/>
-        <p:cNvGrpSpPr/>
-        <p:nvPr/>
-      </p:nvGrpSpPr>
-      <p:grpSpPr>
-        <a:xfrm>
-          <a:off x="0" y="0"/>
-          <a:ext cx="0" cy="0"/>
-          <a:chOff x="0" y="0"/>
-          <a:chExt cx="0" cy="0"/>
-        </a:xfrm>
-      </p:grpSpPr>
-      <p:sp>
-        <p:nvSpPr>
-          <p:cNvPr id="2" name="Title 1">
-            <a:extLst>
-              <a:ext uri="{FF2B5EF4-FFF2-40B4-BE49-F238E27FC236}">
-                <a16:creationId xmlns:a16="http://schemas.microsoft.com/office/drawing/2014/main" id="{9D34A5A0-FA96-D6BD-7519-BC8A954D8C05}"/>
-              </a:ext>
-            </a:extLst>
-          </p:cNvPr>
-          <p:cNvSpPr>
-            <a:spLocks noGrp="1"/>
-          </p:cNvSpPr>
-          <p:nvPr>
-            <p:ph type="title"/>
-          </p:nvPr>
-        </p:nvSpPr>
-        <p:spPr/>
-        <p:txBody>
-          <a:bodyPr>
-            <a:normAutofit/>
-          </a:bodyPr>
-          <a:lstStyle/>
-          <a:p>
-            <a:r>
-              <a:rPr lang="en-IN" dirty="0" err="1"/>
-              <a:t>C</a:t>
-            </a:r>
-            <a:r>
-              <a:rPr lang="en-IN" cap="none" dirty="0" err="1"/>
-              <a:t>a</a:t>
-            </a:r>
-            <a:r>
-              <a:rPr lang="en-IN" dirty="0" err="1"/>
-              <a:t>C</a:t>
-            </a:r>
-            <a:r>
-              <a:rPr lang="en-IN" dirty="0"/>
-              <a:t> - Configuration </a:t>
-            </a:r>
-            <a:r>
-              <a:rPr lang="en-IN" cap="none" dirty="0"/>
-              <a:t>as</a:t>
-            </a:r>
-            <a:r>
-              <a:rPr lang="en-IN" dirty="0"/>
-              <a:t> Code</a:t>
-            </a:r>
-          </a:p>
-        </p:txBody>
-      </p:sp>
-      <p:sp>
-        <p:nvSpPr>
-          <p:cNvPr id="3" name="Content Placeholder 2">
-            <a:extLst>
-              <a:ext uri="{FF2B5EF4-FFF2-40B4-BE49-F238E27FC236}">
-                <a16:creationId xmlns:a16="http://schemas.microsoft.com/office/drawing/2014/main" id="{DF97AA3A-0CAB-68EA-010E-F8F202105702}"/>
-              </a:ext>
-            </a:extLst>
-          </p:cNvPr>
-          <p:cNvSpPr>
-            <a:spLocks noGrp="1"/>
-          </p:cNvSpPr>
-          <p:nvPr>
-            <p:ph idx="1"/>
-          </p:nvPr>
-        </p:nvSpPr>
-        <p:spPr/>
-        <p:txBody>
-          <a:bodyPr/>
-          <a:lstStyle/>
-          <a:p>
-            <a:endParaRPr lang="en-IN" dirty="0"/>
-          </a:p>
-        </p:txBody>
-      </p:sp>
-    </p:spTree>
-    <p:extLst>
-      <p:ext uri="{BB962C8B-B14F-4D97-AF65-F5344CB8AC3E}">
-        <p14:creationId xmlns:p14="http://schemas.microsoft.com/office/powerpoint/2010/main" val="3133171663"/>
       </p:ext>
     </p:extLst>
   </p:cSld>
@@ -13127,7 +15609,7 @@
           <a:p>
             <a:r>
               <a:rPr lang="en-IN" dirty="0"/>
-              <a:t>provisioning</a:t>
+              <a:t>Procurement/provisioning</a:t>
             </a:r>
           </a:p>
         </p:txBody>
@@ -13153,7 +15635,169 @@
           <a:bodyPr/>
           <a:lstStyle/>
           <a:p>
-            <a:endParaRPr lang="en-IN"/>
+            <a:r>
+              <a:rPr lang="en-IN" dirty="0"/>
+              <a:t>10 – </a:t>
+            </a:r>
+            <a:r>
+              <a:rPr lang="en-IN" dirty="0" err="1"/>
+              <a:t>I9</a:t>
+            </a:r>
+            <a:r>
+              <a:rPr lang="en-IN" dirty="0"/>
+              <a:t> Machines</a:t>
+            </a:r>
+          </a:p>
+          <a:p>
+            <a:r>
+              <a:rPr lang="en-IN" dirty="0"/>
+              <a:t>128 GB ROM</a:t>
+            </a:r>
+          </a:p>
+          <a:p>
+            <a:r>
+              <a:rPr lang="en-IN" dirty="0"/>
+              <a:t>4 TB HDD</a:t>
+            </a:r>
+          </a:p>
+          <a:p>
+            <a:r>
+              <a:rPr lang="en-IN" dirty="0"/>
+              <a:t>2 GPU</a:t>
+            </a:r>
+          </a:p>
+          <a:p>
+            <a:r>
+              <a:rPr lang="en-IN" dirty="0"/>
+              <a:t>FTTH with speed 1 </a:t>
+            </a:r>
+            <a:r>
+              <a:rPr lang="en-IN" dirty="0" err="1"/>
+              <a:t>gbps</a:t>
+            </a:r>
+            <a:endParaRPr lang="en-IN" dirty="0"/>
+          </a:p>
+          <a:p>
+            <a:endParaRPr lang="en-IN" dirty="0"/>
+          </a:p>
+          <a:p>
+            <a:endParaRPr lang="en-IN" dirty="0"/>
+          </a:p>
+          <a:p>
+            <a:endParaRPr lang="en-IN" dirty="0"/>
+          </a:p>
+        </p:txBody>
+      </p:sp>
+      <p:sp>
+        <p:nvSpPr>
+          <p:cNvPr id="4" name="TextBox 3">
+            <a:extLst>
+              <a:ext uri="{FF2B5EF4-FFF2-40B4-BE49-F238E27FC236}">
+                <a16:creationId xmlns:a16="http://schemas.microsoft.com/office/drawing/2014/main" id="{AE44A6B6-2D50-D382-1BCE-FE97BC37B50D}"/>
+              </a:ext>
+            </a:extLst>
+          </p:cNvPr>
+          <p:cNvSpPr txBox="1"/>
+          <p:nvPr/>
+        </p:nvSpPr>
+        <p:spPr>
+          <a:xfrm>
+            <a:off x="7514312" y="4764025"/>
+            <a:ext cx="4119155" cy="923330"/>
+          </a:xfrm>
+          <a:prstGeom prst="rect">
+            <a:avLst/>
+          </a:prstGeom>
+          <a:noFill/>
+        </p:spPr>
+        <p:txBody>
+          <a:bodyPr wrap="square" rtlCol="0">
+            <a:spAutoFit/>
+          </a:bodyPr>
+          <a:lstStyle/>
+          <a:p>
+            <a:pPr marL="342900" indent="-342900">
+              <a:buFont typeface="+mj-lt"/>
+              <a:buAutoNum type="arabicPeriod"/>
+            </a:pPr>
+            <a:r>
+              <a:rPr lang="en-IN" dirty="0"/>
+              <a:t>Virtual Machines – </a:t>
+            </a:r>
+            <a:r>
+              <a:rPr lang="en-IN" dirty="0" err="1"/>
+              <a:t>VMs</a:t>
+            </a:r>
+            <a:endParaRPr lang="en-IN" dirty="0"/>
+          </a:p>
+          <a:p>
+            <a:pPr marL="342900" indent="-342900">
+              <a:buFont typeface="+mj-lt"/>
+              <a:buAutoNum type="arabicPeriod"/>
+            </a:pPr>
+            <a:r>
+              <a:rPr lang="en-IN" dirty="0"/>
+              <a:t>Docker Containers</a:t>
+            </a:r>
+          </a:p>
+          <a:p>
+            <a:pPr marL="342900" indent="-342900">
+              <a:buFont typeface="+mj-lt"/>
+              <a:buAutoNum type="arabicPeriod"/>
+            </a:pPr>
+            <a:r>
+              <a:rPr lang="en-IN" dirty="0"/>
+              <a:t>Serverless</a:t>
+            </a:r>
+          </a:p>
+        </p:txBody>
+      </p:sp>
+      <p:sp>
+        <p:nvSpPr>
+          <p:cNvPr id="6" name="TextBox 5">
+            <a:extLst>
+              <a:ext uri="{FF2B5EF4-FFF2-40B4-BE49-F238E27FC236}">
+                <a16:creationId xmlns:a16="http://schemas.microsoft.com/office/drawing/2014/main" id="{E051D101-802D-102B-D364-BFA94E254300}"/>
+              </a:ext>
+            </a:extLst>
+          </p:cNvPr>
+          <p:cNvSpPr txBox="1"/>
+          <p:nvPr/>
+        </p:nvSpPr>
+        <p:spPr>
+          <a:xfrm>
+            <a:off x="3488248" y="4902524"/>
+            <a:ext cx="2770510" cy="646331"/>
+          </a:xfrm>
+          <a:prstGeom prst="rect">
+            <a:avLst/>
+          </a:prstGeom>
+          <a:noFill/>
+        </p:spPr>
+        <p:txBody>
+          <a:bodyPr wrap="square">
+            <a:spAutoFit/>
+          </a:bodyPr>
+          <a:lstStyle/>
+          <a:p>
+            <a:pPr marL="342900" indent="-342900">
+              <a:buFont typeface="+mj-lt"/>
+              <a:buAutoNum type="arabicPeriod"/>
+            </a:pPr>
+            <a:r>
+              <a:rPr lang="en-IN" dirty="0"/>
+              <a:t>Hosting Providers</a:t>
+            </a:r>
+          </a:p>
+          <a:p>
+            <a:pPr marL="342900" indent="-342900">
+              <a:buFont typeface="+mj-lt"/>
+              <a:buAutoNum type="arabicPeriod"/>
+            </a:pPr>
+            <a:r>
+              <a:rPr lang="en-IN" dirty="0"/>
+              <a:t>Data Centres</a:t>
+            </a:r>
           </a:p>
         </p:txBody>
       </p:sp>
@@ -13187,63 +15831,40 @@
           <a:chExt cx="0" cy="0"/>
         </a:xfrm>
       </p:grpSpPr>
-      <p:sp>
-        <p:nvSpPr>
-          <p:cNvPr id="2" name="Title 1">
+      <p:pic>
+        <p:nvPicPr>
+          <p:cNvPr id="5" name="Picture 4">
             <a:extLst>
               <a:ext uri="{FF2B5EF4-FFF2-40B4-BE49-F238E27FC236}">
-                <a16:creationId xmlns:a16="http://schemas.microsoft.com/office/drawing/2014/main" id="{9A60C952-38CC-25EE-E945-F1F738BFC57D}"/>
+                <a16:creationId xmlns:a16="http://schemas.microsoft.com/office/drawing/2014/main" id="{B6C144E0-A16B-D3B6-D159-7C3E13D0A048}"/>
               </a:ext>
             </a:extLst>
           </p:cNvPr>
-          <p:cNvSpPr>
-            <a:spLocks noGrp="1"/>
-          </p:cNvSpPr>
-          <p:nvPr>
-            <p:ph type="title"/>
-          </p:nvPr>
-        </p:nvSpPr>
-        <p:spPr/>
-        <p:txBody>
-          <a:bodyPr/>
-          <a:lstStyle/>
-          <a:p>
-            <a:r>
-              <a:rPr lang="en-IN" dirty="0"/>
-              <a:t>configuration drift</a:t>
-            </a:r>
-          </a:p>
-        </p:txBody>
-      </p:sp>
-      <p:sp>
-        <p:nvSpPr>
-          <p:cNvPr id="3" name="Content Placeholder 2">
-            <a:extLst>
-              <a:ext uri="{FF2B5EF4-FFF2-40B4-BE49-F238E27FC236}">
-                <a16:creationId xmlns:a16="http://schemas.microsoft.com/office/drawing/2014/main" id="{0CC5E2A2-F613-9B23-E4D9-8D8B21D8C779}"/>
-              </a:ext>
-            </a:extLst>
-          </p:cNvPr>
-          <p:cNvSpPr>
-            <a:spLocks noGrp="1"/>
-          </p:cNvSpPr>
-          <p:nvPr>
-            <p:ph idx="1"/>
-          </p:nvPr>
-        </p:nvSpPr>
-        <p:spPr/>
-        <p:txBody>
-          <a:bodyPr/>
-          <a:lstStyle/>
-          <a:p>
-            <a:endParaRPr lang="en-IN" dirty="0"/>
-          </a:p>
-        </p:txBody>
-      </p:sp>
+          <p:cNvPicPr>
+            <a:picLocks noChangeAspect="1"/>
+          </p:cNvPicPr>
+          <p:nvPr/>
+        </p:nvPicPr>
+        <p:blipFill>
+          <a:blip r:embed="rId2"/>
+          <a:stretch>
+            <a:fillRect/>
+          </a:stretch>
+        </p:blipFill>
+        <p:spPr>
+          <a:xfrm>
+            <a:off x="1588163" y="0"/>
+            <a:ext cx="9015674" cy="6858000"/>
+          </a:xfrm>
+          <a:prstGeom prst="rect">
+            <a:avLst/>
+          </a:prstGeom>
+        </p:spPr>
+      </p:pic>
     </p:spTree>
     <p:extLst>
       <p:ext uri="{BB962C8B-B14F-4D97-AF65-F5344CB8AC3E}">
-        <p14:creationId xmlns:p14="http://schemas.microsoft.com/office/powerpoint/2010/main" val="3886093636"/>
+        <p14:creationId xmlns:p14="http://schemas.microsoft.com/office/powerpoint/2010/main" val="1763896788"/>
       </p:ext>
     </p:extLst>
   </p:cSld>

--- a/docs/IaC_Devopedia_Sep_2022.pptx
+++ b/docs/IaC_Devopedia_Sep_2022.pptx
@@ -13161,6 +13161,81 @@
           <a:bodyPr/>
           <a:lstStyle/>
           <a:p>
+            <a:r>
+              <a:rPr lang="en-IN" dirty="0">
+                <a:hlinkClick r:id="rId2"/>
+              </a:rPr>
+              <a:t>G:\</a:t>
+            </a:r>
+            <a:r>
+              <a:rPr lang="en-IN" dirty="0" err="1">
+                <a:hlinkClick r:id="rId2"/>
+              </a:rPr>
+              <a:t>DWork</a:t>
+            </a:r>
+            <a:r>
+              <a:rPr lang="en-IN" dirty="0">
+                <a:hlinkClick r:id="rId2"/>
+              </a:rPr>
+              <a:t>\</a:t>
+            </a:r>
+            <a:r>
+              <a:rPr lang="en-IN" dirty="0" err="1">
+                <a:hlinkClick r:id="rId2"/>
+              </a:rPr>
+              <a:t>osource</a:t>
+            </a:r>
+            <a:r>
+              <a:rPr lang="en-IN" dirty="0">
+                <a:hlinkClick r:id="rId2"/>
+              </a:rPr>
+              <a:t>\</a:t>
+            </a:r>
+            <a:r>
+              <a:rPr lang="en-IN" dirty="0" err="1">
+                <a:hlinkClick r:id="rId2"/>
+              </a:rPr>
+              <a:t>cloudc</a:t>
+            </a:r>
+            <a:r>
+              <a:rPr lang="en-IN" dirty="0">
+                <a:hlinkClick r:id="rId2"/>
+              </a:rPr>
+              <a:t>\</a:t>
+            </a:r>
+            <a:r>
+              <a:rPr lang="en-IN" dirty="0" err="1">
+                <a:hlinkClick r:id="rId2"/>
+              </a:rPr>
+              <a:t>devops</a:t>
+            </a:r>
+            <a:r>
+              <a:rPr lang="en-IN" dirty="0">
+                <a:hlinkClick r:id="rId2"/>
+              </a:rPr>
+              <a:t>\pulumi\java\</a:t>
+            </a:r>
+            <a:r>
+              <a:rPr lang="en-IN" dirty="0" err="1">
+                <a:hlinkClick r:id="rId2"/>
+              </a:rPr>
+              <a:t>aws</a:t>
+            </a:r>
+            <a:r>
+              <a:rPr lang="en-IN" dirty="0">
+                <a:hlinkClick r:id="rId2"/>
+              </a:rPr>
+              <a:t>\</a:t>
+            </a:r>
+            <a:r>
+              <a:rPr lang="en-IN" dirty="0" err="1">
+                <a:hlinkClick r:id="rId2"/>
+              </a:rPr>
+              <a:t>hw</a:t>
+            </a:r>
+            <a:endParaRPr lang="en-IN" dirty="0"/>
+          </a:p>
+          <a:p>
             <a:endParaRPr lang="en-IN" dirty="0"/>
           </a:p>
         </p:txBody>
@@ -13244,7 +13319,67 @@
           <a:bodyPr/>
           <a:lstStyle/>
           <a:p>
-            <a:endParaRPr lang="en-IN"/>
+            <a:r>
+              <a:rPr lang="en-IN" dirty="0">
+                <a:hlinkClick r:id="rId2"/>
+              </a:rPr>
+              <a:t>G:\</a:t>
+            </a:r>
+            <a:r>
+              <a:rPr lang="en-IN" dirty="0" err="1">
+                <a:hlinkClick r:id="rId2"/>
+              </a:rPr>
+              <a:t>DWork</a:t>
+            </a:r>
+            <a:r>
+              <a:rPr lang="en-IN" dirty="0">
+                <a:hlinkClick r:id="rId2"/>
+              </a:rPr>
+              <a:t>\</a:t>
+            </a:r>
+            <a:r>
+              <a:rPr lang="en-IN" dirty="0" err="1">
+                <a:hlinkClick r:id="rId2"/>
+              </a:rPr>
+              <a:t>osource</a:t>
+            </a:r>
+            <a:r>
+              <a:rPr lang="en-IN" dirty="0">
+                <a:hlinkClick r:id="rId2"/>
+              </a:rPr>
+              <a:t>\</a:t>
+            </a:r>
+            <a:r>
+              <a:rPr lang="en-IN" dirty="0" err="1">
+                <a:hlinkClick r:id="rId2"/>
+              </a:rPr>
+              <a:t>cloudc</a:t>
+            </a:r>
+            <a:r>
+              <a:rPr lang="en-IN" dirty="0">
+                <a:hlinkClick r:id="rId2"/>
+              </a:rPr>
+              <a:t>\</a:t>
+            </a:r>
+            <a:r>
+              <a:rPr lang="en-IN" dirty="0" err="1">
+                <a:hlinkClick r:id="rId2"/>
+              </a:rPr>
+              <a:t>devops</a:t>
+            </a:r>
+            <a:r>
+              <a:rPr lang="en-IN" dirty="0">
+                <a:hlinkClick r:id="rId2"/>
+              </a:rPr>
+              <a:t>\pulumi\java\gcp\</a:t>
+            </a:r>
+            <a:r>
+              <a:rPr lang="en-IN" dirty="0" err="1">
+                <a:hlinkClick r:id="rId2"/>
+              </a:rPr>
+              <a:t>hw</a:t>
+            </a:r>
+            <a:endParaRPr lang="en-IN" dirty="0"/>
           </a:p>
         </p:txBody>
       </p:sp>
@@ -13327,7 +13462,79 @@
           <a:bodyPr/>
           <a:lstStyle/>
           <a:p>
-            <a:endParaRPr lang="en-IN"/>
+            <a:r>
+              <a:rPr lang="fr-FR" dirty="0">
+                <a:hlinkClick r:id="rId2"/>
+              </a:rPr>
+              <a:t>G:\</a:t>
+            </a:r>
+            <a:r>
+              <a:rPr lang="fr-FR" dirty="0" err="1">
+                <a:hlinkClick r:id="rId2"/>
+              </a:rPr>
+              <a:t>DWork</a:t>
+            </a:r>
+            <a:r>
+              <a:rPr lang="fr-FR" dirty="0">
+                <a:hlinkClick r:id="rId2"/>
+              </a:rPr>
+              <a:t>\</a:t>
+            </a:r>
+            <a:r>
+              <a:rPr lang="fr-FR" dirty="0" err="1">
+                <a:hlinkClick r:id="rId2"/>
+              </a:rPr>
+              <a:t>osource</a:t>
+            </a:r>
+            <a:r>
+              <a:rPr lang="fr-FR" dirty="0">
+                <a:hlinkClick r:id="rId2"/>
+              </a:rPr>
+              <a:t>\</a:t>
+            </a:r>
+            <a:r>
+              <a:rPr lang="fr-FR" dirty="0" err="1">
+                <a:hlinkClick r:id="rId2"/>
+              </a:rPr>
+              <a:t>cloudc</a:t>
+            </a:r>
+            <a:r>
+              <a:rPr lang="fr-FR" dirty="0">
+                <a:hlinkClick r:id="rId2"/>
+              </a:rPr>
+              <a:t>\</a:t>
+            </a:r>
+            <a:r>
+              <a:rPr lang="fr-FR" dirty="0" err="1">
+                <a:hlinkClick r:id="rId2"/>
+              </a:rPr>
+              <a:t>devops</a:t>
+            </a:r>
+            <a:r>
+              <a:rPr lang="fr-FR" dirty="0">
+                <a:hlinkClick r:id="rId2"/>
+              </a:rPr>
+              <a:t>\</a:t>
+            </a:r>
+            <a:r>
+              <a:rPr lang="fr-FR" dirty="0" err="1">
+                <a:hlinkClick r:id="rId2"/>
+              </a:rPr>
+              <a:t>pulumi</a:t>
+            </a:r>
+            <a:r>
+              <a:rPr lang="fr-FR" dirty="0">
+                <a:hlinkClick r:id="rId2"/>
+              </a:rPr>
+              <a:t>\java\azure\</a:t>
+            </a:r>
+            <a:r>
+              <a:rPr lang="fr-FR" dirty="0" err="1">
+                <a:hlinkClick r:id="rId2"/>
+              </a:rPr>
+              <a:t>hw</a:t>
+            </a:r>
+            <a:endParaRPr lang="en-IN" dirty="0"/>
           </a:p>
         </p:txBody>
       </p:sp>

--- a/docs/IaC_Devopedia_Sep_2022.pptx
+++ b/docs/IaC_Devopedia_Sep_2022.pptx
@@ -13630,7 +13630,79 @@
           <a:bodyPr/>
           <a:lstStyle/>
           <a:p>
-            <a:endParaRPr lang="en-IN"/>
+            <a:r>
+              <a:rPr lang="en-IN" dirty="0">
+                <a:hlinkClick r:id="rId2"/>
+              </a:rPr>
+              <a:t>G:\</a:t>
+            </a:r>
+            <a:r>
+              <a:rPr lang="en-IN" dirty="0" err="1">
+                <a:hlinkClick r:id="rId2"/>
+              </a:rPr>
+              <a:t>DWork</a:t>
+            </a:r>
+            <a:r>
+              <a:rPr lang="en-IN" dirty="0">
+                <a:hlinkClick r:id="rId2"/>
+              </a:rPr>
+              <a:t>\</a:t>
+            </a:r>
+            <a:r>
+              <a:rPr lang="en-IN" dirty="0" err="1">
+                <a:hlinkClick r:id="rId2"/>
+              </a:rPr>
+              <a:t>osource</a:t>
+            </a:r>
+            <a:r>
+              <a:rPr lang="en-IN" dirty="0">
+                <a:hlinkClick r:id="rId2"/>
+              </a:rPr>
+              <a:t>\</a:t>
+            </a:r>
+            <a:r>
+              <a:rPr lang="en-IN" dirty="0" err="1">
+                <a:hlinkClick r:id="rId2"/>
+              </a:rPr>
+              <a:t>cloudc</a:t>
+            </a:r>
+            <a:r>
+              <a:rPr lang="en-IN" dirty="0">
+                <a:hlinkClick r:id="rId2"/>
+              </a:rPr>
+              <a:t>\</a:t>
+            </a:r>
+            <a:r>
+              <a:rPr lang="en-IN" dirty="0" err="1">
+                <a:hlinkClick r:id="rId2"/>
+              </a:rPr>
+              <a:t>devops</a:t>
+            </a:r>
+            <a:r>
+              <a:rPr lang="en-IN" dirty="0">
+                <a:hlinkClick r:id="rId2"/>
+              </a:rPr>
+              <a:t>\pulumi\java\</a:t>
+            </a:r>
+            <a:r>
+              <a:rPr lang="en-IN" dirty="0" err="1">
+                <a:hlinkClick r:id="rId2"/>
+              </a:rPr>
+              <a:t>aws</a:t>
+            </a:r>
+            <a:r>
+              <a:rPr lang="en-IN" dirty="0">
+                <a:hlinkClick r:id="rId2"/>
+              </a:rPr>
+              <a:t>\</a:t>
+            </a:r>
+            <a:r>
+              <a:rPr lang="en-IN" dirty="0" err="1">
+                <a:hlinkClick r:id="rId2"/>
+              </a:rPr>
+              <a:t>eks</a:t>
+            </a:r>
+            <a:endParaRPr lang="en-IN" dirty="0"/>
           </a:p>
         </p:txBody>
       </p:sp>
@@ -13718,7 +13790,67 @@
           <a:bodyPr/>
           <a:lstStyle/>
           <a:p>
-            <a:endParaRPr lang="en-IN"/>
+            <a:r>
+              <a:rPr lang="en-IN" dirty="0">
+                <a:hlinkClick r:id="rId2"/>
+              </a:rPr>
+              <a:t>G:\</a:t>
+            </a:r>
+            <a:r>
+              <a:rPr lang="en-IN" dirty="0" err="1">
+                <a:hlinkClick r:id="rId2"/>
+              </a:rPr>
+              <a:t>DWork</a:t>
+            </a:r>
+            <a:r>
+              <a:rPr lang="en-IN" dirty="0">
+                <a:hlinkClick r:id="rId2"/>
+              </a:rPr>
+              <a:t>\</a:t>
+            </a:r>
+            <a:r>
+              <a:rPr lang="en-IN" dirty="0" err="1">
+                <a:hlinkClick r:id="rId2"/>
+              </a:rPr>
+              <a:t>osource</a:t>
+            </a:r>
+            <a:r>
+              <a:rPr lang="en-IN" dirty="0">
+                <a:hlinkClick r:id="rId2"/>
+              </a:rPr>
+              <a:t>\</a:t>
+            </a:r>
+            <a:r>
+              <a:rPr lang="en-IN" dirty="0" err="1">
+                <a:hlinkClick r:id="rId2"/>
+              </a:rPr>
+              <a:t>cloudc</a:t>
+            </a:r>
+            <a:r>
+              <a:rPr lang="en-IN" dirty="0">
+                <a:hlinkClick r:id="rId2"/>
+              </a:rPr>
+              <a:t>\</a:t>
+            </a:r>
+            <a:r>
+              <a:rPr lang="en-IN" dirty="0" err="1">
+                <a:hlinkClick r:id="rId2"/>
+              </a:rPr>
+              <a:t>devops</a:t>
+            </a:r>
+            <a:r>
+              <a:rPr lang="en-IN" dirty="0">
+                <a:hlinkClick r:id="rId2"/>
+              </a:rPr>
+              <a:t>\pulumi\java\gcp\</a:t>
+            </a:r>
+            <a:r>
+              <a:rPr lang="en-IN" dirty="0" err="1">
+                <a:hlinkClick r:id="rId2"/>
+              </a:rPr>
+              <a:t>gke</a:t>
+            </a:r>
+            <a:endParaRPr lang="en-IN" dirty="0"/>
           </a:p>
         </p:txBody>
       </p:sp>

--- a/docs/IaC_Devopedia_Sep_2022.pptx
+++ b/docs/IaC_Devopedia_Sep_2022.pptx
@@ -25,35 +25,34 @@
     <p:sldId id="295" r:id="rId19"/>
     <p:sldId id="259" r:id="rId20"/>
     <p:sldId id="278" r:id="rId21"/>
-    <p:sldId id="279" r:id="rId22"/>
-    <p:sldId id="290" r:id="rId23"/>
-    <p:sldId id="296" r:id="rId24"/>
-    <p:sldId id="297" r:id="rId25"/>
-    <p:sldId id="298" r:id="rId26"/>
-    <p:sldId id="286" r:id="rId27"/>
-    <p:sldId id="264" r:id="rId28"/>
-    <p:sldId id="273" r:id="rId29"/>
-    <p:sldId id="276" r:id="rId30"/>
-    <p:sldId id="287" r:id="rId31"/>
-    <p:sldId id="299" r:id="rId32"/>
-    <p:sldId id="300" r:id="rId33"/>
-    <p:sldId id="301" r:id="rId34"/>
-    <p:sldId id="302" r:id="rId35"/>
-    <p:sldId id="305" r:id="rId36"/>
-    <p:sldId id="306" r:id="rId37"/>
-    <p:sldId id="303" r:id="rId38"/>
-    <p:sldId id="304" r:id="rId39"/>
-    <p:sldId id="280" r:id="rId40"/>
-    <p:sldId id="281" r:id="rId41"/>
-    <p:sldId id="282" r:id="rId42"/>
-    <p:sldId id="283" r:id="rId43"/>
+    <p:sldId id="283" r:id="rId22"/>
+    <p:sldId id="279" r:id="rId23"/>
+    <p:sldId id="290" r:id="rId24"/>
+    <p:sldId id="296" r:id="rId25"/>
+    <p:sldId id="297" r:id="rId26"/>
+    <p:sldId id="298" r:id="rId27"/>
+    <p:sldId id="286" r:id="rId28"/>
+    <p:sldId id="264" r:id="rId29"/>
+    <p:sldId id="273" r:id="rId30"/>
+    <p:sldId id="276" r:id="rId31"/>
+    <p:sldId id="287" r:id="rId32"/>
+    <p:sldId id="299" r:id="rId33"/>
+    <p:sldId id="300" r:id="rId34"/>
+    <p:sldId id="301" r:id="rId35"/>
+    <p:sldId id="302" r:id="rId36"/>
+    <p:sldId id="305" r:id="rId37"/>
+    <p:sldId id="306" r:id="rId38"/>
+    <p:sldId id="303" r:id="rId39"/>
+    <p:sldId id="304" r:id="rId40"/>
+    <p:sldId id="280" r:id="rId41"/>
+    <p:sldId id="281" r:id="rId42"/>
+    <p:sldId id="282" r:id="rId43"/>
     <p:sldId id="284" r:id="rId44"/>
     <p:sldId id="285" r:id="rId45"/>
     <p:sldId id="274" r:id="rId46"/>
     <p:sldId id="288" r:id="rId47"/>
-    <p:sldId id="289" r:id="rId48"/>
-    <p:sldId id="269" r:id="rId49"/>
-    <p:sldId id="265" r:id="rId50"/>
+    <p:sldId id="269" r:id="rId48"/>
+    <p:sldId id="265" r:id="rId49"/>
   </p:sldIdLst>
   <p:sldSz cx="12192000" cy="6858000"/>
   <p:notesSz cx="6858000" cy="9144000"/>
@@ -9345,7 +9344,7 @@
         </p:blipFill>
         <p:spPr>
           <a:xfrm>
-            <a:off x="6534211" y="2895525"/>
+            <a:off x="6096000" y="2015960"/>
             <a:ext cx="3543795" cy="1066949"/>
           </a:xfrm>
           <a:prstGeom prst="rect">
@@ -9367,6 +9366,130 @@
 </file>
 
 <file path=ppt/slides/slide21.xml><?xml version="1.0" encoding="utf-8"?>
+<p:sld xmlns:a="http://schemas.openxmlformats.org/drawingml/2006/main" xmlns:r="http://schemas.openxmlformats.org/officeDocument/2006/relationships" xmlns:p="http://schemas.openxmlformats.org/presentationml/2006/main">
+  <p:cSld>
+    <p:spTree>
+      <p:nvGrpSpPr>
+        <p:cNvPr id="1" name=""/>
+        <p:cNvGrpSpPr/>
+        <p:nvPr/>
+      </p:nvGrpSpPr>
+      <p:grpSpPr>
+        <a:xfrm>
+          <a:off x="0" y="0"/>
+          <a:ext cx="0" cy="0"/>
+          <a:chOff x="0" y="0"/>
+          <a:chExt cx="0" cy="0"/>
+        </a:xfrm>
+      </p:grpSpPr>
+      <p:sp>
+        <p:nvSpPr>
+          <p:cNvPr id="2" name="Title 1">
+            <a:extLst>
+              <a:ext uri="{FF2B5EF4-FFF2-40B4-BE49-F238E27FC236}">
+                <a16:creationId xmlns:a16="http://schemas.microsoft.com/office/drawing/2014/main" id="{5F47E39B-D000-2571-BD07-7E81A8E6B0F1}"/>
+              </a:ext>
+            </a:extLst>
+          </p:cNvPr>
+          <p:cNvSpPr>
+            <a:spLocks noGrp="1"/>
+          </p:cNvSpPr>
+          <p:nvPr>
+            <p:ph type="title"/>
+          </p:nvPr>
+        </p:nvSpPr>
+        <p:spPr/>
+        <p:txBody>
+          <a:bodyPr/>
+          <a:lstStyle/>
+          <a:p>
+            <a:r>
+              <a:rPr lang="en-IN" b="1" i="0" dirty="0">
+                <a:solidFill>
+                  <a:srgbClr val="2F3032"/>
+                </a:solidFill>
+                <a:effectLst/>
+                <a:latin typeface="Gilroy"/>
+              </a:rPr>
+              <a:t>Secrets</a:t>
+            </a:r>
+            <a:endParaRPr lang="en-IN" dirty="0"/>
+          </a:p>
+        </p:txBody>
+      </p:sp>
+      <p:pic>
+        <p:nvPicPr>
+          <p:cNvPr id="5" name="Content Placeholder 4">
+            <a:extLst>
+              <a:ext uri="{FF2B5EF4-FFF2-40B4-BE49-F238E27FC236}">
+                <a16:creationId xmlns:a16="http://schemas.microsoft.com/office/drawing/2014/main" id="{B7DF117E-4EB0-921E-8B59-57D3D45C61EE}"/>
+              </a:ext>
+            </a:extLst>
+          </p:cNvPr>
+          <p:cNvPicPr>
+            <a:picLocks noGrp="1" noChangeAspect="1"/>
+          </p:cNvPicPr>
+          <p:nvPr>
+            <p:ph idx="1"/>
+          </p:nvPr>
+        </p:nvPicPr>
+        <p:blipFill>
+          <a:blip r:embed="rId2"/>
+          <a:stretch>
+            <a:fillRect/>
+          </a:stretch>
+        </p:blipFill>
+        <p:spPr>
+          <a:xfrm>
+            <a:off x="1358902" y="1927265"/>
+            <a:ext cx="3210373" cy="333422"/>
+          </a:xfrm>
+        </p:spPr>
+      </p:pic>
+      <p:pic>
+        <p:nvPicPr>
+          <p:cNvPr id="7" name="Picture 6">
+            <a:extLst>
+              <a:ext uri="{FF2B5EF4-FFF2-40B4-BE49-F238E27FC236}">
+                <a16:creationId xmlns:a16="http://schemas.microsoft.com/office/drawing/2014/main" id="{0D68F1EE-60B4-1BF7-7FBC-D40E34AE4025}"/>
+              </a:ext>
+            </a:extLst>
+          </p:cNvPr>
+          <p:cNvPicPr>
+            <a:picLocks noChangeAspect="1"/>
+          </p:cNvPicPr>
+          <p:nvPr/>
+        </p:nvPicPr>
+        <p:blipFill>
+          <a:blip r:embed="rId3"/>
+          <a:stretch>
+            <a:fillRect/>
+          </a:stretch>
+        </p:blipFill>
+        <p:spPr>
+          <a:xfrm>
+            <a:off x="1967079" y="2636371"/>
+            <a:ext cx="5401429" cy="1066949"/>
+          </a:xfrm>
+          <a:prstGeom prst="rect">
+            <a:avLst/>
+          </a:prstGeom>
+        </p:spPr>
+      </p:pic>
+    </p:spTree>
+    <p:extLst>
+      <p:ext uri="{BB962C8B-B14F-4D97-AF65-F5344CB8AC3E}">
+        <p14:creationId xmlns:p14="http://schemas.microsoft.com/office/powerpoint/2010/main" val="1563727806"/>
+      </p:ext>
+    </p:extLst>
+  </p:cSld>
+  <p:clrMapOvr>
+    <a:masterClrMapping/>
+  </p:clrMapOvr>
+</p:sld>
+</file>
+
+<file path=ppt/slides/slide22.xml><?xml version="1.0" encoding="utf-8"?>
 <p:sld xmlns:a="http://schemas.openxmlformats.org/drawingml/2006/main" xmlns:r="http://schemas.openxmlformats.org/officeDocument/2006/relationships" xmlns:p="http://schemas.openxmlformats.org/presentationml/2006/main">
   <p:cSld>
     <p:spTree>
@@ -9844,7 +9967,7 @@
 </p:sld>
 </file>
 
-<file path=ppt/slides/slide22.xml><?xml version="1.0" encoding="utf-8"?>
+<file path=ppt/slides/slide23.xml><?xml version="1.0" encoding="utf-8"?>
 <p:sld xmlns:a="http://schemas.openxmlformats.org/drawingml/2006/main" xmlns:r="http://schemas.openxmlformats.org/officeDocument/2006/relationships" xmlns:p="http://schemas.openxmlformats.org/presentationml/2006/main">
   <p:cSld>
     <p:spTree>
@@ -9957,7 +10080,7 @@
 </p:sld>
 </file>
 
-<file path=ppt/slides/slide23.xml><?xml version="1.0" encoding="utf-8"?>
+<file path=ppt/slides/slide24.xml><?xml version="1.0" encoding="utf-8"?>
 <p:sld xmlns:a="http://schemas.openxmlformats.org/drawingml/2006/main" xmlns:r="http://schemas.openxmlformats.org/officeDocument/2006/relationships" xmlns:p="http://schemas.openxmlformats.org/presentationml/2006/main">
   <p:cSld>
     <p:spTree>
@@ -10067,7 +10190,7 @@
 </p:sld>
 </file>
 
-<file path=ppt/slides/slide24.xml><?xml version="1.0" encoding="utf-8"?>
+<file path=ppt/slides/slide25.xml><?xml version="1.0" encoding="utf-8"?>
 <p:sld xmlns:a="http://schemas.openxmlformats.org/drawingml/2006/main" xmlns:r="http://schemas.openxmlformats.org/officeDocument/2006/relationships" xmlns:p="http://schemas.openxmlformats.org/presentationml/2006/main">
   <p:cSld>
     <p:spTree>
@@ -10177,7 +10300,7 @@
 </p:sld>
 </file>
 
-<file path=ppt/slides/slide25.xml><?xml version="1.0" encoding="utf-8"?>
+<file path=ppt/slides/slide26.xml><?xml version="1.0" encoding="utf-8"?>
 <p:sld xmlns:a="http://schemas.openxmlformats.org/drawingml/2006/main" xmlns:r="http://schemas.openxmlformats.org/officeDocument/2006/relationships" xmlns:p="http://schemas.openxmlformats.org/presentationml/2006/main">
   <p:cSld>
     <p:spTree>
@@ -10287,7 +10410,7 @@
 </p:sld>
 </file>
 
-<file path=ppt/slides/slide26.xml><?xml version="1.0" encoding="utf-8"?>
+<file path=ppt/slides/slide27.xml><?xml version="1.0" encoding="utf-8"?>
 <p:sld xmlns:a="http://schemas.openxmlformats.org/drawingml/2006/main" xmlns:r="http://schemas.openxmlformats.org/officeDocument/2006/relationships" xmlns:p="http://schemas.openxmlformats.org/presentationml/2006/main">
   <p:cSld>
     <p:spTree>
@@ -10375,7 +10498,7 @@
 </p:sld>
 </file>
 
-<file path=ppt/slides/slide27.xml><?xml version="1.0" encoding="utf-8"?>
+<file path=ppt/slides/slide28.xml><?xml version="1.0" encoding="utf-8"?>
 <p:sld xmlns:a="http://schemas.openxmlformats.org/drawingml/2006/main" xmlns:r="http://schemas.openxmlformats.org/officeDocument/2006/relationships" xmlns:p="http://schemas.openxmlformats.org/presentationml/2006/main">
   <p:cSld>
     <p:spTree>
@@ -10682,7 +10805,7 @@
 </p:sld>
 </file>
 
-<file path=ppt/slides/slide28.xml><?xml version="1.0" encoding="utf-8"?>
+<file path=ppt/slides/slide29.xml><?xml version="1.0" encoding="utf-8"?>
 <p:sld xmlns:a="http://schemas.openxmlformats.org/drawingml/2006/main" xmlns:r="http://schemas.openxmlformats.org/officeDocument/2006/relationships" xmlns:p="http://schemas.openxmlformats.org/presentationml/2006/main">
   <p:cSld>
     <p:spTree>
@@ -12586,318 +12709,6 @@
 </p:sld>
 </file>
 
-<file path=ppt/slides/slide29.xml><?xml version="1.0" encoding="utf-8"?>
-<p:sld xmlns:a="http://schemas.openxmlformats.org/drawingml/2006/main" xmlns:r="http://schemas.openxmlformats.org/officeDocument/2006/relationships" xmlns:p="http://schemas.openxmlformats.org/presentationml/2006/main">
-  <p:cSld>
-    <p:spTree>
-      <p:nvGrpSpPr>
-        <p:cNvPr id="1" name=""/>
-        <p:cNvGrpSpPr/>
-        <p:nvPr/>
-      </p:nvGrpSpPr>
-      <p:grpSpPr>
-        <a:xfrm>
-          <a:off x="0" y="0"/>
-          <a:ext cx="0" cy="0"/>
-          <a:chOff x="0" y="0"/>
-          <a:chExt cx="0" cy="0"/>
-        </a:xfrm>
-      </p:grpSpPr>
-      <p:sp>
-        <p:nvSpPr>
-          <p:cNvPr id="2" name="Title 1">
-            <a:extLst>
-              <a:ext uri="{FF2B5EF4-FFF2-40B4-BE49-F238E27FC236}">
-                <a16:creationId xmlns:a16="http://schemas.microsoft.com/office/drawing/2014/main" id="{12989A19-6CD0-7038-364A-57E0E302BAF6}"/>
-              </a:ext>
-            </a:extLst>
-          </p:cNvPr>
-          <p:cNvSpPr>
-            <a:spLocks noGrp="1"/>
-          </p:cNvSpPr>
-          <p:nvPr>
-            <p:ph type="title"/>
-          </p:nvPr>
-        </p:nvSpPr>
-        <p:spPr/>
-        <p:txBody>
-          <a:bodyPr/>
-          <a:lstStyle/>
-          <a:p>
-            <a:r>
-              <a:rPr lang="en-IN" dirty="0"/>
-              <a:t>marketplace - Pulumi Registry</a:t>
-            </a:r>
-          </a:p>
-        </p:txBody>
-      </p:sp>
-      <p:sp>
-        <p:nvSpPr>
-          <p:cNvPr id="3" name="Content Placeholder 2">
-            <a:extLst>
-              <a:ext uri="{FF2B5EF4-FFF2-40B4-BE49-F238E27FC236}">
-                <a16:creationId xmlns:a16="http://schemas.microsoft.com/office/drawing/2014/main" id="{E4547EF8-6DD4-87C3-9C9A-6DDB109A0188}"/>
-              </a:ext>
-            </a:extLst>
-          </p:cNvPr>
-          <p:cNvSpPr>
-            <a:spLocks noGrp="1"/>
-          </p:cNvSpPr>
-          <p:nvPr>
-            <p:ph idx="1"/>
-          </p:nvPr>
-        </p:nvSpPr>
-        <p:spPr/>
-        <p:txBody>
-          <a:bodyPr>
-            <a:normAutofit fontScale="70000" lnSpcReduction="20000"/>
-          </a:bodyPr>
-          <a:lstStyle/>
-          <a:p>
-            <a:r>
-              <a:rPr lang="en-IN" dirty="0"/>
-              <a:t>Packages</a:t>
-            </a:r>
-          </a:p>
-          <a:p>
-            <a:pPr marL="0" marR="0" lvl="0" indent="0" algn="l" defTabSz="914400" rtl="0" eaLnBrk="0" fontAlgn="base" latinLnBrk="0" hangingPunct="0">
-              <a:lnSpc>
-                <a:spcPct val="100000"/>
-              </a:lnSpc>
-              <a:spcBef>
-                <a:spcPct val="0"/>
-              </a:spcBef>
-              <a:spcAft>
-                <a:spcPct val="0"/>
-              </a:spcAft>
-              <a:buClrTx/>
-              <a:buSzTx/>
-              <a:buFontTx/>
-              <a:buNone/>
-              <a:tabLst/>
-            </a:pPr>
-            <a:endParaRPr kumimoji="0" lang="en-US" altLang="en-US" sz="2000" b="0" i="0" u="none" strike="noStrike" cap="none" normalizeH="0" baseline="0" dirty="0">
-              <a:ln>
-                <a:noFill/>
-              </a:ln>
-              <a:solidFill>
-                <a:schemeClr val="tx1"/>
-              </a:solidFill>
-              <a:effectLst/>
-              <a:latin typeface="Arial" panose="020B0604020202020204" pitchFamily="34" charset="0"/>
-            </a:endParaRPr>
-          </a:p>
-          <a:p>
-            <a:pPr marL="274320" lvl="1" indent="0" eaLnBrk="0" fontAlgn="base" hangingPunct="0">
-              <a:lnSpc>
-                <a:spcPct val="100000"/>
-              </a:lnSpc>
-              <a:spcBef>
-                <a:spcPct val="0"/>
-              </a:spcBef>
-              <a:spcAft>
-                <a:spcPct val="0"/>
-              </a:spcAft>
-              <a:buClrTx/>
-              <a:buSzTx/>
-              <a:buNone/>
-            </a:pPr>
-            <a:r>
-              <a:rPr lang="en-US" altLang="en-US" sz="2000" dirty="0"/>
-              <a:t>There are currently 3 different types of Pulumi Packages:</a:t>
-            </a:r>
-          </a:p>
-          <a:p>
-            <a:pPr marL="274320" lvl="1" indent="0" eaLnBrk="0" fontAlgn="base" hangingPunct="0">
-              <a:lnSpc>
-                <a:spcPct val="100000"/>
-              </a:lnSpc>
-              <a:spcBef>
-                <a:spcPct val="0"/>
-              </a:spcBef>
-              <a:spcAft>
-                <a:spcPct val="0"/>
-              </a:spcAft>
-              <a:buClrTx/>
-              <a:buSzTx/>
-              <a:buNone/>
-            </a:pPr>
-            <a:endParaRPr lang="en-US" altLang="en-US" sz="2000" dirty="0"/>
-          </a:p>
-          <a:p>
-            <a:pPr marL="731520" lvl="1" indent="-457200" eaLnBrk="0" fontAlgn="base" hangingPunct="0">
-              <a:lnSpc>
-                <a:spcPct val="100000"/>
-              </a:lnSpc>
-              <a:spcBef>
-                <a:spcPct val="0"/>
-              </a:spcBef>
-              <a:spcAft>
-                <a:spcPct val="0"/>
-              </a:spcAft>
-              <a:buClrTx/>
-              <a:buSzTx/>
-              <a:buFont typeface="+mj-lt"/>
-              <a:buAutoNum type="arabicPeriod"/>
-            </a:pPr>
-            <a:r>
-              <a:rPr lang="en-US" altLang="en-US" sz="2000" dirty="0"/>
-              <a:t>Native Pulumi Provider Package: Use the full features of the Pulumi resource model to create a provider for a new cloud platform. </a:t>
-            </a:r>
-            <a:br>
-              <a:rPr lang="en-US" altLang="en-US" sz="2000" dirty="0"/>
-            </a:br>
-            <a:r>
-              <a:rPr lang="en-US" altLang="en-US" sz="2000" dirty="0"/>
-              <a:t>Examples: the Kubernetes, azure-native, and google-native packages.</a:t>
-            </a:r>
-          </a:p>
-          <a:p>
-            <a:pPr marL="731520" lvl="1" indent="-457200" eaLnBrk="0" fontAlgn="base" hangingPunct="0">
-              <a:lnSpc>
-                <a:spcPct val="100000"/>
-              </a:lnSpc>
-              <a:spcBef>
-                <a:spcPct val="0"/>
-              </a:spcBef>
-              <a:spcAft>
-                <a:spcPct val="0"/>
-              </a:spcAft>
-              <a:buClrTx/>
-              <a:buSzTx/>
-              <a:buFont typeface="+mj-lt"/>
-              <a:buAutoNum type="arabicPeriod"/>
-            </a:pPr>
-            <a:r>
-              <a:rPr lang="en-US" altLang="en-US" sz="2000" dirty="0"/>
-              <a:t>Bridged Provider Package: Take an existing resource provider from another supported ecosystem (like a Terraform provider), and bridge it to be exposed as a Pulumi Package. </a:t>
-            </a:r>
-            <a:br>
-              <a:rPr lang="en-US" altLang="en-US" sz="2000" dirty="0"/>
-            </a:br>
-            <a:r>
-              <a:rPr lang="en-US" altLang="en-US" sz="2000" dirty="0"/>
-              <a:t>Examples: the </a:t>
-            </a:r>
-            <a:r>
-              <a:rPr lang="en-US" altLang="en-US" sz="2000" dirty="0" err="1"/>
-              <a:t>aws</a:t>
-            </a:r>
-            <a:r>
-              <a:rPr lang="en-US" altLang="en-US" sz="2000" dirty="0"/>
-              <a:t>, </a:t>
-            </a:r>
-            <a:r>
-              <a:rPr lang="en-US" altLang="en-US" sz="2000" dirty="0" err="1"/>
-              <a:t>tls</a:t>
-            </a:r>
-            <a:r>
-              <a:rPr lang="en-US" altLang="en-US" sz="2000" dirty="0"/>
-              <a:t>, and Cloudflare packages.</a:t>
-            </a:r>
-          </a:p>
-          <a:p>
-            <a:pPr marL="731520" lvl="1" indent="-457200" eaLnBrk="0" fontAlgn="base" hangingPunct="0">
-              <a:lnSpc>
-                <a:spcPct val="100000"/>
-              </a:lnSpc>
-              <a:spcBef>
-                <a:spcPct val="0"/>
-              </a:spcBef>
-              <a:spcAft>
-                <a:spcPct val="0"/>
-              </a:spcAft>
-              <a:buClrTx/>
-              <a:buSzTx/>
-              <a:buFont typeface="+mj-lt"/>
-              <a:buAutoNum type="arabicPeriod"/>
-            </a:pPr>
-            <a:r>
-              <a:rPr lang="en-US" altLang="en-US" sz="2000" dirty="0"/>
-              <a:t>Component Package: Write a Pulumi Component in your language of choice and expose it to users in all Pulumi languages. </a:t>
-            </a:r>
-            <a:br>
-              <a:rPr lang="en-US" altLang="en-US" sz="2000" dirty="0"/>
-            </a:br>
-            <a:r>
-              <a:rPr lang="en-US" altLang="en-US" sz="2000" dirty="0"/>
-              <a:t>Example: the </a:t>
-            </a:r>
-            <a:r>
-              <a:rPr lang="en-US" altLang="en-US" sz="2000" dirty="0" err="1"/>
-              <a:t>eks</a:t>
-            </a:r>
-            <a:r>
-              <a:rPr lang="en-US" altLang="en-US" sz="2000" dirty="0"/>
-              <a:t> package.</a:t>
-            </a:r>
-          </a:p>
-          <a:p>
-            <a:r>
-              <a:rPr lang="en-IN" dirty="0"/>
-              <a:t>Providers</a:t>
-            </a:r>
-          </a:p>
-          <a:p>
-            <a:r>
-              <a:rPr lang="en-IN" dirty="0"/>
-              <a:t>Native Providers</a:t>
-            </a:r>
-          </a:p>
-          <a:p>
-            <a:r>
-              <a:rPr lang="en-IN" dirty="0"/>
-              <a:t>Resource Providers</a:t>
-            </a:r>
-          </a:p>
-          <a:p>
-            <a:r>
-              <a:rPr lang="en-IN" dirty="0"/>
-              <a:t>Component</a:t>
-            </a:r>
-          </a:p>
-          <a:p>
-            <a:r>
-              <a:rPr lang="en-IN" dirty="0">
-                <a:hlinkClick r:id="rId2"/>
-              </a:rPr>
-              <a:t>https://</a:t>
-            </a:r>
-            <a:r>
-              <a:rPr lang="en-IN" dirty="0" err="1">
-                <a:hlinkClick r:id="rId2"/>
-              </a:rPr>
-              <a:t>www.pulumi.com</a:t>
-            </a:r>
-            <a:r>
-              <a:rPr lang="en-IN" dirty="0">
-                <a:hlinkClick r:id="rId2"/>
-              </a:rPr>
-              <a:t>/docs/guides/pulumi-packages/how-to-author/</a:t>
-            </a:r>
-            <a:endParaRPr lang="en-IN" dirty="0"/>
-          </a:p>
-          <a:p>
-            <a:endParaRPr lang="en-IN" dirty="0"/>
-          </a:p>
-          <a:p>
-            <a:endParaRPr lang="en-IN" dirty="0"/>
-          </a:p>
-        </p:txBody>
-      </p:sp>
-    </p:spTree>
-    <p:extLst>
-      <p:ext uri="{BB962C8B-B14F-4D97-AF65-F5344CB8AC3E}">
-        <p14:creationId xmlns:p14="http://schemas.microsoft.com/office/powerpoint/2010/main" val="994949540"/>
-      </p:ext>
-    </p:extLst>
-  </p:cSld>
-  <p:clrMapOvr>
-    <a:masterClrMapping/>
-  </p:clrMapOvr>
-</p:sld>
-</file>
-
 <file path=ppt/slides/slide3.xml><?xml version="1.0" encoding="utf-8"?>
 <p:sld xmlns:a="http://schemas.openxmlformats.org/drawingml/2006/main" xmlns:r="http://schemas.openxmlformats.org/officeDocument/2006/relationships" xmlns:p="http://schemas.openxmlformats.org/presentationml/2006/main">
   <p:cSld>
@@ -13011,6 +12822,318 @@
 </file>
 
 <file path=ppt/slides/slide30.xml><?xml version="1.0" encoding="utf-8"?>
+<p:sld xmlns:a="http://schemas.openxmlformats.org/drawingml/2006/main" xmlns:r="http://schemas.openxmlformats.org/officeDocument/2006/relationships" xmlns:p="http://schemas.openxmlformats.org/presentationml/2006/main">
+  <p:cSld>
+    <p:spTree>
+      <p:nvGrpSpPr>
+        <p:cNvPr id="1" name=""/>
+        <p:cNvGrpSpPr/>
+        <p:nvPr/>
+      </p:nvGrpSpPr>
+      <p:grpSpPr>
+        <a:xfrm>
+          <a:off x="0" y="0"/>
+          <a:ext cx="0" cy="0"/>
+          <a:chOff x="0" y="0"/>
+          <a:chExt cx="0" cy="0"/>
+        </a:xfrm>
+      </p:grpSpPr>
+      <p:sp>
+        <p:nvSpPr>
+          <p:cNvPr id="2" name="Title 1">
+            <a:extLst>
+              <a:ext uri="{FF2B5EF4-FFF2-40B4-BE49-F238E27FC236}">
+                <a16:creationId xmlns:a16="http://schemas.microsoft.com/office/drawing/2014/main" id="{12989A19-6CD0-7038-364A-57E0E302BAF6}"/>
+              </a:ext>
+            </a:extLst>
+          </p:cNvPr>
+          <p:cNvSpPr>
+            <a:spLocks noGrp="1"/>
+          </p:cNvSpPr>
+          <p:nvPr>
+            <p:ph type="title"/>
+          </p:nvPr>
+        </p:nvSpPr>
+        <p:spPr/>
+        <p:txBody>
+          <a:bodyPr/>
+          <a:lstStyle/>
+          <a:p>
+            <a:r>
+              <a:rPr lang="en-IN" dirty="0"/>
+              <a:t>marketplace - Pulumi Registry</a:t>
+            </a:r>
+          </a:p>
+        </p:txBody>
+      </p:sp>
+      <p:sp>
+        <p:nvSpPr>
+          <p:cNvPr id="3" name="Content Placeholder 2">
+            <a:extLst>
+              <a:ext uri="{FF2B5EF4-FFF2-40B4-BE49-F238E27FC236}">
+                <a16:creationId xmlns:a16="http://schemas.microsoft.com/office/drawing/2014/main" id="{E4547EF8-6DD4-87C3-9C9A-6DDB109A0188}"/>
+              </a:ext>
+            </a:extLst>
+          </p:cNvPr>
+          <p:cNvSpPr>
+            <a:spLocks noGrp="1"/>
+          </p:cNvSpPr>
+          <p:nvPr>
+            <p:ph idx="1"/>
+          </p:nvPr>
+        </p:nvSpPr>
+        <p:spPr/>
+        <p:txBody>
+          <a:bodyPr>
+            <a:normAutofit fontScale="70000" lnSpcReduction="20000"/>
+          </a:bodyPr>
+          <a:lstStyle/>
+          <a:p>
+            <a:r>
+              <a:rPr lang="en-IN" dirty="0"/>
+              <a:t>Packages</a:t>
+            </a:r>
+          </a:p>
+          <a:p>
+            <a:pPr marL="0" marR="0" lvl="0" indent="0" algn="l" defTabSz="914400" rtl="0" eaLnBrk="0" fontAlgn="base" latinLnBrk="0" hangingPunct="0">
+              <a:lnSpc>
+                <a:spcPct val="100000"/>
+              </a:lnSpc>
+              <a:spcBef>
+                <a:spcPct val="0"/>
+              </a:spcBef>
+              <a:spcAft>
+                <a:spcPct val="0"/>
+              </a:spcAft>
+              <a:buClrTx/>
+              <a:buSzTx/>
+              <a:buFontTx/>
+              <a:buNone/>
+              <a:tabLst/>
+            </a:pPr>
+            <a:endParaRPr kumimoji="0" lang="en-US" altLang="en-US" sz="2000" b="0" i="0" u="none" strike="noStrike" cap="none" normalizeH="0" baseline="0" dirty="0">
+              <a:ln>
+                <a:noFill/>
+              </a:ln>
+              <a:solidFill>
+                <a:schemeClr val="tx1"/>
+              </a:solidFill>
+              <a:effectLst/>
+              <a:latin typeface="Arial" panose="020B0604020202020204" pitchFamily="34" charset="0"/>
+            </a:endParaRPr>
+          </a:p>
+          <a:p>
+            <a:pPr marL="274320" lvl="1" indent="0" eaLnBrk="0" fontAlgn="base" hangingPunct="0">
+              <a:lnSpc>
+                <a:spcPct val="100000"/>
+              </a:lnSpc>
+              <a:spcBef>
+                <a:spcPct val="0"/>
+              </a:spcBef>
+              <a:spcAft>
+                <a:spcPct val="0"/>
+              </a:spcAft>
+              <a:buClrTx/>
+              <a:buSzTx/>
+              <a:buNone/>
+            </a:pPr>
+            <a:r>
+              <a:rPr lang="en-US" altLang="en-US" sz="2000" dirty="0"/>
+              <a:t>There are currently 3 different types of Pulumi Packages:</a:t>
+            </a:r>
+          </a:p>
+          <a:p>
+            <a:pPr marL="274320" lvl="1" indent="0" eaLnBrk="0" fontAlgn="base" hangingPunct="0">
+              <a:lnSpc>
+                <a:spcPct val="100000"/>
+              </a:lnSpc>
+              <a:spcBef>
+                <a:spcPct val="0"/>
+              </a:spcBef>
+              <a:spcAft>
+                <a:spcPct val="0"/>
+              </a:spcAft>
+              <a:buClrTx/>
+              <a:buSzTx/>
+              <a:buNone/>
+            </a:pPr>
+            <a:endParaRPr lang="en-US" altLang="en-US" sz="2000" dirty="0"/>
+          </a:p>
+          <a:p>
+            <a:pPr marL="731520" lvl="1" indent="-457200" eaLnBrk="0" fontAlgn="base" hangingPunct="0">
+              <a:lnSpc>
+                <a:spcPct val="100000"/>
+              </a:lnSpc>
+              <a:spcBef>
+                <a:spcPct val="0"/>
+              </a:spcBef>
+              <a:spcAft>
+                <a:spcPct val="0"/>
+              </a:spcAft>
+              <a:buClrTx/>
+              <a:buSzTx/>
+              <a:buFont typeface="+mj-lt"/>
+              <a:buAutoNum type="arabicPeriod"/>
+            </a:pPr>
+            <a:r>
+              <a:rPr lang="en-US" altLang="en-US" sz="2000" dirty="0"/>
+              <a:t>Native Pulumi Provider Package: Use the full features of the Pulumi resource model to create a provider for a new cloud platform. </a:t>
+            </a:r>
+            <a:br>
+              <a:rPr lang="en-US" altLang="en-US" sz="2000" dirty="0"/>
+            </a:br>
+            <a:r>
+              <a:rPr lang="en-US" altLang="en-US" sz="2000" dirty="0"/>
+              <a:t>Examples: the Kubernetes, azure-native, and google-native packages.</a:t>
+            </a:r>
+          </a:p>
+          <a:p>
+            <a:pPr marL="731520" lvl="1" indent="-457200" eaLnBrk="0" fontAlgn="base" hangingPunct="0">
+              <a:lnSpc>
+                <a:spcPct val="100000"/>
+              </a:lnSpc>
+              <a:spcBef>
+                <a:spcPct val="0"/>
+              </a:spcBef>
+              <a:spcAft>
+                <a:spcPct val="0"/>
+              </a:spcAft>
+              <a:buClrTx/>
+              <a:buSzTx/>
+              <a:buFont typeface="+mj-lt"/>
+              <a:buAutoNum type="arabicPeriod"/>
+            </a:pPr>
+            <a:r>
+              <a:rPr lang="en-US" altLang="en-US" sz="2000" dirty="0"/>
+              <a:t>Bridged Provider Package: Take an existing resource provider from another supported ecosystem (like a Terraform provider), and bridge it to be exposed as a Pulumi Package. </a:t>
+            </a:r>
+            <a:br>
+              <a:rPr lang="en-US" altLang="en-US" sz="2000" dirty="0"/>
+            </a:br>
+            <a:r>
+              <a:rPr lang="en-US" altLang="en-US" sz="2000" dirty="0"/>
+              <a:t>Examples: the </a:t>
+            </a:r>
+            <a:r>
+              <a:rPr lang="en-US" altLang="en-US" sz="2000" dirty="0" err="1"/>
+              <a:t>aws</a:t>
+            </a:r>
+            <a:r>
+              <a:rPr lang="en-US" altLang="en-US" sz="2000" dirty="0"/>
+              <a:t>, </a:t>
+            </a:r>
+            <a:r>
+              <a:rPr lang="en-US" altLang="en-US" sz="2000" dirty="0" err="1"/>
+              <a:t>tls</a:t>
+            </a:r>
+            <a:r>
+              <a:rPr lang="en-US" altLang="en-US" sz="2000" dirty="0"/>
+              <a:t>, and Cloudflare packages.</a:t>
+            </a:r>
+          </a:p>
+          <a:p>
+            <a:pPr marL="731520" lvl="1" indent="-457200" eaLnBrk="0" fontAlgn="base" hangingPunct="0">
+              <a:lnSpc>
+                <a:spcPct val="100000"/>
+              </a:lnSpc>
+              <a:spcBef>
+                <a:spcPct val="0"/>
+              </a:spcBef>
+              <a:spcAft>
+                <a:spcPct val="0"/>
+              </a:spcAft>
+              <a:buClrTx/>
+              <a:buSzTx/>
+              <a:buFont typeface="+mj-lt"/>
+              <a:buAutoNum type="arabicPeriod"/>
+            </a:pPr>
+            <a:r>
+              <a:rPr lang="en-US" altLang="en-US" sz="2000" dirty="0"/>
+              <a:t>Component Package: Write a Pulumi Component in your language of choice and expose it to users in all Pulumi languages. </a:t>
+            </a:r>
+            <a:br>
+              <a:rPr lang="en-US" altLang="en-US" sz="2000" dirty="0"/>
+            </a:br>
+            <a:r>
+              <a:rPr lang="en-US" altLang="en-US" sz="2000" dirty="0"/>
+              <a:t>Example: the </a:t>
+            </a:r>
+            <a:r>
+              <a:rPr lang="en-US" altLang="en-US" sz="2000" dirty="0" err="1"/>
+              <a:t>eks</a:t>
+            </a:r>
+            <a:r>
+              <a:rPr lang="en-US" altLang="en-US" sz="2000" dirty="0"/>
+              <a:t> package.</a:t>
+            </a:r>
+          </a:p>
+          <a:p>
+            <a:r>
+              <a:rPr lang="en-IN" dirty="0"/>
+              <a:t>Providers</a:t>
+            </a:r>
+          </a:p>
+          <a:p>
+            <a:r>
+              <a:rPr lang="en-IN" dirty="0"/>
+              <a:t>Native Providers</a:t>
+            </a:r>
+          </a:p>
+          <a:p>
+            <a:r>
+              <a:rPr lang="en-IN" dirty="0"/>
+              <a:t>Resource Providers</a:t>
+            </a:r>
+          </a:p>
+          <a:p>
+            <a:r>
+              <a:rPr lang="en-IN" dirty="0"/>
+              <a:t>Component</a:t>
+            </a:r>
+          </a:p>
+          <a:p>
+            <a:r>
+              <a:rPr lang="en-IN" dirty="0">
+                <a:hlinkClick r:id="rId2"/>
+              </a:rPr>
+              <a:t>https://</a:t>
+            </a:r>
+            <a:r>
+              <a:rPr lang="en-IN" dirty="0" err="1">
+                <a:hlinkClick r:id="rId2"/>
+              </a:rPr>
+              <a:t>www.pulumi.com</a:t>
+            </a:r>
+            <a:r>
+              <a:rPr lang="en-IN" dirty="0">
+                <a:hlinkClick r:id="rId2"/>
+              </a:rPr>
+              <a:t>/docs/guides/pulumi-packages/how-to-author/</a:t>
+            </a:r>
+            <a:endParaRPr lang="en-IN" dirty="0"/>
+          </a:p>
+          <a:p>
+            <a:endParaRPr lang="en-IN" dirty="0"/>
+          </a:p>
+          <a:p>
+            <a:endParaRPr lang="en-IN" dirty="0"/>
+          </a:p>
+        </p:txBody>
+      </p:sp>
+    </p:spTree>
+    <p:extLst>
+      <p:ext uri="{BB962C8B-B14F-4D97-AF65-F5344CB8AC3E}">
+        <p14:creationId xmlns:p14="http://schemas.microsoft.com/office/powerpoint/2010/main" val="994949540"/>
+      </p:ext>
+    </p:extLst>
+  </p:cSld>
+  <p:clrMapOvr>
+    <a:masterClrMapping/>
+  </p:clrMapOvr>
+</p:sld>
+</file>
+
+<file path=ppt/slides/slide31.xml><?xml version="1.0" encoding="utf-8"?>
 <p:sld xmlns:a="http://schemas.openxmlformats.org/drawingml/2006/main" xmlns:r="http://schemas.openxmlformats.org/officeDocument/2006/relationships" xmlns:p="http://schemas.openxmlformats.org/presentationml/2006/main">
   <p:cSld>
     <p:spTree>
@@ -13087,7 +13210,7 @@
 </p:sld>
 </file>
 
-<file path=ppt/slides/slide31.xml><?xml version="1.0" encoding="utf-8"?>
+<file path=ppt/slides/slide32.xml><?xml version="1.0" encoding="utf-8"?>
 <p:sld xmlns:a="http://schemas.openxmlformats.org/drawingml/2006/main" xmlns:r="http://schemas.openxmlformats.org/officeDocument/2006/relationships" xmlns:p="http://schemas.openxmlformats.org/presentationml/2006/main">
   <p:cSld>
     <p:spTree>
@@ -13253,7 +13376,7 @@
 </p:sld>
 </file>
 
-<file path=ppt/slides/slide32.xml><?xml version="1.0" encoding="utf-8"?>
+<file path=ppt/slides/slide33.xml><?xml version="1.0" encoding="utf-8"?>
 <p:sld xmlns:a="http://schemas.openxmlformats.org/drawingml/2006/main" xmlns:r="http://schemas.openxmlformats.org/officeDocument/2006/relationships" xmlns:p="http://schemas.openxmlformats.org/presentationml/2006/main">
   <p:cSld>
     <p:spTree>
@@ -13396,7 +13519,7 @@
 </p:sld>
 </file>
 
-<file path=ppt/slides/slide33.xml><?xml version="1.0" encoding="utf-8"?>
+<file path=ppt/slides/slide34.xml><?xml version="1.0" encoding="utf-8"?>
 <p:sld xmlns:a="http://schemas.openxmlformats.org/drawingml/2006/main" xmlns:r="http://schemas.openxmlformats.org/officeDocument/2006/relationships" xmlns:p="http://schemas.openxmlformats.org/presentationml/2006/main">
   <p:cSld>
     <p:spTree>
@@ -13551,7 +13674,7 @@
 </p:sld>
 </file>
 
-<file path=ppt/slides/slide34.xml><?xml version="1.0" encoding="utf-8"?>
+<file path=ppt/slides/slide35.xml><?xml version="1.0" encoding="utf-8"?>
 <p:sld xmlns:a="http://schemas.openxmlformats.org/drawingml/2006/main" xmlns:r="http://schemas.openxmlformats.org/officeDocument/2006/relationships" xmlns:p="http://schemas.openxmlformats.org/presentationml/2006/main">
   <p:cSld>
     <p:spTree>
@@ -13706,6 +13829,36 @@
           </a:p>
         </p:txBody>
       </p:sp>
+      <p:pic>
+        <p:nvPicPr>
+          <p:cNvPr id="4" name="Picture 3">
+            <a:extLst>
+              <a:ext uri="{FF2B5EF4-FFF2-40B4-BE49-F238E27FC236}">
+                <a16:creationId xmlns:a16="http://schemas.microsoft.com/office/drawing/2014/main" id="{2C6B021C-27E0-FA5A-FF6A-F12827BA9B89}"/>
+              </a:ext>
+            </a:extLst>
+          </p:cNvPr>
+          <p:cNvPicPr>
+            <a:picLocks noChangeAspect="1"/>
+          </p:cNvPicPr>
+          <p:nvPr/>
+        </p:nvPicPr>
+        <p:blipFill>
+          <a:blip r:embed="rId3"/>
+          <a:stretch>
+            <a:fillRect/>
+          </a:stretch>
+        </p:blipFill>
+        <p:spPr>
+          <a:xfrm>
+            <a:off x="5555539" y="2772501"/>
+            <a:ext cx="4904762" cy="3522925"/>
+          </a:xfrm>
+          <a:prstGeom prst="rect">
+            <a:avLst/>
+          </a:prstGeom>
+        </p:spPr>
+      </p:pic>
     </p:spTree>
     <p:extLst>
       <p:ext uri="{BB962C8B-B14F-4D97-AF65-F5344CB8AC3E}">
@@ -13719,7 +13872,7 @@
 </p:sld>
 </file>
 
-<file path=ppt/slides/slide35.xml><?xml version="1.0" encoding="utf-8"?>
+<file path=ppt/slides/slide36.xml><?xml version="1.0" encoding="utf-8"?>
 <p:sld xmlns:a="http://schemas.openxmlformats.org/drawingml/2006/main" xmlns:r="http://schemas.openxmlformats.org/officeDocument/2006/relationships" xmlns:p="http://schemas.openxmlformats.org/presentationml/2006/main">
   <p:cSld>
     <p:spTree>
@@ -13867,7 +14020,7 @@
 </p:sld>
 </file>
 
-<file path=ppt/slides/slide36.xml><?xml version="1.0" encoding="utf-8"?>
+<file path=ppt/slides/slide37.xml><?xml version="1.0" encoding="utf-8"?>
 <p:sld xmlns:a="http://schemas.openxmlformats.org/drawingml/2006/main" xmlns:r="http://schemas.openxmlformats.org/officeDocument/2006/relationships" xmlns:p="http://schemas.openxmlformats.org/presentationml/2006/main">
   <p:cSld>
     <p:spTree>
@@ -13947,7 +14100,7 @@
 </p:sld>
 </file>
 
-<file path=ppt/slides/slide37.xml><?xml version="1.0" encoding="utf-8"?>
+<file path=ppt/slides/slide38.xml><?xml version="1.0" encoding="utf-8"?>
 <p:sld xmlns:a="http://schemas.openxmlformats.org/drawingml/2006/main" xmlns:r="http://schemas.openxmlformats.org/officeDocument/2006/relationships" xmlns:p="http://schemas.openxmlformats.org/presentationml/2006/main">
   <p:cSld>
     <p:spTree>
@@ -14027,7 +14180,7 @@
 </p:sld>
 </file>
 
-<file path=ppt/slides/slide38.xml><?xml version="1.0" encoding="utf-8"?>
+<file path=ppt/slides/slide39.xml><?xml version="1.0" encoding="utf-8"?>
 <p:sld xmlns:a="http://schemas.openxmlformats.org/drawingml/2006/main" xmlns:r="http://schemas.openxmlformats.org/officeDocument/2006/relationships" xmlns:p="http://schemas.openxmlformats.org/presentationml/2006/main">
   <p:cSld>
     <p:spTree>
@@ -14098,96 +14251,6 @@
     <p:extLst>
       <p:ext uri="{BB962C8B-B14F-4D97-AF65-F5344CB8AC3E}">
         <p14:creationId xmlns:p14="http://schemas.microsoft.com/office/powerpoint/2010/main" val="1889720708"/>
-      </p:ext>
-    </p:extLst>
-  </p:cSld>
-  <p:clrMapOvr>
-    <a:masterClrMapping/>
-  </p:clrMapOvr>
-</p:sld>
-</file>
-
-<file path=ppt/slides/slide39.xml><?xml version="1.0" encoding="utf-8"?>
-<p:sld xmlns:a="http://schemas.openxmlformats.org/drawingml/2006/main" xmlns:r="http://schemas.openxmlformats.org/officeDocument/2006/relationships" xmlns:p="http://schemas.openxmlformats.org/presentationml/2006/main">
-  <p:cSld>
-    <p:spTree>
-      <p:nvGrpSpPr>
-        <p:cNvPr id="1" name=""/>
-        <p:cNvGrpSpPr/>
-        <p:nvPr/>
-      </p:nvGrpSpPr>
-      <p:grpSpPr>
-        <a:xfrm>
-          <a:off x="0" y="0"/>
-          <a:ext cx="0" cy="0"/>
-          <a:chOff x="0" y="0"/>
-          <a:chExt cx="0" cy="0"/>
-        </a:xfrm>
-      </p:grpSpPr>
-      <p:sp>
-        <p:nvSpPr>
-          <p:cNvPr id="2" name="Title 1">
-            <a:extLst>
-              <a:ext uri="{FF2B5EF4-FFF2-40B4-BE49-F238E27FC236}">
-                <a16:creationId xmlns:a16="http://schemas.microsoft.com/office/drawing/2014/main" id="{1C72D64C-10BE-A1BC-C390-1D06C12AF2D2}"/>
-              </a:ext>
-            </a:extLst>
-          </p:cNvPr>
-          <p:cNvSpPr>
-            <a:spLocks noGrp="1"/>
-          </p:cNvSpPr>
-          <p:nvPr>
-            <p:ph type="title"/>
-          </p:nvPr>
-        </p:nvSpPr>
-        <p:spPr/>
-        <p:txBody>
-          <a:bodyPr/>
-          <a:lstStyle/>
-          <a:p>
-            <a:r>
-              <a:rPr lang="en-IN" b="1" i="0" dirty="0">
-                <a:solidFill>
-                  <a:srgbClr val="2F3032"/>
-                </a:solidFill>
-                <a:effectLst/>
-                <a:latin typeface="Gilroy"/>
-              </a:rPr>
-              <a:t>Resources</a:t>
-            </a:r>
-            <a:endParaRPr lang="en-IN" dirty="0"/>
-          </a:p>
-        </p:txBody>
-      </p:sp>
-      <p:sp>
-        <p:nvSpPr>
-          <p:cNvPr id="3" name="Content Placeholder 2">
-            <a:extLst>
-              <a:ext uri="{FF2B5EF4-FFF2-40B4-BE49-F238E27FC236}">
-                <a16:creationId xmlns:a16="http://schemas.microsoft.com/office/drawing/2014/main" id="{C216665C-2824-FE25-3060-E148436D25B2}"/>
-              </a:ext>
-            </a:extLst>
-          </p:cNvPr>
-          <p:cNvSpPr>
-            <a:spLocks noGrp="1"/>
-          </p:cNvSpPr>
-          <p:nvPr>
-            <p:ph idx="1"/>
-          </p:nvPr>
-        </p:nvSpPr>
-        <p:spPr/>
-        <p:txBody>
-          <a:bodyPr/>
-          <a:lstStyle/>
-          <a:p>
-            <a:endParaRPr lang="en-IN"/>
-          </a:p>
-        </p:txBody>
-      </p:sp>
-    </p:spTree>
-    <p:extLst>
-      <p:ext uri="{BB962C8B-B14F-4D97-AF65-F5344CB8AC3E}">
-        <p14:creationId xmlns:p14="http://schemas.microsoft.com/office/powerpoint/2010/main" val="3852911669"/>
       </p:ext>
     </p:extLst>
   </p:cSld>
@@ -14345,6 +14408,96 @@
           <p:cNvPr id="2" name="Title 1">
             <a:extLst>
               <a:ext uri="{FF2B5EF4-FFF2-40B4-BE49-F238E27FC236}">
+                <a16:creationId xmlns:a16="http://schemas.microsoft.com/office/drawing/2014/main" id="{1C72D64C-10BE-A1BC-C390-1D06C12AF2D2}"/>
+              </a:ext>
+            </a:extLst>
+          </p:cNvPr>
+          <p:cNvSpPr>
+            <a:spLocks noGrp="1"/>
+          </p:cNvSpPr>
+          <p:nvPr>
+            <p:ph type="title"/>
+          </p:nvPr>
+        </p:nvSpPr>
+        <p:spPr/>
+        <p:txBody>
+          <a:bodyPr/>
+          <a:lstStyle/>
+          <a:p>
+            <a:r>
+              <a:rPr lang="en-IN" b="1" i="0" dirty="0">
+                <a:solidFill>
+                  <a:srgbClr val="2F3032"/>
+                </a:solidFill>
+                <a:effectLst/>
+                <a:latin typeface="Gilroy"/>
+              </a:rPr>
+              <a:t>Resources</a:t>
+            </a:r>
+            <a:endParaRPr lang="en-IN" dirty="0"/>
+          </a:p>
+        </p:txBody>
+      </p:sp>
+      <p:sp>
+        <p:nvSpPr>
+          <p:cNvPr id="3" name="Content Placeholder 2">
+            <a:extLst>
+              <a:ext uri="{FF2B5EF4-FFF2-40B4-BE49-F238E27FC236}">
+                <a16:creationId xmlns:a16="http://schemas.microsoft.com/office/drawing/2014/main" id="{C216665C-2824-FE25-3060-E148436D25B2}"/>
+              </a:ext>
+            </a:extLst>
+          </p:cNvPr>
+          <p:cNvSpPr>
+            <a:spLocks noGrp="1"/>
+          </p:cNvSpPr>
+          <p:nvPr>
+            <p:ph idx="1"/>
+          </p:nvPr>
+        </p:nvSpPr>
+        <p:spPr/>
+        <p:txBody>
+          <a:bodyPr/>
+          <a:lstStyle/>
+          <a:p>
+            <a:endParaRPr lang="en-IN"/>
+          </a:p>
+        </p:txBody>
+      </p:sp>
+    </p:spTree>
+    <p:extLst>
+      <p:ext uri="{BB962C8B-B14F-4D97-AF65-F5344CB8AC3E}">
+        <p14:creationId xmlns:p14="http://schemas.microsoft.com/office/powerpoint/2010/main" val="3852911669"/>
+      </p:ext>
+    </p:extLst>
+  </p:cSld>
+  <p:clrMapOvr>
+    <a:masterClrMapping/>
+  </p:clrMapOvr>
+</p:sld>
+</file>
+
+<file path=ppt/slides/slide41.xml><?xml version="1.0" encoding="utf-8"?>
+<p:sld xmlns:a="http://schemas.openxmlformats.org/drawingml/2006/main" xmlns:r="http://schemas.openxmlformats.org/officeDocument/2006/relationships" xmlns:p="http://schemas.openxmlformats.org/presentationml/2006/main">
+  <p:cSld>
+    <p:spTree>
+      <p:nvGrpSpPr>
+        <p:cNvPr id="1" name=""/>
+        <p:cNvGrpSpPr/>
+        <p:nvPr/>
+      </p:nvGrpSpPr>
+      <p:grpSpPr>
+        <a:xfrm>
+          <a:off x="0" y="0"/>
+          <a:ext cx="0" cy="0"/>
+          <a:chOff x="0" y="0"/>
+          <a:chExt cx="0" cy="0"/>
+        </a:xfrm>
+      </p:grpSpPr>
+      <p:sp>
+        <p:nvSpPr>
+          <p:cNvPr id="2" name="Title 1">
+            <a:extLst>
+              <a:ext uri="{FF2B5EF4-FFF2-40B4-BE49-F238E27FC236}">
                 <a16:creationId xmlns:a16="http://schemas.microsoft.com/office/drawing/2014/main" id="{EDD34EF4-B0FC-F021-AF56-580365891BAB}"/>
               </a:ext>
             </a:extLst>
@@ -14415,7 +14568,7 @@
 </p:sld>
 </file>
 
-<file path=ppt/slides/slide41.xml><?xml version="1.0" encoding="utf-8"?>
+<file path=ppt/slides/slide42.xml><?xml version="1.0" encoding="utf-8"?>
 <p:sld xmlns:a="http://schemas.openxmlformats.org/drawingml/2006/main" xmlns:r="http://schemas.openxmlformats.org/officeDocument/2006/relationships" xmlns:p="http://schemas.openxmlformats.org/presentationml/2006/main">
   <p:cSld>
     <p:spTree>
@@ -14526,130 +14679,6 @@
     <p:extLst>
       <p:ext uri="{BB962C8B-B14F-4D97-AF65-F5344CB8AC3E}">
         <p14:creationId xmlns:p14="http://schemas.microsoft.com/office/powerpoint/2010/main" val="593934382"/>
-      </p:ext>
-    </p:extLst>
-  </p:cSld>
-  <p:clrMapOvr>
-    <a:masterClrMapping/>
-  </p:clrMapOvr>
-</p:sld>
-</file>
-
-<file path=ppt/slides/slide42.xml><?xml version="1.0" encoding="utf-8"?>
-<p:sld xmlns:a="http://schemas.openxmlformats.org/drawingml/2006/main" xmlns:r="http://schemas.openxmlformats.org/officeDocument/2006/relationships" xmlns:p="http://schemas.openxmlformats.org/presentationml/2006/main">
-  <p:cSld>
-    <p:spTree>
-      <p:nvGrpSpPr>
-        <p:cNvPr id="1" name=""/>
-        <p:cNvGrpSpPr/>
-        <p:nvPr/>
-      </p:nvGrpSpPr>
-      <p:grpSpPr>
-        <a:xfrm>
-          <a:off x="0" y="0"/>
-          <a:ext cx="0" cy="0"/>
-          <a:chOff x="0" y="0"/>
-          <a:chExt cx="0" cy="0"/>
-        </a:xfrm>
-      </p:grpSpPr>
-      <p:sp>
-        <p:nvSpPr>
-          <p:cNvPr id="2" name="Title 1">
-            <a:extLst>
-              <a:ext uri="{FF2B5EF4-FFF2-40B4-BE49-F238E27FC236}">
-                <a16:creationId xmlns:a16="http://schemas.microsoft.com/office/drawing/2014/main" id="{5F47E39B-D000-2571-BD07-7E81A8E6B0F1}"/>
-              </a:ext>
-            </a:extLst>
-          </p:cNvPr>
-          <p:cNvSpPr>
-            <a:spLocks noGrp="1"/>
-          </p:cNvSpPr>
-          <p:nvPr>
-            <p:ph type="title"/>
-          </p:nvPr>
-        </p:nvSpPr>
-        <p:spPr/>
-        <p:txBody>
-          <a:bodyPr/>
-          <a:lstStyle/>
-          <a:p>
-            <a:r>
-              <a:rPr lang="en-IN" b="1" i="0" dirty="0">
-                <a:solidFill>
-                  <a:srgbClr val="2F3032"/>
-                </a:solidFill>
-                <a:effectLst/>
-                <a:latin typeface="Gilroy"/>
-              </a:rPr>
-              <a:t>Secrets</a:t>
-            </a:r>
-            <a:endParaRPr lang="en-IN" dirty="0"/>
-          </a:p>
-        </p:txBody>
-      </p:sp>
-      <p:pic>
-        <p:nvPicPr>
-          <p:cNvPr id="5" name="Content Placeholder 4">
-            <a:extLst>
-              <a:ext uri="{FF2B5EF4-FFF2-40B4-BE49-F238E27FC236}">
-                <a16:creationId xmlns:a16="http://schemas.microsoft.com/office/drawing/2014/main" id="{B7DF117E-4EB0-921E-8B59-57D3D45C61EE}"/>
-              </a:ext>
-            </a:extLst>
-          </p:cNvPr>
-          <p:cNvPicPr>
-            <a:picLocks noGrp="1" noChangeAspect="1"/>
-          </p:cNvPicPr>
-          <p:nvPr>
-            <p:ph idx="1"/>
-          </p:nvPr>
-        </p:nvPicPr>
-        <p:blipFill>
-          <a:blip r:embed="rId2"/>
-          <a:stretch>
-            <a:fillRect/>
-          </a:stretch>
-        </p:blipFill>
-        <p:spPr>
-          <a:xfrm>
-            <a:off x="1358902" y="1927265"/>
-            <a:ext cx="3210373" cy="333422"/>
-          </a:xfrm>
-        </p:spPr>
-      </p:pic>
-      <p:pic>
-        <p:nvPicPr>
-          <p:cNvPr id="7" name="Picture 6">
-            <a:extLst>
-              <a:ext uri="{FF2B5EF4-FFF2-40B4-BE49-F238E27FC236}">
-                <a16:creationId xmlns:a16="http://schemas.microsoft.com/office/drawing/2014/main" id="{0D68F1EE-60B4-1BF7-7FBC-D40E34AE4025}"/>
-              </a:ext>
-            </a:extLst>
-          </p:cNvPr>
-          <p:cNvPicPr>
-            <a:picLocks noChangeAspect="1"/>
-          </p:cNvPicPr>
-          <p:nvPr/>
-        </p:nvPicPr>
-        <p:blipFill>
-          <a:blip r:embed="rId3"/>
-          <a:stretch>
-            <a:fillRect/>
-          </a:stretch>
-        </p:blipFill>
-        <p:spPr>
-          <a:xfrm>
-            <a:off x="1967079" y="2636371"/>
-            <a:ext cx="5401429" cy="1066949"/>
-          </a:xfrm>
-          <a:prstGeom prst="rect">
-            <a:avLst/>
-          </a:prstGeom>
-        </p:spPr>
-      </p:pic>
-    </p:spTree>
-    <p:extLst>
-      <p:ext uri="{BB962C8B-B14F-4D97-AF65-F5344CB8AC3E}">
-        <p14:creationId xmlns:p14="http://schemas.microsoft.com/office/powerpoint/2010/main" val="3370216728"/>
       </p:ext>
     </p:extLst>
   </p:cSld>
@@ -15100,116 +15129,6 @@
           <p:cNvPr id="2" name="Title 1">
             <a:extLst>
               <a:ext uri="{FF2B5EF4-FFF2-40B4-BE49-F238E27FC236}">
-                <a16:creationId xmlns:a16="http://schemas.microsoft.com/office/drawing/2014/main" id="{58FD577B-FA4B-5D90-73F1-710E398A0964}"/>
-              </a:ext>
-            </a:extLst>
-          </p:cNvPr>
-          <p:cNvSpPr>
-            <a:spLocks noGrp="1"/>
-          </p:cNvSpPr>
-          <p:nvPr>
-            <p:ph type="title"/>
-          </p:nvPr>
-        </p:nvSpPr>
-        <p:spPr/>
-        <p:txBody>
-          <a:bodyPr/>
-          <a:lstStyle/>
-          <a:p>
-            <a:endParaRPr lang="en-IN"/>
-          </a:p>
-        </p:txBody>
-      </p:sp>
-      <p:sp>
-        <p:nvSpPr>
-          <p:cNvPr id="3" name="Content Placeholder 2">
-            <a:extLst>
-              <a:ext uri="{FF2B5EF4-FFF2-40B4-BE49-F238E27FC236}">
-                <a16:creationId xmlns:a16="http://schemas.microsoft.com/office/drawing/2014/main" id="{A7DE54ED-2400-C20E-A9DA-B3134A0D6D94}"/>
-              </a:ext>
-            </a:extLst>
-          </p:cNvPr>
-          <p:cNvSpPr>
-            <a:spLocks noGrp="1"/>
-          </p:cNvSpPr>
-          <p:nvPr>
-            <p:ph idx="1"/>
-          </p:nvPr>
-        </p:nvSpPr>
-        <p:spPr/>
-        <p:txBody>
-          <a:bodyPr/>
-          <a:lstStyle/>
-          <a:p>
-            <a:endParaRPr lang="en-IN"/>
-          </a:p>
-        </p:txBody>
-      </p:sp>
-      <p:pic>
-        <p:nvPicPr>
-          <p:cNvPr id="5" name="Picture 4">
-            <a:extLst>
-              <a:ext uri="{FF2B5EF4-FFF2-40B4-BE49-F238E27FC236}">
-                <a16:creationId xmlns:a16="http://schemas.microsoft.com/office/drawing/2014/main" id="{DF84D67D-EA76-88FF-858D-7CD0A18516D4}"/>
-              </a:ext>
-            </a:extLst>
-          </p:cNvPr>
-          <p:cNvPicPr>
-            <a:picLocks noChangeAspect="1"/>
-          </p:cNvPicPr>
-          <p:nvPr/>
-        </p:nvPicPr>
-        <p:blipFill>
-          <a:blip r:embed="rId2"/>
-          <a:stretch>
-            <a:fillRect/>
-          </a:stretch>
-        </p:blipFill>
-        <p:spPr>
-          <a:xfrm>
-            <a:off x="3018995" y="1218891"/>
-            <a:ext cx="6154009" cy="4420217"/>
-          </a:xfrm>
-          <a:prstGeom prst="rect">
-            <a:avLst/>
-          </a:prstGeom>
-        </p:spPr>
-      </p:pic>
-    </p:spTree>
-    <p:extLst>
-      <p:ext uri="{BB962C8B-B14F-4D97-AF65-F5344CB8AC3E}">
-        <p14:creationId xmlns:p14="http://schemas.microsoft.com/office/powerpoint/2010/main" val="791296467"/>
-      </p:ext>
-    </p:extLst>
-  </p:cSld>
-  <p:clrMapOvr>
-    <a:masterClrMapping/>
-  </p:clrMapOvr>
-</p:sld>
-</file>
-
-<file path=ppt/slides/slide48.xml><?xml version="1.0" encoding="utf-8"?>
-<p:sld xmlns:a="http://schemas.openxmlformats.org/drawingml/2006/main" xmlns:r="http://schemas.openxmlformats.org/officeDocument/2006/relationships" xmlns:p="http://schemas.openxmlformats.org/presentationml/2006/main">
-  <p:cSld>
-    <p:spTree>
-      <p:nvGrpSpPr>
-        <p:cNvPr id="1" name=""/>
-        <p:cNvGrpSpPr/>
-        <p:nvPr/>
-      </p:nvGrpSpPr>
-      <p:grpSpPr>
-        <a:xfrm>
-          <a:off x="0" y="0"/>
-          <a:ext cx="0" cy="0"/>
-          <a:chOff x="0" y="0"/>
-          <a:chExt cx="0" cy="0"/>
-        </a:xfrm>
-      </p:grpSpPr>
-      <p:sp>
-        <p:nvSpPr>
-          <p:cNvPr id="2" name="Title 1">
-            <a:extLst>
-              <a:ext uri="{FF2B5EF4-FFF2-40B4-BE49-F238E27FC236}">
                 <a16:creationId xmlns:a16="http://schemas.microsoft.com/office/drawing/2014/main" id="{706654B1-2AF4-50FF-E1BC-660EDC5A8AD6}"/>
               </a:ext>
             </a:extLst>
@@ -15281,7 +15200,7 @@
 </p:sld>
 </file>
 
-<file path=ppt/slides/slide49.xml><?xml version="1.0" encoding="utf-8"?>
+<file path=ppt/slides/slide48.xml><?xml version="1.0" encoding="utf-8"?>
 <p:sld xmlns:a="http://schemas.openxmlformats.org/drawingml/2006/main" xmlns:r="http://schemas.openxmlformats.org/officeDocument/2006/relationships" xmlns:p="http://schemas.openxmlformats.org/presentationml/2006/main">
   <p:cSld>
     <p:spTree>

--- a/docs/IaC_Devopedia_Sep_2022.pptx
+++ b/docs/IaC_Devopedia_Sep_2022.pptx
@@ -3516,7 +3516,7 @@
           <a:p>
             <a:fld id="{4567C160-2C30-4694-9FA0-F603C7AEC858}" type="datetimeFigureOut">
               <a:rPr lang="en-IN" smtClean="0"/>
-              <a:t>25-08-2022</a:t>
+              <a:t>26-08-2022</a:t>
             </a:fld>
             <a:endParaRPr lang="en-IN"/>
           </a:p>
@@ -3695,7 +3695,7 @@
           <a:p>
             <a:fld id="{4567C160-2C30-4694-9FA0-F603C7AEC858}" type="datetimeFigureOut">
               <a:rPr lang="en-IN" smtClean="0"/>
-              <a:t>25-08-2022</a:t>
+              <a:t>26-08-2022</a:t>
             </a:fld>
             <a:endParaRPr lang="en-IN"/>
           </a:p>
@@ -3875,7 +3875,7 @@
           <a:p>
             <a:fld id="{4567C160-2C30-4694-9FA0-F603C7AEC858}" type="datetimeFigureOut">
               <a:rPr lang="en-IN" smtClean="0"/>
-              <a:t>25-08-2022</a:t>
+              <a:t>26-08-2022</a:t>
             </a:fld>
             <a:endParaRPr lang="en-IN"/>
           </a:p>
@@ -3963,16 +3963,26 @@
             <p:ph type="title"/>
           </p:nvPr>
         </p:nvSpPr>
-        <p:spPr/>
+        <p:spPr>
+          <a:xfrm>
+            <a:off x="0" y="0"/>
+            <a:ext cx="12192000" cy="989814"/>
+          </a:xfrm>
+        </p:spPr>
         <p:txBody>
-          <a:bodyPr/>
-          <a:lstStyle/>
-          <a:p>
-            <a:r>
-              <a:rPr lang="en-US"/>
+          <a:bodyPr>
+            <a:normAutofit/>
+          </a:bodyPr>
+          <a:lstStyle>
+            <a:lvl1pPr>
+              <a:defRPr sz="4400"/>
+            </a:lvl1pPr>
+          </a:lstStyle>
+          <a:p>
+            <a:r>
+              <a:rPr lang="en-US" dirty="0"/>
               <a:t>Click to edit Master title style</a:t>
             </a:r>
-            <a:endParaRPr lang="en-US" dirty="0"/>
           </a:p>
         </p:txBody>
       </p:sp>
@@ -3986,7 +3996,12 @@
             <p:ph idx="1"/>
           </p:nvPr>
         </p:nvSpPr>
-        <p:spPr/>
+        <p:spPr>
+          <a:xfrm>
+            <a:off x="0" y="989814"/>
+            <a:ext cx="12192000" cy="5182386"/>
+          </a:xfrm>
+        </p:spPr>
         <p:txBody>
           <a:bodyPr/>
           <a:lstStyle/>
@@ -4045,7 +4060,7 @@
           <a:p>
             <a:fld id="{4567C160-2C30-4694-9FA0-F603C7AEC858}" type="datetimeFigureOut">
               <a:rPr lang="en-IN" smtClean="0"/>
-              <a:t>25-08-2022</a:t>
+              <a:t>26-08-2022</a:t>
             </a:fld>
             <a:endParaRPr lang="en-IN"/>
           </a:p>
@@ -4358,7 +4373,7 @@
           <a:p>
             <a:fld id="{4567C160-2C30-4694-9FA0-F603C7AEC858}" type="datetimeFigureOut">
               <a:rPr lang="en-IN" smtClean="0"/>
-              <a:t>25-08-2022</a:t>
+              <a:t>26-08-2022</a:t>
             </a:fld>
             <a:endParaRPr lang="en-IN"/>
           </a:p>
@@ -4744,7 +4759,7 @@
           <a:p>
             <a:fld id="{4567C160-2C30-4694-9FA0-F603C7AEC858}" type="datetimeFigureOut">
               <a:rPr lang="en-IN" smtClean="0"/>
-              <a:t>25-08-2022</a:t>
+              <a:t>26-08-2022</a:t>
             </a:fld>
             <a:endParaRPr lang="en-IN"/>
           </a:p>
@@ -5178,7 +5193,7 @@
           <a:p>
             <a:fld id="{4567C160-2C30-4694-9FA0-F603C7AEC858}" type="datetimeFigureOut">
               <a:rPr lang="en-IN" smtClean="0"/>
-              <a:t>25-08-2022</a:t>
+              <a:t>26-08-2022</a:t>
             </a:fld>
             <a:endParaRPr lang="en-IN"/>
           </a:p>
@@ -5296,7 +5311,7 @@
           <a:p>
             <a:fld id="{4567C160-2C30-4694-9FA0-F603C7AEC858}" type="datetimeFigureOut">
               <a:rPr lang="en-IN" smtClean="0"/>
-              <a:t>25-08-2022</a:t>
+              <a:t>26-08-2022</a:t>
             </a:fld>
             <a:endParaRPr lang="en-IN"/>
           </a:p>
@@ -5391,7 +5406,7 @@
           <a:p>
             <a:fld id="{4567C160-2C30-4694-9FA0-F603C7AEC858}" type="datetimeFigureOut">
               <a:rPr lang="en-IN" smtClean="0"/>
-              <a:t>25-08-2022</a:t>
+              <a:t>26-08-2022</a:t>
             </a:fld>
             <a:endParaRPr lang="en-IN"/>
           </a:p>
@@ -5741,7 +5756,7 @@
           <a:p>
             <a:fld id="{4567C160-2C30-4694-9FA0-F603C7AEC858}" type="datetimeFigureOut">
               <a:rPr lang="en-IN" smtClean="0"/>
-              <a:t>25-08-2022</a:t>
+              <a:t>26-08-2022</a:t>
             </a:fld>
             <a:endParaRPr lang="en-IN"/>
           </a:p>
@@ -6166,7 +6181,7 @@
           <a:p>
             <a:fld id="{4567C160-2C30-4694-9FA0-F603C7AEC858}" type="datetimeFigureOut">
               <a:rPr lang="en-IN" smtClean="0"/>
-              <a:t>25-08-2022</a:t>
+              <a:t>26-08-2022</a:t>
             </a:fld>
             <a:endParaRPr lang="en-IN"/>
           </a:p>
@@ -6447,7 +6462,7 @@
           <a:p>
             <a:fld id="{4567C160-2C30-4694-9FA0-F603C7AEC858}" type="datetimeFigureOut">
               <a:rPr lang="en-IN" smtClean="0"/>
-              <a:t>25-08-2022</a:t>
+              <a:t>26-08-2022</a:t>
             </a:fld>
             <a:endParaRPr lang="en-IN"/>
           </a:p>
@@ -7534,7 +7549,7 @@
         <p:spPr/>
         <p:txBody>
           <a:bodyPr>
-            <a:normAutofit/>
+            <a:normAutofit fontScale="90000"/>
           </a:bodyPr>
           <a:lstStyle/>
           <a:p>
@@ -10838,12 +10853,7 @@
             <p:ph type="title"/>
           </p:nvPr>
         </p:nvSpPr>
-        <p:spPr>
-          <a:xfrm>
-            <a:off x="387927" y="484632"/>
-            <a:ext cx="10740321" cy="1609344"/>
-          </a:xfrm>
-        </p:spPr>
+        <p:spPr/>
         <p:txBody>
           <a:bodyPr/>
           <a:lstStyle/>
@@ -10851,6 +10861,147 @@
             <a:r>
               <a:rPr lang="en-IN" dirty="0"/>
               <a:t>Automated testing</a:t>
+            </a:r>
+          </a:p>
+        </p:txBody>
+      </p:sp>
+      <p:sp>
+        <p:nvSpPr>
+          <p:cNvPr id="3" name="Content Placeholder 2">
+            <a:extLst>
+              <a:ext uri="{FF2B5EF4-FFF2-40B4-BE49-F238E27FC236}">
+                <a16:creationId xmlns:a16="http://schemas.microsoft.com/office/drawing/2014/main" id="{64247F1D-6C8B-B853-3EFF-B65CA6514402}"/>
+              </a:ext>
+            </a:extLst>
+          </p:cNvPr>
+          <p:cNvSpPr>
+            <a:spLocks noGrp="1"/>
+          </p:cNvSpPr>
+          <p:nvPr>
+            <p:ph idx="1"/>
+          </p:nvPr>
+        </p:nvSpPr>
+        <p:spPr/>
+        <p:txBody>
+          <a:bodyPr/>
+          <a:lstStyle/>
+          <a:p>
+            <a:pPr marL="0" marR="0" lvl="0" indent="0" algn="l" defTabSz="914400" rtl="0" eaLnBrk="0" fontAlgn="base" latinLnBrk="0" hangingPunct="0">
+              <a:lnSpc>
+                <a:spcPct val="100000"/>
+              </a:lnSpc>
+              <a:spcBef>
+                <a:spcPct val="0"/>
+              </a:spcBef>
+              <a:spcAft>
+                <a:spcPct val="0"/>
+              </a:spcAft>
+              <a:buClrTx/>
+              <a:buSzTx/>
+              <a:buFontTx/>
+              <a:buNone/>
+              <a:tabLst/>
+            </a:pPr>
+            <a:r>
+              <a:rPr lang="en-US" altLang="en-US" sz="2000" dirty="0"/>
+              <a:t>Provides multiple testing styles</a:t>
+            </a:r>
+          </a:p>
+          <a:p>
+            <a:pPr marL="0" marR="0" lvl="0" indent="0" algn="l" defTabSz="914400" rtl="0" eaLnBrk="0" fontAlgn="base" latinLnBrk="0" hangingPunct="0">
+              <a:lnSpc>
+                <a:spcPct val="100000"/>
+              </a:lnSpc>
+              <a:spcBef>
+                <a:spcPct val="0"/>
+              </a:spcBef>
+              <a:spcAft>
+                <a:spcPct val="0"/>
+              </a:spcAft>
+              <a:buClrTx/>
+              <a:buSzTx/>
+              <a:buFontTx/>
+              <a:buNone/>
+              <a:tabLst/>
+            </a:pPr>
+            <a:endParaRPr lang="en-US" altLang="en-US" sz="2000" dirty="0"/>
+          </a:p>
+          <a:p>
+            <a:pPr marL="0" marR="0" lvl="0" indent="0" algn="l" defTabSz="914400" rtl="0" eaLnBrk="0" fontAlgn="base" latinLnBrk="0" hangingPunct="0">
+              <a:lnSpc>
+                <a:spcPct val="100000"/>
+              </a:lnSpc>
+              <a:spcBef>
+                <a:spcPct val="0"/>
+              </a:spcBef>
+              <a:spcAft>
+                <a:spcPct val="0"/>
+              </a:spcAft>
+              <a:buClrTx/>
+              <a:buSzTx/>
+              <a:buFontTx/>
+              <a:buChar char="•"/>
+              <a:tabLst/>
+            </a:pPr>
+            <a:r>
+              <a:rPr lang="en-US" altLang="en-US" sz="2000" b="1" dirty="0"/>
+              <a:t>Unit Tests </a:t>
+            </a:r>
+            <a:r>
+              <a:rPr lang="en-US" altLang="en-US" sz="2000" dirty="0"/>
+              <a:t>are fast in-memory tests that mock all external calls.</a:t>
+            </a:r>
+          </a:p>
+          <a:p>
+            <a:pPr marL="0" marR="0" lvl="0" indent="0" algn="l" defTabSz="914400" rtl="0" eaLnBrk="0" fontAlgn="base" latinLnBrk="0" hangingPunct="0">
+              <a:lnSpc>
+                <a:spcPct val="100000"/>
+              </a:lnSpc>
+              <a:spcBef>
+                <a:spcPct val="0"/>
+              </a:spcBef>
+              <a:spcAft>
+                <a:spcPct val="0"/>
+              </a:spcAft>
+              <a:buClrTx/>
+              <a:buSzTx/>
+              <a:buFontTx/>
+              <a:buChar char="•"/>
+              <a:tabLst/>
+            </a:pPr>
+            <a:r>
+              <a:rPr lang="en-US" altLang="en-US" sz="2000" b="1" dirty="0"/>
+              <a:t>Property Tests </a:t>
+            </a:r>
+            <a:r>
+              <a:rPr lang="en-US" altLang="en-US" sz="2000" dirty="0"/>
+              <a:t>run resource-level assertions while infrastructure is being deployed.</a:t>
+            </a:r>
+          </a:p>
+          <a:p>
+            <a:pPr marL="0" marR="0" lvl="0" indent="0" algn="l" defTabSz="914400" rtl="0" eaLnBrk="0" fontAlgn="base" latinLnBrk="0" hangingPunct="0">
+              <a:lnSpc>
+                <a:spcPct val="100000"/>
+              </a:lnSpc>
+              <a:spcBef>
+                <a:spcPct val="0"/>
+              </a:spcBef>
+              <a:spcAft>
+                <a:spcPct val="0"/>
+              </a:spcAft>
+              <a:buClrTx/>
+              <a:buSzTx/>
+              <a:buFontTx/>
+              <a:buChar char="•"/>
+              <a:tabLst/>
+            </a:pPr>
+            <a:r>
+              <a:rPr lang="en-US" altLang="en-US" sz="2000" b="1" dirty="0"/>
+              <a:t>Integration Tests </a:t>
+            </a:r>
+            <a:r>
+              <a:rPr lang="en-US" altLang="en-US" sz="2000" dirty="0"/>
+              <a:t>deploy ephemeral infrastructure and run external tests against it.</a:t>
             </a:r>
           </a:p>
         </p:txBody>
@@ -10870,13 +11021,13 @@
           <p:nvPr>
             <p:extLst>
               <p:ext uri="{D42A27DB-BD31-4B8C-83A1-F6EECF244321}">
-                <p14:modId xmlns:p14="http://schemas.microsoft.com/office/powerpoint/2010/main" val="102573910"/>
+                <p14:modId xmlns:p14="http://schemas.microsoft.com/office/powerpoint/2010/main" val="1134836254"/>
               </p:ext>
             </p:extLst>
           </p:nvPr>
         </p:nvGraphicFramePr>
         <p:xfrm>
-          <a:off x="278235" y="3662600"/>
+          <a:off x="165114" y="3053421"/>
           <a:ext cx="11058988" cy="2804160"/>
         </p:xfrm>
         <a:graphic>
@@ -12545,157 +12696,6 @@
           </a:graphicData>
         </a:graphic>
       </p:graphicFrame>
-      <p:sp>
-        <p:nvSpPr>
-          <p:cNvPr id="7" name="TextBox 6">
-            <a:extLst>
-              <a:ext uri="{FF2B5EF4-FFF2-40B4-BE49-F238E27FC236}">
-                <a16:creationId xmlns:a16="http://schemas.microsoft.com/office/drawing/2014/main" id="{C2735102-CD0C-CFDB-269C-2AB57214F78B}"/>
-              </a:ext>
-            </a:extLst>
-          </p:cNvPr>
-          <p:cNvSpPr txBox="1"/>
-          <p:nvPr/>
-        </p:nvSpPr>
-        <p:spPr>
-          <a:xfrm>
-            <a:off x="278235" y="1933640"/>
-            <a:ext cx="11297991" cy="1631216"/>
-          </a:xfrm>
-          <a:prstGeom prst="rect">
-            <a:avLst/>
-          </a:prstGeom>
-          <a:noFill/>
-        </p:spPr>
-        <p:txBody>
-          <a:bodyPr wrap="square">
-            <a:spAutoFit/>
-          </a:bodyPr>
-          <a:lstStyle/>
-          <a:p>
-            <a:pPr marL="0" marR="0" lvl="0" indent="0" algn="l" defTabSz="914400" rtl="0" eaLnBrk="0" fontAlgn="base" latinLnBrk="0" hangingPunct="0">
-              <a:lnSpc>
-                <a:spcPct val="100000"/>
-              </a:lnSpc>
-              <a:spcBef>
-                <a:spcPct val="0"/>
-              </a:spcBef>
-              <a:spcAft>
-                <a:spcPct val="0"/>
-              </a:spcAft>
-              <a:buClrTx/>
-              <a:buSzTx/>
-              <a:buFontTx/>
-              <a:buNone/>
-              <a:tabLst/>
-            </a:pPr>
-            <a:r>
-              <a:rPr lang="en-US" altLang="en-US" sz="2000" dirty="0"/>
-              <a:t>Similarly, Pulumi provides multiple testing styles for cloud programs:</a:t>
-            </a:r>
-          </a:p>
-          <a:p>
-            <a:pPr marL="0" marR="0" lvl="0" indent="0" algn="l" defTabSz="914400" rtl="0" eaLnBrk="0" fontAlgn="base" latinLnBrk="0" hangingPunct="0">
-              <a:lnSpc>
-                <a:spcPct val="100000"/>
-              </a:lnSpc>
-              <a:spcBef>
-                <a:spcPct val="0"/>
-              </a:spcBef>
-              <a:spcAft>
-                <a:spcPct val="0"/>
-              </a:spcAft>
-              <a:buClrTx/>
-              <a:buSzTx/>
-              <a:buFontTx/>
-              <a:buChar char="•"/>
-              <a:tabLst/>
-            </a:pPr>
-            <a:r>
-              <a:rPr lang="en-US" altLang="en-US" sz="2000" b="1" dirty="0"/>
-              <a:t>Unit Tests </a:t>
-            </a:r>
-            <a:r>
-              <a:rPr lang="en-US" altLang="en-US" sz="2000" dirty="0"/>
-              <a:t>are fast in-memory tests that mock all external calls.</a:t>
-            </a:r>
-          </a:p>
-          <a:p>
-            <a:pPr marL="0" marR="0" lvl="0" indent="0" algn="l" defTabSz="914400" rtl="0" eaLnBrk="0" fontAlgn="base" latinLnBrk="0" hangingPunct="0">
-              <a:lnSpc>
-                <a:spcPct val="100000"/>
-              </a:lnSpc>
-              <a:spcBef>
-                <a:spcPct val="0"/>
-              </a:spcBef>
-              <a:spcAft>
-                <a:spcPct val="0"/>
-              </a:spcAft>
-              <a:buClrTx/>
-              <a:buSzTx/>
-              <a:buFontTx/>
-              <a:buChar char="•"/>
-              <a:tabLst/>
-            </a:pPr>
-            <a:r>
-              <a:rPr lang="en-US" altLang="en-US" sz="2000" b="1" dirty="0"/>
-              <a:t>Property Tests </a:t>
-            </a:r>
-            <a:r>
-              <a:rPr lang="en-US" altLang="en-US" sz="2000" dirty="0"/>
-              <a:t>run resource-level assertions while infrastructure is being deployed.</a:t>
-            </a:r>
-          </a:p>
-          <a:p>
-            <a:pPr marL="0" marR="0" lvl="0" indent="0" algn="l" defTabSz="914400" rtl="0" eaLnBrk="0" fontAlgn="base" latinLnBrk="0" hangingPunct="0">
-              <a:lnSpc>
-                <a:spcPct val="100000"/>
-              </a:lnSpc>
-              <a:spcBef>
-                <a:spcPct val="0"/>
-              </a:spcBef>
-              <a:spcAft>
-                <a:spcPct val="0"/>
-              </a:spcAft>
-              <a:buClrTx/>
-              <a:buSzTx/>
-              <a:buFontTx/>
-              <a:buChar char="•"/>
-              <a:tabLst/>
-            </a:pPr>
-            <a:r>
-              <a:rPr lang="en-US" altLang="en-US" sz="2000" b="1" dirty="0"/>
-              <a:t>Integration Tests </a:t>
-            </a:r>
-            <a:r>
-              <a:rPr lang="en-US" altLang="en-US" sz="2000" dirty="0"/>
-              <a:t>deploy ephemeral infrastructure and run external tests against it.</a:t>
-            </a:r>
-          </a:p>
-          <a:p>
-            <a:pPr marL="0" marR="0" lvl="0" indent="0" algn="l" defTabSz="914400" rtl="0" eaLnBrk="0" fontAlgn="base" latinLnBrk="0" hangingPunct="0">
-              <a:lnSpc>
-                <a:spcPct val="100000"/>
-              </a:lnSpc>
-              <a:spcBef>
-                <a:spcPct val="0"/>
-              </a:spcBef>
-              <a:spcAft>
-                <a:spcPct val="0"/>
-              </a:spcAft>
-              <a:buClrTx/>
-              <a:buSzTx/>
-              <a:buFontTx/>
-              <a:buNone/>
-              <a:tabLst/>
-            </a:pPr>
-            <a:r>
-              <a:rPr lang="en-US" altLang="en-US" sz="2000" dirty="0"/>
-              <a:t>The following table summarizes the differences between the three approaches:</a:t>
-            </a:r>
-          </a:p>
-        </p:txBody>
-      </p:sp>
     </p:spTree>
     <p:extLst>
       <p:ext uri="{BB962C8B-B14F-4D97-AF65-F5344CB8AC3E}">
@@ -12745,7 +12745,7 @@
         <p:spPr/>
         <p:txBody>
           <a:bodyPr>
-            <a:normAutofit/>
+            <a:normAutofit fontScale="90000"/>
           </a:bodyPr>
           <a:lstStyle/>
           <a:p>
@@ -12885,7 +12885,7 @@
         <p:spPr/>
         <p:txBody>
           <a:bodyPr>
-            <a:normAutofit fontScale="70000" lnSpcReduction="20000"/>
+            <a:normAutofit fontScale="92500" lnSpcReduction="20000"/>
           </a:bodyPr>
           <a:lstStyle/>
           <a:p>
@@ -13279,7 +13279,12 @@
             <p:ph idx="1"/>
           </p:nvPr>
         </p:nvSpPr>
-        <p:spPr/>
+        <p:spPr>
+          <a:xfrm>
+            <a:off x="0" y="2121408"/>
+            <a:ext cx="4519749" cy="4050792"/>
+          </a:xfrm>
+        </p:spPr>
         <p:txBody>
           <a:bodyPr/>
           <a:lstStyle/>
@@ -13359,10 +13364,151 @@
             <a:endParaRPr lang="en-IN" dirty="0"/>
           </a:p>
           <a:p>
+            <a:r>
+              <a:rPr lang="en-IN" dirty="0">
+                <a:hlinkClick r:id="rId3"/>
+              </a:rPr>
+              <a:t>https://</a:t>
+            </a:r>
+            <a:r>
+              <a:rPr lang="en-IN" dirty="0" err="1">
+                <a:hlinkClick r:id="rId3"/>
+              </a:rPr>
+              <a:t>s3.console.aws.amazon.com</a:t>
+            </a:r>
+            <a:r>
+              <a:rPr lang="en-IN" dirty="0">
+                <a:hlinkClick r:id="rId3"/>
+              </a:rPr>
+              <a:t>/</a:t>
+            </a:r>
+            <a:r>
+              <a:rPr lang="en-IN" dirty="0" err="1">
+                <a:hlinkClick r:id="rId3"/>
+              </a:rPr>
+              <a:t>s3</a:t>
+            </a:r>
+            <a:r>
+              <a:rPr lang="en-IN" dirty="0">
+                <a:hlinkClick r:id="rId3"/>
+              </a:rPr>
+              <a:t>/buckets</a:t>
+            </a:r>
+            <a:endParaRPr lang="en-IN" dirty="0"/>
+          </a:p>
+          <a:p>
+            <a:r>
+              <a:rPr lang="en-IN" dirty="0">
+                <a:hlinkClick r:id="rId4"/>
+              </a:rPr>
+              <a:t>https://</a:t>
+            </a:r>
+            <a:r>
+              <a:rPr lang="en-IN" dirty="0" err="1">
+                <a:hlinkClick r:id="rId4"/>
+              </a:rPr>
+              <a:t>app.pulumi.com</a:t>
+            </a:r>
+            <a:r>
+              <a:rPr lang="en-IN" dirty="0">
+                <a:hlinkClick r:id="rId4"/>
+              </a:rPr>
+              <a:t>/nagkumar/</a:t>
+            </a:r>
+            <a:r>
+              <a:rPr lang="en-IN" dirty="0" err="1">
+                <a:hlinkClick r:id="rId4"/>
+              </a:rPr>
+              <a:t>hw</a:t>
+            </a:r>
+            <a:r>
+              <a:rPr lang="en-IN" dirty="0">
+                <a:hlinkClick r:id="rId4"/>
+              </a:rPr>
+              <a:t>/dev/updates/19</a:t>
+            </a:r>
+            <a:r>
+              <a:rPr lang="en-IN" dirty="0"/>
+              <a:t> - PU</a:t>
+            </a:r>
+          </a:p>
+          <a:p>
+            <a:r>
+              <a:rPr lang="en-IN" dirty="0">
+                <a:hlinkClick r:id="rId5"/>
+              </a:rPr>
+              <a:t>https://</a:t>
+            </a:r>
+            <a:r>
+              <a:rPr lang="en-IN" dirty="0" err="1">
+                <a:hlinkClick r:id="rId5"/>
+              </a:rPr>
+              <a:t>app.pulumi.com</a:t>
+            </a:r>
+            <a:r>
+              <a:rPr lang="en-IN" dirty="0">
+                <a:hlinkClick r:id="rId5"/>
+              </a:rPr>
+              <a:t>/nagkumar/</a:t>
+            </a:r>
+            <a:r>
+              <a:rPr lang="en-IN" dirty="0" err="1">
+                <a:hlinkClick r:id="rId5"/>
+              </a:rPr>
+              <a:t>hw</a:t>
+            </a:r>
+            <a:r>
+              <a:rPr lang="en-IN" dirty="0">
+                <a:hlinkClick r:id="rId5"/>
+              </a:rPr>
+              <a:t>/dev/updates/20-</a:t>
+            </a:r>
+            <a:r>
+              <a:rPr lang="en-IN" dirty="0"/>
+              <a:t> PD</a:t>
+            </a:r>
+          </a:p>
+          <a:p>
+            <a:endParaRPr lang="en-IN" dirty="0"/>
+          </a:p>
+          <a:p>
+            <a:endParaRPr lang="en-IN" dirty="0"/>
+          </a:p>
+          <a:p>
             <a:endParaRPr lang="en-IN" dirty="0"/>
           </a:p>
         </p:txBody>
       </p:sp>
+      <p:pic>
+        <p:nvPicPr>
+          <p:cNvPr id="5" name="Picture 4">
+            <a:extLst>
+              <a:ext uri="{FF2B5EF4-FFF2-40B4-BE49-F238E27FC236}">
+                <a16:creationId xmlns:a16="http://schemas.microsoft.com/office/drawing/2014/main" id="{3EA405A0-0D46-0C24-3D07-DF4DF94CD3F1}"/>
+              </a:ext>
+            </a:extLst>
+          </p:cNvPr>
+          <p:cNvPicPr>
+            <a:picLocks noChangeAspect="1"/>
+          </p:cNvPicPr>
+          <p:nvPr/>
+        </p:nvPicPr>
+        <p:blipFill>
+          <a:blip r:embed="rId6"/>
+          <a:stretch>
+            <a:fillRect/>
+          </a:stretch>
+        </p:blipFill>
+        <p:spPr>
+          <a:xfrm>
+            <a:off x="4519749" y="1881052"/>
+            <a:ext cx="8444231" cy="4492316"/>
+          </a:xfrm>
+          <a:prstGeom prst="rect">
+            <a:avLst/>
+          </a:prstGeom>
+        </p:spPr>
+      </p:pic>
     </p:spTree>
     <p:extLst>
       <p:ext uri="{BB962C8B-B14F-4D97-AF65-F5344CB8AC3E}">
@@ -13415,8 +13561,12 @@
           <a:lstStyle/>
           <a:p>
             <a:r>
+              <a:rPr lang="en-IN" dirty="0" err="1"/>
+              <a:t>HW</a:t>
+            </a:r>
+            <a:r>
               <a:rPr lang="en-IN" dirty="0"/>
-              <a:t>Example gcp bucket</a:t>
+              <a:t> - gcp bucket</a:t>
             </a:r>
           </a:p>
         </p:txBody>
@@ -13504,8 +13654,161 @@
             </a:r>
             <a:endParaRPr lang="en-IN" dirty="0"/>
           </a:p>
+          <a:p>
+            <a:r>
+              <a:rPr lang="en-IN" dirty="0">
+                <a:hlinkClick r:id="rId3"/>
+              </a:rPr>
+              <a:t>https://</a:t>
+            </a:r>
+            <a:r>
+              <a:rPr lang="en-IN" dirty="0" err="1">
+                <a:hlinkClick r:id="rId3"/>
+              </a:rPr>
+              <a:t>console.cloud.google.com</a:t>
+            </a:r>
+            <a:r>
+              <a:rPr lang="en-IN" dirty="0">
+                <a:hlinkClick r:id="rId3"/>
+              </a:rPr>
+              <a:t>/storage/</a:t>
+            </a:r>
+            <a:r>
+              <a:rPr lang="en-IN" dirty="0" err="1">
+                <a:hlinkClick r:id="rId3"/>
+              </a:rPr>
+              <a:t>browser?referrer</a:t>
+            </a:r>
+            <a:r>
+              <a:rPr lang="en-IN" dirty="0">
+                <a:hlinkClick r:id="rId3"/>
+              </a:rPr>
+              <a:t>=</a:t>
+            </a:r>
+            <a:r>
+              <a:rPr lang="en-IN" dirty="0" err="1">
+                <a:hlinkClick r:id="rId3"/>
+              </a:rPr>
+              <a:t>search&amp;project</a:t>
+            </a:r>
+            <a:r>
+              <a:rPr lang="en-IN" dirty="0">
+                <a:hlinkClick r:id="rId3"/>
+              </a:rPr>
+              <a:t>=</a:t>
+            </a:r>
+            <a:r>
+              <a:rPr lang="en-IN" dirty="0" err="1">
+                <a:hlinkClick r:id="rId3"/>
+              </a:rPr>
+              <a:t>testgcp-360409&amp;prefix</a:t>
+            </a:r>
+            <a:r>
+              <a:rPr lang="en-IN" dirty="0">
+                <a:hlinkClick r:id="rId3"/>
+              </a:rPr>
+              <a:t>=</a:t>
+            </a:r>
+            <a:endParaRPr lang="en-IN" dirty="0"/>
+          </a:p>
+          <a:p>
+            <a:r>
+              <a:rPr lang="en-IN" dirty="0">
+                <a:hlinkClick r:id="rId4"/>
+              </a:rPr>
+              <a:t>https://</a:t>
+            </a:r>
+            <a:r>
+              <a:rPr lang="en-IN" dirty="0" err="1">
+                <a:hlinkClick r:id="rId4"/>
+              </a:rPr>
+              <a:t>app.pulumi.com</a:t>
+            </a:r>
+            <a:r>
+              <a:rPr lang="en-IN" dirty="0">
+                <a:hlinkClick r:id="rId4"/>
+              </a:rPr>
+              <a:t>/nagkumar/</a:t>
+            </a:r>
+            <a:r>
+              <a:rPr lang="en-IN" dirty="0" err="1">
+                <a:hlinkClick r:id="rId4"/>
+              </a:rPr>
+              <a:t>ramu</a:t>
+            </a:r>
+            <a:r>
+              <a:rPr lang="en-IN" dirty="0">
+                <a:hlinkClick r:id="rId4"/>
+              </a:rPr>
+              <a:t>/dev/updates/16</a:t>
+            </a:r>
+            <a:endParaRPr lang="en-IN" dirty="0"/>
+          </a:p>
+          <a:p>
+            <a:r>
+              <a:rPr lang="en-IN" dirty="0">
+                <a:hlinkClick r:id="rId5"/>
+              </a:rPr>
+              <a:t>https://</a:t>
+            </a:r>
+            <a:r>
+              <a:rPr lang="en-IN" dirty="0" err="1">
+                <a:hlinkClick r:id="rId5"/>
+              </a:rPr>
+              <a:t>app.pulumi.com</a:t>
+            </a:r>
+            <a:r>
+              <a:rPr lang="en-IN" dirty="0">
+                <a:hlinkClick r:id="rId5"/>
+              </a:rPr>
+              <a:t>/nagkumar/</a:t>
+            </a:r>
+            <a:r>
+              <a:rPr lang="en-IN" dirty="0" err="1">
+                <a:hlinkClick r:id="rId5"/>
+              </a:rPr>
+              <a:t>ramu</a:t>
+            </a:r>
+            <a:r>
+              <a:rPr lang="en-IN" dirty="0">
+                <a:hlinkClick r:id="rId5"/>
+              </a:rPr>
+              <a:t>/dev/updates/17</a:t>
+            </a:r>
+            <a:endParaRPr lang="en-IN" dirty="0"/>
+          </a:p>
         </p:txBody>
       </p:sp>
+      <p:pic>
+        <p:nvPicPr>
+          <p:cNvPr id="6" name="Picture 5">
+            <a:extLst>
+              <a:ext uri="{FF2B5EF4-FFF2-40B4-BE49-F238E27FC236}">
+                <a16:creationId xmlns:a16="http://schemas.microsoft.com/office/drawing/2014/main" id="{BEFF396D-E10D-355A-A137-7DD09E719E70}"/>
+              </a:ext>
+            </a:extLst>
+          </p:cNvPr>
+          <p:cNvPicPr>
+            <a:picLocks noChangeAspect="1"/>
+          </p:cNvPicPr>
+          <p:nvPr/>
+        </p:nvPicPr>
+        <p:blipFill>
+          <a:blip r:embed="rId6"/>
+          <a:stretch>
+            <a:fillRect/>
+          </a:stretch>
+        </p:blipFill>
+        <p:spPr>
+          <a:xfrm>
+            <a:off x="0" y="3502906"/>
+            <a:ext cx="12192000" cy="2587658"/>
+          </a:xfrm>
+          <a:prstGeom prst="rect">
+            <a:avLst/>
+          </a:prstGeom>
+        </p:spPr>
+      </p:pic>
     </p:spTree>
     <p:extLst>
       <p:ext uri="{BB962C8B-B14F-4D97-AF65-F5344CB8AC3E}">
@@ -13552,7 +13855,12 @@
             <p:ph type="title"/>
           </p:nvPr>
         </p:nvSpPr>
-        <p:spPr/>
+        <p:spPr>
+          <a:xfrm>
+            <a:off x="0" y="0"/>
+            <a:ext cx="10058400" cy="1609344"/>
+          </a:xfrm>
+        </p:spPr>
         <p:txBody>
           <a:bodyPr/>
           <a:lstStyle/>
@@ -13580,7 +13888,12 @@
             <p:ph idx="1"/>
           </p:nvPr>
         </p:nvSpPr>
-        <p:spPr/>
+        <p:spPr>
+          <a:xfrm>
+            <a:off x="43992" y="1111373"/>
+            <a:ext cx="12104016" cy="4050792"/>
+          </a:xfrm>
+        </p:spPr>
         <p:txBody>
           <a:bodyPr/>
           <a:lstStyle/>
@@ -13657,10 +13970,152 @@
               </a:rPr>
               <a:t>hw</a:t>
             </a:r>
+            <a:endParaRPr lang="fr-FR" dirty="0"/>
+          </a:p>
+          <a:p>
+            <a:r>
+              <a:rPr lang="en-IN" dirty="0">
+                <a:hlinkClick r:id="rId3"/>
+              </a:rPr>
+              <a:t>https://</a:t>
+            </a:r>
+            <a:r>
+              <a:rPr lang="en-IN" dirty="0" err="1">
+                <a:hlinkClick r:id="rId3"/>
+              </a:rPr>
+              <a:t>portal.azure.com</a:t>
+            </a:r>
+            <a:r>
+              <a:rPr lang="en-IN" dirty="0">
+                <a:hlinkClick r:id="rId3"/>
+              </a:rPr>
+              <a:t>/#view/</a:t>
+            </a:r>
+            <a:r>
+              <a:rPr lang="en-IN" dirty="0" err="1">
+                <a:hlinkClick r:id="rId3"/>
+              </a:rPr>
+              <a:t>HubsExtension</a:t>
+            </a:r>
+            <a:r>
+              <a:rPr lang="en-IN" dirty="0">
+                <a:hlinkClick r:id="rId3"/>
+              </a:rPr>
+              <a:t>/</a:t>
+            </a:r>
+            <a:r>
+              <a:rPr lang="en-IN" dirty="0" err="1">
+                <a:hlinkClick r:id="rId3"/>
+              </a:rPr>
+              <a:t>BrowseResource</a:t>
+            </a:r>
+            <a:r>
+              <a:rPr lang="en-IN" dirty="0">
+                <a:hlinkClick r:id="rId3"/>
+              </a:rPr>
+              <a:t>/</a:t>
+            </a:r>
+            <a:r>
+              <a:rPr lang="en-IN" dirty="0" err="1">
+                <a:hlinkClick r:id="rId3"/>
+              </a:rPr>
+              <a:t>resourceType</a:t>
+            </a:r>
+            <a:r>
+              <a:rPr lang="en-IN" dirty="0">
+                <a:hlinkClick r:id="rId3"/>
+              </a:rPr>
+              <a:t>/</a:t>
+            </a:r>
+            <a:r>
+              <a:rPr lang="en-IN" dirty="0" err="1">
+                <a:hlinkClick r:id="rId3"/>
+              </a:rPr>
+              <a:t>Microsoft.Storage%2FStorageAccounts</a:t>
+            </a:r>
+            <a:endParaRPr lang="fr-FR" dirty="0"/>
+          </a:p>
+          <a:p>
+            <a:r>
+              <a:rPr lang="en-IN" dirty="0"/>
+              <a:t> </a:t>
+            </a:r>
+            <a:r>
+              <a:rPr lang="en-IN" dirty="0">
+                <a:hlinkClick r:id="rId4"/>
+              </a:rPr>
+              <a:t>https://</a:t>
+            </a:r>
+            <a:r>
+              <a:rPr lang="en-IN" dirty="0" err="1">
+                <a:hlinkClick r:id="rId4"/>
+              </a:rPr>
+              <a:t>app.pulumi.com</a:t>
+            </a:r>
+            <a:r>
+              <a:rPr lang="en-IN" dirty="0">
+                <a:hlinkClick r:id="rId4"/>
+              </a:rPr>
+              <a:t>/nagkumar/azure/dev/updates/11</a:t>
+            </a:r>
+            <a:endParaRPr lang="fr-FR" dirty="0"/>
+          </a:p>
+          <a:p>
+            <a:r>
+              <a:rPr lang="en-IN" dirty="0">
+                <a:hlinkClick r:id="rId5"/>
+              </a:rPr>
+              <a:t>https://</a:t>
+            </a:r>
+            <a:r>
+              <a:rPr lang="en-IN" dirty="0" err="1">
+                <a:hlinkClick r:id="rId5"/>
+              </a:rPr>
+              <a:t>app.pulumi.com</a:t>
+            </a:r>
+            <a:r>
+              <a:rPr lang="en-IN" dirty="0">
+                <a:hlinkClick r:id="rId5"/>
+              </a:rPr>
+              <a:t>/nagkumar/azure/dev/updates/12</a:t>
+            </a:r>
+            <a:endParaRPr lang="en-IN" dirty="0"/>
+          </a:p>
+          <a:p>
             <a:endParaRPr lang="en-IN" dirty="0"/>
           </a:p>
         </p:txBody>
       </p:sp>
+      <p:pic>
+        <p:nvPicPr>
+          <p:cNvPr id="5" name="Picture 4">
+            <a:extLst>
+              <a:ext uri="{FF2B5EF4-FFF2-40B4-BE49-F238E27FC236}">
+                <a16:creationId xmlns:a16="http://schemas.microsoft.com/office/drawing/2014/main" id="{C6197266-2A9E-2B97-101B-C59840844E0E}"/>
+              </a:ext>
+            </a:extLst>
+          </p:cNvPr>
+          <p:cNvPicPr>
+            <a:picLocks noChangeAspect="1"/>
+          </p:cNvPicPr>
+          <p:nvPr/>
+        </p:nvPicPr>
+        <p:blipFill>
+          <a:blip r:embed="rId6"/>
+          <a:stretch>
+            <a:fillRect/>
+          </a:stretch>
+        </p:blipFill>
+        <p:spPr>
+          <a:xfrm>
+            <a:off x="0" y="3136769"/>
+            <a:ext cx="12192000" cy="3367001"/>
+          </a:xfrm>
+          <a:prstGeom prst="rect">
+            <a:avLst/>
+          </a:prstGeom>
+        </p:spPr>
+      </p:pic>
     </p:spTree>
     <p:extLst>
       <p:ext uri="{BB962C8B-B14F-4D97-AF65-F5344CB8AC3E}">
@@ -13707,7 +14162,12 @@
             <p:ph type="title"/>
           </p:nvPr>
         </p:nvSpPr>
-        <p:spPr/>
+        <p:spPr>
+          <a:xfrm>
+            <a:off x="0" y="32939"/>
+            <a:ext cx="10058400" cy="1609344"/>
+          </a:xfrm>
+        </p:spPr>
         <p:txBody>
           <a:bodyPr/>
           <a:lstStyle/>

--- a/docs/IaC_Devopedia_Sep_2022.pptx
+++ b/docs/IaC_Devopedia_Sep_2022.pptx
@@ -33,26 +33,30 @@
     <p:sldId id="298" r:id="rId27"/>
     <p:sldId id="286" r:id="rId28"/>
     <p:sldId id="264" r:id="rId29"/>
-    <p:sldId id="273" r:id="rId30"/>
-    <p:sldId id="276" r:id="rId31"/>
-    <p:sldId id="287" r:id="rId32"/>
-    <p:sldId id="299" r:id="rId33"/>
-    <p:sldId id="300" r:id="rId34"/>
-    <p:sldId id="301" r:id="rId35"/>
-    <p:sldId id="302" r:id="rId36"/>
-    <p:sldId id="305" r:id="rId37"/>
-    <p:sldId id="306" r:id="rId38"/>
-    <p:sldId id="303" r:id="rId39"/>
-    <p:sldId id="304" r:id="rId40"/>
-    <p:sldId id="280" r:id="rId41"/>
-    <p:sldId id="281" r:id="rId42"/>
-    <p:sldId id="282" r:id="rId43"/>
-    <p:sldId id="284" r:id="rId44"/>
-    <p:sldId id="285" r:id="rId45"/>
-    <p:sldId id="274" r:id="rId46"/>
-    <p:sldId id="288" r:id="rId47"/>
-    <p:sldId id="269" r:id="rId48"/>
-    <p:sldId id="265" r:id="rId49"/>
+    <p:sldId id="276" r:id="rId30"/>
+    <p:sldId id="287" r:id="rId31"/>
+    <p:sldId id="299" r:id="rId32"/>
+    <p:sldId id="300" r:id="rId33"/>
+    <p:sldId id="301" r:id="rId34"/>
+    <p:sldId id="273" r:id="rId35"/>
+    <p:sldId id="307" r:id="rId36"/>
+    <p:sldId id="308" r:id="rId37"/>
+    <p:sldId id="310" r:id="rId38"/>
+    <p:sldId id="309" r:id="rId39"/>
+    <p:sldId id="302" r:id="rId40"/>
+    <p:sldId id="305" r:id="rId41"/>
+    <p:sldId id="306" r:id="rId42"/>
+    <p:sldId id="303" r:id="rId43"/>
+    <p:sldId id="304" r:id="rId44"/>
+    <p:sldId id="280" r:id="rId45"/>
+    <p:sldId id="281" r:id="rId46"/>
+    <p:sldId id="282" r:id="rId47"/>
+    <p:sldId id="284" r:id="rId48"/>
+    <p:sldId id="285" r:id="rId49"/>
+    <p:sldId id="274" r:id="rId50"/>
+    <p:sldId id="288" r:id="rId51"/>
+    <p:sldId id="269" r:id="rId52"/>
+    <p:sldId id="265" r:id="rId53"/>
   </p:sldIdLst>
   <p:sldSz cx="12192000" cy="6858000"/>
   <p:notesSz cx="6858000" cy="9144000"/>
@@ -10842,6 +10846,1416 @@
           <p:cNvPr id="2" name="Title 1">
             <a:extLst>
               <a:ext uri="{FF2B5EF4-FFF2-40B4-BE49-F238E27FC236}">
+                <a16:creationId xmlns:a16="http://schemas.microsoft.com/office/drawing/2014/main" id="{12989A19-6CD0-7038-364A-57E0E302BAF6}"/>
+              </a:ext>
+            </a:extLst>
+          </p:cNvPr>
+          <p:cNvSpPr>
+            <a:spLocks noGrp="1"/>
+          </p:cNvSpPr>
+          <p:nvPr>
+            <p:ph type="title"/>
+          </p:nvPr>
+        </p:nvSpPr>
+        <p:spPr/>
+        <p:txBody>
+          <a:bodyPr/>
+          <a:lstStyle/>
+          <a:p>
+            <a:r>
+              <a:rPr lang="en-IN" dirty="0"/>
+              <a:t>marketplace - Pulumi Registry</a:t>
+            </a:r>
+          </a:p>
+        </p:txBody>
+      </p:sp>
+      <p:sp>
+        <p:nvSpPr>
+          <p:cNvPr id="3" name="Content Placeholder 2">
+            <a:extLst>
+              <a:ext uri="{FF2B5EF4-FFF2-40B4-BE49-F238E27FC236}">
+                <a16:creationId xmlns:a16="http://schemas.microsoft.com/office/drawing/2014/main" id="{E4547EF8-6DD4-87C3-9C9A-6DDB109A0188}"/>
+              </a:ext>
+            </a:extLst>
+          </p:cNvPr>
+          <p:cNvSpPr>
+            <a:spLocks noGrp="1"/>
+          </p:cNvSpPr>
+          <p:nvPr>
+            <p:ph idx="1"/>
+          </p:nvPr>
+        </p:nvSpPr>
+        <p:spPr/>
+        <p:txBody>
+          <a:bodyPr>
+            <a:normAutofit fontScale="92500" lnSpcReduction="20000"/>
+          </a:bodyPr>
+          <a:lstStyle/>
+          <a:p>
+            <a:r>
+              <a:rPr lang="en-IN" dirty="0"/>
+              <a:t>Packages</a:t>
+            </a:r>
+          </a:p>
+          <a:p>
+            <a:pPr marL="0" marR="0" lvl="0" indent="0" algn="l" defTabSz="914400" rtl="0" eaLnBrk="0" fontAlgn="base" latinLnBrk="0" hangingPunct="0">
+              <a:lnSpc>
+                <a:spcPct val="100000"/>
+              </a:lnSpc>
+              <a:spcBef>
+                <a:spcPct val="0"/>
+              </a:spcBef>
+              <a:spcAft>
+                <a:spcPct val="0"/>
+              </a:spcAft>
+              <a:buClrTx/>
+              <a:buSzTx/>
+              <a:buFontTx/>
+              <a:buNone/>
+              <a:tabLst/>
+            </a:pPr>
+            <a:endParaRPr kumimoji="0" lang="en-US" altLang="en-US" sz="2000" b="0" i="0" u="none" strike="noStrike" cap="none" normalizeH="0" baseline="0" dirty="0">
+              <a:ln>
+                <a:noFill/>
+              </a:ln>
+              <a:solidFill>
+                <a:schemeClr val="tx1"/>
+              </a:solidFill>
+              <a:effectLst/>
+              <a:latin typeface="Arial" panose="020B0604020202020204" pitchFamily="34" charset="0"/>
+            </a:endParaRPr>
+          </a:p>
+          <a:p>
+            <a:pPr marL="274320" lvl="1" indent="0" eaLnBrk="0" fontAlgn="base" hangingPunct="0">
+              <a:lnSpc>
+                <a:spcPct val="100000"/>
+              </a:lnSpc>
+              <a:spcBef>
+                <a:spcPct val="0"/>
+              </a:spcBef>
+              <a:spcAft>
+                <a:spcPct val="0"/>
+              </a:spcAft>
+              <a:buClrTx/>
+              <a:buSzTx/>
+              <a:buNone/>
+            </a:pPr>
+            <a:r>
+              <a:rPr lang="en-US" altLang="en-US" sz="2000" dirty="0"/>
+              <a:t>There are currently 3 different types of Pulumi Packages:</a:t>
+            </a:r>
+          </a:p>
+          <a:p>
+            <a:pPr marL="274320" lvl="1" indent="0" eaLnBrk="0" fontAlgn="base" hangingPunct="0">
+              <a:lnSpc>
+                <a:spcPct val="100000"/>
+              </a:lnSpc>
+              <a:spcBef>
+                <a:spcPct val="0"/>
+              </a:spcBef>
+              <a:spcAft>
+                <a:spcPct val="0"/>
+              </a:spcAft>
+              <a:buClrTx/>
+              <a:buSzTx/>
+              <a:buNone/>
+            </a:pPr>
+            <a:endParaRPr lang="en-US" altLang="en-US" sz="2000" dirty="0"/>
+          </a:p>
+          <a:p>
+            <a:pPr marL="731520" lvl="1" indent="-457200" eaLnBrk="0" fontAlgn="base" hangingPunct="0">
+              <a:lnSpc>
+                <a:spcPct val="100000"/>
+              </a:lnSpc>
+              <a:spcBef>
+                <a:spcPct val="0"/>
+              </a:spcBef>
+              <a:spcAft>
+                <a:spcPct val="0"/>
+              </a:spcAft>
+              <a:buClrTx/>
+              <a:buSzTx/>
+              <a:buFont typeface="+mj-lt"/>
+              <a:buAutoNum type="arabicPeriod"/>
+            </a:pPr>
+            <a:r>
+              <a:rPr lang="en-US" altLang="en-US" sz="2000" dirty="0"/>
+              <a:t>Native Pulumi Provider Package: Use the full features of the Pulumi resource model to create a provider for a new cloud platform. </a:t>
+            </a:r>
+            <a:br>
+              <a:rPr lang="en-US" altLang="en-US" sz="2000" dirty="0"/>
+            </a:br>
+            <a:r>
+              <a:rPr lang="en-US" altLang="en-US" sz="2000" dirty="0"/>
+              <a:t>Examples: the Kubernetes, azure-native, and google-native packages.</a:t>
+            </a:r>
+          </a:p>
+          <a:p>
+            <a:pPr marL="731520" lvl="1" indent="-457200" eaLnBrk="0" fontAlgn="base" hangingPunct="0">
+              <a:lnSpc>
+                <a:spcPct val="100000"/>
+              </a:lnSpc>
+              <a:spcBef>
+                <a:spcPct val="0"/>
+              </a:spcBef>
+              <a:spcAft>
+                <a:spcPct val="0"/>
+              </a:spcAft>
+              <a:buClrTx/>
+              <a:buSzTx/>
+              <a:buFont typeface="+mj-lt"/>
+              <a:buAutoNum type="arabicPeriod"/>
+            </a:pPr>
+            <a:r>
+              <a:rPr lang="en-US" altLang="en-US" sz="2000" dirty="0"/>
+              <a:t>Bridged Provider Package: Take an existing resource provider from another supported ecosystem (like a Terraform provider), and bridge it to be exposed as a Pulumi Package. </a:t>
+            </a:r>
+            <a:br>
+              <a:rPr lang="en-US" altLang="en-US" sz="2000" dirty="0"/>
+            </a:br>
+            <a:r>
+              <a:rPr lang="en-US" altLang="en-US" sz="2000" dirty="0"/>
+              <a:t>Examples: the </a:t>
+            </a:r>
+            <a:r>
+              <a:rPr lang="en-US" altLang="en-US" sz="2000" dirty="0" err="1"/>
+              <a:t>aws</a:t>
+            </a:r>
+            <a:r>
+              <a:rPr lang="en-US" altLang="en-US" sz="2000" dirty="0"/>
+              <a:t>, </a:t>
+            </a:r>
+            <a:r>
+              <a:rPr lang="en-US" altLang="en-US" sz="2000" dirty="0" err="1"/>
+              <a:t>tls</a:t>
+            </a:r>
+            <a:r>
+              <a:rPr lang="en-US" altLang="en-US" sz="2000" dirty="0"/>
+              <a:t>, and Cloudflare packages.</a:t>
+            </a:r>
+          </a:p>
+          <a:p>
+            <a:pPr marL="731520" lvl="1" indent="-457200" eaLnBrk="0" fontAlgn="base" hangingPunct="0">
+              <a:lnSpc>
+                <a:spcPct val="100000"/>
+              </a:lnSpc>
+              <a:spcBef>
+                <a:spcPct val="0"/>
+              </a:spcBef>
+              <a:spcAft>
+                <a:spcPct val="0"/>
+              </a:spcAft>
+              <a:buClrTx/>
+              <a:buSzTx/>
+              <a:buFont typeface="+mj-lt"/>
+              <a:buAutoNum type="arabicPeriod"/>
+            </a:pPr>
+            <a:r>
+              <a:rPr lang="en-US" altLang="en-US" sz="2000" dirty="0"/>
+              <a:t>Component Package: Write a Pulumi Component in your language of choice and expose it to users in all Pulumi languages. </a:t>
+            </a:r>
+            <a:br>
+              <a:rPr lang="en-US" altLang="en-US" sz="2000" dirty="0"/>
+            </a:br>
+            <a:r>
+              <a:rPr lang="en-US" altLang="en-US" sz="2000" dirty="0"/>
+              <a:t>Example: the </a:t>
+            </a:r>
+            <a:r>
+              <a:rPr lang="en-US" altLang="en-US" sz="2000" dirty="0" err="1"/>
+              <a:t>eks</a:t>
+            </a:r>
+            <a:r>
+              <a:rPr lang="en-US" altLang="en-US" sz="2000" dirty="0"/>
+              <a:t> package.</a:t>
+            </a:r>
+          </a:p>
+          <a:p>
+            <a:r>
+              <a:rPr lang="en-IN" dirty="0"/>
+              <a:t>Providers</a:t>
+            </a:r>
+          </a:p>
+          <a:p>
+            <a:r>
+              <a:rPr lang="en-IN" dirty="0"/>
+              <a:t>Native Providers</a:t>
+            </a:r>
+          </a:p>
+          <a:p>
+            <a:r>
+              <a:rPr lang="en-IN" dirty="0"/>
+              <a:t>Resource Providers</a:t>
+            </a:r>
+          </a:p>
+          <a:p>
+            <a:r>
+              <a:rPr lang="en-IN" dirty="0"/>
+              <a:t>Component</a:t>
+            </a:r>
+          </a:p>
+          <a:p>
+            <a:r>
+              <a:rPr lang="en-IN" dirty="0">
+                <a:hlinkClick r:id="rId2"/>
+              </a:rPr>
+              <a:t>https://</a:t>
+            </a:r>
+            <a:r>
+              <a:rPr lang="en-IN" dirty="0" err="1">
+                <a:hlinkClick r:id="rId2"/>
+              </a:rPr>
+              <a:t>www.pulumi.com</a:t>
+            </a:r>
+            <a:r>
+              <a:rPr lang="en-IN" dirty="0">
+                <a:hlinkClick r:id="rId2"/>
+              </a:rPr>
+              <a:t>/docs/guides/pulumi-packages/how-to-author/</a:t>
+            </a:r>
+            <a:endParaRPr lang="en-IN" dirty="0"/>
+          </a:p>
+          <a:p>
+            <a:endParaRPr lang="en-IN" dirty="0"/>
+          </a:p>
+          <a:p>
+            <a:endParaRPr lang="en-IN" dirty="0"/>
+          </a:p>
+        </p:txBody>
+      </p:sp>
+    </p:spTree>
+    <p:extLst>
+      <p:ext uri="{BB962C8B-B14F-4D97-AF65-F5344CB8AC3E}">
+        <p14:creationId xmlns:p14="http://schemas.microsoft.com/office/powerpoint/2010/main" val="994949540"/>
+      </p:ext>
+    </p:extLst>
+  </p:cSld>
+  <p:clrMapOvr>
+    <a:masterClrMapping/>
+  </p:clrMapOvr>
+</p:sld>
+</file>
+
+<file path=ppt/slides/slide3.xml><?xml version="1.0" encoding="utf-8"?>
+<p:sld xmlns:a="http://schemas.openxmlformats.org/drawingml/2006/main" xmlns:r="http://schemas.openxmlformats.org/officeDocument/2006/relationships" xmlns:p="http://schemas.openxmlformats.org/presentationml/2006/main">
+  <p:cSld>
+    <p:spTree>
+      <p:nvGrpSpPr>
+        <p:cNvPr id="1" name=""/>
+        <p:cNvGrpSpPr/>
+        <p:nvPr/>
+      </p:nvGrpSpPr>
+      <p:grpSpPr>
+        <a:xfrm>
+          <a:off x="0" y="0"/>
+          <a:ext cx="0" cy="0"/>
+          <a:chOff x="0" y="0"/>
+          <a:chExt cx="0" cy="0"/>
+        </a:xfrm>
+      </p:grpSpPr>
+      <p:sp>
+        <p:nvSpPr>
+          <p:cNvPr id="2" name="Title 1">
+            <a:extLst>
+              <a:ext uri="{FF2B5EF4-FFF2-40B4-BE49-F238E27FC236}">
+                <a16:creationId xmlns:a16="http://schemas.microsoft.com/office/drawing/2014/main" id="{CDDBD12E-6F6E-1FA0-4C05-06CDA68193E6}"/>
+              </a:ext>
+            </a:extLst>
+          </p:cNvPr>
+          <p:cNvSpPr>
+            <a:spLocks noGrp="1"/>
+          </p:cNvSpPr>
+          <p:nvPr>
+            <p:ph type="title"/>
+          </p:nvPr>
+        </p:nvSpPr>
+        <p:spPr/>
+        <p:txBody>
+          <a:bodyPr>
+            <a:normAutofit fontScale="90000"/>
+          </a:bodyPr>
+          <a:lstStyle/>
+          <a:p>
+            <a:pPr marL="3054350" indent="-3054350"/>
+            <a:r>
+              <a:rPr lang="en-IN" dirty="0"/>
+              <a:t>&lt;Lc/</a:t>
+            </a:r>
+            <a:r>
+              <a:rPr lang="en-IN" dirty="0" err="1"/>
+              <a:t>nc</a:t>
+            </a:r>
+            <a:r>
+              <a:rPr lang="en-IN" dirty="0"/>
+              <a:t>&gt; - LOW CODE/NO CODE </a:t>
+            </a:r>
+            <a:r>
+              <a:rPr lang="en-IN" dirty="0" err="1"/>
+              <a:t>Devops</a:t>
+            </a:r>
+            <a:br>
+              <a:rPr lang="en-IN" dirty="0"/>
+            </a:br>
+            <a:r>
+              <a:rPr lang="en-IN" sz="2400" dirty="0"/>
+              <a:t>to Everything as CODE</a:t>
+            </a:r>
+            <a:endParaRPr lang="en-IN" dirty="0"/>
+          </a:p>
+        </p:txBody>
+      </p:sp>
+      <p:graphicFrame>
+        <p:nvGraphicFramePr>
+          <p:cNvPr id="4" name="Content Placeholder 3">
+            <a:extLst>
+              <a:ext uri="{FF2B5EF4-FFF2-40B4-BE49-F238E27FC236}">
+                <a16:creationId xmlns:a16="http://schemas.microsoft.com/office/drawing/2014/main" id="{A5618265-EB56-DCB9-04E7-2B2A5A566A22}"/>
+              </a:ext>
+            </a:extLst>
+          </p:cNvPr>
+          <p:cNvGraphicFramePr>
+            <a:graphicFrameLocks noGrp="1"/>
+          </p:cNvGraphicFramePr>
+          <p:nvPr>
+            <p:ph idx="1"/>
+            <p:extLst>
+              <p:ext uri="{D42A27DB-BD31-4B8C-83A1-F6EECF244321}">
+                <p14:modId xmlns:p14="http://schemas.microsoft.com/office/powerpoint/2010/main" val="241221072"/>
+              </p:ext>
+            </p:extLst>
+          </p:nvPr>
+        </p:nvGraphicFramePr>
+        <p:xfrm>
+          <a:off x="1069848" y="2121408"/>
+          <a:ext cx="10058400" cy="4050792"/>
+        </p:xfrm>
+        <a:graphic>
+          <a:graphicData uri="http://schemas.openxmlformats.org/drawingml/2006/diagram">
+            <dgm:relIds xmlns:dgm="http://schemas.openxmlformats.org/drawingml/2006/diagram" xmlns:r="http://schemas.openxmlformats.org/officeDocument/2006/relationships" r:dm="rId2" r:lo="rId3" r:qs="rId4" r:cs="rId5"/>
+          </a:graphicData>
+        </a:graphic>
+      </p:graphicFrame>
+    </p:spTree>
+    <p:extLst>
+      <p:ext uri="{BB962C8B-B14F-4D97-AF65-F5344CB8AC3E}">
+        <p14:creationId xmlns:p14="http://schemas.microsoft.com/office/powerpoint/2010/main" val="3591333091"/>
+      </p:ext>
+    </p:extLst>
+  </p:cSld>
+  <p:clrMapOvr>
+    <a:masterClrMapping/>
+  </p:clrMapOvr>
+</p:sld>
+</file>
+
+<file path=ppt/slides/slide30.xml><?xml version="1.0" encoding="utf-8"?>
+<p:sld xmlns:a="http://schemas.openxmlformats.org/drawingml/2006/main" xmlns:r="http://schemas.openxmlformats.org/officeDocument/2006/relationships" xmlns:p="http://schemas.openxmlformats.org/presentationml/2006/main">
+  <p:cSld>
+    <p:spTree>
+      <p:nvGrpSpPr>
+        <p:cNvPr id="1" name=""/>
+        <p:cNvGrpSpPr/>
+        <p:nvPr/>
+      </p:nvGrpSpPr>
+      <p:grpSpPr>
+        <a:xfrm>
+          <a:off x="0" y="0"/>
+          <a:ext cx="0" cy="0"/>
+          <a:chOff x="0" y="0"/>
+          <a:chExt cx="0" cy="0"/>
+        </a:xfrm>
+      </p:grpSpPr>
+      <p:pic>
+        <p:nvPicPr>
+          <p:cNvPr id="1026" name="Picture 2" descr="A graphic representation of the steps listed above">
+            <a:extLst>
+              <a:ext uri="{FF2B5EF4-FFF2-40B4-BE49-F238E27FC236}">
+                <a16:creationId xmlns:a16="http://schemas.microsoft.com/office/drawing/2014/main" id="{8D1B242D-D93B-1397-8D74-8CCE154C3914}"/>
+              </a:ext>
+            </a:extLst>
+          </p:cNvPr>
+          <p:cNvPicPr>
+            <a:picLocks noChangeAspect="1" noChangeArrowheads="1"/>
+          </p:cNvPicPr>
+          <p:nvPr/>
+        </p:nvPicPr>
+        <p:blipFill>
+          <a:blip r:embed="rId2">
+            <a:extLst>
+              <a:ext uri="{28A0092B-C50C-407E-A947-70E740481C1C}">
+                <a14:useLocalDpi xmlns:a14="http://schemas.microsoft.com/office/drawing/2010/main" val="0"/>
+              </a:ext>
+            </a:extLst>
+          </a:blip>
+          <a:srcRect/>
+          <a:stretch>
+            <a:fillRect/>
+          </a:stretch>
+        </p:blipFill>
+        <p:spPr bwMode="auto">
+          <a:xfrm>
+            <a:off x="727303" y="514078"/>
+            <a:ext cx="9953625" cy="6038850"/>
+          </a:xfrm>
+          <a:prstGeom prst="rect">
+            <a:avLst/>
+          </a:prstGeom>
+          <a:noFill/>
+          <a:extLst>
+            <a:ext uri="{909E8E84-426E-40DD-AFC4-6F175D3DCCD1}">
+              <a14:hiddenFill xmlns:a14="http://schemas.microsoft.com/office/drawing/2010/main">
+                <a:solidFill>
+                  <a:srgbClr val="FFFFFF"/>
+                </a:solidFill>
+              </a14:hiddenFill>
+            </a:ext>
+          </a:extLst>
+        </p:spPr>
+      </p:pic>
+    </p:spTree>
+    <p:extLst>
+      <p:ext uri="{BB962C8B-B14F-4D97-AF65-F5344CB8AC3E}">
+        <p14:creationId xmlns:p14="http://schemas.microsoft.com/office/powerpoint/2010/main" val="1712576349"/>
+      </p:ext>
+    </p:extLst>
+  </p:cSld>
+  <p:clrMapOvr>
+    <a:masterClrMapping/>
+  </p:clrMapOvr>
+</p:sld>
+</file>
+
+<file path=ppt/slides/slide31.xml><?xml version="1.0" encoding="utf-8"?>
+<p:sld xmlns:a="http://schemas.openxmlformats.org/drawingml/2006/main" xmlns:r="http://schemas.openxmlformats.org/officeDocument/2006/relationships" xmlns:p="http://schemas.openxmlformats.org/presentationml/2006/main">
+  <p:cSld>
+    <p:spTree>
+      <p:nvGrpSpPr>
+        <p:cNvPr id="1" name=""/>
+        <p:cNvGrpSpPr/>
+        <p:nvPr/>
+      </p:nvGrpSpPr>
+      <p:grpSpPr>
+        <a:xfrm>
+          <a:off x="0" y="0"/>
+          <a:ext cx="0" cy="0"/>
+          <a:chOff x="0" y="0"/>
+          <a:chExt cx="0" cy="0"/>
+        </a:xfrm>
+      </p:grpSpPr>
+      <p:sp>
+        <p:nvSpPr>
+          <p:cNvPr id="2" name="Title 1">
+            <a:extLst>
+              <a:ext uri="{FF2B5EF4-FFF2-40B4-BE49-F238E27FC236}">
+                <a16:creationId xmlns:a16="http://schemas.microsoft.com/office/drawing/2014/main" id="{556925F9-AC24-D5FF-D0CF-0DE39967C50C}"/>
+              </a:ext>
+            </a:extLst>
+          </p:cNvPr>
+          <p:cNvSpPr>
+            <a:spLocks noGrp="1"/>
+          </p:cNvSpPr>
+          <p:nvPr>
+            <p:ph type="title"/>
+          </p:nvPr>
+        </p:nvSpPr>
+        <p:spPr/>
+        <p:txBody>
+          <a:bodyPr/>
+          <a:lstStyle/>
+          <a:p>
+            <a:r>
+              <a:rPr lang="en-IN" dirty="0"/>
+              <a:t>Example AWS </a:t>
+            </a:r>
+            <a:r>
+              <a:rPr lang="en-IN" dirty="0" err="1"/>
+              <a:t>S3</a:t>
+            </a:r>
+            <a:r>
+              <a:rPr lang="en-IN" dirty="0"/>
+              <a:t> - java</a:t>
+            </a:r>
+          </a:p>
+        </p:txBody>
+      </p:sp>
+      <p:sp>
+        <p:nvSpPr>
+          <p:cNvPr id="3" name="Content Placeholder 2">
+            <a:extLst>
+              <a:ext uri="{FF2B5EF4-FFF2-40B4-BE49-F238E27FC236}">
+                <a16:creationId xmlns:a16="http://schemas.microsoft.com/office/drawing/2014/main" id="{4F8831BE-4444-DD96-CAE6-310B528916EA}"/>
+              </a:ext>
+            </a:extLst>
+          </p:cNvPr>
+          <p:cNvSpPr>
+            <a:spLocks noGrp="1"/>
+          </p:cNvSpPr>
+          <p:nvPr>
+            <p:ph idx="1"/>
+          </p:nvPr>
+        </p:nvSpPr>
+        <p:spPr>
+          <a:xfrm>
+            <a:off x="0" y="2121408"/>
+            <a:ext cx="4519749" cy="4050792"/>
+          </a:xfrm>
+        </p:spPr>
+        <p:txBody>
+          <a:bodyPr/>
+          <a:lstStyle/>
+          <a:p>
+            <a:r>
+              <a:rPr lang="en-IN" dirty="0">
+                <a:hlinkClick r:id="rId2"/>
+              </a:rPr>
+              <a:t>G:\</a:t>
+            </a:r>
+            <a:r>
+              <a:rPr lang="en-IN" dirty="0" err="1">
+                <a:hlinkClick r:id="rId2"/>
+              </a:rPr>
+              <a:t>DWork</a:t>
+            </a:r>
+            <a:r>
+              <a:rPr lang="en-IN" dirty="0">
+                <a:hlinkClick r:id="rId2"/>
+              </a:rPr>
+              <a:t>\</a:t>
+            </a:r>
+            <a:r>
+              <a:rPr lang="en-IN" dirty="0" err="1">
+                <a:hlinkClick r:id="rId2"/>
+              </a:rPr>
+              <a:t>osource</a:t>
+            </a:r>
+            <a:r>
+              <a:rPr lang="en-IN" dirty="0">
+                <a:hlinkClick r:id="rId2"/>
+              </a:rPr>
+              <a:t>\</a:t>
+            </a:r>
+            <a:r>
+              <a:rPr lang="en-IN" dirty="0" err="1">
+                <a:hlinkClick r:id="rId2"/>
+              </a:rPr>
+              <a:t>cloudc</a:t>
+            </a:r>
+            <a:r>
+              <a:rPr lang="en-IN" dirty="0">
+                <a:hlinkClick r:id="rId2"/>
+              </a:rPr>
+              <a:t>\</a:t>
+            </a:r>
+            <a:r>
+              <a:rPr lang="en-IN" dirty="0" err="1">
+                <a:hlinkClick r:id="rId2"/>
+              </a:rPr>
+              <a:t>devops</a:t>
+            </a:r>
+            <a:r>
+              <a:rPr lang="en-IN" dirty="0">
+                <a:hlinkClick r:id="rId2"/>
+              </a:rPr>
+              <a:t>\pulumi\java\</a:t>
+            </a:r>
+            <a:r>
+              <a:rPr lang="en-IN" dirty="0" err="1">
+                <a:hlinkClick r:id="rId2"/>
+              </a:rPr>
+              <a:t>aws</a:t>
+            </a:r>
+            <a:r>
+              <a:rPr lang="en-IN" dirty="0">
+                <a:hlinkClick r:id="rId2"/>
+              </a:rPr>
+              <a:t>\</a:t>
+            </a:r>
+            <a:r>
+              <a:rPr lang="en-IN" dirty="0" err="1">
+                <a:hlinkClick r:id="rId2"/>
+              </a:rPr>
+              <a:t>hw</a:t>
+            </a:r>
+            <a:endParaRPr lang="en-IN" dirty="0"/>
+          </a:p>
+          <a:p>
+            <a:r>
+              <a:rPr lang="en-IN" dirty="0">
+                <a:hlinkClick r:id="rId3"/>
+              </a:rPr>
+              <a:t>https://</a:t>
+            </a:r>
+            <a:r>
+              <a:rPr lang="en-IN" dirty="0" err="1">
+                <a:hlinkClick r:id="rId3"/>
+              </a:rPr>
+              <a:t>s3.console.aws.amazon.com</a:t>
+            </a:r>
+            <a:r>
+              <a:rPr lang="en-IN" dirty="0">
+                <a:hlinkClick r:id="rId3"/>
+              </a:rPr>
+              <a:t>/</a:t>
+            </a:r>
+            <a:r>
+              <a:rPr lang="en-IN" dirty="0" err="1">
+                <a:hlinkClick r:id="rId3"/>
+              </a:rPr>
+              <a:t>s3</a:t>
+            </a:r>
+            <a:r>
+              <a:rPr lang="en-IN" dirty="0">
+                <a:hlinkClick r:id="rId3"/>
+              </a:rPr>
+              <a:t>/buckets</a:t>
+            </a:r>
+            <a:endParaRPr lang="en-IN" dirty="0"/>
+          </a:p>
+          <a:p>
+            <a:r>
+              <a:rPr lang="en-IN" dirty="0">
+                <a:hlinkClick r:id="rId4"/>
+              </a:rPr>
+              <a:t>https://</a:t>
+            </a:r>
+            <a:r>
+              <a:rPr lang="en-IN" dirty="0" err="1">
+                <a:hlinkClick r:id="rId4"/>
+              </a:rPr>
+              <a:t>app.pulumi.com</a:t>
+            </a:r>
+            <a:r>
+              <a:rPr lang="en-IN" dirty="0">
+                <a:hlinkClick r:id="rId4"/>
+              </a:rPr>
+              <a:t>/nagkumar/</a:t>
+            </a:r>
+            <a:r>
+              <a:rPr lang="en-IN" dirty="0" err="1">
+                <a:hlinkClick r:id="rId4"/>
+              </a:rPr>
+              <a:t>hw</a:t>
+            </a:r>
+            <a:r>
+              <a:rPr lang="en-IN" dirty="0">
+                <a:hlinkClick r:id="rId4"/>
+              </a:rPr>
+              <a:t>/dev/updates/19</a:t>
+            </a:r>
+            <a:r>
+              <a:rPr lang="en-IN" dirty="0"/>
+              <a:t> - PU</a:t>
+            </a:r>
+          </a:p>
+          <a:p>
+            <a:r>
+              <a:rPr lang="en-IN" dirty="0">
+                <a:hlinkClick r:id="rId5"/>
+              </a:rPr>
+              <a:t>https://</a:t>
+            </a:r>
+            <a:r>
+              <a:rPr lang="en-IN" dirty="0" err="1">
+                <a:hlinkClick r:id="rId5"/>
+              </a:rPr>
+              <a:t>app.pulumi.com</a:t>
+            </a:r>
+            <a:r>
+              <a:rPr lang="en-IN" dirty="0">
+                <a:hlinkClick r:id="rId5"/>
+              </a:rPr>
+              <a:t>/nagkumar/</a:t>
+            </a:r>
+            <a:r>
+              <a:rPr lang="en-IN" dirty="0" err="1">
+                <a:hlinkClick r:id="rId5"/>
+              </a:rPr>
+              <a:t>hw</a:t>
+            </a:r>
+            <a:r>
+              <a:rPr lang="en-IN" dirty="0">
+                <a:hlinkClick r:id="rId5"/>
+              </a:rPr>
+              <a:t>/dev/updates/20-</a:t>
+            </a:r>
+            <a:r>
+              <a:rPr lang="en-IN" dirty="0"/>
+              <a:t> PD</a:t>
+            </a:r>
+          </a:p>
+          <a:p>
+            <a:endParaRPr lang="en-IN" dirty="0"/>
+          </a:p>
+          <a:p>
+            <a:endParaRPr lang="en-IN" dirty="0"/>
+          </a:p>
+          <a:p>
+            <a:endParaRPr lang="en-IN" dirty="0"/>
+          </a:p>
+        </p:txBody>
+      </p:sp>
+      <p:pic>
+        <p:nvPicPr>
+          <p:cNvPr id="5" name="Picture 4">
+            <a:extLst>
+              <a:ext uri="{FF2B5EF4-FFF2-40B4-BE49-F238E27FC236}">
+                <a16:creationId xmlns:a16="http://schemas.microsoft.com/office/drawing/2014/main" id="{3EA405A0-0D46-0C24-3D07-DF4DF94CD3F1}"/>
+              </a:ext>
+            </a:extLst>
+          </p:cNvPr>
+          <p:cNvPicPr>
+            <a:picLocks noChangeAspect="1"/>
+          </p:cNvPicPr>
+          <p:nvPr/>
+        </p:nvPicPr>
+        <p:blipFill>
+          <a:blip r:embed="rId6"/>
+          <a:stretch>
+            <a:fillRect/>
+          </a:stretch>
+        </p:blipFill>
+        <p:spPr>
+          <a:xfrm>
+            <a:off x="4519749" y="1881052"/>
+            <a:ext cx="8444231" cy="4492316"/>
+          </a:xfrm>
+          <a:prstGeom prst="rect">
+            <a:avLst/>
+          </a:prstGeom>
+        </p:spPr>
+      </p:pic>
+    </p:spTree>
+    <p:extLst>
+      <p:ext uri="{BB962C8B-B14F-4D97-AF65-F5344CB8AC3E}">
+        <p14:creationId xmlns:p14="http://schemas.microsoft.com/office/powerpoint/2010/main" val="17435784"/>
+      </p:ext>
+    </p:extLst>
+  </p:cSld>
+  <p:clrMapOvr>
+    <a:masterClrMapping/>
+  </p:clrMapOvr>
+</p:sld>
+</file>
+
+<file path=ppt/slides/slide32.xml><?xml version="1.0" encoding="utf-8"?>
+<p:sld xmlns:a="http://schemas.openxmlformats.org/drawingml/2006/main" xmlns:r="http://schemas.openxmlformats.org/officeDocument/2006/relationships" xmlns:p="http://schemas.openxmlformats.org/presentationml/2006/main">
+  <p:cSld>
+    <p:spTree>
+      <p:nvGrpSpPr>
+        <p:cNvPr id="1" name=""/>
+        <p:cNvGrpSpPr/>
+        <p:nvPr/>
+      </p:nvGrpSpPr>
+      <p:grpSpPr>
+        <a:xfrm>
+          <a:off x="0" y="0"/>
+          <a:ext cx="0" cy="0"/>
+          <a:chOff x="0" y="0"/>
+          <a:chExt cx="0" cy="0"/>
+        </a:xfrm>
+      </p:grpSpPr>
+      <p:sp>
+        <p:nvSpPr>
+          <p:cNvPr id="2" name="Title 1">
+            <a:extLst>
+              <a:ext uri="{FF2B5EF4-FFF2-40B4-BE49-F238E27FC236}">
+                <a16:creationId xmlns:a16="http://schemas.microsoft.com/office/drawing/2014/main" id="{E4FF78F2-8CC2-41B1-928C-26158D826F9A}"/>
+              </a:ext>
+            </a:extLst>
+          </p:cNvPr>
+          <p:cNvSpPr>
+            <a:spLocks noGrp="1"/>
+          </p:cNvSpPr>
+          <p:nvPr>
+            <p:ph type="title"/>
+          </p:nvPr>
+        </p:nvSpPr>
+        <p:spPr/>
+        <p:txBody>
+          <a:bodyPr/>
+          <a:lstStyle/>
+          <a:p>
+            <a:r>
+              <a:rPr lang="en-IN" dirty="0" err="1"/>
+              <a:t>HW</a:t>
+            </a:r>
+            <a:r>
+              <a:rPr lang="en-IN" dirty="0"/>
+              <a:t> - gcp bucket - java</a:t>
+            </a:r>
+          </a:p>
+        </p:txBody>
+      </p:sp>
+      <p:sp>
+        <p:nvSpPr>
+          <p:cNvPr id="3" name="Content Placeholder 2">
+            <a:extLst>
+              <a:ext uri="{FF2B5EF4-FFF2-40B4-BE49-F238E27FC236}">
+                <a16:creationId xmlns:a16="http://schemas.microsoft.com/office/drawing/2014/main" id="{0AFFAB35-9465-E665-5F93-B7532304F18E}"/>
+              </a:ext>
+            </a:extLst>
+          </p:cNvPr>
+          <p:cNvSpPr>
+            <a:spLocks noGrp="1"/>
+          </p:cNvSpPr>
+          <p:nvPr>
+            <p:ph idx="1"/>
+          </p:nvPr>
+        </p:nvSpPr>
+        <p:spPr/>
+        <p:txBody>
+          <a:bodyPr/>
+          <a:lstStyle/>
+          <a:p>
+            <a:r>
+              <a:rPr lang="en-IN" dirty="0">
+                <a:hlinkClick r:id="rId2"/>
+              </a:rPr>
+              <a:t>G:\</a:t>
+            </a:r>
+            <a:r>
+              <a:rPr lang="en-IN" dirty="0" err="1">
+                <a:hlinkClick r:id="rId2"/>
+              </a:rPr>
+              <a:t>DWork</a:t>
+            </a:r>
+            <a:r>
+              <a:rPr lang="en-IN" dirty="0">
+                <a:hlinkClick r:id="rId2"/>
+              </a:rPr>
+              <a:t>\</a:t>
+            </a:r>
+            <a:r>
+              <a:rPr lang="en-IN" dirty="0" err="1">
+                <a:hlinkClick r:id="rId2"/>
+              </a:rPr>
+              <a:t>osource</a:t>
+            </a:r>
+            <a:r>
+              <a:rPr lang="en-IN" dirty="0">
+                <a:hlinkClick r:id="rId2"/>
+              </a:rPr>
+              <a:t>\</a:t>
+            </a:r>
+            <a:r>
+              <a:rPr lang="en-IN" dirty="0" err="1">
+                <a:hlinkClick r:id="rId2"/>
+              </a:rPr>
+              <a:t>cloudc</a:t>
+            </a:r>
+            <a:r>
+              <a:rPr lang="en-IN" dirty="0">
+                <a:hlinkClick r:id="rId2"/>
+              </a:rPr>
+              <a:t>\</a:t>
+            </a:r>
+            <a:r>
+              <a:rPr lang="en-IN" dirty="0" err="1">
+                <a:hlinkClick r:id="rId2"/>
+              </a:rPr>
+              <a:t>devops</a:t>
+            </a:r>
+            <a:r>
+              <a:rPr lang="en-IN" dirty="0">
+                <a:hlinkClick r:id="rId2"/>
+              </a:rPr>
+              <a:t>\pulumi\java\gcp\</a:t>
+            </a:r>
+            <a:r>
+              <a:rPr lang="en-IN" dirty="0" err="1">
+                <a:hlinkClick r:id="rId2"/>
+              </a:rPr>
+              <a:t>hw</a:t>
+            </a:r>
+            <a:endParaRPr lang="en-IN" dirty="0"/>
+          </a:p>
+          <a:p>
+            <a:r>
+              <a:rPr lang="en-IN" dirty="0">
+                <a:hlinkClick r:id="rId3"/>
+              </a:rPr>
+              <a:t>https://</a:t>
+            </a:r>
+            <a:r>
+              <a:rPr lang="en-IN" dirty="0" err="1">
+                <a:hlinkClick r:id="rId3"/>
+              </a:rPr>
+              <a:t>console.cloud.google.com</a:t>
+            </a:r>
+            <a:r>
+              <a:rPr lang="en-IN" dirty="0">
+                <a:hlinkClick r:id="rId3"/>
+              </a:rPr>
+              <a:t>/storage/</a:t>
+            </a:r>
+            <a:r>
+              <a:rPr lang="en-IN" dirty="0" err="1">
+                <a:hlinkClick r:id="rId3"/>
+              </a:rPr>
+              <a:t>browser?referrer</a:t>
+            </a:r>
+            <a:r>
+              <a:rPr lang="en-IN" dirty="0">
+                <a:hlinkClick r:id="rId3"/>
+              </a:rPr>
+              <a:t>=</a:t>
+            </a:r>
+            <a:r>
+              <a:rPr lang="en-IN" dirty="0" err="1">
+                <a:hlinkClick r:id="rId3"/>
+              </a:rPr>
+              <a:t>search&amp;project</a:t>
+            </a:r>
+            <a:r>
+              <a:rPr lang="en-IN" dirty="0">
+                <a:hlinkClick r:id="rId3"/>
+              </a:rPr>
+              <a:t>=</a:t>
+            </a:r>
+            <a:r>
+              <a:rPr lang="en-IN" dirty="0" err="1">
+                <a:hlinkClick r:id="rId3"/>
+              </a:rPr>
+              <a:t>testgcp-360409&amp;prefix</a:t>
+            </a:r>
+            <a:r>
+              <a:rPr lang="en-IN" dirty="0">
+                <a:hlinkClick r:id="rId3"/>
+              </a:rPr>
+              <a:t>=</a:t>
+            </a:r>
+            <a:endParaRPr lang="en-IN" dirty="0"/>
+          </a:p>
+          <a:p>
+            <a:r>
+              <a:rPr lang="en-IN" dirty="0">
+                <a:hlinkClick r:id="rId4"/>
+              </a:rPr>
+              <a:t>https://</a:t>
+            </a:r>
+            <a:r>
+              <a:rPr lang="en-IN" dirty="0" err="1">
+                <a:hlinkClick r:id="rId4"/>
+              </a:rPr>
+              <a:t>app.pulumi.com</a:t>
+            </a:r>
+            <a:r>
+              <a:rPr lang="en-IN" dirty="0">
+                <a:hlinkClick r:id="rId4"/>
+              </a:rPr>
+              <a:t>/nagkumar/</a:t>
+            </a:r>
+            <a:r>
+              <a:rPr lang="en-IN" dirty="0" err="1">
+                <a:hlinkClick r:id="rId4"/>
+              </a:rPr>
+              <a:t>ramu</a:t>
+            </a:r>
+            <a:r>
+              <a:rPr lang="en-IN" dirty="0">
+                <a:hlinkClick r:id="rId4"/>
+              </a:rPr>
+              <a:t>/dev/updates/16</a:t>
+            </a:r>
+            <a:endParaRPr lang="en-IN" dirty="0"/>
+          </a:p>
+          <a:p>
+            <a:r>
+              <a:rPr lang="en-IN" dirty="0">
+                <a:hlinkClick r:id="rId5"/>
+              </a:rPr>
+              <a:t>https://</a:t>
+            </a:r>
+            <a:r>
+              <a:rPr lang="en-IN" dirty="0" err="1">
+                <a:hlinkClick r:id="rId5"/>
+              </a:rPr>
+              <a:t>app.pulumi.com</a:t>
+            </a:r>
+            <a:r>
+              <a:rPr lang="en-IN" dirty="0">
+                <a:hlinkClick r:id="rId5"/>
+              </a:rPr>
+              <a:t>/nagkumar/</a:t>
+            </a:r>
+            <a:r>
+              <a:rPr lang="en-IN" dirty="0" err="1">
+                <a:hlinkClick r:id="rId5"/>
+              </a:rPr>
+              <a:t>ramu</a:t>
+            </a:r>
+            <a:r>
+              <a:rPr lang="en-IN" dirty="0">
+                <a:hlinkClick r:id="rId5"/>
+              </a:rPr>
+              <a:t>/dev/updates/17</a:t>
+            </a:r>
+            <a:endParaRPr lang="en-IN" dirty="0"/>
+          </a:p>
+        </p:txBody>
+      </p:sp>
+      <p:pic>
+        <p:nvPicPr>
+          <p:cNvPr id="6" name="Picture 5">
+            <a:extLst>
+              <a:ext uri="{FF2B5EF4-FFF2-40B4-BE49-F238E27FC236}">
+                <a16:creationId xmlns:a16="http://schemas.microsoft.com/office/drawing/2014/main" id="{BEFF396D-E10D-355A-A137-7DD09E719E70}"/>
+              </a:ext>
+            </a:extLst>
+          </p:cNvPr>
+          <p:cNvPicPr>
+            <a:picLocks noChangeAspect="1"/>
+          </p:cNvPicPr>
+          <p:nvPr/>
+        </p:nvPicPr>
+        <p:blipFill>
+          <a:blip r:embed="rId6"/>
+          <a:stretch>
+            <a:fillRect/>
+          </a:stretch>
+        </p:blipFill>
+        <p:spPr>
+          <a:xfrm>
+            <a:off x="0" y="3502906"/>
+            <a:ext cx="12192000" cy="2587658"/>
+          </a:xfrm>
+          <a:prstGeom prst="rect">
+            <a:avLst/>
+          </a:prstGeom>
+        </p:spPr>
+      </p:pic>
+    </p:spTree>
+    <p:extLst>
+      <p:ext uri="{BB962C8B-B14F-4D97-AF65-F5344CB8AC3E}">
+        <p14:creationId xmlns:p14="http://schemas.microsoft.com/office/powerpoint/2010/main" val="1222531784"/>
+      </p:ext>
+    </p:extLst>
+  </p:cSld>
+  <p:clrMapOvr>
+    <a:masterClrMapping/>
+  </p:clrMapOvr>
+</p:sld>
+</file>
+
+<file path=ppt/slides/slide33.xml><?xml version="1.0" encoding="utf-8"?>
+<p:sld xmlns:a="http://schemas.openxmlformats.org/drawingml/2006/main" xmlns:r="http://schemas.openxmlformats.org/officeDocument/2006/relationships" xmlns:p="http://schemas.openxmlformats.org/presentationml/2006/main">
+  <p:cSld>
+    <p:spTree>
+      <p:nvGrpSpPr>
+        <p:cNvPr id="1" name=""/>
+        <p:cNvGrpSpPr/>
+        <p:nvPr/>
+      </p:nvGrpSpPr>
+      <p:grpSpPr>
+        <a:xfrm>
+          <a:off x="0" y="0"/>
+          <a:ext cx="0" cy="0"/>
+          <a:chOff x="0" y="0"/>
+          <a:chExt cx="0" cy="0"/>
+        </a:xfrm>
+      </p:grpSpPr>
+      <p:sp>
+        <p:nvSpPr>
+          <p:cNvPr id="2" name="Title 1">
+            <a:extLst>
+              <a:ext uri="{FF2B5EF4-FFF2-40B4-BE49-F238E27FC236}">
+                <a16:creationId xmlns:a16="http://schemas.microsoft.com/office/drawing/2014/main" id="{E3C97930-F2D9-E4D6-7873-086066BA5829}"/>
+              </a:ext>
+            </a:extLst>
+          </p:cNvPr>
+          <p:cNvSpPr>
+            <a:spLocks noGrp="1"/>
+          </p:cNvSpPr>
+          <p:nvPr>
+            <p:ph type="title"/>
+          </p:nvPr>
+        </p:nvSpPr>
+        <p:spPr/>
+        <p:txBody>
+          <a:bodyPr/>
+          <a:lstStyle/>
+          <a:p>
+            <a:r>
+              <a:rPr lang="en-IN" dirty="0"/>
+              <a:t>Example Azure storage - java</a:t>
+            </a:r>
+          </a:p>
+        </p:txBody>
+      </p:sp>
+      <p:sp>
+        <p:nvSpPr>
+          <p:cNvPr id="3" name="Content Placeholder 2">
+            <a:extLst>
+              <a:ext uri="{FF2B5EF4-FFF2-40B4-BE49-F238E27FC236}">
+                <a16:creationId xmlns:a16="http://schemas.microsoft.com/office/drawing/2014/main" id="{B5CFD9B7-DC34-FFC5-2019-D642661A2184}"/>
+              </a:ext>
+            </a:extLst>
+          </p:cNvPr>
+          <p:cNvSpPr>
+            <a:spLocks noGrp="1"/>
+          </p:cNvSpPr>
+          <p:nvPr>
+            <p:ph idx="1"/>
+          </p:nvPr>
+        </p:nvSpPr>
+        <p:spPr/>
+        <p:txBody>
+          <a:bodyPr/>
+          <a:lstStyle/>
+          <a:p>
+            <a:r>
+              <a:rPr lang="fr-FR" dirty="0">
+                <a:hlinkClick r:id="rId2"/>
+              </a:rPr>
+              <a:t>G:\</a:t>
+            </a:r>
+            <a:r>
+              <a:rPr lang="fr-FR" dirty="0" err="1">
+                <a:hlinkClick r:id="rId2"/>
+              </a:rPr>
+              <a:t>DWork</a:t>
+            </a:r>
+            <a:r>
+              <a:rPr lang="fr-FR" dirty="0">
+                <a:hlinkClick r:id="rId2"/>
+              </a:rPr>
+              <a:t>\</a:t>
+            </a:r>
+            <a:r>
+              <a:rPr lang="fr-FR" dirty="0" err="1">
+                <a:hlinkClick r:id="rId2"/>
+              </a:rPr>
+              <a:t>osource</a:t>
+            </a:r>
+            <a:r>
+              <a:rPr lang="fr-FR" dirty="0">
+                <a:hlinkClick r:id="rId2"/>
+              </a:rPr>
+              <a:t>\</a:t>
+            </a:r>
+            <a:r>
+              <a:rPr lang="fr-FR" dirty="0" err="1">
+                <a:hlinkClick r:id="rId2"/>
+              </a:rPr>
+              <a:t>cloudc</a:t>
+            </a:r>
+            <a:r>
+              <a:rPr lang="fr-FR" dirty="0">
+                <a:hlinkClick r:id="rId2"/>
+              </a:rPr>
+              <a:t>\</a:t>
+            </a:r>
+            <a:r>
+              <a:rPr lang="fr-FR" dirty="0" err="1">
+                <a:hlinkClick r:id="rId2"/>
+              </a:rPr>
+              <a:t>devops</a:t>
+            </a:r>
+            <a:r>
+              <a:rPr lang="fr-FR" dirty="0">
+                <a:hlinkClick r:id="rId2"/>
+              </a:rPr>
+              <a:t>\</a:t>
+            </a:r>
+            <a:r>
+              <a:rPr lang="fr-FR" dirty="0" err="1">
+                <a:hlinkClick r:id="rId2"/>
+              </a:rPr>
+              <a:t>pulumi</a:t>
+            </a:r>
+            <a:r>
+              <a:rPr lang="fr-FR" dirty="0">
+                <a:hlinkClick r:id="rId2"/>
+              </a:rPr>
+              <a:t>\java\azure\</a:t>
+            </a:r>
+            <a:r>
+              <a:rPr lang="fr-FR" dirty="0" err="1">
+                <a:hlinkClick r:id="rId2"/>
+              </a:rPr>
+              <a:t>hw</a:t>
+            </a:r>
+            <a:endParaRPr lang="fr-FR" dirty="0"/>
+          </a:p>
+          <a:p>
+            <a:r>
+              <a:rPr lang="en-IN" dirty="0">
+                <a:hlinkClick r:id="rId3"/>
+              </a:rPr>
+              <a:t>https://</a:t>
+            </a:r>
+            <a:r>
+              <a:rPr lang="en-IN" dirty="0" err="1">
+                <a:hlinkClick r:id="rId3"/>
+              </a:rPr>
+              <a:t>portal.azure.com</a:t>
+            </a:r>
+            <a:r>
+              <a:rPr lang="en-IN" dirty="0">
+                <a:hlinkClick r:id="rId3"/>
+              </a:rPr>
+              <a:t>/#view/</a:t>
+            </a:r>
+            <a:r>
+              <a:rPr lang="en-IN" dirty="0" err="1">
+                <a:hlinkClick r:id="rId3"/>
+              </a:rPr>
+              <a:t>HubsExtension</a:t>
+            </a:r>
+            <a:r>
+              <a:rPr lang="en-IN" dirty="0">
+                <a:hlinkClick r:id="rId3"/>
+              </a:rPr>
+              <a:t>/</a:t>
+            </a:r>
+            <a:r>
+              <a:rPr lang="en-IN" dirty="0" err="1">
+                <a:hlinkClick r:id="rId3"/>
+              </a:rPr>
+              <a:t>BrowseResource</a:t>
+            </a:r>
+            <a:r>
+              <a:rPr lang="en-IN" dirty="0">
+                <a:hlinkClick r:id="rId3"/>
+              </a:rPr>
+              <a:t>/</a:t>
+            </a:r>
+            <a:r>
+              <a:rPr lang="en-IN" dirty="0" err="1">
+                <a:hlinkClick r:id="rId3"/>
+              </a:rPr>
+              <a:t>resourceType</a:t>
+            </a:r>
+            <a:r>
+              <a:rPr lang="en-IN" dirty="0">
+                <a:hlinkClick r:id="rId3"/>
+              </a:rPr>
+              <a:t>/</a:t>
+            </a:r>
+            <a:r>
+              <a:rPr lang="en-IN" dirty="0" err="1">
+                <a:hlinkClick r:id="rId3"/>
+              </a:rPr>
+              <a:t>Microsoft.Storage%2FStorageAccounts</a:t>
+            </a:r>
+            <a:endParaRPr lang="fr-FR" dirty="0"/>
+          </a:p>
+          <a:p>
+            <a:r>
+              <a:rPr lang="en-IN" dirty="0"/>
+              <a:t> </a:t>
+            </a:r>
+            <a:r>
+              <a:rPr lang="en-IN" dirty="0">
+                <a:hlinkClick r:id="rId4"/>
+              </a:rPr>
+              <a:t>https://</a:t>
+            </a:r>
+            <a:r>
+              <a:rPr lang="en-IN" dirty="0" err="1">
+                <a:hlinkClick r:id="rId4"/>
+              </a:rPr>
+              <a:t>app.pulumi.com</a:t>
+            </a:r>
+            <a:r>
+              <a:rPr lang="en-IN" dirty="0">
+                <a:hlinkClick r:id="rId4"/>
+              </a:rPr>
+              <a:t>/nagkumar/azure/dev/updates/11</a:t>
+            </a:r>
+            <a:endParaRPr lang="fr-FR" dirty="0"/>
+          </a:p>
+          <a:p>
+            <a:r>
+              <a:rPr lang="en-IN" dirty="0">
+                <a:hlinkClick r:id="rId5"/>
+              </a:rPr>
+              <a:t>https://</a:t>
+            </a:r>
+            <a:r>
+              <a:rPr lang="en-IN" dirty="0" err="1">
+                <a:hlinkClick r:id="rId5"/>
+              </a:rPr>
+              <a:t>app.pulumi.com</a:t>
+            </a:r>
+            <a:r>
+              <a:rPr lang="en-IN" dirty="0">
+                <a:hlinkClick r:id="rId5"/>
+              </a:rPr>
+              <a:t>/nagkumar/azure/dev/updates/12</a:t>
+            </a:r>
+            <a:endParaRPr lang="en-IN" dirty="0"/>
+          </a:p>
+          <a:p>
+            <a:endParaRPr lang="en-IN" dirty="0"/>
+          </a:p>
+        </p:txBody>
+      </p:sp>
+      <p:pic>
+        <p:nvPicPr>
+          <p:cNvPr id="5" name="Picture 4">
+            <a:extLst>
+              <a:ext uri="{FF2B5EF4-FFF2-40B4-BE49-F238E27FC236}">
+                <a16:creationId xmlns:a16="http://schemas.microsoft.com/office/drawing/2014/main" id="{C6197266-2A9E-2B97-101B-C59840844E0E}"/>
+              </a:ext>
+            </a:extLst>
+          </p:cNvPr>
+          <p:cNvPicPr>
+            <a:picLocks noChangeAspect="1"/>
+          </p:cNvPicPr>
+          <p:nvPr/>
+        </p:nvPicPr>
+        <p:blipFill>
+          <a:blip r:embed="rId6"/>
+          <a:stretch>
+            <a:fillRect/>
+          </a:stretch>
+        </p:blipFill>
+        <p:spPr>
+          <a:xfrm>
+            <a:off x="0" y="3136769"/>
+            <a:ext cx="12192000" cy="3367001"/>
+          </a:xfrm>
+          <a:prstGeom prst="rect">
+            <a:avLst/>
+          </a:prstGeom>
+        </p:spPr>
+      </p:pic>
+    </p:spTree>
+    <p:extLst>
+      <p:ext uri="{BB962C8B-B14F-4D97-AF65-F5344CB8AC3E}">
+        <p14:creationId xmlns:p14="http://schemas.microsoft.com/office/powerpoint/2010/main" val="3344874386"/>
+      </p:ext>
+    </p:extLst>
+  </p:cSld>
+  <p:clrMapOvr>
+    <a:masterClrMapping/>
+  </p:clrMapOvr>
+</p:sld>
+</file>
+
+<file path=ppt/slides/slide34.xml><?xml version="1.0" encoding="utf-8"?>
+<p:sld xmlns:a="http://schemas.openxmlformats.org/drawingml/2006/main" xmlns:r="http://schemas.openxmlformats.org/officeDocument/2006/relationships" xmlns:p="http://schemas.openxmlformats.org/presentationml/2006/main">
+  <p:cSld>
+    <p:spTree>
+      <p:nvGrpSpPr>
+        <p:cNvPr id="1" name=""/>
+        <p:cNvGrpSpPr/>
+        <p:nvPr/>
+      </p:nvGrpSpPr>
+      <p:grpSpPr>
+        <a:xfrm>
+          <a:off x="0" y="0"/>
+          <a:ext cx="0" cy="0"/>
+          <a:chOff x="0" y="0"/>
+          <a:chExt cx="0" cy="0"/>
+        </a:xfrm>
+      </p:grpSpPr>
+      <p:sp>
+        <p:nvSpPr>
+          <p:cNvPr id="2" name="Title 1">
+            <a:extLst>
+              <a:ext uri="{FF2B5EF4-FFF2-40B4-BE49-F238E27FC236}">
                 <a16:creationId xmlns:a16="http://schemas.microsoft.com/office/drawing/2014/main" id="{7DECE3A2-6AC9-31B1-775E-79BF2866B0FC}"/>
               </a:ext>
             </a:extLst>
@@ -11018,13 +12432,7 @@
           <p:cNvGraphicFramePr>
             <a:graphicFrameLocks noGrp="1"/>
           </p:cNvGraphicFramePr>
-          <p:nvPr>
-            <p:extLst>
-              <p:ext uri="{D42A27DB-BD31-4B8C-83A1-F6EECF244321}">
-                <p14:modId xmlns:p14="http://schemas.microsoft.com/office/powerpoint/2010/main" val="1134836254"/>
-              </p:ext>
-            </p:extLst>
-          </p:nvPr>
+          <p:nvPr/>
         </p:nvGraphicFramePr>
         <p:xfrm>
           <a:off x="165114" y="3053421"/>
@@ -12699,7 +14107,7 @@
     </p:spTree>
     <p:extLst>
       <p:ext uri="{BB962C8B-B14F-4D97-AF65-F5344CB8AC3E}">
-        <p14:creationId xmlns:p14="http://schemas.microsoft.com/office/powerpoint/2010/main" val="1934928278"/>
+        <p14:creationId xmlns:p14="http://schemas.microsoft.com/office/powerpoint/2010/main" val="3478095557"/>
       </p:ext>
     </p:extLst>
   </p:cSld>
@@ -12709,7 +14117,7 @@
 </p:sld>
 </file>
 
-<file path=ppt/slides/slide3.xml><?xml version="1.0" encoding="utf-8"?>
+<file path=ppt/slides/slide35.xml><?xml version="1.0" encoding="utf-8"?>
 <p:sld xmlns:a="http://schemas.openxmlformats.org/drawingml/2006/main" xmlns:r="http://schemas.openxmlformats.org/officeDocument/2006/relationships" xmlns:p="http://schemas.openxmlformats.org/presentationml/2006/main">
   <p:cSld>
     <p:spTree>
@@ -12731,7 +14139,7 @@
           <p:cNvPr id="2" name="Title 1">
             <a:extLst>
               <a:ext uri="{FF2B5EF4-FFF2-40B4-BE49-F238E27FC236}">
-                <a16:creationId xmlns:a16="http://schemas.microsoft.com/office/drawing/2014/main" id="{CDDBD12E-6F6E-1FA0-4C05-06CDA68193E6}"/>
+                <a16:creationId xmlns:a16="http://schemas.microsoft.com/office/drawing/2014/main" id="{D19AE87E-978D-F803-FAAF-F4A7D299F354}"/>
               </a:ext>
             </a:extLst>
           </p:cNvPr>
@@ -12744,74 +14152,358 @@
         </p:nvSpPr>
         <p:spPr/>
         <p:txBody>
-          <a:bodyPr>
-            <a:normAutofit fontScale="90000"/>
-          </a:bodyPr>
+          <a:bodyPr/>
           <a:lstStyle/>
           <a:p>
-            <a:pPr marL="3054350" indent="-3054350"/>
             <a:r>
               <a:rPr lang="en-IN" dirty="0"/>
-              <a:t>&lt;Lc/</a:t>
-            </a:r>
-            <a:r>
-              <a:rPr lang="en-IN" dirty="0" err="1"/>
-              <a:t>nc</a:t>
-            </a:r>
-            <a:r>
-              <a:rPr lang="en-IN" dirty="0"/>
-              <a:t>&gt; - LOW CODE/NO CODE </a:t>
-            </a:r>
-            <a:r>
-              <a:rPr lang="en-IN" dirty="0" err="1"/>
-              <a:t>Devops</a:t>
-            </a:r>
-            <a:br>
-              <a:rPr lang="en-IN" dirty="0"/>
-            </a:br>
-            <a:r>
-              <a:rPr lang="en-IN" sz="2400" dirty="0"/>
-              <a:t>to Everything as CODE</a:t>
-            </a:r>
-            <a:endParaRPr lang="en-IN" dirty="0"/>
+              <a:t>Unit Tests – Typescript - AWS</a:t>
+            </a:r>
           </a:p>
         </p:txBody>
       </p:sp>
-      <p:graphicFrame>
-        <p:nvGraphicFramePr>
-          <p:cNvPr id="4" name="Content Placeholder 3">
+      <p:sp>
+        <p:nvSpPr>
+          <p:cNvPr id="3" name="Content Placeholder 2">
             <a:extLst>
               <a:ext uri="{FF2B5EF4-FFF2-40B4-BE49-F238E27FC236}">
-                <a16:creationId xmlns:a16="http://schemas.microsoft.com/office/drawing/2014/main" id="{A5618265-EB56-DCB9-04E7-2B2A5A566A22}"/>
+                <a16:creationId xmlns:a16="http://schemas.microsoft.com/office/drawing/2014/main" id="{4300F810-0447-5C55-9469-F3B2ADA5E06E}"/>
               </a:ext>
             </a:extLst>
           </p:cNvPr>
-          <p:cNvGraphicFramePr>
-            <a:graphicFrameLocks noGrp="1"/>
-          </p:cNvGraphicFramePr>
+          <p:cNvSpPr>
+            <a:spLocks noGrp="1"/>
+          </p:cNvSpPr>
           <p:nvPr>
             <p:ph idx="1"/>
-            <p:extLst>
-              <p:ext uri="{D42A27DB-BD31-4B8C-83A1-F6EECF244321}">
-                <p14:modId xmlns:p14="http://schemas.microsoft.com/office/powerpoint/2010/main" val="241221072"/>
-              </p:ext>
-            </p:extLst>
           </p:nvPr>
-        </p:nvGraphicFramePr>
-        <p:xfrm>
-          <a:off x="1069848" y="2121408"/>
-          <a:ext cx="10058400" cy="4050792"/>
-        </p:xfrm>
-        <a:graphic>
-          <a:graphicData uri="http://schemas.openxmlformats.org/drawingml/2006/diagram">
-            <dgm:relIds xmlns:dgm="http://schemas.openxmlformats.org/drawingml/2006/diagram" xmlns:r="http://schemas.openxmlformats.org/officeDocument/2006/relationships" r:dm="rId2" r:lo="rId3" r:qs="rId4" r:cs="rId5"/>
-          </a:graphicData>
-        </a:graphic>
-      </p:graphicFrame>
+        </p:nvSpPr>
+        <p:spPr/>
+        <p:txBody>
+          <a:bodyPr/>
+          <a:lstStyle/>
+          <a:p>
+            <a:r>
+              <a:rPr lang="en-US" dirty="0"/>
+              <a:t>G:\</a:t>
+            </a:r>
+            <a:r>
+              <a:rPr lang="en-US" dirty="0" err="1"/>
+              <a:t>DWork</a:t>
+            </a:r>
+            <a:r>
+              <a:rPr lang="en-US" dirty="0"/>
+              <a:t>\</a:t>
+            </a:r>
+            <a:r>
+              <a:rPr lang="en-US" dirty="0" err="1"/>
+              <a:t>osource</a:t>
+            </a:r>
+            <a:r>
+              <a:rPr lang="en-US" dirty="0"/>
+              <a:t>\</a:t>
+            </a:r>
+            <a:r>
+              <a:rPr lang="en-US" dirty="0" err="1"/>
+              <a:t>cloudc</a:t>
+            </a:r>
+            <a:r>
+              <a:rPr lang="en-US" dirty="0"/>
+              <a:t>\</a:t>
+            </a:r>
+            <a:r>
+              <a:rPr lang="en-US" dirty="0" err="1"/>
+              <a:t>devops</a:t>
+            </a:r>
+            <a:r>
+              <a:rPr lang="en-US" dirty="0"/>
+              <a:t>\</a:t>
+            </a:r>
+            <a:r>
+              <a:rPr lang="en-US" dirty="0" err="1"/>
+              <a:t>pulumi</a:t>
+            </a:r>
+            <a:r>
+              <a:rPr lang="en-US" dirty="0"/>
+              <a:t>\</a:t>
+            </a:r>
+            <a:r>
+              <a:rPr lang="en-US" dirty="0" err="1"/>
+              <a:t>ts</a:t>
+            </a:r>
+            <a:r>
+              <a:rPr lang="en-US" dirty="0"/>
+              <a:t>\</a:t>
+            </a:r>
+            <a:r>
+              <a:rPr lang="en-US" dirty="0" err="1"/>
+              <a:t>aws</a:t>
+            </a:r>
+            <a:r>
+              <a:rPr lang="en-US" dirty="0"/>
+              <a:t>\test\unit</a:t>
+            </a:r>
+          </a:p>
+          <a:p>
+            <a:r>
+              <a:rPr lang="en-IN" dirty="0">
+                <a:hlinkClick r:id="rId2"/>
+              </a:rPr>
+              <a:t>https://</a:t>
+            </a:r>
+            <a:r>
+              <a:rPr lang="en-IN" dirty="0" err="1">
+                <a:hlinkClick r:id="rId2"/>
+              </a:rPr>
+              <a:t>app.pulumi.com</a:t>
+            </a:r>
+            <a:r>
+              <a:rPr lang="en-IN" dirty="0">
+                <a:hlinkClick r:id="rId2"/>
+              </a:rPr>
+              <a:t>/nagkumar/test-unit-</a:t>
+            </a:r>
+            <a:r>
+              <a:rPr lang="en-IN" dirty="0" err="1">
+                <a:hlinkClick r:id="rId2"/>
+              </a:rPr>
+              <a:t>ts</a:t>
+            </a:r>
+            <a:r>
+              <a:rPr lang="en-IN" dirty="0">
+                <a:hlinkClick r:id="rId2"/>
+              </a:rPr>
+              <a:t>/dev/updates/5</a:t>
+            </a:r>
+            <a:endParaRPr lang="en-IN" dirty="0"/>
+          </a:p>
+          <a:p>
+            <a:r>
+              <a:rPr kumimoji="0" lang="en-US" altLang="en-US" sz="2000" b="1" i="0" u="none" strike="noStrike" cap="none" normalizeH="0" baseline="0" dirty="0" err="1">
+                <a:ln>
+                  <a:noFill/>
+                </a:ln>
+                <a:solidFill>
+                  <a:srgbClr val="6A84DB"/>
+                </a:solidFill>
+                <a:effectLst/>
+                <a:latin typeface="JetBrains Mono"/>
+              </a:rPr>
+              <a:t>npx</a:t>
+            </a:r>
+            <a:r>
+              <a:rPr kumimoji="0" lang="en-US" altLang="en-US" sz="2000" b="1" i="0" u="none" strike="noStrike" cap="none" normalizeH="0" baseline="0" dirty="0">
+                <a:ln>
+                  <a:noFill/>
+                </a:ln>
+                <a:solidFill>
+                  <a:srgbClr val="6A84DB"/>
+                </a:solidFill>
+                <a:effectLst/>
+                <a:latin typeface="JetBrains Mono"/>
+              </a:rPr>
+              <a:t> mocha -r </a:t>
+            </a:r>
+            <a:r>
+              <a:rPr kumimoji="0" lang="en-US" altLang="en-US" sz="2000" b="1" i="0" u="none" strike="noStrike" cap="none" normalizeH="0" baseline="0" dirty="0" err="1">
+                <a:ln>
+                  <a:noFill/>
+                </a:ln>
+                <a:solidFill>
+                  <a:srgbClr val="6A84DB"/>
+                </a:solidFill>
+                <a:effectLst/>
+                <a:latin typeface="JetBrains Mono"/>
+              </a:rPr>
+              <a:t>ts</a:t>
+            </a:r>
+            <a:r>
+              <a:rPr kumimoji="0" lang="en-US" altLang="en-US" sz="2000" b="1" i="0" u="none" strike="noStrike" cap="none" normalizeH="0" baseline="0" dirty="0">
+                <a:ln>
+                  <a:noFill/>
+                </a:ln>
+                <a:solidFill>
+                  <a:srgbClr val="6A84DB"/>
+                </a:solidFill>
+                <a:effectLst/>
+                <a:latin typeface="JetBrains Mono"/>
+              </a:rPr>
+              <a:t>-node/register </a:t>
+            </a:r>
+            <a:r>
+              <a:rPr kumimoji="0" lang="en-US" altLang="en-US" sz="2000" b="1" i="0" u="none" strike="noStrike" cap="none" normalizeH="0" baseline="0" dirty="0" err="1">
+                <a:ln>
+                  <a:noFill/>
+                </a:ln>
+                <a:solidFill>
+                  <a:srgbClr val="6A84DB"/>
+                </a:solidFill>
+                <a:effectLst/>
+                <a:latin typeface="JetBrains Mono"/>
+              </a:rPr>
+              <a:t>ec2tests.ts</a:t>
+            </a:r>
+            <a:endParaRPr kumimoji="0" lang="en-US" altLang="en-US" sz="2000" b="1" i="0" u="none" strike="noStrike" cap="none" normalizeH="0" baseline="0" dirty="0">
+              <a:ln>
+                <a:noFill/>
+              </a:ln>
+              <a:solidFill>
+                <a:srgbClr val="6A84DB"/>
+              </a:solidFill>
+              <a:effectLst/>
+              <a:latin typeface="JetBrains Mono"/>
+            </a:endParaRPr>
+          </a:p>
+          <a:p>
+            <a:r>
+              <a:rPr lang="en-US" altLang="en-US" dirty="0"/>
+              <a:t>https://</a:t>
+            </a:r>
+            <a:r>
+              <a:rPr lang="en-US" altLang="en-US" dirty="0" err="1"/>
+              <a:t>app.pulumi.com</a:t>
+            </a:r>
+            <a:r>
+              <a:rPr lang="en-US" altLang="en-US" dirty="0"/>
+              <a:t>/nagkumar/test-unit-</a:t>
+            </a:r>
+            <a:r>
+              <a:rPr lang="en-US" altLang="en-US" dirty="0" err="1"/>
+              <a:t>ts</a:t>
+            </a:r>
+            <a:r>
+              <a:rPr lang="en-US" altLang="en-US" dirty="0"/>
+              <a:t>/dev/updates/6</a:t>
+            </a:r>
+          </a:p>
+          <a:p>
+            <a:endParaRPr lang="en-IN" dirty="0"/>
+          </a:p>
+        </p:txBody>
+      </p:sp>
+      <p:sp>
+        <p:nvSpPr>
+          <p:cNvPr id="4" name="Rectangle 1">
+            <a:extLst>
+              <a:ext uri="{FF2B5EF4-FFF2-40B4-BE49-F238E27FC236}">
+                <a16:creationId xmlns:a16="http://schemas.microsoft.com/office/drawing/2014/main" id="{4C120B18-B8BE-CC6F-5841-00C2F15E0B0A}"/>
+              </a:ext>
+            </a:extLst>
+          </p:cNvPr>
+          <p:cNvSpPr>
+            <a:spLocks noChangeArrowheads="1"/>
+          </p:cNvSpPr>
+          <p:nvPr/>
+        </p:nvSpPr>
+        <p:spPr bwMode="auto">
+          <a:xfrm>
+            <a:off x="0" y="43934"/>
+            <a:ext cx="184731" cy="369332"/>
+          </a:xfrm>
+          <a:prstGeom prst="rect">
+            <a:avLst/>
+          </a:prstGeom>
+          <a:solidFill>
+            <a:srgbClr val="FFFFFF"/>
+          </a:solidFill>
+          <a:ln>
+            <a:noFill/>
+          </a:ln>
+          <a:effectLst/>
+          <a:extLst>
+            <a:ext uri="{91240B29-F687-4F45-9708-019B960494DF}">
+              <a14:hiddenLine xmlns:a14="http://schemas.microsoft.com/office/drawing/2010/main" w="9525">
+                <a:solidFill>
+                  <a:schemeClr val="tx1"/>
+                </a:solidFill>
+                <a:miter lim="800000"/>
+                <a:headEnd/>
+                <a:tailEnd/>
+              </a14:hiddenLine>
+            </a:ext>
+            <a:ext uri="{AF507438-7753-43E0-B8FC-AC1667EBCBE1}">
+              <a14:hiddenEffects xmlns:a14="http://schemas.microsoft.com/office/drawing/2010/main">
+                <a:effectLst>
+                  <a:outerShdw dist="35921" dir="2700000" algn="ctr" rotWithShape="0">
+                    <a:schemeClr val="bg2"/>
+                  </a:outerShdw>
+                </a:effectLst>
+              </a14:hiddenEffects>
+            </a:ext>
+          </a:extLst>
+        </p:spPr>
+        <p:txBody>
+          <a:bodyPr vert="horz" wrap="none" lIns="91440" tIns="45720" rIns="91440" bIns="45720" numCol="1" anchor="ctr" anchorCtr="0" compatLnSpc="1">
+            <a:prstTxWarp prst="textNoShape">
+              <a:avLst/>
+            </a:prstTxWarp>
+            <a:spAutoFit/>
+          </a:bodyPr>
+          <a:lstStyle/>
+          <a:p>
+            <a:pPr marL="0" marR="0" lvl="0" indent="0" algn="l" defTabSz="914400" rtl="0" eaLnBrk="0" fontAlgn="base" latinLnBrk="0" hangingPunct="0">
+              <a:lnSpc>
+                <a:spcPct val="100000"/>
+              </a:lnSpc>
+              <a:spcBef>
+                <a:spcPct val="0"/>
+              </a:spcBef>
+              <a:spcAft>
+                <a:spcPct val="0"/>
+              </a:spcAft>
+              <a:buClrTx/>
+              <a:buSzTx/>
+              <a:buFontTx/>
+              <a:buNone/>
+              <a:tabLst/>
+            </a:pPr>
+            <a:endParaRPr kumimoji="0" lang="en-US" altLang="en-US" sz="1800" b="0" i="0" u="none" strike="noStrike" cap="none" normalizeH="0" baseline="0" dirty="0">
+              <a:ln>
+                <a:noFill/>
+              </a:ln>
+              <a:solidFill>
+                <a:schemeClr val="tx1"/>
+              </a:solidFill>
+              <a:effectLst/>
+              <a:latin typeface="Arial" panose="020B0604020202020204" pitchFamily="34" charset="0"/>
+            </a:endParaRPr>
+          </a:p>
+        </p:txBody>
+      </p:sp>
+      <p:pic>
+        <p:nvPicPr>
+          <p:cNvPr id="6" name="Picture 5">
+            <a:extLst>
+              <a:ext uri="{FF2B5EF4-FFF2-40B4-BE49-F238E27FC236}">
+                <a16:creationId xmlns:a16="http://schemas.microsoft.com/office/drawing/2014/main" id="{8674238A-85A0-B636-2508-091CBB4FBA22}"/>
+              </a:ext>
+            </a:extLst>
+          </p:cNvPr>
+          <p:cNvPicPr>
+            <a:picLocks noChangeAspect="1"/>
+          </p:cNvPicPr>
+          <p:nvPr/>
+        </p:nvPicPr>
+        <p:blipFill>
+          <a:blip r:embed="rId3"/>
+          <a:stretch>
+            <a:fillRect/>
+          </a:stretch>
+        </p:blipFill>
+        <p:spPr>
+          <a:xfrm>
+            <a:off x="1084666" y="3315153"/>
+            <a:ext cx="9211961" cy="1943371"/>
+          </a:xfrm>
+          <a:prstGeom prst="rect">
+            <a:avLst/>
+          </a:prstGeom>
+        </p:spPr>
+      </p:pic>
     </p:spTree>
     <p:extLst>
       <p:ext uri="{BB962C8B-B14F-4D97-AF65-F5344CB8AC3E}">
-        <p14:creationId xmlns:p14="http://schemas.microsoft.com/office/powerpoint/2010/main" val="3591333091"/>
+        <p14:creationId xmlns:p14="http://schemas.microsoft.com/office/powerpoint/2010/main" val="3531443849"/>
       </p:ext>
     </p:extLst>
   </p:cSld>
@@ -12821,7 +14513,7 @@
 </p:sld>
 </file>
 
-<file path=ppt/slides/slide30.xml><?xml version="1.0" encoding="utf-8"?>
+<file path=ppt/slides/slide36.xml><?xml version="1.0" encoding="utf-8"?>
 <p:sld xmlns:a="http://schemas.openxmlformats.org/drawingml/2006/main" xmlns:r="http://schemas.openxmlformats.org/officeDocument/2006/relationships" xmlns:p="http://schemas.openxmlformats.org/presentationml/2006/main">
   <p:cSld>
     <p:spTree>
@@ -12843,7 +14535,7 @@
           <p:cNvPr id="2" name="Title 1">
             <a:extLst>
               <a:ext uri="{FF2B5EF4-FFF2-40B4-BE49-F238E27FC236}">
-                <a16:creationId xmlns:a16="http://schemas.microsoft.com/office/drawing/2014/main" id="{12989A19-6CD0-7038-364A-57E0E302BAF6}"/>
+                <a16:creationId xmlns:a16="http://schemas.microsoft.com/office/drawing/2014/main" id="{0303EE27-B78F-0488-C95C-A2774B32D3D4}"/>
               </a:ext>
             </a:extLst>
           </p:cNvPr>
@@ -12861,8 +14553,13 @@
           <a:p>
             <a:r>
               <a:rPr lang="en-IN" dirty="0"/>
-              <a:t>marketplace - Pulumi Registry</a:t>
-            </a:r>
+              <a:t>Property tests  - TYPESCRIPT – AWS - </a:t>
+            </a:r>
+            <a:r>
+              <a:rPr lang="en-IN" dirty="0" err="1"/>
+              <a:t>EKS</a:t>
+            </a:r>
+            <a:endParaRPr lang="en-IN" dirty="0"/>
           </a:p>
         </p:txBody>
       </p:sp>
@@ -12871,7 +14568,7 @@
           <p:cNvPr id="3" name="Content Placeholder 2">
             <a:extLst>
               <a:ext uri="{FF2B5EF4-FFF2-40B4-BE49-F238E27FC236}">
-                <a16:creationId xmlns:a16="http://schemas.microsoft.com/office/drawing/2014/main" id="{E4547EF8-6DD4-87C3-9C9A-6DDB109A0188}"/>
+                <a16:creationId xmlns:a16="http://schemas.microsoft.com/office/drawing/2014/main" id="{3FC08BDF-59B9-96E7-803B-545EDFFB5129}"/>
               </a:ext>
             </a:extLst>
           </p:cNvPr>
@@ -12882,18 +14579,338 @@
             <p:ph idx="1"/>
           </p:nvPr>
         </p:nvSpPr>
-        <p:spPr/>
+        <p:spPr>
+          <a:xfrm>
+            <a:off x="0" y="987164"/>
+            <a:ext cx="12192000" cy="5182386"/>
+          </a:xfrm>
+        </p:spPr>
         <p:txBody>
-          <a:bodyPr>
-            <a:normAutofit fontScale="92500" lnSpcReduction="20000"/>
+          <a:bodyPr/>
+          <a:lstStyle/>
+          <a:p>
+            <a:r>
+              <a:rPr lang="en-US" dirty="0"/>
+              <a:t>Tests that checks before creating the resources</a:t>
+            </a:r>
+          </a:p>
+          <a:p>
+            <a:r>
+              <a:rPr lang="en-US" dirty="0"/>
+              <a:t>G:\</a:t>
+            </a:r>
+            <a:r>
+              <a:rPr lang="en-US" dirty="0" err="1"/>
+              <a:t>DWork</a:t>
+            </a:r>
+            <a:r>
+              <a:rPr lang="en-US" dirty="0"/>
+              <a:t>\</a:t>
+            </a:r>
+            <a:r>
+              <a:rPr lang="en-US" dirty="0" err="1"/>
+              <a:t>osource</a:t>
+            </a:r>
+            <a:r>
+              <a:rPr lang="en-US" dirty="0"/>
+              <a:t>\</a:t>
+            </a:r>
+            <a:r>
+              <a:rPr lang="en-US" dirty="0" err="1"/>
+              <a:t>cloudc</a:t>
+            </a:r>
+            <a:r>
+              <a:rPr lang="en-US" dirty="0"/>
+              <a:t>\</a:t>
+            </a:r>
+            <a:r>
+              <a:rPr lang="en-US" dirty="0" err="1"/>
+              <a:t>devops</a:t>
+            </a:r>
+            <a:r>
+              <a:rPr lang="en-US" dirty="0"/>
+              <a:t>\</a:t>
+            </a:r>
+            <a:r>
+              <a:rPr lang="en-US" dirty="0" err="1"/>
+              <a:t>pulumi</a:t>
+            </a:r>
+            <a:r>
+              <a:rPr lang="en-US" dirty="0"/>
+              <a:t>\</a:t>
+            </a:r>
+            <a:r>
+              <a:rPr lang="en-US" dirty="0" err="1"/>
+              <a:t>ts</a:t>
+            </a:r>
+            <a:r>
+              <a:rPr lang="en-US" dirty="0"/>
+              <a:t>\</a:t>
+            </a:r>
+            <a:r>
+              <a:rPr lang="en-US" dirty="0" err="1"/>
+              <a:t>aws</a:t>
+            </a:r>
+            <a:r>
+              <a:rPr lang="en-US" dirty="0"/>
+              <a:t>\test\props</a:t>
+            </a:r>
+          </a:p>
+          <a:p>
+            <a:r>
+              <a:rPr kumimoji="0" lang="en-US" altLang="en-US" sz="2000" b="1" i="0" u="none" strike="noStrike" cap="none" normalizeH="0" baseline="0" dirty="0" err="1">
+                <a:ln>
+                  <a:noFill/>
+                </a:ln>
+                <a:solidFill>
+                  <a:srgbClr val="6A84DB"/>
+                </a:solidFill>
+                <a:effectLst/>
+                <a:latin typeface="JetBrains Mono"/>
+              </a:rPr>
+              <a:t>pulumi</a:t>
+            </a:r>
+            <a:r>
+              <a:rPr kumimoji="0" lang="en-US" altLang="en-US" sz="2000" b="1" i="0" u="none" strike="noStrike" cap="none" normalizeH="0" baseline="0" dirty="0">
+                <a:ln>
+                  <a:noFill/>
+                </a:ln>
+                <a:solidFill>
+                  <a:srgbClr val="6A84DB"/>
+                </a:solidFill>
+                <a:effectLst/>
+                <a:latin typeface="JetBrains Mono"/>
+              </a:rPr>
+              <a:t> up --policy-pack </a:t>
+            </a:r>
+            <a:r>
+              <a:rPr kumimoji="0" lang="en-US" altLang="en-US" sz="2000" b="1" i="0" u="none" strike="noStrike" cap="none" normalizeH="0" baseline="0" dirty="0" err="1">
+                <a:ln>
+                  <a:noFill/>
+                </a:ln>
+                <a:solidFill>
+                  <a:srgbClr val="6A84DB"/>
+                </a:solidFill>
+                <a:effectLst/>
+                <a:latin typeface="JetBrains Mono"/>
+              </a:rPr>
+              <a:t>ppack</a:t>
+            </a:r>
+            <a:r>
+              <a:rPr kumimoji="0" lang="en-US" altLang="en-US" sz="2000" b="1" i="0" u="none" strike="noStrike" cap="none" normalizeH="0" baseline="0" dirty="0">
+                <a:ln>
+                  <a:noFill/>
+                </a:ln>
+                <a:solidFill>
+                  <a:srgbClr val="6A84DB"/>
+                </a:solidFill>
+                <a:effectLst/>
+                <a:latin typeface="JetBrains Mono"/>
+              </a:rPr>
+              <a:t> -y</a:t>
+            </a:r>
+            <a:endParaRPr kumimoji="0" lang="en-US" altLang="en-US" sz="4800" b="0" i="0" u="none" strike="noStrike" cap="none" normalizeH="0" baseline="0" dirty="0">
+              <a:ln>
+                <a:noFill/>
+              </a:ln>
+              <a:solidFill>
+                <a:schemeClr val="tx1"/>
+              </a:solidFill>
+              <a:effectLst/>
+              <a:latin typeface="Arial" panose="020B0604020202020204" pitchFamily="34" charset="0"/>
+            </a:endParaRPr>
+          </a:p>
+          <a:p>
+            <a:r>
+              <a:rPr lang="en-US" b="1" dirty="0">
+                <a:hlinkClick r:id="rId2"/>
+              </a:rPr>
+              <a:t>https://</a:t>
+            </a:r>
+            <a:r>
+              <a:rPr lang="en-US" b="1" dirty="0" err="1">
+                <a:hlinkClick r:id="rId2"/>
+              </a:rPr>
+              <a:t>app.pulumi.com</a:t>
+            </a:r>
+            <a:r>
+              <a:rPr lang="en-US" b="1" dirty="0">
+                <a:hlinkClick r:id="rId2"/>
+              </a:rPr>
+              <a:t>/nagkumar/</a:t>
+            </a:r>
+            <a:r>
+              <a:rPr lang="en-US" b="1" dirty="0" err="1">
+                <a:hlinkClick r:id="rId2"/>
+              </a:rPr>
+              <a:t>pac-ts-eks</a:t>
+            </a:r>
+            <a:r>
+              <a:rPr lang="en-US" b="1" dirty="0">
+                <a:hlinkClick r:id="rId2"/>
+              </a:rPr>
+              <a:t>/dev/updates/20</a:t>
+            </a:r>
+            <a:endParaRPr lang="en-US" b="1" dirty="0"/>
+          </a:p>
+          <a:p>
+            <a:r>
+              <a:rPr lang="en-US" b="1" dirty="0">
+                <a:hlinkClick r:id="rId3"/>
+              </a:rPr>
+              <a:t>https://ap-south-</a:t>
+            </a:r>
+            <a:r>
+              <a:rPr lang="en-US" b="1" dirty="0" err="1">
+                <a:hlinkClick r:id="rId3"/>
+              </a:rPr>
+              <a:t>1.console.aws.amazon.com</a:t>
+            </a:r>
+            <a:r>
+              <a:rPr lang="en-US" b="1" dirty="0">
+                <a:hlinkClick r:id="rId3"/>
+              </a:rPr>
+              <a:t>/</a:t>
+            </a:r>
+            <a:r>
+              <a:rPr lang="en-US" b="1" dirty="0" err="1">
+                <a:hlinkClick r:id="rId3"/>
+              </a:rPr>
+              <a:t>eks</a:t>
+            </a:r>
+            <a:r>
+              <a:rPr lang="en-US" b="1" dirty="0">
+                <a:hlinkClick r:id="rId3"/>
+              </a:rPr>
+              <a:t>/</a:t>
+            </a:r>
+            <a:r>
+              <a:rPr lang="en-US" b="1" dirty="0" err="1">
+                <a:hlinkClick r:id="rId3"/>
+              </a:rPr>
+              <a:t>home?region</a:t>
+            </a:r>
+            <a:r>
+              <a:rPr lang="en-US" b="1" dirty="0">
+                <a:hlinkClick r:id="rId3"/>
+              </a:rPr>
+              <a:t>=ap-south-1#/clusters</a:t>
+            </a:r>
+            <a:endParaRPr lang="en-US" b="1" dirty="0"/>
+          </a:p>
+          <a:p>
+            <a:r>
+              <a:rPr lang="en-US" b="1" dirty="0"/>
+              <a:t> </a:t>
+            </a:r>
+            <a:r>
+              <a:rPr lang="en-US" b="1" dirty="0">
+                <a:hlinkClick r:id="rId4"/>
+              </a:rPr>
+              <a:t>https://</a:t>
+            </a:r>
+            <a:r>
+              <a:rPr lang="en-US" b="1" dirty="0" err="1">
+                <a:hlinkClick r:id="rId4"/>
+              </a:rPr>
+              <a:t>app.pulumi.com</a:t>
+            </a:r>
+            <a:r>
+              <a:rPr lang="en-US" b="1" dirty="0">
+                <a:hlinkClick r:id="rId4"/>
+              </a:rPr>
+              <a:t>/nagkumar/</a:t>
+            </a:r>
+            <a:r>
+              <a:rPr lang="en-US" b="1" dirty="0" err="1">
+                <a:hlinkClick r:id="rId4"/>
+              </a:rPr>
+              <a:t>pac-ts-eks</a:t>
+            </a:r>
+            <a:r>
+              <a:rPr lang="en-US" b="1" dirty="0">
+                <a:hlinkClick r:id="rId4"/>
+              </a:rPr>
+              <a:t>/dev/updates/21</a:t>
+            </a:r>
+            <a:endParaRPr lang="en-US" b="1" dirty="0"/>
+          </a:p>
+          <a:p>
+            <a:endParaRPr lang="en-US" b="1" dirty="0"/>
+          </a:p>
+          <a:p>
+            <a:endParaRPr lang="en-US" b="1" dirty="0"/>
+          </a:p>
+          <a:p>
+            <a:endParaRPr lang="en-US" b="1" dirty="0"/>
+          </a:p>
+          <a:p>
+            <a:endParaRPr lang="en-US" b="1" dirty="0"/>
+          </a:p>
+          <a:p>
+            <a:endParaRPr lang="en-IN" dirty="0"/>
+          </a:p>
+        </p:txBody>
+      </p:sp>
+      <p:sp>
+        <p:nvSpPr>
+          <p:cNvPr id="4" name="Rectangle 1">
+            <a:extLst>
+              <a:ext uri="{FF2B5EF4-FFF2-40B4-BE49-F238E27FC236}">
+                <a16:creationId xmlns:a16="http://schemas.microsoft.com/office/drawing/2014/main" id="{5D5FFBF8-513C-6A41-C4B8-6C363B2FBF1B}"/>
+              </a:ext>
+            </a:extLst>
+          </p:cNvPr>
+          <p:cNvSpPr>
+            <a:spLocks noChangeArrowheads="1"/>
+          </p:cNvSpPr>
+          <p:nvPr/>
+        </p:nvSpPr>
+        <p:spPr bwMode="auto">
+          <a:xfrm>
+            <a:off x="0" y="43934"/>
+            <a:ext cx="184731" cy="369332"/>
+          </a:xfrm>
+          <a:prstGeom prst="rect">
+            <a:avLst/>
+          </a:prstGeom>
+          <a:solidFill>
+            <a:srgbClr val="FFFFFF"/>
+          </a:solidFill>
+          <a:ln>
+            <a:noFill/>
+          </a:ln>
+          <a:effectLst/>
+          <a:extLst>
+            <a:ext uri="{91240B29-F687-4F45-9708-019B960494DF}">
+              <a14:hiddenLine xmlns:a14="http://schemas.microsoft.com/office/drawing/2010/main" w="9525">
+                <a:solidFill>
+                  <a:schemeClr val="tx1"/>
+                </a:solidFill>
+                <a:miter lim="800000"/>
+                <a:headEnd/>
+                <a:tailEnd/>
+              </a14:hiddenLine>
+            </a:ext>
+            <a:ext uri="{AF507438-7753-43E0-B8FC-AC1667EBCBE1}">
+              <a14:hiddenEffects xmlns:a14="http://schemas.microsoft.com/office/drawing/2010/main">
+                <a:effectLst>
+                  <a:outerShdw dist="35921" dir="2700000" algn="ctr" rotWithShape="0">
+                    <a:schemeClr val="bg2"/>
+                  </a:outerShdw>
+                </a:effectLst>
+              </a14:hiddenEffects>
+            </a:ext>
+          </a:extLst>
+        </p:spPr>
+        <p:txBody>
+          <a:bodyPr vert="horz" wrap="none" lIns="91440" tIns="45720" rIns="91440" bIns="45720" numCol="1" anchor="ctr" anchorCtr="0" compatLnSpc="1">
+            <a:prstTxWarp prst="textNoShape">
+              <a:avLst/>
+            </a:prstTxWarp>
+            <a:spAutoFit/>
           </a:bodyPr>
           <a:lstStyle/>
-          <a:p>
-            <a:r>
-              <a:rPr lang="en-IN" dirty="0"/>
-              <a:t>Packages</a:t>
-            </a:r>
-          </a:p>
           <a:p>
             <a:pPr marL="0" marR="0" lvl="0" indent="0" algn="l" defTabSz="914400" rtl="0" eaLnBrk="0" fontAlgn="base" latinLnBrk="0" hangingPunct="0">
               <a:lnSpc>
@@ -12911,7 +14928,7 @@
               <a:buNone/>
               <a:tabLst/>
             </a:pPr>
-            <a:endParaRPr kumimoji="0" lang="en-US" altLang="en-US" sz="2000" b="0" i="0" u="none" strike="noStrike" cap="none" normalizeH="0" baseline="0" dirty="0">
+            <a:endParaRPr kumimoji="0" lang="en-US" altLang="en-US" sz="1800" b="0" i="0" u="none" strike="noStrike" cap="none" normalizeH="0" baseline="0" dirty="0">
               <a:ln>
                 <a:noFill/>
               </a:ln>
@@ -12922,208 +14939,121 @@
               <a:latin typeface="Arial" panose="020B0604020202020204" pitchFamily="34" charset="0"/>
             </a:endParaRPr>
           </a:p>
-          <a:p>
-            <a:pPr marL="274320" lvl="1" indent="0" eaLnBrk="0" fontAlgn="base" hangingPunct="0">
-              <a:lnSpc>
-                <a:spcPct val="100000"/>
-              </a:lnSpc>
-              <a:spcBef>
-                <a:spcPct val="0"/>
-              </a:spcBef>
-              <a:spcAft>
-                <a:spcPct val="0"/>
-              </a:spcAft>
-              <a:buClrTx/>
-              <a:buSzTx/>
-              <a:buNone/>
-            </a:pPr>
-            <a:r>
-              <a:rPr lang="en-US" altLang="en-US" sz="2000" dirty="0"/>
-              <a:t>There are currently 3 different types of Pulumi Packages:</a:t>
-            </a:r>
-          </a:p>
-          <a:p>
-            <a:pPr marL="274320" lvl="1" indent="0" eaLnBrk="0" fontAlgn="base" hangingPunct="0">
-              <a:lnSpc>
-                <a:spcPct val="100000"/>
-              </a:lnSpc>
-              <a:spcBef>
-                <a:spcPct val="0"/>
-              </a:spcBef>
-              <a:spcAft>
-                <a:spcPct val="0"/>
-              </a:spcAft>
-              <a:buClrTx/>
-              <a:buSzTx/>
-              <a:buNone/>
-            </a:pPr>
-            <a:endParaRPr lang="en-US" altLang="en-US" sz="2000" dirty="0"/>
-          </a:p>
-          <a:p>
-            <a:pPr marL="731520" lvl="1" indent="-457200" eaLnBrk="0" fontAlgn="base" hangingPunct="0">
-              <a:lnSpc>
-                <a:spcPct val="100000"/>
-              </a:lnSpc>
-              <a:spcBef>
-                <a:spcPct val="0"/>
-              </a:spcBef>
-              <a:spcAft>
-                <a:spcPct val="0"/>
-              </a:spcAft>
-              <a:buClrTx/>
-              <a:buSzTx/>
-              <a:buFont typeface="+mj-lt"/>
-              <a:buAutoNum type="arabicPeriod"/>
-            </a:pPr>
-            <a:r>
-              <a:rPr lang="en-US" altLang="en-US" sz="2000" dirty="0"/>
-              <a:t>Native Pulumi Provider Package: Use the full features of the Pulumi resource model to create a provider for a new cloud platform. </a:t>
-            </a:r>
-            <a:br>
-              <a:rPr lang="en-US" altLang="en-US" sz="2000" dirty="0"/>
-            </a:br>
-            <a:r>
-              <a:rPr lang="en-US" altLang="en-US" sz="2000" dirty="0"/>
-              <a:t>Examples: the Kubernetes, azure-native, and google-native packages.</a:t>
-            </a:r>
-          </a:p>
-          <a:p>
-            <a:pPr marL="731520" lvl="1" indent="-457200" eaLnBrk="0" fontAlgn="base" hangingPunct="0">
-              <a:lnSpc>
-                <a:spcPct val="100000"/>
-              </a:lnSpc>
-              <a:spcBef>
-                <a:spcPct val="0"/>
-              </a:spcBef>
-              <a:spcAft>
-                <a:spcPct val="0"/>
-              </a:spcAft>
-              <a:buClrTx/>
-              <a:buSzTx/>
-              <a:buFont typeface="+mj-lt"/>
-              <a:buAutoNum type="arabicPeriod"/>
-            </a:pPr>
-            <a:r>
-              <a:rPr lang="en-US" altLang="en-US" sz="2000" dirty="0"/>
-              <a:t>Bridged Provider Package: Take an existing resource provider from another supported ecosystem (like a Terraform provider), and bridge it to be exposed as a Pulumi Package. </a:t>
-            </a:r>
-            <a:br>
-              <a:rPr lang="en-US" altLang="en-US" sz="2000" dirty="0"/>
-            </a:br>
-            <a:r>
-              <a:rPr lang="en-US" altLang="en-US" sz="2000" dirty="0"/>
-              <a:t>Examples: the </a:t>
-            </a:r>
-            <a:r>
-              <a:rPr lang="en-US" altLang="en-US" sz="2000" dirty="0" err="1"/>
-              <a:t>aws</a:t>
-            </a:r>
-            <a:r>
-              <a:rPr lang="en-US" altLang="en-US" sz="2000" dirty="0"/>
-              <a:t>, </a:t>
-            </a:r>
-            <a:r>
-              <a:rPr lang="en-US" altLang="en-US" sz="2000" dirty="0" err="1"/>
-              <a:t>tls</a:t>
-            </a:r>
-            <a:r>
-              <a:rPr lang="en-US" altLang="en-US" sz="2000" dirty="0"/>
-              <a:t>, and Cloudflare packages.</a:t>
-            </a:r>
-          </a:p>
-          <a:p>
-            <a:pPr marL="731520" lvl="1" indent="-457200" eaLnBrk="0" fontAlgn="base" hangingPunct="0">
-              <a:lnSpc>
-                <a:spcPct val="100000"/>
-              </a:lnSpc>
-              <a:spcBef>
-                <a:spcPct val="0"/>
-              </a:spcBef>
-              <a:spcAft>
-                <a:spcPct val="0"/>
-              </a:spcAft>
-              <a:buClrTx/>
-              <a:buSzTx/>
-              <a:buFont typeface="+mj-lt"/>
-              <a:buAutoNum type="arabicPeriod"/>
-            </a:pPr>
-            <a:r>
-              <a:rPr lang="en-US" altLang="en-US" sz="2000" dirty="0"/>
-              <a:t>Component Package: Write a Pulumi Component in your language of choice and expose it to users in all Pulumi languages. </a:t>
-            </a:r>
-            <a:br>
-              <a:rPr lang="en-US" altLang="en-US" sz="2000" dirty="0"/>
-            </a:br>
-            <a:r>
-              <a:rPr lang="en-US" altLang="en-US" sz="2000" dirty="0"/>
-              <a:t>Example: the </a:t>
-            </a:r>
-            <a:r>
-              <a:rPr lang="en-US" altLang="en-US" sz="2000" dirty="0" err="1"/>
-              <a:t>eks</a:t>
-            </a:r>
-            <a:r>
-              <a:rPr lang="en-US" altLang="en-US" sz="2000" dirty="0"/>
-              <a:t> package.</a:t>
-            </a:r>
-          </a:p>
-          <a:p>
-            <a:r>
-              <a:rPr lang="en-IN" dirty="0"/>
-              <a:t>Providers</a:t>
-            </a:r>
-          </a:p>
-          <a:p>
-            <a:r>
-              <a:rPr lang="en-IN" dirty="0"/>
-              <a:t>Native Providers</a:t>
-            </a:r>
-          </a:p>
-          <a:p>
-            <a:r>
-              <a:rPr lang="en-IN" dirty="0"/>
-              <a:t>Resource Providers</a:t>
-            </a:r>
-          </a:p>
-          <a:p>
-            <a:r>
-              <a:rPr lang="en-IN" dirty="0"/>
-              <a:t>Component</a:t>
-            </a:r>
-          </a:p>
-          <a:p>
-            <a:r>
-              <a:rPr lang="en-IN" dirty="0">
-                <a:hlinkClick r:id="rId2"/>
-              </a:rPr>
-              <a:t>https://</a:t>
-            </a:r>
-            <a:r>
-              <a:rPr lang="en-IN" dirty="0" err="1">
-                <a:hlinkClick r:id="rId2"/>
-              </a:rPr>
-              <a:t>www.pulumi.com</a:t>
-            </a:r>
-            <a:r>
-              <a:rPr lang="en-IN" dirty="0">
-                <a:hlinkClick r:id="rId2"/>
-              </a:rPr>
-              <a:t>/docs/guides/pulumi-packages/how-to-author/</a:t>
-            </a:r>
-            <a:endParaRPr lang="en-IN" dirty="0"/>
-          </a:p>
-          <a:p>
-            <a:endParaRPr lang="en-IN" dirty="0"/>
-          </a:p>
-          <a:p>
-            <a:endParaRPr lang="en-IN" dirty="0"/>
-          </a:p>
         </p:txBody>
       </p:sp>
+      <p:pic>
+        <p:nvPicPr>
+          <p:cNvPr id="6" name="Picture 5">
+            <a:extLst>
+              <a:ext uri="{FF2B5EF4-FFF2-40B4-BE49-F238E27FC236}">
+                <a16:creationId xmlns:a16="http://schemas.microsoft.com/office/drawing/2014/main" id="{B213CFA3-999D-CCA0-6053-41CEB209D1A9}"/>
+              </a:ext>
+            </a:extLst>
+          </p:cNvPr>
+          <p:cNvPicPr>
+            <a:picLocks noChangeAspect="1"/>
+          </p:cNvPicPr>
+          <p:nvPr/>
+        </p:nvPicPr>
+        <p:blipFill>
+          <a:blip r:embed="rId5"/>
+          <a:stretch>
+            <a:fillRect/>
+          </a:stretch>
+        </p:blipFill>
+        <p:spPr>
+          <a:xfrm>
+            <a:off x="8806190" y="3224933"/>
+            <a:ext cx="3030601" cy="3469329"/>
+          </a:xfrm>
+          <a:prstGeom prst="rect">
+            <a:avLst/>
+          </a:prstGeom>
+        </p:spPr>
+      </p:pic>
+      <p:sp>
+        <p:nvSpPr>
+          <p:cNvPr id="7" name="Speech Bubble: Rectangle with Corners Rounded 6">
+            <a:extLst>
+              <a:ext uri="{FF2B5EF4-FFF2-40B4-BE49-F238E27FC236}">
+                <a16:creationId xmlns:a16="http://schemas.microsoft.com/office/drawing/2014/main" id="{CC8E623C-6E1B-6251-1CB1-6288C2852477}"/>
+              </a:ext>
+            </a:extLst>
+          </p:cNvPr>
+          <p:cNvSpPr/>
+          <p:nvPr/>
+        </p:nvSpPr>
+        <p:spPr>
+          <a:xfrm rot="3049223">
+            <a:off x="10216451" y="5256980"/>
+            <a:ext cx="1745438" cy="1227713"/>
+          </a:xfrm>
+          <a:prstGeom prst="wedgeRoundRectCallout">
+            <a:avLst/>
+          </a:prstGeom>
+        </p:spPr>
+        <p:style>
+          <a:lnRef idx="2">
+            <a:schemeClr val="accent1">
+              <a:shade val="50000"/>
+            </a:schemeClr>
+          </a:lnRef>
+          <a:fillRef idx="1">
+            <a:schemeClr val="accent1"/>
+          </a:fillRef>
+          <a:effectRef idx="0">
+            <a:schemeClr val="accent1"/>
+          </a:effectRef>
+          <a:fontRef idx="minor">
+            <a:schemeClr val="lt1"/>
+          </a:fontRef>
+        </p:style>
+        <p:txBody>
+          <a:bodyPr rtlCol="0" anchor="ctr"/>
+          <a:lstStyle/>
+          <a:p>
+            <a:pPr algn="ctr"/>
+            <a:r>
+              <a:rPr lang="en-IN" sz="1400" dirty="0"/>
+              <a:t>Edit this verstion from 1.23 to 1.22, then property test fails</a:t>
+            </a:r>
+          </a:p>
+        </p:txBody>
+      </p:sp>
+      <p:pic>
+        <p:nvPicPr>
+          <p:cNvPr id="10" name="Picture 9">
+            <a:extLst>
+              <a:ext uri="{FF2B5EF4-FFF2-40B4-BE49-F238E27FC236}">
+                <a16:creationId xmlns:a16="http://schemas.microsoft.com/office/drawing/2014/main" id="{C64AC71C-FF27-2148-ACF8-ACD9893C5294}"/>
+              </a:ext>
+            </a:extLst>
+          </p:cNvPr>
+          <p:cNvPicPr>
+            <a:picLocks noChangeAspect="1"/>
+          </p:cNvPicPr>
+          <p:nvPr/>
+        </p:nvPicPr>
+        <p:blipFill>
+          <a:blip r:embed="rId6"/>
+          <a:stretch>
+            <a:fillRect/>
+          </a:stretch>
+        </p:blipFill>
+        <p:spPr>
+          <a:xfrm>
+            <a:off x="184731" y="3698217"/>
+            <a:ext cx="8341894" cy="2735014"/>
+          </a:xfrm>
+          <a:prstGeom prst="rect">
+            <a:avLst/>
+          </a:prstGeom>
+        </p:spPr>
+      </p:pic>
     </p:spTree>
     <p:extLst>
       <p:ext uri="{BB962C8B-B14F-4D97-AF65-F5344CB8AC3E}">
-        <p14:creationId xmlns:p14="http://schemas.microsoft.com/office/powerpoint/2010/main" val="994949540"/>
+        <p14:creationId xmlns:p14="http://schemas.microsoft.com/office/powerpoint/2010/main" val="138654992"/>
       </p:ext>
     </p:extLst>
   </p:cSld>
@@ -13133,84 +15063,7 @@
 </p:sld>
 </file>
 
-<file path=ppt/slides/slide31.xml><?xml version="1.0" encoding="utf-8"?>
-<p:sld xmlns:a="http://schemas.openxmlformats.org/drawingml/2006/main" xmlns:r="http://schemas.openxmlformats.org/officeDocument/2006/relationships" xmlns:p="http://schemas.openxmlformats.org/presentationml/2006/main">
-  <p:cSld>
-    <p:spTree>
-      <p:nvGrpSpPr>
-        <p:cNvPr id="1" name=""/>
-        <p:cNvGrpSpPr/>
-        <p:nvPr/>
-      </p:nvGrpSpPr>
-      <p:grpSpPr>
-        <a:xfrm>
-          <a:off x="0" y="0"/>
-          <a:ext cx="0" cy="0"/>
-          <a:chOff x="0" y="0"/>
-          <a:chExt cx="0" cy="0"/>
-        </a:xfrm>
-      </p:grpSpPr>
-      <p:pic>
-        <p:nvPicPr>
-          <p:cNvPr id="1026" name="Picture 2" descr="A graphic representation of the steps listed above">
-            <a:extLst>
-              <a:ext uri="{FF2B5EF4-FFF2-40B4-BE49-F238E27FC236}">
-                <a16:creationId xmlns:a16="http://schemas.microsoft.com/office/drawing/2014/main" id="{8D1B242D-D93B-1397-8D74-8CCE154C3914}"/>
-              </a:ext>
-            </a:extLst>
-          </p:cNvPr>
-          <p:cNvPicPr>
-            <a:picLocks noChangeAspect="1" noChangeArrowheads="1"/>
-          </p:cNvPicPr>
-          <p:nvPr/>
-        </p:nvPicPr>
-        <p:blipFill>
-          <a:blip r:embed="rId2">
-            <a:extLst>
-              <a:ext uri="{28A0092B-C50C-407E-A947-70E740481C1C}">
-                <a14:useLocalDpi xmlns:a14="http://schemas.microsoft.com/office/drawing/2010/main" val="0"/>
-              </a:ext>
-            </a:extLst>
-          </a:blip>
-          <a:srcRect/>
-          <a:stretch>
-            <a:fillRect/>
-          </a:stretch>
-        </p:blipFill>
-        <p:spPr bwMode="auto">
-          <a:xfrm>
-            <a:off x="727303" y="514078"/>
-            <a:ext cx="9953625" cy="6038850"/>
-          </a:xfrm>
-          <a:prstGeom prst="rect">
-            <a:avLst/>
-          </a:prstGeom>
-          <a:noFill/>
-          <a:extLst>
-            <a:ext uri="{909E8E84-426E-40DD-AFC4-6F175D3DCCD1}">
-              <a14:hiddenFill xmlns:a14="http://schemas.microsoft.com/office/drawing/2010/main">
-                <a:solidFill>
-                  <a:srgbClr val="FFFFFF"/>
-                </a:solidFill>
-              </a14:hiddenFill>
-            </a:ext>
-          </a:extLst>
-        </p:spPr>
-      </p:pic>
-    </p:spTree>
-    <p:extLst>
-      <p:ext uri="{BB962C8B-B14F-4D97-AF65-F5344CB8AC3E}">
-        <p14:creationId xmlns:p14="http://schemas.microsoft.com/office/powerpoint/2010/main" val="1712576349"/>
-      </p:ext>
-    </p:extLst>
-  </p:cSld>
-  <p:clrMapOvr>
-    <a:masterClrMapping/>
-  </p:clrMapOvr>
-</p:sld>
-</file>
-
-<file path=ppt/slides/slide32.xml><?xml version="1.0" encoding="utf-8"?>
+<file path=ppt/slides/slide37.xml><?xml version="1.0" encoding="utf-8"?>
 <p:sld xmlns:a="http://schemas.openxmlformats.org/drawingml/2006/main" xmlns:r="http://schemas.openxmlformats.org/officeDocument/2006/relationships" xmlns:p="http://schemas.openxmlformats.org/presentationml/2006/main">
   <p:cSld>
     <p:spTree>
@@ -13232,7 +15085,7 @@
           <p:cNvPr id="2" name="Title 1">
             <a:extLst>
               <a:ext uri="{FF2B5EF4-FFF2-40B4-BE49-F238E27FC236}">
-                <a16:creationId xmlns:a16="http://schemas.microsoft.com/office/drawing/2014/main" id="{556925F9-AC24-D5FF-D0CF-0DE39967C50C}"/>
+                <a16:creationId xmlns:a16="http://schemas.microsoft.com/office/drawing/2014/main" id="{D8A6209A-B594-9BAE-722A-EA32602CEFF3}"/>
               </a:ext>
             </a:extLst>
           </p:cNvPr>
@@ -13248,18 +15101,7 @@
           <a:bodyPr/>
           <a:lstStyle/>
           <a:p>
-            <a:r>
-              <a:rPr lang="en-IN" dirty="0"/>
-              <a:t>Example AWS </a:t>
-            </a:r>
-            <a:r>
-              <a:rPr lang="en-IN" dirty="0" err="1"/>
-              <a:t>S3</a:t>
-            </a:r>
-            <a:r>
-              <a:rPr lang="en-IN" dirty="0"/>
-              <a:t> </a:t>
-            </a:r>
+            <a:endParaRPr lang="en-IN"/>
           </a:p>
         </p:txBody>
       </p:sp>
@@ -13268,7 +15110,7 @@
           <p:cNvPr id="3" name="Content Placeholder 2">
             <a:extLst>
               <a:ext uri="{FF2B5EF4-FFF2-40B4-BE49-F238E27FC236}">
-                <a16:creationId xmlns:a16="http://schemas.microsoft.com/office/drawing/2014/main" id="{4F8831BE-4444-DD96-CAE6-310B528916EA}"/>
+                <a16:creationId xmlns:a16="http://schemas.microsoft.com/office/drawing/2014/main" id="{9A7A3CFE-ECD4-BA73-6764-C7F80BC51A34}"/>
               </a:ext>
             </a:extLst>
           </p:cNvPr>
@@ -13279,201 +15121,10 @@
             <p:ph idx="1"/>
           </p:nvPr>
         </p:nvSpPr>
-        <p:spPr>
-          <a:xfrm>
-            <a:off x="0" y="2121408"/>
-            <a:ext cx="4519749" cy="4050792"/>
-          </a:xfrm>
-        </p:spPr>
+        <p:spPr/>
         <p:txBody>
           <a:bodyPr/>
           <a:lstStyle/>
-          <a:p>
-            <a:r>
-              <a:rPr lang="en-IN" dirty="0">
-                <a:hlinkClick r:id="rId2"/>
-              </a:rPr>
-              <a:t>G:\</a:t>
-            </a:r>
-            <a:r>
-              <a:rPr lang="en-IN" dirty="0" err="1">
-                <a:hlinkClick r:id="rId2"/>
-              </a:rPr>
-              <a:t>DWork</a:t>
-            </a:r>
-            <a:r>
-              <a:rPr lang="en-IN" dirty="0">
-                <a:hlinkClick r:id="rId2"/>
-              </a:rPr>
-              <a:t>\</a:t>
-            </a:r>
-            <a:r>
-              <a:rPr lang="en-IN" dirty="0" err="1">
-                <a:hlinkClick r:id="rId2"/>
-              </a:rPr>
-              <a:t>osource</a:t>
-            </a:r>
-            <a:r>
-              <a:rPr lang="en-IN" dirty="0">
-                <a:hlinkClick r:id="rId2"/>
-              </a:rPr>
-              <a:t>\</a:t>
-            </a:r>
-            <a:r>
-              <a:rPr lang="en-IN" dirty="0" err="1">
-                <a:hlinkClick r:id="rId2"/>
-              </a:rPr>
-              <a:t>cloudc</a:t>
-            </a:r>
-            <a:r>
-              <a:rPr lang="en-IN" dirty="0">
-                <a:hlinkClick r:id="rId2"/>
-              </a:rPr>
-              <a:t>\</a:t>
-            </a:r>
-            <a:r>
-              <a:rPr lang="en-IN" dirty="0" err="1">
-                <a:hlinkClick r:id="rId2"/>
-              </a:rPr>
-              <a:t>devops</a:t>
-            </a:r>
-            <a:r>
-              <a:rPr lang="en-IN" dirty="0">
-                <a:hlinkClick r:id="rId2"/>
-              </a:rPr>
-              <a:t>\pulumi\java\</a:t>
-            </a:r>
-            <a:r>
-              <a:rPr lang="en-IN" dirty="0" err="1">
-                <a:hlinkClick r:id="rId2"/>
-              </a:rPr>
-              <a:t>aws</a:t>
-            </a:r>
-            <a:r>
-              <a:rPr lang="en-IN" dirty="0">
-                <a:hlinkClick r:id="rId2"/>
-              </a:rPr>
-              <a:t>\</a:t>
-            </a:r>
-            <a:r>
-              <a:rPr lang="en-IN" dirty="0" err="1">
-                <a:hlinkClick r:id="rId2"/>
-              </a:rPr>
-              <a:t>hw</a:t>
-            </a:r>
-            <a:endParaRPr lang="en-IN" dirty="0"/>
-          </a:p>
-          <a:p>
-            <a:r>
-              <a:rPr lang="en-IN" dirty="0">
-                <a:hlinkClick r:id="rId3"/>
-              </a:rPr>
-              <a:t>https://</a:t>
-            </a:r>
-            <a:r>
-              <a:rPr lang="en-IN" dirty="0" err="1">
-                <a:hlinkClick r:id="rId3"/>
-              </a:rPr>
-              <a:t>s3.console.aws.amazon.com</a:t>
-            </a:r>
-            <a:r>
-              <a:rPr lang="en-IN" dirty="0">
-                <a:hlinkClick r:id="rId3"/>
-              </a:rPr>
-              <a:t>/</a:t>
-            </a:r>
-            <a:r>
-              <a:rPr lang="en-IN" dirty="0" err="1">
-                <a:hlinkClick r:id="rId3"/>
-              </a:rPr>
-              <a:t>s3</a:t>
-            </a:r>
-            <a:r>
-              <a:rPr lang="en-IN" dirty="0">
-                <a:hlinkClick r:id="rId3"/>
-              </a:rPr>
-              <a:t>/buckets</a:t>
-            </a:r>
-            <a:endParaRPr lang="en-IN" dirty="0"/>
-          </a:p>
-          <a:p>
-            <a:r>
-              <a:rPr lang="en-IN" dirty="0">
-                <a:hlinkClick r:id="rId4"/>
-              </a:rPr>
-              <a:t>https://</a:t>
-            </a:r>
-            <a:r>
-              <a:rPr lang="en-IN" dirty="0" err="1">
-                <a:hlinkClick r:id="rId4"/>
-              </a:rPr>
-              <a:t>app.pulumi.com</a:t>
-            </a:r>
-            <a:r>
-              <a:rPr lang="en-IN" dirty="0">
-                <a:hlinkClick r:id="rId4"/>
-              </a:rPr>
-              <a:t>/nagkumar/</a:t>
-            </a:r>
-            <a:r>
-              <a:rPr lang="en-IN" dirty="0" err="1">
-                <a:hlinkClick r:id="rId4"/>
-              </a:rPr>
-              <a:t>hw</a:t>
-            </a:r>
-            <a:r>
-              <a:rPr lang="en-IN" dirty="0">
-                <a:hlinkClick r:id="rId4"/>
-              </a:rPr>
-              <a:t>/dev/updates/19</a:t>
-            </a:r>
-            <a:r>
-              <a:rPr lang="en-IN" dirty="0"/>
-              <a:t> - PU</a:t>
-            </a:r>
-          </a:p>
-          <a:p>
-            <a:r>
-              <a:rPr lang="en-IN" dirty="0">
-                <a:hlinkClick r:id="rId5"/>
-              </a:rPr>
-              <a:t>https://</a:t>
-            </a:r>
-            <a:r>
-              <a:rPr lang="en-IN" dirty="0" err="1">
-                <a:hlinkClick r:id="rId5"/>
-              </a:rPr>
-              <a:t>app.pulumi.com</a:t>
-            </a:r>
-            <a:r>
-              <a:rPr lang="en-IN" dirty="0">
-                <a:hlinkClick r:id="rId5"/>
-              </a:rPr>
-              <a:t>/nagkumar/</a:t>
-            </a:r>
-            <a:r>
-              <a:rPr lang="en-IN" dirty="0" err="1">
-                <a:hlinkClick r:id="rId5"/>
-              </a:rPr>
-              <a:t>hw</a:t>
-            </a:r>
-            <a:r>
-              <a:rPr lang="en-IN" dirty="0">
-                <a:hlinkClick r:id="rId5"/>
-              </a:rPr>
-              <a:t>/dev/updates/20-</a:t>
-            </a:r>
-            <a:r>
-              <a:rPr lang="en-IN" dirty="0"/>
-              <a:t> PD</a:t>
-            </a:r>
-          </a:p>
-          <a:p>
-            <a:endParaRPr lang="en-IN" dirty="0"/>
-          </a:p>
-          <a:p>
-            <a:endParaRPr lang="en-IN" dirty="0"/>
-          </a:p>
           <a:p>
             <a:endParaRPr lang="en-IN" dirty="0"/>
           </a:p>
@@ -13484,7 +15135,7 @@
           <p:cNvPr id="5" name="Picture 4">
             <a:extLst>
               <a:ext uri="{FF2B5EF4-FFF2-40B4-BE49-F238E27FC236}">
-                <a16:creationId xmlns:a16="http://schemas.microsoft.com/office/drawing/2014/main" id="{3EA405A0-0D46-0C24-3D07-DF4DF94CD3F1}"/>
+                <a16:creationId xmlns:a16="http://schemas.microsoft.com/office/drawing/2014/main" id="{0088D860-CF72-0243-294D-46012CD092FA}"/>
               </a:ext>
             </a:extLst>
           </p:cNvPr>
@@ -13494,15 +15145,45 @@
           <p:nvPr/>
         </p:nvPicPr>
         <p:blipFill>
-          <a:blip r:embed="rId6"/>
+          <a:blip r:embed="rId2"/>
           <a:stretch>
             <a:fillRect/>
           </a:stretch>
         </p:blipFill>
         <p:spPr>
           <a:xfrm>
-            <a:off x="4519749" y="1881052"/>
-            <a:ext cx="8444231" cy="4492316"/>
+            <a:off x="2874463" y="3880467"/>
+            <a:ext cx="9107171" cy="1962424"/>
+          </a:xfrm>
+          <a:prstGeom prst="rect">
+            <a:avLst/>
+          </a:prstGeom>
+        </p:spPr>
+      </p:pic>
+      <p:pic>
+        <p:nvPicPr>
+          <p:cNvPr id="6" name="Picture 5">
+            <a:extLst>
+              <a:ext uri="{FF2B5EF4-FFF2-40B4-BE49-F238E27FC236}">
+                <a16:creationId xmlns:a16="http://schemas.microsoft.com/office/drawing/2014/main" id="{93B077AA-2A43-FBCC-320C-4BCD35C9162C}"/>
+              </a:ext>
+            </a:extLst>
+          </p:cNvPr>
+          <p:cNvPicPr>
+            <a:picLocks noChangeAspect="1"/>
+          </p:cNvPicPr>
+          <p:nvPr/>
+        </p:nvPicPr>
+        <p:blipFill>
+          <a:blip r:embed="rId3"/>
+          <a:stretch>
+            <a:fillRect/>
+          </a:stretch>
+        </p:blipFill>
+        <p:spPr>
+          <a:xfrm>
+            <a:off x="197565" y="1169576"/>
+            <a:ext cx="7230484" cy="2381582"/>
           </a:xfrm>
           <a:prstGeom prst="rect">
             <a:avLst/>
@@ -13512,7 +15193,7 @@
     </p:spTree>
     <p:extLst>
       <p:ext uri="{BB962C8B-B14F-4D97-AF65-F5344CB8AC3E}">
-        <p14:creationId xmlns:p14="http://schemas.microsoft.com/office/powerpoint/2010/main" val="17435784"/>
+        <p14:creationId xmlns:p14="http://schemas.microsoft.com/office/powerpoint/2010/main" val="3844801541"/>
       </p:ext>
     </p:extLst>
   </p:cSld>
@@ -13522,7 +15203,7 @@
 </p:sld>
 </file>
 
-<file path=ppt/slides/slide33.xml><?xml version="1.0" encoding="utf-8"?>
+<file path=ppt/slides/slide38.xml><?xml version="1.0" encoding="utf-8"?>
 <p:sld xmlns:a="http://schemas.openxmlformats.org/drawingml/2006/main" xmlns:r="http://schemas.openxmlformats.org/officeDocument/2006/relationships" xmlns:p="http://schemas.openxmlformats.org/presentationml/2006/main">
   <p:cSld>
     <p:spTree>
@@ -13544,7 +15225,7 @@
           <p:cNvPr id="2" name="Title 1">
             <a:extLst>
               <a:ext uri="{FF2B5EF4-FFF2-40B4-BE49-F238E27FC236}">
-                <a16:creationId xmlns:a16="http://schemas.microsoft.com/office/drawing/2014/main" id="{E4FF78F2-8CC2-41B1-928C-26158D826F9A}"/>
+                <a16:creationId xmlns:a16="http://schemas.microsoft.com/office/drawing/2014/main" id="{DE29AC82-629F-F743-0F3F-CA31A9B53952}"/>
               </a:ext>
             </a:extLst>
           </p:cNvPr>
@@ -13561,12 +15242,8 @@
           <a:lstStyle/>
           <a:p>
             <a:r>
-              <a:rPr lang="en-IN" dirty="0" err="1"/>
-              <a:t>HW</a:t>
-            </a:r>
-            <a:r>
               <a:rPr lang="en-IN" dirty="0"/>
-              <a:t> - gcp bucket</a:t>
+              <a:t>Integration tests – GO - AWS</a:t>
             </a:r>
           </a:p>
         </p:txBody>
@@ -13576,7 +15253,7 @@
           <p:cNvPr id="3" name="Content Placeholder 2">
             <a:extLst>
               <a:ext uri="{FF2B5EF4-FFF2-40B4-BE49-F238E27FC236}">
-                <a16:creationId xmlns:a16="http://schemas.microsoft.com/office/drawing/2014/main" id="{0AFFAB35-9465-E665-5F93-B7532304F18E}"/>
+                <a16:creationId xmlns:a16="http://schemas.microsoft.com/office/drawing/2014/main" id="{A7782EF5-20C0-4D5F-50F5-E04EFB3CC2F4}"/>
               </a:ext>
             </a:extLst>
           </p:cNvPr>
@@ -13593,226 +15270,72 @@
           <a:lstStyle/>
           <a:p>
             <a:r>
-              <a:rPr lang="en-IN" dirty="0">
-                <a:hlinkClick r:id="rId2"/>
-              </a:rPr>
+              <a:rPr lang="en-US" dirty="0"/>
               <a:t>G:\</a:t>
             </a:r>
             <a:r>
-              <a:rPr lang="en-IN" dirty="0" err="1">
-                <a:hlinkClick r:id="rId2"/>
-              </a:rPr>
+              <a:rPr lang="en-US" dirty="0" err="1"/>
               <a:t>DWork</a:t>
             </a:r>
             <a:r>
-              <a:rPr lang="en-IN" dirty="0">
-                <a:hlinkClick r:id="rId2"/>
-              </a:rPr>
+              <a:rPr lang="en-US" dirty="0"/>
               <a:t>\</a:t>
             </a:r>
             <a:r>
-              <a:rPr lang="en-IN" dirty="0" err="1">
-                <a:hlinkClick r:id="rId2"/>
-              </a:rPr>
+              <a:rPr lang="en-US" dirty="0" err="1"/>
               <a:t>osource</a:t>
             </a:r>
             <a:r>
-              <a:rPr lang="en-IN" dirty="0">
-                <a:hlinkClick r:id="rId2"/>
-              </a:rPr>
+              <a:rPr lang="en-US" dirty="0"/>
               <a:t>\</a:t>
             </a:r>
             <a:r>
-              <a:rPr lang="en-IN" dirty="0" err="1">
-                <a:hlinkClick r:id="rId2"/>
-              </a:rPr>
+              <a:rPr lang="en-US" dirty="0" err="1"/>
               <a:t>cloudc</a:t>
             </a:r>
             <a:r>
-              <a:rPr lang="en-IN" dirty="0">
-                <a:hlinkClick r:id="rId2"/>
-              </a:rPr>
+              <a:rPr lang="en-US" dirty="0"/>
               <a:t>\</a:t>
             </a:r>
             <a:r>
-              <a:rPr lang="en-IN" dirty="0" err="1">
-                <a:hlinkClick r:id="rId2"/>
-              </a:rPr>
+              <a:rPr lang="en-US" dirty="0" err="1"/>
               <a:t>devops</a:t>
             </a:r>
             <a:r>
-              <a:rPr lang="en-IN" dirty="0">
-                <a:hlinkClick r:id="rId2"/>
-              </a:rPr>
-              <a:t>\pulumi\java\gcp\</a:t>
-            </a:r>
-            <a:r>
-              <a:rPr lang="en-IN" dirty="0" err="1">
-                <a:hlinkClick r:id="rId2"/>
-              </a:rPr>
-              <a:t>hw</a:t>
-            </a:r>
-            <a:endParaRPr lang="en-IN" dirty="0"/>
-          </a:p>
-          <a:p>
-            <a:r>
-              <a:rPr lang="en-IN" dirty="0">
-                <a:hlinkClick r:id="rId3"/>
-              </a:rPr>
-              <a:t>https://</a:t>
-            </a:r>
-            <a:r>
-              <a:rPr lang="en-IN" dirty="0" err="1">
-                <a:hlinkClick r:id="rId3"/>
-              </a:rPr>
-              <a:t>console.cloud.google.com</a:t>
-            </a:r>
-            <a:r>
-              <a:rPr lang="en-IN" dirty="0">
-                <a:hlinkClick r:id="rId3"/>
-              </a:rPr>
-              <a:t>/storage/</a:t>
-            </a:r>
-            <a:r>
-              <a:rPr lang="en-IN" dirty="0" err="1">
-                <a:hlinkClick r:id="rId3"/>
-              </a:rPr>
-              <a:t>browser?referrer</a:t>
-            </a:r>
-            <a:r>
-              <a:rPr lang="en-IN" dirty="0">
-                <a:hlinkClick r:id="rId3"/>
-              </a:rPr>
-              <a:t>=</a:t>
-            </a:r>
-            <a:r>
-              <a:rPr lang="en-IN" dirty="0" err="1">
-                <a:hlinkClick r:id="rId3"/>
-              </a:rPr>
-              <a:t>search&amp;project</a:t>
-            </a:r>
-            <a:r>
-              <a:rPr lang="en-IN" dirty="0">
-                <a:hlinkClick r:id="rId3"/>
-              </a:rPr>
-              <a:t>=</a:t>
-            </a:r>
-            <a:r>
-              <a:rPr lang="en-IN" dirty="0" err="1">
-                <a:hlinkClick r:id="rId3"/>
-              </a:rPr>
-              <a:t>testgcp-360409&amp;prefix</a:t>
-            </a:r>
-            <a:r>
-              <a:rPr lang="en-IN" dirty="0">
-                <a:hlinkClick r:id="rId3"/>
-              </a:rPr>
-              <a:t>=</a:t>
-            </a:r>
-            <a:endParaRPr lang="en-IN" dirty="0"/>
-          </a:p>
-          <a:p>
-            <a:r>
-              <a:rPr lang="en-IN" dirty="0">
-                <a:hlinkClick r:id="rId4"/>
-              </a:rPr>
-              <a:t>https://</a:t>
-            </a:r>
-            <a:r>
-              <a:rPr lang="en-IN" dirty="0" err="1">
-                <a:hlinkClick r:id="rId4"/>
-              </a:rPr>
-              <a:t>app.pulumi.com</a:t>
-            </a:r>
-            <a:r>
-              <a:rPr lang="en-IN" dirty="0">
-                <a:hlinkClick r:id="rId4"/>
-              </a:rPr>
-              <a:t>/nagkumar/</a:t>
-            </a:r>
-            <a:r>
-              <a:rPr lang="en-IN" dirty="0" err="1">
-                <a:hlinkClick r:id="rId4"/>
-              </a:rPr>
-              <a:t>ramu</a:t>
-            </a:r>
-            <a:r>
-              <a:rPr lang="en-IN" dirty="0">
-                <a:hlinkClick r:id="rId4"/>
-              </a:rPr>
-              <a:t>/dev/updates/16</a:t>
-            </a:r>
-            <a:endParaRPr lang="en-IN" dirty="0"/>
-          </a:p>
-          <a:p>
-            <a:r>
-              <a:rPr lang="en-IN" dirty="0">
-                <a:hlinkClick r:id="rId5"/>
-              </a:rPr>
-              <a:t>https://</a:t>
-            </a:r>
-            <a:r>
-              <a:rPr lang="en-IN" dirty="0" err="1">
-                <a:hlinkClick r:id="rId5"/>
-              </a:rPr>
-              <a:t>app.pulumi.com</a:t>
-            </a:r>
-            <a:r>
-              <a:rPr lang="en-IN" dirty="0">
-                <a:hlinkClick r:id="rId5"/>
-              </a:rPr>
-              <a:t>/nagkumar/</a:t>
-            </a:r>
-            <a:r>
-              <a:rPr lang="en-IN" dirty="0" err="1">
-                <a:hlinkClick r:id="rId5"/>
-              </a:rPr>
-              <a:t>ramu</a:t>
-            </a:r>
-            <a:r>
-              <a:rPr lang="en-IN" dirty="0">
-                <a:hlinkClick r:id="rId5"/>
-              </a:rPr>
-              <a:t>/dev/updates/17</a:t>
-            </a:r>
+              <a:rPr lang="en-US" dirty="0"/>
+              <a:t>\</a:t>
+            </a:r>
+            <a:r>
+              <a:rPr lang="en-US" dirty="0" err="1"/>
+              <a:t>pulumi</a:t>
+            </a:r>
+            <a:r>
+              <a:rPr lang="en-US" dirty="0"/>
+              <a:t>\go\</a:t>
+            </a:r>
+            <a:r>
+              <a:rPr lang="en-US" dirty="0" err="1"/>
+              <a:t>aws</a:t>
+            </a:r>
+            <a:r>
+              <a:rPr lang="en-US" dirty="0"/>
+              <a:t>\test\</a:t>
+            </a:r>
+            <a:r>
+              <a:rPr lang="en-US" dirty="0" err="1"/>
+              <a:t>intg</a:t>
+            </a:r>
+            <a:endParaRPr lang="en-US" dirty="0"/>
+          </a:p>
+          <a:p>
             <a:endParaRPr lang="en-IN" dirty="0"/>
           </a:p>
         </p:txBody>
       </p:sp>
-      <p:pic>
-        <p:nvPicPr>
-          <p:cNvPr id="6" name="Picture 5">
-            <a:extLst>
-              <a:ext uri="{FF2B5EF4-FFF2-40B4-BE49-F238E27FC236}">
-                <a16:creationId xmlns:a16="http://schemas.microsoft.com/office/drawing/2014/main" id="{BEFF396D-E10D-355A-A137-7DD09E719E70}"/>
-              </a:ext>
-            </a:extLst>
-          </p:cNvPr>
-          <p:cNvPicPr>
-            <a:picLocks noChangeAspect="1"/>
-          </p:cNvPicPr>
-          <p:nvPr/>
-        </p:nvPicPr>
-        <p:blipFill>
-          <a:blip r:embed="rId6"/>
-          <a:stretch>
-            <a:fillRect/>
-          </a:stretch>
-        </p:blipFill>
-        <p:spPr>
-          <a:xfrm>
-            <a:off x="0" y="3502906"/>
-            <a:ext cx="12192000" cy="2587658"/>
-          </a:xfrm>
-          <a:prstGeom prst="rect">
-            <a:avLst/>
-          </a:prstGeom>
-        </p:spPr>
-      </p:pic>
     </p:spTree>
     <p:extLst>
       <p:ext uri="{BB962C8B-B14F-4D97-AF65-F5344CB8AC3E}">
-        <p14:creationId xmlns:p14="http://schemas.microsoft.com/office/powerpoint/2010/main" val="1222531784"/>
+        <p14:creationId xmlns:p14="http://schemas.microsoft.com/office/powerpoint/2010/main" val="1484121452"/>
       </p:ext>
     </p:extLst>
   </p:cSld>
@@ -13822,314 +15345,7 @@
 </p:sld>
 </file>
 
-<file path=ppt/slides/slide34.xml><?xml version="1.0" encoding="utf-8"?>
-<p:sld xmlns:a="http://schemas.openxmlformats.org/drawingml/2006/main" xmlns:r="http://schemas.openxmlformats.org/officeDocument/2006/relationships" xmlns:p="http://schemas.openxmlformats.org/presentationml/2006/main">
-  <p:cSld>
-    <p:spTree>
-      <p:nvGrpSpPr>
-        <p:cNvPr id="1" name=""/>
-        <p:cNvGrpSpPr/>
-        <p:nvPr/>
-      </p:nvGrpSpPr>
-      <p:grpSpPr>
-        <a:xfrm>
-          <a:off x="0" y="0"/>
-          <a:ext cx="0" cy="0"/>
-          <a:chOff x="0" y="0"/>
-          <a:chExt cx="0" cy="0"/>
-        </a:xfrm>
-      </p:grpSpPr>
-      <p:sp>
-        <p:nvSpPr>
-          <p:cNvPr id="2" name="Title 1">
-            <a:extLst>
-              <a:ext uri="{FF2B5EF4-FFF2-40B4-BE49-F238E27FC236}">
-                <a16:creationId xmlns:a16="http://schemas.microsoft.com/office/drawing/2014/main" id="{E3C97930-F2D9-E4D6-7873-086066BA5829}"/>
-              </a:ext>
-            </a:extLst>
-          </p:cNvPr>
-          <p:cNvSpPr>
-            <a:spLocks noGrp="1"/>
-          </p:cNvSpPr>
-          <p:nvPr>
-            <p:ph type="title"/>
-          </p:nvPr>
-        </p:nvSpPr>
-        <p:spPr>
-          <a:xfrm>
-            <a:off x="0" y="0"/>
-            <a:ext cx="10058400" cy="1609344"/>
-          </a:xfrm>
-        </p:spPr>
-        <p:txBody>
-          <a:bodyPr/>
-          <a:lstStyle/>
-          <a:p>
-            <a:r>
-              <a:rPr lang="en-IN" dirty="0"/>
-              <a:t>Example Azure storage</a:t>
-            </a:r>
-          </a:p>
-        </p:txBody>
-      </p:sp>
-      <p:sp>
-        <p:nvSpPr>
-          <p:cNvPr id="3" name="Content Placeholder 2">
-            <a:extLst>
-              <a:ext uri="{FF2B5EF4-FFF2-40B4-BE49-F238E27FC236}">
-                <a16:creationId xmlns:a16="http://schemas.microsoft.com/office/drawing/2014/main" id="{B5CFD9B7-DC34-FFC5-2019-D642661A2184}"/>
-              </a:ext>
-            </a:extLst>
-          </p:cNvPr>
-          <p:cNvSpPr>
-            <a:spLocks noGrp="1"/>
-          </p:cNvSpPr>
-          <p:nvPr>
-            <p:ph idx="1"/>
-          </p:nvPr>
-        </p:nvSpPr>
-        <p:spPr>
-          <a:xfrm>
-            <a:off x="43992" y="1111373"/>
-            <a:ext cx="12104016" cy="4050792"/>
-          </a:xfrm>
-        </p:spPr>
-        <p:txBody>
-          <a:bodyPr/>
-          <a:lstStyle/>
-          <a:p>
-            <a:r>
-              <a:rPr lang="fr-FR" dirty="0">
-                <a:hlinkClick r:id="rId2"/>
-              </a:rPr>
-              <a:t>G:\</a:t>
-            </a:r>
-            <a:r>
-              <a:rPr lang="fr-FR" dirty="0" err="1">
-                <a:hlinkClick r:id="rId2"/>
-              </a:rPr>
-              <a:t>DWork</a:t>
-            </a:r>
-            <a:r>
-              <a:rPr lang="fr-FR" dirty="0">
-                <a:hlinkClick r:id="rId2"/>
-              </a:rPr>
-              <a:t>\</a:t>
-            </a:r>
-            <a:r>
-              <a:rPr lang="fr-FR" dirty="0" err="1">
-                <a:hlinkClick r:id="rId2"/>
-              </a:rPr>
-              <a:t>osource</a:t>
-            </a:r>
-            <a:r>
-              <a:rPr lang="fr-FR" dirty="0">
-                <a:hlinkClick r:id="rId2"/>
-              </a:rPr>
-              <a:t>\</a:t>
-            </a:r>
-            <a:r>
-              <a:rPr lang="fr-FR" dirty="0" err="1">
-                <a:hlinkClick r:id="rId2"/>
-              </a:rPr>
-              <a:t>cloudc</a:t>
-            </a:r>
-            <a:r>
-              <a:rPr lang="fr-FR" dirty="0">
-                <a:hlinkClick r:id="rId2"/>
-              </a:rPr>
-              <a:t>\</a:t>
-            </a:r>
-            <a:r>
-              <a:rPr lang="fr-FR" dirty="0" err="1">
-                <a:hlinkClick r:id="rId2"/>
-              </a:rPr>
-              <a:t>devops</a:t>
-            </a:r>
-            <a:r>
-              <a:rPr lang="fr-FR" dirty="0">
-                <a:hlinkClick r:id="rId2"/>
-              </a:rPr>
-              <a:t>\</a:t>
-            </a:r>
-            <a:r>
-              <a:rPr lang="fr-FR" dirty="0" err="1">
-                <a:hlinkClick r:id="rId2"/>
-              </a:rPr>
-              <a:t>pulumi</a:t>
-            </a:r>
-            <a:r>
-              <a:rPr lang="fr-FR" dirty="0">
-                <a:hlinkClick r:id="rId2"/>
-              </a:rPr>
-              <a:t>\java\azure\</a:t>
-            </a:r>
-            <a:r>
-              <a:rPr lang="fr-FR" dirty="0" err="1">
-                <a:hlinkClick r:id="rId2"/>
-              </a:rPr>
-              <a:t>hw</a:t>
-            </a:r>
-            <a:endParaRPr lang="fr-FR" dirty="0"/>
-          </a:p>
-          <a:p>
-            <a:r>
-              <a:rPr lang="en-IN" dirty="0">
-                <a:hlinkClick r:id="rId3"/>
-              </a:rPr>
-              <a:t>https://</a:t>
-            </a:r>
-            <a:r>
-              <a:rPr lang="en-IN" dirty="0" err="1">
-                <a:hlinkClick r:id="rId3"/>
-              </a:rPr>
-              <a:t>portal.azure.com</a:t>
-            </a:r>
-            <a:r>
-              <a:rPr lang="en-IN" dirty="0">
-                <a:hlinkClick r:id="rId3"/>
-              </a:rPr>
-              <a:t>/#view/</a:t>
-            </a:r>
-            <a:r>
-              <a:rPr lang="en-IN" dirty="0" err="1">
-                <a:hlinkClick r:id="rId3"/>
-              </a:rPr>
-              <a:t>HubsExtension</a:t>
-            </a:r>
-            <a:r>
-              <a:rPr lang="en-IN" dirty="0">
-                <a:hlinkClick r:id="rId3"/>
-              </a:rPr>
-              <a:t>/</a:t>
-            </a:r>
-            <a:r>
-              <a:rPr lang="en-IN" dirty="0" err="1">
-                <a:hlinkClick r:id="rId3"/>
-              </a:rPr>
-              <a:t>BrowseResource</a:t>
-            </a:r>
-            <a:r>
-              <a:rPr lang="en-IN" dirty="0">
-                <a:hlinkClick r:id="rId3"/>
-              </a:rPr>
-              <a:t>/</a:t>
-            </a:r>
-            <a:r>
-              <a:rPr lang="en-IN" dirty="0" err="1">
-                <a:hlinkClick r:id="rId3"/>
-              </a:rPr>
-              <a:t>resourceType</a:t>
-            </a:r>
-            <a:r>
-              <a:rPr lang="en-IN" dirty="0">
-                <a:hlinkClick r:id="rId3"/>
-              </a:rPr>
-              <a:t>/</a:t>
-            </a:r>
-            <a:r>
-              <a:rPr lang="en-IN" dirty="0" err="1">
-                <a:hlinkClick r:id="rId3"/>
-              </a:rPr>
-              <a:t>Microsoft.Storage%2FStorageAccounts</a:t>
-            </a:r>
-            <a:endParaRPr lang="fr-FR" dirty="0"/>
-          </a:p>
-          <a:p>
-            <a:r>
-              <a:rPr lang="en-IN" dirty="0"/>
-              <a:t> </a:t>
-            </a:r>
-            <a:r>
-              <a:rPr lang="en-IN" dirty="0">
-                <a:hlinkClick r:id="rId4"/>
-              </a:rPr>
-              <a:t>https://</a:t>
-            </a:r>
-            <a:r>
-              <a:rPr lang="en-IN" dirty="0" err="1">
-                <a:hlinkClick r:id="rId4"/>
-              </a:rPr>
-              <a:t>app.pulumi.com</a:t>
-            </a:r>
-            <a:r>
-              <a:rPr lang="en-IN" dirty="0">
-                <a:hlinkClick r:id="rId4"/>
-              </a:rPr>
-              <a:t>/nagkumar/azure/dev/updates/11</a:t>
-            </a:r>
-            <a:endParaRPr lang="fr-FR" dirty="0"/>
-          </a:p>
-          <a:p>
-            <a:r>
-              <a:rPr lang="en-IN" dirty="0">
-                <a:hlinkClick r:id="rId5"/>
-              </a:rPr>
-              <a:t>https://</a:t>
-            </a:r>
-            <a:r>
-              <a:rPr lang="en-IN" dirty="0" err="1">
-                <a:hlinkClick r:id="rId5"/>
-              </a:rPr>
-              <a:t>app.pulumi.com</a:t>
-            </a:r>
-            <a:r>
-              <a:rPr lang="en-IN" dirty="0">
-                <a:hlinkClick r:id="rId5"/>
-              </a:rPr>
-              <a:t>/nagkumar/azure/dev/updates/12</a:t>
-            </a:r>
-            <a:endParaRPr lang="en-IN" dirty="0"/>
-          </a:p>
-          <a:p>
-            <a:endParaRPr lang="en-IN" dirty="0"/>
-          </a:p>
-        </p:txBody>
-      </p:sp>
-      <p:pic>
-        <p:nvPicPr>
-          <p:cNvPr id="5" name="Picture 4">
-            <a:extLst>
-              <a:ext uri="{FF2B5EF4-FFF2-40B4-BE49-F238E27FC236}">
-                <a16:creationId xmlns:a16="http://schemas.microsoft.com/office/drawing/2014/main" id="{C6197266-2A9E-2B97-101B-C59840844E0E}"/>
-              </a:ext>
-            </a:extLst>
-          </p:cNvPr>
-          <p:cNvPicPr>
-            <a:picLocks noChangeAspect="1"/>
-          </p:cNvPicPr>
-          <p:nvPr/>
-        </p:nvPicPr>
-        <p:blipFill>
-          <a:blip r:embed="rId6"/>
-          <a:stretch>
-            <a:fillRect/>
-          </a:stretch>
-        </p:blipFill>
-        <p:spPr>
-          <a:xfrm>
-            <a:off x="0" y="3136769"/>
-            <a:ext cx="12192000" cy="3367001"/>
-          </a:xfrm>
-          <a:prstGeom prst="rect">
-            <a:avLst/>
-          </a:prstGeom>
-        </p:spPr>
-      </p:pic>
-    </p:spTree>
-    <p:extLst>
-      <p:ext uri="{BB962C8B-B14F-4D97-AF65-F5344CB8AC3E}">
-        <p14:creationId xmlns:p14="http://schemas.microsoft.com/office/powerpoint/2010/main" val="3344874386"/>
-      </p:ext>
-    </p:extLst>
-  </p:cSld>
-  <p:clrMapOvr>
-    <a:masterClrMapping/>
-  </p:clrMapOvr>
-</p:sld>
-</file>
-
-<file path=ppt/slides/slide35.xml><?xml version="1.0" encoding="utf-8"?>
+<file path=ppt/slides/slide39.xml><?xml version="1.0" encoding="utf-8"?>
 <p:sld xmlns:a="http://schemas.openxmlformats.org/drawingml/2006/main" xmlns:r="http://schemas.openxmlformats.org/officeDocument/2006/relationships" xmlns:p="http://schemas.openxmlformats.org/presentationml/2006/main">
   <p:cSld>
     <p:spTree>
@@ -14162,12 +15378,7 @@
             <p:ph type="title"/>
           </p:nvPr>
         </p:nvSpPr>
-        <p:spPr>
-          <a:xfrm>
-            <a:off x="0" y="32939"/>
-            <a:ext cx="10058400" cy="1609344"/>
-          </a:xfrm>
-        </p:spPr>
+        <p:spPr/>
         <p:txBody>
           <a:bodyPr/>
           <a:lstStyle/>
@@ -14323,394 +15534,6 @@
     <p:extLst>
       <p:ext uri="{BB962C8B-B14F-4D97-AF65-F5344CB8AC3E}">
         <p14:creationId xmlns:p14="http://schemas.microsoft.com/office/powerpoint/2010/main" val="533474067"/>
-      </p:ext>
-    </p:extLst>
-  </p:cSld>
-  <p:clrMapOvr>
-    <a:masterClrMapping/>
-  </p:clrMapOvr>
-</p:sld>
-</file>
-
-<file path=ppt/slides/slide36.xml><?xml version="1.0" encoding="utf-8"?>
-<p:sld xmlns:a="http://schemas.openxmlformats.org/drawingml/2006/main" xmlns:r="http://schemas.openxmlformats.org/officeDocument/2006/relationships" xmlns:p="http://schemas.openxmlformats.org/presentationml/2006/main">
-  <p:cSld>
-    <p:spTree>
-      <p:nvGrpSpPr>
-        <p:cNvPr id="1" name=""/>
-        <p:cNvGrpSpPr/>
-        <p:nvPr/>
-      </p:nvGrpSpPr>
-      <p:grpSpPr>
-        <a:xfrm>
-          <a:off x="0" y="0"/>
-          <a:ext cx="0" cy="0"/>
-          <a:chOff x="0" y="0"/>
-          <a:chExt cx="0" cy="0"/>
-        </a:xfrm>
-      </p:grpSpPr>
-      <p:sp>
-        <p:nvSpPr>
-          <p:cNvPr id="2" name="Title 1">
-            <a:extLst>
-              <a:ext uri="{FF2B5EF4-FFF2-40B4-BE49-F238E27FC236}">
-                <a16:creationId xmlns:a16="http://schemas.microsoft.com/office/drawing/2014/main" id="{F8529532-A52D-7992-9AEC-B0F53E8ED919}"/>
-              </a:ext>
-            </a:extLst>
-          </p:cNvPr>
-          <p:cNvSpPr>
-            <a:spLocks noGrp="1"/>
-          </p:cNvSpPr>
-          <p:nvPr>
-            <p:ph type="title"/>
-          </p:nvPr>
-        </p:nvSpPr>
-        <p:spPr/>
-        <p:txBody>
-          <a:bodyPr/>
-          <a:lstStyle/>
-          <a:p>
-            <a:r>
-              <a:rPr lang="en-IN" dirty="0"/>
-              <a:t>EXAMPLE GCP </a:t>
-            </a:r>
-            <a:r>
-              <a:rPr lang="en-IN" dirty="0" err="1"/>
-              <a:t>K8S</a:t>
-            </a:r>
-            <a:endParaRPr lang="en-IN" dirty="0"/>
-          </a:p>
-        </p:txBody>
-      </p:sp>
-      <p:sp>
-        <p:nvSpPr>
-          <p:cNvPr id="3" name="Content Placeholder 2">
-            <a:extLst>
-              <a:ext uri="{FF2B5EF4-FFF2-40B4-BE49-F238E27FC236}">
-                <a16:creationId xmlns:a16="http://schemas.microsoft.com/office/drawing/2014/main" id="{5BF5A5ED-568D-C726-4D16-A63F8443DB50}"/>
-              </a:ext>
-            </a:extLst>
-          </p:cNvPr>
-          <p:cNvSpPr>
-            <a:spLocks noGrp="1"/>
-          </p:cNvSpPr>
-          <p:nvPr>
-            <p:ph idx="1"/>
-          </p:nvPr>
-        </p:nvSpPr>
-        <p:spPr/>
-        <p:txBody>
-          <a:bodyPr/>
-          <a:lstStyle/>
-          <a:p>
-            <a:r>
-              <a:rPr lang="en-IN" dirty="0">
-                <a:hlinkClick r:id="rId2"/>
-              </a:rPr>
-              <a:t>G:\</a:t>
-            </a:r>
-            <a:r>
-              <a:rPr lang="en-IN" dirty="0" err="1">
-                <a:hlinkClick r:id="rId2"/>
-              </a:rPr>
-              <a:t>DWork</a:t>
-            </a:r>
-            <a:r>
-              <a:rPr lang="en-IN" dirty="0">
-                <a:hlinkClick r:id="rId2"/>
-              </a:rPr>
-              <a:t>\</a:t>
-            </a:r>
-            <a:r>
-              <a:rPr lang="en-IN" dirty="0" err="1">
-                <a:hlinkClick r:id="rId2"/>
-              </a:rPr>
-              <a:t>osource</a:t>
-            </a:r>
-            <a:r>
-              <a:rPr lang="en-IN" dirty="0">
-                <a:hlinkClick r:id="rId2"/>
-              </a:rPr>
-              <a:t>\</a:t>
-            </a:r>
-            <a:r>
-              <a:rPr lang="en-IN" dirty="0" err="1">
-                <a:hlinkClick r:id="rId2"/>
-              </a:rPr>
-              <a:t>cloudc</a:t>
-            </a:r>
-            <a:r>
-              <a:rPr lang="en-IN" dirty="0">
-                <a:hlinkClick r:id="rId2"/>
-              </a:rPr>
-              <a:t>\</a:t>
-            </a:r>
-            <a:r>
-              <a:rPr lang="en-IN" dirty="0" err="1">
-                <a:hlinkClick r:id="rId2"/>
-              </a:rPr>
-              <a:t>devops</a:t>
-            </a:r>
-            <a:r>
-              <a:rPr lang="en-IN" dirty="0">
-                <a:hlinkClick r:id="rId2"/>
-              </a:rPr>
-              <a:t>\pulumi\java\gcp\</a:t>
-            </a:r>
-            <a:r>
-              <a:rPr lang="en-IN" dirty="0" err="1">
-                <a:hlinkClick r:id="rId2"/>
-              </a:rPr>
-              <a:t>gke</a:t>
-            </a:r>
-            <a:endParaRPr lang="en-IN" dirty="0"/>
-          </a:p>
-        </p:txBody>
-      </p:sp>
-    </p:spTree>
-    <p:extLst>
-      <p:ext uri="{BB962C8B-B14F-4D97-AF65-F5344CB8AC3E}">
-        <p14:creationId xmlns:p14="http://schemas.microsoft.com/office/powerpoint/2010/main" val="902289991"/>
-      </p:ext>
-    </p:extLst>
-  </p:cSld>
-  <p:clrMapOvr>
-    <a:masterClrMapping/>
-  </p:clrMapOvr>
-</p:sld>
-</file>
-
-<file path=ppt/slides/slide37.xml><?xml version="1.0" encoding="utf-8"?>
-<p:sld xmlns:a="http://schemas.openxmlformats.org/drawingml/2006/main" xmlns:r="http://schemas.openxmlformats.org/officeDocument/2006/relationships" xmlns:p="http://schemas.openxmlformats.org/presentationml/2006/main">
-  <p:cSld>
-    <p:spTree>
-      <p:nvGrpSpPr>
-        <p:cNvPr id="1" name=""/>
-        <p:cNvGrpSpPr/>
-        <p:nvPr/>
-      </p:nvGrpSpPr>
-      <p:grpSpPr>
-        <a:xfrm>
-          <a:off x="0" y="0"/>
-          <a:ext cx="0" cy="0"/>
-          <a:chOff x="0" y="0"/>
-          <a:chExt cx="0" cy="0"/>
-        </a:xfrm>
-      </p:grpSpPr>
-      <p:sp>
-        <p:nvSpPr>
-          <p:cNvPr id="2" name="Title 1">
-            <a:extLst>
-              <a:ext uri="{FF2B5EF4-FFF2-40B4-BE49-F238E27FC236}">
-                <a16:creationId xmlns:a16="http://schemas.microsoft.com/office/drawing/2014/main" id="{D141664D-B53C-140F-3999-DA7806FE1D2C}"/>
-              </a:ext>
-            </a:extLst>
-          </p:cNvPr>
-          <p:cNvSpPr>
-            <a:spLocks noGrp="1"/>
-          </p:cNvSpPr>
-          <p:nvPr>
-            <p:ph type="title"/>
-          </p:nvPr>
-        </p:nvSpPr>
-        <p:spPr/>
-        <p:txBody>
-          <a:bodyPr/>
-          <a:lstStyle/>
-          <a:p>
-            <a:endParaRPr lang="en-IN"/>
-          </a:p>
-        </p:txBody>
-      </p:sp>
-      <p:sp>
-        <p:nvSpPr>
-          <p:cNvPr id="3" name="Content Placeholder 2">
-            <a:extLst>
-              <a:ext uri="{FF2B5EF4-FFF2-40B4-BE49-F238E27FC236}">
-                <a16:creationId xmlns:a16="http://schemas.microsoft.com/office/drawing/2014/main" id="{E885FA8A-B9A4-122F-5EC2-6A22C5B0BE0A}"/>
-              </a:ext>
-            </a:extLst>
-          </p:cNvPr>
-          <p:cNvSpPr>
-            <a:spLocks noGrp="1"/>
-          </p:cNvSpPr>
-          <p:nvPr>
-            <p:ph idx="1"/>
-          </p:nvPr>
-        </p:nvSpPr>
-        <p:spPr/>
-        <p:txBody>
-          <a:bodyPr/>
-          <a:lstStyle/>
-          <a:p>
-            <a:endParaRPr lang="en-IN"/>
-          </a:p>
-        </p:txBody>
-      </p:sp>
-    </p:spTree>
-    <p:extLst>
-      <p:ext uri="{BB962C8B-B14F-4D97-AF65-F5344CB8AC3E}">
-        <p14:creationId xmlns:p14="http://schemas.microsoft.com/office/powerpoint/2010/main" val="3927996149"/>
-      </p:ext>
-    </p:extLst>
-  </p:cSld>
-  <p:clrMapOvr>
-    <a:masterClrMapping/>
-  </p:clrMapOvr>
-</p:sld>
-</file>
-
-<file path=ppt/slides/slide38.xml><?xml version="1.0" encoding="utf-8"?>
-<p:sld xmlns:a="http://schemas.openxmlformats.org/drawingml/2006/main" xmlns:r="http://schemas.openxmlformats.org/officeDocument/2006/relationships" xmlns:p="http://schemas.openxmlformats.org/presentationml/2006/main">
-  <p:cSld>
-    <p:spTree>
-      <p:nvGrpSpPr>
-        <p:cNvPr id="1" name=""/>
-        <p:cNvGrpSpPr/>
-        <p:nvPr/>
-      </p:nvGrpSpPr>
-      <p:grpSpPr>
-        <a:xfrm>
-          <a:off x="0" y="0"/>
-          <a:ext cx="0" cy="0"/>
-          <a:chOff x="0" y="0"/>
-          <a:chExt cx="0" cy="0"/>
-        </a:xfrm>
-      </p:grpSpPr>
-      <p:sp>
-        <p:nvSpPr>
-          <p:cNvPr id="2" name="Title 1">
-            <a:extLst>
-              <a:ext uri="{FF2B5EF4-FFF2-40B4-BE49-F238E27FC236}">
-                <a16:creationId xmlns:a16="http://schemas.microsoft.com/office/drawing/2014/main" id="{5681DB5E-50F8-4448-F91C-BAC702A2CE04}"/>
-              </a:ext>
-            </a:extLst>
-          </p:cNvPr>
-          <p:cNvSpPr>
-            <a:spLocks noGrp="1"/>
-          </p:cNvSpPr>
-          <p:nvPr>
-            <p:ph type="title"/>
-          </p:nvPr>
-        </p:nvSpPr>
-        <p:spPr/>
-        <p:txBody>
-          <a:bodyPr/>
-          <a:lstStyle/>
-          <a:p>
-            <a:endParaRPr lang="en-IN"/>
-          </a:p>
-        </p:txBody>
-      </p:sp>
-      <p:sp>
-        <p:nvSpPr>
-          <p:cNvPr id="3" name="Content Placeholder 2">
-            <a:extLst>
-              <a:ext uri="{FF2B5EF4-FFF2-40B4-BE49-F238E27FC236}">
-                <a16:creationId xmlns:a16="http://schemas.microsoft.com/office/drawing/2014/main" id="{0B202D7B-1003-DD7D-4ABE-CF86991D12C2}"/>
-              </a:ext>
-            </a:extLst>
-          </p:cNvPr>
-          <p:cNvSpPr>
-            <a:spLocks noGrp="1"/>
-          </p:cNvSpPr>
-          <p:nvPr>
-            <p:ph idx="1"/>
-          </p:nvPr>
-        </p:nvSpPr>
-        <p:spPr/>
-        <p:txBody>
-          <a:bodyPr/>
-          <a:lstStyle/>
-          <a:p>
-            <a:endParaRPr lang="en-IN"/>
-          </a:p>
-        </p:txBody>
-      </p:sp>
-    </p:spTree>
-    <p:extLst>
-      <p:ext uri="{BB962C8B-B14F-4D97-AF65-F5344CB8AC3E}">
-        <p14:creationId xmlns:p14="http://schemas.microsoft.com/office/powerpoint/2010/main" val="552617071"/>
-      </p:ext>
-    </p:extLst>
-  </p:cSld>
-  <p:clrMapOvr>
-    <a:masterClrMapping/>
-  </p:clrMapOvr>
-</p:sld>
-</file>
-
-<file path=ppt/slides/slide39.xml><?xml version="1.0" encoding="utf-8"?>
-<p:sld xmlns:a="http://schemas.openxmlformats.org/drawingml/2006/main" xmlns:r="http://schemas.openxmlformats.org/officeDocument/2006/relationships" xmlns:p="http://schemas.openxmlformats.org/presentationml/2006/main">
-  <p:cSld>
-    <p:spTree>
-      <p:nvGrpSpPr>
-        <p:cNvPr id="1" name=""/>
-        <p:cNvGrpSpPr/>
-        <p:nvPr/>
-      </p:nvGrpSpPr>
-      <p:grpSpPr>
-        <a:xfrm>
-          <a:off x="0" y="0"/>
-          <a:ext cx="0" cy="0"/>
-          <a:chOff x="0" y="0"/>
-          <a:chExt cx="0" cy="0"/>
-        </a:xfrm>
-      </p:grpSpPr>
-      <p:sp>
-        <p:nvSpPr>
-          <p:cNvPr id="2" name="Title 1">
-            <a:extLst>
-              <a:ext uri="{FF2B5EF4-FFF2-40B4-BE49-F238E27FC236}">
-                <a16:creationId xmlns:a16="http://schemas.microsoft.com/office/drawing/2014/main" id="{5D64843D-643C-37AC-A7B0-799FE3DE7763}"/>
-              </a:ext>
-            </a:extLst>
-          </p:cNvPr>
-          <p:cNvSpPr>
-            <a:spLocks noGrp="1"/>
-          </p:cNvSpPr>
-          <p:nvPr>
-            <p:ph type="title"/>
-          </p:nvPr>
-        </p:nvSpPr>
-        <p:spPr/>
-        <p:txBody>
-          <a:bodyPr/>
-          <a:lstStyle/>
-          <a:p>
-            <a:endParaRPr lang="en-IN"/>
-          </a:p>
-        </p:txBody>
-      </p:sp>
-      <p:sp>
-        <p:nvSpPr>
-          <p:cNvPr id="3" name="Content Placeholder 2">
-            <a:extLst>
-              <a:ext uri="{FF2B5EF4-FFF2-40B4-BE49-F238E27FC236}">
-                <a16:creationId xmlns:a16="http://schemas.microsoft.com/office/drawing/2014/main" id="{F8CD6C60-99C6-3B2B-924F-EF577B35689F}"/>
-              </a:ext>
-            </a:extLst>
-          </p:cNvPr>
-          <p:cNvSpPr>
-            <a:spLocks noGrp="1"/>
-          </p:cNvSpPr>
-          <p:nvPr>
-            <p:ph idx="1"/>
-          </p:nvPr>
-        </p:nvSpPr>
-        <p:spPr/>
-        <p:txBody>
-          <a:bodyPr/>
-          <a:lstStyle/>
-          <a:p>
-            <a:endParaRPr lang="en-IN"/>
-          </a:p>
-        </p:txBody>
-      </p:sp>
-    </p:spTree>
-    <p:extLst>
-      <p:ext uri="{BB962C8B-B14F-4D97-AF65-F5344CB8AC3E}">
-        <p14:creationId xmlns:p14="http://schemas.microsoft.com/office/powerpoint/2010/main" val="1889720708"/>
       </p:ext>
     </p:extLst>
   </p:cSld>
@@ -14868,6 +15691,394 @@
           <p:cNvPr id="2" name="Title 1">
             <a:extLst>
               <a:ext uri="{FF2B5EF4-FFF2-40B4-BE49-F238E27FC236}">
+                <a16:creationId xmlns:a16="http://schemas.microsoft.com/office/drawing/2014/main" id="{F8529532-A52D-7992-9AEC-B0F53E8ED919}"/>
+              </a:ext>
+            </a:extLst>
+          </p:cNvPr>
+          <p:cNvSpPr>
+            <a:spLocks noGrp="1"/>
+          </p:cNvSpPr>
+          <p:nvPr>
+            <p:ph type="title"/>
+          </p:nvPr>
+        </p:nvSpPr>
+        <p:spPr/>
+        <p:txBody>
+          <a:bodyPr/>
+          <a:lstStyle/>
+          <a:p>
+            <a:r>
+              <a:rPr lang="en-IN" dirty="0"/>
+              <a:t>EXAMPLE GCP </a:t>
+            </a:r>
+            <a:r>
+              <a:rPr lang="en-IN" dirty="0" err="1"/>
+              <a:t>K8S</a:t>
+            </a:r>
+            <a:endParaRPr lang="en-IN" dirty="0"/>
+          </a:p>
+        </p:txBody>
+      </p:sp>
+      <p:sp>
+        <p:nvSpPr>
+          <p:cNvPr id="3" name="Content Placeholder 2">
+            <a:extLst>
+              <a:ext uri="{FF2B5EF4-FFF2-40B4-BE49-F238E27FC236}">
+                <a16:creationId xmlns:a16="http://schemas.microsoft.com/office/drawing/2014/main" id="{5BF5A5ED-568D-C726-4D16-A63F8443DB50}"/>
+              </a:ext>
+            </a:extLst>
+          </p:cNvPr>
+          <p:cNvSpPr>
+            <a:spLocks noGrp="1"/>
+          </p:cNvSpPr>
+          <p:nvPr>
+            <p:ph idx="1"/>
+          </p:nvPr>
+        </p:nvSpPr>
+        <p:spPr/>
+        <p:txBody>
+          <a:bodyPr/>
+          <a:lstStyle/>
+          <a:p>
+            <a:r>
+              <a:rPr lang="en-IN" dirty="0">
+                <a:hlinkClick r:id="rId2"/>
+              </a:rPr>
+              <a:t>G:\</a:t>
+            </a:r>
+            <a:r>
+              <a:rPr lang="en-IN" dirty="0" err="1">
+                <a:hlinkClick r:id="rId2"/>
+              </a:rPr>
+              <a:t>DWork</a:t>
+            </a:r>
+            <a:r>
+              <a:rPr lang="en-IN" dirty="0">
+                <a:hlinkClick r:id="rId2"/>
+              </a:rPr>
+              <a:t>\</a:t>
+            </a:r>
+            <a:r>
+              <a:rPr lang="en-IN" dirty="0" err="1">
+                <a:hlinkClick r:id="rId2"/>
+              </a:rPr>
+              <a:t>osource</a:t>
+            </a:r>
+            <a:r>
+              <a:rPr lang="en-IN" dirty="0">
+                <a:hlinkClick r:id="rId2"/>
+              </a:rPr>
+              <a:t>\</a:t>
+            </a:r>
+            <a:r>
+              <a:rPr lang="en-IN" dirty="0" err="1">
+                <a:hlinkClick r:id="rId2"/>
+              </a:rPr>
+              <a:t>cloudc</a:t>
+            </a:r>
+            <a:r>
+              <a:rPr lang="en-IN" dirty="0">
+                <a:hlinkClick r:id="rId2"/>
+              </a:rPr>
+              <a:t>\</a:t>
+            </a:r>
+            <a:r>
+              <a:rPr lang="en-IN" dirty="0" err="1">
+                <a:hlinkClick r:id="rId2"/>
+              </a:rPr>
+              <a:t>devops</a:t>
+            </a:r>
+            <a:r>
+              <a:rPr lang="en-IN" dirty="0">
+                <a:hlinkClick r:id="rId2"/>
+              </a:rPr>
+              <a:t>\pulumi\java\gcp\</a:t>
+            </a:r>
+            <a:r>
+              <a:rPr lang="en-IN" dirty="0" err="1">
+                <a:hlinkClick r:id="rId2"/>
+              </a:rPr>
+              <a:t>gke</a:t>
+            </a:r>
+            <a:endParaRPr lang="en-IN" dirty="0"/>
+          </a:p>
+        </p:txBody>
+      </p:sp>
+    </p:spTree>
+    <p:extLst>
+      <p:ext uri="{BB962C8B-B14F-4D97-AF65-F5344CB8AC3E}">
+        <p14:creationId xmlns:p14="http://schemas.microsoft.com/office/powerpoint/2010/main" val="902289991"/>
+      </p:ext>
+    </p:extLst>
+  </p:cSld>
+  <p:clrMapOvr>
+    <a:masterClrMapping/>
+  </p:clrMapOvr>
+</p:sld>
+</file>
+
+<file path=ppt/slides/slide41.xml><?xml version="1.0" encoding="utf-8"?>
+<p:sld xmlns:a="http://schemas.openxmlformats.org/drawingml/2006/main" xmlns:r="http://schemas.openxmlformats.org/officeDocument/2006/relationships" xmlns:p="http://schemas.openxmlformats.org/presentationml/2006/main">
+  <p:cSld>
+    <p:spTree>
+      <p:nvGrpSpPr>
+        <p:cNvPr id="1" name=""/>
+        <p:cNvGrpSpPr/>
+        <p:nvPr/>
+      </p:nvGrpSpPr>
+      <p:grpSpPr>
+        <a:xfrm>
+          <a:off x="0" y="0"/>
+          <a:ext cx="0" cy="0"/>
+          <a:chOff x="0" y="0"/>
+          <a:chExt cx="0" cy="0"/>
+        </a:xfrm>
+      </p:grpSpPr>
+      <p:sp>
+        <p:nvSpPr>
+          <p:cNvPr id="2" name="Title 1">
+            <a:extLst>
+              <a:ext uri="{FF2B5EF4-FFF2-40B4-BE49-F238E27FC236}">
+                <a16:creationId xmlns:a16="http://schemas.microsoft.com/office/drawing/2014/main" id="{D141664D-B53C-140F-3999-DA7806FE1D2C}"/>
+              </a:ext>
+            </a:extLst>
+          </p:cNvPr>
+          <p:cNvSpPr>
+            <a:spLocks noGrp="1"/>
+          </p:cNvSpPr>
+          <p:nvPr>
+            <p:ph type="title"/>
+          </p:nvPr>
+        </p:nvSpPr>
+        <p:spPr/>
+        <p:txBody>
+          <a:bodyPr/>
+          <a:lstStyle/>
+          <a:p>
+            <a:endParaRPr lang="en-IN"/>
+          </a:p>
+        </p:txBody>
+      </p:sp>
+      <p:sp>
+        <p:nvSpPr>
+          <p:cNvPr id="3" name="Content Placeholder 2">
+            <a:extLst>
+              <a:ext uri="{FF2B5EF4-FFF2-40B4-BE49-F238E27FC236}">
+                <a16:creationId xmlns:a16="http://schemas.microsoft.com/office/drawing/2014/main" id="{E885FA8A-B9A4-122F-5EC2-6A22C5B0BE0A}"/>
+              </a:ext>
+            </a:extLst>
+          </p:cNvPr>
+          <p:cNvSpPr>
+            <a:spLocks noGrp="1"/>
+          </p:cNvSpPr>
+          <p:nvPr>
+            <p:ph idx="1"/>
+          </p:nvPr>
+        </p:nvSpPr>
+        <p:spPr/>
+        <p:txBody>
+          <a:bodyPr/>
+          <a:lstStyle/>
+          <a:p>
+            <a:endParaRPr lang="en-IN"/>
+          </a:p>
+        </p:txBody>
+      </p:sp>
+    </p:spTree>
+    <p:extLst>
+      <p:ext uri="{BB962C8B-B14F-4D97-AF65-F5344CB8AC3E}">
+        <p14:creationId xmlns:p14="http://schemas.microsoft.com/office/powerpoint/2010/main" val="3927996149"/>
+      </p:ext>
+    </p:extLst>
+  </p:cSld>
+  <p:clrMapOvr>
+    <a:masterClrMapping/>
+  </p:clrMapOvr>
+</p:sld>
+</file>
+
+<file path=ppt/slides/slide42.xml><?xml version="1.0" encoding="utf-8"?>
+<p:sld xmlns:a="http://schemas.openxmlformats.org/drawingml/2006/main" xmlns:r="http://schemas.openxmlformats.org/officeDocument/2006/relationships" xmlns:p="http://schemas.openxmlformats.org/presentationml/2006/main">
+  <p:cSld>
+    <p:spTree>
+      <p:nvGrpSpPr>
+        <p:cNvPr id="1" name=""/>
+        <p:cNvGrpSpPr/>
+        <p:nvPr/>
+      </p:nvGrpSpPr>
+      <p:grpSpPr>
+        <a:xfrm>
+          <a:off x="0" y="0"/>
+          <a:ext cx="0" cy="0"/>
+          <a:chOff x="0" y="0"/>
+          <a:chExt cx="0" cy="0"/>
+        </a:xfrm>
+      </p:grpSpPr>
+      <p:sp>
+        <p:nvSpPr>
+          <p:cNvPr id="2" name="Title 1">
+            <a:extLst>
+              <a:ext uri="{FF2B5EF4-FFF2-40B4-BE49-F238E27FC236}">
+                <a16:creationId xmlns:a16="http://schemas.microsoft.com/office/drawing/2014/main" id="{5681DB5E-50F8-4448-F91C-BAC702A2CE04}"/>
+              </a:ext>
+            </a:extLst>
+          </p:cNvPr>
+          <p:cNvSpPr>
+            <a:spLocks noGrp="1"/>
+          </p:cNvSpPr>
+          <p:nvPr>
+            <p:ph type="title"/>
+          </p:nvPr>
+        </p:nvSpPr>
+        <p:spPr/>
+        <p:txBody>
+          <a:bodyPr/>
+          <a:lstStyle/>
+          <a:p>
+            <a:endParaRPr lang="en-IN"/>
+          </a:p>
+        </p:txBody>
+      </p:sp>
+      <p:sp>
+        <p:nvSpPr>
+          <p:cNvPr id="3" name="Content Placeholder 2">
+            <a:extLst>
+              <a:ext uri="{FF2B5EF4-FFF2-40B4-BE49-F238E27FC236}">
+                <a16:creationId xmlns:a16="http://schemas.microsoft.com/office/drawing/2014/main" id="{0B202D7B-1003-DD7D-4ABE-CF86991D12C2}"/>
+              </a:ext>
+            </a:extLst>
+          </p:cNvPr>
+          <p:cNvSpPr>
+            <a:spLocks noGrp="1"/>
+          </p:cNvSpPr>
+          <p:nvPr>
+            <p:ph idx="1"/>
+          </p:nvPr>
+        </p:nvSpPr>
+        <p:spPr/>
+        <p:txBody>
+          <a:bodyPr/>
+          <a:lstStyle/>
+          <a:p>
+            <a:endParaRPr lang="en-IN"/>
+          </a:p>
+        </p:txBody>
+      </p:sp>
+    </p:spTree>
+    <p:extLst>
+      <p:ext uri="{BB962C8B-B14F-4D97-AF65-F5344CB8AC3E}">
+        <p14:creationId xmlns:p14="http://schemas.microsoft.com/office/powerpoint/2010/main" val="552617071"/>
+      </p:ext>
+    </p:extLst>
+  </p:cSld>
+  <p:clrMapOvr>
+    <a:masterClrMapping/>
+  </p:clrMapOvr>
+</p:sld>
+</file>
+
+<file path=ppt/slides/slide43.xml><?xml version="1.0" encoding="utf-8"?>
+<p:sld xmlns:a="http://schemas.openxmlformats.org/drawingml/2006/main" xmlns:r="http://schemas.openxmlformats.org/officeDocument/2006/relationships" xmlns:p="http://schemas.openxmlformats.org/presentationml/2006/main">
+  <p:cSld>
+    <p:spTree>
+      <p:nvGrpSpPr>
+        <p:cNvPr id="1" name=""/>
+        <p:cNvGrpSpPr/>
+        <p:nvPr/>
+      </p:nvGrpSpPr>
+      <p:grpSpPr>
+        <a:xfrm>
+          <a:off x="0" y="0"/>
+          <a:ext cx="0" cy="0"/>
+          <a:chOff x="0" y="0"/>
+          <a:chExt cx="0" cy="0"/>
+        </a:xfrm>
+      </p:grpSpPr>
+      <p:sp>
+        <p:nvSpPr>
+          <p:cNvPr id="2" name="Title 1">
+            <a:extLst>
+              <a:ext uri="{FF2B5EF4-FFF2-40B4-BE49-F238E27FC236}">
+                <a16:creationId xmlns:a16="http://schemas.microsoft.com/office/drawing/2014/main" id="{5D64843D-643C-37AC-A7B0-799FE3DE7763}"/>
+              </a:ext>
+            </a:extLst>
+          </p:cNvPr>
+          <p:cNvSpPr>
+            <a:spLocks noGrp="1"/>
+          </p:cNvSpPr>
+          <p:nvPr>
+            <p:ph type="title"/>
+          </p:nvPr>
+        </p:nvSpPr>
+        <p:spPr/>
+        <p:txBody>
+          <a:bodyPr/>
+          <a:lstStyle/>
+          <a:p>
+            <a:endParaRPr lang="en-IN"/>
+          </a:p>
+        </p:txBody>
+      </p:sp>
+      <p:sp>
+        <p:nvSpPr>
+          <p:cNvPr id="3" name="Content Placeholder 2">
+            <a:extLst>
+              <a:ext uri="{FF2B5EF4-FFF2-40B4-BE49-F238E27FC236}">
+                <a16:creationId xmlns:a16="http://schemas.microsoft.com/office/drawing/2014/main" id="{F8CD6C60-99C6-3B2B-924F-EF577B35689F}"/>
+              </a:ext>
+            </a:extLst>
+          </p:cNvPr>
+          <p:cNvSpPr>
+            <a:spLocks noGrp="1"/>
+          </p:cNvSpPr>
+          <p:nvPr>
+            <p:ph idx="1"/>
+          </p:nvPr>
+        </p:nvSpPr>
+        <p:spPr/>
+        <p:txBody>
+          <a:bodyPr/>
+          <a:lstStyle/>
+          <a:p>
+            <a:endParaRPr lang="en-IN"/>
+          </a:p>
+        </p:txBody>
+      </p:sp>
+    </p:spTree>
+    <p:extLst>
+      <p:ext uri="{BB962C8B-B14F-4D97-AF65-F5344CB8AC3E}">
+        <p14:creationId xmlns:p14="http://schemas.microsoft.com/office/powerpoint/2010/main" val="1889720708"/>
+      </p:ext>
+    </p:extLst>
+  </p:cSld>
+  <p:clrMapOvr>
+    <a:masterClrMapping/>
+  </p:clrMapOvr>
+</p:sld>
+</file>
+
+<file path=ppt/slides/slide44.xml><?xml version="1.0" encoding="utf-8"?>
+<p:sld xmlns:a="http://schemas.openxmlformats.org/drawingml/2006/main" xmlns:r="http://schemas.openxmlformats.org/officeDocument/2006/relationships" xmlns:p="http://schemas.openxmlformats.org/presentationml/2006/main">
+  <p:cSld>
+    <p:spTree>
+      <p:nvGrpSpPr>
+        <p:cNvPr id="1" name=""/>
+        <p:cNvGrpSpPr/>
+        <p:nvPr/>
+      </p:nvGrpSpPr>
+      <p:grpSpPr>
+        <a:xfrm>
+          <a:off x="0" y="0"/>
+          <a:ext cx="0" cy="0"/>
+          <a:chOff x="0" y="0"/>
+          <a:chExt cx="0" cy="0"/>
+        </a:xfrm>
+      </p:grpSpPr>
+      <p:sp>
+        <p:nvSpPr>
+          <p:cNvPr id="2" name="Title 1">
+            <a:extLst>
+              <a:ext uri="{FF2B5EF4-FFF2-40B4-BE49-F238E27FC236}">
                 <a16:creationId xmlns:a16="http://schemas.microsoft.com/office/drawing/2014/main" id="{1C72D64C-10BE-A1BC-C390-1D06C12AF2D2}"/>
               </a:ext>
             </a:extLst>
@@ -14936,7 +16147,7 @@
 </p:sld>
 </file>
 
-<file path=ppt/slides/slide41.xml><?xml version="1.0" encoding="utf-8"?>
+<file path=ppt/slides/slide45.xml><?xml version="1.0" encoding="utf-8"?>
 <p:sld xmlns:a="http://schemas.openxmlformats.org/drawingml/2006/main" xmlns:r="http://schemas.openxmlformats.org/officeDocument/2006/relationships" xmlns:p="http://schemas.openxmlformats.org/presentationml/2006/main">
   <p:cSld>
     <p:spTree>
@@ -15028,7 +16239,7 @@
 </p:sld>
 </file>
 
-<file path=ppt/slides/slide42.xml><?xml version="1.0" encoding="utf-8"?>
+<file path=ppt/slides/slide46.xml><?xml version="1.0" encoding="utf-8"?>
 <p:sld xmlns:a="http://schemas.openxmlformats.org/drawingml/2006/main" xmlns:r="http://schemas.openxmlformats.org/officeDocument/2006/relationships" xmlns:p="http://schemas.openxmlformats.org/presentationml/2006/main">
   <p:cSld>
     <p:spTree>
@@ -15148,7 +16359,7 @@
 </p:sld>
 </file>
 
-<file path=ppt/slides/slide43.xml><?xml version="1.0" encoding="utf-8"?>
+<file path=ppt/slides/slide47.xml><?xml version="1.0" encoding="utf-8"?>
 <p:sld xmlns:a="http://schemas.openxmlformats.org/drawingml/2006/main" xmlns:r="http://schemas.openxmlformats.org/officeDocument/2006/relationships" xmlns:p="http://schemas.openxmlformats.org/presentationml/2006/main">
   <p:cSld>
     <p:spTree>
@@ -15304,7 +16515,7 @@
 </p:sld>
 </file>
 
-<file path=ppt/slides/slide44.xml><?xml version="1.0" encoding="utf-8"?>
+<file path=ppt/slides/slide48.xml><?xml version="1.0" encoding="utf-8"?>
 <p:sld xmlns:a="http://schemas.openxmlformats.org/drawingml/2006/main" xmlns:r="http://schemas.openxmlformats.org/officeDocument/2006/relationships" xmlns:p="http://schemas.openxmlformats.org/presentationml/2006/main">
   <p:cSld>
     <p:spTree>
@@ -15420,7 +16631,7 @@
 </p:sld>
 </file>
 
-<file path=ppt/slides/slide45.xml><?xml version="1.0" encoding="utf-8"?>
+<file path=ppt/slides/slide49.xml><?xml version="1.0" encoding="utf-8"?>
 <p:sld xmlns:a="http://schemas.openxmlformats.org/drawingml/2006/main" xmlns:r="http://schemas.openxmlformats.org/officeDocument/2006/relationships" xmlns:p="http://schemas.openxmlformats.org/presentationml/2006/main">
   <p:cSld>
     <p:spTree>
@@ -15494,261 +16705,6 @@
     <p:extLst>
       <p:ext uri="{BB962C8B-B14F-4D97-AF65-F5344CB8AC3E}">
         <p14:creationId xmlns:p14="http://schemas.microsoft.com/office/powerpoint/2010/main" val="159416646"/>
-      </p:ext>
-    </p:extLst>
-  </p:cSld>
-  <p:clrMapOvr>
-    <a:masterClrMapping/>
-  </p:clrMapOvr>
-</p:sld>
-</file>
-
-<file path=ppt/slides/slide46.xml><?xml version="1.0" encoding="utf-8"?>
-<p:sld xmlns:a="http://schemas.openxmlformats.org/drawingml/2006/main" xmlns:r="http://schemas.openxmlformats.org/officeDocument/2006/relationships" xmlns:p="http://schemas.openxmlformats.org/presentationml/2006/main">
-  <p:cSld>
-    <p:spTree>
-      <p:nvGrpSpPr>
-        <p:cNvPr id="1" name=""/>
-        <p:cNvGrpSpPr/>
-        <p:nvPr/>
-      </p:nvGrpSpPr>
-      <p:grpSpPr>
-        <a:xfrm>
-          <a:off x="0" y="0"/>
-          <a:ext cx="0" cy="0"/>
-          <a:chOff x="0" y="0"/>
-          <a:chExt cx="0" cy="0"/>
-        </a:xfrm>
-      </p:grpSpPr>
-      <p:sp>
-        <p:nvSpPr>
-          <p:cNvPr id="2" name="Title 1">
-            <a:extLst>
-              <a:ext uri="{FF2B5EF4-FFF2-40B4-BE49-F238E27FC236}">
-                <a16:creationId xmlns:a16="http://schemas.microsoft.com/office/drawing/2014/main" id="{52C7052D-0D2B-A363-FB2E-EFFC0E03C2A4}"/>
-              </a:ext>
-            </a:extLst>
-          </p:cNvPr>
-          <p:cNvSpPr>
-            <a:spLocks noGrp="1"/>
-          </p:cNvSpPr>
-          <p:nvPr>
-            <p:ph type="title"/>
-          </p:nvPr>
-        </p:nvSpPr>
-        <p:spPr>
-          <a:xfrm>
-            <a:off x="904385" y="2278597"/>
-            <a:ext cx="10058400" cy="1609344"/>
-          </a:xfrm>
-        </p:spPr>
-        <p:txBody>
-          <a:bodyPr/>
-          <a:lstStyle/>
-          <a:p>
-            <a:pPr algn="ctr"/>
-            <a:r>
-              <a:rPr lang="en-IN" dirty="0"/>
-              <a:t>Cloud skills are code skills</a:t>
-            </a:r>
-          </a:p>
-        </p:txBody>
-      </p:sp>
-    </p:spTree>
-    <p:extLst>
-      <p:ext uri="{BB962C8B-B14F-4D97-AF65-F5344CB8AC3E}">
-        <p14:creationId xmlns:p14="http://schemas.microsoft.com/office/powerpoint/2010/main" val="3604972052"/>
-      </p:ext>
-    </p:extLst>
-  </p:cSld>
-  <p:clrMapOvr>
-    <a:masterClrMapping/>
-  </p:clrMapOvr>
-</p:sld>
-</file>
-
-<file path=ppt/slides/slide47.xml><?xml version="1.0" encoding="utf-8"?>
-<p:sld xmlns:a="http://schemas.openxmlformats.org/drawingml/2006/main" xmlns:r="http://schemas.openxmlformats.org/officeDocument/2006/relationships" xmlns:p="http://schemas.openxmlformats.org/presentationml/2006/main">
-  <p:cSld>
-    <p:spTree>
-      <p:nvGrpSpPr>
-        <p:cNvPr id="1" name=""/>
-        <p:cNvGrpSpPr/>
-        <p:nvPr/>
-      </p:nvGrpSpPr>
-      <p:grpSpPr>
-        <a:xfrm>
-          <a:off x="0" y="0"/>
-          <a:ext cx="0" cy="0"/>
-          <a:chOff x="0" y="0"/>
-          <a:chExt cx="0" cy="0"/>
-        </a:xfrm>
-      </p:grpSpPr>
-      <p:sp>
-        <p:nvSpPr>
-          <p:cNvPr id="2" name="Title 1">
-            <a:extLst>
-              <a:ext uri="{FF2B5EF4-FFF2-40B4-BE49-F238E27FC236}">
-                <a16:creationId xmlns:a16="http://schemas.microsoft.com/office/drawing/2014/main" id="{706654B1-2AF4-50FF-E1BC-660EDC5A8AD6}"/>
-              </a:ext>
-            </a:extLst>
-          </p:cNvPr>
-          <p:cNvSpPr>
-            <a:spLocks noGrp="1"/>
-          </p:cNvSpPr>
-          <p:nvPr>
-            <p:ph type="title"/>
-          </p:nvPr>
-        </p:nvSpPr>
-        <p:spPr/>
-        <p:txBody>
-          <a:bodyPr/>
-          <a:lstStyle/>
-          <a:p>
-            <a:endParaRPr lang="en-IN"/>
-          </a:p>
-        </p:txBody>
-      </p:sp>
-      <p:sp>
-        <p:nvSpPr>
-          <p:cNvPr id="3" name="Content Placeholder 2">
-            <a:extLst>
-              <a:ext uri="{FF2B5EF4-FFF2-40B4-BE49-F238E27FC236}">
-                <a16:creationId xmlns:a16="http://schemas.microsoft.com/office/drawing/2014/main" id="{098D20A6-81D8-CC1B-8337-05E15CD6BDAC}"/>
-              </a:ext>
-            </a:extLst>
-          </p:cNvPr>
-          <p:cNvSpPr>
-            <a:spLocks noGrp="1"/>
-          </p:cNvSpPr>
-          <p:nvPr>
-            <p:ph idx="1"/>
-          </p:nvPr>
-        </p:nvSpPr>
-        <p:spPr/>
-        <p:txBody>
-          <a:bodyPr/>
-          <a:lstStyle/>
-          <a:p>
-            <a:pPr algn="l"/>
-            <a:r>
-              <a:rPr lang="en-US" sz="1800" b="0" i="0" u="none" strike="noStrike" baseline="0" dirty="0">
-                <a:latin typeface="Panton-Regular"/>
-              </a:rPr>
-              <a:t>the state of the machine drifts from the baseline due to </a:t>
-            </a:r>
-            <a:r>
-              <a:rPr lang="en-IN" sz="1800" b="0" i="0" u="none" strike="noStrike" baseline="0" dirty="0">
-                <a:latin typeface="Panton-Regular"/>
-              </a:rPr>
-              <a:t>manual changes and updates</a:t>
-            </a:r>
-            <a:endParaRPr lang="en-IN" dirty="0"/>
-          </a:p>
-        </p:txBody>
-      </p:sp>
-    </p:spTree>
-    <p:extLst>
-      <p:ext uri="{BB962C8B-B14F-4D97-AF65-F5344CB8AC3E}">
-        <p14:creationId xmlns:p14="http://schemas.microsoft.com/office/powerpoint/2010/main" val="688101467"/>
-      </p:ext>
-    </p:extLst>
-  </p:cSld>
-  <p:clrMapOvr>
-    <a:masterClrMapping/>
-  </p:clrMapOvr>
-</p:sld>
-</file>
-
-<file path=ppt/slides/slide48.xml><?xml version="1.0" encoding="utf-8"?>
-<p:sld xmlns:a="http://schemas.openxmlformats.org/drawingml/2006/main" xmlns:r="http://schemas.openxmlformats.org/officeDocument/2006/relationships" xmlns:p="http://schemas.openxmlformats.org/presentationml/2006/main">
-  <p:cSld>
-    <p:spTree>
-      <p:nvGrpSpPr>
-        <p:cNvPr id="1" name=""/>
-        <p:cNvGrpSpPr/>
-        <p:nvPr/>
-      </p:nvGrpSpPr>
-      <p:grpSpPr>
-        <a:xfrm>
-          <a:off x="0" y="0"/>
-          <a:ext cx="0" cy="0"/>
-          <a:chOff x="0" y="0"/>
-          <a:chExt cx="0" cy="0"/>
-        </a:xfrm>
-      </p:grpSpPr>
-      <p:sp>
-        <p:nvSpPr>
-          <p:cNvPr id="2" name="Title 1">
-            <a:extLst>
-              <a:ext uri="{FF2B5EF4-FFF2-40B4-BE49-F238E27FC236}">
-                <a16:creationId xmlns:a16="http://schemas.microsoft.com/office/drawing/2014/main" id="{4244EA81-93C5-A96D-493E-BCFB13584F18}"/>
-              </a:ext>
-            </a:extLst>
-          </p:cNvPr>
-          <p:cNvSpPr>
-            <a:spLocks noGrp="1"/>
-          </p:cNvSpPr>
-          <p:nvPr>
-            <p:ph type="title"/>
-          </p:nvPr>
-        </p:nvSpPr>
-        <p:spPr/>
-        <p:txBody>
-          <a:bodyPr/>
-          <a:lstStyle/>
-          <a:p>
-            <a:endParaRPr lang="en-IN"/>
-          </a:p>
-        </p:txBody>
-      </p:sp>
-      <p:sp>
-        <p:nvSpPr>
-          <p:cNvPr id="3" name="Content Placeholder 2">
-            <a:extLst>
-              <a:ext uri="{FF2B5EF4-FFF2-40B4-BE49-F238E27FC236}">
-                <a16:creationId xmlns:a16="http://schemas.microsoft.com/office/drawing/2014/main" id="{26B31A73-F0FC-34BC-01DB-9BA655300B89}"/>
-              </a:ext>
-            </a:extLst>
-          </p:cNvPr>
-          <p:cNvSpPr>
-            <a:spLocks noGrp="1"/>
-          </p:cNvSpPr>
-          <p:nvPr>
-            <p:ph idx="1"/>
-          </p:nvPr>
-        </p:nvSpPr>
-        <p:spPr/>
-        <p:txBody>
-          <a:bodyPr/>
-          <a:lstStyle/>
-          <a:p>
-            <a:r>
-              <a:rPr lang="en-US" sz="1800" b="0" i="0" u="none" strike="noStrike" baseline="0" dirty="0">
-                <a:latin typeface="Panton-Regular"/>
-              </a:rPr>
-              <a:t>A Stack defines the State</a:t>
-            </a:r>
-          </a:p>
-          <a:p>
-            <a:r>
-              <a:rPr lang="en-IN" b="0" i="0" dirty="0">
-                <a:solidFill>
-                  <a:srgbClr val="2F3032"/>
-                </a:solidFill>
-                <a:effectLst/>
-                <a:latin typeface="Inter"/>
-              </a:rPr>
-              <a:t> micro-stacks.</a:t>
-            </a:r>
-            <a:endParaRPr lang="en-IN" dirty="0"/>
-          </a:p>
-        </p:txBody>
-      </p:sp>
-    </p:spTree>
-    <p:extLst>
-      <p:ext uri="{BB962C8B-B14F-4D97-AF65-F5344CB8AC3E}">
-        <p14:creationId xmlns:p14="http://schemas.microsoft.com/office/powerpoint/2010/main" val="2091928224"/>
       </p:ext>
     </p:extLst>
   </p:cSld>
@@ -15838,6 +16794,261 @@
     <p:extLst>
       <p:ext uri="{BB962C8B-B14F-4D97-AF65-F5344CB8AC3E}">
         <p14:creationId xmlns:p14="http://schemas.microsoft.com/office/powerpoint/2010/main" val="1562078091"/>
+      </p:ext>
+    </p:extLst>
+  </p:cSld>
+  <p:clrMapOvr>
+    <a:masterClrMapping/>
+  </p:clrMapOvr>
+</p:sld>
+</file>
+
+<file path=ppt/slides/slide50.xml><?xml version="1.0" encoding="utf-8"?>
+<p:sld xmlns:a="http://schemas.openxmlformats.org/drawingml/2006/main" xmlns:r="http://schemas.openxmlformats.org/officeDocument/2006/relationships" xmlns:p="http://schemas.openxmlformats.org/presentationml/2006/main">
+  <p:cSld>
+    <p:spTree>
+      <p:nvGrpSpPr>
+        <p:cNvPr id="1" name=""/>
+        <p:cNvGrpSpPr/>
+        <p:nvPr/>
+      </p:nvGrpSpPr>
+      <p:grpSpPr>
+        <a:xfrm>
+          <a:off x="0" y="0"/>
+          <a:ext cx="0" cy="0"/>
+          <a:chOff x="0" y="0"/>
+          <a:chExt cx="0" cy="0"/>
+        </a:xfrm>
+      </p:grpSpPr>
+      <p:sp>
+        <p:nvSpPr>
+          <p:cNvPr id="2" name="Title 1">
+            <a:extLst>
+              <a:ext uri="{FF2B5EF4-FFF2-40B4-BE49-F238E27FC236}">
+                <a16:creationId xmlns:a16="http://schemas.microsoft.com/office/drawing/2014/main" id="{52C7052D-0D2B-A363-FB2E-EFFC0E03C2A4}"/>
+              </a:ext>
+            </a:extLst>
+          </p:cNvPr>
+          <p:cNvSpPr>
+            <a:spLocks noGrp="1"/>
+          </p:cNvSpPr>
+          <p:nvPr>
+            <p:ph type="title"/>
+          </p:nvPr>
+        </p:nvSpPr>
+        <p:spPr>
+          <a:xfrm>
+            <a:off x="904385" y="2278597"/>
+            <a:ext cx="10058400" cy="1609344"/>
+          </a:xfrm>
+        </p:spPr>
+        <p:txBody>
+          <a:bodyPr/>
+          <a:lstStyle/>
+          <a:p>
+            <a:pPr algn="ctr"/>
+            <a:r>
+              <a:rPr lang="en-IN" dirty="0"/>
+              <a:t>Cloud skills are code skills</a:t>
+            </a:r>
+          </a:p>
+        </p:txBody>
+      </p:sp>
+    </p:spTree>
+    <p:extLst>
+      <p:ext uri="{BB962C8B-B14F-4D97-AF65-F5344CB8AC3E}">
+        <p14:creationId xmlns:p14="http://schemas.microsoft.com/office/powerpoint/2010/main" val="3604972052"/>
+      </p:ext>
+    </p:extLst>
+  </p:cSld>
+  <p:clrMapOvr>
+    <a:masterClrMapping/>
+  </p:clrMapOvr>
+</p:sld>
+</file>
+
+<file path=ppt/slides/slide51.xml><?xml version="1.0" encoding="utf-8"?>
+<p:sld xmlns:a="http://schemas.openxmlformats.org/drawingml/2006/main" xmlns:r="http://schemas.openxmlformats.org/officeDocument/2006/relationships" xmlns:p="http://schemas.openxmlformats.org/presentationml/2006/main">
+  <p:cSld>
+    <p:spTree>
+      <p:nvGrpSpPr>
+        <p:cNvPr id="1" name=""/>
+        <p:cNvGrpSpPr/>
+        <p:nvPr/>
+      </p:nvGrpSpPr>
+      <p:grpSpPr>
+        <a:xfrm>
+          <a:off x="0" y="0"/>
+          <a:ext cx="0" cy="0"/>
+          <a:chOff x="0" y="0"/>
+          <a:chExt cx="0" cy="0"/>
+        </a:xfrm>
+      </p:grpSpPr>
+      <p:sp>
+        <p:nvSpPr>
+          <p:cNvPr id="2" name="Title 1">
+            <a:extLst>
+              <a:ext uri="{FF2B5EF4-FFF2-40B4-BE49-F238E27FC236}">
+                <a16:creationId xmlns:a16="http://schemas.microsoft.com/office/drawing/2014/main" id="{706654B1-2AF4-50FF-E1BC-660EDC5A8AD6}"/>
+              </a:ext>
+            </a:extLst>
+          </p:cNvPr>
+          <p:cNvSpPr>
+            <a:spLocks noGrp="1"/>
+          </p:cNvSpPr>
+          <p:nvPr>
+            <p:ph type="title"/>
+          </p:nvPr>
+        </p:nvSpPr>
+        <p:spPr/>
+        <p:txBody>
+          <a:bodyPr/>
+          <a:lstStyle/>
+          <a:p>
+            <a:endParaRPr lang="en-IN"/>
+          </a:p>
+        </p:txBody>
+      </p:sp>
+      <p:sp>
+        <p:nvSpPr>
+          <p:cNvPr id="3" name="Content Placeholder 2">
+            <a:extLst>
+              <a:ext uri="{FF2B5EF4-FFF2-40B4-BE49-F238E27FC236}">
+                <a16:creationId xmlns:a16="http://schemas.microsoft.com/office/drawing/2014/main" id="{098D20A6-81D8-CC1B-8337-05E15CD6BDAC}"/>
+              </a:ext>
+            </a:extLst>
+          </p:cNvPr>
+          <p:cNvSpPr>
+            <a:spLocks noGrp="1"/>
+          </p:cNvSpPr>
+          <p:nvPr>
+            <p:ph idx="1"/>
+          </p:nvPr>
+        </p:nvSpPr>
+        <p:spPr/>
+        <p:txBody>
+          <a:bodyPr/>
+          <a:lstStyle/>
+          <a:p>
+            <a:pPr algn="l"/>
+            <a:r>
+              <a:rPr lang="en-US" sz="1800" b="0" i="0" u="none" strike="noStrike" baseline="0" dirty="0">
+                <a:latin typeface="Panton-Regular"/>
+              </a:rPr>
+              <a:t>the state of the machine drifts from the baseline due to </a:t>
+            </a:r>
+            <a:r>
+              <a:rPr lang="en-IN" sz="1800" b="0" i="0" u="none" strike="noStrike" baseline="0" dirty="0">
+                <a:latin typeface="Panton-Regular"/>
+              </a:rPr>
+              <a:t>manual changes and updates</a:t>
+            </a:r>
+            <a:endParaRPr lang="en-IN" dirty="0"/>
+          </a:p>
+        </p:txBody>
+      </p:sp>
+    </p:spTree>
+    <p:extLst>
+      <p:ext uri="{BB962C8B-B14F-4D97-AF65-F5344CB8AC3E}">
+        <p14:creationId xmlns:p14="http://schemas.microsoft.com/office/powerpoint/2010/main" val="688101467"/>
+      </p:ext>
+    </p:extLst>
+  </p:cSld>
+  <p:clrMapOvr>
+    <a:masterClrMapping/>
+  </p:clrMapOvr>
+</p:sld>
+</file>
+
+<file path=ppt/slides/slide52.xml><?xml version="1.0" encoding="utf-8"?>
+<p:sld xmlns:a="http://schemas.openxmlformats.org/drawingml/2006/main" xmlns:r="http://schemas.openxmlformats.org/officeDocument/2006/relationships" xmlns:p="http://schemas.openxmlformats.org/presentationml/2006/main">
+  <p:cSld>
+    <p:spTree>
+      <p:nvGrpSpPr>
+        <p:cNvPr id="1" name=""/>
+        <p:cNvGrpSpPr/>
+        <p:nvPr/>
+      </p:nvGrpSpPr>
+      <p:grpSpPr>
+        <a:xfrm>
+          <a:off x="0" y="0"/>
+          <a:ext cx="0" cy="0"/>
+          <a:chOff x="0" y="0"/>
+          <a:chExt cx="0" cy="0"/>
+        </a:xfrm>
+      </p:grpSpPr>
+      <p:sp>
+        <p:nvSpPr>
+          <p:cNvPr id="2" name="Title 1">
+            <a:extLst>
+              <a:ext uri="{FF2B5EF4-FFF2-40B4-BE49-F238E27FC236}">
+                <a16:creationId xmlns:a16="http://schemas.microsoft.com/office/drawing/2014/main" id="{4244EA81-93C5-A96D-493E-BCFB13584F18}"/>
+              </a:ext>
+            </a:extLst>
+          </p:cNvPr>
+          <p:cNvSpPr>
+            <a:spLocks noGrp="1"/>
+          </p:cNvSpPr>
+          <p:nvPr>
+            <p:ph type="title"/>
+          </p:nvPr>
+        </p:nvSpPr>
+        <p:spPr/>
+        <p:txBody>
+          <a:bodyPr/>
+          <a:lstStyle/>
+          <a:p>
+            <a:endParaRPr lang="en-IN"/>
+          </a:p>
+        </p:txBody>
+      </p:sp>
+      <p:sp>
+        <p:nvSpPr>
+          <p:cNvPr id="3" name="Content Placeholder 2">
+            <a:extLst>
+              <a:ext uri="{FF2B5EF4-FFF2-40B4-BE49-F238E27FC236}">
+                <a16:creationId xmlns:a16="http://schemas.microsoft.com/office/drawing/2014/main" id="{26B31A73-F0FC-34BC-01DB-9BA655300B89}"/>
+              </a:ext>
+            </a:extLst>
+          </p:cNvPr>
+          <p:cNvSpPr>
+            <a:spLocks noGrp="1"/>
+          </p:cNvSpPr>
+          <p:nvPr>
+            <p:ph idx="1"/>
+          </p:nvPr>
+        </p:nvSpPr>
+        <p:spPr/>
+        <p:txBody>
+          <a:bodyPr/>
+          <a:lstStyle/>
+          <a:p>
+            <a:r>
+              <a:rPr lang="en-US" sz="1800" b="0" i="0" u="none" strike="noStrike" baseline="0" dirty="0">
+                <a:latin typeface="Panton-Regular"/>
+              </a:rPr>
+              <a:t>A Stack defines the State</a:t>
+            </a:r>
+          </a:p>
+          <a:p>
+            <a:r>
+              <a:rPr lang="en-IN" b="0" i="0" dirty="0">
+                <a:solidFill>
+                  <a:srgbClr val="2F3032"/>
+                </a:solidFill>
+                <a:effectLst/>
+                <a:latin typeface="Inter"/>
+              </a:rPr>
+              <a:t> micro-stacks.</a:t>
+            </a:r>
+            <a:endParaRPr lang="en-IN" dirty="0"/>
+          </a:p>
+        </p:txBody>
+      </p:sp>
+    </p:spTree>
+    <p:extLst>
+      <p:ext uri="{BB962C8B-B14F-4D97-AF65-F5344CB8AC3E}">
+        <p14:creationId xmlns:p14="http://schemas.microsoft.com/office/powerpoint/2010/main" val="2091928224"/>
       </p:ext>
     </p:extLst>
   </p:cSld>

--- a/docs/IaC_Devopedia_Sep_2022.pptx
+++ b/docs/IaC_Devopedia_Sep_2022.pptx
@@ -31,10 +31,10 @@
     <p:sldId id="296" r:id="rId25"/>
     <p:sldId id="297" r:id="rId26"/>
     <p:sldId id="298" r:id="rId27"/>
-    <p:sldId id="286" r:id="rId28"/>
-    <p:sldId id="264" r:id="rId29"/>
-    <p:sldId id="276" r:id="rId30"/>
-    <p:sldId id="287" r:id="rId31"/>
+    <p:sldId id="264" r:id="rId28"/>
+    <p:sldId id="276" r:id="rId29"/>
+    <p:sldId id="287" r:id="rId30"/>
+    <p:sldId id="311" r:id="rId31"/>
     <p:sldId id="299" r:id="rId32"/>
     <p:sldId id="300" r:id="rId33"/>
     <p:sldId id="301" r:id="rId34"/>
@@ -45,18 +45,20 @@
     <p:sldId id="309" r:id="rId39"/>
     <p:sldId id="302" r:id="rId40"/>
     <p:sldId id="305" r:id="rId41"/>
-    <p:sldId id="306" r:id="rId42"/>
-    <p:sldId id="303" r:id="rId43"/>
-    <p:sldId id="304" r:id="rId44"/>
-    <p:sldId id="280" r:id="rId45"/>
-    <p:sldId id="281" r:id="rId46"/>
-    <p:sldId id="282" r:id="rId47"/>
-    <p:sldId id="284" r:id="rId48"/>
-    <p:sldId id="285" r:id="rId49"/>
-    <p:sldId id="274" r:id="rId50"/>
-    <p:sldId id="288" r:id="rId51"/>
-    <p:sldId id="269" r:id="rId52"/>
-    <p:sldId id="265" r:id="rId53"/>
+    <p:sldId id="286" r:id="rId42"/>
+    <p:sldId id="312" r:id="rId43"/>
+    <p:sldId id="306" r:id="rId44"/>
+    <p:sldId id="303" r:id="rId45"/>
+    <p:sldId id="304" r:id="rId46"/>
+    <p:sldId id="280" r:id="rId47"/>
+    <p:sldId id="281" r:id="rId48"/>
+    <p:sldId id="282" r:id="rId49"/>
+    <p:sldId id="284" r:id="rId50"/>
+    <p:sldId id="285" r:id="rId51"/>
+    <p:sldId id="274" r:id="rId52"/>
+    <p:sldId id="288" r:id="rId53"/>
+    <p:sldId id="269" r:id="rId54"/>
+    <p:sldId id="265" r:id="rId55"/>
   </p:sldIdLst>
   <p:sldSz cx="12192000" cy="6858000"/>
   <p:notesSz cx="6858000" cy="9144000"/>
@@ -10446,94 +10448,6 @@
           <a:chExt cx="0" cy="0"/>
         </a:xfrm>
       </p:grpSpPr>
-      <p:sp>
-        <p:nvSpPr>
-          <p:cNvPr id="2" name="Title 1">
-            <a:extLst>
-              <a:ext uri="{FF2B5EF4-FFF2-40B4-BE49-F238E27FC236}">
-                <a16:creationId xmlns:a16="http://schemas.microsoft.com/office/drawing/2014/main" id="{EE1F2AC5-A95E-6E1D-5B51-D37E09E5E858}"/>
-              </a:ext>
-            </a:extLst>
-          </p:cNvPr>
-          <p:cNvSpPr>
-            <a:spLocks noGrp="1"/>
-          </p:cNvSpPr>
-          <p:nvPr>
-            <p:ph type="title"/>
-          </p:nvPr>
-        </p:nvSpPr>
-        <p:spPr/>
-        <p:txBody>
-          <a:bodyPr/>
-          <a:lstStyle/>
-          <a:p>
-            <a:r>
-              <a:rPr lang="en-IN" dirty="0"/>
-              <a:t>Logging</a:t>
-            </a:r>
-          </a:p>
-        </p:txBody>
-      </p:sp>
-      <p:pic>
-        <p:nvPicPr>
-          <p:cNvPr id="5" name="Picture 4">
-            <a:extLst>
-              <a:ext uri="{FF2B5EF4-FFF2-40B4-BE49-F238E27FC236}">
-                <a16:creationId xmlns:a16="http://schemas.microsoft.com/office/drawing/2014/main" id="{E2E1D35C-02FA-0AFF-2A61-C9AC9C7CCD75}"/>
-              </a:ext>
-            </a:extLst>
-          </p:cNvPr>
-          <p:cNvPicPr>
-            <a:picLocks noChangeAspect="1"/>
-          </p:cNvPicPr>
-          <p:nvPr/>
-        </p:nvPicPr>
-        <p:blipFill>
-          <a:blip r:embed="rId2"/>
-          <a:stretch>
-            <a:fillRect/>
-          </a:stretch>
-        </p:blipFill>
-        <p:spPr>
-          <a:xfrm>
-            <a:off x="2286759" y="2093976"/>
-            <a:ext cx="2819794" cy="1305107"/>
-          </a:xfrm>
-          <a:prstGeom prst="rect">
-            <a:avLst/>
-          </a:prstGeom>
-        </p:spPr>
-      </p:pic>
-    </p:spTree>
-    <p:extLst>
-      <p:ext uri="{BB962C8B-B14F-4D97-AF65-F5344CB8AC3E}">
-        <p14:creationId xmlns:p14="http://schemas.microsoft.com/office/powerpoint/2010/main" val="3084403326"/>
-      </p:ext>
-    </p:extLst>
-  </p:cSld>
-  <p:clrMapOvr>
-    <a:masterClrMapping/>
-  </p:clrMapOvr>
-</p:sld>
-</file>
-
-<file path=ppt/slides/slide28.xml><?xml version="1.0" encoding="utf-8"?>
-<p:sld xmlns:a="http://schemas.openxmlformats.org/drawingml/2006/main" xmlns:r="http://schemas.openxmlformats.org/officeDocument/2006/relationships" xmlns:p="http://schemas.openxmlformats.org/presentationml/2006/main">
-  <p:cSld>
-    <p:spTree>
-      <p:nvGrpSpPr>
-        <p:cNvPr id="1" name=""/>
-        <p:cNvGrpSpPr/>
-        <p:nvPr/>
-      </p:nvGrpSpPr>
-      <p:grpSpPr>
-        <a:xfrm>
-          <a:off x="0" y="0"/>
-          <a:ext cx="0" cy="0"/>
-          <a:chOff x="0" y="0"/>
-          <a:chExt cx="0" cy="0"/>
-        </a:xfrm>
-      </p:grpSpPr>
       <p:pic>
         <p:nvPicPr>
           <p:cNvPr id="11" name="Picture 10">
@@ -10824,7 +10738,7 @@
 </p:sld>
 </file>
 
-<file path=ppt/slides/slide29.xml><?xml version="1.0" encoding="utf-8"?>
+<file path=ppt/slides/slide28.xml><?xml version="1.0" encoding="utf-8"?>
 <p:sld xmlns:a="http://schemas.openxmlformats.org/drawingml/2006/main" xmlns:r="http://schemas.openxmlformats.org/officeDocument/2006/relationships" xmlns:p="http://schemas.openxmlformats.org/presentationml/2006/main">
   <p:cSld>
     <p:spTree>
@@ -11136,119 +11050,7 @@
 </p:sld>
 </file>
 
-<file path=ppt/slides/slide3.xml><?xml version="1.0" encoding="utf-8"?>
-<p:sld xmlns:a="http://schemas.openxmlformats.org/drawingml/2006/main" xmlns:r="http://schemas.openxmlformats.org/officeDocument/2006/relationships" xmlns:p="http://schemas.openxmlformats.org/presentationml/2006/main">
-  <p:cSld>
-    <p:spTree>
-      <p:nvGrpSpPr>
-        <p:cNvPr id="1" name=""/>
-        <p:cNvGrpSpPr/>
-        <p:nvPr/>
-      </p:nvGrpSpPr>
-      <p:grpSpPr>
-        <a:xfrm>
-          <a:off x="0" y="0"/>
-          <a:ext cx="0" cy="0"/>
-          <a:chOff x="0" y="0"/>
-          <a:chExt cx="0" cy="0"/>
-        </a:xfrm>
-      </p:grpSpPr>
-      <p:sp>
-        <p:nvSpPr>
-          <p:cNvPr id="2" name="Title 1">
-            <a:extLst>
-              <a:ext uri="{FF2B5EF4-FFF2-40B4-BE49-F238E27FC236}">
-                <a16:creationId xmlns:a16="http://schemas.microsoft.com/office/drawing/2014/main" id="{CDDBD12E-6F6E-1FA0-4C05-06CDA68193E6}"/>
-              </a:ext>
-            </a:extLst>
-          </p:cNvPr>
-          <p:cNvSpPr>
-            <a:spLocks noGrp="1"/>
-          </p:cNvSpPr>
-          <p:nvPr>
-            <p:ph type="title"/>
-          </p:nvPr>
-        </p:nvSpPr>
-        <p:spPr/>
-        <p:txBody>
-          <a:bodyPr>
-            <a:normAutofit fontScale="90000"/>
-          </a:bodyPr>
-          <a:lstStyle/>
-          <a:p>
-            <a:pPr marL="3054350" indent="-3054350"/>
-            <a:r>
-              <a:rPr lang="en-IN" dirty="0"/>
-              <a:t>&lt;Lc/</a:t>
-            </a:r>
-            <a:r>
-              <a:rPr lang="en-IN" dirty="0" err="1"/>
-              <a:t>nc</a:t>
-            </a:r>
-            <a:r>
-              <a:rPr lang="en-IN" dirty="0"/>
-              <a:t>&gt; - LOW CODE/NO CODE </a:t>
-            </a:r>
-            <a:r>
-              <a:rPr lang="en-IN" dirty="0" err="1"/>
-              <a:t>Devops</a:t>
-            </a:r>
-            <a:br>
-              <a:rPr lang="en-IN" dirty="0"/>
-            </a:br>
-            <a:r>
-              <a:rPr lang="en-IN" sz="2400" dirty="0"/>
-              <a:t>to Everything as CODE</a:t>
-            </a:r>
-            <a:endParaRPr lang="en-IN" dirty="0"/>
-          </a:p>
-        </p:txBody>
-      </p:sp>
-      <p:graphicFrame>
-        <p:nvGraphicFramePr>
-          <p:cNvPr id="4" name="Content Placeholder 3">
-            <a:extLst>
-              <a:ext uri="{FF2B5EF4-FFF2-40B4-BE49-F238E27FC236}">
-                <a16:creationId xmlns:a16="http://schemas.microsoft.com/office/drawing/2014/main" id="{A5618265-EB56-DCB9-04E7-2B2A5A566A22}"/>
-              </a:ext>
-            </a:extLst>
-          </p:cNvPr>
-          <p:cNvGraphicFramePr>
-            <a:graphicFrameLocks noGrp="1"/>
-          </p:cNvGraphicFramePr>
-          <p:nvPr>
-            <p:ph idx="1"/>
-            <p:extLst>
-              <p:ext uri="{D42A27DB-BD31-4B8C-83A1-F6EECF244321}">
-                <p14:modId xmlns:p14="http://schemas.microsoft.com/office/powerpoint/2010/main" val="241221072"/>
-              </p:ext>
-            </p:extLst>
-          </p:nvPr>
-        </p:nvGraphicFramePr>
-        <p:xfrm>
-          <a:off x="1069848" y="2121408"/>
-          <a:ext cx="10058400" cy="4050792"/>
-        </p:xfrm>
-        <a:graphic>
-          <a:graphicData uri="http://schemas.openxmlformats.org/drawingml/2006/diagram">
-            <dgm:relIds xmlns:dgm="http://schemas.openxmlformats.org/drawingml/2006/diagram" xmlns:r="http://schemas.openxmlformats.org/officeDocument/2006/relationships" r:dm="rId2" r:lo="rId3" r:qs="rId4" r:cs="rId5"/>
-          </a:graphicData>
-        </a:graphic>
-      </p:graphicFrame>
-    </p:spTree>
-    <p:extLst>
-      <p:ext uri="{BB962C8B-B14F-4D97-AF65-F5344CB8AC3E}">
-        <p14:creationId xmlns:p14="http://schemas.microsoft.com/office/powerpoint/2010/main" val="3591333091"/>
-      </p:ext>
-    </p:extLst>
-  </p:cSld>
-  <p:clrMapOvr>
-    <a:masterClrMapping/>
-  </p:clrMapOvr>
-</p:sld>
-</file>
-
-<file path=ppt/slides/slide30.xml><?xml version="1.0" encoding="utf-8"?>
+<file path=ppt/slides/slide29.xml><?xml version="1.0" encoding="utf-8"?>
 <p:sld xmlns:a="http://schemas.openxmlformats.org/drawingml/2006/main" xmlns:r="http://schemas.openxmlformats.org/officeDocument/2006/relationships" xmlns:p="http://schemas.openxmlformats.org/presentationml/2006/main">
   <p:cSld>
     <p:spTree>
@@ -11325,6 +11127,415 @@
 </p:sld>
 </file>
 
+<file path=ppt/slides/slide3.xml><?xml version="1.0" encoding="utf-8"?>
+<p:sld xmlns:a="http://schemas.openxmlformats.org/drawingml/2006/main" xmlns:r="http://schemas.openxmlformats.org/officeDocument/2006/relationships" xmlns:p="http://schemas.openxmlformats.org/presentationml/2006/main">
+  <p:cSld>
+    <p:spTree>
+      <p:nvGrpSpPr>
+        <p:cNvPr id="1" name=""/>
+        <p:cNvGrpSpPr/>
+        <p:nvPr/>
+      </p:nvGrpSpPr>
+      <p:grpSpPr>
+        <a:xfrm>
+          <a:off x="0" y="0"/>
+          <a:ext cx="0" cy="0"/>
+          <a:chOff x="0" y="0"/>
+          <a:chExt cx="0" cy="0"/>
+        </a:xfrm>
+      </p:grpSpPr>
+      <p:sp>
+        <p:nvSpPr>
+          <p:cNvPr id="2" name="Title 1">
+            <a:extLst>
+              <a:ext uri="{FF2B5EF4-FFF2-40B4-BE49-F238E27FC236}">
+                <a16:creationId xmlns:a16="http://schemas.microsoft.com/office/drawing/2014/main" id="{CDDBD12E-6F6E-1FA0-4C05-06CDA68193E6}"/>
+              </a:ext>
+            </a:extLst>
+          </p:cNvPr>
+          <p:cNvSpPr>
+            <a:spLocks noGrp="1"/>
+          </p:cNvSpPr>
+          <p:nvPr>
+            <p:ph type="title"/>
+          </p:nvPr>
+        </p:nvSpPr>
+        <p:spPr/>
+        <p:txBody>
+          <a:bodyPr>
+            <a:normAutofit fontScale="90000"/>
+          </a:bodyPr>
+          <a:lstStyle/>
+          <a:p>
+            <a:pPr marL="3054350" indent="-3054350"/>
+            <a:r>
+              <a:rPr lang="en-IN" dirty="0"/>
+              <a:t>&lt;Lc/</a:t>
+            </a:r>
+            <a:r>
+              <a:rPr lang="en-IN" dirty="0" err="1"/>
+              <a:t>nc</a:t>
+            </a:r>
+            <a:r>
+              <a:rPr lang="en-IN" dirty="0"/>
+              <a:t>&gt; - LOW CODE/NO CODE </a:t>
+            </a:r>
+            <a:r>
+              <a:rPr lang="en-IN" dirty="0" err="1"/>
+              <a:t>Devops</a:t>
+            </a:r>
+            <a:br>
+              <a:rPr lang="en-IN" dirty="0"/>
+            </a:br>
+            <a:r>
+              <a:rPr lang="en-IN" sz="2400" dirty="0"/>
+              <a:t>to Everything as CODE</a:t>
+            </a:r>
+            <a:endParaRPr lang="en-IN" dirty="0"/>
+          </a:p>
+        </p:txBody>
+      </p:sp>
+      <p:graphicFrame>
+        <p:nvGraphicFramePr>
+          <p:cNvPr id="4" name="Content Placeholder 3">
+            <a:extLst>
+              <a:ext uri="{FF2B5EF4-FFF2-40B4-BE49-F238E27FC236}">
+                <a16:creationId xmlns:a16="http://schemas.microsoft.com/office/drawing/2014/main" id="{A5618265-EB56-DCB9-04E7-2B2A5A566A22}"/>
+              </a:ext>
+            </a:extLst>
+          </p:cNvPr>
+          <p:cNvGraphicFramePr>
+            <a:graphicFrameLocks noGrp="1"/>
+          </p:cNvGraphicFramePr>
+          <p:nvPr>
+            <p:ph idx="1"/>
+            <p:extLst>
+              <p:ext uri="{D42A27DB-BD31-4B8C-83A1-F6EECF244321}">
+                <p14:modId xmlns:p14="http://schemas.microsoft.com/office/powerpoint/2010/main" val="241221072"/>
+              </p:ext>
+            </p:extLst>
+          </p:nvPr>
+        </p:nvGraphicFramePr>
+        <p:xfrm>
+          <a:off x="1069848" y="2121408"/>
+          <a:ext cx="10058400" cy="4050792"/>
+        </p:xfrm>
+        <a:graphic>
+          <a:graphicData uri="http://schemas.openxmlformats.org/drawingml/2006/diagram">
+            <dgm:relIds xmlns:dgm="http://schemas.openxmlformats.org/drawingml/2006/diagram" xmlns:r="http://schemas.openxmlformats.org/officeDocument/2006/relationships" r:dm="rId2" r:lo="rId3" r:qs="rId4" r:cs="rId5"/>
+          </a:graphicData>
+        </a:graphic>
+      </p:graphicFrame>
+    </p:spTree>
+    <p:extLst>
+      <p:ext uri="{BB962C8B-B14F-4D97-AF65-F5344CB8AC3E}">
+        <p14:creationId xmlns:p14="http://schemas.microsoft.com/office/powerpoint/2010/main" val="3591333091"/>
+      </p:ext>
+    </p:extLst>
+  </p:cSld>
+  <p:clrMapOvr>
+    <a:masterClrMapping/>
+  </p:clrMapOvr>
+</p:sld>
+</file>
+
+<file path=ppt/slides/slide30.xml><?xml version="1.0" encoding="utf-8"?>
+<p:sld xmlns:a="http://schemas.openxmlformats.org/drawingml/2006/main" xmlns:r="http://schemas.openxmlformats.org/officeDocument/2006/relationships" xmlns:p="http://schemas.openxmlformats.org/presentationml/2006/main">
+  <p:cSld>
+    <p:spTree>
+      <p:nvGrpSpPr>
+        <p:cNvPr id="1" name=""/>
+        <p:cNvGrpSpPr/>
+        <p:nvPr/>
+      </p:nvGrpSpPr>
+      <p:grpSpPr>
+        <a:xfrm>
+          <a:off x="0" y="0"/>
+          <a:ext cx="0" cy="0"/>
+          <a:chOff x="0" y="0"/>
+          <a:chExt cx="0" cy="0"/>
+        </a:xfrm>
+      </p:grpSpPr>
+      <p:sp>
+        <p:nvSpPr>
+          <p:cNvPr id="2" name="Title 1">
+            <a:extLst>
+              <a:ext uri="{FF2B5EF4-FFF2-40B4-BE49-F238E27FC236}">
+                <a16:creationId xmlns:a16="http://schemas.microsoft.com/office/drawing/2014/main" id="{FC9A069F-A381-3634-130B-FB23ED984CE6}"/>
+              </a:ext>
+            </a:extLst>
+          </p:cNvPr>
+          <p:cNvSpPr>
+            <a:spLocks noGrp="1"/>
+          </p:cNvSpPr>
+          <p:nvPr>
+            <p:ph type="title"/>
+          </p:nvPr>
+        </p:nvSpPr>
+        <p:spPr/>
+        <p:txBody>
+          <a:bodyPr/>
+          <a:lstStyle/>
+          <a:p>
+            <a:r>
+              <a:rPr lang="en-IN" dirty="0"/>
+              <a:t>Note on Examples - source</a:t>
+            </a:r>
+          </a:p>
+        </p:txBody>
+      </p:sp>
+      <p:sp>
+        <p:nvSpPr>
+          <p:cNvPr id="3" name="Content Placeholder 2">
+            <a:extLst>
+              <a:ext uri="{FF2B5EF4-FFF2-40B4-BE49-F238E27FC236}">
+                <a16:creationId xmlns:a16="http://schemas.microsoft.com/office/drawing/2014/main" id="{A4A05E17-F3B5-E9A9-B190-6ECF64EB0722}"/>
+              </a:ext>
+            </a:extLst>
+          </p:cNvPr>
+          <p:cNvSpPr>
+            <a:spLocks noGrp="1"/>
+          </p:cNvSpPr>
+          <p:nvPr>
+            <p:ph idx="1"/>
+          </p:nvPr>
+        </p:nvSpPr>
+        <p:spPr/>
+        <p:txBody>
+          <a:bodyPr/>
+          <a:lstStyle/>
+          <a:p>
+            <a:r>
+              <a:rPr kumimoji="0" lang="en-US" altLang="en-US" sz="2000" b="0" i="0" u="none" strike="noStrike" cap="none" normalizeH="0" baseline="0" dirty="0">
+                <a:ln>
+                  <a:noFill/>
+                </a:ln>
+                <a:solidFill>
+                  <a:srgbClr val="080808"/>
+                </a:solidFill>
+                <a:effectLst/>
+                <a:latin typeface="JetBrains Mono"/>
+                <a:hlinkClick r:id="rId2"/>
+              </a:rPr>
+              <a:t>https://</a:t>
+            </a:r>
+            <a:r>
+              <a:rPr kumimoji="0" lang="en-US" altLang="en-US" sz="2000" b="0" i="0" u="none" strike="noStrike" cap="none" normalizeH="0" baseline="0" dirty="0" err="1">
+                <a:ln>
+                  <a:noFill/>
+                </a:ln>
+                <a:solidFill>
+                  <a:srgbClr val="080808"/>
+                </a:solidFill>
+                <a:effectLst/>
+                <a:latin typeface="JetBrains Mono"/>
+                <a:hlinkClick r:id="rId2"/>
+              </a:rPr>
+              <a:t>github.com</a:t>
+            </a:r>
+            <a:r>
+              <a:rPr kumimoji="0" lang="en-US" altLang="en-US" sz="2000" b="0" i="0" u="none" strike="noStrike" cap="none" normalizeH="0" baseline="0" dirty="0">
+                <a:ln>
+                  <a:noFill/>
+                </a:ln>
+                <a:solidFill>
+                  <a:srgbClr val="080808"/>
+                </a:solidFill>
+                <a:effectLst/>
+                <a:latin typeface="JetBrains Mono"/>
+                <a:hlinkClick r:id="rId2"/>
+              </a:rPr>
+              <a:t>/</a:t>
+            </a:r>
+            <a:r>
+              <a:rPr kumimoji="0" lang="en-US" altLang="en-US" sz="2000" b="0" i="0" u="none" strike="noStrike" cap="none" normalizeH="0" baseline="0" dirty="0" err="1">
+                <a:ln>
+                  <a:noFill/>
+                </a:ln>
+                <a:solidFill>
+                  <a:srgbClr val="080808"/>
+                </a:solidFill>
+                <a:effectLst/>
+                <a:latin typeface="JetBrains Mono"/>
+                <a:hlinkClick r:id="rId2"/>
+              </a:rPr>
+              <a:t>pulumi</a:t>
+            </a:r>
+            <a:r>
+              <a:rPr kumimoji="0" lang="en-US" altLang="en-US" sz="2000" b="0" i="0" u="none" strike="noStrike" cap="none" normalizeH="0" baseline="0" dirty="0">
+                <a:ln>
+                  <a:noFill/>
+                </a:ln>
+                <a:solidFill>
+                  <a:srgbClr val="080808"/>
+                </a:solidFill>
+                <a:effectLst/>
+                <a:latin typeface="JetBrains Mono"/>
+                <a:hlinkClick r:id="rId2"/>
+              </a:rPr>
+              <a:t>/examples</a:t>
+            </a:r>
+            <a:endParaRPr kumimoji="0" lang="en-US" altLang="en-US" sz="2000" b="0" i="0" u="none" strike="noStrike" cap="none" normalizeH="0" baseline="0" dirty="0">
+              <a:ln>
+                <a:noFill/>
+              </a:ln>
+              <a:solidFill>
+                <a:srgbClr val="080808"/>
+              </a:solidFill>
+              <a:effectLst/>
+              <a:latin typeface="JetBrains Mono"/>
+            </a:endParaRPr>
+          </a:p>
+          <a:p>
+            <a:r>
+              <a:rPr kumimoji="0" lang="en-US" altLang="en-US" sz="2000" b="0" i="0" u="none" strike="noStrike" cap="none" normalizeH="0" baseline="0" dirty="0">
+                <a:ln>
+                  <a:noFill/>
+                </a:ln>
+                <a:solidFill>
+                  <a:srgbClr val="080808"/>
+                </a:solidFill>
+                <a:effectLst/>
+                <a:latin typeface="JetBrains Mono"/>
+              </a:rPr>
+              <a:t>Around 320+ examples exists, for various Clouds and Various Languages</a:t>
+            </a:r>
+          </a:p>
+          <a:p>
+            <a:r>
+              <a:rPr kumimoji="0" lang="en-US" altLang="en-US" sz="2000" b="0" i="0" u="none" strike="noStrike" cap="none" normalizeH="0" baseline="0" dirty="0">
+                <a:ln>
+                  <a:noFill/>
+                </a:ln>
+                <a:solidFill>
+                  <a:srgbClr val="080808"/>
+                </a:solidFill>
+                <a:effectLst/>
+                <a:latin typeface="JetBrains Mono"/>
+              </a:rPr>
+              <a:t>Taken parts of the code modified enough for this demo, source of this modified code at </a:t>
+            </a:r>
+            <a:r>
+              <a:rPr kumimoji="0" lang="en-US" altLang="en-US" sz="2000" b="0" i="0" u="none" strike="noStrike" cap="none" normalizeH="0" baseline="0" dirty="0">
+                <a:ln>
+                  <a:noFill/>
+                </a:ln>
+                <a:solidFill>
+                  <a:srgbClr val="080808"/>
+                </a:solidFill>
+                <a:effectLst/>
+                <a:latin typeface="JetBrains Mono"/>
+                <a:hlinkClick r:id="rId3"/>
+              </a:rPr>
+              <a:t>https://</a:t>
+            </a:r>
+            <a:r>
+              <a:rPr kumimoji="0" lang="en-US" altLang="en-US" sz="2000" b="0" i="0" u="none" strike="noStrike" cap="none" normalizeH="0" baseline="0" dirty="0" err="1">
+                <a:ln>
+                  <a:noFill/>
+                </a:ln>
+                <a:solidFill>
+                  <a:srgbClr val="080808"/>
+                </a:solidFill>
+                <a:effectLst/>
+                <a:latin typeface="JetBrains Mono"/>
+                <a:hlinkClick r:id="rId3"/>
+              </a:rPr>
+              <a:t>github.com</a:t>
+            </a:r>
+            <a:r>
+              <a:rPr kumimoji="0" lang="en-US" altLang="en-US" sz="2000" b="0" i="0" u="none" strike="noStrike" cap="none" normalizeH="0" baseline="0" dirty="0">
+                <a:ln>
+                  <a:noFill/>
+                </a:ln>
+                <a:solidFill>
+                  <a:srgbClr val="080808"/>
+                </a:solidFill>
+                <a:effectLst/>
+                <a:latin typeface="JetBrains Mono"/>
+                <a:hlinkClick r:id="rId3"/>
+              </a:rPr>
+              <a:t>/nagkumar/</a:t>
+            </a:r>
+            <a:r>
+              <a:rPr kumimoji="0" lang="en-US" altLang="en-US" sz="2000" b="0" i="0" u="none" strike="noStrike" cap="none" normalizeH="0" baseline="0" dirty="0" err="1">
+                <a:ln>
+                  <a:noFill/>
+                </a:ln>
+                <a:solidFill>
+                  <a:srgbClr val="080808"/>
+                </a:solidFill>
+                <a:effectLst/>
+                <a:latin typeface="JetBrains Mono"/>
+                <a:hlinkClick r:id="rId3"/>
+              </a:rPr>
+              <a:t>pulumi</a:t>
+            </a:r>
+            <a:endParaRPr kumimoji="0" lang="en-US" altLang="en-US" sz="2000" b="0" i="0" u="none" strike="noStrike" cap="none" normalizeH="0" baseline="0" dirty="0">
+              <a:ln>
+                <a:noFill/>
+              </a:ln>
+              <a:solidFill>
+                <a:srgbClr val="080808"/>
+              </a:solidFill>
+              <a:effectLst/>
+              <a:latin typeface="JetBrains Mono"/>
+            </a:endParaRPr>
+          </a:p>
+          <a:p>
+            <a:br>
+              <a:rPr kumimoji="0" lang="en-US" altLang="en-US" sz="2000" b="0" i="0" u="none" strike="noStrike" cap="none" normalizeH="0" baseline="0" dirty="0">
+                <a:ln>
+                  <a:noFill/>
+                </a:ln>
+                <a:solidFill>
+                  <a:srgbClr val="080808"/>
+                </a:solidFill>
+                <a:effectLst/>
+                <a:latin typeface="JetBrains Mono"/>
+              </a:rPr>
+            </a:br>
+            <a:endParaRPr kumimoji="0" lang="en-US" altLang="en-US" sz="2000" b="0" i="0" u="none" strike="noStrike" cap="none" normalizeH="0" baseline="0" dirty="0">
+              <a:ln>
+                <a:noFill/>
+              </a:ln>
+              <a:solidFill>
+                <a:srgbClr val="080808"/>
+              </a:solidFill>
+              <a:effectLst/>
+              <a:latin typeface="JetBrains Mono"/>
+            </a:endParaRPr>
+          </a:p>
+          <a:p>
+            <a:endParaRPr kumimoji="0" lang="en-US" altLang="en-US" sz="4800" b="0" i="0" u="none" strike="noStrike" cap="none" normalizeH="0" baseline="0" dirty="0">
+              <a:ln>
+                <a:noFill/>
+              </a:ln>
+              <a:solidFill>
+                <a:schemeClr val="tx1"/>
+              </a:solidFill>
+              <a:effectLst/>
+              <a:latin typeface="Arial" panose="020B0604020202020204" pitchFamily="34" charset="0"/>
+            </a:endParaRPr>
+          </a:p>
+          <a:p>
+            <a:endParaRPr lang="en-IN" dirty="0"/>
+          </a:p>
+        </p:txBody>
+      </p:sp>
+    </p:spTree>
+    <p:extLst>
+      <p:ext uri="{BB962C8B-B14F-4D97-AF65-F5344CB8AC3E}">
+        <p14:creationId xmlns:p14="http://schemas.microsoft.com/office/powerpoint/2010/main" val="196286855"/>
+      </p:ext>
+    </p:extLst>
+  </p:cSld>
+  <p:clrMapOvr>
+    <a:masterClrMapping/>
+  </p:clrMapOvr>
+</p:sld>
+</file>
+
 <file path=ppt/slides/slide31.xml><?xml version="1.0" encoding="utf-8"?>
 <p:sld xmlns:a="http://schemas.openxmlformats.org/drawingml/2006/main" xmlns:r="http://schemas.openxmlformats.org/officeDocument/2006/relationships" xmlns:p="http://schemas.openxmlformats.org/presentationml/2006/main">
   <p:cSld>
@@ -11364,8 +11575,12 @@
           <a:lstStyle/>
           <a:p>
             <a:r>
+              <a:rPr lang="en-IN" dirty="0" err="1"/>
+              <a:t>Hw</a:t>
+            </a:r>
+            <a:r>
               <a:rPr lang="en-IN" dirty="0"/>
-              <a:t>Example AWS </a:t>
+              <a:t> - AWS </a:t>
             </a:r>
             <a:r>
               <a:rPr lang="en-IN" dirty="0" err="1"/>
@@ -11976,8 +12191,12 @@
           <a:lstStyle/>
           <a:p>
             <a:r>
+              <a:rPr lang="en-IN" dirty="0" err="1"/>
+              <a:t>Hw</a:t>
+            </a:r>
+            <a:r>
               <a:rPr lang="en-IN" dirty="0"/>
-              <a:t>Example Azure storage - java</a:t>
+              <a:t> - Azure storage - java</a:t>
             </a:r>
           </a:p>
         </p:txBody>
@@ -15328,10 +15547,82 @@
             <a:endParaRPr lang="en-US" dirty="0"/>
           </a:p>
           <a:p>
+            <a:r>
+              <a:rPr lang="en-US" dirty="0"/>
+              <a:t>No need to issue Pulumi Up</a:t>
+            </a:r>
+          </a:p>
+          <a:p>
+            <a:r>
+              <a:rPr lang="en-US" dirty="0"/>
+              <a:t>Test Summary – </a:t>
+            </a:r>
+            <a:r>
+              <a:rPr lang="en-US" dirty="0">
+                <a:solidFill>
+                  <a:srgbClr val="FF0000"/>
+                </a:solidFill>
+              </a:rPr>
+              <a:t>it does </a:t>
+            </a:r>
+            <a:r>
+              <a:rPr lang="en-US" dirty="0" err="1">
+                <a:solidFill>
+                  <a:srgbClr val="FF0000"/>
+                </a:solidFill>
+              </a:rPr>
+              <a:t>xyz</a:t>
+            </a:r>
+            <a:r>
+              <a:rPr lang="en-US" dirty="0">
+                <a:solidFill>
+                  <a:srgbClr val="FF0000"/>
+                </a:solidFill>
+              </a:rPr>
+              <a:t>?</a:t>
+            </a:r>
+          </a:p>
+          <a:p>
+            <a:r>
+              <a:rPr lang="en-US" dirty="0"/>
+              <a:t>go test</a:t>
+            </a:r>
+          </a:p>
+          <a:p>
             <a:endParaRPr lang="en-IN" dirty="0"/>
           </a:p>
         </p:txBody>
       </p:sp>
+      <p:pic>
+        <p:nvPicPr>
+          <p:cNvPr id="5" name="Picture 4">
+            <a:extLst>
+              <a:ext uri="{FF2B5EF4-FFF2-40B4-BE49-F238E27FC236}">
+                <a16:creationId xmlns:a16="http://schemas.microsoft.com/office/drawing/2014/main" id="{14A56846-11B0-E7F6-8077-949EE65C54A8}"/>
+              </a:ext>
+            </a:extLst>
+          </p:cNvPr>
+          <p:cNvPicPr>
+            <a:picLocks noChangeAspect="1"/>
+          </p:cNvPicPr>
+          <p:nvPr/>
+        </p:nvPicPr>
+        <p:blipFill>
+          <a:blip r:embed="rId2"/>
+          <a:stretch>
+            <a:fillRect/>
+          </a:stretch>
+        </p:blipFill>
+        <p:spPr>
+          <a:xfrm>
+            <a:off x="2489567" y="3350395"/>
+            <a:ext cx="7735380" cy="1324160"/>
+          </a:xfrm>
+          <a:prstGeom prst="rect">
+            <a:avLst/>
+          </a:prstGeom>
+        </p:spPr>
+      </p:pic>
     </p:spTree>
     <p:extLst>
       <p:ext uri="{BB962C8B-B14F-4D97-AF65-F5344CB8AC3E}">
@@ -15378,9 +15669,16 @@
             <p:ph type="title"/>
           </p:nvPr>
         </p:nvSpPr>
-        <p:spPr/>
+        <p:spPr>
+          <a:xfrm>
+            <a:off x="-9144" y="3483"/>
+            <a:ext cx="11128248" cy="682317"/>
+          </a:xfrm>
+        </p:spPr>
         <p:txBody>
-          <a:bodyPr/>
+          <a:bodyPr>
+            <a:normAutofit fontScale="90000"/>
+          </a:bodyPr>
           <a:lstStyle/>
           <a:p>
             <a:r>
@@ -15416,10 +15714,15 @@
             <a:spLocks noGrp="1"/>
           </p:cNvSpPr>
           <p:nvPr>
-            <p:ph idx="1"/>
+            <p:ph sz="half" idx="1"/>
           </p:nvPr>
         </p:nvSpPr>
-        <p:spPr/>
+        <p:spPr>
+          <a:xfrm>
+            <a:off x="0" y="685800"/>
+            <a:ext cx="7184571" cy="5486400"/>
+          </a:xfrm>
+        </p:spPr>
         <p:txBody>
           <a:bodyPr/>
           <a:lstStyle/>
@@ -15494,8 +15797,47 @@
               <a:rPr lang="en-IN" dirty="0" err="1">
                 <a:hlinkClick r:id="rId2"/>
               </a:rPr>
+              <a:t>aeks</a:t>
+            </a:r>
+            <a:endParaRPr lang="en-IN" dirty="0"/>
+          </a:p>
+          <a:p>
+            <a:r>
+              <a:rPr lang="en-IN" dirty="0">
+                <a:hlinkClick r:id="rId3"/>
+              </a:rPr>
+              <a:t>https://</a:t>
+            </a:r>
+            <a:r>
+              <a:rPr lang="en-IN" dirty="0" err="1">
+                <a:hlinkClick r:id="rId3"/>
+              </a:rPr>
+              <a:t>app.pulumi.com</a:t>
+            </a:r>
+            <a:r>
+              <a:rPr lang="en-IN" dirty="0">
+                <a:hlinkClick r:id="rId3"/>
+              </a:rPr>
+              <a:t>/nagkumar/</a:t>
+            </a:r>
+            <a:r>
+              <a:rPr lang="en-IN" dirty="0" err="1">
+                <a:hlinkClick r:id="rId3"/>
+              </a:rPr>
               <a:t>eks</a:t>
             </a:r>
+            <a:r>
+              <a:rPr lang="en-IN" dirty="0">
+                <a:hlinkClick r:id="rId3"/>
+              </a:rPr>
+              <a:t>/dev/updates/1</a:t>
+            </a:r>
+            <a:endParaRPr lang="en-IN" dirty="0"/>
+          </a:p>
+          <a:p>
+            <a:endParaRPr lang="en-IN" dirty="0"/>
+          </a:p>
+          <a:p>
             <a:endParaRPr lang="en-IN" dirty="0"/>
           </a:p>
         </p:txBody>
@@ -15515,15 +15857,45 @@
           <p:nvPr/>
         </p:nvPicPr>
         <p:blipFill>
-          <a:blip r:embed="rId3"/>
+          <a:blip r:embed="rId4"/>
           <a:stretch>
             <a:fillRect/>
           </a:stretch>
         </p:blipFill>
         <p:spPr>
           <a:xfrm>
-            <a:off x="5555539" y="2772501"/>
+            <a:off x="7287238" y="0"/>
             <a:ext cx="4904762" cy="3522925"/>
+          </a:xfrm>
+          <a:prstGeom prst="rect">
+            <a:avLst/>
+          </a:prstGeom>
+        </p:spPr>
+      </p:pic>
+      <p:pic>
+        <p:nvPicPr>
+          <p:cNvPr id="6" name="Picture 5">
+            <a:extLst>
+              <a:ext uri="{FF2B5EF4-FFF2-40B4-BE49-F238E27FC236}">
+                <a16:creationId xmlns:a16="http://schemas.microsoft.com/office/drawing/2014/main" id="{B8E4E988-BB3A-566D-1EEA-FC45F30D32F1}"/>
+              </a:ext>
+            </a:extLst>
+          </p:cNvPr>
+          <p:cNvPicPr>
+            <a:picLocks noChangeAspect="1"/>
+          </p:cNvPicPr>
+          <p:nvPr/>
+        </p:nvPicPr>
+        <p:blipFill>
+          <a:blip r:embed="rId5"/>
+          <a:stretch>
+            <a:fillRect/>
+          </a:stretch>
+        </p:blipFill>
+        <p:spPr>
+          <a:xfrm>
+            <a:off x="-9144" y="3601126"/>
+            <a:ext cx="12192000" cy="3253391"/>
           </a:xfrm>
           <a:prstGeom prst="rect">
             <a:avLst/>
@@ -15735,7 +16107,12 @@
             <p:ph idx="1"/>
           </p:nvPr>
         </p:nvSpPr>
-        <p:spPr/>
+        <p:spPr>
+          <a:xfrm>
+            <a:off x="0" y="989814"/>
+            <a:ext cx="6566263" cy="5182386"/>
+          </a:xfrm>
+        </p:spPr>
         <p:txBody>
           <a:bodyPr/>
           <a:lstStyle/>
@@ -15802,8 +16179,245 @@
             </a:r>
             <a:endParaRPr lang="en-IN" dirty="0"/>
           </a:p>
+          <a:p>
+            <a:r>
+              <a:rPr lang="en-IN" dirty="0">
+                <a:hlinkClick r:id="rId3"/>
+              </a:rPr>
+              <a:t>https://</a:t>
+            </a:r>
+            <a:r>
+              <a:rPr lang="en-IN" dirty="0" err="1">
+                <a:hlinkClick r:id="rId3"/>
+              </a:rPr>
+              <a:t>console.cloud.google.com</a:t>
+            </a:r>
+            <a:r>
+              <a:rPr lang="en-IN" dirty="0">
+                <a:hlinkClick r:id="rId3"/>
+              </a:rPr>
+              <a:t>/</a:t>
+            </a:r>
+            <a:r>
+              <a:rPr lang="en-IN" dirty="0" err="1">
+                <a:hlinkClick r:id="rId3"/>
+              </a:rPr>
+              <a:t>kubernetes</a:t>
+            </a:r>
+            <a:r>
+              <a:rPr lang="en-IN" dirty="0">
+                <a:hlinkClick r:id="rId3"/>
+              </a:rPr>
+              <a:t>/list/</a:t>
+            </a:r>
+            <a:r>
+              <a:rPr lang="en-IN" dirty="0" err="1">
+                <a:hlinkClick r:id="rId3"/>
+              </a:rPr>
+              <a:t>overview?referrer</a:t>
+            </a:r>
+            <a:r>
+              <a:rPr lang="en-IN" dirty="0">
+                <a:hlinkClick r:id="rId3"/>
+              </a:rPr>
+              <a:t>=</a:t>
+            </a:r>
+            <a:r>
+              <a:rPr lang="en-IN" dirty="0" err="1">
+                <a:hlinkClick r:id="rId3"/>
+              </a:rPr>
+              <a:t>search&amp;project</a:t>
+            </a:r>
+            <a:r>
+              <a:rPr lang="en-IN" dirty="0">
+                <a:hlinkClick r:id="rId3"/>
+              </a:rPr>
+              <a:t>=</a:t>
+            </a:r>
+            <a:r>
+              <a:rPr lang="en-IN" dirty="0" err="1">
+                <a:hlinkClick r:id="rId3"/>
+              </a:rPr>
+              <a:t>testgcp</a:t>
+            </a:r>
+            <a:r>
+              <a:rPr lang="en-IN" dirty="0">
+                <a:hlinkClick r:id="rId3"/>
+              </a:rPr>
+              <a:t>-360409</a:t>
+            </a:r>
+            <a:endParaRPr lang="en-IN" dirty="0"/>
+          </a:p>
+          <a:p>
+            <a:r>
+              <a:rPr lang="en-IN" dirty="0">
+                <a:hlinkClick r:id="rId4"/>
+              </a:rPr>
+              <a:t>https://</a:t>
+            </a:r>
+            <a:r>
+              <a:rPr lang="en-IN" dirty="0" err="1">
+                <a:hlinkClick r:id="rId4"/>
+              </a:rPr>
+              <a:t>app.pulumi.com</a:t>
+            </a:r>
+            <a:r>
+              <a:rPr lang="en-IN" dirty="0">
+                <a:hlinkClick r:id="rId4"/>
+              </a:rPr>
+              <a:t>/nagkumar/gcp-java-</a:t>
+            </a:r>
+            <a:r>
+              <a:rPr lang="en-IN" dirty="0" err="1">
+                <a:hlinkClick r:id="rId4"/>
+              </a:rPr>
+              <a:t>gke</a:t>
+            </a:r>
+            <a:r>
+              <a:rPr lang="en-IN" dirty="0">
+                <a:hlinkClick r:id="rId4"/>
+              </a:rPr>
+              <a:t>-hello-world/dev/updates/7</a:t>
+            </a:r>
+            <a:r>
+              <a:rPr lang="en-IN" dirty="0"/>
+              <a:t> - PU</a:t>
+            </a:r>
+          </a:p>
+          <a:p>
+            <a:r>
+              <a:rPr lang="en-IN" dirty="0">
+                <a:hlinkClick r:id="rId5"/>
+              </a:rPr>
+              <a:t>https://</a:t>
+            </a:r>
+            <a:r>
+              <a:rPr lang="en-IN" dirty="0" err="1">
+                <a:hlinkClick r:id="rId5"/>
+              </a:rPr>
+              <a:t>app.pulumi.com</a:t>
+            </a:r>
+            <a:r>
+              <a:rPr lang="en-IN" dirty="0">
+                <a:hlinkClick r:id="rId5"/>
+              </a:rPr>
+              <a:t>/nagkumar/gcp-java-</a:t>
+            </a:r>
+            <a:r>
+              <a:rPr lang="en-IN" dirty="0" err="1">
+                <a:hlinkClick r:id="rId5"/>
+              </a:rPr>
+              <a:t>gke</a:t>
+            </a:r>
+            <a:r>
+              <a:rPr lang="en-IN" dirty="0">
+                <a:hlinkClick r:id="rId5"/>
+              </a:rPr>
+              <a:t>-hello-world/dev/updates/8</a:t>
+            </a:r>
+            <a:r>
+              <a:rPr lang="en-IN" dirty="0"/>
+              <a:t> - PD</a:t>
+            </a:r>
+          </a:p>
+          <a:p>
+            <a:endParaRPr lang="en-IN" dirty="0"/>
+          </a:p>
+          <a:p>
+            <a:endParaRPr lang="en-IN" dirty="0"/>
+          </a:p>
         </p:txBody>
       </p:sp>
+      <p:pic>
+        <p:nvPicPr>
+          <p:cNvPr id="5" name="Picture 4">
+            <a:extLst>
+              <a:ext uri="{FF2B5EF4-FFF2-40B4-BE49-F238E27FC236}">
+                <a16:creationId xmlns:a16="http://schemas.microsoft.com/office/drawing/2014/main" id="{0724F23C-ED6C-F9E3-CD76-599D1642E945}"/>
+              </a:ext>
+            </a:extLst>
+          </p:cNvPr>
+          <p:cNvPicPr>
+            <a:picLocks noChangeAspect="1"/>
+          </p:cNvPicPr>
+          <p:nvPr/>
+        </p:nvPicPr>
+        <p:blipFill>
+          <a:blip r:embed="rId6"/>
+          <a:stretch>
+            <a:fillRect/>
+          </a:stretch>
+        </p:blipFill>
+        <p:spPr>
+          <a:xfrm>
+            <a:off x="0" y="4019033"/>
+            <a:ext cx="12192000" cy="2669121"/>
+          </a:xfrm>
+          <a:prstGeom prst="rect">
+            <a:avLst/>
+          </a:prstGeom>
+        </p:spPr>
+      </p:pic>
+      <p:pic>
+        <p:nvPicPr>
+          <p:cNvPr id="7" name="Picture 6">
+            <a:extLst>
+              <a:ext uri="{FF2B5EF4-FFF2-40B4-BE49-F238E27FC236}">
+                <a16:creationId xmlns:a16="http://schemas.microsoft.com/office/drawing/2014/main" id="{841A01E0-3EC5-74A3-4DFE-3378C7F2385D}"/>
+              </a:ext>
+            </a:extLst>
+          </p:cNvPr>
+          <p:cNvPicPr>
+            <a:picLocks noChangeAspect="1"/>
+          </p:cNvPicPr>
+          <p:nvPr/>
+        </p:nvPicPr>
+        <p:blipFill>
+          <a:blip r:embed="rId7"/>
+          <a:stretch>
+            <a:fillRect/>
+          </a:stretch>
+        </p:blipFill>
+        <p:spPr>
+          <a:xfrm>
+            <a:off x="6961971" y="0"/>
+            <a:ext cx="5230029" cy="2118162"/>
+          </a:xfrm>
+          <a:prstGeom prst="rect">
+            <a:avLst/>
+          </a:prstGeom>
+        </p:spPr>
+      </p:pic>
+      <p:pic>
+        <p:nvPicPr>
+          <p:cNvPr id="9" name="Picture 8">
+            <a:extLst>
+              <a:ext uri="{FF2B5EF4-FFF2-40B4-BE49-F238E27FC236}">
+                <a16:creationId xmlns:a16="http://schemas.microsoft.com/office/drawing/2014/main" id="{7161FF29-396D-BFAB-85B9-14E7F841E743}"/>
+              </a:ext>
+            </a:extLst>
+          </p:cNvPr>
+          <p:cNvPicPr>
+            <a:picLocks noChangeAspect="1"/>
+          </p:cNvPicPr>
+          <p:nvPr/>
+        </p:nvPicPr>
+        <p:blipFill>
+          <a:blip r:embed="rId8"/>
+          <a:stretch>
+            <a:fillRect/>
+          </a:stretch>
+        </p:blipFill>
+        <p:spPr>
+          <a:xfrm>
+            <a:off x="7269898" y="2118162"/>
+            <a:ext cx="4922102" cy="2470245"/>
+          </a:xfrm>
+          <a:prstGeom prst="rect">
+            <a:avLst/>
+          </a:prstGeom>
+        </p:spPr>
+      </p:pic>
     </p:spTree>
     <p:extLst>
       <p:ext uri="{BB962C8B-B14F-4D97-AF65-F5344CB8AC3E}">
@@ -15818,6 +16432,253 @@
 </file>
 
 <file path=ppt/slides/slide41.xml><?xml version="1.0" encoding="utf-8"?>
+<p:sld xmlns:a="http://schemas.openxmlformats.org/drawingml/2006/main" xmlns:r="http://schemas.openxmlformats.org/officeDocument/2006/relationships" xmlns:p="http://schemas.openxmlformats.org/presentationml/2006/main">
+  <p:cSld>
+    <p:spTree>
+      <p:nvGrpSpPr>
+        <p:cNvPr id="1" name=""/>
+        <p:cNvGrpSpPr/>
+        <p:nvPr/>
+      </p:nvGrpSpPr>
+      <p:grpSpPr>
+        <a:xfrm>
+          <a:off x="0" y="0"/>
+          <a:ext cx="0" cy="0"/>
+          <a:chOff x="0" y="0"/>
+          <a:chExt cx="0" cy="0"/>
+        </a:xfrm>
+      </p:grpSpPr>
+      <p:sp>
+        <p:nvSpPr>
+          <p:cNvPr id="2" name="Title 1">
+            <a:extLst>
+              <a:ext uri="{FF2B5EF4-FFF2-40B4-BE49-F238E27FC236}">
+                <a16:creationId xmlns:a16="http://schemas.microsoft.com/office/drawing/2014/main" id="{EE1F2AC5-A95E-6E1D-5B51-D37E09E5E858}"/>
+              </a:ext>
+            </a:extLst>
+          </p:cNvPr>
+          <p:cNvSpPr>
+            <a:spLocks noGrp="1"/>
+          </p:cNvSpPr>
+          <p:nvPr>
+            <p:ph type="title"/>
+          </p:nvPr>
+        </p:nvSpPr>
+        <p:spPr/>
+        <p:txBody>
+          <a:bodyPr/>
+          <a:lstStyle/>
+          <a:p>
+            <a:r>
+              <a:rPr lang="en-IN" dirty="0"/>
+              <a:t>Logging</a:t>
+            </a:r>
+          </a:p>
+        </p:txBody>
+      </p:sp>
+      <p:sp>
+        <p:nvSpPr>
+          <p:cNvPr id="3" name="Content Placeholder 2">
+            <a:extLst>
+              <a:ext uri="{FF2B5EF4-FFF2-40B4-BE49-F238E27FC236}">
+                <a16:creationId xmlns:a16="http://schemas.microsoft.com/office/drawing/2014/main" id="{17ABCD4C-62B3-ED0C-61E4-CE60D0A8AEC1}"/>
+              </a:ext>
+            </a:extLst>
+          </p:cNvPr>
+          <p:cNvSpPr>
+            <a:spLocks noGrp="1"/>
+          </p:cNvSpPr>
+          <p:nvPr>
+            <p:ph idx="1"/>
+          </p:nvPr>
+        </p:nvSpPr>
+        <p:spPr/>
+        <p:txBody>
+          <a:bodyPr/>
+          <a:lstStyle/>
+          <a:p>
+            <a:r>
+              <a:rPr lang="en-IN" dirty="0"/>
+              <a:t>G:\</a:t>
+            </a:r>
+            <a:r>
+              <a:rPr lang="en-IN" dirty="0" err="1"/>
+              <a:t>DWork</a:t>
+            </a:r>
+            <a:r>
+              <a:rPr lang="en-IN" dirty="0"/>
+              <a:t>\</a:t>
+            </a:r>
+            <a:r>
+              <a:rPr lang="en-IN" dirty="0" err="1"/>
+              <a:t>osource</a:t>
+            </a:r>
+            <a:r>
+              <a:rPr lang="en-IN" dirty="0"/>
+              <a:t>\</a:t>
+            </a:r>
+            <a:r>
+              <a:rPr lang="en-IN" dirty="0" err="1"/>
+              <a:t>cloudc</a:t>
+            </a:r>
+            <a:r>
+              <a:rPr lang="en-IN" dirty="0"/>
+              <a:t>\</a:t>
+            </a:r>
+            <a:r>
+              <a:rPr lang="en-IN" dirty="0" err="1"/>
+              <a:t>devops</a:t>
+            </a:r>
+            <a:r>
+              <a:rPr lang="en-IN" dirty="0"/>
+              <a:t>\pulumi\java\</a:t>
+            </a:r>
+            <a:r>
+              <a:rPr lang="en-IN" dirty="0" err="1"/>
+              <a:t>aws</a:t>
+            </a:r>
+            <a:r>
+              <a:rPr lang="en-IN" dirty="0"/>
+              <a:t>\</a:t>
+            </a:r>
+            <a:r>
+              <a:rPr lang="en-IN" dirty="0" err="1"/>
+              <a:t>logs_cfg</a:t>
+            </a:r>
+            <a:endParaRPr lang="en-IN" dirty="0"/>
+          </a:p>
+          <a:p>
+            <a:endParaRPr lang="en-IN" dirty="0"/>
+          </a:p>
+        </p:txBody>
+      </p:sp>
+      <p:pic>
+        <p:nvPicPr>
+          <p:cNvPr id="5" name="Picture 4">
+            <a:extLst>
+              <a:ext uri="{FF2B5EF4-FFF2-40B4-BE49-F238E27FC236}">
+                <a16:creationId xmlns:a16="http://schemas.microsoft.com/office/drawing/2014/main" id="{E2E1D35C-02FA-0AFF-2A61-C9AC9C7CCD75}"/>
+              </a:ext>
+            </a:extLst>
+          </p:cNvPr>
+          <p:cNvPicPr>
+            <a:picLocks noChangeAspect="1"/>
+          </p:cNvPicPr>
+          <p:nvPr/>
+        </p:nvPicPr>
+        <p:blipFill>
+          <a:blip r:embed="rId2"/>
+          <a:stretch>
+            <a:fillRect/>
+          </a:stretch>
+        </p:blipFill>
+        <p:spPr>
+          <a:xfrm>
+            <a:off x="9372206" y="989814"/>
+            <a:ext cx="2819794" cy="1305107"/>
+          </a:xfrm>
+          <a:prstGeom prst="rect">
+            <a:avLst/>
+          </a:prstGeom>
+        </p:spPr>
+      </p:pic>
+    </p:spTree>
+    <p:extLst>
+      <p:ext uri="{BB962C8B-B14F-4D97-AF65-F5344CB8AC3E}">
+        <p14:creationId xmlns:p14="http://schemas.microsoft.com/office/powerpoint/2010/main" val="2688637327"/>
+      </p:ext>
+    </p:extLst>
+  </p:cSld>
+  <p:clrMapOvr>
+    <a:masterClrMapping/>
+  </p:clrMapOvr>
+</p:sld>
+</file>
+
+<file path=ppt/slides/slide42.xml><?xml version="1.0" encoding="utf-8"?>
+<p:sld xmlns:a="http://schemas.openxmlformats.org/drawingml/2006/main" xmlns:r="http://schemas.openxmlformats.org/officeDocument/2006/relationships" xmlns:p="http://schemas.openxmlformats.org/presentationml/2006/main">
+  <p:cSld>
+    <p:spTree>
+      <p:nvGrpSpPr>
+        <p:cNvPr id="1" name=""/>
+        <p:cNvGrpSpPr/>
+        <p:nvPr/>
+      </p:nvGrpSpPr>
+      <p:grpSpPr>
+        <a:xfrm>
+          <a:off x="0" y="0"/>
+          <a:ext cx="0" cy="0"/>
+          <a:chOff x="0" y="0"/>
+          <a:chExt cx="0" cy="0"/>
+        </a:xfrm>
+      </p:grpSpPr>
+      <p:sp>
+        <p:nvSpPr>
+          <p:cNvPr id="2" name="Title 1">
+            <a:extLst>
+              <a:ext uri="{FF2B5EF4-FFF2-40B4-BE49-F238E27FC236}">
+                <a16:creationId xmlns:a16="http://schemas.microsoft.com/office/drawing/2014/main" id="{0E965AE5-A27F-AE28-17B3-8B6745049911}"/>
+              </a:ext>
+            </a:extLst>
+          </p:cNvPr>
+          <p:cNvSpPr>
+            <a:spLocks noGrp="1"/>
+          </p:cNvSpPr>
+          <p:nvPr>
+            <p:ph type="title"/>
+          </p:nvPr>
+        </p:nvSpPr>
+        <p:spPr/>
+        <p:txBody>
+          <a:bodyPr/>
+          <a:lstStyle/>
+          <a:p>
+            <a:r>
+              <a:rPr lang="en-IN" dirty="0"/>
+              <a:t>Example docker</a:t>
+            </a:r>
+          </a:p>
+        </p:txBody>
+      </p:sp>
+      <p:sp>
+        <p:nvSpPr>
+          <p:cNvPr id="3" name="Content Placeholder 2">
+            <a:extLst>
+              <a:ext uri="{FF2B5EF4-FFF2-40B4-BE49-F238E27FC236}">
+                <a16:creationId xmlns:a16="http://schemas.microsoft.com/office/drawing/2014/main" id="{18CBC16E-2EC5-804E-DA40-EB993F9843F4}"/>
+              </a:ext>
+            </a:extLst>
+          </p:cNvPr>
+          <p:cNvSpPr>
+            <a:spLocks noGrp="1"/>
+          </p:cNvSpPr>
+          <p:nvPr>
+            <p:ph idx="1"/>
+          </p:nvPr>
+        </p:nvSpPr>
+        <p:spPr/>
+        <p:txBody>
+          <a:bodyPr/>
+          <a:lstStyle/>
+          <a:p>
+            <a:endParaRPr lang="en-IN"/>
+          </a:p>
+        </p:txBody>
+      </p:sp>
+    </p:spTree>
+    <p:extLst>
+      <p:ext uri="{BB962C8B-B14F-4D97-AF65-F5344CB8AC3E}">
+        <p14:creationId xmlns:p14="http://schemas.microsoft.com/office/powerpoint/2010/main" val="2431210123"/>
+      </p:ext>
+    </p:extLst>
+  </p:cSld>
+  <p:clrMapOvr>
+    <a:masterClrMapping/>
+  </p:clrMapOvr>
+</p:sld>
+</file>
+
+<file path=ppt/slides/slide43.xml><?xml version="1.0" encoding="utf-8"?>
 <p:sld xmlns:a="http://schemas.openxmlformats.org/drawingml/2006/main" xmlns:r="http://schemas.openxmlformats.org/officeDocument/2006/relationships" xmlns:p="http://schemas.openxmlformats.org/presentationml/2006/main">
   <p:cSld>
     <p:spTree>
@@ -15897,7 +16758,7 @@
 </p:sld>
 </file>
 
-<file path=ppt/slides/slide42.xml><?xml version="1.0" encoding="utf-8"?>
+<file path=ppt/slides/slide44.xml><?xml version="1.0" encoding="utf-8"?>
 <p:sld xmlns:a="http://schemas.openxmlformats.org/drawingml/2006/main" xmlns:r="http://schemas.openxmlformats.org/officeDocument/2006/relationships" xmlns:p="http://schemas.openxmlformats.org/presentationml/2006/main">
   <p:cSld>
     <p:spTree>
@@ -15977,7 +16838,7 @@
 </p:sld>
 </file>
 
-<file path=ppt/slides/slide43.xml><?xml version="1.0" encoding="utf-8"?>
+<file path=ppt/slides/slide45.xml><?xml version="1.0" encoding="utf-8"?>
 <p:sld xmlns:a="http://schemas.openxmlformats.org/drawingml/2006/main" xmlns:r="http://schemas.openxmlformats.org/officeDocument/2006/relationships" xmlns:p="http://schemas.openxmlformats.org/presentationml/2006/main">
   <p:cSld>
     <p:spTree>
@@ -16057,7 +16918,7 @@
 </p:sld>
 </file>
 
-<file path=ppt/slides/slide44.xml><?xml version="1.0" encoding="utf-8"?>
+<file path=ppt/slides/slide46.xml><?xml version="1.0" encoding="utf-8"?>
 <p:sld xmlns:a="http://schemas.openxmlformats.org/drawingml/2006/main" xmlns:r="http://schemas.openxmlformats.org/officeDocument/2006/relationships" xmlns:p="http://schemas.openxmlformats.org/presentationml/2006/main">
   <p:cSld>
     <p:spTree>
@@ -16147,7 +17008,7 @@
 </p:sld>
 </file>
 
-<file path=ppt/slides/slide45.xml><?xml version="1.0" encoding="utf-8"?>
+<file path=ppt/slides/slide47.xml><?xml version="1.0" encoding="utf-8"?>
 <p:sld xmlns:a="http://schemas.openxmlformats.org/drawingml/2006/main" xmlns:r="http://schemas.openxmlformats.org/officeDocument/2006/relationships" xmlns:p="http://schemas.openxmlformats.org/presentationml/2006/main">
   <p:cSld>
     <p:spTree>
@@ -16239,7 +17100,7 @@
 </p:sld>
 </file>
 
-<file path=ppt/slides/slide46.xml><?xml version="1.0" encoding="utf-8"?>
+<file path=ppt/slides/slide48.xml><?xml version="1.0" encoding="utf-8"?>
 <p:sld xmlns:a="http://schemas.openxmlformats.org/drawingml/2006/main" xmlns:r="http://schemas.openxmlformats.org/officeDocument/2006/relationships" xmlns:p="http://schemas.openxmlformats.org/presentationml/2006/main">
   <p:cSld>
     <p:spTree>
@@ -16359,7 +17220,7 @@
 </p:sld>
 </file>
 
-<file path=ppt/slides/slide47.xml><?xml version="1.0" encoding="utf-8"?>
+<file path=ppt/slides/slide49.xml><?xml version="1.0" encoding="utf-8"?>
 <p:sld xmlns:a="http://schemas.openxmlformats.org/drawingml/2006/main" xmlns:r="http://schemas.openxmlformats.org/officeDocument/2006/relationships" xmlns:p="http://schemas.openxmlformats.org/presentationml/2006/main">
   <p:cSld>
     <p:spTree>
@@ -16515,205 +17376,6 @@
 </p:sld>
 </file>
 
-<file path=ppt/slides/slide48.xml><?xml version="1.0" encoding="utf-8"?>
-<p:sld xmlns:a="http://schemas.openxmlformats.org/drawingml/2006/main" xmlns:r="http://schemas.openxmlformats.org/officeDocument/2006/relationships" xmlns:p="http://schemas.openxmlformats.org/presentationml/2006/main">
-  <p:cSld>
-    <p:spTree>
-      <p:nvGrpSpPr>
-        <p:cNvPr id="1" name=""/>
-        <p:cNvGrpSpPr/>
-        <p:nvPr/>
-      </p:nvGrpSpPr>
-      <p:grpSpPr>
-        <a:xfrm>
-          <a:off x="0" y="0"/>
-          <a:ext cx="0" cy="0"/>
-          <a:chOff x="0" y="0"/>
-          <a:chExt cx="0" cy="0"/>
-        </a:xfrm>
-      </p:grpSpPr>
-      <p:sp>
-        <p:nvSpPr>
-          <p:cNvPr id="2" name="Title 1">
-            <a:extLst>
-              <a:ext uri="{FF2B5EF4-FFF2-40B4-BE49-F238E27FC236}">
-                <a16:creationId xmlns:a16="http://schemas.microsoft.com/office/drawing/2014/main" id="{FFF69E81-EA4E-C0AB-F7C4-54F32D2D163D}"/>
-              </a:ext>
-            </a:extLst>
-          </p:cNvPr>
-          <p:cNvSpPr>
-            <a:spLocks noGrp="1"/>
-          </p:cNvSpPr>
-          <p:nvPr>
-            <p:ph type="title"/>
-          </p:nvPr>
-        </p:nvSpPr>
-        <p:spPr/>
-        <p:txBody>
-          <a:bodyPr>
-            <a:normAutofit/>
-          </a:bodyPr>
-          <a:lstStyle/>
-          <a:p>
-            <a:pPr algn="l"/>
-            <a:r>
-              <a:rPr lang="en-IN" dirty="0"/>
-              <a:t>In-line code -Function Serialization</a:t>
-            </a:r>
-          </a:p>
-        </p:txBody>
-      </p:sp>
-      <p:sp>
-        <p:nvSpPr>
-          <p:cNvPr id="3" name="Content Placeholder 2">
-            <a:extLst>
-              <a:ext uri="{FF2B5EF4-FFF2-40B4-BE49-F238E27FC236}">
-                <a16:creationId xmlns:a16="http://schemas.microsoft.com/office/drawing/2014/main" id="{9F7838D8-013F-93A9-F7BF-F8B3C13687D8}"/>
-              </a:ext>
-            </a:extLst>
-          </p:cNvPr>
-          <p:cNvSpPr>
-            <a:spLocks noGrp="1"/>
-          </p:cNvSpPr>
-          <p:nvPr>
-            <p:ph idx="1"/>
-          </p:nvPr>
-        </p:nvSpPr>
-        <p:spPr/>
-        <p:txBody>
-          <a:bodyPr/>
-          <a:lstStyle/>
-          <a:p>
-            <a:endParaRPr lang="en-IN" dirty="0"/>
-          </a:p>
-        </p:txBody>
-      </p:sp>
-      <p:pic>
-        <p:nvPicPr>
-          <p:cNvPr id="5" name="Picture 4">
-            <a:extLst>
-              <a:ext uri="{FF2B5EF4-FFF2-40B4-BE49-F238E27FC236}">
-                <a16:creationId xmlns:a16="http://schemas.microsoft.com/office/drawing/2014/main" id="{92E191B5-843A-9DA4-6E75-7F2CEE953411}"/>
-              </a:ext>
-            </a:extLst>
-          </p:cNvPr>
-          <p:cNvPicPr>
-            <a:picLocks noChangeAspect="1"/>
-          </p:cNvPicPr>
-          <p:nvPr/>
-        </p:nvPicPr>
-        <p:blipFill>
-          <a:blip r:embed="rId2"/>
-          <a:stretch>
-            <a:fillRect/>
-          </a:stretch>
-        </p:blipFill>
-        <p:spPr>
-          <a:xfrm>
-            <a:off x="1833080" y="2648558"/>
-            <a:ext cx="4972744" cy="1038370"/>
-          </a:xfrm>
-          <a:prstGeom prst="rect">
-            <a:avLst/>
-          </a:prstGeom>
-        </p:spPr>
-      </p:pic>
-    </p:spTree>
-    <p:extLst>
-      <p:ext uri="{BB962C8B-B14F-4D97-AF65-F5344CB8AC3E}">
-        <p14:creationId xmlns:p14="http://schemas.microsoft.com/office/powerpoint/2010/main" val="580939510"/>
-      </p:ext>
-    </p:extLst>
-  </p:cSld>
-  <p:clrMapOvr>
-    <a:masterClrMapping/>
-  </p:clrMapOvr>
-</p:sld>
-</file>
-
-<file path=ppt/slides/slide49.xml><?xml version="1.0" encoding="utf-8"?>
-<p:sld xmlns:a="http://schemas.openxmlformats.org/drawingml/2006/main" xmlns:r="http://schemas.openxmlformats.org/officeDocument/2006/relationships" xmlns:p="http://schemas.openxmlformats.org/presentationml/2006/main">
-  <p:cSld>
-    <p:spTree>
-      <p:nvGrpSpPr>
-        <p:cNvPr id="1" name=""/>
-        <p:cNvGrpSpPr/>
-        <p:nvPr/>
-      </p:nvGrpSpPr>
-      <p:grpSpPr>
-        <a:xfrm>
-          <a:off x="0" y="0"/>
-          <a:ext cx="0" cy="0"/>
-          <a:chOff x="0" y="0"/>
-          <a:chExt cx="0" cy="0"/>
-        </a:xfrm>
-      </p:grpSpPr>
-      <p:sp>
-        <p:nvSpPr>
-          <p:cNvPr id="2" name="Title 1">
-            <a:extLst>
-              <a:ext uri="{FF2B5EF4-FFF2-40B4-BE49-F238E27FC236}">
-                <a16:creationId xmlns:a16="http://schemas.microsoft.com/office/drawing/2014/main" id="{664A96F1-A4CC-7B5A-364C-62824A248893}"/>
-              </a:ext>
-            </a:extLst>
-          </p:cNvPr>
-          <p:cNvSpPr>
-            <a:spLocks noGrp="1"/>
-          </p:cNvSpPr>
-          <p:nvPr>
-            <p:ph type="title"/>
-          </p:nvPr>
-        </p:nvSpPr>
-        <p:spPr/>
-        <p:txBody>
-          <a:bodyPr/>
-          <a:lstStyle/>
-          <a:p>
-            <a:r>
-              <a:rPr lang="en-IN" dirty="0"/>
-              <a:t>Creating Docker images</a:t>
-            </a:r>
-          </a:p>
-        </p:txBody>
-      </p:sp>
-      <p:sp>
-        <p:nvSpPr>
-          <p:cNvPr id="3" name="Content Placeholder 2">
-            <a:extLst>
-              <a:ext uri="{FF2B5EF4-FFF2-40B4-BE49-F238E27FC236}">
-                <a16:creationId xmlns:a16="http://schemas.microsoft.com/office/drawing/2014/main" id="{7C2113BC-0DEC-1915-DB9E-CF9E049FEC2D}"/>
-              </a:ext>
-            </a:extLst>
-          </p:cNvPr>
-          <p:cNvSpPr>
-            <a:spLocks noGrp="1"/>
-          </p:cNvSpPr>
-          <p:nvPr>
-            <p:ph idx="1"/>
-          </p:nvPr>
-        </p:nvSpPr>
-        <p:spPr/>
-        <p:txBody>
-          <a:bodyPr/>
-          <a:lstStyle/>
-          <a:p>
-            <a:endParaRPr lang="en-IN" dirty="0"/>
-          </a:p>
-        </p:txBody>
-      </p:sp>
-    </p:spTree>
-    <p:extLst>
-      <p:ext uri="{BB962C8B-B14F-4D97-AF65-F5344CB8AC3E}">
-        <p14:creationId xmlns:p14="http://schemas.microsoft.com/office/powerpoint/2010/main" val="159416646"/>
-      </p:ext>
-    </p:extLst>
-  </p:cSld>
-  <p:clrMapOvr>
-    <a:masterClrMapping/>
-  </p:clrMapOvr>
-</p:sld>
-</file>
-
 <file path=ppt/slides/slide5.xml><?xml version="1.0" encoding="utf-8"?>
 <p:sld xmlns:a="http://schemas.openxmlformats.org/drawingml/2006/main" xmlns:r="http://schemas.openxmlformats.org/officeDocument/2006/relationships" xmlns:p="http://schemas.openxmlformats.org/presentationml/2006/main">
   <p:cSld>
@@ -16825,6 +17487,205 @@
           <p:cNvPr id="2" name="Title 1">
             <a:extLst>
               <a:ext uri="{FF2B5EF4-FFF2-40B4-BE49-F238E27FC236}">
+                <a16:creationId xmlns:a16="http://schemas.microsoft.com/office/drawing/2014/main" id="{FFF69E81-EA4E-C0AB-F7C4-54F32D2D163D}"/>
+              </a:ext>
+            </a:extLst>
+          </p:cNvPr>
+          <p:cNvSpPr>
+            <a:spLocks noGrp="1"/>
+          </p:cNvSpPr>
+          <p:nvPr>
+            <p:ph type="title"/>
+          </p:nvPr>
+        </p:nvSpPr>
+        <p:spPr/>
+        <p:txBody>
+          <a:bodyPr>
+            <a:normAutofit/>
+          </a:bodyPr>
+          <a:lstStyle/>
+          <a:p>
+            <a:pPr algn="l"/>
+            <a:r>
+              <a:rPr lang="en-IN" dirty="0"/>
+              <a:t>In-line code -Function Serialization</a:t>
+            </a:r>
+          </a:p>
+        </p:txBody>
+      </p:sp>
+      <p:sp>
+        <p:nvSpPr>
+          <p:cNvPr id="3" name="Content Placeholder 2">
+            <a:extLst>
+              <a:ext uri="{FF2B5EF4-FFF2-40B4-BE49-F238E27FC236}">
+                <a16:creationId xmlns:a16="http://schemas.microsoft.com/office/drawing/2014/main" id="{9F7838D8-013F-93A9-F7BF-F8B3C13687D8}"/>
+              </a:ext>
+            </a:extLst>
+          </p:cNvPr>
+          <p:cNvSpPr>
+            <a:spLocks noGrp="1"/>
+          </p:cNvSpPr>
+          <p:nvPr>
+            <p:ph idx="1"/>
+          </p:nvPr>
+        </p:nvSpPr>
+        <p:spPr/>
+        <p:txBody>
+          <a:bodyPr/>
+          <a:lstStyle/>
+          <a:p>
+            <a:endParaRPr lang="en-IN" dirty="0"/>
+          </a:p>
+        </p:txBody>
+      </p:sp>
+      <p:pic>
+        <p:nvPicPr>
+          <p:cNvPr id="5" name="Picture 4">
+            <a:extLst>
+              <a:ext uri="{FF2B5EF4-FFF2-40B4-BE49-F238E27FC236}">
+                <a16:creationId xmlns:a16="http://schemas.microsoft.com/office/drawing/2014/main" id="{92E191B5-843A-9DA4-6E75-7F2CEE953411}"/>
+              </a:ext>
+            </a:extLst>
+          </p:cNvPr>
+          <p:cNvPicPr>
+            <a:picLocks noChangeAspect="1"/>
+          </p:cNvPicPr>
+          <p:nvPr/>
+        </p:nvPicPr>
+        <p:blipFill>
+          <a:blip r:embed="rId2"/>
+          <a:stretch>
+            <a:fillRect/>
+          </a:stretch>
+        </p:blipFill>
+        <p:spPr>
+          <a:xfrm>
+            <a:off x="1833080" y="2648558"/>
+            <a:ext cx="4972744" cy="1038370"/>
+          </a:xfrm>
+          <a:prstGeom prst="rect">
+            <a:avLst/>
+          </a:prstGeom>
+        </p:spPr>
+      </p:pic>
+    </p:spTree>
+    <p:extLst>
+      <p:ext uri="{BB962C8B-B14F-4D97-AF65-F5344CB8AC3E}">
+        <p14:creationId xmlns:p14="http://schemas.microsoft.com/office/powerpoint/2010/main" val="580939510"/>
+      </p:ext>
+    </p:extLst>
+  </p:cSld>
+  <p:clrMapOvr>
+    <a:masterClrMapping/>
+  </p:clrMapOvr>
+</p:sld>
+</file>
+
+<file path=ppt/slides/slide51.xml><?xml version="1.0" encoding="utf-8"?>
+<p:sld xmlns:a="http://schemas.openxmlformats.org/drawingml/2006/main" xmlns:r="http://schemas.openxmlformats.org/officeDocument/2006/relationships" xmlns:p="http://schemas.openxmlformats.org/presentationml/2006/main">
+  <p:cSld>
+    <p:spTree>
+      <p:nvGrpSpPr>
+        <p:cNvPr id="1" name=""/>
+        <p:cNvGrpSpPr/>
+        <p:nvPr/>
+      </p:nvGrpSpPr>
+      <p:grpSpPr>
+        <a:xfrm>
+          <a:off x="0" y="0"/>
+          <a:ext cx="0" cy="0"/>
+          <a:chOff x="0" y="0"/>
+          <a:chExt cx="0" cy="0"/>
+        </a:xfrm>
+      </p:grpSpPr>
+      <p:sp>
+        <p:nvSpPr>
+          <p:cNvPr id="2" name="Title 1">
+            <a:extLst>
+              <a:ext uri="{FF2B5EF4-FFF2-40B4-BE49-F238E27FC236}">
+                <a16:creationId xmlns:a16="http://schemas.microsoft.com/office/drawing/2014/main" id="{664A96F1-A4CC-7B5A-364C-62824A248893}"/>
+              </a:ext>
+            </a:extLst>
+          </p:cNvPr>
+          <p:cNvSpPr>
+            <a:spLocks noGrp="1"/>
+          </p:cNvSpPr>
+          <p:nvPr>
+            <p:ph type="title"/>
+          </p:nvPr>
+        </p:nvSpPr>
+        <p:spPr/>
+        <p:txBody>
+          <a:bodyPr/>
+          <a:lstStyle/>
+          <a:p>
+            <a:r>
+              <a:rPr lang="en-IN" dirty="0"/>
+              <a:t>Creating Docker images</a:t>
+            </a:r>
+          </a:p>
+        </p:txBody>
+      </p:sp>
+      <p:sp>
+        <p:nvSpPr>
+          <p:cNvPr id="3" name="Content Placeholder 2">
+            <a:extLst>
+              <a:ext uri="{FF2B5EF4-FFF2-40B4-BE49-F238E27FC236}">
+                <a16:creationId xmlns:a16="http://schemas.microsoft.com/office/drawing/2014/main" id="{7C2113BC-0DEC-1915-DB9E-CF9E049FEC2D}"/>
+              </a:ext>
+            </a:extLst>
+          </p:cNvPr>
+          <p:cNvSpPr>
+            <a:spLocks noGrp="1"/>
+          </p:cNvSpPr>
+          <p:nvPr>
+            <p:ph idx="1"/>
+          </p:nvPr>
+        </p:nvSpPr>
+        <p:spPr/>
+        <p:txBody>
+          <a:bodyPr/>
+          <a:lstStyle/>
+          <a:p>
+            <a:endParaRPr lang="en-IN" dirty="0"/>
+          </a:p>
+        </p:txBody>
+      </p:sp>
+    </p:spTree>
+    <p:extLst>
+      <p:ext uri="{BB962C8B-B14F-4D97-AF65-F5344CB8AC3E}">
+        <p14:creationId xmlns:p14="http://schemas.microsoft.com/office/powerpoint/2010/main" val="159416646"/>
+      </p:ext>
+    </p:extLst>
+  </p:cSld>
+  <p:clrMapOvr>
+    <a:masterClrMapping/>
+  </p:clrMapOvr>
+</p:sld>
+</file>
+
+<file path=ppt/slides/slide52.xml><?xml version="1.0" encoding="utf-8"?>
+<p:sld xmlns:a="http://schemas.openxmlformats.org/drawingml/2006/main" xmlns:r="http://schemas.openxmlformats.org/officeDocument/2006/relationships" xmlns:p="http://schemas.openxmlformats.org/presentationml/2006/main">
+  <p:cSld>
+    <p:spTree>
+      <p:nvGrpSpPr>
+        <p:cNvPr id="1" name=""/>
+        <p:cNvGrpSpPr/>
+        <p:nvPr/>
+      </p:nvGrpSpPr>
+      <p:grpSpPr>
+        <a:xfrm>
+          <a:off x="0" y="0"/>
+          <a:ext cx="0" cy="0"/>
+          <a:chOff x="0" y="0"/>
+          <a:chExt cx="0" cy="0"/>
+        </a:xfrm>
+      </p:grpSpPr>
+      <p:sp>
+        <p:nvSpPr>
+          <p:cNvPr id="2" name="Title 1">
+            <a:extLst>
+              <a:ext uri="{FF2B5EF4-FFF2-40B4-BE49-F238E27FC236}">
                 <a16:creationId xmlns:a16="http://schemas.microsoft.com/office/drawing/2014/main" id="{52C7052D-0D2B-A363-FB2E-EFFC0E03C2A4}"/>
               </a:ext>
             </a:extLst>
@@ -16867,7 +17728,7 @@
 </p:sld>
 </file>
 
-<file path=ppt/slides/slide51.xml><?xml version="1.0" encoding="utf-8"?>
+<file path=ppt/slides/slide53.xml><?xml version="1.0" encoding="utf-8"?>
 <p:sld xmlns:a="http://schemas.openxmlformats.org/drawingml/2006/main" xmlns:r="http://schemas.openxmlformats.org/officeDocument/2006/relationships" xmlns:p="http://schemas.openxmlformats.org/presentationml/2006/main">
   <p:cSld>
     <p:spTree>
@@ -16960,7 +17821,7 @@
 </p:sld>
 </file>
 
-<file path=ppt/slides/slide52.xml><?xml version="1.0" encoding="utf-8"?>
+<file path=ppt/slides/slide54.xml><?xml version="1.0" encoding="utf-8"?>
 <p:sld xmlns:a="http://schemas.openxmlformats.org/drawingml/2006/main" xmlns:r="http://schemas.openxmlformats.org/officeDocument/2006/relationships" xmlns:p="http://schemas.openxmlformats.org/presentationml/2006/main">
   <p:cSld>
     <p:spTree>

--- a/docs/IaC_Devopedia_Sep_2022.pptx
+++ b/docs/IaC_Devopedia_Sep_2022.pptx
@@ -3522,7 +3522,7 @@
           <a:p>
             <a:fld id="{4567C160-2C30-4694-9FA0-F603C7AEC858}" type="datetimeFigureOut">
               <a:rPr lang="en-IN" smtClean="0"/>
-              <a:t>26-08-2022</a:t>
+              <a:t>29-08-2022</a:t>
             </a:fld>
             <a:endParaRPr lang="en-IN"/>
           </a:p>
@@ -3701,7 +3701,7 @@
           <a:p>
             <a:fld id="{4567C160-2C30-4694-9FA0-F603C7AEC858}" type="datetimeFigureOut">
               <a:rPr lang="en-IN" smtClean="0"/>
-              <a:t>26-08-2022</a:t>
+              <a:t>29-08-2022</a:t>
             </a:fld>
             <a:endParaRPr lang="en-IN"/>
           </a:p>
@@ -3881,7 +3881,7 @@
           <a:p>
             <a:fld id="{4567C160-2C30-4694-9FA0-F603C7AEC858}" type="datetimeFigureOut">
               <a:rPr lang="en-IN" smtClean="0"/>
-              <a:t>26-08-2022</a:t>
+              <a:t>29-08-2022</a:t>
             </a:fld>
             <a:endParaRPr lang="en-IN"/>
           </a:p>
@@ -4066,7 +4066,7 @@
           <a:p>
             <a:fld id="{4567C160-2C30-4694-9FA0-F603C7AEC858}" type="datetimeFigureOut">
               <a:rPr lang="en-IN" smtClean="0"/>
-              <a:t>26-08-2022</a:t>
+              <a:t>29-08-2022</a:t>
             </a:fld>
             <a:endParaRPr lang="en-IN"/>
           </a:p>
@@ -4379,7 +4379,7 @@
           <a:p>
             <a:fld id="{4567C160-2C30-4694-9FA0-F603C7AEC858}" type="datetimeFigureOut">
               <a:rPr lang="en-IN" smtClean="0"/>
-              <a:t>26-08-2022</a:t>
+              <a:t>29-08-2022</a:t>
             </a:fld>
             <a:endParaRPr lang="en-IN"/>
           </a:p>
@@ -4765,7 +4765,7 @@
           <a:p>
             <a:fld id="{4567C160-2C30-4694-9FA0-F603C7AEC858}" type="datetimeFigureOut">
               <a:rPr lang="en-IN" smtClean="0"/>
-              <a:t>26-08-2022</a:t>
+              <a:t>29-08-2022</a:t>
             </a:fld>
             <a:endParaRPr lang="en-IN"/>
           </a:p>
@@ -5199,7 +5199,7 @@
           <a:p>
             <a:fld id="{4567C160-2C30-4694-9FA0-F603C7AEC858}" type="datetimeFigureOut">
               <a:rPr lang="en-IN" smtClean="0"/>
-              <a:t>26-08-2022</a:t>
+              <a:t>29-08-2022</a:t>
             </a:fld>
             <a:endParaRPr lang="en-IN"/>
           </a:p>
@@ -5317,7 +5317,7 @@
           <a:p>
             <a:fld id="{4567C160-2C30-4694-9FA0-F603C7AEC858}" type="datetimeFigureOut">
               <a:rPr lang="en-IN" smtClean="0"/>
-              <a:t>26-08-2022</a:t>
+              <a:t>29-08-2022</a:t>
             </a:fld>
             <a:endParaRPr lang="en-IN"/>
           </a:p>
@@ -5412,7 +5412,7 @@
           <a:p>
             <a:fld id="{4567C160-2C30-4694-9FA0-F603C7AEC858}" type="datetimeFigureOut">
               <a:rPr lang="en-IN" smtClean="0"/>
-              <a:t>26-08-2022</a:t>
+              <a:t>29-08-2022</a:t>
             </a:fld>
             <a:endParaRPr lang="en-IN"/>
           </a:p>
@@ -5762,7 +5762,7 @@
           <a:p>
             <a:fld id="{4567C160-2C30-4694-9FA0-F603C7AEC858}" type="datetimeFigureOut">
               <a:rPr lang="en-IN" smtClean="0"/>
-              <a:t>26-08-2022</a:t>
+              <a:t>29-08-2022</a:t>
             </a:fld>
             <a:endParaRPr lang="en-IN"/>
           </a:p>
@@ -6187,7 +6187,7 @@
           <a:p>
             <a:fld id="{4567C160-2C30-4694-9FA0-F603C7AEC858}" type="datetimeFigureOut">
               <a:rPr lang="en-IN" smtClean="0"/>
-              <a:t>26-08-2022</a:t>
+              <a:t>29-08-2022</a:t>
             </a:fld>
             <a:endParaRPr lang="en-IN"/>
           </a:p>
@@ -6468,7 +6468,7 @@
           <a:p>
             <a:fld id="{4567C160-2C30-4694-9FA0-F603C7AEC858}" type="datetimeFigureOut">
               <a:rPr lang="en-IN" smtClean="0"/>
-              <a:t>26-08-2022</a:t>
+              <a:t>29-08-2022</a:t>
             </a:fld>
             <a:endParaRPr lang="en-IN"/>
           </a:p>
@@ -7845,8 +7845,8 @@
         </p:blipFill>
         <p:spPr bwMode="auto">
           <a:xfrm>
-            <a:off x="5022009" y="-52665"/>
-            <a:ext cx="7334250" cy="5000625"/>
+            <a:off x="3736586" y="2011680"/>
+            <a:ext cx="5416940" cy="3693368"/>
           </a:xfrm>
           <a:prstGeom prst="rect">
             <a:avLst/>
@@ -7892,7 +7892,7 @@
         </p:blipFill>
         <p:spPr bwMode="auto">
           <a:xfrm>
-            <a:off x="5022009" y="1200223"/>
+            <a:off x="7647182" y="0"/>
             <a:ext cx="4544818" cy="3033666"/>
           </a:xfrm>
           <a:prstGeom prst="rect">
@@ -7986,8 +7986,8 @@
         </p:blipFill>
         <p:spPr bwMode="auto">
           <a:xfrm>
-            <a:off x="5477910" y="1428750"/>
-            <a:ext cx="6810375" cy="5429250"/>
+            <a:off x="7336322" y="3117669"/>
+            <a:ext cx="4855678" cy="3870960"/>
           </a:xfrm>
           <a:prstGeom prst="rect">
             <a:avLst/>
@@ -16539,12 +16539,55 @@
             </a:r>
             <a:r>
               <a:rPr lang="en-IN" dirty="0"/>
-              <a:t>\</a:t>
-            </a:r>
-            <a:r>
-              <a:rPr lang="en-IN" dirty="0" err="1"/>
-              <a:t>logs_cfg</a:t>
-            </a:r>
+              <a:t>\logs</a:t>
+            </a:r>
+          </a:p>
+          <a:p>
+            <a:r>
+              <a:rPr lang="en-IN" dirty="0">
+                <a:hlinkClick r:id="rId2"/>
+              </a:rPr>
+              <a:t>https://</a:t>
+            </a:r>
+            <a:r>
+              <a:rPr lang="en-IN" dirty="0" err="1">
+                <a:hlinkClick r:id="rId2"/>
+              </a:rPr>
+              <a:t>app.pulumi.com</a:t>
+            </a:r>
+            <a:r>
+              <a:rPr lang="en-IN" dirty="0">
+                <a:hlinkClick r:id="rId2"/>
+              </a:rPr>
+              <a:t>/nagkumar/logs/dev/updates/1</a:t>
+            </a:r>
+            <a:endParaRPr lang="en-IN" dirty="0"/>
+          </a:p>
+          <a:p>
+            <a:r>
+              <a:rPr lang="en-IN" dirty="0">
+                <a:hlinkClick r:id="rId3"/>
+              </a:rPr>
+              <a:t>https://</a:t>
+            </a:r>
+            <a:r>
+              <a:rPr lang="en-IN" dirty="0" err="1">
+                <a:hlinkClick r:id="rId3"/>
+              </a:rPr>
+              <a:t>app.pulumi.com</a:t>
+            </a:r>
+            <a:r>
+              <a:rPr lang="en-IN" dirty="0">
+                <a:hlinkClick r:id="rId3"/>
+              </a:rPr>
+              <a:t>/nagkumar/logs/dev/updates/2</a:t>
+            </a:r>
+            <a:endParaRPr lang="en-IN" dirty="0"/>
+          </a:p>
+          <a:p>
+            <a:endParaRPr lang="en-IN" dirty="0"/>
+          </a:p>
+          <a:p>
             <a:endParaRPr lang="en-IN" dirty="0"/>
           </a:p>
           <a:p>
@@ -16567,14 +16610,14 @@
           <p:nvPr/>
         </p:nvPicPr>
         <p:blipFill>
-          <a:blip r:embed="rId2"/>
+          <a:blip r:embed="rId4"/>
           <a:stretch>
             <a:fillRect/>
           </a:stretch>
         </p:blipFill>
         <p:spPr>
           <a:xfrm>
-            <a:off x="9372206" y="989814"/>
+            <a:off x="8222675" y="2123893"/>
             <a:ext cx="2819794" cy="1305107"/>
           </a:xfrm>
           <a:prstGeom prst="rect">
@@ -18328,8 +18371,8 @@
         </p:blipFill>
         <p:spPr bwMode="auto">
           <a:xfrm>
-            <a:off x="9017308" y="374679"/>
-            <a:ext cx="2857500" cy="1600200"/>
+            <a:off x="9966696" y="913"/>
+            <a:ext cx="2225304" cy="1246170"/>
           </a:xfrm>
           <a:prstGeom prst="rect">
             <a:avLst/>

--- a/docs/IaC_Devopedia_Sep_2022.pptx
+++ b/docs/IaC_Devopedia_Sep_2022.pptx
@@ -3522,7 +3522,7 @@
           <a:p>
             <a:fld id="{4567C160-2C30-4694-9FA0-F603C7AEC858}" type="datetimeFigureOut">
               <a:rPr lang="en-IN" smtClean="0"/>
-              <a:t>29-08-2022</a:t>
+              <a:t>30-08-2022</a:t>
             </a:fld>
             <a:endParaRPr lang="en-IN"/>
           </a:p>
@@ -3701,7 +3701,7 @@
           <a:p>
             <a:fld id="{4567C160-2C30-4694-9FA0-F603C7AEC858}" type="datetimeFigureOut">
               <a:rPr lang="en-IN" smtClean="0"/>
-              <a:t>29-08-2022</a:t>
+              <a:t>30-08-2022</a:t>
             </a:fld>
             <a:endParaRPr lang="en-IN"/>
           </a:p>
@@ -3881,7 +3881,7 @@
           <a:p>
             <a:fld id="{4567C160-2C30-4694-9FA0-F603C7AEC858}" type="datetimeFigureOut">
               <a:rPr lang="en-IN" smtClean="0"/>
-              <a:t>29-08-2022</a:t>
+              <a:t>30-08-2022</a:t>
             </a:fld>
             <a:endParaRPr lang="en-IN"/>
           </a:p>
@@ -4066,7 +4066,7 @@
           <a:p>
             <a:fld id="{4567C160-2C30-4694-9FA0-F603C7AEC858}" type="datetimeFigureOut">
               <a:rPr lang="en-IN" smtClean="0"/>
-              <a:t>29-08-2022</a:t>
+              <a:t>30-08-2022</a:t>
             </a:fld>
             <a:endParaRPr lang="en-IN"/>
           </a:p>
@@ -4379,7 +4379,7 @@
           <a:p>
             <a:fld id="{4567C160-2C30-4694-9FA0-F603C7AEC858}" type="datetimeFigureOut">
               <a:rPr lang="en-IN" smtClean="0"/>
-              <a:t>29-08-2022</a:t>
+              <a:t>30-08-2022</a:t>
             </a:fld>
             <a:endParaRPr lang="en-IN"/>
           </a:p>
@@ -4765,7 +4765,7 @@
           <a:p>
             <a:fld id="{4567C160-2C30-4694-9FA0-F603C7AEC858}" type="datetimeFigureOut">
               <a:rPr lang="en-IN" smtClean="0"/>
-              <a:t>29-08-2022</a:t>
+              <a:t>30-08-2022</a:t>
             </a:fld>
             <a:endParaRPr lang="en-IN"/>
           </a:p>
@@ -5199,7 +5199,7 @@
           <a:p>
             <a:fld id="{4567C160-2C30-4694-9FA0-F603C7AEC858}" type="datetimeFigureOut">
               <a:rPr lang="en-IN" smtClean="0"/>
-              <a:t>29-08-2022</a:t>
+              <a:t>30-08-2022</a:t>
             </a:fld>
             <a:endParaRPr lang="en-IN"/>
           </a:p>
@@ -5317,7 +5317,7 @@
           <a:p>
             <a:fld id="{4567C160-2C30-4694-9FA0-F603C7AEC858}" type="datetimeFigureOut">
               <a:rPr lang="en-IN" smtClean="0"/>
-              <a:t>29-08-2022</a:t>
+              <a:t>30-08-2022</a:t>
             </a:fld>
             <a:endParaRPr lang="en-IN"/>
           </a:p>
@@ -5412,7 +5412,7 @@
           <a:p>
             <a:fld id="{4567C160-2C30-4694-9FA0-F603C7AEC858}" type="datetimeFigureOut">
               <a:rPr lang="en-IN" smtClean="0"/>
-              <a:t>29-08-2022</a:t>
+              <a:t>30-08-2022</a:t>
             </a:fld>
             <a:endParaRPr lang="en-IN"/>
           </a:p>
@@ -5762,7 +5762,7 @@
           <a:p>
             <a:fld id="{4567C160-2C30-4694-9FA0-F603C7AEC858}" type="datetimeFigureOut">
               <a:rPr lang="en-IN" smtClean="0"/>
-              <a:t>29-08-2022</a:t>
+              <a:t>30-08-2022</a:t>
             </a:fld>
             <a:endParaRPr lang="en-IN"/>
           </a:p>
@@ -6187,7 +6187,7 @@
           <a:p>
             <a:fld id="{4567C160-2C30-4694-9FA0-F603C7AEC858}" type="datetimeFigureOut">
               <a:rPr lang="en-IN" smtClean="0"/>
-              <a:t>29-08-2022</a:t>
+              <a:t>30-08-2022</a:t>
             </a:fld>
             <a:endParaRPr lang="en-IN"/>
           </a:p>
@@ -6468,7 +6468,7 @@
           <a:p>
             <a:fld id="{4567C160-2C30-4694-9FA0-F603C7AEC858}" type="datetimeFigureOut">
               <a:rPr lang="en-IN" smtClean="0"/>
-              <a:t>29-08-2022</a:t>
+              <a:t>30-08-2022</a:t>
             </a:fld>
             <a:endParaRPr lang="en-IN"/>
           </a:p>
@@ -7374,9 +7374,6 @@
               <a:rPr lang="en-IN" dirty="0"/>
               <a:t>Allow only XYZ remote users</a:t>
             </a:r>
-          </a:p>
-          <a:p>
-            <a:endParaRPr lang="en-IN" dirty="0"/>
           </a:p>
           <a:p>
             <a:endParaRPr lang="en-IN" dirty="0"/>
@@ -8785,6 +8782,53 @@
           </a:p>
         </p:txBody>
       </p:sp>
+      <p:pic>
+        <p:nvPicPr>
+          <p:cNvPr id="1026" name="Picture 2" descr="Pulumi Evolution From Launch to Universal IaC">
+            <a:extLst>
+              <a:ext uri="{FF2B5EF4-FFF2-40B4-BE49-F238E27FC236}">
+                <a16:creationId xmlns:a16="http://schemas.microsoft.com/office/drawing/2014/main" id="{D2E3C150-D577-7559-E5D0-286D94A62070}"/>
+              </a:ext>
+            </a:extLst>
+          </p:cNvPr>
+          <p:cNvPicPr>
+            <a:picLocks noChangeAspect="1" noChangeArrowheads="1"/>
+          </p:cNvPicPr>
+          <p:nvPr/>
+        </p:nvPicPr>
+        <p:blipFill>
+          <a:blip r:embed="rId3">
+            <a:extLst>
+              <a:ext uri="{28A0092B-C50C-407E-A947-70E740481C1C}">
+                <a14:useLocalDpi xmlns:a14="http://schemas.microsoft.com/office/drawing/2010/main" val="0"/>
+              </a:ext>
+            </a:extLst>
+          </a:blip>
+          <a:srcRect/>
+          <a:stretch>
+            <a:fillRect/>
+          </a:stretch>
+        </p:blipFill>
+        <p:spPr bwMode="auto">
+          <a:xfrm>
+            <a:off x="1545364" y="1979628"/>
+            <a:ext cx="9763125" cy="4495800"/>
+          </a:xfrm>
+          <a:prstGeom prst="rect">
+            <a:avLst/>
+          </a:prstGeom>
+          <a:noFill/>
+          <a:extLst>
+            <a:ext uri="{909E8E84-426E-40DD-AFC4-6F175D3DCCD1}">
+              <a14:hiddenFill xmlns:a14="http://schemas.microsoft.com/office/drawing/2010/main">
+                <a:solidFill>
+                  <a:srgbClr val="FFFFFF"/>
+                </a:solidFill>
+              </a14:hiddenFill>
+            </a:ext>
+          </a:extLst>
+        </p:spPr>
+      </p:pic>
     </p:spTree>
     <p:extLst>
       <p:ext uri="{BB962C8B-B14F-4D97-AF65-F5344CB8AC3E}">
@@ -18389,6 +18433,76 @@
           </a:extLst>
         </p:spPr>
       </p:pic>
+      <p:sp>
+        <p:nvSpPr>
+          <p:cNvPr id="7" name="TextBox 6">
+            <a:extLst>
+              <a:ext uri="{FF2B5EF4-FFF2-40B4-BE49-F238E27FC236}">
+                <a16:creationId xmlns:a16="http://schemas.microsoft.com/office/drawing/2014/main" id="{1D3AC871-460E-9DF0-50F2-CFB8A57DF974}"/>
+              </a:ext>
+            </a:extLst>
+          </p:cNvPr>
+          <p:cNvSpPr txBox="1"/>
+          <p:nvPr/>
+        </p:nvSpPr>
+        <p:spPr>
+          <a:xfrm>
+            <a:off x="1539512" y="2959172"/>
+            <a:ext cx="8589144" cy="369332"/>
+          </a:xfrm>
+          <a:prstGeom prst="rect">
+            <a:avLst/>
+          </a:prstGeom>
+          <a:noFill/>
+        </p:spPr>
+        <p:txBody>
+          <a:bodyPr wrap="square">
+            <a:spAutoFit/>
+          </a:bodyPr>
+          <a:lstStyle/>
+          <a:p>
+            <a:r>
+              <a:rPr lang="en-US" b="1" dirty="0">
+                <a:solidFill>
+                  <a:srgbClr val="202124"/>
+                </a:solidFill>
+                <a:latin typeface="arial" panose="020B0604020202020204" pitchFamily="34" charset="0"/>
+              </a:rPr>
+              <a:t>C</a:t>
+            </a:r>
+            <a:r>
+              <a:rPr lang="en-US" b="1" i="0" dirty="0">
+                <a:solidFill>
+                  <a:srgbClr val="202124"/>
+                </a:solidFill>
+                <a:effectLst/>
+                <a:latin typeface="arial" panose="020B0604020202020204" pitchFamily="34" charset="0"/>
+              </a:rPr>
+              <a:t>reating, </a:t>
+            </a:r>
+            <a:r>
+              <a:rPr lang="en-US" b="1" dirty="0">
+                <a:solidFill>
+                  <a:srgbClr val="202124"/>
+                </a:solidFill>
+                <a:latin typeface="arial" panose="020B0604020202020204" pitchFamily="34" charset="0"/>
+              </a:rPr>
+              <a:t>D</a:t>
+            </a:r>
+            <a:r>
+              <a:rPr lang="en-US" b="1" i="0" dirty="0">
+                <a:solidFill>
+                  <a:srgbClr val="202124"/>
+                </a:solidFill>
+                <a:effectLst/>
+                <a:latin typeface="arial" panose="020B0604020202020204" pitchFamily="34" charset="0"/>
+              </a:rPr>
+              <a:t>eploying, and Managing cloud infrastructure – all with CODE</a:t>
+            </a:r>
+            <a:endParaRPr lang="en-IN" dirty="0"/>
+          </a:p>
+        </p:txBody>
+      </p:sp>
     </p:spTree>
     <p:extLst>
       <p:ext uri="{BB962C8B-B14F-4D97-AF65-F5344CB8AC3E}">

--- a/docs/IaC_Devopedia_Sep_2022.pptx
+++ b/docs/IaC_Devopedia_Sep_2022.pptx
@@ -48,17 +48,18 @@
     <p:sldId id="286" r:id="rId42"/>
     <p:sldId id="312" r:id="rId43"/>
     <p:sldId id="306" r:id="rId44"/>
-    <p:sldId id="303" r:id="rId45"/>
-    <p:sldId id="304" r:id="rId46"/>
-    <p:sldId id="280" r:id="rId47"/>
-    <p:sldId id="281" r:id="rId48"/>
-    <p:sldId id="282" r:id="rId49"/>
-    <p:sldId id="284" r:id="rId50"/>
-    <p:sldId id="285" r:id="rId51"/>
-    <p:sldId id="274" r:id="rId52"/>
-    <p:sldId id="288" r:id="rId53"/>
-    <p:sldId id="269" r:id="rId54"/>
-    <p:sldId id="265" r:id="rId55"/>
+    <p:sldId id="313" r:id="rId45"/>
+    <p:sldId id="303" r:id="rId46"/>
+    <p:sldId id="304" r:id="rId47"/>
+    <p:sldId id="280" r:id="rId48"/>
+    <p:sldId id="281" r:id="rId49"/>
+    <p:sldId id="282" r:id="rId50"/>
+    <p:sldId id="284" r:id="rId51"/>
+    <p:sldId id="285" r:id="rId52"/>
+    <p:sldId id="274" r:id="rId53"/>
+    <p:sldId id="288" r:id="rId54"/>
+    <p:sldId id="269" r:id="rId55"/>
+    <p:sldId id="265" r:id="rId56"/>
   </p:sldIdLst>
   <p:sldSz cx="12192000" cy="6858000"/>
   <p:notesSz cx="6858000" cy="9144000"/>
@@ -3522,7 +3523,7 @@
           <a:p>
             <a:fld id="{4567C160-2C30-4694-9FA0-F603C7AEC858}" type="datetimeFigureOut">
               <a:rPr lang="en-IN" smtClean="0"/>
-              <a:t>30-08-2022</a:t>
+              <a:t>01-09-2022</a:t>
             </a:fld>
             <a:endParaRPr lang="en-IN"/>
           </a:p>
@@ -3701,7 +3702,7 @@
           <a:p>
             <a:fld id="{4567C160-2C30-4694-9FA0-F603C7AEC858}" type="datetimeFigureOut">
               <a:rPr lang="en-IN" smtClean="0"/>
-              <a:t>30-08-2022</a:t>
+              <a:t>01-09-2022</a:t>
             </a:fld>
             <a:endParaRPr lang="en-IN"/>
           </a:p>
@@ -3881,7 +3882,7 @@
           <a:p>
             <a:fld id="{4567C160-2C30-4694-9FA0-F603C7AEC858}" type="datetimeFigureOut">
               <a:rPr lang="en-IN" smtClean="0"/>
-              <a:t>30-08-2022</a:t>
+              <a:t>01-09-2022</a:t>
             </a:fld>
             <a:endParaRPr lang="en-IN"/>
           </a:p>
@@ -4066,7 +4067,7 @@
           <a:p>
             <a:fld id="{4567C160-2C30-4694-9FA0-F603C7AEC858}" type="datetimeFigureOut">
               <a:rPr lang="en-IN" smtClean="0"/>
-              <a:t>30-08-2022</a:t>
+              <a:t>01-09-2022</a:t>
             </a:fld>
             <a:endParaRPr lang="en-IN"/>
           </a:p>
@@ -4379,7 +4380,7 @@
           <a:p>
             <a:fld id="{4567C160-2C30-4694-9FA0-F603C7AEC858}" type="datetimeFigureOut">
               <a:rPr lang="en-IN" smtClean="0"/>
-              <a:t>30-08-2022</a:t>
+              <a:t>01-09-2022</a:t>
             </a:fld>
             <a:endParaRPr lang="en-IN"/>
           </a:p>
@@ -4765,7 +4766,7 @@
           <a:p>
             <a:fld id="{4567C160-2C30-4694-9FA0-F603C7AEC858}" type="datetimeFigureOut">
               <a:rPr lang="en-IN" smtClean="0"/>
-              <a:t>30-08-2022</a:t>
+              <a:t>01-09-2022</a:t>
             </a:fld>
             <a:endParaRPr lang="en-IN"/>
           </a:p>
@@ -5199,7 +5200,7 @@
           <a:p>
             <a:fld id="{4567C160-2C30-4694-9FA0-F603C7AEC858}" type="datetimeFigureOut">
               <a:rPr lang="en-IN" smtClean="0"/>
-              <a:t>30-08-2022</a:t>
+              <a:t>01-09-2022</a:t>
             </a:fld>
             <a:endParaRPr lang="en-IN"/>
           </a:p>
@@ -5317,7 +5318,7 @@
           <a:p>
             <a:fld id="{4567C160-2C30-4694-9FA0-F603C7AEC858}" type="datetimeFigureOut">
               <a:rPr lang="en-IN" smtClean="0"/>
-              <a:t>30-08-2022</a:t>
+              <a:t>01-09-2022</a:t>
             </a:fld>
             <a:endParaRPr lang="en-IN"/>
           </a:p>
@@ -5412,7 +5413,7 @@
           <a:p>
             <a:fld id="{4567C160-2C30-4694-9FA0-F603C7AEC858}" type="datetimeFigureOut">
               <a:rPr lang="en-IN" smtClean="0"/>
-              <a:t>30-08-2022</a:t>
+              <a:t>01-09-2022</a:t>
             </a:fld>
             <a:endParaRPr lang="en-IN"/>
           </a:p>
@@ -5762,7 +5763,7 @@
           <a:p>
             <a:fld id="{4567C160-2C30-4694-9FA0-F603C7AEC858}" type="datetimeFigureOut">
               <a:rPr lang="en-IN" smtClean="0"/>
-              <a:t>30-08-2022</a:t>
+              <a:t>01-09-2022</a:t>
             </a:fld>
             <a:endParaRPr lang="en-IN"/>
           </a:p>
@@ -6187,7 +6188,7 @@
           <a:p>
             <a:fld id="{4567C160-2C30-4694-9FA0-F603C7AEC858}" type="datetimeFigureOut">
               <a:rPr lang="en-IN" smtClean="0"/>
-              <a:t>30-08-2022</a:t>
+              <a:t>01-09-2022</a:t>
             </a:fld>
             <a:endParaRPr lang="en-IN"/>
           </a:p>
@@ -6468,7 +6469,7 @@
           <a:p>
             <a:fld id="{4567C160-2C30-4694-9FA0-F603C7AEC858}" type="datetimeFigureOut">
               <a:rPr lang="en-IN" smtClean="0"/>
-              <a:t>30-08-2022</a:t>
+              <a:t>01-09-2022</a:t>
             </a:fld>
             <a:endParaRPr lang="en-IN"/>
           </a:p>
@@ -16867,6 +16868,180 @@
           <p:cNvPr id="2" name="Title 1">
             <a:extLst>
               <a:ext uri="{FF2B5EF4-FFF2-40B4-BE49-F238E27FC236}">
+                <a16:creationId xmlns:a16="http://schemas.microsoft.com/office/drawing/2014/main" id="{8BC13F0F-615D-DD25-0DDC-F277127CFE1F}"/>
+              </a:ext>
+            </a:extLst>
+          </p:cNvPr>
+          <p:cNvSpPr>
+            <a:spLocks noGrp="1"/>
+          </p:cNvSpPr>
+          <p:nvPr>
+            <p:ph type="title"/>
+          </p:nvPr>
+        </p:nvSpPr>
+        <p:spPr/>
+        <p:txBody>
+          <a:bodyPr/>
+          <a:lstStyle/>
+          <a:p>
+            <a:endParaRPr lang="en-IN"/>
+          </a:p>
+        </p:txBody>
+      </p:sp>
+      <p:sp>
+        <p:nvSpPr>
+          <p:cNvPr id="3" name="Content Placeholder 2">
+            <a:extLst>
+              <a:ext uri="{FF2B5EF4-FFF2-40B4-BE49-F238E27FC236}">
+                <a16:creationId xmlns:a16="http://schemas.microsoft.com/office/drawing/2014/main" id="{7B1D96BC-B474-BE99-EF6D-D4DCFB9B4B85}"/>
+              </a:ext>
+            </a:extLst>
+          </p:cNvPr>
+          <p:cNvSpPr>
+            <a:spLocks noGrp="1"/>
+          </p:cNvSpPr>
+          <p:nvPr>
+            <p:ph idx="1"/>
+          </p:nvPr>
+        </p:nvSpPr>
+        <p:spPr/>
+        <p:txBody>
+          <a:bodyPr/>
+          <a:lstStyle/>
+          <a:p>
+            <a:r>
+              <a:rPr lang="en-IN" b="0" i="0" dirty="0">
+                <a:solidFill>
+                  <a:srgbClr val="1D1C1D"/>
+                </a:solidFill>
+                <a:effectLst/>
+                <a:latin typeface="Slack-Lato"/>
+              </a:rPr>
+              <a:t> Pulumi Automation API without the need for pulumi CLI</a:t>
+            </a:r>
+          </a:p>
+          <a:p>
+            <a:r>
+              <a:rPr lang="en-IN" b="0" i="0" dirty="0" err="1">
+                <a:solidFill>
+                  <a:srgbClr val="1D1C1D"/>
+                </a:solidFill>
+                <a:effectLst/>
+                <a:latin typeface="Slack-Lato"/>
+              </a:rPr>
+              <a:t>Crossguard</a:t>
+            </a:r>
+            <a:r>
+              <a:rPr lang="en-IN" b="0" i="0" dirty="0">
+                <a:solidFill>
+                  <a:srgbClr val="1D1C1D"/>
+                </a:solidFill>
+                <a:effectLst/>
+                <a:latin typeface="Slack-Lato"/>
+              </a:rPr>
+              <a:t> – Policy As Code - ISMS</a:t>
+            </a:r>
+          </a:p>
+          <a:p>
+            <a:r>
+              <a:rPr lang="en-IN" dirty="0">
+                <a:solidFill>
+                  <a:srgbClr val="1D1C1D"/>
+                </a:solidFill>
+                <a:latin typeface="Slack-Lato"/>
+              </a:rPr>
+              <a:t>Crosswalk </a:t>
+            </a:r>
+            <a:r>
+              <a:rPr lang="en-IN" dirty="0" err="1">
+                <a:solidFill>
+                  <a:srgbClr val="1D1C1D"/>
+                </a:solidFill>
+                <a:latin typeface="Slack-Lato"/>
+              </a:rPr>
+              <a:t>awsx</a:t>
+            </a:r>
+            <a:r>
+              <a:rPr lang="en-IN" dirty="0">
+                <a:solidFill>
+                  <a:srgbClr val="1D1C1D"/>
+                </a:solidFill>
+                <a:latin typeface="Slack-Lato"/>
+              </a:rPr>
+              <a:t> - </a:t>
+            </a:r>
+            <a:r>
+              <a:rPr lang="en-IN" dirty="0" err="1">
+                <a:solidFill>
+                  <a:srgbClr val="1D1C1D"/>
+                </a:solidFill>
+                <a:latin typeface="Slack-Lato"/>
+              </a:rPr>
+              <a:t>Wellarchitected</a:t>
+            </a:r>
+            <a:endParaRPr lang="en-IN" dirty="0">
+              <a:solidFill>
+                <a:srgbClr val="1D1C1D"/>
+              </a:solidFill>
+              <a:latin typeface="Slack-Lato"/>
+            </a:endParaRPr>
+          </a:p>
+          <a:p>
+            <a:r>
+              <a:rPr lang="en-IN" dirty="0">
+                <a:solidFill>
+                  <a:srgbClr val="1D1C1D"/>
+                </a:solidFill>
+                <a:latin typeface="Slack-Lato"/>
+              </a:rPr>
+              <a:t>AWS Native</a:t>
+            </a:r>
+          </a:p>
+          <a:p>
+            <a:endParaRPr lang="en-IN" dirty="0">
+              <a:solidFill>
+                <a:srgbClr val="1D1C1D"/>
+              </a:solidFill>
+              <a:latin typeface="Slack-Lato"/>
+            </a:endParaRPr>
+          </a:p>
+        </p:txBody>
+      </p:sp>
+    </p:spTree>
+    <p:extLst>
+      <p:ext uri="{BB962C8B-B14F-4D97-AF65-F5344CB8AC3E}">
+        <p14:creationId xmlns:p14="http://schemas.microsoft.com/office/powerpoint/2010/main" val="4064278571"/>
+      </p:ext>
+    </p:extLst>
+  </p:cSld>
+  <p:clrMapOvr>
+    <a:masterClrMapping/>
+  </p:clrMapOvr>
+</p:sld>
+</file>
+
+<file path=ppt/slides/slide45.xml><?xml version="1.0" encoding="utf-8"?>
+<p:sld xmlns:a="http://schemas.openxmlformats.org/drawingml/2006/main" xmlns:r="http://schemas.openxmlformats.org/officeDocument/2006/relationships" xmlns:p="http://schemas.openxmlformats.org/presentationml/2006/main">
+  <p:cSld>
+    <p:spTree>
+      <p:nvGrpSpPr>
+        <p:cNvPr id="1" name=""/>
+        <p:cNvGrpSpPr/>
+        <p:nvPr/>
+      </p:nvGrpSpPr>
+      <p:grpSpPr>
+        <a:xfrm>
+          <a:off x="0" y="0"/>
+          <a:ext cx="0" cy="0"/>
+          <a:chOff x="0" y="0"/>
+          <a:chExt cx="0" cy="0"/>
+        </a:xfrm>
+      </p:grpSpPr>
+      <p:sp>
+        <p:nvSpPr>
+          <p:cNvPr id="2" name="Title 1">
+            <a:extLst>
+              <a:ext uri="{FF2B5EF4-FFF2-40B4-BE49-F238E27FC236}">
                 <a16:creationId xmlns:a16="http://schemas.microsoft.com/office/drawing/2014/main" id="{5681DB5E-50F8-4448-F91C-BAC702A2CE04}"/>
               </a:ext>
             </a:extLst>
@@ -16912,6 +17087,53 @@
           </a:p>
         </p:txBody>
       </p:sp>
+      <p:pic>
+        <p:nvPicPr>
+          <p:cNvPr id="2050" name="Picture 2" descr="automation-api">
+            <a:extLst>
+              <a:ext uri="{FF2B5EF4-FFF2-40B4-BE49-F238E27FC236}">
+                <a16:creationId xmlns:a16="http://schemas.microsoft.com/office/drawing/2014/main" id="{2E8F6E75-F303-5936-008B-5EA1C763AE65}"/>
+              </a:ext>
+            </a:extLst>
+          </p:cNvPr>
+          <p:cNvPicPr>
+            <a:picLocks noChangeAspect="1" noChangeArrowheads="1"/>
+          </p:cNvPicPr>
+          <p:nvPr/>
+        </p:nvPicPr>
+        <p:blipFill>
+          <a:blip r:embed="rId2">
+            <a:extLst>
+              <a:ext uri="{28A0092B-C50C-407E-A947-70E740481C1C}">
+                <a14:useLocalDpi xmlns:a14="http://schemas.microsoft.com/office/drawing/2010/main" val="0"/>
+              </a:ext>
+            </a:extLst>
+          </a:blip>
+          <a:srcRect/>
+          <a:stretch>
+            <a:fillRect/>
+          </a:stretch>
+        </p:blipFill>
+        <p:spPr bwMode="auto">
+          <a:xfrm>
+            <a:off x="0" y="26988"/>
+            <a:ext cx="12192000" cy="6804025"/>
+          </a:xfrm>
+          <a:prstGeom prst="rect">
+            <a:avLst/>
+          </a:prstGeom>
+          <a:noFill/>
+          <a:extLst>
+            <a:ext uri="{909E8E84-426E-40DD-AFC4-6F175D3DCCD1}">
+              <a14:hiddenFill xmlns:a14="http://schemas.microsoft.com/office/drawing/2010/main">
+                <a:solidFill>
+                  <a:srgbClr val="FFFFFF"/>
+                </a:solidFill>
+              </a14:hiddenFill>
+            </a:ext>
+          </a:extLst>
+        </p:spPr>
+      </p:pic>
     </p:spTree>
     <p:extLst>
       <p:ext uri="{BB962C8B-B14F-4D97-AF65-F5344CB8AC3E}">
@@ -16925,7 +17147,7 @@
 </p:sld>
 </file>
 
-<file path=ppt/slides/slide45.xml><?xml version="1.0" encoding="utf-8"?>
+<file path=ppt/slides/slide46.xml><?xml version="1.0" encoding="utf-8"?>
 <p:sld xmlns:a="http://schemas.openxmlformats.org/drawingml/2006/main" xmlns:r="http://schemas.openxmlformats.org/officeDocument/2006/relationships" xmlns:p="http://schemas.openxmlformats.org/presentationml/2006/main">
   <p:cSld>
     <p:spTree>
@@ -17005,7 +17227,7 @@
 </p:sld>
 </file>
 
-<file path=ppt/slides/slide46.xml><?xml version="1.0" encoding="utf-8"?>
+<file path=ppt/slides/slide47.xml><?xml version="1.0" encoding="utf-8"?>
 <p:sld xmlns:a="http://schemas.openxmlformats.org/drawingml/2006/main" xmlns:r="http://schemas.openxmlformats.org/officeDocument/2006/relationships" xmlns:p="http://schemas.openxmlformats.org/presentationml/2006/main">
   <p:cSld>
     <p:spTree>
@@ -17095,7 +17317,7 @@
 </p:sld>
 </file>
 
-<file path=ppt/slides/slide47.xml><?xml version="1.0" encoding="utf-8"?>
+<file path=ppt/slides/slide48.xml><?xml version="1.0" encoding="utf-8"?>
 <p:sld xmlns:a="http://schemas.openxmlformats.org/drawingml/2006/main" xmlns:r="http://schemas.openxmlformats.org/officeDocument/2006/relationships" xmlns:p="http://schemas.openxmlformats.org/presentationml/2006/main">
   <p:cSld>
     <p:spTree>
@@ -17187,7 +17409,7 @@
 </p:sld>
 </file>
 
-<file path=ppt/slides/slide48.xml><?xml version="1.0" encoding="utf-8"?>
+<file path=ppt/slides/slide49.xml><?xml version="1.0" encoding="utf-8"?>
 <p:sld xmlns:a="http://schemas.openxmlformats.org/drawingml/2006/main" xmlns:r="http://schemas.openxmlformats.org/officeDocument/2006/relationships" xmlns:p="http://schemas.openxmlformats.org/presentationml/2006/main">
   <p:cSld>
     <p:spTree>
@@ -17307,7 +17529,96 @@
 </p:sld>
 </file>
 
-<file path=ppt/slides/slide49.xml><?xml version="1.0" encoding="utf-8"?>
+<file path=ppt/slides/slide5.xml><?xml version="1.0" encoding="utf-8"?>
+<p:sld xmlns:a="http://schemas.openxmlformats.org/drawingml/2006/main" xmlns:r="http://schemas.openxmlformats.org/officeDocument/2006/relationships" xmlns:p="http://schemas.openxmlformats.org/presentationml/2006/main">
+  <p:cSld>
+    <p:spTree>
+      <p:nvGrpSpPr>
+        <p:cNvPr id="1" name=""/>
+        <p:cNvGrpSpPr/>
+        <p:nvPr/>
+      </p:nvGrpSpPr>
+      <p:grpSpPr>
+        <a:xfrm>
+          <a:off x="0" y="0"/>
+          <a:ext cx="0" cy="0"/>
+          <a:chOff x="0" y="0"/>
+          <a:chExt cx="0" cy="0"/>
+        </a:xfrm>
+      </p:grpSpPr>
+      <p:pic>
+        <p:nvPicPr>
+          <p:cNvPr id="4" name="Picture 3">
+            <a:extLst>
+              <a:ext uri="{FF2B5EF4-FFF2-40B4-BE49-F238E27FC236}">
+                <a16:creationId xmlns:a16="http://schemas.microsoft.com/office/drawing/2014/main" id="{875B38E2-6D88-80B7-F6F9-179799FC7F05}"/>
+              </a:ext>
+            </a:extLst>
+          </p:cNvPr>
+          <p:cNvPicPr>
+            <a:picLocks noChangeAspect="1"/>
+          </p:cNvPicPr>
+          <p:nvPr/>
+        </p:nvPicPr>
+        <p:blipFill>
+          <a:blip r:embed="rId2"/>
+          <a:stretch>
+            <a:fillRect/>
+          </a:stretch>
+        </p:blipFill>
+        <p:spPr>
+          <a:xfrm>
+            <a:off x="2699209" y="2168166"/>
+            <a:ext cx="5829300" cy="3785844"/>
+          </a:xfrm>
+          <a:prstGeom prst="rect">
+            <a:avLst/>
+          </a:prstGeom>
+        </p:spPr>
+      </p:pic>
+      <p:sp>
+        <p:nvSpPr>
+          <p:cNvPr id="5" name="Title 4">
+            <a:extLst>
+              <a:ext uri="{FF2B5EF4-FFF2-40B4-BE49-F238E27FC236}">
+                <a16:creationId xmlns:a16="http://schemas.microsoft.com/office/drawing/2014/main" id="{044AC2E1-B53D-B261-096D-A6D4DE385E84}"/>
+              </a:ext>
+            </a:extLst>
+          </p:cNvPr>
+          <p:cNvSpPr>
+            <a:spLocks noGrp="1"/>
+          </p:cNvSpPr>
+          <p:nvPr>
+            <p:ph type="title"/>
+          </p:nvPr>
+        </p:nvSpPr>
+        <p:spPr/>
+        <p:txBody>
+          <a:bodyPr/>
+          <a:lstStyle/>
+          <a:p>
+            <a:r>
+              <a:rPr lang="en-IN" sz="5400" dirty="0"/>
+              <a:t>infrastructure – OPERATIONS</a:t>
+            </a:r>
+            <a:endParaRPr lang="en-IN" dirty="0"/>
+          </a:p>
+        </p:txBody>
+      </p:sp>
+    </p:spTree>
+    <p:extLst>
+      <p:ext uri="{BB962C8B-B14F-4D97-AF65-F5344CB8AC3E}">
+        <p14:creationId xmlns:p14="http://schemas.microsoft.com/office/powerpoint/2010/main" val="1562078091"/>
+      </p:ext>
+    </p:extLst>
+  </p:cSld>
+  <p:clrMapOvr>
+    <a:masterClrMapping/>
+  </p:clrMapOvr>
+</p:sld>
+</file>
+
+<file path=ppt/slides/slide50.xml><?xml version="1.0" encoding="utf-8"?>
 <p:sld xmlns:a="http://schemas.openxmlformats.org/drawingml/2006/main" xmlns:r="http://schemas.openxmlformats.org/officeDocument/2006/relationships" xmlns:p="http://schemas.openxmlformats.org/presentationml/2006/main">
   <p:cSld>
     <p:spTree>
@@ -17463,96 +17774,7 @@
 </p:sld>
 </file>
 
-<file path=ppt/slides/slide5.xml><?xml version="1.0" encoding="utf-8"?>
-<p:sld xmlns:a="http://schemas.openxmlformats.org/drawingml/2006/main" xmlns:r="http://schemas.openxmlformats.org/officeDocument/2006/relationships" xmlns:p="http://schemas.openxmlformats.org/presentationml/2006/main">
-  <p:cSld>
-    <p:spTree>
-      <p:nvGrpSpPr>
-        <p:cNvPr id="1" name=""/>
-        <p:cNvGrpSpPr/>
-        <p:nvPr/>
-      </p:nvGrpSpPr>
-      <p:grpSpPr>
-        <a:xfrm>
-          <a:off x="0" y="0"/>
-          <a:ext cx="0" cy="0"/>
-          <a:chOff x="0" y="0"/>
-          <a:chExt cx="0" cy="0"/>
-        </a:xfrm>
-      </p:grpSpPr>
-      <p:pic>
-        <p:nvPicPr>
-          <p:cNvPr id="4" name="Picture 3">
-            <a:extLst>
-              <a:ext uri="{FF2B5EF4-FFF2-40B4-BE49-F238E27FC236}">
-                <a16:creationId xmlns:a16="http://schemas.microsoft.com/office/drawing/2014/main" id="{875B38E2-6D88-80B7-F6F9-179799FC7F05}"/>
-              </a:ext>
-            </a:extLst>
-          </p:cNvPr>
-          <p:cNvPicPr>
-            <a:picLocks noChangeAspect="1"/>
-          </p:cNvPicPr>
-          <p:nvPr/>
-        </p:nvPicPr>
-        <p:blipFill>
-          <a:blip r:embed="rId2"/>
-          <a:stretch>
-            <a:fillRect/>
-          </a:stretch>
-        </p:blipFill>
-        <p:spPr>
-          <a:xfrm>
-            <a:off x="2699209" y="2168166"/>
-            <a:ext cx="5829300" cy="3785844"/>
-          </a:xfrm>
-          <a:prstGeom prst="rect">
-            <a:avLst/>
-          </a:prstGeom>
-        </p:spPr>
-      </p:pic>
-      <p:sp>
-        <p:nvSpPr>
-          <p:cNvPr id="5" name="Title 4">
-            <a:extLst>
-              <a:ext uri="{FF2B5EF4-FFF2-40B4-BE49-F238E27FC236}">
-                <a16:creationId xmlns:a16="http://schemas.microsoft.com/office/drawing/2014/main" id="{044AC2E1-B53D-B261-096D-A6D4DE385E84}"/>
-              </a:ext>
-            </a:extLst>
-          </p:cNvPr>
-          <p:cNvSpPr>
-            <a:spLocks noGrp="1"/>
-          </p:cNvSpPr>
-          <p:nvPr>
-            <p:ph type="title"/>
-          </p:nvPr>
-        </p:nvSpPr>
-        <p:spPr/>
-        <p:txBody>
-          <a:bodyPr/>
-          <a:lstStyle/>
-          <a:p>
-            <a:r>
-              <a:rPr lang="en-IN" sz="5400" dirty="0"/>
-              <a:t>infrastructure – OPERATIONS</a:t>
-            </a:r>
-            <a:endParaRPr lang="en-IN" dirty="0"/>
-          </a:p>
-        </p:txBody>
-      </p:sp>
-    </p:spTree>
-    <p:extLst>
-      <p:ext uri="{BB962C8B-B14F-4D97-AF65-F5344CB8AC3E}">
-        <p14:creationId xmlns:p14="http://schemas.microsoft.com/office/powerpoint/2010/main" val="1562078091"/>
-      </p:ext>
-    </p:extLst>
-  </p:cSld>
-  <p:clrMapOvr>
-    <a:masterClrMapping/>
-  </p:clrMapOvr>
-</p:sld>
-</file>
-
-<file path=ppt/slides/slide50.xml><?xml version="1.0" encoding="utf-8"?>
+<file path=ppt/slides/slide51.xml><?xml version="1.0" encoding="utf-8"?>
 <p:sld xmlns:a="http://schemas.openxmlformats.org/drawingml/2006/main" xmlns:r="http://schemas.openxmlformats.org/officeDocument/2006/relationships" xmlns:p="http://schemas.openxmlformats.org/presentationml/2006/main">
   <p:cSld>
     <p:spTree>
@@ -17668,7 +17890,7 @@
 </p:sld>
 </file>
 
-<file path=ppt/slides/slide51.xml><?xml version="1.0" encoding="utf-8"?>
+<file path=ppt/slides/slide52.xml><?xml version="1.0" encoding="utf-8"?>
 <p:sld xmlns:a="http://schemas.openxmlformats.org/drawingml/2006/main" xmlns:r="http://schemas.openxmlformats.org/officeDocument/2006/relationships" xmlns:p="http://schemas.openxmlformats.org/presentationml/2006/main">
   <p:cSld>
     <p:spTree>
@@ -17751,7 +17973,7 @@
 </p:sld>
 </file>
 
-<file path=ppt/slides/slide52.xml><?xml version="1.0" encoding="utf-8"?>
+<file path=ppt/slides/slide53.xml><?xml version="1.0" encoding="utf-8"?>
 <p:sld xmlns:a="http://schemas.openxmlformats.org/drawingml/2006/main" xmlns:r="http://schemas.openxmlformats.org/officeDocument/2006/relationships" xmlns:p="http://schemas.openxmlformats.org/presentationml/2006/main">
   <p:cSld>
     <p:spTree>
@@ -17815,7 +18037,7 @@
 </p:sld>
 </file>
 
-<file path=ppt/slides/slide53.xml><?xml version="1.0" encoding="utf-8"?>
+<file path=ppt/slides/slide54.xml><?xml version="1.0" encoding="utf-8"?>
 <p:sld xmlns:a="http://schemas.openxmlformats.org/drawingml/2006/main" xmlns:r="http://schemas.openxmlformats.org/officeDocument/2006/relationships" xmlns:p="http://schemas.openxmlformats.org/presentationml/2006/main">
   <p:cSld>
     <p:spTree>
@@ -17908,7 +18130,7 @@
 </p:sld>
 </file>
 
-<file path=ppt/slides/slide54.xml><?xml version="1.0" encoding="utf-8"?>
+<file path=ppt/slides/slide55.xml><?xml version="1.0" encoding="utf-8"?>
 <p:sld xmlns:a="http://schemas.openxmlformats.org/drawingml/2006/main" xmlns:r="http://schemas.openxmlformats.org/officeDocument/2006/relationships" xmlns:p="http://schemas.openxmlformats.org/presentationml/2006/main">
   <p:cSld>
     <p:spTree>

--- a/docs/IaC_Devopedia_Sep_2022.pptx
+++ b/docs/IaC_Devopedia_Sep_2022.pptx
@@ -20,46 +20,51 @@
     <p:sldId id="257" r:id="rId14"/>
     <p:sldId id="266" r:id="rId15"/>
     <p:sldId id="294" r:id="rId16"/>
-    <p:sldId id="275" r:id="rId17"/>
-    <p:sldId id="258" r:id="rId18"/>
-    <p:sldId id="295" r:id="rId19"/>
-    <p:sldId id="259" r:id="rId20"/>
-    <p:sldId id="278" r:id="rId21"/>
-    <p:sldId id="283" r:id="rId22"/>
-    <p:sldId id="279" r:id="rId23"/>
-    <p:sldId id="290" r:id="rId24"/>
-    <p:sldId id="296" r:id="rId25"/>
-    <p:sldId id="297" r:id="rId26"/>
-    <p:sldId id="298" r:id="rId27"/>
-    <p:sldId id="264" r:id="rId28"/>
-    <p:sldId id="276" r:id="rId29"/>
-    <p:sldId id="287" r:id="rId30"/>
-    <p:sldId id="311" r:id="rId31"/>
-    <p:sldId id="299" r:id="rId32"/>
-    <p:sldId id="300" r:id="rId33"/>
-    <p:sldId id="301" r:id="rId34"/>
-    <p:sldId id="273" r:id="rId35"/>
-    <p:sldId id="307" r:id="rId36"/>
-    <p:sldId id="308" r:id="rId37"/>
-    <p:sldId id="310" r:id="rId38"/>
-    <p:sldId id="309" r:id="rId39"/>
-    <p:sldId id="302" r:id="rId40"/>
-    <p:sldId id="305" r:id="rId41"/>
-    <p:sldId id="286" r:id="rId42"/>
-    <p:sldId id="312" r:id="rId43"/>
-    <p:sldId id="306" r:id="rId44"/>
-    <p:sldId id="313" r:id="rId45"/>
-    <p:sldId id="303" r:id="rId46"/>
-    <p:sldId id="304" r:id="rId47"/>
-    <p:sldId id="280" r:id="rId48"/>
-    <p:sldId id="281" r:id="rId49"/>
-    <p:sldId id="282" r:id="rId50"/>
-    <p:sldId id="284" r:id="rId51"/>
-    <p:sldId id="285" r:id="rId52"/>
-    <p:sldId id="274" r:id="rId53"/>
-    <p:sldId id="288" r:id="rId54"/>
-    <p:sldId id="269" r:id="rId55"/>
-    <p:sldId id="265" r:id="rId56"/>
+    <p:sldId id="314" r:id="rId17"/>
+    <p:sldId id="275" r:id="rId18"/>
+    <p:sldId id="258" r:id="rId19"/>
+    <p:sldId id="295" r:id="rId20"/>
+    <p:sldId id="259" r:id="rId21"/>
+    <p:sldId id="278" r:id="rId22"/>
+    <p:sldId id="283" r:id="rId23"/>
+    <p:sldId id="279" r:id="rId24"/>
+    <p:sldId id="290" r:id="rId25"/>
+    <p:sldId id="296" r:id="rId26"/>
+    <p:sldId id="297" r:id="rId27"/>
+    <p:sldId id="298" r:id="rId28"/>
+    <p:sldId id="264" r:id="rId29"/>
+    <p:sldId id="276" r:id="rId30"/>
+    <p:sldId id="287" r:id="rId31"/>
+    <p:sldId id="311" r:id="rId32"/>
+    <p:sldId id="299" r:id="rId33"/>
+    <p:sldId id="300" r:id="rId34"/>
+    <p:sldId id="301" r:id="rId35"/>
+    <p:sldId id="273" r:id="rId36"/>
+    <p:sldId id="307" r:id="rId37"/>
+    <p:sldId id="308" r:id="rId38"/>
+    <p:sldId id="310" r:id="rId39"/>
+    <p:sldId id="309" r:id="rId40"/>
+    <p:sldId id="302" r:id="rId41"/>
+    <p:sldId id="305" r:id="rId42"/>
+    <p:sldId id="286" r:id="rId43"/>
+    <p:sldId id="319" r:id="rId44"/>
+    <p:sldId id="315" r:id="rId45"/>
+    <p:sldId id="316" r:id="rId46"/>
+    <p:sldId id="317" r:id="rId47"/>
+    <p:sldId id="312" r:id="rId48"/>
+    <p:sldId id="306" r:id="rId49"/>
+    <p:sldId id="313" r:id="rId50"/>
+    <p:sldId id="303" r:id="rId51"/>
+    <p:sldId id="304" r:id="rId52"/>
+    <p:sldId id="280" r:id="rId53"/>
+    <p:sldId id="281" r:id="rId54"/>
+    <p:sldId id="282" r:id="rId55"/>
+    <p:sldId id="284" r:id="rId56"/>
+    <p:sldId id="285" r:id="rId57"/>
+    <p:sldId id="274" r:id="rId58"/>
+    <p:sldId id="288" r:id="rId59"/>
+    <p:sldId id="269" r:id="rId60"/>
+    <p:sldId id="265" r:id="rId61"/>
   </p:sldIdLst>
   <p:sldSz cx="12192000" cy="6858000"/>
   <p:notesSz cx="6858000" cy="9144000"/>
@@ -3523,7 +3528,7 @@
           <a:p>
             <a:fld id="{4567C160-2C30-4694-9FA0-F603C7AEC858}" type="datetimeFigureOut">
               <a:rPr lang="en-IN" smtClean="0"/>
-              <a:t>01-09-2022</a:t>
+              <a:t>05-09-2022</a:t>
             </a:fld>
             <a:endParaRPr lang="en-IN"/>
           </a:p>
@@ -3702,7 +3707,7 @@
           <a:p>
             <a:fld id="{4567C160-2C30-4694-9FA0-F603C7AEC858}" type="datetimeFigureOut">
               <a:rPr lang="en-IN" smtClean="0"/>
-              <a:t>01-09-2022</a:t>
+              <a:t>05-09-2022</a:t>
             </a:fld>
             <a:endParaRPr lang="en-IN"/>
           </a:p>
@@ -3882,7 +3887,7 @@
           <a:p>
             <a:fld id="{4567C160-2C30-4694-9FA0-F603C7AEC858}" type="datetimeFigureOut">
               <a:rPr lang="en-IN" smtClean="0"/>
-              <a:t>01-09-2022</a:t>
+              <a:t>05-09-2022</a:t>
             </a:fld>
             <a:endParaRPr lang="en-IN"/>
           </a:p>
@@ -4067,7 +4072,7 @@
           <a:p>
             <a:fld id="{4567C160-2C30-4694-9FA0-F603C7AEC858}" type="datetimeFigureOut">
               <a:rPr lang="en-IN" smtClean="0"/>
-              <a:t>01-09-2022</a:t>
+              <a:t>05-09-2022</a:t>
             </a:fld>
             <a:endParaRPr lang="en-IN"/>
           </a:p>
@@ -4380,7 +4385,7 @@
           <a:p>
             <a:fld id="{4567C160-2C30-4694-9FA0-F603C7AEC858}" type="datetimeFigureOut">
               <a:rPr lang="en-IN" smtClean="0"/>
-              <a:t>01-09-2022</a:t>
+              <a:t>05-09-2022</a:t>
             </a:fld>
             <a:endParaRPr lang="en-IN"/>
           </a:p>
@@ -4766,7 +4771,7 @@
           <a:p>
             <a:fld id="{4567C160-2C30-4694-9FA0-F603C7AEC858}" type="datetimeFigureOut">
               <a:rPr lang="en-IN" smtClean="0"/>
-              <a:t>01-09-2022</a:t>
+              <a:t>05-09-2022</a:t>
             </a:fld>
             <a:endParaRPr lang="en-IN"/>
           </a:p>
@@ -5200,7 +5205,7 @@
           <a:p>
             <a:fld id="{4567C160-2C30-4694-9FA0-F603C7AEC858}" type="datetimeFigureOut">
               <a:rPr lang="en-IN" smtClean="0"/>
-              <a:t>01-09-2022</a:t>
+              <a:t>05-09-2022</a:t>
             </a:fld>
             <a:endParaRPr lang="en-IN"/>
           </a:p>
@@ -5318,7 +5323,7 @@
           <a:p>
             <a:fld id="{4567C160-2C30-4694-9FA0-F603C7AEC858}" type="datetimeFigureOut">
               <a:rPr lang="en-IN" smtClean="0"/>
-              <a:t>01-09-2022</a:t>
+              <a:t>05-09-2022</a:t>
             </a:fld>
             <a:endParaRPr lang="en-IN"/>
           </a:p>
@@ -5413,7 +5418,7 @@
           <a:p>
             <a:fld id="{4567C160-2C30-4694-9FA0-F603C7AEC858}" type="datetimeFigureOut">
               <a:rPr lang="en-IN" smtClean="0"/>
-              <a:t>01-09-2022</a:t>
+              <a:t>05-09-2022</a:t>
             </a:fld>
             <a:endParaRPr lang="en-IN"/>
           </a:p>
@@ -5763,7 +5768,7 @@
           <a:p>
             <a:fld id="{4567C160-2C30-4694-9FA0-F603C7AEC858}" type="datetimeFigureOut">
               <a:rPr lang="en-IN" smtClean="0"/>
-              <a:t>01-09-2022</a:t>
+              <a:t>05-09-2022</a:t>
             </a:fld>
             <a:endParaRPr lang="en-IN"/>
           </a:p>
@@ -6188,7 +6193,7 @@
           <a:p>
             <a:fld id="{4567C160-2C30-4694-9FA0-F603C7AEC858}" type="datetimeFigureOut">
               <a:rPr lang="en-IN" smtClean="0"/>
-              <a:t>01-09-2022</a:t>
+              <a:t>05-09-2022</a:t>
             </a:fld>
             <a:endParaRPr lang="en-IN"/>
           </a:p>
@@ -6469,7 +6474,7 @@
           <a:p>
             <a:fld id="{4567C160-2C30-4694-9FA0-F603C7AEC858}" type="datetimeFigureOut">
               <a:rPr lang="en-IN" smtClean="0"/>
-              <a:t>01-09-2022</a:t>
+              <a:t>05-09-2022</a:t>
             </a:fld>
             <a:endParaRPr lang="en-IN"/>
           </a:p>
@@ -7288,7 +7293,7 @@
           <a:p>
             <a:r>
               <a:rPr lang="en-IN" dirty="0"/>
-              <a:t>Configuration/software Install</a:t>
+              <a:t>Configuration = software Install + preparation</a:t>
             </a:r>
           </a:p>
         </p:txBody>
@@ -7739,36 +7744,6 @@
       </p:grpSpPr>
       <p:pic>
         <p:nvPicPr>
-          <p:cNvPr id="3" name="Picture 2">
-            <a:extLst>
-              <a:ext uri="{FF2B5EF4-FFF2-40B4-BE49-F238E27FC236}">
-                <a16:creationId xmlns:a16="http://schemas.microsoft.com/office/drawing/2014/main" id="{B449FFCD-C0D2-C109-73C4-6F42E3249D41}"/>
-              </a:ext>
-            </a:extLst>
-          </p:cNvPr>
-          <p:cNvPicPr>
-            <a:picLocks noChangeAspect="1"/>
-          </p:cNvPicPr>
-          <p:nvPr/>
-        </p:nvPicPr>
-        <p:blipFill>
-          <a:blip r:embed="rId2"/>
-          <a:stretch>
-            <a:fillRect/>
-          </a:stretch>
-        </p:blipFill>
-        <p:spPr>
-          <a:xfrm>
-            <a:off x="2232577" y="277870"/>
-            <a:ext cx="7098604" cy="4408965"/>
-          </a:xfrm>
-          <a:prstGeom prst="rect">
-            <a:avLst/>
-          </a:prstGeom>
-        </p:spPr>
-      </p:pic>
-      <p:pic>
-        <p:nvPicPr>
           <p:cNvPr id="5122" name="Picture 2" descr="Google Cloud Platform Blog: SaltStack for Google Compute Engine">
             <a:extLst>
               <a:ext uri="{FF2B5EF4-FFF2-40B4-BE49-F238E27FC236}">
@@ -7782,7 +7757,7 @@
           <p:nvPr/>
         </p:nvPicPr>
         <p:blipFill>
-          <a:blip r:embed="rId3">
+          <a:blip r:embed="rId2">
             <a:extLst>
               <a:ext uri="{28A0092B-C50C-407E-A947-70E740481C1C}">
                 <a14:useLocalDpi xmlns:a14="http://schemas.microsoft.com/office/drawing/2010/main" val="0"/>
@@ -7816,10 +7791,40 @@
       </p:pic>
       <p:pic>
         <p:nvPicPr>
-          <p:cNvPr id="5124" name="Picture 4" descr="Ansible Tutorial for Beginners: Playbook, Commands &amp; Example">
+          <p:cNvPr id="3" name="Picture 2">
             <a:extLst>
               <a:ext uri="{FF2B5EF4-FFF2-40B4-BE49-F238E27FC236}">
-                <a16:creationId xmlns:a16="http://schemas.microsoft.com/office/drawing/2014/main" id="{8F04D9D7-B6F6-FD06-95F2-04AD897A76F4}"/>
+                <a16:creationId xmlns:a16="http://schemas.microsoft.com/office/drawing/2014/main" id="{B449FFCD-C0D2-C109-73C4-6F42E3249D41}"/>
+              </a:ext>
+            </a:extLst>
+          </p:cNvPr>
+          <p:cNvPicPr>
+            <a:picLocks noChangeAspect="1"/>
+          </p:cNvPicPr>
+          <p:nvPr/>
+        </p:nvPicPr>
+        <p:blipFill>
+          <a:blip r:embed="rId3"/>
+          <a:stretch>
+            <a:fillRect/>
+          </a:stretch>
+        </p:blipFill>
+        <p:spPr>
+          <a:xfrm>
+            <a:off x="1988737" y="2341801"/>
+            <a:ext cx="7098604" cy="4408965"/>
+          </a:xfrm>
+          <a:prstGeom prst="rect">
+            <a:avLst/>
+          </a:prstGeom>
+        </p:spPr>
+      </p:pic>
+      <p:pic>
+        <p:nvPicPr>
+          <p:cNvPr id="2" name="Picture 2" descr="A complete beginner's guide to Chef and infrastructure as code">
+            <a:extLst>
+              <a:ext uri="{FF2B5EF4-FFF2-40B4-BE49-F238E27FC236}">
+                <a16:creationId xmlns:a16="http://schemas.microsoft.com/office/drawing/2014/main" id="{66041258-72ED-8F14-32F9-E68D9A4F0D97}"/>
               </a:ext>
             </a:extLst>
           </p:cNvPr>
@@ -7843,149 +7848,8 @@
         </p:blipFill>
         <p:spPr bwMode="auto">
           <a:xfrm>
-            <a:off x="3736586" y="2011680"/>
-            <a:ext cx="5416940" cy="3693368"/>
-          </a:xfrm>
-          <a:prstGeom prst="rect">
-            <a:avLst/>
-          </a:prstGeom>
-          <a:noFill/>
-          <a:extLst>
-            <a:ext uri="{909E8E84-426E-40DD-AFC4-6F175D3DCCD1}">
-              <a14:hiddenFill xmlns:a14="http://schemas.microsoft.com/office/drawing/2010/main">
-                <a:solidFill>
-                  <a:srgbClr val="FFFFFF"/>
-                </a:solidFill>
-              </a14:hiddenFill>
-            </a:ext>
-          </a:extLst>
-        </p:spPr>
-      </p:pic>
-      <p:pic>
-        <p:nvPicPr>
-          <p:cNvPr id="2" name="Picture 2" descr="A complete beginner's guide to Chef and infrastructure as code">
-            <a:extLst>
-              <a:ext uri="{FF2B5EF4-FFF2-40B4-BE49-F238E27FC236}">
-                <a16:creationId xmlns:a16="http://schemas.microsoft.com/office/drawing/2014/main" id="{66041258-72ED-8F14-32F9-E68D9A4F0D97}"/>
-              </a:ext>
-            </a:extLst>
-          </p:cNvPr>
-          <p:cNvPicPr>
-            <a:picLocks noChangeAspect="1" noChangeArrowheads="1"/>
-          </p:cNvPicPr>
-          <p:nvPr/>
-        </p:nvPicPr>
-        <p:blipFill>
-          <a:blip r:embed="rId5">
-            <a:extLst>
-              <a:ext uri="{28A0092B-C50C-407E-A947-70E740481C1C}">
-                <a14:useLocalDpi xmlns:a14="http://schemas.microsoft.com/office/drawing/2010/main" val="0"/>
-              </a:ext>
-            </a:extLst>
-          </a:blip>
-          <a:srcRect/>
-          <a:stretch>
-            <a:fillRect/>
-          </a:stretch>
-        </p:blipFill>
-        <p:spPr bwMode="auto">
-          <a:xfrm>
             <a:off x="7647182" y="0"/>
             <a:ext cx="4544818" cy="3033666"/>
-          </a:xfrm>
-          <a:prstGeom prst="rect">
-            <a:avLst/>
-          </a:prstGeom>
-          <a:noFill/>
-          <a:extLst>
-            <a:ext uri="{909E8E84-426E-40DD-AFC4-6F175D3DCCD1}">
-              <a14:hiddenFill xmlns:a14="http://schemas.microsoft.com/office/drawing/2010/main">
-                <a:solidFill>
-                  <a:srgbClr val="FFFFFF"/>
-                </a:solidFill>
-              </a14:hiddenFill>
-            </a:ext>
-          </a:extLst>
-        </p:spPr>
-      </p:pic>
-      <p:pic>
-        <p:nvPicPr>
-          <p:cNvPr id="4" name="Picture 6" descr="Your Infrastructure as Code 🌩 CloudFormation vs Terraform? | by Nathan  Malishev | Level Up Coding">
-            <a:extLst>
-              <a:ext uri="{FF2B5EF4-FFF2-40B4-BE49-F238E27FC236}">
-                <a16:creationId xmlns:a16="http://schemas.microsoft.com/office/drawing/2014/main" id="{0E391E9F-CBE3-8D58-C724-8E52F7BA057F}"/>
-              </a:ext>
-            </a:extLst>
-          </p:cNvPr>
-          <p:cNvPicPr>
-            <a:picLocks noChangeAspect="1" noChangeArrowheads="1"/>
-          </p:cNvPicPr>
-          <p:nvPr/>
-        </p:nvPicPr>
-        <p:blipFill>
-          <a:blip r:embed="rId6">
-            <a:extLst>
-              <a:ext uri="{28A0092B-C50C-407E-A947-70E740481C1C}">
-                <a14:useLocalDpi xmlns:a14="http://schemas.microsoft.com/office/drawing/2010/main" val="0"/>
-              </a:ext>
-            </a:extLst>
-          </a:blip>
-          <a:srcRect/>
-          <a:stretch>
-            <a:fillRect/>
-          </a:stretch>
-        </p:blipFill>
-        <p:spPr bwMode="auto">
-          <a:xfrm>
-            <a:off x="97679" y="2496085"/>
-            <a:ext cx="4114800" cy="4381500"/>
-          </a:xfrm>
-          <a:prstGeom prst="rect">
-            <a:avLst/>
-          </a:prstGeom>
-          <a:noFill/>
-          <a:extLst>
-            <a:ext uri="{909E8E84-426E-40DD-AFC4-6F175D3DCCD1}">
-              <a14:hiddenFill xmlns:a14="http://schemas.microsoft.com/office/drawing/2010/main">
-                <a:solidFill>
-                  <a:srgbClr val="FFFFFF"/>
-                </a:solidFill>
-              </a14:hiddenFill>
-            </a:ext>
-          </a:extLst>
-        </p:spPr>
-      </p:pic>
-      <p:pic>
-        <p:nvPicPr>
-          <p:cNvPr id="5" name="Picture 8" descr="3 tips for great AWS CloudFormation templates | by Jon Vogel | Medium">
-            <a:extLst>
-              <a:ext uri="{FF2B5EF4-FFF2-40B4-BE49-F238E27FC236}">
-                <a16:creationId xmlns:a16="http://schemas.microsoft.com/office/drawing/2014/main" id="{7F521589-23A3-C711-97F3-9DD65496CE76}"/>
-              </a:ext>
-            </a:extLst>
-          </p:cNvPr>
-          <p:cNvPicPr>
-            <a:picLocks noChangeAspect="1" noChangeArrowheads="1"/>
-          </p:cNvPicPr>
-          <p:nvPr/>
-        </p:nvPicPr>
-        <p:blipFill>
-          <a:blip r:embed="rId7">
-            <a:extLst>
-              <a:ext uri="{28A0092B-C50C-407E-A947-70E740481C1C}">
-                <a14:useLocalDpi xmlns:a14="http://schemas.microsoft.com/office/drawing/2010/main" val="0"/>
-              </a:ext>
-            </a:extLst>
-          </a:blip>
-          <a:srcRect/>
-          <a:stretch>
-            <a:fillRect/>
-          </a:stretch>
-        </p:blipFill>
-        <p:spPr bwMode="auto">
-          <a:xfrm>
-            <a:off x="7336322" y="3117669"/>
-            <a:ext cx="4855678" cy="3870960"/>
           </a:xfrm>
           <a:prstGeom prst="rect">
             <a:avLst/>
@@ -8073,6 +7937,260 @@
                       </p:childTnLst>
                     </p:cTn>
                   </p:par>
+                </p:childTnLst>
+              </p:cTn>
+              <p:prevCondLst>
+                <p:cond evt="onPrev" delay="0">
+                  <p:tgtEl>
+                    <p:sldTgt/>
+                  </p:tgtEl>
+                </p:cond>
+              </p:prevCondLst>
+              <p:nextCondLst>
+                <p:cond evt="onNext" delay="0">
+                  <p:tgtEl>
+                    <p:sldTgt/>
+                  </p:tgtEl>
+                </p:cond>
+              </p:nextCondLst>
+            </p:seq>
+          </p:childTnLst>
+        </p:cTn>
+      </p:par>
+    </p:tnLst>
+  </p:timing>
+</p:sld>
+</file>
+
+<file path=ppt/slides/slide16.xml><?xml version="1.0" encoding="utf-8"?>
+<p:sld xmlns:a="http://schemas.openxmlformats.org/drawingml/2006/main" xmlns:r="http://schemas.openxmlformats.org/officeDocument/2006/relationships" xmlns:p="http://schemas.openxmlformats.org/presentationml/2006/main">
+  <p:cSld>
+    <p:spTree>
+      <p:nvGrpSpPr>
+        <p:cNvPr id="1" name=""/>
+        <p:cNvGrpSpPr/>
+        <p:nvPr/>
+      </p:nvGrpSpPr>
+      <p:grpSpPr>
+        <a:xfrm>
+          <a:off x="0" y="0"/>
+          <a:ext cx="0" cy="0"/>
+          <a:chOff x="0" y="0"/>
+          <a:chExt cx="0" cy="0"/>
+        </a:xfrm>
+      </p:grpSpPr>
+      <p:pic>
+        <p:nvPicPr>
+          <p:cNvPr id="2" name="Picture 6" descr="Your Infrastructure as Code 🌩 CloudFormation vs Terraform? | by Nathan  Malishev | Level Up Coding">
+            <a:extLst>
+              <a:ext uri="{FF2B5EF4-FFF2-40B4-BE49-F238E27FC236}">
+                <a16:creationId xmlns:a16="http://schemas.microsoft.com/office/drawing/2014/main" id="{F061F98E-AA7F-E88F-9167-FDCC79898150}"/>
+              </a:ext>
+            </a:extLst>
+          </p:cNvPr>
+          <p:cNvPicPr>
+            <a:picLocks noChangeAspect="1" noChangeArrowheads="1"/>
+          </p:cNvPicPr>
+          <p:nvPr/>
+        </p:nvPicPr>
+        <p:blipFill>
+          <a:blip r:embed="rId2">
+            <a:extLst>
+              <a:ext uri="{28A0092B-C50C-407E-A947-70E740481C1C}">
+                <a14:useLocalDpi xmlns:a14="http://schemas.microsoft.com/office/drawing/2010/main" val="0"/>
+              </a:ext>
+            </a:extLst>
+          </a:blip>
+          <a:srcRect/>
+          <a:stretch>
+            <a:fillRect/>
+          </a:stretch>
+        </p:blipFill>
+        <p:spPr bwMode="auto">
+          <a:xfrm>
+            <a:off x="97679" y="2496085"/>
+            <a:ext cx="4114800" cy="4381500"/>
+          </a:xfrm>
+          <a:prstGeom prst="rect">
+            <a:avLst/>
+          </a:prstGeom>
+          <a:noFill/>
+          <a:extLst>
+            <a:ext uri="{909E8E84-426E-40DD-AFC4-6F175D3DCCD1}">
+              <a14:hiddenFill xmlns:a14="http://schemas.microsoft.com/office/drawing/2010/main">
+                <a:solidFill>
+                  <a:srgbClr val="FFFFFF"/>
+                </a:solidFill>
+              </a14:hiddenFill>
+            </a:ext>
+          </a:extLst>
+        </p:spPr>
+      </p:pic>
+      <p:pic>
+        <p:nvPicPr>
+          <p:cNvPr id="3" name="Picture 8" descr="3 tips for great AWS CloudFormation templates | by Jon Vogel | Medium">
+            <a:extLst>
+              <a:ext uri="{FF2B5EF4-FFF2-40B4-BE49-F238E27FC236}">
+                <a16:creationId xmlns:a16="http://schemas.microsoft.com/office/drawing/2014/main" id="{A7BC78D1-4B23-41C3-1FC5-6BDF8A3E90D5}"/>
+              </a:ext>
+            </a:extLst>
+          </p:cNvPr>
+          <p:cNvPicPr>
+            <a:picLocks noChangeAspect="1" noChangeArrowheads="1"/>
+          </p:cNvPicPr>
+          <p:nvPr/>
+        </p:nvPicPr>
+        <p:blipFill>
+          <a:blip r:embed="rId3">
+            <a:extLst>
+              <a:ext uri="{28A0092B-C50C-407E-A947-70E740481C1C}">
+                <a14:useLocalDpi xmlns:a14="http://schemas.microsoft.com/office/drawing/2010/main" val="0"/>
+              </a:ext>
+            </a:extLst>
+          </a:blip>
+          <a:srcRect/>
+          <a:stretch>
+            <a:fillRect/>
+          </a:stretch>
+        </p:blipFill>
+        <p:spPr bwMode="auto">
+          <a:xfrm>
+            <a:off x="7336322" y="3117669"/>
+            <a:ext cx="4855678" cy="3870960"/>
+          </a:xfrm>
+          <a:prstGeom prst="rect">
+            <a:avLst/>
+          </a:prstGeom>
+          <a:noFill/>
+          <a:extLst>
+            <a:ext uri="{909E8E84-426E-40DD-AFC4-6F175D3DCCD1}">
+              <a14:hiddenFill xmlns:a14="http://schemas.microsoft.com/office/drawing/2010/main">
+                <a:solidFill>
+                  <a:srgbClr val="FFFFFF"/>
+                </a:solidFill>
+              </a14:hiddenFill>
+            </a:ext>
+          </a:extLst>
+        </p:spPr>
+      </p:pic>
+      <p:pic>
+        <p:nvPicPr>
+          <p:cNvPr id="4" name="Picture 4" descr="Ansible Tutorial for Beginners: Playbook, Commands &amp; Example">
+            <a:extLst>
+              <a:ext uri="{FF2B5EF4-FFF2-40B4-BE49-F238E27FC236}">
+                <a16:creationId xmlns:a16="http://schemas.microsoft.com/office/drawing/2014/main" id="{1202661E-3EC5-C3F7-5B33-179FF7479591}"/>
+              </a:ext>
+            </a:extLst>
+          </p:cNvPr>
+          <p:cNvPicPr>
+            <a:picLocks noChangeAspect="1" noChangeArrowheads="1"/>
+          </p:cNvPicPr>
+          <p:nvPr/>
+        </p:nvPicPr>
+        <p:blipFill>
+          <a:blip r:embed="rId4">
+            <a:extLst>
+              <a:ext uri="{28A0092B-C50C-407E-A947-70E740481C1C}">
+                <a14:useLocalDpi xmlns:a14="http://schemas.microsoft.com/office/drawing/2010/main" val="0"/>
+              </a:ext>
+            </a:extLst>
+          </a:blip>
+          <a:srcRect/>
+          <a:stretch>
+            <a:fillRect/>
+          </a:stretch>
+        </p:blipFill>
+        <p:spPr bwMode="auto">
+          <a:xfrm>
+            <a:off x="3620861" y="0"/>
+            <a:ext cx="5416940" cy="3693368"/>
+          </a:xfrm>
+          <a:prstGeom prst="rect">
+            <a:avLst/>
+          </a:prstGeom>
+          <a:noFill/>
+          <a:extLst>
+            <a:ext uri="{909E8E84-426E-40DD-AFC4-6F175D3DCCD1}">
+              <a14:hiddenFill xmlns:a14="http://schemas.microsoft.com/office/drawing/2010/main">
+                <a:solidFill>
+                  <a:srgbClr val="FFFFFF"/>
+                </a:solidFill>
+              </a14:hiddenFill>
+            </a:ext>
+          </a:extLst>
+        </p:spPr>
+      </p:pic>
+    </p:spTree>
+    <p:extLst>
+      <p:ext uri="{BB962C8B-B14F-4D97-AF65-F5344CB8AC3E}">
+        <p14:creationId xmlns:p14="http://schemas.microsoft.com/office/powerpoint/2010/main" val="865548267"/>
+      </p:ext>
+    </p:extLst>
+  </p:cSld>
+  <p:clrMapOvr>
+    <a:masterClrMapping/>
+  </p:clrMapOvr>
+  <p:timing>
+    <p:tnLst>
+      <p:par>
+        <p:cTn id="1" dur="indefinite" restart="never" nodeType="tmRoot">
+          <p:childTnLst>
+            <p:seq concurrent="1" nextAc="seek">
+              <p:cTn id="2" dur="indefinite" nodeType="mainSeq">
+                <p:childTnLst>
+                  <p:par>
+                    <p:cTn id="3" fill="hold">
+                      <p:stCondLst>
+                        <p:cond delay="indefinite"/>
+                      </p:stCondLst>
+                      <p:childTnLst>
+                        <p:par>
+                          <p:cTn id="4" fill="hold">
+                            <p:stCondLst>
+                              <p:cond delay="0"/>
+                            </p:stCondLst>
+                            <p:childTnLst>
+                              <p:par>
+                                <p:cTn id="5" presetID="14" presetClass="entr" presetSubtype="10" fill="hold" nodeType="clickEffect">
+                                  <p:stCondLst>
+                                    <p:cond delay="0"/>
+                                  </p:stCondLst>
+                                  <p:childTnLst>
+                                    <p:set>
+                                      <p:cBhvr>
+                                        <p:cTn id="6" dur="1" fill="hold">
+                                          <p:stCondLst>
+                                            <p:cond delay="0"/>
+                                          </p:stCondLst>
+                                        </p:cTn>
+                                        <p:tgtEl>
+                                          <p:spTgt spid="2"/>
+                                        </p:tgtEl>
+                                        <p:attrNameLst>
+                                          <p:attrName>style.visibility</p:attrName>
+                                        </p:attrNameLst>
+                                      </p:cBhvr>
+                                      <p:to>
+                                        <p:strVal val="visible"/>
+                                      </p:to>
+                                    </p:set>
+                                    <p:animEffect transition="in" filter="randombar(horizontal)">
+                                      <p:cBhvr>
+                                        <p:cTn id="7" dur="500"/>
+                                        <p:tgtEl>
+                                          <p:spTgt spid="2"/>
+                                        </p:tgtEl>
+                                      </p:cBhvr>
+                                    </p:animEffect>
+                                  </p:childTnLst>
+                                </p:cTn>
+                              </p:par>
+                            </p:childTnLst>
+                          </p:cTn>
+                        </p:par>
+                      </p:childTnLst>
+                    </p:cTn>
+                  </p:par>
                   <p:par>
                     <p:cTn id="8" fill="hold">
                       <p:stCondLst>
@@ -8086,7 +8204,7 @@
                             </p:stCondLst>
                             <p:childTnLst>
                               <p:par>
-                                <p:cTn id="10" presetID="2" presetClass="entr" presetSubtype="4" fill="hold" nodeType="clickEffect">
+                                <p:cTn id="10" presetID="22" presetClass="entr" presetSubtype="4" fill="hold" nodeType="clickEffect">
                                   <p:stCondLst>
                                     <p:cond delay="0"/>
                                   </p:stCondLst>
@@ -8099,7 +8217,60 @@
                                           </p:stCondLst>
                                         </p:cTn>
                                         <p:tgtEl>
-                                          <p:spTgt spid="5124"/>
+                                          <p:spTgt spid="3"/>
+                                        </p:tgtEl>
+                                        <p:attrNameLst>
+                                          <p:attrName>style.visibility</p:attrName>
+                                        </p:attrNameLst>
+                                      </p:cBhvr>
+                                      <p:to>
+                                        <p:strVal val="visible"/>
+                                      </p:to>
+                                    </p:set>
+                                    <p:animEffect transition="in" filter="wipe(down)">
+                                      <p:cBhvr>
+                                        <p:cTn id="12" dur="500"/>
+                                        <p:tgtEl>
+                                          <p:spTgt spid="3"/>
+                                        </p:tgtEl>
+                                      </p:cBhvr>
+                                    </p:animEffect>
+                                  </p:childTnLst>
+                                </p:cTn>
+                              </p:par>
+                            </p:childTnLst>
+                          </p:cTn>
+                        </p:par>
+                      </p:childTnLst>
+                    </p:cTn>
+                  </p:par>
+                  <p:par>
+                    <p:cTn id="13" fill="hold">
+                      <p:stCondLst>
+                        <p:cond delay="indefinite"/>
+                      </p:stCondLst>
+                      <p:childTnLst>
+                        <p:par>
+                          <p:cTn id="14" fill="hold">
+                            <p:stCondLst>
+                              <p:cond delay="0"/>
+                            </p:stCondLst>
+                            <p:childTnLst>
+                              <p:par>
+                                <p:cTn id="15" presetID="2" presetClass="entr" presetSubtype="4" fill="hold" nodeType="clickEffect">
+                                  <p:stCondLst>
+                                    <p:cond delay="0"/>
+                                  </p:stCondLst>
+                                  <p:childTnLst>
+                                    <p:set>
+                                      <p:cBhvr>
+                                        <p:cTn id="16" dur="1" fill="hold">
+                                          <p:stCondLst>
+                                            <p:cond delay="0"/>
+                                          </p:stCondLst>
+                                        </p:cTn>
+                                        <p:tgtEl>
+                                          <p:spTgt spid="4"/>
                                         </p:tgtEl>
                                         <p:attrNameLst>
                                           <p:attrName>style.visibility</p:attrName>
@@ -8111,9 +8282,9 @@
                                     </p:set>
                                     <p:anim calcmode="lin" valueType="num">
                                       <p:cBhvr additive="base">
-                                        <p:cTn id="12" dur="500" fill="hold"/>
+                                        <p:cTn id="17" dur="500" fill="hold"/>
                                         <p:tgtEl>
-                                          <p:spTgt spid="5124"/>
+                                          <p:spTgt spid="4"/>
                                         </p:tgtEl>
                                         <p:attrNameLst>
                                           <p:attrName>ppt_x</p:attrName>
@@ -8134,9 +8305,9 @@
                                     </p:anim>
                                     <p:anim calcmode="lin" valueType="num">
                                       <p:cBhvr additive="base">
-                                        <p:cTn id="13" dur="500" fill="hold"/>
+                                        <p:cTn id="18" dur="500" fill="hold"/>
                                         <p:tgtEl>
-                                          <p:spTgt spid="5124"/>
+                                          <p:spTgt spid="4"/>
                                         </p:tgtEl>
                                         <p:attrNameLst>
                                           <p:attrName>ppt_y</p:attrName>
@@ -8155,112 +8326,6 @@
                                         </p:tav>
                                       </p:tavLst>
                                     </p:anim>
-                                  </p:childTnLst>
-                                </p:cTn>
-                              </p:par>
-                            </p:childTnLst>
-                          </p:cTn>
-                        </p:par>
-                      </p:childTnLst>
-                    </p:cTn>
-                  </p:par>
-                  <p:par>
-                    <p:cTn id="14" fill="hold">
-                      <p:stCondLst>
-                        <p:cond delay="indefinite"/>
-                      </p:stCondLst>
-                      <p:childTnLst>
-                        <p:par>
-                          <p:cTn id="15" fill="hold">
-                            <p:stCondLst>
-                              <p:cond delay="0"/>
-                            </p:stCondLst>
-                            <p:childTnLst>
-                              <p:par>
-                                <p:cTn id="16" presetID="14" presetClass="entr" presetSubtype="10" fill="hold" nodeType="clickEffect">
-                                  <p:stCondLst>
-                                    <p:cond delay="0"/>
-                                  </p:stCondLst>
-                                  <p:childTnLst>
-                                    <p:set>
-                                      <p:cBhvr>
-                                        <p:cTn id="17" dur="1" fill="hold">
-                                          <p:stCondLst>
-                                            <p:cond delay="0"/>
-                                          </p:stCondLst>
-                                        </p:cTn>
-                                        <p:tgtEl>
-                                          <p:spTgt spid="4"/>
-                                        </p:tgtEl>
-                                        <p:attrNameLst>
-                                          <p:attrName>style.visibility</p:attrName>
-                                        </p:attrNameLst>
-                                      </p:cBhvr>
-                                      <p:to>
-                                        <p:strVal val="visible"/>
-                                      </p:to>
-                                    </p:set>
-                                    <p:animEffect transition="in" filter="randombar(horizontal)">
-                                      <p:cBhvr>
-                                        <p:cTn id="18" dur="500"/>
-                                        <p:tgtEl>
-                                          <p:spTgt spid="4"/>
-                                        </p:tgtEl>
-                                      </p:cBhvr>
-                                    </p:animEffect>
-                                  </p:childTnLst>
-                                </p:cTn>
-                              </p:par>
-                            </p:childTnLst>
-                          </p:cTn>
-                        </p:par>
-                      </p:childTnLst>
-                    </p:cTn>
-                  </p:par>
-                  <p:par>
-                    <p:cTn id="19" fill="hold">
-                      <p:stCondLst>
-                        <p:cond delay="indefinite"/>
-                      </p:stCondLst>
-                      <p:childTnLst>
-                        <p:par>
-                          <p:cTn id="20" fill="hold">
-                            <p:stCondLst>
-                              <p:cond delay="0"/>
-                            </p:stCondLst>
-                            <p:childTnLst>
-                              <p:par>
-                                <p:cTn id="21" presetID="22" presetClass="entr" presetSubtype="4" fill="hold" nodeType="clickEffect">
-                                  <p:stCondLst>
-                                    <p:cond delay="0"/>
-                                  </p:stCondLst>
-                                  <p:childTnLst>
-                                    <p:set>
-                                      <p:cBhvr>
-                                        <p:cTn id="22" dur="1" fill="hold">
-                                          <p:stCondLst>
-                                            <p:cond delay="0"/>
-                                          </p:stCondLst>
-                                        </p:cTn>
-                                        <p:tgtEl>
-                                          <p:spTgt spid="5"/>
-                                        </p:tgtEl>
-                                        <p:attrNameLst>
-                                          <p:attrName>style.visibility</p:attrName>
-                                        </p:attrNameLst>
-                                      </p:cBhvr>
-                                      <p:to>
-                                        <p:strVal val="visible"/>
-                                      </p:to>
-                                    </p:set>
-                                    <p:animEffect transition="in" filter="wipe(down)">
-                                      <p:cBhvr>
-                                        <p:cTn id="23" dur="500"/>
-                                        <p:tgtEl>
-                                          <p:spTgt spid="5"/>
-                                        </p:tgtEl>
-                                      </p:cBhvr>
-                                    </p:animEffect>
                                   </p:childTnLst>
                                 </p:cTn>
                               </p:par>
@@ -8295,7 +8360,7 @@
 </p:sld>
 </file>
 
-<file path=ppt/slides/slide16.xml><?xml version="1.0" encoding="utf-8"?>
+<file path=ppt/slides/slide17.xml><?xml version="1.0" encoding="utf-8"?>
 <p:sld xmlns:a="http://schemas.openxmlformats.org/drawingml/2006/main" xmlns:r="http://schemas.openxmlformats.org/officeDocument/2006/relationships" xmlns:p="http://schemas.openxmlformats.org/presentationml/2006/main">
   <p:cSld>
     <p:spTree>
@@ -8341,7 +8406,7 @@
         </p:blipFill>
         <p:spPr bwMode="auto">
           <a:xfrm>
-            <a:off x="600363" y="1693779"/>
+            <a:off x="765826" y="1367021"/>
             <a:ext cx="4119418" cy="2938654"/>
           </a:xfrm>
           <a:prstGeom prst="rect">
@@ -8427,7 +8492,7 @@
         </p:blipFill>
         <p:spPr>
           <a:xfrm>
-            <a:off x="5414064" y="1874613"/>
+            <a:off x="5911660" y="1203036"/>
             <a:ext cx="5133864" cy="3102639"/>
           </a:xfrm>
           <a:prstGeom prst="rect">
@@ -8567,7 +8632,7 @@
 </p:sld>
 </file>
 
-<file path=ppt/slides/slide17.xml><?xml version="1.0" encoding="utf-8"?>
+<file path=ppt/slides/slide18.xml><?xml version="1.0" encoding="utf-8"?>
 <p:sld xmlns:a="http://schemas.openxmlformats.org/drawingml/2006/main" xmlns:r="http://schemas.openxmlformats.org/officeDocument/2006/relationships" xmlns:p="http://schemas.openxmlformats.org/presentationml/2006/main">
   <p:cSld>
     <p:spTree>
@@ -8843,7 +8908,7 @@
 </p:sld>
 </file>
 
-<file path=ppt/slides/slide18.xml><?xml version="1.0" encoding="utf-8"?>
+<file path=ppt/slides/slide19.xml><?xml version="1.0" encoding="utf-8"?>
 <p:sld xmlns:a="http://schemas.openxmlformats.org/drawingml/2006/main" xmlns:r="http://schemas.openxmlformats.org/officeDocument/2006/relationships" xmlns:p="http://schemas.openxmlformats.org/presentationml/2006/main">
   <p:cSld>
     <p:spTree>
@@ -8939,268 +9004,6 @@
     <p:extLst>
       <p:ext uri="{BB962C8B-B14F-4D97-AF65-F5344CB8AC3E}">
         <p14:creationId xmlns:p14="http://schemas.microsoft.com/office/powerpoint/2010/main" val="2190663834"/>
-      </p:ext>
-    </p:extLst>
-  </p:cSld>
-  <p:clrMapOvr>
-    <a:masterClrMapping/>
-  </p:clrMapOvr>
-</p:sld>
-</file>
-
-<file path=ppt/slides/slide19.xml><?xml version="1.0" encoding="utf-8"?>
-<p:sld xmlns:a="http://schemas.openxmlformats.org/drawingml/2006/main" xmlns:r="http://schemas.openxmlformats.org/officeDocument/2006/relationships" xmlns:p="http://schemas.openxmlformats.org/presentationml/2006/main">
-  <p:cSld>
-    <p:spTree>
-      <p:nvGrpSpPr>
-        <p:cNvPr id="1" name=""/>
-        <p:cNvGrpSpPr/>
-        <p:nvPr/>
-      </p:nvGrpSpPr>
-      <p:grpSpPr>
-        <a:xfrm>
-          <a:off x="0" y="0"/>
-          <a:ext cx="0" cy="0"/>
-          <a:chOff x="0" y="0"/>
-          <a:chExt cx="0" cy="0"/>
-        </a:xfrm>
-      </p:grpSpPr>
-      <p:sp>
-        <p:nvSpPr>
-          <p:cNvPr id="5" name="Title 4">
-            <a:extLst>
-              <a:ext uri="{FF2B5EF4-FFF2-40B4-BE49-F238E27FC236}">
-                <a16:creationId xmlns:a16="http://schemas.microsoft.com/office/drawing/2014/main" id="{00E16887-D162-F9F9-5FE3-C8E2E12B2078}"/>
-              </a:ext>
-            </a:extLst>
-          </p:cNvPr>
-          <p:cNvSpPr>
-            <a:spLocks noGrp="1"/>
-          </p:cNvSpPr>
-          <p:nvPr>
-            <p:ph type="title"/>
-          </p:nvPr>
-        </p:nvSpPr>
-        <p:spPr/>
-        <p:txBody>
-          <a:bodyPr/>
-          <a:lstStyle/>
-          <a:p>
-            <a:r>
-              <a:rPr lang="en-IN" dirty="0"/>
-              <a:t>How Pulumi works</a:t>
-            </a:r>
-          </a:p>
-        </p:txBody>
-      </p:sp>
-      <p:sp>
-        <p:nvSpPr>
-          <p:cNvPr id="6" name="Content Placeholder 5">
-            <a:extLst>
-              <a:ext uri="{FF2B5EF4-FFF2-40B4-BE49-F238E27FC236}">
-                <a16:creationId xmlns:a16="http://schemas.microsoft.com/office/drawing/2014/main" id="{01E505D4-FA67-A33A-C83D-667F46B6D3E3}"/>
-              </a:ext>
-            </a:extLst>
-          </p:cNvPr>
-          <p:cNvSpPr>
-            <a:spLocks noGrp="1"/>
-          </p:cNvSpPr>
-          <p:nvPr>
-            <p:ph idx="1"/>
-          </p:nvPr>
-        </p:nvSpPr>
-        <p:spPr/>
-        <p:txBody>
-          <a:bodyPr/>
-          <a:lstStyle/>
-          <a:p>
-            <a:r>
-              <a:rPr kumimoji="0" lang="en-US" altLang="en-US" sz="2800" b="0" i="0" u="none" strike="noStrike" cap="none" normalizeH="0" baseline="0" dirty="0" err="1">
-                <a:ln>
-                  <a:noFill/>
-                </a:ln>
-                <a:solidFill>
-                  <a:srgbClr val="24292F"/>
-                </a:solidFill>
-                <a:effectLst/>
-                <a:latin typeface="ui-monospace"/>
-              </a:rPr>
-              <a:t>pulumi</a:t>
-            </a:r>
-            <a:r>
-              <a:rPr kumimoji="0" lang="en-US" altLang="en-US" sz="2800" b="0" i="0" u="none" strike="noStrike" cap="none" normalizeH="0" baseline="0" dirty="0">
-                <a:ln>
-                  <a:noFill/>
-                </a:ln>
-                <a:solidFill>
-                  <a:srgbClr val="24292F"/>
-                </a:solidFill>
-                <a:effectLst/>
-                <a:latin typeface="ui-monospace"/>
-              </a:rPr>
-              <a:t> new </a:t>
-            </a:r>
-            <a:r>
-              <a:rPr kumimoji="0" lang="en-US" altLang="en-US" sz="2800" b="0" i="0" u="none" strike="noStrike" cap="none" normalizeH="0" baseline="0" dirty="0" err="1">
-                <a:ln>
-                  <a:noFill/>
-                </a:ln>
-                <a:solidFill>
-                  <a:srgbClr val="24292F"/>
-                </a:solidFill>
-                <a:effectLst/>
-                <a:latin typeface="ui-monospace"/>
-              </a:rPr>
-              <a:t>aws</a:t>
-            </a:r>
-            <a:r>
-              <a:rPr kumimoji="0" lang="en-US" altLang="en-US" sz="2800" b="0" i="0" u="none" strike="noStrike" cap="none" normalizeH="0" baseline="0" dirty="0">
-                <a:ln>
-                  <a:noFill/>
-                </a:ln>
-                <a:solidFill>
-                  <a:srgbClr val="24292F"/>
-                </a:solidFill>
-                <a:effectLst/>
-                <a:latin typeface="ui-monospace"/>
-              </a:rPr>
-              <a:t>-java</a:t>
-            </a:r>
-            <a:r>
-              <a:rPr kumimoji="0" lang="en-US" altLang="en-US" b="0" i="0" u="none" strike="noStrike" cap="none" normalizeH="0" baseline="0" dirty="0">
-                <a:ln>
-                  <a:noFill/>
-                </a:ln>
-                <a:solidFill>
-                  <a:schemeClr val="tx1"/>
-                </a:solidFill>
-                <a:effectLst/>
-              </a:rPr>
-              <a:t> </a:t>
-            </a:r>
-          </a:p>
-          <a:p>
-            <a:r>
-              <a:rPr lang="en-US" altLang="en-US" sz="2800" dirty="0" err="1">
-                <a:solidFill>
-                  <a:srgbClr val="24292F"/>
-                </a:solidFill>
-                <a:latin typeface="ui-monospace"/>
-              </a:rPr>
-              <a:t>pulumi</a:t>
-            </a:r>
-            <a:r>
-              <a:rPr lang="en-US" altLang="en-US" sz="2800" dirty="0">
-                <a:solidFill>
-                  <a:srgbClr val="24292F"/>
-                </a:solidFill>
-                <a:latin typeface="ui-monospace"/>
-              </a:rPr>
-              <a:t> stack </a:t>
-            </a:r>
-            <a:r>
-              <a:rPr lang="en-US" altLang="en-US" sz="2800" dirty="0" err="1">
-                <a:solidFill>
-                  <a:srgbClr val="24292F"/>
-                </a:solidFill>
-                <a:latin typeface="ui-monospace"/>
-              </a:rPr>
-              <a:t>init</a:t>
-            </a:r>
-            <a:r>
-              <a:rPr lang="en-US" altLang="en-US" sz="2800" dirty="0">
-                <a:solidFill>
-                  <a:srgbClr val="24292F"/>
-                </a:solidFill>
-                <a:latin typeface="ui-monospace"/>
-              </a:rPr>
-              <a:t> dev</a:t>
-            </a:r>
-          </a:p>
-          <a:p>
-            <a:endParaRPr lang="en-IN" dirty="0"/>
-          </a:p>
-        </p:txBody>
-      </p:sp>
-      <p:sp>
-        <p:nvSpPr>
-          <p:cNvPr id="2" name="AutoShape 2" descr="Pulumi programming model diagram.">
-            <a:extLst>
-              <a:ext uri="{FF2B5EF4-FFF2-40B4-BE49-F238E27FC236}">
-                <a16:creationId xmlns:a16="http://schemas.microsoft.com/office/drawing/2014/main" id="{7FCC4206-2E7F-8CF6-B0D1-F3C9C1B67EDF}"/>
-              </a:ext>
-            </a:extLst>
-          </p:cNvPr>
-          <p:cNvSpPr>
-            <a:spLocks noChangeAspect="1" noChangeArrowheads="1"/>
-          </p:cNvSpPr>
-          <p:nvPr/>
-        </p:nvSpPr>
-        <p:spPr bwMode="auto">
-          <a:xfrm>
-            <a:off x="5943600" y="3276600"/>
-            <a:ext cx="304800" cy="304800"/>
-          </a:xfrm>
-          <a:prstGeom prst="rect">
-            <a:avLst/>
-          </a:prstGeom>
-          <a:noFill/>
-          <a:extLst>
-            <a:ext uri="{909E8E84-426E-40DD-AFC4-6F175D3DCCD1}">
-              <a14:hiddenFill xmlns:a14="http://schemas.microsoft.com/office/drawing/2010/main">
-                <a:solidFill>
-                  <a:srgbClr val="FFFFFF"/>
-                </a:solidFill>
-              </a14:hiddenFill>
-            </a:ext>
-          </a:extLst>
-        </p:spPr>
-        <p:txBody>
-          <a:bodyPr vert="horz" wrap="square" lIns="91440" tIns="45720" rIns="91440" bIns="45720" numCol="1" anchor="t" anchorCtr="0" compatLnSpc="1">
-            <a:prstTxWarp prst="textNoShape">
-              <a:avLst/>
-            </a:prstTxWarp>
-          </a:bodyPr>
-          <a:lstStyle/>
-          <a:p>
-            <a:endParaRPr lang="en-IN"/>
-          </a:p>
-        </p:txBody>
-      </p:sp>
-      <p:pic>
-        <p:nvPicPr>
-          <p:cNvPr id="4" name="Picture 3">
-            <a:extLst>
-              <a:ext uri="{FF2B5EF4-FFF2-40B4-BE49-F238E27FC236}">
-                <a16:creationId xmlns:a16="http://schemas.microsoft.com/office/drawing/2014/main" id="{4D862BBF-1E1D-21DB-CDFF-34700B551CF9}"/>
-              </a:ext>
-            </a:extLst>
-          </p:cNvPr>
-          <p:cNvPicPr>
-            <a:picLocks noChangeAspect="1"/>
-          </p:cNvPicPr>
-          <p:nvPr/>
-        </p:nvPicPr>
-        <p:blipFill>
-          <a:blip r:embed="rId2"/>
-          <a:stretch>
-            <a:fillRect/>
-          </a:stretch>
-        </p:blipFill>
-        <p:spPr>
-          <a:xfrm>
-            <a:off x="6172200" y="2115344"/>
-            <a:ext cx="5257800" cy="3771900"/>
-          </a:xfrm>
-          <a:prstGeom prst="rect">
-            <a:avLst/>
-          </a:prstGeom>
-        </p:spPr>
-      </p:pic>
-    </p:spTree>
-    <p:extLst>
-      <p:ext uri="{BB962C8B-B14F-4D97-AF65-F5344CB8AC3E}">
-        <p14:creationId xmlns:p14="http://schemas.microsoft.com/office/powerpoint/2010/main" val="2121083631"/>
       </p:ext>
     </p:extLst>
   </p:cSld>
@@ -9317,6 +9120,268 @@
       </p:grpSpPr>
       <p:sp>
         <p:nvSpPr>
+          <p:cNvPr id="5" name="Title 4">
+            <a:extLst>
+              <a:ext uri="{FF2B5EF4-FFF2-40B4-BE49-F238E27FC236}">
+                <a16:creationId xmlns:a16="http://schemas.microsoft.com/office/drawing/2014/main" id="{00E16887-D162-F9F9-5FE3-C8E2E12B2078}"/>
+              </a:ext>
+            </a:extLst>
+          </p:cNvPr>
+          <p:cNvSpPr>
+            <a:spLocks noGrp="1"/>
+          </p:cNvSpPr>
+          <p:nvPr>
+            <p:ph type="title"/>
+          </p:nvPr>
+        </p:nvSpPr>
+        <p:spPr/>
+        <p:txBody>
+          <a:bodyPr/>
+          <a:lstStyle/>
+          <a:p>
+            <a:r>
+              <a:rPr lang="en-IN" dirty="0"/>
+              <a:t>How Pulumi works</a:t>
+            </a:r>
+          </a:p>
+        </p:txBody>
+      </p:sp>
+      <p:sp>
+        <p:nvSpPr>
+          <p:cNvPr id="6" name="Content Placeholder 5">
+            <a:extLst>
+              <a:ext uri="{FF2B5EF4-FFF2-40B4-BE49-F238E27FC236}">
+                <a16:creationId xmlns:a16="http://schemas.microsoft.com/office/drawing/2014/main" id="{01E505D4-FA67-A33A-C83D-667F46B6D3E3}"/>
+              </a:ext>
+            </a:extLst>
+          </p:cNvPr>
+          <p:cNvSpPr>
+            <a:spLocks noGrp="1"/>
+          </p:cNvSpPr>
+          <p:nvPr>
+            <p:ph idx="1"/>
+          </p:nvPr>
+        </p:nvSpPr>
+        <p:spPr/>
+        <p:txBody>
+          <a:bodyPr/>
+          <a:lstStyle/>
+          <a:p>
+            <a:r>
+              <a:rPr kumimoji="0" lang="en-US" altLang="en-US" sz="2800" b="0" i="0" u="none" strike="noStrike" cap="none" normalizeH="0" baseline="0" dirty="0" err="1">
+                <a:ln>
+                  <a:noFill/>
+                </a:ln>
+                <a:solidFill>
+                  <a:srgbClr val="24292F"/>
+                </a:solidFill>
+                <a:effectLst/>
+                <a:latin typeface="ui-monospace"/>
+              </a:rPr>
+              <a:t>pulumi</a:t>
+            </a:r>
+            <a:r>
+              <a:rPr kumimoji="0" lang="en-US" altLang="en-US" sz="2800" b="0" i="0" u="none" strike="noStrike" cap="none" normalizeH="0" baseline="0" dirty="0">
+                <a:ln>
+                  <a:noFill/>
+                </a:ln>
+                <a:solidFill>
+                  <a:srgbClr val="24292F"/>
+                </a:solidFill>
+                <a:effectLst/>
+                <a:latin typeface="ui-monospace"/>
+              </a:rPr>
+              <a:t> new </a:t>
+            </a:r>
+            <a:r>
+              <a:rPr kumimoji="0" lang="en-US" altLang="en-US" sz="2800" b="0" i="0" u="none" strike="noStrike" cap="none" normalizeH="0" baseline="0" dirty="0" err="1">
+                <a:ln>
+                  <a:noFill/>
+                </a:ln>
+                <a:solidFill>
+                  <a:srgbClr val="24292F"/>
+                </a:solidFill>
+                <a:effectLst/>
+                <a:latin typeface="ui-monospace"/>
+              </a:rPr>
+              <a:t>aws</a:t>
+            </a:r>
+            <a:r>
+              <a:rPr kumimoji="0" lang="en-US" altLang="en-US" sz="2800" b="0" i="0" u="none" strike="noStrike" cap="none" normalizeH="0" baseline="0" dirty="0">
+                <a:ln>
+                  <a:noFill/>
+                </a:ln>
+                <a:solidFill>
+                  <a:srgbClr val="24292F"/>
+                </a:solidFill>
+                <a:effectLst/>
+                <a:latin typeface="ui-monospace"/>
+              </a:rPr>
+              <a:t>-java</a:t>
+            </a:r>
+            <a:r>
+              <a:rPr kumimoji="0" lang="en-US" altLang="en-US" b="0" i="0" u="none" strike="noStrike" cap="none" normalizeH="0" baseline="0" dirty="0">
+                <a:ln>
+                  <a:noFill/>
+                </a:ln>
+                <a:solidFill>
+                  <a:schemeClr val="tx1"/>
+                </a:solidFill>
+                <a:effectLst/>
+              </a:rPr>
+              <a:t> </a:t>
+            </a:r>
+          </a:p>
+          <a:p>
+            <a:r>
+              <a:rPr lang="en-US" altLang="en-US" sz="2800" dirty="0" err="1">
+                <a:solidFill>
+                  <a:srgbClr val="24292F"/>
+                </a:solidFill>
+                <a:latin typeface="ui-monospace"/>
+              </a:rPr>
+              <a:t>pulumi</a:t>
+            </a:r>
+            <a:r>
+              <a:rPr lang="en-US" altLang="en-US" sz="2800" dirty="0">
+                <a:solidFill>
+                  <a:srgbClr val="24292F"/>
+                </a:solidFill>
+                <a:latin typeface="ui-monospace"/>
+              </a:rPr>
+              <a:t> stack </a:t>
+            </a:r>
+            <a:r>
+              <a:rPr lang="en-US" altLang="en-US" sz="2800" dirty="0" err="1">
+                <a:solidFill>
+                  <a:srgbClr val="24292F"/>
+                </a:solidFill>
+                <a:latin typeface="ui-monospace"/>
+              </a:rPr>
+              <a:t>init</a:t>
+            </a:r>
+            <a:r>
+              <a:rPr lang="en-US" altLang="en-US" sz="2800" dirty="0">
+                <a:solidFill>
+                  <a:srgbClr val="24292F"/>
+                </a:solidFill>
+                <a:latin typeface="ui-monospace"/>
+              </a:rPr>
+              <a:t> dev</a:t>
+            </a:r>
+          </a:p>
+          <a:p>
+            <a:endParaRPr lang="en-IN" dirty="0"/>
+          </a:p>
+        </p:txBody>
+      </p:sp>
+      <p:sp>
+        <p:nvSpPr>
+          <p:cNvPr id="2" name="AutoShape 2" descr="Pulumi programming model diagram.">
+            <a:extLst>
+              <a:ext uri="{FF2B5EF4-FFF2-40B4-BE49-F238E27FC236}">
+                <a16:creationId xmlns:a16="http://schemas.microsoft.com/office/drawing/2014/main" id="{7FCC4206-2E7F-8CF6-B0D1-F3C9C1B67EDF}"/>
+              </a:ext>
+            </a:extLst>
+          </p:cNvPr>
+          <p:cNvSpPr>
+            <a:spLocks noChangeAspect="1" noChangeArrowheads="1"/>
+          </p:cNvSpPr>
+          <p:nvPr/>
+        </p:nvSpPr>
+        <p:spPr bwMode="auto">
+          <a:xfrm>
+            <a:off x="5943600" y="3276600"/>
+            <a:ext cx="304800" cy="304800"/>
+          </a:xfrm>
+          <a:prstGeom prst="rect">
+            <a:avLst/>
+          </a:prstGeom>
+          <a:noFill/>
+          <a:extLst>
+            <a:ext uri="{909E8E84-426E-40DD-AFC4-6F175D3DCCD1}">
+              <a14:hiddenFill xmlns:a14="http://schemas.microsoft.com/office/drawing/2010/main">
+                <a:solidFill>
+                  <a:srgbClr val="FFFFFF"/>
+                </a:solidFill>
+              </a14:hiddenFill>
+            </a:ext>
+          </a:extLst>
+        </p:spPr>
+        <p:txBody>
+          <a:bodyPr vert="horz" wrap="square" lIns="91440" tIns="45720" rIns="91440" bIns="45720" numCol="1" anchor="t" anchorCtr="0" compatLnSpc="1">
+            <a:prstTxWarp prst="textNoShape">
+              <a:avLst/>
+            </a:prstTxWarp>
+          </a:bodyPr>
+          <a:lstStyle/>
+          <a:p>
+            <a:endParaRPr lang="en-IN"/>
+          </a:p>
+        </p:txBody>
+      </p:sp>
+      <p:pic>
+        <p:nvPicPr>
+          <p:cNvPr id="4" name="Picture 3">
+            <a:extLst>
+              <a:ext uri="{FF2B5EF4-FFF2-40B4-BE49-F238E27FC236}">
+                <a16:creationId xmlns:a16="http://schemas.microsoft.com/office/drawing/2014/main" id="{4D862BBF-1E1D-21DB-CDFF-34700B551CF9}"/>
+              </a:ext>
+            </a:extLst>
+          </p:cNvPr>
+          <p:cNvPicPr>
+            <a:picLocks noChangeAspect="1"/>
+          </p:cNvPicPr>
+          <p:nvPr/>
+        </p:nvPicPr>
+        <p:blipFill>
+          <a:blip r:embed="rId2"/>
+          <a:stretch>
+            <a:fillRect/>
+          </a:stretch>
+        </p:blipFill>
+        <p:spPr>
+          <a:xfrm>
+            <a:off x="6172200" y="2115344"/>
+            <a:ext cx="5257800" cy="3771900"/>
+          </a:xfrm>
+          <a:prstGeom prst="rect">
+            <a:avLst/>
+          </a:prstGeom>
+        </p:spPr>
+      </p:pic>
+    </p:spTree>
+    <p:extLst>
+      <p:ext uri="{BB962C8B-B14F-4D97-AF65-F5344CB8AC3E}">
+        <p14:creationId xmlns:p14="http://schemas.microsoft.com/office/powerpoint/2010/main" val="2121083631"/>
+      </p:ext>
+    </p:extLst>
+  </p:cSld>
+  <p:clrMapOvr>
+    <a:masterClrMapping/>
+  </p:clrMapOvr>
+</p:sld>
+</file>
+
+<file path=ppt/slides/slide21.xml><?xml version="1.0" encoding="utf-8"?>
+<p:sld xmlns:a="http://schemas.openxmlformats.org/drawingml/2006/main" xmlns:r="http://schemas.openxmlformats.org/officeDocument/2006/relationships" xmlns:p="http://schemas.openxmlformats.org/presentationml/2006/main">
+  <p:cSld>
+    <p:spTree>
+      <p:nvGrpSpPr>
+        <p:cNvPr id="1" name=""/>
+        <p:cNvGrpSpPr/>
+        <p:nvPr/>
+      </p:nvGrpSpPr>
+      <p:grpSpPr>
+        <a:xfrm>
+          <a:off x="0" y="0"/>
+          <a:ext cx="0" cy="0"/>
+          <a:chOff x="0" y="0"/>
+          <a:chExt cx="0" cy="0"/>
+        </a:xfrm>
+      </p:grpSpPr>
+      <p:sp>
+        <p:nvSpPr>
           <p:cNvPr id="2" name="Title 1">
             <a:extLst>
               <a:ext uri="{FF2B5EF4-FFF2-40B4-BE49-F238E27FC236}">
@@ -9380,7 +9445,7 @@
         </p:blipFill>
         <p:spPr>
           <a:xfrm>
-            <a:off x="1063752" y="1742361"/>
+            <a:off x="628322" y="1176303"/>
             <a:ext cx="4420217" cy="5115639"/>
           </a:xfrm>
           <a:prstGeom prst="rect">
@@ -9431,7 +9496,7 @@
 </p:sld>
 </file>
 
-<file path=ppt/slides/slide21.xml><?xml version="1.0" encoding="utf-8"?>
+<file path=ppt/slides/slide22.xml><?xml version="1.0" encoding="utf-8"?>
 <p:sld xmlns:a="http://schemas.openxmlformats.org/drawingml/2006/main" xmlns:r="http://schemas.openxmlformats.org/officeDocument/2006/relationships" xmlns:p="http://schemas.openxmlformats.org/presentationml/2006/main">
   <p:cSld>
     <p:spTree>
@@ -9507,7 +9572,7 @@
         </p:blipFill>
         <p:spPr>
           <a:xfrm>
-            <a:off x="1358902" y="1927265"/>
+            <a:off x="731885" y="1221870"/>
             <a:ext cx="3210373" cy="333422"/>
           </a:xfrm>
         </p:spPr>
@@ -9534,7 +9599,7 @@
         </p:blipFill>
         <p:spPr>
           <a:xfrm>
-            <a:off x="1967079" y="2636371"/>
+            <a:off x="2219628" y="2183525"/>
             <a:ext cx="5401429" cy="1066949"/>
           </a:xfrm>
           <a:prstGeom prst="rect">
@@ -9555,7 +9620,7 @@
 </p:sld>
 </file>
 
-<file path=ppt/slides/slide22.xml><?xml version="1.0" encoding="utf-8"?>
+<file path=ppt/slides/slide23.xml><?xml version="1.0" encoding="utf-8"?>
 <p:sld xmlns:a="http://schemas.openxmlformats.org/drawingml/2006/main" xmlns:r="http://schemas.openxmlformats.org/officeDocument/2006/relationships" xmlns:p="http://schemas.openxmlformats.org/presentationml/2006/main">
   <p:cSld>
     <p:spTree>
@@ -9952,8 +10017,8 @@
         </p:blipFill>
         <p:spPr>
           <a:xfrm>
-            <a:off x="5680397" y="194106"/>
-            <a:ext cx="6373114" cy="3629532"/>
+            <a:off x="5632600" y="46812"/>
+            <a:ext cx="5835591" cy="3323409"/>
           </a:xfrm>
           <a:prstGeom prst="rect">
             <a:avLst/>
@@ -9982,7 +10047,7 @@
         </p:blipFill>
         <p:spPr>
           <a:xfrm>
-            <a:off x="5617703" y="3992671"/>
+            <a:off x="5828679" y="3370221"/>
             <a:ext cx="4782217" cy="3286584"/>
           </a:xfrm>
           <a:prstGeom prst="rect">
@@ -10033,7 +10098,7 @@
 </p:sld>
 </file>
 
-<file path=ppt/slides/slide23.xml><?xml version="1.0" encoding="utf-8"?>
+<file path=ppt/slides/slide24.xml><?xml version="1.0" encoding="utf-8"?>
 <p:sld xmlns:a="http://schemas.openxmlformats.org/drawingml/2006/main" xmlns:r="http://schemas.openxmlformats.org/officeDocument/2006/relationships" xmlns:p="http://schemas.openxmlformats.org/presentationml/2006/main">
   <p:cSld>
     <p:spTree>
@@ -10078,31 +10143,6 @@
           </a:p>
         </p:txBody>
       </p:sp>
-      <p:sp>
-        <p:nvSpPr>
-          <p:cNvPr id="3" name="Content Placeholder 2">
-            <a:extLst>
-              <a:ext uri="{FF2B5EF4-FFF2-40B4-BE49-F238E27FC236}">
-                <a16:creationId xmlns:a16="http://schemas.microsoft.com/office/drawing/2014/main" id="{1B644C8D-F207-DAEC-8627-31A4BAE46EDB}"/>
-              </a:ext>
-            </a:extLst>
-          </p:cNvPr>
-          <p:cNvSpPr>
-            <a:spLocks noGrp="1"/>
-          </p:cNvSpPr>
-          <p:nvPr>
-            <p:ph idx="1"/>
-          </p:nvPr>
-        </p:nvSpPr>
-        <p:spPr/>
-        <p:txBody>
-          <a:bodyPr/>
-          <a:lstStyle/>
-          <a:p>
-            <a:endParaRPr lang="en-IN"/>
-          </a:p>
-        </p:txBody>
-      </p:sp>
       <p:pic>
         <p:nvPicPr>
           <p:cNvPr id="5" name="Picture 4">
@@ -10125,7 +10165,7 @@
         </p:blipFill>
         <p:spPr>
           <a:xfrm>
-            <a:off x="471055" y="1763670"/>
+            <a:off x="0" y="1502413"/>
             <a:ext cx="12192000" cy="4475967"/>
           </a:xfrm>
           <a:prstGeom prst="rect">
@@ -10146,7 +10186,7 @@
 </p:sld>
 </file>
 
-<file path=ppt/slides/slide24.xml><?xml version="1.0" encoding="utf-8"?>
+<file path=ppt/slides/slide25.xml><?xml version="1.0" encoding="utf-8"?>
 <p:sld xmlns:a="http://schemas.openxmlformats.org/drawingml/2006/main" xmlns:r="http://schemas.openxmlformats.org/officeDocument/2006/relationships" xmlns:p="http://schemas.openxmlformats.org/presentationml/2006/main">
   <p:cSld>
     <p:spTree>
@@ -10256,7 +10296,7 @@
 </p:sld>
 </file>
 
-<file path=ppt/slides/slide25.xml><?xml version="1.0" encoding="utf-8"?>
+<file path=ppt/slides/slide26.xml><?xml version="1.0" encoding="utf-8"?>
 <p:sld xmlns:a="http://schemas.openxmlformats.org/drawingml/2006/main" xmlns:r="http://schemas.openxmlformats.org/officeDocument/2006/relationships" xmlns:p="http://schemas.openxmlformats.org/presentationml/2006/main">
   <p:cSld>
     <p:spTree>
@@ -10366,7 +10406,7 @@
 </p:sld>
 </file>
 
-<file path=ppt/slides/slide26.xml><?xml version="1.0" encoding="utf-8"?>
+<file path=ppt/slides/slide27.xml><?xml version="1.0" encoding="utf-8"?>
 <p:sld xmlns:a="http://schemas.openxmlformats.org/drawingml/2006/main" xmlns:r="http://schemas.openxmlformats.org/officeDocument/2006/relationships" xmlns:p="http://schemas.openxmlformats.org/presentationml/2006/main">
   <p:cSld>
     <p:spTree>
@@ -10476,7 +10516,7 @@
 </p:sld>
 </file>
 
-<file path=ppt/slides/slide27.xml><?xml version="1.0" encoding="utf-8"?>
+<file path=ppt/slides/slide28.xml><?xml version="1.0" encoding="utf-8"?>
 <p:sld xmlns:a="http://schemas.openxmlformats.org/drawingml/2006/main" xmlns:r="http://schemas.openxmlformats.org/officeDocument/2006/relationships" xmlns:p="http://schemas.openxmlformats.org/presentationml/2006/main">
   <p:cSld>
     <p:spTree>
@@ -10783,7 +10823,7 @@
 </p:sld>
 </file>
 
-<file path=ppt/slides/slide28.xml><?xml version="1.0" encoding="utf-8"?>
+<file path=ppt/slides/slide29.xml><?xml version="1.0" encoding="utf-8"?>
 <p:sld xmlns:a="http://schemas.openxmlformats.org/drawingml/2006/main" xmlns:r="http://schemas.openxmlformats.org/officeDocument/2006/relationships" xmlns:p="http://schemas.openxmlformats.org/presentationml/2006/main">
   <p:cSld>
     <p:spTree>
@@ -10881,7 +10921,6 @@
                 <a:schemeClr val="tx1"/>
               </a:solidFill>
               <a:effectLst/>
-              <a:latin typeface="Arial" panose="020B0604020202020204" pitchFamily="34" charset="0"/>
             </a:endParaRPr>
           </a:p>
           <a:p>
@@ -11095,7 +11134,115 @@
 </p:sld>
 </file>
 
-<file path=ppt/slides/slide29.xml><?xml version="1.0" encoding="utf-8"?>
+<file path=ppt/slides/slide3.xml><?xml version="1.0" encoding="utf-8"?>
+<p:sld xmlns:a="http://schemas.openxmlformats.org/drawingml/2006/main" xmlns:r="http://schemas.openxmlformats.org/officeDocument/2006/relationships" xmlns:p="http://schemas.openxmlformats.org/presentationml/2006/main">
+  <p:cSld>
+    <p:spTree>
+      <p:nvGrpSpPr>
+        <p:cNvPr id="1" name=""/>
+        <p:cNvGrpSpPr/>
+        <p:nvPr/>
+      </p:nvGrpSpPr>
+      <p:grpSpPr>
+        <a:xfrm>
+          <a:off x="0" y="0"/>
+          <a:ext cx="0" cy="0"/>
+          <a:chOff x="0" y="0"/>
+          <a:chExt cx="0" cy="0"/>
+        </a:xfrm>
+      </p:grpSpPr>
+      <p:sp>
+        <p:nvSpPr>
+          <p:cNvPr id="2" name="Title 1">
+            <a:extLst>
+              <a:ext uri="{FF2B5EF4-FFF2-40B4-BE49-F238E27FC236}">
+                <a16:creationId xmlns:a16="http://schemas.microsoft.com/office/drawing/2014/main" id="{CDDBD12E-6F6E-1FA0-4C05-06CDA68193E6}"/>
+              </a:ext>
+            </a:extLst>
+          </p:cNvPr>
+          <p:cNvSpPr>
+            <a:spLocks noGrp="1"/>
+          </p:cNvSpPr>
+          <p:nvPr>
+            <p:ph type="title"/>
+          </p:nvPr>
+        </p:nvSpPr>
+        <p:spPr/>
+        <p:txBody>
+          <a:bodyPr>
+            <a:normAutofit fontScale="90000"/>
+          </a:bodyPr>
+          <a:lstStyle/>
+          <a:p>
+            <a:pPr marL="3054350" indent="-3054350"/>
+            <a:r>
+              <a:rPr lang="en-IN" dirty="0"/>
+              <a:t>&lt;Lc/</a:t>
+            </a:r>
+            <a:r>
+              <a:rPr lang="en-IN" dirty="0" err="1"/>
+              <a:t>nc</a:t>
+            </a:r>
+            <a:r>
+              <a:rPr lang="en-IN" dirty="0"/>
+              <a:t>&gt; - LOW CODE/NO CODE DevOps</a:t>
+            </a:r>
+            <a:br>
+              <a:rPr lang="en-IN" dirty="0"/>
+            </a:br>
+            <a:r>
+              <a:rPr lang="en-IN" sz="2400" dirty="0"/>
+              <a:t>to Everything as CODE</a:t>
+            </a:r>
+            <a:endParaRPr lang="en-IN" dirty="0"/>
+          </a:p>
+        </p:txBody>
+      </p:sp>
+      <p:graphicFrame>
+        <p:nvGraphicFramePr>
+          <p:cNvPr id="4" name="Content Placeholder 3">
+            <a:extLst>
+              <a:ext uri="{FF2B5EF4-FFF2-40B4-BE49-F238E27FC236}">
+                <a16:creationId xmlns:a16="http://schemas.microsoft.com/office/drawing/2014/main" id="{A5618265-EB56-DCB9-04E7-2B2A5A566A22}"/>
+              </a:ext>
+            </a:extLst>
+          </p:cNvPr>
+          <p:cNvGraphicFramePr>
+            <a:graphicFrameLocks noGrp="1"/>
+          </p:cNvGraphicFramePr>
+          <p:nvPr>
+            <p:ph idx="1"/>
+            <p:extLst>
+              <p:ext uri="{D42A27DB-BD31-4B8C-83A1-F6EECF244321}">
+                <p14:modId xmlns:p14="http://schemas.microsoft.com/office/powerpoint/2010/main" val="241221072"/>
+              </p:ext>
+            </p:extLst>
+          </p:nvPr>
+        </p:nvGraphicFramePr>
+        <p:xfrm>
+          <a:off x="1069848" y="2121408"/>
+          <a:ext cx="10058400" cy="4050792"/>
+        </p:xfrm>
+        <a:graphic>
+          <a:graphicData uri="http://schemas.openxmlformats.org/drawingml/2006/diagram">
+            <dgm:relIds xmlns:dgm="http://schemas.openxmlformats.org/drawingml/2006/diagram" xmlns:r="http://schemas.openxmlformats.org/officeDocument/2006/relationships" r:dm="rId2" r:lo="rId3" r:qs="rId4" r:cs="rId5"/>
+          </a:graphicData>
+        </a:graphic>
+      </p:graphicFrame>
+    </p:spTree>
+    <p:extLst>
+      <p:ext uri="{BB962C8B-B14F-4D97-AF65-F5344CB8AC3E}">
+        <p14:creationId xmlns:p14="http://schemas.microsoft.com/office/powerpoint/2010/main" val="3591333091"/>
+      </p:ext>
+    </p:extLst>
+  </p:cSld>
+  <p:clrMapOvr>
+    <a:masterClrMapping/>
+  </p:clrMapOvr>
+</p:sld>
+</file>
+
+<file path=ppt/slides/slide30.xml><?xml version="1.0" encoding="utf-8"?>
 <p:sld xmlns:a="http://schemas.openxmlformats.org/drawingml/2006/main" xmlns:r="http://schemas.openxmlformats.org/officeDocument/2006/relationships" xmlns:p="http://schemas.openxmlformats.org/presentationml/2006/main">
   <p:cSld>
     <p:spTree>
@@ -11172,119 +11319,7 @@
 </p:sld>
 </file>
 
-<file path=ppt/slides/slide3.xml><?xml version="1.0" encoding="utf-8"?>
-<p:sld xmlns:a="http://schemas.openxmlformats.org/drawingml/2006/main" xmlns:r="http://schemas.openxmlformats.org/officeDocument/2006/relationships" xmlns:p="http://schemas.openxmlformats.org/presentationml/2006/main">
-  <p:cSld>
-    <p:spTree>
-      <p:nvGrpSpPr>
-        <p:cNvPr id="1" name=""/>
-        <p:cNvGrpSpPr/>
-        <p:nvPr/>
-      </p:nvGrpSpPr>
-      <p:grpSpPr>
-        <a:xfrm>
-          <a:off x="0" y="0"/>
-          <a:ext cx="0" cy="0"/>
-          <a:chOff x="0" y="0"/>
-          <a:chExt cx="0" cy="0"/>
-        </a:xfrm>
-      </p:grpSpPr>
-      <p:sp>
-        <p:nvSpPr>
-          <p:cNvPr id="2" name="Title 1">
-            <a:extLst>
-              <a:ext uri="{FF2B5EF4-FFF2-40B4-BE49-F238E27FC236}">
-                <a16:creationId xmlns:a16="http://schemas.microsoft.com/office/drawing/2014/main" id="{CDDBD12E-6F6E-1FA0-4C05-06CDA68193E6}"/>
-              </a:ext>
-            </a:extLst>
-          </p:cNvPr>
-          <p:cNvSpPr>
-            <a:spLocks noGrp="1"/>
-          </p:cNvSpPr>
-          <p:nvPr>
-            <p:ph type="title"/>
-          </p:nvPr>
-        </p:nvSpPr>
-        <p:spPr/>
-        <p:txBody>
-          <a:bodyPr>
-            <a:normAutofit fontScale="90000"/>
-          </a:bodyPr>
-          <a:lstStyle/>
-          <a:p>
-            <a:pPr marL="3054350" indent="-3054350"/>
-            <a:r>
-              <a:rPr lang="en-IN" dirty="0"/>
-              <a:t>&lt;Lc/</a:t>
-            </a:r>
-            <a:r>
-              <a:rPr lang="en-IN" dirty="0" err="1"/>
-              <a:t>nc</a:t>
-            </a:r>
-            <a:r>
-              <a:rPr lang="en-IN" dirty="0"/>
-              <a:t>&gt; - LOW CODE/NO CODE </a:t>
-            </a:r>
-            <a:r>
-              <a:rPr lang="en-IN" dirty="0" err="1"/>
-              <a:t>Devops</a:t>
-            </a:r>
-            <a:br>
-              <a:rPr lang="en-IN" dirty="0"/>
-            </a:br>
-            <a:r>
-              <a:rPr lang="en-IN" sz="2400" dirty="0"/>
-              <a:t>to Everything as CODE</a:t>
-            </a:r>
-            <a:endParaRPr lang="en-IN" dirty="0"/>
-          </a:p>
-        </p:txBody>
-      </p:sp>
-      <p:graphicFrame>
-        <p:nvGraphicFramePr>
-          <p:cNvPr id="4" name="Content Placeholder 3">
-            <a:extLst>
-              <a:ext uri="{FF2B5EF4-FFF2-40B4-BE49-F238E27FC236}">
-                <a16:creationId xmlns:a16="http://schemas.microsoft.com/office/drawing/2014/main" id="{A5618265-EB56-DCB9-04E7-2B2A5A566A22}"/>
-              </a:ext>
-            </a:extLst>
-          </p:cNvPr>
-          <p:cNvGraphicFramePr>
-            <a:graphicFrameLocks noGrp="1"/>
-          </p:cNvGraphicFramePr>
-          <p:nvPr>
-            <p:ph idx="1"/>
-            <p:extLst>
-              <p:ext uri="{D42A27DB-BD31-4B8C-83A1-F6EECF244321}">
-                <p14:modId xmlns:p14="http://schemas.microsoft.com/office/powerpoint/2010/main" val="241221072"/>
-              </p:ext>
-            </p:extLst>
-          </p:nvPr>
-        </p:nvGraphicFramePr>
-        <p:xfrm>
-          <a:off x="1069848" y="2121408"/>
-          <a:ext cx="10058400" cy="4050792"/>
-        </p:xfrm>
-        <a:graphic>
-          <a:graphicData uri="http://schemas.openxmlformats.org/drawingml/2006/diagram">
-            <dgm:relIds xmlns:dgm="http://schemas.openxmlformats.org/drawingml/2006/diagram" xmlns:r="http://schemas.openxmlformats.org/officeDocument/2006/relationships" r:dm="rId2" r:lo="rId3" r:qs="rId4" r:cs="rId5"/>
-          </a:graphicData>
-        </a:graphic>
-      </p:graphicFrame>
-    </p:spTree>
-    <p:extLst>
-      <p:ext uri="{BB962C8B-B14F-4D97-AF65-F5344CB8AC3E}">
-        <p14:creationId xmlns:p14="http://schemas.microsoft.com/office/powerpoint/2010/main" val="3591333091"/>
-      </p:ext>
-    </p:extLst>
-  </p:cSld>
-  <p:clrMapOvr>
-    <a:masterClrMapping/>
-  </p:clrMapOvr>
-</p:sld>
-</file>
-
-<file path=ppt/slides/slide30.xml><?xml version="1.0" encoding="utf-8"?>
+<file path=ppt/slides/slide31.xml><?xml version="1.0" encoding="utf-8"?>
 <p:sld xmlns:a="http://schemas.openxmlformats.org/drawingml/2006/main" xmlns:r="http://schemas.openxmlformats.org/officeDocument/2006/relationships" xmlns:p="http://schemas.openxmlformats.org/presentationml/2006/main">
   <p:cSld>
     <p:spTree>
@@ -11360,12 +11395,14 @@
                 </a:solidFill>
                 <a:effectLst/>
                 <a:latin typeface="JetBrains Mono"/>
-                <a:hlinkClick r:id="rId2"/>
-              </a:rPr>
-              <a:t>https://</a:t>
-            </a:r>
-            <a:r>
-              <a:rPr kumimoji="0" lang="en-US" altLang="en-US" sz="2000" b="0" i="0" u="none" strike="noStrike" cap="none" normalizeH="0" baseline="0" dirty="0" err="1">
+              </a:rPr>
+              <a:t>Around 320+ examples exists, for various Clouds and Various Languages</a:t>
+            </a:r>
+          </a:p>
+          <a:p>
+            <a:pPr lvl="1"/>
+            <a:r>
+              <a:rPr kumimoji="0" lang="en-US" altLang="en-US" b="0" i="0" u="none" strike="noStrike" cap="none" normalizeH="0" baseline="0" dirty="0">
                 <a:ln>
                   <a:noFill/>
                 </a:ln>
@@ -11376,8 +11413,76 @@
                 <a:latin typeface="JetBrains Mono"/>
                 <a:hlinkClick r:id="rId2"/>
               </a:rPr>
+              <a:t>https://</a:t>
+            </a:r>
+            <a:r>
+              <a:rPr kumimoji="0" lang="en-US" altLang="en-US" b="0" i="0" u="none" strike="noStrike" cap="none" normalizeH="0" baseline="0" dirty="0" err="1">
+                <a:ln>
+                  <a:noFill/>
+                </a:ln>
+                <a:solidFill>
+                  <a:srgbClr val="080808"/>
+                </a:solidFill>
+                <a:effectLst/>
+                <a:latin typeface="JetBrains Mono"/>
+                <a:hlinkClick r:id="rId2"/>
+              </a:rPr>
               <a:t>github.com</a:t>
             </a:r>
+            <a:r>
+              <a:rPr kumimoji="0" lang="en-US" altLang="en-US" b="0" i="0" u="none" strike="noStrike" cap="none" normalizeH="0" baseline="0" dirty="0">
+                <a:ln>
+                  <a:noFill/>
+                </a:ln>
+                <a:solidFill>
+                  <a:srgbClr val="080808"/>
+                </a:solidFill>
+                <a:effectLst/>
+                <a:latin typeface="JetBrains Mono"/>
+                <a:hlinkClick r:id="rId2"/>
+              </a:rPr>
+              <a:t>/</a:t>
+            </a:r>
+            <a:r>
+              <a:rPr kumimoji="0" lang="en-US" altLang="en-US" b="0" i="0" u="none" strike="noStrike" cap="none" normalizeH="0" baseline="0" dirty="0" err="1">
+                <a:ln>
+                  <a:noFill/>
+                </a:ln>
+                <a:solidFill>
+                  <a:srgbClr val="080808"/>
+                </a:solidFill>
+                <a:effectLst/>
+                <a:latin typeface="JetBrains Mono"/>
+                <a:hlinkClick r:id="rId2"/>
+              </a:rPr>
+              <a:t>pulumi</a:t>
+            </a:r>
+            <a:r>
+              <a:rPr kumimoji="0" lang="en-US" altLang="en-US" b="0" i="0" u="none" strike="noStrike" cap="none" normalizeH="0" baseline="0" dirty="0">
+                <a:ln>
+                  <a:noFill/>
+                </a:ln>
+                <a:solidFill>
+                  <a:srgbClr val="080808"/>
+                </a:solidFill>
+                <a:effectLst/>
+                <a:latin typeface="JetBrains Mono"/>
+                <a:hlinkClick r:id="rId2"/>
+              </a:rPr>
+              <a:t>/examples</a:t>
+            </a:r>
+            <a:endParaRPr kumimoji="0" lang="en-US" altLang="en-US" b="0" i="0" u="none" strike="noStrike" cap="none" normalizeH="0" baseline="0" dirty="0">
+              <a:ln>
+                <a:noFill/>
+              </a:ln>
+              <a:solidFill>
+                <a:srgbClr val="080808"/>
+              </a:solidFill>
+              <a:effectLst/>
+              <a:latin typeface="JetBrains Mono"/>
+            </a:endParaRPr>
+          </a:p>
+          <a:p>
             <a:r>
               <a:rPr kumimoji="0" lang="en-US" altLang="en-US" sz="2000" b="0" i="0" u="none" strike="noStrike" cap="none" normalizeH="0" baseline="0" dirty="0">
                 <a:ln>
@@ -11388,12 +11493,14 @@
                 </a:solidFill>
                 <a:effectLst/>
                 <a:latin typeface="JetBrains Mono"/>
-                <a:hlinkClick r:id="rId2"/>
-              </a:rPr>
-              <a:t>/</a:t>
-            </a:r>
-            <a:r>
-              <a:rPr kumimoji="0" lang="en-US" altLang="en-US" sz="2000" b="0" i="0" u="none" strike="noStrike" cap="none" normalizeH="0" baseline="0" dirty="0" err="1">
+              </a:rPr>
+              <a:t>Taken parts of the code modified enough for this demo, source of this modified code at </a:t>
+            </a:r>
+          </a:p>
+          <a:p>
+            <a:pPr lvl="1"/>
+            <a:r>
+              <a:rPr kumimoji="0" lang="en-US" altLang="en-US" b="0" i="0" u="none" strike="noStrike" cap="none" normalizeH="0" baseline="0" dirty="0">
                 <a:ln>
                   <a:noFill/>
                 </a:ln>
@@ -11402,12 +11509,28 @@
                 </a:solidFill>
                 <a:effectLst/>
                 <a:latin typeface="JetBrains Mono"/>
-                <a:hlinkClick r:id="rId2"/>
-              </a:rPr>
-              <a:t>pulumi</a:t>
-            </a:r>
-            <a:r>
-              <a:rPr kumimoji="0" lang="en-US" altLang="en-US" sz="2000" b="0" i="0" u="none" strike="noStrike" cap="none" normalizeH="0" baseline="0" dirty="0">
+                <a:hlinkClick r:id="rId3"/>
+              </a:rPr>
+              <a:t>https://</a:t>
+            </a:r>
+            <a:r>
+              <a:rPr lang="en-US" altLang="en-US" dirty="0" err="1">
+                <a:solidFill>
+                  <a:srgbClr val="080808"/>
+                </a:solidFill>
+                <a:latin typeface="JetBrains Mono"/>
+                <a:hlinkClick r:id="rId3">
+                  <a:extLst>
+                    <a:ext uri="{A12FA001-AC4F-418D-AE19-62706E023703}">
+                      <ahyp:hlinkClr xmlns:ahyp="http://schemas.microsoft.com/office/drawing/2018/hyperlinkcolor" val="tx"/>
+                    </a:ext>
+                  </a:extLst>
+                </a:hlinkClick>
+              </a:rPr>
+              <a:t>github</a:t>
+            </a:r>
+            <a:r>
+              <a:rPr kumimoji="0" lang="en-US" altLang="en-US" b="0" i="0" u="none" strike="noStrike" cap="none" normalizeH="0" baseline="0" dirty="0" err="1">
                 <a:ln>
                   <a:noFill/>
                 </a:ln>
@@ -11416,11 +11539,39 @@
                 </a:solidFill>
                 <a:effectLst/>
                 <a:latin typeface="JetBrains Mono"/>
-                <a:hlinkClick r:id="rId2"/>
-              </a:rPr>
-              <a:t>/examples</a:t>
-            </a:r>
-            <a:endParaRPr kumimoji="0" lang="en-US" altLang="en-US" sz="2000" b="0" i="0" u="none" strike="noStrike" cap="none" normalizeH="0" baseline="0" dirty="0">
+                <a:hlinkClick r:id="rId3"/>
+              </a:rPr>
+              <a:t>.com</a:t>
+            </a:r>
+            <a:r>
+              <a:rPr kumimoji="0" lang="en-US" altLang="en-US" b="0" i="0" u="none" strike="noStrike" cap="none" normalizeH="0" baseline="0" dirty="0">
+                <a:ln>
+                  <a:noFill/>
+                </a:ln>
+                <a:solidFill>
+                  <a:srgbClr val="080808"/>
+                </a:solidFill>
+                <a:effectLst/>
+                <a:latin typeface="JetBrains Mono"/>
+                <a:hlinkClick r:id="rId3"/>
+              </a:rPr>
+              <a:t>/nagkumar/</a:t>
+            </a:r>
+            <a:r>
+              <a:rPr kumimoji="0" lang="en-US" altLang="en-US" b="0" i="0" u="none" strike="noStrike" cap="none" normalizeH="0" baseline="0" dirty="0" err="1">
+                <a:ln>
+                  <a:noFill/>
+                </a:ln>
+                <a:solidFill>
+                  <a:srgbClr val="080808"/>
+                </a:solidFill>
+                <a:effectLst/>
+                <a:latin typeface="JetBrains Mono"/>
+                <a:hlinkClick r:id="rId3"/>
+              </a:rPr>
+              <a:t>pulumi</a:t>
+            </a:r>
+            <a:endParaRPr kumimoji="0" lang="en-US" altLang="en-US" b="0" i="0" u="none" strike="noStrike" cap="none" normalizeH="0" baseline="0" dirty="0">
               <a:ln>
                 <a:noFill/>
               </a:ln>
@@ -11430,141 +11581,6 @@
               <a:effectLst/>
               <a:latin typeface="JetBrains Mono"/>
             </a:endParaRPr>
-          </a:p>
-          <a:p>
-            <a:r>
-              <a:rPr kumimoji="0" lang="en-US" altLang="en-US" sz="2000" b="0" i="0" u="none" strike="noStrike" cap="none" normalizeH="0" baseline="0" dirty="0">
-                <a:ln>
-                  <a:noFill/>
-                </a:ln>
-                <a:solidFill>
-                  <a:srgbClr val="080808"/>
-                </a:solidFill>
-                <a:effectLst/>
-                <a:latin typeface="JetBrains Mono"/>
-              </a:rPr>
-              <a:t>Around 320+ examples exists, for various Clouds and Various Languages</a:t>
-            </a:r>
-          </a:p>
-          <a:p>
-            <a:r>
-              <a:rPr kumimoji="0" lang="en-US" altLang="en-US" sz="2000" b="0" i="0" u="none" strike="noStrike" cap="none" normalizeH="0" baseline="0" dirty="0">
-                <a:ln>
-                  <a:noFill/>
-                </a:ln>
-                <a:solidFill>
-                  <a:srgbClr val="080808"/>
-                </a:solidFill>
-                <a:effectLst/>
-                <a:latin typeface="JetBrains Mono"/>
-              </a:rPr>
-              <a:t>Taken parts of the code modified enough for this demo, source of this modified code at </a:t>
-            </a:r>
-            <a:r>
-              <a:rPr kumimoji="0" lang="en-US" altLang="en-US" sz="2000" b="0" i="0" u="none" strike="noStrike" cap="none" normalizeH="0" baseline="0" dirty="0">
-                <a:ln>
-                  <a:noFill/>
-                </a:ln>
-                <a:solidFill>
-                  <a:srgbClr val="080808"/>
-                </a:solidFill>
-                <a:effectLst/>
-                <a:latin typeface="JetBrains Mono"/>
-                <a:hlinkClick r:id="rId3"/>
-              </a:rPr>
-              <a:t>https://</a:t>
-            </a:r>
-            <a:r>
-              <a:rPr kumimoji="0" lang="en-US" altLang="en-US" sz="2000" b="0" i="0" u="none" strike="noStrike" cap="none" normalizeH="0" baseline="0" dirty="0" err="1">
-                <a:ln>
-                  <a:noFill/>
-                </a:ln>
-                <a:solidFill>
-                  <a:srgbClr val="080808"/>
-                </a:solidFill>
-                <a:effectLst/>
-                <a:latin typeface="JetBrains Mono"/>
-                <a:hlinkClick r:id="rId3"/>
-              </a:rPr>
-              <a:t>github.com</a:t>
-            </a:r>
-            <a:r>
-              <a:rPr kumimoji="0" lang="en-US" altLang="en-US" sz="2000" b="0" i="0" u="none" strike="noStrike" cap="none" normalizeH="0" baseline="0" dirty="0">
-                <a:ln>
-                  <a:noFill/>
-                </a:ln>
-                <a:solidFill>
-                  <a:srgbClr val="080808"/>
-                </a:solidFill>
-                <a:effectLst/>
-                <a:latin typeface="JetBrains Mono"/>
-                <a:hlinkClick r:id="rId3"/>
-              </a:rPr>
-              <a:t>/nagkumar/</a:t>
-            </a:r>
-            <a:r>
-              <a:rPr kumimoji="0" lang="en-US" altLang="en-US" sz="2000" b="0" i="0" u="none" strike="noStrike" cap="none" normalizeH="0" baseline="0" dirty="0" err="1">
-                <a:ln>
-                  <a:noFill/>
-                </a:ln>
-                <a:solidFill>
-                  <a:srgbClr val="080808"/>
-                </a:solidFill>
-                <a:effectLst/>
-                <a:latin typeface="JetBrains Mono"/>
-                <a:hlinkClick r:id="rId3"/>
-              </a:rPr>
-              <a:t>pulumi</a:t>
-            </a:r>
-            <a:endParaRPr kumimoji="0" lang="en-US" altLang="en-US" sz="2000" b="0" i="0" u="none" strike="noStrike" cap="none" normalizeH="0" baseline="0" dirty="0">
-              <a:ln>
-                <a:noFill/>
-              </a:ln>
-              <a:solidFill>
-                <a:srgbClr val="080808"/>
-              </a:solidFill>
-              <a:effectLst/>
-              <a:latin typeface="JetBrains Mono"/>
-            </a:endParaRPr>
-          </a:p>
-          <a:p>
-            <a:br>
-              <a:rPr kumimoji="0" lang="en-US" altLang="en-US" sz="2000" b="0" i="0" u="none" strike="noStrike" cap="none" normalizeH="0" baseline="0" dirty="0">
-                <a:ln>
-                  <a:noFill/>
-                </a:ln>
-                <a:solidFill>
-                  <a:srgbClr val="080808"/>
-                </a:solidFill>
-                <a:effectLst/>
-                <a:latin typeface="JetBrains Mono"/>
-              </a:rPr>
-            </a:br>
-            <a:endParaRPr kumimoji="0" lang="en-US" altLang="en-US" sz="2000" b="0" i="0" u="none" strike="noStrike" cap="none" normalizeH="0" baseline="0" dirty="0">
-              <a:ln>
-                <a:noFill/>
-              </a:ln>
-              <a:solidFill>
-                <a:srgbClr val="080808"/>
-              </a:solidFill>
-              <a:effectLst/>
-              <a:latin typeface="JetBrains Mono"/>
-            </a:endParaRPr>
-          </a:p>
-          <a:p>
-            <a:endParaRPr kumimoji="0" lang="en-US" altLang="en-US" sz="4800" b="0" i="0" u="none" strike="noStrike" cap="none" normalizeH="0" baseline="0" dirty="0">
-              <a:ln>
-                <a:noFill/>
-              </a:ln>
-              <a:solidFill>
-                <a:schemeClr val="tx1"/>
-              </a:solidFill>
-              <a:effectLst/>
-              <a:latin typeface="Arial" panose="020B0604020202020204" pitchFamily="34" charset="0"/>
-            </a:endParaRPr>
-          </a:p>
-          <a:p>
-            <a:endParaRPr lang="en-IN" dirty="0"/>
           </a:p>
         </p:txBody>
       </p:sp>
@@ -11581,7 +11597,7 @@
 </p:sld>
 </file>
 
-<file path=ppt/slides/slide31.xml><?xml version="1.0" encoding="utf-8"?>
+<file path=ppt/slides/slide32.xml><?xml version="1.0" encoding="utf-8"?>
 <p:sld xmlns:a="http://schemas.openxmlformats.org/drawingml/2006/main" xmlns:r="http://schemas.openxmlformats.org/officeDocument/2006/relationships" xmlns:p="http://schemas.openxmlformats.org/presentationml/2006/main">
   <p:cSld>
     <p:spTree>
@@ -11897,7 +11913,7 @@
 </p:sld>
 </file>
 
-<file path=ppt/slides/slide32.xml><?xml version="1.0" encoding="utf-8"?>
+<file path=ppt/slides/slide33.xml><?xml version="1.0" encoding="utf-8"?>
 <p:sld xmlns:a="http://schemas.openxmlformats.org/drawingml/2006/main" xmlns:r="http://schemas.openxmlformats.org/officeDocument/2006/relationships" xmlns:p="http://schemas.openxmlformats.org/presentationml/2006/main">
   <p:cSld>
     <p:spTree>
@@ -12197,7 +12213,7 @@
 </p:sld>
 </file>
 
-<file path=ppt/slides/slide33.xml><?xml version="1.0" encoding="utf-8"?>
+<file path=ppt/slides/slide34.xml><?xml version="1.0" encoding="utf-8"?>
 <p:sld xmlns:a="http://schemas.openxmlformats.org/drawingml/2006/main" xmlns:r="http://schemas.openxmlformats.org/officeDocument/2006/relationships" xmlns:p="http://schemas.openxmlformats.org/presentationml/2006/main">
   <p:cSld>
     <p:spTree>
@@ -12498,7 +12514,7 @@
 </p:sld>
 </file>
 
-<file path=ppt/slides/slide34.xml><?xml version="1.0" encoding="utf-8"?>
+<file path=ppt/slides/slide35.xml><?xml version="1.0" encoding="utf-8"?>
 <p:sld xmlns:a="http://schemas.openxmlformats.org/drawingml/2006/main" xmlns:r="http://schemas.openxmlformats.org/officeDocument/2006/relationships" xmlns:p="http://schemas.openxmlformats.org/presentationml/2006/main">
   <p:cSld>
     <p:spTree>
@@ -14381,7 +14397,7 @@
 </p:sld>
 </file>
 
-<file path=ppt/slides/slide35.xml><?xml version="1.0" encoding="utf-8"?>
+<file path=ppt/slides/slide36.xml><?xml version="1.0" encoding="utf-8"?>
 <p:sld xmlns:a="http://schemas.openxmlformats.org/drawingml/2006/main" xmlns:r="http://schemas.openxmlformats.org/officeDocument/2006/relationships" xmlns:p="http://schemas.openxmlformats.org/presentationml/2006/main">
   <p:cSld>
     <p:spTree>
@@ -14777,7 +14793,7 @@
 </p:sld>
 </file>
 
-<file path=ppt/slides/slide36.xml><?xml version="1.0" encoding="utf-8"?>
+<file path=ppt/slides/slide37.xml><?xml version="1.0" encoding="utf-8"?>
 <p:sld xmlns:a="http://schemas.openxmlformats.org/drawingml/2006/main" xmlns:r="http://schemas.openxmlformats.org/officeDocument/2006/relationships" xmlns:p="http://schemas.openxmlformats.org/presentationml/2006/main">
   <p:cSld>
     <p:spTree>
@@ -15327,7 +15343,7 @@
 </p:sld>
 </file>
 
-<file path=ppt/slides/slide37.xml><?xml version="1.0" encoding="utf-8"?>
+<file path=ppt/slides/slide38.xml><?xml version="1.0" encoding="utf-8"?>
 <p:sld xmlns:a="http://schemas.openxmlformats.org/drawingml/2006/main" xmlns:r="http://schemas.openxmlformats.org/officeDocument/2006/relationships" xmlns:p="http://schemas.openxmlformats.org/presentationml/2006/main">
   <p:cSld>
     <p:spTree>
@@ -15344,56 +15360,6 @@
           <a:chExt cx="0" cy="0"/>
         </a:xfrm>
       </p:grpSpPr>
-      <p:sp>
-        <p:nvSpPr>
-          <p:cNvPr id="2" name="Title 1">
-            <a:extLst>
-              <a:ext uri="{FF2B5EF4-FFF2-40B4-BE49-F238E27FC236}">
-                <a16:creationId xmlns:a16="http://schemas.microsoft.com/office/drawing/2014/main" id="{D8A6209A-B594-9BAE-722A-EA32602CEFF3}"/>
-              </a:ext>
-            </a:extLst>
-          </p:cNvPr>
-          <p:cNvSpPr>
-            <a:spLocks noGrp="1"/>
-          </p:cNvSpPr>
-          <p:nvPr>
-            <p:ph type="title"/>
-          </p:nvPr>
-        </p:nvSpPr>
-        <p:spPr/>
-        <p:txBody>
-          <a:bodyPr/>
-          <a:lstStyle/>
-          <a:p>
-            <a:endParaRPr lang="en-IN"/>
-          </a:p>
-        </p:txBody>
-      </p:sp>
-      <p:sp>
-        <p:nvSpPr>
-          <p:cNvPr id="3" name="Content Placeholder 2">
-            <a:extLst>
-              <a:ext uri="{FF2B5EF4-FFF2-40B4-BE49-F238E27FC236}">
-                <a16:creationId xmlns:a16="http://schemas.microsoft.com/office/drawing/2014/main" id="{9A7A3CFE-ECD4-BA73-6764-C7F80BC51A34}"/>
-              </a:ext>
-            </a:extLst>
-          </p:cNvPr>
-          <p:cNvSpPr>
-            <a:spLocks noGrp="1"/>
-          </p:cNvSpPr>
-          <p:nvPr>
-            <p:ph idx="1"/>
-          </p:nvPr>
-        </p:nvSpPr>
-        <p:spPr/>
-        <p:txBody>
-          <a:bodyPr/>
-          <a:lstStyle/>
-          <a:p>
-            <a:endParaRPr lang="en-IN" dirty="0"/>
-          </a:p>
-        </p:txBody>
-      </p:sp>
       <p:pic>
         <p:nvPicPr>
           <p:cNvPr id="5" name="Picture 4">
@@ -15467,7 +15433,7 @@
 </p:sld>
 </file>
 
-<file path=ppt/slides/slide38.xml><?xml version="1.0" encoding="utf-8"?>
+<file path=ppt/slides/slide39.xml><?xml version="1.0" encoding="utf-8"?>
 <p:sld xmlns:a="http://schemas.openxmlformats.org/drawingml/2006/main" xmlns:r="http://schemas.openxmlformats.org/officeDocument/2006/relationships" xmlns:p="http://schemas.openxmlformats.org/presentationml/2006/main">
   <p:cSld>
     <p:spTree>
@@ -15681,7 +15647,133 @@
 </p:sld>
 </file>
 
-<file path=ppt/slides/slide39.xml><?xml version="1.0" encoding="utf-8"?>
+<file path=ppt/slides/slide4.xml><?xml version="1.0" encoding="utf-8"?>
+<p:sld xmlns:a="http://schemas.openxmlformats.org/drawingml/2006/main" xmlns:r="http://schemas.openxmlformats.org/officeDocument/2006/relationships" xmlns:p="http://schemas.openxmlformats.org/presentationml/2006/main">
+  <p:cSld>
+    <p:spTree>
+      <p:nvGrpSpPr>
+        <p:cNvPr id="1" name=""/>
+        <p:cNvGrpSpPr/>
+        <p:nvPr/>
+      </p:nvGrpSpPr>
+      <p:grpSpPr>
+        <a:xfrm>
+          <a:off x="0" y="0"/>
+          <a:ext cx="0" cy="0"/>
+          <a:chOff x="0" y="0"/>
+          <a:chExt cx="0" cy="0"/>
+        </a:xfrm>
+      </p:grpSpPr>
+      <p:sp>
+        <p:nvSpPr>
+          <p:cNvPr id="2" name="Title 1">
+            <a:extLst>
+              <a:ext uri="{FF2B5EF4-FFF2-40B4-BE49-F238E27FC236}">
+                <a16:creationId xmlns:a16="http://schemas.microsoft.com/office/drawing/2014/main" id="{DF803CCB-3596-BF96-813B-BFB91CDBC5CE}"/>
+              </a:ext>
+            </a:extLst>
+          </p:cNvPr>
+          <p:cNvSpPr>
+            <a:spLocks noGrp="1"/>
+          </p:cNvSpPr>
+          <p:nvPr>
+            <p:ph type="title"/>
+          </p:nvPr>
+        </p:nvSpPr>
+        <p:spPr/>
+        <p:txBody>
+          <a:bodyPr>
+            <a:normAutofit/>
+          </a:bodyPr>
+          <a:lstStyle/>
+          <a:p>
+            <a:r>
+              <a:rPr lang="en-IN" sz="4400" dirty="0"/>
+              <a:t>infrastructure - </a:t>
+            </a:r>
+            <a:r>
+              <a:rPr lang="en-IN" sz="4400" dirty="0" err="1"/>
+              <a:t>hARDWARE</a:t>
+            </a:r>
+            <a:endParaRPr lang="en-IN" sz="4400" dirty="0"/>
+          </a:p>
+        </p:txBody>
+      </p:sp>
+      <p:sp>
+        <p:nvSpPr>
+          <p:cNvPr id="3" name="Content Placeholder 2">
+            <a:extLst>
+              <a:ext uri="{FF2B5EF4-FFF2-40B4-BE49-F238E27FC236}">
+                <a16:creationId xmlns:a16="http://schemas.microsoft.com/office/drawing/2014/main" id="{B01065F6-ECBE-FF5E-9DAF-F7A7D06CDDC2}"/>
+              </a:ext>
+            </a:extLst>
+          </p:cNvPr>
+          <p:cNvSpPr>
+            <a:spLocks noGrp="1"/>
+          </p:cNvSpPr>
+          <p:nvPr>
+            <p:ph idx="1"/>
+          </p:nvPr>
+        </p:nvSpPr>
+        <p:spPr/>
+        <p:txBody>
+          <a:bodyPr/>
+          <a:lstStyle/>
+          <a:p>
+            <a:r>
+              <a:rPr lang="en-IN" dirty="0"/>
+              <a:t>Compute Machine</a:t>
+            </a:r>
+          </a:p>
+          <a:p>
+            <a:endParaRPr lang="en-IN" dirty="0"/>
+          </a:p>
+        </p:txBody>
+      </p:sp>
+      <p:pic>
+        <p:nvPicPr>
+          <p:cNvPr id="11" name="Picture 10">
+            <a:extLst>
+              <a:ext uri="{FF2B5EF4-FFF2-40B4-BE49-F238E27FC236}">
+                <a16:creationId xmlns:a16="http://schemas.microsoft.com/office/drawing/2014/main" id="{47130FB7-D27B-C46D-DEAC-4B68A316FDCC}"/>
+              </a:ext>
+            </a:extLst>
+          </p:cNvPr>
+          <p:cNvPicPr>
+            <a:picLocks noChangeAspect="1"/>
+          </p:cNvPicPr>
+          <p:nvPr/>
+        </p:nvPicPr>
+        <p:blipFill>
+          <a:blip r:embed="rId2"/>
+          <a:stretch>
+            <a:fillRect/>
+          </a:stretch>
+        </p:blipFill>
+        <p:spPr>
+          <a:xfrm>
+            <a:off x="3305175" y="2830068"/>
+            <a:ext cx="5581650" cy="3543300"/>
+          </a:xfrm>
+          <a:prstGeom prst="rect">
+            <a:avLst/>
+          </a:prstGeom>
+        </p:spPr>
+      </p:pic>
+    </p:spTree>
+    <p:extLst>
+      <p:ext uri="{BB962C8B-B14F-4D97-AF65-F5344CB8AC3E}">
+        <p14:creationId xmlns:p14="http://schemas.microsoft.com/office/powerpoint/2010/main" val="1167294500"/>
+      </p:ext>
+    </p:extLst>
+  </p:cSld>
+  <p:clrMapOvr>
+    <a:masterClrMapping/>
+  </p:clrMapOvr>
+</p:sld>
+</file>
+
+<file path=ppt/slides/slide40.xml><?xml version="1.0" encoding="utf-8"?>
 <p:sld xmlns:a="http://schemas.openxmlformats.org/drawingml/2006/main" xmlns:r="http://schemas.openxmlformats.org/officeDocument/2006/relationships" xmlns:p="http://schemas.openxmlformats.org/presentationml/2006/main">
   <p:cSld>
     <p:spTree>
@@ -15960,133 +16052,7 @@
 </p:sld>
 </file>
 
-<file path=ppt/slides/slide4.xml><?xml version="1.0" encoding="utf-8"?>
-<p:sld xmlns:a="http://schemas.openxmlformats.org/drawingml/2006/main" xmlns:r="http://schemas.openxmlformats.org/officeDocument/2006/relationships" xmlns:p="http://schemas.openxmlformats.org/presentationml/2006/main">
-  <p:cSld>
-    <p:spTree>
-      <p:nvGrpSpPr>
-        <p:cNvPr id="1" name=""/>
-        <p:cNvGrpSpPr/>
-        <p:nvPr/>
-      </p:nvGrpSpPr>
-      <p:grpSpPr>
-        <a:xfrm>
-          <a:off x="0" y="0"/>
-          <a:ext cx="0" cy="0"/>
-          <a:chOff x="0" y="0"/>
-          <a:chExt cx="0" cy="0"/>
-        </a:xfrm>
-      </p:grpSpPr>
-      <p:sp>
-        <p:nvSpPr>
-          <p:cNvPr id="2" name="Title 1">
-            <a:extLst>
-              <a:ext uri="{FF2B5EF4-FFF2-40B4-BE49-F238E27FC236}">
-                <a16:creationId xmlns:a16="http://schemas.microsoft.com/office/drawing/2014/main" id="{DF803CCB-3596-BF96-813B-BFB91CDBC5CE}"/>
-              </a:ext>
-            </a:extLst>
-          </p:cNvPr>
-          <p:cNvSpPr>
-            <a:spLocks noGrp="1"/>
-          </p:cNvSpPr>
-          <p:nvPr>
-            <p:ph type="title"/>
-          </p:nvPr>
-        </p:nvSpPr>
-        <p:spPr/>
-        <p:txBody>
-          <a:bodyPr>
-            <a:normAutofit/>
-          </a:bodyPr>
-          <a:lstStyle/>
-          <a:p>
-            <a:r>
-              <a:rPr lang="en-IN" sz="4400" dirty="0"/>
-              <a:t>infrastructure - </a:t>
-            </a:r>
-            <a:r>
-              <a:rPr lang="en-IN" sz="4400" dirty="0" err="1"/>
-              <a:t>hARDWARE</a:t>
-            </a:r>
-            <a:endParaRPr lang="en-IN" sz="4400" dirty="0"/>
-          </a:p>
-        </p:txBody>
-      </p:sp>
-      <p:sp>
-        <p:nvSpPr>
-          <p:cNvPr id="3" name="Content Placeholder 2">
-            <a:extLst>
-              <a:ext uri="{FF2B5EF4-FFF2-40B4-BE49-F238E27FC236}">
-                <a16:creationId xmlns:a16="http://schemas.microsoft.com/office/drawing/2014/main" id="{B01065F6-ECBE-FF5E-9DAF-F7A7D06CDDC2}"/>
-              </a:ext>
-            </a:extLst>
-          </p:cNvPr>
-          <p:cNvSpPr>
-            <a:spLocks noGrp="1"/>
-          </p:cNvSpPr>
-          <p:nvPr>
-            <p:ph idx="1"/>
-          </p:nvPr>
-        </p:nvSpPr>
-        <p:spPr/>
-        <p:txBody>
-          <a:bodyPr/>
-          <a:lstStyle/>
-          <a:p>
-            <a:r>
-              <a:rPr lang="en-IN" dirty="0"/>
-              <a:t>Compute Machine</a:t>
-            </a:r>
-          </a:p>
-          <a:p>
-            <a:endParaRPr lang="en-IN" dirty="0"/>
-          </a:p>
-        </p:txBody>
-      </p:sp>
-      <p:pic>
-        <p:nvPicPr>
-          <p:cNvPr id="11" name="Picture 10">
-            <a:extLst>
-              <a:ext uri="{FF2B5EF4-FFF2-40B4-BE49-F238E27FC236}">
-                <a16:creationId xmlns:a16="http://schemas.microsoft.com/office/drawing/2014/main" id="{47130FB7-D27B-C46D-DEAC-4B68A316FDCC}"/>
-              </a:ext>
-            </a:extLst>
-          </p:cNvPr>
-          <p:cNvPicPr>
-            <a:picLocks noChangeAspect="1"/>
-          </p:cNvPicPr>
-          <p:nvPr/>
-        </p:nvPicPr>
-        <p:blipFill>
-          <a:blip r:embed="rId2"/>
-          <a:stretch>
-            <a:fillRect/>
-          </a:stretch>
-        </p:blipFill>
-        <p:spPr>
-          <a:xfrm>
-            <a:off x="3305175" y="2830068"/>
-            <a:ext cx="5581650" cy="3543300"/>
-          </a:xfrm>
-          <a:prstGeom prst="rect">
-            <a:avLst/>
-          </a:prstGeom>
-        </p:spPr>
-      </p:pic>
-    </p:spTree>
-    <p:extLst>
-      <p:ext uri="{BB962C8B-B14F-4D97-AF65-F5344CB8AC3E}">
-        <p14:creationId xmlns:p14="http://schemas.microsoft.com/office/powerpoint/2010/main" val="1167294500"/>
-      </p:ext>
-    </p:extLst>
-  </p:cSld>
-  <p:clrMapOvr>
-    <a:masterClrMapping/>
-  </p:clrMapOvr>
-</p:sld>
-</file>
-
-<file path=ppt/slides/slide40.xml><?xml version="1.0" encoding="utf-8"?>
+<file path=ppt/slides/slide41.xml><?xml version="1.0" encoding="utf-8"?>
 <p:sld xmlns:a="http://schemas.openxmlformats.org/drawingml/2006/main" xmlns:r="http://schemas.openxmlformats.org/officeDocument/2006/relationships" xmlns:p="http://schemas.openxmlformats.org/presentationml/2006/main">
   <p:cSld>
     <p:spTree>
@@ -16476,7 +16442,7 @@
 </p:sld>
 </file>
 
-<file path=ppt/slides/slide41.xml><?xml version="1.0" encoding="utf-8"?>
+<file path=ppt/slides/slide42.xml><?xml version="1.0" encoding="utf-8"?>
 <p:sld xmlns:a="http://schemas.openxmlformats.org/drawingml/2006/main" xmlns:r="http://schemas.openxmlformats.org/officeDocument/2006/relationships" xmlns:p="http://schemas.openxmlformats.org/presentationml/2006/main">
   <p:cSld>
     <p:spTree>
@@ -16683,7 +16649,215 @@
 </p:sld>
 </file>
 
-<file path=ppt/slides/slide42.xml><?xml version="1.0" encoding="utf-8"?>
+<file path=ppt/slides/slide43.xml><?xml version="1.0" encoding="utf-8"?>
+<p:sld xmlns:a="http://schemas.openxmlformats.org/drawingml/2006/main" xmlns:r="http://schemas.openxmlformats.org/officeDocument/2006/relationships" xmlns:p="http://schemas.openxmlformats.org/presentationml/2006/main">
+  <p:cSld>
+    <p:spTree>
+      <p:nvGrpSpPr>
+        <p:cNvPr id="1" name=""/>
+        <p:cNvGrpSpPr/>
+        <p:nvPr/>
+      </p:nvGrpSpPr>
+      <p:grpSpPr>
+        <a:xfrm>
+          <a:off x="0" y="0"/>
+          <a:ext cx="0" cy="0"/>
+          <a:chOff x="0" y="0"/>
+          <a:chExt cx="0" cy="0"/>
+        </a:xfrm>
+      </p:grpSpPr>
+      <p:sp>
+        <p:nvSpPr>
+          <p:cNvPr id="3" name="Content Placeholder 2">
+            <a:extLst>
+              <a:ext uri="{FF2B5EF4-FFF2-40B4-BE49-F238E27FC236}">
+                <a16:creationId xmlns:a16="http://schemas.microsoft.com/office/drawing/2014/main" id="{B3F1E667-480A-C86E-93EB-CBE1B86C143D}"/>
+              </a:ext>
+            </a:extLst>
+          </p:cNvPr>
+          <p:cNvSpPr>
+            <a:spLocks noGrp="1"/>
+          </p:cNvSpPr>
+          <p:nvPr>
+            <p:ph idx="1"/>
+          </p:nvPr>
+        </p:nvSpPr>
+        <p:spPr>
+          <a:xfrm>
+            <a:off x="0" y="0"/>
+            <a:ext cx="12192000" cy="6172200"/>
+          </a:xfrm>
+        </p:spPr>
+        <p:txBody>
+          <a:bodyPr anchor="ctr" anchorCtr="0">
+            <a:normAutofit/>
+          </a:bodyPr>
+          <a:lstStyle/>
+          <a:p>
+            <a:pPr marL="0" indent="0" algn="ctr">
+              <a:buNone/>
+            </a:pPr>
+            <a:r>
+              <a:rPr lang="en-IN" sz="13800" dirty="0"/>
+              <a:t>THANK YOU</a:t>
+            </a:r>
+          </a:p>
+        </p:txBody>
+      </p:sp>
+    </p:spTree>
+    <p:extLst>
+      <p:ext uri="{BB962C8B-B14F-4D97-AF65-F5344CB8AC3E}">
+        <p14:creationId xmlns:p14="http://schemas.microsoft.com/office/powerpoint/2010/main" val="1937034688"/>
+      </p:ext>
+    </p:extLst>
+  </p:cSld>
+  <p:clrMapOvr>
+    <a:masterClrMapping/>
+  </p:clrMapOvr>
+</p:sld>
+</file>
+
+<file path=ppt/slides/slide44.xml><?xml version="1.0" encoding="utf-8"?>
+<p:sld xmlns:a="http://schemas.openxmlformats.org/drawingml/2006/main" xmlns:r="http://schemas.openxmlformats.org/officeDocument/2006/relationships" xmlns:p="http://schemas.openxmlformats.org/presentationml/2006/main">
+  <p:cSld>
+    <p:spTree>
+      <p:nvGrpSpPr>
+        <p:cNvPr id="1" name=""/>
+        <p:cNvGrpSpPr/>
+        <p:nvPr/>
+      </p:nvGrpSpPr>
+      <p:grpSpPr>
+        <a:xfrm>
+          <a:off x="0" y="0"/>
+          <a:ext cx="0" cy="0"/>
+          <a:chOff x="0" y="0"/>
+          <a:chExt cx="0" cy="0"/>
+        </a:xfrm>
+      </p:grpSpPr>
+    </p:spTree>
+    <p:extLst>
+      <p:ext uri="{BB962C8B-B14F-4D97-AF65-F5344CB8AC3E}">
+        <p14:creationId xmlns:p14="http://schemas.microsoft.com/office/powerpoint/2010/main" val="2420422659"/>
+      </p:ext>
+    </p:extLst>
+  </p:cSld>
+  <p:clrMapOvr>
+    <a:masterClrMapping/>
+  </p:clrMapOvr>
+</p:sld>
+</file>
+
+<file path=ppt/slides/slide45.xml><?xml version="1.0" encoding="utf-8"?>
+<p:sld xmlns:a="http://schemas.openxmlformats.org/drawingml/2006/main" xmlns:r="http://schemas.openxmlformats.org/officeDocument/2006/relationships" xmlns:p="http://schemas.openxmlformats.org/presentationml/2006/main">
+  <p:cSld>
+    <p:spTree>
+      <p:nvGrpSpPr>
+        <p:cNvPr id="1" name=""/>
+        <p:cNvGrpSpPr/>
+        <p:nvPr/>
+      </p:nvGrpSpPr>
+      <p:grpSpPr>
+        <a:xfrm>
+          <a:off x="0" y="0"/>
+          <a:ext cx="0" cy="0"/>
+          <a:chOff x="0" y="0"/>
+          <a:chExt cx="0" cy="0"/>
+        </a:xfrm>
+      </p:grpSpPr>
+    </p:spTree>
+    <p:extLst>
+      <p:ext uri="{BB962C8B-B14F-4D97-AF65-F5344CB8AC3E}">
+        <p14:creationId xmlns:p14="http://schemas.microsoft.com/office/powerpoint/2010/main" val="3077377891"/>
+      </p:ext>
+    </p:extLst>
+  </p:cSld>
+  <p:clrMapOvr>
+    <a:masterClrMapping/>
+  </p:clrMapOvr>
+</p:sld>
+</file>
+
+<file path=ppt/slides/slide46.xml><?xml version="1.0" encoding="utf-8"?>
+<p:sld xmlns:a="http://schemas.openxmlformats.org/drawingml/2006/main" xmlns:r="http://schemas.openxmlformats.org/officeDocument/2006/relationships" xmlns:p="http://schemas.openxmlformats.org/presentationml/2006/main">
+  <p:cSld>
+    <p:spTree>
+      <p:nvGrpSpPr>
+        <p:cNvPr id="1" name=""/>
+        <p:cNvGrpSpPr/>
+        <p:nvPr/>
+      </p:nvGrpSpPr>
+      <p:grpSpPr>
+        <a:xfrm>
+          <a:off x="0" y="0"/>
+          <a:ext cx="0" cy="0"/>
+          <a:chOff x="0" y="0"/>
+          <a:chExt cx="0" cy="0"/>
+        </a:xfrm>
+      </p:grpSpPr>
+      <p:sp>
+        <p:nvSpPr>
+          <p:cNvPr id="2" name="Title 1">
+            <a:extLst>
+              <a:ext uri="{FF2B5EF4-FFF2-40B4-BE49-F238E27FC236}">
+                <a16:creationId xmlns:a16="http://schemas.microsoft.com/office/drawing/2014/main" id="{5AA7C9FB-EB29-EF97-10BD-926B0340AFCE}"/>
+              </a:ext>
+            </a:extLst>
+          </p:cNvPr>
+          <p:cNvSpPr>
+            <a:spLocks noGrp="1"/>
+          </p:cNvSpPr>
+          <p:nvPr>
+            <p:ph type="title"/>
+          </p:nvPr>
+        </p:nvSpPr>
+        <p:spPr/>
+        <p:txBody>
+          <a:bodyPr/>
+          <a:lstStyle/>
+          <a:p>
+            <a:endParaRPr lang="en-IN"/>
+          </a:p>
+        </p:txBody>
+      </p:sp>
+      <p:sp>
+        <p:nvSpPr>
+          <p:cNvPr id="3" name="Content Placeholder 2">
+            <a:extLst>
+              <a:ext uri="{FF2B5EF4-FFF2-40B4-BE49-F238E27FC236}">
+                <a16:creationId xmlns:a16="http://schemas.microsoft.com/office/drawing/2014/main" id="{1507F662-8A09-F9BA-0400-33C70DB5CCCE}"/>
+              </a:ext>
+            </a:extLst>
+          </p:cNvPr>
+          <p:cNvSpPr>
+            <a:spLocks noGrp="1"/>
+          </p:cNvSpPr>
+          <p:nvPr>
+            <p:ph idx="1"/>
+          </p:nvPr>
+        </p:nvSpPr>
+        <p:spPr/>
+        <p:txBody>
+          <a:bodyPr/>
+          <a:lstStyle/>
+          <a:p>
+            <a:endParaRPr lang="en-IN"/>
+          </a:p>
+        </p:txBody>
+      </p:sp>
+    </p:spTree>
+    <p:extLst>
+      <p:ext uri="{BB962C8B-B14F-4D97-AF65-F5344CB8AC3E}">
+        <p14:creationId xmlns:p14="http://schemas.microsoft.com/office/powerpoint/2010/main" val="4007596148"/>
+      </p:ext>
+    </p:extLst>
+  </p:cSld>
+  <p:clrMapOvr>
+    <a:masterClrMapping/>
+  </p:clrMapOvr>
+</p:sld>
+</file>
+
+<file path=ppt/slides/slide47.xml><?xml version="1.0" encoding="utf-8"?>
 <p:sld xmlns:a="http://schemas.openxmlformats.org/drawingml/2006/main" xmlns:r="http://schemas.openxmlformats.org/officeDocument/2006/relationships" xmlns:p="http://schemas.openxmlformats.org/presentationml/2006/main">
   <p:cSld>
     <p:spTree>
@@ -16766,7 +16940,7 @@
 </p:sld>
 </file>
 
-<file path=ppt/slides/slide43.xml><?xml version="1.0" encoding="utf-8"?>
+<file path=ppt/slides/slide48.xml><?xml version="1.0" encoding="utf-8"?>
 <p:sld xmlns:a="http://schemas.openxmlformats.org/drawingml/2006/main" xmlns:r="http://schemas.openxmlformats.org/officeDocument/2006/relationships" xmlns:p="http://schemas.openxmlformats.org/presentationml/2006/main">
   <p:cSld>
     <p:spTree>
@@ -16846,7 +17020,7 @@
 </p:sld>
 </file>
 
-<file path=ppt/slides/slide44.xml><?xml version="1.0" encoding="utf-8"?>
+<file path=ppt/slides/slide49.xml><?xml version="1.0" encoding="utf-8"?>
 <p:sld xmlns:a="http://schemas.openxmlformats.org/drawingml/2006/main" xmlns:r="http://schemas.openxmlformats.org/officeDocument/2006/relationships" xmlns:p="http://schemas.openxmlformats.org/presentationml/2006/main">
   <p:cSld>
     <p:spTree>
@@ -17011,515 +17185,6 @@
     <p:extLst>
       <p:ext uri="{BB962C8B-B14F-4D97-AF65-F5344CB8AC3E}">
         <p14:creationId xmlns:p14="http://schemas.microsoft.com/office/powerpoint/2010/main" val="4064278571"/>
-      </p:ext>
-    </p:extLst>
-  </p:cSld>
-  <p:clrMapOvr>
-    <a:masterClrMapping/>
-  </p:clrMapOvr>
-</p:sld>
-</file>
-
-<file path=ppt/slides/slide45.xml><?xml version="1.0" encoding="utf-8"?>
-<p:sld xmlns:a="http://schemas.openxmlformats.org/drawingml/2006/main" xmlns:r="http://schemas.openxmlformats.org/officeDocument/2006/relationships" xmlns:p="http://schemas.openxmlformats.org/presentationml/2006/main">
-  <p:cSld>
-    <p:spTree>
-      <p:nvGrpSpPr>
-        <p:cNvPr id="1" name=""/>
-        <p:cNvGrpSpPr/>
-        <p:nvPr/>
-      </p:nvGrpSpPr>
-      <p:grpSpPr>
-        <a:xfrm>
-          <a:off x="0" y="0"/>
-          <a:ext cx="0" cy="0"/>
-          <a:chOff x="0" y="0"/>
-          <a:chExt cx="0" cy="0"/>
-        </a:xfrm>
-      </p:grpSpPr>
-      <p:sp>
-        <p:nvSpPr>
-          <p:cNvPr id="2" name="Title 1">
-            <a:extLst>
-              <a:ext uri="{FF2B5EF4-FFF2-40B4-BE49-F238E27FC236}">
-                <a16:creationId xmlns:a16="http://schemas.microsoft.com/office/drawing/2014/main" id="{5681DB5E-50F8-4448-F91C-BAC702A2CE04}"/>
-              </a:ext>
-            </a:extLst>
-          </p:cNvPr>
-          <p:cNvSpPr>
-            <a:spLocks noGrp="1"/>
-          </p:cNvSpPr>
-          <p:nvPr>
-            <p:ph type="title"/>
-          </p:nvPr>
-        </p:nvSpPr>
-        <p:spPr/>
-        <p:txBody>
-          <a:bodyPr/>
-          <a:lstStyle/>
-          <a:p>
-            <a:endParaRPr lang="en-IN"/>
-          </a:p>
-        </p:txBody>
-      </p:sp>
-      <p:sp>
-        <p:nvSpPr>
-          <p:cNvPr id="3" name="Content Placeholder 2">
-            <a:extLst>
-              <a:ext uri="{FF2B5EF4-FFF2-40B4-BE49-F238E27FC236}">
-                <a16:creationId xmlns:a16="http://schemas.microsoft.com/office/drawing/2014/main" id="{0B202D7B-1003-DD7D-4ABE-CF86991D12C2}"/>
-              </a:ext>
-            </a:extLst>
-          </p:cNvPr>
-          <p:cNvSpPr>
-            <a:spLocks noGrp="1"/>
-          </p:cNvSpPr>
-          <p:nvPr>
-            <p:ph idx="1"/>
-          </p:nvPr>
-        </p:nvSpPr>
-        <p:spPr/>
-        <p:txBody>
-          <a:bodyPr/>
-          <a:lstStyle/>
-          <a:p>
-            <a:endParaRPr lang="en-IN"/>
-          </a:p>
-        </p:txBody>
-      </p:sp>
-      <p:pic>
-        <p:nvPicPr>
-          <p:cNvPr id="2050" name="Picture 2" descr="automation-api">
-            <a:extLst>
-              <a:ext uri="{FF2B5EF4-FFF2-40B4-BE49-F238E27FC236}">
-                <a16:creationId xmlns:a16="http://schemas.microsoft.com/office/drawing/2014/main" id="{2E8F6E75-F303-5936-008B-5EA1C763AE65}"/>
-              </a:ext>
-            </a:extLst>
-          </p:cNvPr>
-          <p:cNvPicPr>
-            <a:picLocks noChangeAspect="1" noChangeArrowheads="1"/>
-          </p:cNvPicPr>
-          <p:nvPr/>
-        </p:nvPicPr>
-        <p:blipFill>
-          <a:blip r:embed="rId2">
-            <a:extLst>
-              <a:ext uri="{28A0092B-C50C-407E-A947-70E740481C1C}">
-                <a14:useLocalDpi xmlns:a14="http://schemas.microsoft.com/office/drawing/2010/main" val="0"/>
-              </a:ext>
-            </a:extLst>
-          </a:blip>
-          <a:srcRect/>
-          <a:stretch>
-            <a:fillRect/>
-          </a:stretch>
-        </p:blipFill>
-        <p:spPr bwMode="auto">
-          <a:xfrm>
-            <a:off x="0" y="26988"/>
-            <a:ext cx="12192000" cy="6804025"/>
-          </a:xfrm>
-          <a:prstGeom prst="rect">
-            <a:avLst/>
-          </a:prstGeom>
-          <a:noFill/>
-          <a:extLst>
-            <a:ext uri="{909E8E84-426E-40DD-AFC4-6F175D3DCCD1}">
-              <a14:hiddenFill xmlns:a14="http://schemas.microsoft.com/office/drawing/2010/main">
-                <a:solidFill>
-                  <a:srgbClr val="FFFFFF"/>
-                </a:solidFill>
-              </a14:hiddenFill>
-            </a:ext>
-          </a:extLst>
-        </p:spPr>
-      </p:pic>
-    </p:spTree>
-    <p:extLst>
-      <p:ext uri="{BB962C8B-B14F-4D97-AF65-F5344CB8AC3E}">
-        <p14:creationId xmlns:p14="http://schemas.microsoft.com/office/powerpoint/2010/main" val="552617071"/>
-      </p:ext>
-    </p:extLst>
-  </p:cSld>
-  <p:clrMapOvr>
-    <a:masterClrMapping/>
-  </p:clrMapOvr>
-</p:sld>
-</file>
-
-<file path=ppt/slides/slide46.xml><?xml version="1.0" encoding="utf-8"?>
-<p:sld xmlns:a="http://schemas.openxmlformats.org/drawingml/2006/main" xmlns:r="http://schemas.openxmlformats.org/officeDocument/2006/relationships" xmlns:p="http://schemas.openxmlformats.org/presentationml/2006/main">
-  <p:cSld>
-    <p:spTree>
-      <p:nvGrpSpPr>
-        <p:cNvPr id="1" name=""/>
-        <p:cNvGrpSpPr/>
-        <p:nvPr/>
-      </p:nvGrpSpPr>
-      <p:grpSpPr>
-        <a:xfrm>
-          <a:off x="0" y="0"/>
-          <a:ext cx="0" cy="0"/>
-          <a:chOff x="0" y="0"/>
-          <a:chExt cx="0" cy="0"/>
-        </a:xfrm>
-      </p:grpSpPr>
-      <p:sp>
-        <p:nvSpPr>
-          <p:cNvPr id="2" name="Title 1">
-            <a:extLst>
-              <a:ext uri="{FF2B5EF4-FFF2-40B4-BE49-F238E27FC236}">
-                <a16:creationId xmlns:a16="http://schemas.microsoft.com/office/drawing/2014/main" id="{5D64843D-643C-37AC-A7B0-799FE3DE7763}"/>
-              </a:ext>
-            </a:extLst>
-          </p:cNvPr>
-          <p:cNvSpPr>
-            <a:spLocks noGrp="1"/>
-          </p:cNvSpPr>
-          <p:nvPr>
-            <p:ph type="title"/>
-          </p:nvPr>
-        </p:nvSpPr>
-        <p:spPr/>
-        <p:txBody>
-          <a:bodyPr/>
-          <a:lstStyle/>
-          <a:p>
-            <a:endParaRPr lang="en-IN"/>
-          </a:p>
-        </p:txBody>
-      </p:sp>
-      <p:sp>
-        <p:nvSpPr>
-          <p:cNvPr id="3" name="Content Placeholder 2">
-            <a:extLst>
-              <a:ext uri="{FF2B5EF4-FFF2-40B4-BE49-F238E27FC236}">
-                <a16:creationId xmlns:a16="http://schemas.microsoft.com/office/drawing/2014/main" id="{F8CD6C60-99C6-3B2B-924F-EF577B35689F}"/>
-              </a:ext>
-            </a:extLst>
-          </p:cNvPr>
-          <p:cNvSpPr>
-            <a:spLocks noGrp="1"/>
-          </p:cNvSpPr>
-          <p:nvPr>
-            <p:ph idx="1"/>
-          </p:nvPr>
-        </p:nvSpPr>
-        <p:spPr/>
-        <p:txBody>
-          <a:bodyPr/>
-          <a:lstStyle/>
-          <a:p>
-            <a:endParaRPr lang="en-IN"/>
-          </a:p>
-        </p:txBody>
-      </p:sp>
-    </p:spTree>
-    <p:extLst>
-      <p:ext uri="{BB962C8B-B14F-4D97-AF65-F5344CB8AC3E}">
-        <p14:creationId xmlns:p14="http://schemas.microsoft.com/office/powerpoint/2010/main" val="1889720708"/>
-      </p:ext>
-    </p:extLst>
-  </p:cSld>
-  <p:clrMapOvr>
-    <a:masterClrMapping/>
-  </p:clrMapOvr>
-</p:sld>
-</file>
-
-<file path=ppt/slides/slide47.xml><?xml version="1.0" encoding="utf-8"?>
-<p:sld xmlns:a="http://schemas.openxmlformats.org/drawingml/2006/main" xmlns:r="http://schemas.openxmlformats.org/officeDocument/2006/relationships" xmlns:p="http://schemas.openxmlformats.org/presentationml/2006/main">
-  <p:cSld>
-    <p:spTree>
-      <p:nvGrpSpPr>
-        <p:cNvPr id="1" name=""/>
-        <p:cNvGrpSpPr/>
-        <p:nvPr/>
-      </p:nvGrpSpPr>
-      <p:grpSpPr>
-        <a:xfrm>
-          <a:off x="0" y="0"/>
-          <a:ext cx="0" cy="0"/>
-          <a:chOff x="0" y="0"/>
-          <a:chExt cx="0" cy="0"/>
-        </a:xfrm>
-      </p:grpSpPr>
-      <p:sp>
-        <p:nvSpPr>
-          <p:cNvPr id="2" name="Title 1">
-            <a:extLst>
-              <a:ext uri="{FF2B5EF4-FFF2-40B4-BE49-F238E27FC236}">
-                <a16:creationId xmlns:a16="http://schemas.microsoft.com/office/drawing/2014/main" id="{1C72D64C-10BE-A1BC-C390-1D06C12AF2D2}"/>
-              </a:ext>
-            </a:extLst>
-          </p:cNvPr>
-          <p:cNvSpPr>
-            <a:spLocks noGrp="1"/>
-          </p:cNvSpPr>
-          <p:nvPr>
-            <p:ph type="title"/>
-          </p:nvPr>
-        </p:nvSpPr>
-        <p:spPr/>
-        <p:txBody>
-          <a:bodyPr/>
-          <a:lstStyle/>
-          <a:p>
-            <a:r>
-              <a:rPr lang="en-IN" b="1" i="0" dirty="0">
-                <a:solidFill>
-                  <a:srgbClr val="2F3032"/>
-                </a:solidFill>
-                <a:effectLst/>
-                <a:latin typeface="Gilroy"/>
-              </a:rPr>
-              <a:t>Resources</a:t>
-            </a:r>
-            <a:endParaRPr lang="en-IN" dirty="0"/>
-          </a:p>
-        </p:txBody>
-      </p:sp>
-      <p:sp>
-        <p:nvSpPr>
-          <p:cNvPr id="3" name="Content Placeholder 2">
-            <a:extLst>
-              <a:ext uri="{FF2B5EF4-FFF2-40B4-BE49-F238E27FC236}">
-                <a16:creationId xmlns:a16="http://schemas.microsoft.com/office/drawing/2014/main" id="{C216665C-2824-FE25-3060-E148436D25B2}"/>
-              </a:ext>
-            </a:extLst>
-          </p:cNvPr>
-          <p:cNvSpPr>
-            <a:spLocks noGrp="1"/>
-          </p:cNvSpPr>
-          <p:nvPr>
-            <p:ph idx="1"/>
-          </p:nvPr>
-        </p:nvSpPr>
-        <p:spPr/>
-        <p:txBody>
-          <a:bodyPr/>
-          <a:lstStyle/>
-          <a:p>
-            <a:endParaRPr lang="en-IN"/>
-          </a:p>
-        </p:txBody>
-      </p:sp>
-    </p:spTree>
-    <p:extLst>
-      <p:ext uri="{BB962C8B-B14F-4D97-AF65-F5344CB8AC3E}">
-        <p14:creationId xmlns:p14="http://schemas.microsoft.com/office/powerpoint/2010/main" val="3852911669"/>
-      </p:ext>
-    </p:extLst>
-  </p:cSld>
-  <p:clrMapOvr>
-    <a:masterClrMapping/>
-  </p:clrMapOvr>
-</p:sld>
-</file>
-
-<file path=ppt/slides/slide48.xml><?xml version="1.0" encoding="utf-8"?>
-<p:sld xmlns:a="http://schemas.openxmlformats.org/drawingml/2006/main" xmlns:r="http://schemas.openxmlformats.org/officeDocument/2006/relationships" xmlns:p="http://schemas.openxmlformats.org/presentationml/2006/main">
-  <p:cSld>
-    <p:spTree>
-      <p:nvGrpSpPr>
-        <p:cNvPr id="1" name=""/>
-        <p:cNvGrpSpPr/>
-        <p:nvPr/>
-      </p:nvGrpSpPr>
-      <p:grpSpPr>
-        <a:xfrm>
-          <a:off x="0" y="0"/>
-          <a:ext cx="0" cy="0"/>
-          <a:chOff x="0" y="0"/>
-          <a:chExt cx="0" cy="0"/>
-        </a:xfrm>
-      </p:grpSpPr>
-      <p:sp>
-        <p:nvSpPr>
-          <p:cNvPr id="2" name="Title 1">
-            <a:extLst>
-              <a:ext uri="{FF2B5EF4-FFF2-40B4-BE49-F238E27FC236}">
-                <a16:creationId xmlns:a16="http://schemas.microsoft.com/office/drawing/2014/main" id="{EDD34EF4-B0FC-F021-AF56-580365891BAB}"/>
-              </a:ext>
-            </a:extLst>
-          </p:cNvPr>
-          <p:cNvSpPr>
-            <a:spLocks noGrp="1"/>
-          </p:cNvSpPr>
-          <p:nvPr>
-            <p:ph type="title"/>
-          </p:nvPr>
-        </p:nvSpPr>
-        <p:spPr/>
-        <p:txBody>
-          <a:bodyPr>
-            <a:normAutofit/>
-          </a:bodyPr>
-          <a:lstStyle/>
-          <a:p>
-            <a:r>
-              <a:rPr lang="en-IN" b="1" i="0" dirty="0">
-                <a:solidFill>
-                  <a:srgbClr val="2F3032"/>
-                </a:solidFill>
-                <a:effectLst/>
-                <a:latin typeface="Gilroy"/>
-              </a:rPr>
-              <a:t>Inputs and Outputs</a:t>
-            </a:r>
-            <a:endParaRPr lang="en-IN" dirty="0"/>
-          </a:p>
-        </p:txBody>
-      </p:sp>
-      <p:sp>
-        <p:nvSpPr>
-          <p:cNvPr id="3" name="Content Placeholder 2">
-            <a:extLst>
-              <a:ext uri="{FF2B5EF4-FFF2-40B4-BE49-F238E27FC236}">
-                <a16:creationId xmlns:a16="http://schemas.microsoft.com/office/drawing/2014/main" id="{F4E8E8E8-12A8-AD30-1E3A-E6324EE72EB4}"/>
-              </a:ext>
-            </a:extLst>
-          </p:cNvPr>
-          <p:cNvSpPr>
-            <a:spLocks noGrp="1"/>
-          </p:cNvSpPr>
-          <p:nvPr>
-            <p:ph idx="1"/>
-          </p:nvPr>
-        </p:nvSpPr>
-        <p:spPr/>
-        <p:txBody>
-          <a:bodyPr/>
-          <a:lstStyle/>
-          <a:p>
-            <a:endParaRPr lang="en-IN"/>
-          </a:p>
-        </p:txBody>
-      </p:sp>
-    </p:spTree>
-    <p:extLst>
-      <p:ext uri="{BB962C8B-B14F-4D97-AF65-F5344CB8AC3E}">
-        <p14:creationId xmlns:p14="http://schemas.microsoft.com/office/powerpoint/2010/main" val="1177409741"/>
-      </p:ext>
-    </p:extLst>
-  </p:cSld>
-  <p:clrMapOvr>
-    <a:masterClrMapping/>
-  </p:clrMapOvr>
-</p:sld>
-</file>
-
-<file path=ppt/slides/slide49.xml><?xml version="1.0" encoding="utf-8"?>
-<p:sld xmlns:a="http://schemas.openxmlformats.org/drawingml/2006/main" xmlns:r="http://schemas.openxmlformats.org/officeDocument/2006/relationships" xmlns:p="http://schemas.openxmlformats.org/presentationml/2006/main">
-  <p:cSld>
-    <p:spTree>
-      <p:nvGrpSpPr>
-        <p:cNvPr id="1" name=""/>
-        <p:cNvGrpSpPr/>
-        <p:nvPr/>
-      </p:nvGrpSpPr>
-      <p:grpSpPr>
-        <a:xfrm>
-          <a:off x="0" y="0"/>
-          <a:ext cx="0" cy="0"/>
-          <a:chOff x="0" y="0"/>
-          <a:chExt cx="0" cy="0"/>
-        </a:xfrm>
-      </p:grpSpPr>
-      <p:sp>
-        <p:nvSpPr>
-          <p:cNvPr id="2" name="Title 1">
-            <a:extLst>
-              <a:ext uri="{FF2B5EF4-FFF2-40B4-BE49-F238E27FC236}">
-                <a16:creationId xmlns:a16="http://schemas.microsoft.com/office/drawing/2014/main" id="{D86A0E34-5B8B-3BF2-959D-B61FE4963E9B}"/>
-              </a:ext>
-            </a:extLst>
-          </p:cNvPr>
-          <p:cNvSpPr>
-            <a:spLocks noGrp="1"/>
-          </p:cNvSpPr>
-          <p:nvPr>
-            <p:ph type="title"/>
-          </p:nvPr>
-        </p:nvSpPr>
-        <p:spPr/>
-        <p:txBody>
-          <a:bodyPr/>
-          <a:lstStyle/>
-          <a:p>
-            <a:r>
-              <a:rPr lang="en-IN" b="1" i="0" dirty="0">
-                <a:solidFill>
-                  <a:srgbClr val="2F3032"/>
-                </a:solidFill>
-                <a:effectLst/>
-                <a:latin typeface="Gilroy"/>
-              </a:rPr>
-              <a:t>Configuration</a:t>
-            </a:r>
-            <a:endParaRPr lang="en-IN" dirty="0"/>
-          </a:p>
-        </p:txBody>
-      </p:sp>
-      <p:sp>
-        <p:nvSpPr>
-          <p:cNvPr id="3" name="Content Placeholder 2">
-            <a:extLst>
-              <a:ext uri="{FF2B5EF4-FFF2-40B4-BE49-F238E27FC236}">
-                <a16:creationId xmlns:a16="http://schemas.microsoft.com/office/drawing/2014/main" id="{4F543E55-9C4E-C90F-E5F0-83AB40796C3C}"/>
-              </a:ext>
-            </a:extLst>
-          </p:cNvPr>
-          <p:cNvSpPr>
-            <a:spLocks noGrp="1"/>
-          </p:cNvSpPr>
-          <p:nvPr>
-            <p:ph idx="1"/>
-          </p:nvPr>
-        </p:nvSpPr>
-        <p:spPr/>
-        <p:txBody>
-          <a:bodyPr/>
-          <a:lstStyle/>
-          <a:p>
-            <a:endParaRPr lang="en-IN" dirty="0"/>
-          </a:p>
-        </p:txBody>
-      </p:sp>
-      <p:pic>
-        <p:nvPicPr>
-          <p:cNvPr id="5" name="Picture 4">
-            <a:extLst>
-              <a:ext uri="{FF2B5EF4-FFF2-40B4-BE49-F238E27FC236}">
-                <a16:creationId xmlns:a16="http://schemas.microsoft.com/office/drawing/2014/main" id="{829A94D9-6018-0AC1-D543-C6A81985DE9A}"/>
-              </a:ext>
-            </a:extLst>
-          </p:cNvPr>
-          <p:cNvPicPr>
-            <a:picLocks noChangeAspect="1"/>
-          </p:cNvPicPr>
-          <p:nvPr/>
-        </p:nvPicPr>
-        <p:blipFill>
-          <a:blip r:embed="rId2"/>
-          <a:stretch>
-            <a:fillRect/>
-          </a:stretch>
-        </p:blipFill>
-        <p:spPr>
-          <a:xfrm>
-            <a:off x="1692808" y="2652259"/>
-            <a:ext cx="2762636" cy="647790"/>
-          </a:xfrm>
-          <a:prstGeom prst="rect">
-            <a:avLst/>
-          </a:prstGeom>
-        </p:spPr>
-      </p:pic>
-    </p:spTree>
-    <p:extLst>
-      <p:ext uri="{BB962C8B-B14F-4D97-AF65-F5344CB8AC3E}">
-        <p14:creationId xmlns:p14="http://schemas.microsoft.com/office/powerpoint/2010/main" val="593934382"/>
       </p:ext>
     </p:extLst>
   </p:cSld>
@@ -17619,6 +17284,515 @@
 </file>
 
 <file path=ppt/slides/slide50.xml><?xml version="1.0" encoding="utf-8"?>
+<p:sld xmlns:a="http://schemas.openxmlformats.org/drawingml/2006/main" xmlns:r="http://schemas.openxmlformats.org/officeDocument/2006/relationships" xmlns:p="http://schemas.openxmlformats.org/presentationml/2006/main">
+  <p:cSld>
+    <p:spTree>
+      <p:nvGrpSpPr>
+        <p:cNvPr id="1" name=""/>
+        <p:cNvGrpSpPr/>
+        <p:nvPr/>
+      </p:nvGrpSpPr>
+      <p:grpSpPr>
+        <a:xfrm>
+          <a:off x="0" y="0"/>
+          <a:ext cx="0" cy="0"/>
+          <a:chOff x="0" y="0"/>
+          <a:chExt cx="0" cy="0"/>
+        </a:xfrm>
+      </p:grpSpPr>
+      <p:sp>
+        <p:nvSpPr>
+          <p:cNvPr id="2" name="Title 1">
+            <a:extLst>
+              <a:ext uri="{FF2B5EF4-FFF2-40B4-BE49-F238E27FC236}">
+                <a16:creationId xmlns:a16="http://schemas.microsoft.com/office/drawing/2014/main" id="{5681DB5E-50F8-4448-F91C-BAC702A2CE04}"/>
+              </a:ext>
+            </a:extLst>
+          </p:cNvPr>
+          <p:cNvSpPr>
+            <a:spLocks noGrp="1"/>
+          </p:cNvSpPr>
+          <p:nvPr>
+            <p:ph type="title"/>
+          </p:nvPr>
+        </p:nvSpPr>
+        <p:spPr/>
+        <p:txBody>
+          <a:bodyPr/>
+          <a:lstStyle/>
+          <a:p>
+            <a:endParaRPr lang="en-IN"/>
+          </a:p>
+        </p:txBody>
+      </p:sp>
+      <p:sp>
+        <p:nvSpPr>
+          <p:cNvPr id="3" name="Content Placeholder 2">
+            <a:extLst>
+              <a:ext uri="{FF2B5EF4-FFF2-40B4-BE49-F238E27FC236}">
+                <a16:creationId xmlns:a16="http://schemas.microsoft.com/office/drawing/2014/main" id="{0B202D7B-1003-DD7D-4ABE-CF86991D12C2}"/>
+              </a:ext>
+            </a:extLst>
+          </p:cNvPr>
+          <p:cNvSpPr>
+            <a:spLocks noGrp="1"/>
+          </p:cNvSpPr>
+          <p:nvPr>
+            <p:ph idx="1"/>
+          </p:nvPr>
+        </p:nvSpPr>
+        <p:spPr/>
+        <p:txBody>
+          <a:bodyPr/>
+          <a:lstStyle/>
+          <a:p>
+            <a:endParaRPr lang="en-IN"/>
+          </a:p>
+        </p:txBody>
+      </p:sp>
+      <p:pic>
+        <p:nvPicPr>
+          <p:cNvPr id="2050" name="Picture 2" descr="automation-api">
+            <a:extLst>
+              <a:ext uri="{FF2B5EF4-FFF2-40B4-BE49-F238E27FC236}">
+                <a16:creationId xmlns:a16="http://schemas.microsoft.com/office/drawing/2014/main" id="{2E8F6E75-F303-5936-008B-5EA1C763AE65}"/>
+              </a:ext>
+            </a:extLst>
+          </p:cNvPr>
+          <p:cNvPicPr>
+            <a:picLocks noChangeAspect="1" noChangeArrowheads="1"/>
+          </p:cNvPicPr>
+          <p:nvPr/>
+        </p:nvPicPr>
+        <p:blipFill>
+          <a:blip r:embed="rId2">
+            <a:extLst>
+              <a:ext uri="{28A0092B-C50C-407E-A947-70E740481C1C}">
+                <a14:useLocalDpi xmlns:a14="http://schemas.microsoft.com/office/drawing/2010/main" val="0"/>
+              </a:ext>
+            </a:extLst>
+          </a:blip>
+          <a:srcRect/>
+          <a:stretch>
+            <a:fillRect/>
+          </a:stretch>
+        </p:blipFill>
+        <p:spPr bwMode="auto">
+          <a:xfrm>
+            <a:off x="0" y="26988"/>
+            <a:ext cx="12192000" cy="6804025"/>
+          </a:xfrm>
+          <a:prstGeom prst="rect">
+            <a:avLst/>
+          </a:prstGeom>
+          <a:noFill/>
+          <a:extLst>
+            <a:ext uri="{909E8E84-426E-40DD-AFC4-6F175D3DCCD1}">
+              <a14:hiddenFill xmlns:a14="http://schemas.microsoft.com/office/drawing/2010/main">
+                <a:solidFill>
+                  <a:srgbClr val="FFFFFF"/>
+                </a:solidFill>
+              </a14:hiddenFill>
+            </a:ext>
+          </a:extLst>
+        </p:spPr>
+      </p:pic>
+    </p:spTree>
+    <p:extLst>
+      <p:ext uri="{BB962C8B-B14F-4D97-AF65-F5344CB8AC3E}">
+        <p14:creationId xmlns:p14="http://schemas.microsoft.com/office/powerpoint/2010/main" val="552617071"/>
+      </p:ext>
+    </p:extLst>
+  </p:cSld>
+  <p:clrMapOvr>
+    <a:masterClrMapping/>
+  </p:clrMapOvr>
+</p:sld>
+</file>
+
+<file path=ppt/slides/slide51.xml><?xml version="1.0" encoding="utf-8"?>
+<p:sld xmlns:a="http://schemas.openxmlformats.org/drawingml/2006/main" xmlns:r="http://schemas.openxmlformats.org/officeDocument/2006/relationships" xmlns:p="http://schemas.openxmlformats.org/presentationml/2006/main">
+  <p:cSld>
+    <p:spTree>
+      <p:nvGrpSpPr>
+        <p:cNvPr id="1" name=""/>
+        <p:cNvGrpSpPr/>
+        <p:nvPr/>
+      </p:nvGrpSpPr>
+      <p:grpSpPr>
+        <a:xfrm>
+          <a:off x="0" y="0"/>
+          <a:ext cx="0" cy="0"/>
+          <a:chOff x="0" y="0"/>
+          <a:chExt cx="0" cy="0"/>
+        </a:xfrm>
+      </p:grpSpPr>
+      <p:sp>
+        <p:nvSpPr>
+          <p:cNvPr id="2" name="Title 1">
+            <a:extLst>
+              <a:ext uri="{FF2B5EF4-FFF2-40B4-BE49-F238E27FC236}">
+                <a16:creationId xmlns:a16="http://schemas.microsoft.com/office/drawing/2014/main" id="{5D64843D-643C-37AC-A7B0-799FE3DE7763}"/>
+              </a:ext>
+            </a:extLst>
+          </p:cNvPr>
+          <p:cNvSpPr>
+            <a:spLocks noGrp="1"/>
+          </p:cNvSpPr>
+          <p:nvPr>
+            <p:ph type="title"/>
+          </p:nvPr>
+        </p:nvSpPr>
+        <p:spPr/>
+        <p:txBody>
+          <a:bodyPr/>
+          <a:lstStyle/>
+          <a:p>
+            <a:endParaRPr lang="en-IN"/>
+          </a:p>
+        </p:txBody>
+      </p:sp>
+      <p:sp>
+        <p:nvSpPr>
+          <p:cNvPr id="3" name="Content Placeholder 2">
+            <a:extLst>
+              <a:ext uri="{FF2B5EF4-FFF2-40B4-BE49-F238E27FC236}">
+                <a16:creationId xmlns:a16="http://schemas.microsoft.com/office/drawing/2014/main" id="{F8CD6C60-99C6-3B2B-924F-EF577B35689F}"/>
+              </a:ext>
+            </a:extLst>
+          </p:cNvPr>
+          <p:cNvSpPr>
+            <a:spLocks noGrp="1"/>
+          </p:cNvSpPr>
+          <p:nvPr>
+            <p:ph idx="1"/>
+          </p:nvPr>
+        </p:nvSpPr>
+        <p:spPr/>
+        <p:txBody>
+          <a:bodyPr/>
+          <a:lstStyle/>
+          <a:p>
+            <a:endParaRPr lang="en-IN"/>
+          </a:p>
+        </p:txBody>
+      </p:sp>
+    </p:spTree>
+    <p:extLst>
+      <p:ext uri="{BB962C8B-B14F-4D97-AF65-F5344CB8AC3E}">
+        <p14:creationId xmlns:p14="http://schemas.microsoft.com/office/powerpoint/2010/main" val="1889720708"/>
+      </p:ext>
+    </p:extLst>
+  </p:cSld>
+  <p:clrMapOvr>
+    <a:masterClrMapping/>
+  </p:clrMapOvr>
+</p:sld>
+</file>
+
+<file path=ppt/slides/slide52.xml><?xml version="1.0" encoding="utf-8"?>
+<p:sld xmlns:a="http://schemas.openxmlformats.org/drawingml/2006/main" xmlns:r="http://schemas.openxmlformats.org/officeDocument/2006/relationships" xmlns:p="http://schemas.openxmlformats.org/presentationml/2006/main">
+  <p:cSld>
+    <p:spTree>
+      <p:nvGrpSpPr>
+        <p:cNvPr id="1" name=""/>
+        <p:cNvGrpSpPr/>
+        <p:nvPr/>
+      </p:nvGrpSpPr>
+      <p:grpSpPr>
+        <a:xfrm>
+          <a:off x="0" y="0"/>
+          <a:ext cx="0" cy="0"/>
+          <a:chOff x="0" y="0"/>
+          <a:chExt cx="0" cy="0"/>
+        </a:xfrm>
+      </p:grpSpPr>
+      <p:sp>
+        <p:nvSpPr>
+          <p:cNvPr id="2" name="Title 1">
+            <a:extLst>
+              <a:ext uri="{FF2B5EF4-FFF2-40B4-BE49-F238E27FC236}">
+                <a16:creationId xmlns:a16="http://schemas.microsoft.com/office/drawing/2014/main" id="{1C72D64C-10BE-A1BC-C390-1D06C12AF2D2}"/>
+              </a:ext>
+            </a:extLst>
+          </p:cNvPr>
+          <p:cNvSpPr>
+            <a:spLocks noGrp="1"/>
+          </p:cNvSpPr>
+          <p:nvPr>
+            <p:ph type="title"/>
+          </p:nvPr>
+        </p:nvSpPr>
+        <p:spPr/>
+        <p:txBody>
+          <a:bodyPr/>
+          <a:lstStyle/>
+          <a:p>
+            <a:r>
+              <a:rPr lang="en-IN" b="1" i="0" dirty="0">
+                <a:solidFill>
+                  <a:srgbClr val="2F3032"/>
+                </a:solidFill>
+                <a:effectLst/>
+                <a:latin typeface="Gilroy"/>
+              </a:rPr>
+              <a:t>Resources</a:t>
+            </a:r>
+            <a:endParaRPr lang="en-IN" dirty="0"/>
+          </a:p>
+        </p:txBody>
+      </p:sp>
+      <p:sp>
+        <p:nvSpPr>
+          <p:cNvPr id="3" name="Content Placeholder 2">
+            <a:extLst>
+              <a:ext uri="{FF2B5EF4-FFF2-40B4-BE49-F238E27FC236}">
+                <a16:creationId xmlns:a16="http://schemas.microsoft.com/office/drawing/2014/main" id="{C216665C-2824-FE25-3060-E148436D25B2}"/>
+              </a:ext>
+            </a:extLst>
+          </p:cNvPr>
+          <p:cNvSpPr>
+            <a:spLocks noGrp="1"/>
+          </p:cNvSpPr>
+          <p:nvPr>
+            <p:ph idx="1"/>
+          </p:nvPr>
+        </p:nvSpPr>
+        <p:spPr/>
+        <p:txBody>
+          <a:bodyPr/>
+          <a:lstStyle/>
+          <a:p>
+            <a:endParaRPr lang="en-IN"/>
+          </a:p>
+        </p:txBody>
+      </p:sp>
+    </p:spTree>
+    <p:extLst>
+      <p:ext uri="{BB962C8B-B14F-4D97-AF65-F5344CB8AC3E}">
+        <p14:creationId xmlns:p14="http://schemas.microsoft.com/office/powerpoint/2010/main" val="3852911669"/>
+      </p:ext>
+    </p:extLst>
+  </p:cSld>
+  <p:clrMapOvr>
+    <a:masterClrMapping/>
+  </p:clrMapOvr>
+</p:sld>
+</file>
+
+<file path=ppt/slides/slide53.xml><?xml version="1.0" encoding="utf-8"?>
+<p:sld xmlns:a="http://schemas.openxmlformats.org/drawingml/2006/main" xmlns:r="http://schemas.openxmlformats.org/officeDocument/2006/relationships" xmlns:p="http://schemas.openxmlformats.org/presentationml/2006/main">
+  <p:cSld>
+    <p:spTree>
+      <p:nvGrpSpPr>
+        <p:cNvPr id="1" name=""/>
+        <p:cNvGrpSpPr/>
+        <p:nvPr/>
+      </p:nvGrpSpPr>
+      <p:grpSpPr>
+        <a:xfrm>
+          <a:off x="0" y="0"/>
+          <a:ext cx="0" cy="0"/>
+          <a:chOff x="0" y="0"/>
+          <a:chExt cx="0" cy="0"/>
+        </a:xfrm>
+      </p:grpSpPr>
+      <p:sp>
+        <p:nvSpPr>
+          <p:cNvPr id="2" name="Title 1">
+            <a:extLst>
+              <a:ext uri="{FF2B5EF4-FFF2-40B4-BE49-F238E27FC236}">
+                <a16:creationId xmlns:a16="http://schemas.microsoft.com/office/drawing/2014/main" id="{EDD34EF4-B0FC-F021-AF56-580365891BAB}"/>
+              </a:ext>
+            </a:extLst>
+          </p:cNvPr>
+          <p:cNvSpPr>
+            <a:spLocks noGrp="1"/>
+          </p:cNvSpPr>
+          <p:nvPr>
+            <p:ph type="title"/>
+          </p:nvPr>
+        </p:nvSpPr>
+        <p:spPr/>
+        <p:txBody>
+          <a:bodyPr>
+            <a:normAutofit/>
+          </a:bodyPr>
+          <a:lstStyle/>
+          <a:p>
+            <a:r>
+              <a:rPr lang="en-IN" b="1" i="0" dirty="0">
+                <a:solidFill>
+                  <a:srgbClr val="2F3032"/>
+                </a:solidFill>
+                <a:effectLst/>
+                <a:latin typeface="Gilroy"/>
+              </a:rPr>
+              <a:t>Inputs and Outputs</a:t>
+            </a:r>
+            <a:endParaRPr lang="en-IN" dirty="0"/>
+          </a:p>
+        </p:txBody>
+      </p:sp>
+      <p:sp>
+        <p:nvSpPr>
+          <p:cNvPr id="3" name="Content Placeholder 2">
+            <a:extLst>
+              <a:ext uri="{FF2B5EF4-FFF2-40B4-BE49-F238E27FC236}">
+                <a16:creationId xmlns:a16="http://schemas.microsoft.com/office/drawing/2014/main" id="{F4E8E8E8-12A8-AD30-1E3A-E6324EE72EB4}"/>
+              </a:ext>
+            </a:extLst>
+          </p:cNvPr>
+          <p:cNvSpPr>
+            <a:spLocks noGrp="1"/>
+          </p:cNvSpPr>
+          <p:nvPr>
+            <p:ph idx="1"/>
+          </p:nvPr>
+        </p:nvSpPr>
+        <p:spPr/>
+        <p:txBody>
+          <a:bodyPr/>
+          <a:lstStyle/>
+          <a:p>
+            <a:endParaRPr lang="en-IN"/>
+          </a:p>
+        </p:txBody>
+      </p:sp>
+    </p:spTree>
+    <p:extLst>
+      <p:ext uri="{BB962C8B-B14F-4D97-AF65-F5344CB8AC3E}">
+        <p14:creationId xmlns:p14="http://schemas.microsoft.com/office/powerpoint/2010/main" val="1177409741"/>
+      </p:ext>
+    </p:extLst>
+  </p:cSld>
+  <p:clrMapOvr>
+    <a:masterClrMapping/>
+  </p:clrMapOvr>
+</p:sld>
+</file>
+
+<file path=ppt/slides/slide54.xml><?xml version="1.0" encoding="utf-8"?>
+<p:sld xmlns:a="http://schemas.openxmlformats.org/drawingml/2006/main" xmlns:r="http://schemas.openxmlformats.org/officeDocument/2006/relationships" xmlns:p="http://schemas.openxmlformats.org/presentationml/2006/main">
+  <p:cSld>
+    <p:spTree>
+      <p:nvGrpSpPr>
+        <p:cNvPr id="1" name=""/>
+        <p:cNvGrpSpPr/>
+        <p:nvPr/>
+      </p:nvGrpSpPr>
+      <p:grpSpPr>
+        <a:xfrm>
+          <a:off x="0" y="0"/>
+          <a:ext cx="0" cy="0"/>
+          <a:chOff x="0" y="0"/>
+          <a:chExt cx="0" cy="0"/>
+        </a:xfrm>
+      </p:grpSpPr>
+      <p:sp>
+        <p:nvSpPr>
+          <p:cNvPr id="2" name="Title 1">
+            <a:extLst>
+              <a:ext uri="{FF2B5EF4-FFF2-40B4-BE49-F238E27FC236}">
+                <a16:creationId xmlns:a16="http://schemas.microsoft.com/office/drawing/2014/main" id="{D86A0E34-5B8B-3BF2-959D-B61FE4963E9B}"/>
+              </a:ext>
+            </a:extLst>
+          </p:cNvPr>
+          <p:cNvSpPr>
+            <a:spLocks noGrp="1"/>
+          </p:cNvSpPr>
+          <p:nvPr>
+            <p:ph type="title"/>
+          </p:nvPr>
+        </p:nvSpPr>
+        <p:spPr/>
+        <p:txBody>
+          <a:bodyPr/>
+          <a:lstStyle/>
+          <a:p>
+            <a:r>
+              <a:rPr lang="en-IN" b="1" i="0" dirty="0">
+                <a:solidFill>
+                  <a:srgbClr val="2F3032"/>
+                </a:solidFill>
+                <a:effectLst/>
+                <a:latin typeface="Gilroy"/>
+              </a:rPr>
+              <a:t>Configuration</a:t>
+            </a:r>
+            <a:endParaRPr lang="en-IN" dirty="0"/>
+          </a:p>
+        </p:txBody>
+      </p:sp>
+      <p:sp>
+        <p:nvSpPr>
+          <p:cNvPr id="3" name="Content Placeholder 2">
+            <a:extLst>
+              <a:ext uri="{FF2B5EF4-FFF2-40B4-BE49-F238E27FC236}">
+                <a16:creationId xmlns:a16="http://schemas.microsoft.com/office/drawing/2014/main" id="{4F543E55-9C4E-C90F-E5F0-83AB40796C3C}"/>
+              </a:ext>
+            </a:extLst>
+          </p:cNvPr>
+          <p:cNvSpPr>
+            <a:spLocks noGrp="1"/>
+          </p:cNvSpPr>
+          <p:nvPr>
+            <p:ph idx="1"/>
+          </p:nvPr>
+        </p:nvSpPr>
+        <p:spPr/>
+        <p:txBody>
+          <a:bodyPr/>
+          <a:lstStyle/>
+          <a:p>
+            <a:endParaRPr lang="en-IN" dirty="0"/>
+          </a:p>
+        </p:txBody>
+      </p:sp>
+      <p:pic>
+        <p:nvPicPr>
+          <p:cNvPr id="5" name="Picture 4">
+            <a:extLst>
+              <a:ext uri="{FF2B5EF4-FFF2-40B4-BE49-F238E27FC236}">
+                <a16:creationId xmlns:a16="http://schemas.microsoft.com/office/drawing/2014/main" id="{829A94D9-6018-0AC1-D543-C6A81985DE9A}"/>
+              </a:ext>
+            </a:extLst>
+          </p:cNvPr>
+          <p:cNvPicPr>
+            <a:picLocks noChangeAspect="1"/>
+          </p:cNvPicPr>
+          <p:nvPr/>
+        </p:nvPicPr>
+        <p:blipFill>
+          <a:blip r:embed="rId2"/>
+          <a:stretch>
+            <a:fillRect/>
+          </a:stretch>
+        </p:blipFill>
+        <p:spPr>
+          <a:xfrm>
+            <a:off x="1692808" y="2652259"/>
+            <a:ext cx="2762636" cy="647790"/>
+          </a:xfrm>
+          <a:prstGeom prst="rect">
+            <a:avLst/>
+          </a:prstGeom>
+        </p:spPr>
+      </p:pic>
+    </p:spTree>
+    <p:extLst>
+      <p:ext uri="{BB962C8B-B14F-4D97-AF65-F5344CB8AC3E}">
+        <p14:creationId xmlns:p14="http://schemas.microsoft.com/office/powerpoint/2010/main" val="593934382"/>
+      </p:ext>
+    </p:extLst>
+  </p:cSld>
+  <p:clrMapOvr>
+    <a:masterClrMapping/>
+  </p:clrMapOvr>
+</p:sld>
+</file>
+
+<file path=ppt/slides/slide55.xml><?xml version="1.0" encoding="utf-8"?>
 <p:sld xmlns:a="http://schemas.openxmlformats.org/drawingml/2006/main" xmlns:r="http://schemas.openxmlformats.org/officeDocument/2006/relationships" xmlns:p="http://schemas.openxmlformats.org/presentationml/2006/main">
   <p:cSld>
     <p:spTree>
@@ -17774,7 +17948,7 @@
 </p:sld>
 </file>
 
-<file path=ppt/slides/slide51.xml><?xml version="1.0" encoding="utf-8"?>
+<file path=ppt/slides/slide56.xml><?xml version="1.0" encoding="utf-8"?>
 <p:sld xmlns:a="http://schemas.openxmlformats.org/drawingml/2006/main" xmlns:r="http://schemas.openxmlformats.org/officeDocument/2006/relationships" xmlns:p="http://schemas.openxmlformats.org/presentationml/2006/main">
   <p:cSld>
     <p:spTree>
@@ -17890,7 +18064,7 @@
 </p:sld>
 </file>
 
-<file path=ppt/slides/slide52.xml><?xml version="1.0" encoding="utf-8"?>
+<file path=ppt/slides/slide57.xml><?xml version="1.0" encoding="utf-8"?>
 <p:sld xmlns:a="http://schemas.openxmlformats.org/drawingml/2006/main" xmlns:r="http://schemas.openxmlformats.org/officeDocument/2006/relationships" xmlns:p="http://schemas.openxmlformats.org/presentationml/2006/main">
   <p:cSld>
     <p:spTree>
@@ -17973,7 +18147,7 @@
 </p:sld>
 </file>
 
-<file path=ppt/slides/slide53.xml><?xml version="1.0" encoding="utf-8"?>
+<file path=ppt/slides/slide58.xml><?xml version="1.0" encoding="utf-8"?>
 <p:sld xmlns:a="http://schemas.openxmlformats.org/drawingml/2006/main" xmlns:r="http://schemas.openxmlformats.org/officeDocument/2006/relationships" xmlns:p="http://schemas.openxmlformats.org/presentationml/2006/main">
   <p:cSld>
     <p:spTree>
@@ -18037,7 +18211,7 @@
 </p:sld>
 </file>
 
-<file path=ppt/slides/slide54.xml><?xml version="1.0" encoding="utf-8"?>
+<file path=ppt/slides/slide59.xml><?xml version="1.0" encoding="utf-8"?>
 <p:sld xmlns:a="http://schemas.openxmlformats.org/drawingml/2006/main" xmlns:r="http://schemas.openxmlformats.org/officeDocument/2006/relationships" xmlns:p="http://schemas.openxmlformats.org/presentationml/2006/main">
   <p:cSld>
     <p:spTree>
@@ -18121,104 +18295,6 @@
     <p:extLst>
       <p:ext uri="{BB962C8B-B14F-4D97-AF65-F5344CB8AC3E}">
         <p14:creationId xmlns:p14="http://schemas.microsoft.com/office/powerpoint/2010/main" val="688101467"/>
-      </p:ext>
-    </p:extLst>
-  </p:cSld>
-  <p:clrMapOvr>
-    <a:masterClrMapping/>
-  </p:clrMapOvr>
-</p:sld>
-</file>
-
-<file path=ppt/slides/slide55.xml><?xml version="1.0" encoding="utf-8"?>
-<p:sld xmlns:a="http://schemas.openxmlformats.org/drawingml/2006/main" xmlns:r="http://schemas.openxmlformats.org/officeDocument/2006/relationships" xmlns:p="http://schemas.openxmlformats.org/presentationml/2006/main">
-  <p:cSld>
-    <p:spTree>
-      <p:nvGrpSpPr>
-        <p:cNvPr id="1" name=""/>
-        <p:cNvGrpSpPr/>
-        <p:nvPr/>
-      </p:nvGrpSpPr>
-      <p:grpSpPr>
-        <a:xfrm>
-          <a:off x="0" y="0"/>
-          <a:ext cx="0" cy="0"/>
-          <a:chOff x="0" y="0"/>
-          <a:chExt cx="0" cy="0"/>
-        </a:xfrm>
-      </p:grpSpPr>
-      <p:sp>
-        <p:nvSpPr>
-          <p:cNvPr id="2" name="Title 1">
-            <a:extLst>
-              <a:ext uri="{FF2B5EF4-FFF2-40B4-BE49-F238E27FC236}">
-                <a16:creationId xmlns:a16="http://schemas.microsoft.com/office/drawing/2014/main" id="{4244EA81-93C5-A96D-493E-BCFB13584F18}"/>
-              </a:ext>
-            </a:extLst>
-          </p:cNvPr>
-          <p:cNvSpPr>
-            <a:spLocks noGrp="1"/>
-          </p:cNvSpPr>
-          <p:nvPr>
-            <p:ph type="title"/>
-          </p:nvPr>
-        </p:nvSpPr>
-        <p:spPr/>
-        <p:txBody>
-          <a:bodyPr/>
-          <a:lstStyle/>
-          <a:p>
-            <a:endParaRPr lang="en-IN"/>
-          </a:p>
-        </p:txBody>
-      </p:sp>
-      <p:sp>
-        <p:nvSpPr>
-          <p:cNvPr id="3" name="Content Placeholder 2">
-            <a:extLst>
-              <a:ext uri="{FF2B5EF4-FFF2-40B4-BE49-F238E27FC236}">
-                <a16:creationId xmlns:a16="http://schemas.microsoft.com/office/drawing/2014/main" id="{26B31A73-F0FC-34BC-01DB-9BA655300B89}"/>
-              </a:ext>
-            </a:extLst>
-          </p:cNvPr>
-          <p:cNvSpPr>
-            <a:spLocks noGrp="1"/>
-          </p:cNvSpPr>
-          <p:nvPr>
-            <p:ph idx="1"/>
-          </p:nvPr>
-        </p:nvSpPr>
-        <p:spPr/>
-        <p:txBody>
-          <a:bodyPr/>
-          <a:lstStyle/>
-          <a:p>
-            <a:r>
-              <a:rPr lang="en-US" sz="1800" b="0" i="0" u="none" strike="noStrike" baseline="0" dirty="0">
-                <a:latin typeface="Panton-Regular"/>
-              </a:rPr>
-              <a:t>A Stack defines the State</a:t>
-            </a:r>
-          </a:p>
-          <a:p>
-            <a:r>
-              <a:rPr lang="en-IN" b="0" i="0" dirty="0">
-                <a:solidFill>
-                  <a:srgbClr val="2F3032"/>
-                </a:solidFill>
-                <a:effectLst/>
-                <a:latin typeface="Inter"/>
-              </a:rPr>
-              <a:t> micro-stacks.</a:t>
-            </a:r>
-            <a:endParaRPr lang="en-IN" dirty="0"/>
-          </a:p>
-        </p:txBody>
-      </p:sp>
-    </p:spTree>
-    <p:extLst>
-      <p:ext uri="{BB962C8B-B14F-4D97-AF65-F5344CB8AC3E}">
-        <p14:creationId xmlns:p14="http://schemas.microsoft.com/office/powerpoint/2010/main" val="2091928224"/>
       </p:ext>
     </p:extLst>
   </p:cSld>
@@ -18338,6 +18414,104 @@
     <p:extLst>
       <p:ext uri="{BB962C8B-B14F-4D97-AF65-F5344CB8AC3E}">
         <p14:creationId xmlns:p14="http://schemas.microsoft.com/office/powerpoint/2010/main" val="2661111390"/>
+      </p:ext>
+    </p:extLst>
+  </p:cSld>
+  <p:clrMapOvr>
+    <a:masterClrMapping/>
+  </p:clrMapOvr>
+</p:sld>
+</file>
+
+<file path=ppt/slides/slide60.xml><?xml version="1.0" encoding="utf-8"?>
+<p:sld xmlns:a="http://schemas.openxmlformats.org/drawingml/2006/main" xmlns:r="http://schemas.openxmlformats.org/officeDocument/2006/relationships" xmlns:p="http://schemas.openxmlformats.org/presentationml/2006/main">
+  <p:cSld>
+    <p:spTree>
+      <p:nvGrpSpPr>
+        <p:cNvPr id="1" name=""/>
+        <p:cNvGrpSpPr/>
+        <p:nvPr/>
+      </p:nvGrpSpPr>
+      <p:grpSpPr>
+        <a:xfrm>
+          <a:off x="0" y="0"/>
+          <a:ext cx="0" cy="0"/>
+          <a:chOff x="0" y="0"/>
+          <a:chExt cx="0" cy="0"/>
+        </a:xfrm>
+      </p:grpSpPr>
+      <p:sp>
+        <p:nvSpPr>
+          <p:cNvPr id="2" name="Title 1">
+            <a:extLst>
+              <a:ext uri="{FF2B5EF4-FFF2-40B4-BE49-F238E27FC236}">
+                <a16:creationId xmlns:a16="http://schemas.microsoft.com/office/drawing/2014/main" id="{4244EA81-93C5-A96D-493E-BCFB13584F18}"/>
+              </a:ext>
+            </a:extLst>
+          </p:cNvPr>
+          <p:cNvSpPr>
+            <a:spLocks noGrp="1"/>
+          </p:cNvSpPr>
+          <p:nvPr>
+            <p:ph type="title"/>
+          </p:nvPr>
+        </p:nvSpPr>
+        <p:spPr/>
+        <p:txBody>
+          <a:bodyPr/>
+          <a:lstStyle/>
+          <a:p>
+            <a:endParaRPr lang="en-IN"/>
+          </a:p>
+        </p:txBody>
+      </p:sp>
+      <p:sp>
+        <p:nvSpPr>
+          <p:cNvPr id="3" name="Content Placeholder 2">
+            <a:extLst>
+              <a:ext uri="{FF2B5EF4-FFF2-40B4-BE49-F238E27FC236}">
+                <a16:creationId xmlns:a16="http://schemas.microsoft.com/office/drawing/2014/main" id="{26B31A73-F0FC-34BC-01DB-9BA655300B89}"/>
+              </a:ext>
+            </a:extLst>
+          </p:cNvPr>
+          <p:cNvSpPr>
+            <a:spLocks noGrp="1"/>
+          </p:cNvSpPr>
+          <p:nvPr>
+            <p:ph idx="1"/>
+          </p:nvPr>
+        </p:nvSpPr>
+        <p:spPr/>
+        <p:txBody>
+          <a:bodyPr/>
+          <a:lstStyle/>
+          <a:p>
+            <a:r>
+              <a:rPr lang="en-US" sz="1800" b="0" i="0" u="none" strike="noStrike" baseline="0" dirty="0">
+                <a:latin typeface="Panton-Regular"/>
+              </a:rPr>
+              <a:t>A Stack defines the State</a:t>
+            </a:r>
+          </a:p>
+          <a:p>
+            <a:r>
+              <a:rPr lang="en-IN" b="0" i="0" dirty="0">
+                <a:solidFill>
+                  <a:srgbClr val="2F3032"/>
+                </a:solidFill>
+                <a:effectLst/>
+                <a:latin typeface="Inter"/>
+              </a:rPr>
+              <a:t> micro-stacks.</a:t>
+            </a:r>
+            <a:endParaRPr lang="en-IN" dirty="0"/>
+          </a:p>
+        </p:txBody>
+      </p:sp>
+    </p:spTree>
+    <p:extLst>
+      <p:ext uri="{BB962C8B-B14F-4D97-AF65-F5344CB8AC3E}">
+        <p14:creationId xmlns:p14="http://schemas.microsoft.com/office/powerpoint/2010/main" val="2091928224"/>
       </p:ext>
     </p:extLst>
   </p:cSld>
@@ -18778,7 +18952,7 @@
           <a:p>
             <a:r>
               <a:rPr lang="en-IN" dirty="0"/>
-              <a:t>Procurement/provisioning</a:t>
+              <a:t>Hardware needs</a:t>
             </a:r>
           </a:p>
         </p:txBody>
@@ -18857,119 +19031,292 @@
           </a:p>
         </p:txBody>
       </p:sp>
-      <p:sp>
-        <p:nvSpPr>
-          <p:cNvPr id="4" name="TextBox 3">
+      <p:graphicFrame>
+        <p:nvGraphicFramePr>
+          <p:cNvPr id="5" name="Table 6">
             <a:extLst>
               <a:ext uri="{FF2B5EF4-FFF2-40B4-BE49-F238E27FC236}">
-                <a16:creationId xmlns:a16="http://schemas.microsoft.com/office/drawing/2014/main" id="{AE44A6B6-2D50-D382-1BCE-FE97BC37B50D}"/>
+                <a16:creationId xmlns:a16="http://schemas.microsoft.com/office/drawing/2014/main" id="{21CCF938-607D-D543-B08B-C35D49A19D84}"/>
               </a:ext>
             </a:extLst>
           </p:cNvPr>
-          <p:cNvSpPr txBox="1"/>
-          <p:nvPr/>
-        </p:nvSpPr>
-        <p:spPr>
-          <a:xfrm>
-            <a:off x="7514312" y="4764025"/>
-            <a:ext cx="4119155" cy="923330"/>
-          </a:xfrm>
-          <a:prstGeom prst="rect">
-            <a:avLst/>
-          </a:prstGeom>
-          <a:noFill/>
-        </p:spPr>
-        <p:txBody>
-          <a:bodyPr wrap="square" rtlCol="0">
-            <a:spAutoFit/>
-          </a:bodyPr>
-          <a:lstStyle/>
-          <a:p>
-            <a:pPr marL="342900" indent="-342900">
-              <a:buFont typeface="+mj-lt"/>
-              <a:buAutoNum type="arabicPeriod"/>
-            </a:pPr>
-            <a:r>
-              <a:rPr lang="en-IN" dirty="0"/>
-              <a:t>Virtual Machines – </a:t>
-            </a:r>
-            <a:r>
-              <a:rPr lang="en-IN" dirty="0" err="1"/>
-              <a:t>VMs</a:t>
-            </a:r>
-            <a:endParaRPr lang="en-IN" dirty="0"/>
-          </a:p>
-          <a:p>
-            <a:pPr marL="342900" indent="-342900">
-              <a:buFont typeface="+mj-lt"/>
-              <a:buAutoNum type="arabicPeriod"/>
-            </a:pPr>
-            <a:r>
-              <a:rPr lang="en-IN" dirty="0"/>
-              <a:t>Docker Containers</a:t>
-            </a:r>
-          </a:p>
-          <a:p>
-            <a:pPr marL="342900" indent="-342900">
-              <a:buFont typeface="+mj-lt"/>
-              <a:buAutoNum type="arabicPeriod"/>
-            </a:pPr>
-            <a:r>
-              <a:rPr lang="en-IN" dirty="0"/>
-              <a:t>Serverless</a:t>
-            </a:r>
-          </a:p>
-        </p:txBody>
-      </p:sp>
-      <p:sp>
-        <p:nvSpPr>
-          <p:cNvPr id="6" name="TextBox 5">
-            <a:extLst>
-              <a:ext uri="{FF2B5EF4-FFF2-40B4-BE49-F238E27FC236}">
-                <a16:creationId xmlns:a16="http://schemas.microsoft.com/office/drawing/2014/main" id="{E051D101-802D-102B-D364-BFA94E254300}"/>
-              </a:ext>
-            </a:extLst>
-          </p:cNvPr>
-          <p:cNvSpPr txBox="1"/>
-          <p:nvPr/>
-        </p:nvSpPr>
-        <p:spPr>
-          <a:xfrm>
-            <a:off x="3488248" y="4902524"/>
-            <a:ext cx="2770510" cy="646331"/>
-          </a:xfrm>
-          <a:prstGeom prst="rect">
-            <a:avLst/>
-          </a:prstGeom>
-          <a:noFill/>
-        </p:spPr>
-        <p:txBody>
-          <a:bodyPr wrap="square">
-            <a:spAutoFit/>
-          </a:bodyPr>
-          <a:lstStyle/>
-          <a:p>
-            <a:pPr marL="342900" indent="-342900">
-              <a:buFont typeface="+mj-lt"/>
-              <a:buAutoNum type="arabicPeriod"/>
-            </a:pPr>
-            <a:r>
-              <a:rPr lang="en-IN" dirty="0"/>
-              <a:t>Hosting Providers</a:t>
-            </a:r>
-          </a:p>
-          <a:p>
-            <a:pPr marL="342900" indent="-342900">
-              <a:buFont typeface="+mj-lt"/>
-              <a:buAutoNum type="arabicPeriod"/>
-            </a:pPr>
-            <a:r>
-              <a:rPr lang="en-IN" dirty="0"/>
-              <a:t>Data Centres</a:t>
-            </a:r>
-          </a:p>
-        </p:txBody>
-      </p:sp>
+          <p:cNvGraphicFramePr>
+            <a:graphicFrameLocks noGrp="1"/>
+          </p:cNvGraphicFramePr>
+          <p:nvPr>
+            <p:extLst>
+              <p:ext uri="{D42A27DB-BD31-4B8C-83A1-F6EECF244321}">
+                <p14:modId xmlns:p14="http://schemas.microsoft.com/office/powerpoint/2010/main" val="947115513"/>
+              </p:ext>
+            </p:extLst>
+          </p:nvPr>
+        </p:nvGraphicFramePr>
+        <p:xfrm>
+          <a:off x="3094445" y="4211320"/>
+          <a:ext cx="8128000" cy="1483360"/>
+        </p:xfrm>
+        <a:graphic>
+          <a:graphicData uri="http://schemas.openxmlformats.org/drawingml/2006/table">
+            <a:tbl>
+              <a:tblPr firstRow="1" bandRow="1">
+                <a:tableStyleId>{5C22544A-7EE6-4342-B048-85BDC9FD1C3A}</a:tableStyleId>
+              </a:tblPr>
+              <a:tblGrid>
+                <a:gridCol w="4064000">
+                  <a:extLst>
+                    <a:ext uri="{9D8B030D-6E8A-4147-A177-3AD203B41FA5}">
+                      <a16:colId xmlns:a16="http://schemas.microsoft.com/office/drawing/2014/main" val="2705053183"/>
+                    </a:ext>
+                  </a:extLst>
+                </a:gridCol>
+                <a:gridCol w="4064000">
+                  <a:extLst>
+                    <a:ext uri="{9D8B030D-6E8A-4147-A177-3AD203B41FA5}">
+                      <a16:colId xmlns:a16="http://schemas.microsoft.com/office/drawing/2014/main" val="2508625387"/>
+                    </a:ext>
+                  </a:extLst>
+                </a:gridCol>
+              </a:tblGrid>
+              <a:tr h="370840">
+                <a:tc>
+                  <a:txBody>
+                    <a:bodyPr/>
+                    <a:lstStyle/>
+                    <a:p>
+                      <a:r>
+                        <a:rPr lang="en-IN" dirty="0"/>
+                        <a:t>Procurement</a:t>
+                      </a:r>
+                    </a:p>
+                  </a:txBody>
+                  <a:tcPr/>
+                </a:tc>
+                <a:tc>
+                  <a:txBody>
+                    <a:bodyPr/>
+                    <a:lstStyle/>
+                    <a:p>
+                      <a:r>
+                        <a:rPr lang="en-IN" dirty="0"/>
+                        <a:t>Provisioning</a:t>
+                      </a:r>
+                    </a:p>
+                  </a:txBody>
+                  <a:tcPr/>
+                </a:tc>
+                <a:extLst>
+                  <a:ext uri="{0D108BD9-81ED-4DB2-BD59-A6C34878D82A}">
+                    <a16:rowId xmlns:a16="http://schemas.microsoft.com/office/drawing/2014/main" val="1584944480"/>
+                  </a:ext>
+                </a:extLst>
+              </a:tr>
+              <a:tr h="370840">
+                <a:tc>
+                  <a:txBody>
+                    <a:bodyPr/>
+                    <a:lstStyle/>
+                    <a:p>
+                      <a:pPr marL="0" marR="0" lvl="0" indent="0" algn="l" defTabSz="914400" rtl="0" eaLnBrk="1" fontAlgn="auto" latinLnBrk="0" hangingPunct="1">
+                        <a:lnSpc>
+                          <a:spcPct val="100000"/>
+                        </a:lnSpc>
+                        <a:spcBef>
+                          <a:spcPts val="0"/>
+                        </a:spcBef>
+                        <a:spcAft>
+                          <a:spcPts val="0"/>
+                        </a:spcAft>
+                        <a:buClrTx/>
+                        <a:buSzTx/>
+                        <a:buFontTx/>
+                        <a:buNone/>
+                        <a:tabLst/>
+                        <a:defRPr/>
+                      </a:pPr>
+                      <a:r>
+                        <a:rPr lang="en-IN" dirty="0"/>
+                        <a:t>Hosting Providers</a:t>
+                      </a:r>
+                    </a:p>
+                  </a:txBody>
+                  <a:tcPr/>
+                </a:tc>
+                <a:tc>
+                  <a:txBody>
+                    <a:bodyPr/>
+                    <a:lstStyle/>
+                    <a:p>
+                      <a:pPr marL="0" marR="0" lvl="0" indent="0" algn="l" defTabSz="914400" rtl="0" eaLnBrk="1" fontAlgn="auto" latinLnBrk="0" hangingPunct="1">
+                        <a:lnSpc>
+                          <a:spcPct val="100000"/>
+                        </a:lnSpc>
+                        <a:spcBef>
+                          <a:spcPts val="0"/>
+                        </a:spcBef>
+                        <a:spcAft>
+                          <a:spcPts val="0"/>
+                        </a:spcAft>
+                        <a:buClrTx/>
+                        <a:buSzTx/>
+                        <a:buFontTx/>
+                        <a:buNone/>
+                        <a:tabLst/>
+                        <a:defRPr/>
+                      </a:pPr>
+                      <a:r>
+                        <a:rPr lang="en-IN" dirty="0"/>
+                        <a:t>Virtual Machines – </a:t>
+                      </a:r>
+                      <a:r>
+                        <a:rPr lang="en-IN" dirty="0" err="1"/>
+                        <a:t>VMs</a:t>
+                      </a:r>
+                      <a:endParaRPr lang="en-IN" dirty="0"/>
+                    </a:p>
+                  </a:txBody>
+                  <a:tcPr/>
+                </a:tc>
+                <a:extLst>
+                  <a:ext uri="{0D108BD9-81ED-4DB2-BD59-A6C34878D82A}">
+                    <a16:rowId xmlns:a16="http://schemas.microsoft.com/office/drawing/2014/main" val="1832805230"/>
+                  </a:ext>
+                </a:extLst>
+              </a:tr>
+              <a:tr h="370840">
+                <a:tc>
+                  <a:txBody>
+                    <a:bodyPr/>
+                    <a:lstStyle/>
+                    <a:p>
+                      <a:pPr marL="0" marR="0" lvl="0" indent="0" algn="l" defTabSz="914400" rtl="0" eaLnBrk="1" fontAlgn="auto" latinLnBrk="0" hangingPunct="1">
+                        <a:lnSpc>
+                          <a:spcPct val="100000"/>
+                        </a:lnSpc>
+                        <a:spcBef>
+                          <a:spcPts val="0"/>
+                        </a:spcBef>
+                        <a:spcAft>
+                          <a:spcPts val="0"/>
+                        </a:spcAft>
+                        <a:buClrTx/>
+                        <a:buSzTx/>
+                        <a:buFontTx/>
+                        <a:buNone/>
+                        <a:tabLst/>
+                        <a:defRPr/>
+                      </a:pPr>
+                      <a:r>
+                        <a:rPr lang="en-IN" dirty="0"/>
+                        <a:t>Data Centres</a:t>
+                      </a:r>
+                    </a:p>
+                  </a:txBody>
+                  <a:tcPr/>
+                </a:tc>
+                <a:tc>
+                  <a:txBody>
+                    <a:bodyPr/>
+                    <a:lstStyle/>
+                    <a:p>
+                      <a:pPr marL="0" marR="0" lvl="0" indent="0" algn="l" defTabSz="914400" rtl="0" eaLnBrk="1" fontAlgn="auto" latinLnBrk="0" hangingPunct="1">
+                        <a:lnSpc>
+                          <a:spcPct val="100000"/>
+                        </a:lnSpc>
+                        <a:spcBef>
+                          <a:spcPts val="0"/>
+                        </a:spcBef>
+                        <a:spcAft>
+                          <a:spcPts val="0"/>
+                        </a:spcAft>
+                        <a:buClrTx/>
+                        <a:buSzTx/>
+                        <a:buFontTx/>
+                        <a:buNone/>
+                        <a:tabLst/>
+                        <a:defRPr/>
+                      </a:pPr>
+                      <a:r>
+                        <a:rPr lang="en-IN" dirty="0"/>
+                        <a:t>Docker Containers</a:t>
+                      </a:r>
+                    </a:p>
+                  </a:txBody>
+                  <a:tcPr/>
+                </a:tc>
+                <a:extLst>
+                  <a:ext uri="{0D108BD9-81ED-4DB2-BD59-A6C34878D82A}">
+                    <a16:rowId xmlns:a16="http://schemas.microsoft.com/office/drawing/2014/main" val="1309646863"/>
+                  </a:ext>
+                </a:extLst>
+              </a:tr>
+              <a:tr h="370840">
+                <a:tc>
+                  <a:txBody>
+                    <a:bodyPr/>
+                    <a:lstStyle/>
+                    <a:p>
+                      <a:pPr marL="0" marR="0" lvl="0" indent="0" algn="l" defTabSz="914400" rtl="0" eaLnBrk="1" fontAlgn="auto" latinLnBrk="0" hangingPunct="1">
+                        <a:lnSpc>
+                          <a:spcPct val="100000"/>
+                        </a:lnSpc>
+                        <a:spcBef>
+                          <a:spcPts val="0"/>
+                        </a:spcBef>
+                        <a:spcAft>
+                          <a:spcPts val="0"/>
+                        </a:spcAft>
+                        <a:buClrTx/>
+                        <a:buSzTx/>
+                        <a:buFontTx/>
+                        <a:buNone/>
+                        <a:tabLst/>
+                        <a:defRPr/>
+                      </a:pPr>
+                      <a:endParaRPr lang="en-IN" dirty="0"/>
+                    </a:p>
+                  </a:txBody>
+                  <a:tcPr/>
+                </a:tc>
+                <a:tc>
+                  <a:txBody>
+                    <a:bodyPr/>
+                    <a:lstStyle/>
+                    <a:p>
+                      <a:pPr marL="0" marR="0" lvl="0" indent="0" algn="l" defTabSz="914400" rtl="0" eaLnBrk="1" fontAlgn="auto" latinLnBrk="0" hangingPunct="1">
+                        <a:lnSpc>
+                          <a:spcPct val="100000"/>
+                        </a:lnSpc>
+                        <a:spcBef>
+                          <a:spcPts val="0"/>
+                        </a:spcBef>
+                        <a:spcAft>
+                          <a:spcPts val="0"/>
+                        </a:spcAft>
+                        <a:buClrTx/>
+                        <a:buSzTx/>
+                        <a:buFontTx/>
+                        <a:buNone/>
+                        <a:tabLst/>
+                        <a:defRPr/>
+                      </a:pPr>
+                      <a:r>
+                        <a:rPr lang="en-IN" dirty="0"/>
+                        <a:t>Serverless</a:t>
+                      </a:r>
+                    </a:p>
+                  </a:txBody>
+                  <a:tcPr/>
+                </a:tc>
+                <a:extLst>
+                  <a:ext uri="{0D108BD9-81ED-4DB2-BD59-A6C34878D82A}">
+                    <a16:rowId xmlns:a16="http://schemas.microsoft.com/office/drawing/2014/main" val="3914519183"/>
+                  </a:ext>
+                </a:extLst>
+              </a:tr>
+            </a:tbl>
+          </a:graphicData>
+        </a:graphic>
+      </p:graphicFrame>
     </p:spTree>
     <p:extLst>
       <p:ext uri="{BB962C8B-B14F-4D97-AF65-F5344CB8AC3E}">
